--- a/_presentation/prezentare_aplicatie.pptx
+++ b/_presentation/prezentare_aplicatie.pptx
@@ -27,6 +27,7 @@
     <p:sldId id="273" r:id="rId21"/>
     <p:sldId id="274" r:id="rId22"/>
     <p:sldId id="275" r:id="rId23"/>
+    <p:sldId id="276" r:id="rId24"/>
   </p:sldIdLst>
   <p:sldSz cx="12192000" cy="6858000"/>
   <p:notesSz cx="6858000" cy="9144000"/>
@@ -283,9 +284,9 @@
             <a:fld id="{87DE6118-2437-4B30-8E3C-4D2BE6020583}" type="datetimeFigureOut">
               <a:rPr lang="en-US" smtClean="0"/>
               <a:pPr/>
-              <a:t>2/13/2022</a:t>
+              <a:t>3/21/2022</a:t>
             </a:fld>
-            <a:endParaRPr lang="en-US" dirty="0"/>
+            <a:endParaRPr lang="en-US"/>
           </a:p>
         </p:txBody>
       </p:sp>
@@ -310,7 +311,7 @@
           <a:bodyPr/>
           <a:lstStyle/>
           <a:p>
-            <a:endParaRPr lang="en-US" dirty="0"/>
+            <a:endParaRPr lang="en-US"/>
           </a:p>
         </p:txBody>
       </p:sp>
@@ -340,7 +341,7 @@
               <a:pPr/>
               <a:t>‹#›</a:t>
             </a:fld>
-            <a:endParaRPr lang="en-US" dirty="0"/>
+            <a:endParaRPr lang="en-US"/>
           </a:p>
         </p:txBody>
       </p:sp>
@@ -484,9 +485,9 @@
           <a:p>
             <a:fld id="{87DE6118-2437-4B30-8E3C-4D2BE6020583}" type="datetimeFigureOut">
               <a:rPr lang="en-US" smtClean="0"/>
-              <a:t>2/13/2022</a:t>
+              <a:t>3/21/2022</a:t>
             </a:fld>
-            <a:endParaRPr lang="en-US" dirty="0"/>
+            <a:endParaRPr lang="en-US"/>
           </a:p>
         </p:txBody>
       </p:sp>
@@ -511,7 +512,7 @@
           <a:bodyPr/>
           <a:lstStyle/>
           <a:p>
-            <a:endParaRPr lang="en-US" dirty="0"/>
+            <a:endParaRPr lang="en-US"/>
           </a:p>
         </p:txBody>
       </p:sp>
@@ -540,7 +541,7 @@
               <a:rPr lang="en-US" smtClean="0"/>
               <a:t>‹#›</a:t>
             </a:fld>
-            <a:endParaRPr lang="en-US" dirty="0"/>
+            <a:endParaRPr lang="en-US"/>
           </a:p>
         </p:txBody>
       </p:sp>
@@ -694,9 +695,9 @@
           <a:p>
             <a:fld id="{87DE6118-2437-4B30-8E3C-4D2BE6020583}" type="datetimeFigureOut">
               <a:rPr lang="en-US" smtClean="0"/>
-              <a:t>2/13/2022</a:t>
+              <a:t>3/21/2022</a:t>
             </a:fld>
-            <a:endParaRPr lang="en-US" dirty="0"/>
+            <a:endParaRPr lang="en-US"/>
           </a:p>
         </p:txBody>
       </p:sp>
@@ -721,7 +722,7 @@
           <a:bodyPr/>
           <a:lstStyle/>
           <a:p>
-            <a:endParaRPr lang="en-US" dirty="0"/>
+            <a:endParaRPr lang="en-US"/>
           </a:p>
         </p:txBody>
       </p:sp>
@@ -750,7 +751,7 @@
               <a:rPr lang="en-US" smtClean="0"/>
               <a:t>‹#›</a:t>
             </a:fld>
-            <a:endParaRPr lang="en-US" dirty="0"/>
+            <a:endParaRPr lang="en-US"/>
           </a:p>
         </p:txBody>
       </p:sp>
@@ -907,9 +908,9 @@
             <a:fld id="{87DE6118-2437-4B30-8E3C-4D2BE6020583}" type="datetimeFigureOut">
               <a:rPr lang="en-US" smtClean="0"/>
               <a:pPr/>
-              <a:t>2/13/2022</a:t>
+              <a:t>3/21/2022</a:t>
             </a:fld>
-            <a:endParaRPr lang="en-US" dirty="0"/>
+            <a:endParaRPr lang="en-US"/>
           </a:p>
         </p:txBody>
       </p:sp>
@@ -933,7 +934,7 @@
           <a:bodyPr/>
           <a:lstStyle/>
           <a:p>
-            <a:endParaRPr lang="en-US" dirty="0"/>
+            <a:endParaRPr lang="en-US"/>
           </a:p>
         </p:txBody>
       </p:sp>
@@ -962,7 +963,7 @@
               <a:pPr/>
               <a:t>‹#›</a:t>
             </a:fld>
-            <a:endParaRPr lang="en-US" dirty="0"/>
+            <a:endParaRPr lang="en-US"/>
           </a:p>
         </p:txBody>
       </p:sp>
@@ -1119,9 +1120,9 @@
           <a:p>
             <a:fld id="{87DE6118-2437-4B30-8E3C-4D2BE6020583}" type="datetimeFigureOut">
               <a:rPr lang="en-US" smtClean="0"/>
-              <a:t>2/13/2022</a:t>
+              <a:t>3/21/2022</a:t>
             </a:fld>
-            <a:endParaRPr lang="en-US" dirty="0"/>
+            <a:endParaRPr lang="en-US"/>
           </a:p>
         </p:txBody>
       </p:sp>
@@ -1140,7 +1141,7 @@
           <a:bodyPr/>
           <a:lstStyle/>
           <a:p>
-            <a:endParaRPr lang="en-US" dirty="0"/>
+            <a:endParaRPr lang="en-US"/>
           </a:p>
         </p:txBody>
       </p:sp>
@@ -1163,7 +1164,7 @@
               <a:rPr lang="en-US" smtClean="0"/>
               <a:t>‹#›</a:t>
             </a:fld>
-            <a:endParaRPr lang="en-US" dirty="0"/>
+            <a:endParaRPr lang="en-US"/>
           </a:p>
         </p:txBody>
       </p:sp>
@@ -1399,9 +1400,9 @@
             <a:fld id="{87DE6118-2437-4B30-8E3C-4D2BE6020583}" type="datetimeFigureOut">
               <a:rPr lang="en-US" smtClean="0"/>
               <a:pPr/>
-              <a:t>2/13/2022</a:t>
+              <a:t>3/21/2022</a:t>
             </a:fld>
-            <a:endParaRPr lang="en-US" dirty="0"/>
+            <a:endParaRPr lang="en-US"/>
           </a:p>
         </p:txBody>
       </p:sp>
@@ -1420,7 +1421,7 @@
           <a:bodyPr/>
           <a:lstStyle/>
           <a:p>
-            <a:endParaRPr lang="en-US" dirty="0"/>
+            <a:endParaRPr lang="en-US"/>
           </a:p>
         </p:txBody>
       </p:sp>
@@ -1444,7 +1445,7 @@
               <a:pPr/>
               <a:t>‹#›</a:t>
             </a:fld>
-            <a:endParaRPr lang="en-US" dirty="0"/>
+            <a:endParaRPr lang="en-US"/>
           </a:p>
         </p:txBody>
       </p:sp>
@@ -1668,9 +1669,9 @@
           <a:p>
             <a:fld id="{87DE6118-2437-4B30-8E3C-4D2BE6020583}" type="datetimeFigureOut">
               <a:rPr lang="en-US" smtClean="0"/>
-              <a:t>2/13/2022</a:t>
+              <a:t>3/21/2022</a:t>
             </a:fld>
-            <a:endParaRPr lang="en-US" dirty="0"/>
+            <a:endParaRPr lang="en-US"/>
           </a:p>
         </p:txBody>
       </p:sp>
@@ -1689,7 +1690,7 @@
           <a:bodyPr/>
           <a:lstStyle/>
           <a:p>
-            <a:endParaRPr lang="en-US" dirty="0"/>
+            <a:endParaRPr lang="en-US"/>
           </a:p>
         </p:txBody>
       </p:sp>
@@ -1712,7 +1713,7 @@
               <a:rPr lang="en-US" smtClean="0"/>
               <a:t>‹#›</a:t>
             </a:fld>
-            <a:endParaRPr lang="en-US" dirty="0"/>
+            <a:endParaRPr lang="en-US"/>
           </a:p>
         </p:txBody>
       </p:sp>
@@ -2084,9 +2085,9 @@
           <a:p>
             <a:fld id="{87DE6118-2437-4B30-8E3C-4D2BE6020583}" type="datetimeFigureOut">
               <a:rPr lang="en-US" smtClean="0"/>
-              <a:t>2/13/2022</a:t>
+              <a:t>3/21/2022</a:t>
             </a:fld>
-            <a:endParaRPr lang="en-US" dirty="0"/>
+            <a:endParaRPr lang="en-US"/>
           </a:p>
         </p:txBody>
       </p:sp>
@@ -2105,7 +2106,7 @@
           <a:bodyPr/>
           <a:lstStyle/>
           <a:p>
-            <a:endParaRPr lang="en-US" dirty="0"/>
+            <a:endParaRPr lang="en-US"/>
           </a:p>
         </p:txBody>
       </p:sp>
@@ -2128,7 +2129,7 @@
               <a:rPr lang="en-US" smtClean="0"/>
               <a:t>‹#›</a:t>
             </a:fld>
-            <a:endParaRPr lang="en-US" dirty="0"/>
+            <a:endParaRPr lang="en-US"/>
           </a:p>
         </p:txBody>
       </p:sp>
@@ -2233,9 +2234,9 @@
           <a:p>
             <a:fld id="{87DE6118-2437-4B30-8E3C-4D2BE6020583}" type="datetimeFigureOut">
               <a:rPr lang="en-US" smtClean="0"/>
-              <a:t>2/13/2022</a:t>
+              <a:t>3/21/2022</a:t>
             </a:fld>
-            <a:endParaRPr lang="en-US" dirty="0"/>
+            <a:endParaRPr lang="en-US"/>
           </a:p>
         </p:txBody>
       </p:sp>
@@ -2254,7 +2255,7 @@
           <a:bodyPr/>
           <a:lstStyle/>
           <a:p>
-            <a:endParaRPr lang="en-US" dirty="0"/>
+            <a:endParaRPr lang="en-US"/>
           </a:p>
         </p:txBody>
       </p:sp>
@@ -2277,7 +2278,7 @@
               <a:rPr lang="en-US" smtClean="0"/>
               <a:t>‹#›</a:t>
             </a:fld>
-            <a:endParaRPr lang="en-US" dirty="0"/>
+            <a:endParaRPr lang="en-US"/>
           </a:p>
         </p:txBody>
       </p:sp>
@@ -2359,9 +2360,9 @@
           <a:p>
             <a:fld id="{87DE6118-2437-4B30-8E3C-4D2BE6020583}" type="datetimeFigureOut">
               <a:rPr lang="en-US" smtClean="0"/>
-              <a:t>2/13/2022</a:t>
+              <a:t>3/21/2022</a:t>
             </a:fld>
-            <a:endParaRPr lang="en-US" dirty="0"/>
+            <a:endParaRPr lang="en-US"/>
           </a:p>
         </p:txBody>
       </p:sp>
@@ -2380,7 +2381,7 @@
           <a:bodyPr/>
           <a:lstStyle/>
           <a:p>
-            <a:endParaRPr lang="en-US" dirty="0"/>
+            <a:endParaRPr lang="en-US"/>
           </a:p>
         </p:txBody>
       </p:sp>
@@ -2403,7 +2404,7 @@
               <a:rPr lang="en-US" smtClean="0"/>
               <a:t>‹#›</a:t>
             </a:fld>
-            <a:endParaRPr lang="en-US" dirty="0"/>
+            <a:endParaRPr lang="en-US"/>
           </a:p>
         </p:txBody>
       </p:sp>
@@ -2611,9 +2612,9 @@
             <a:fld id="{87DE6118-2437-4B30-8E3C-4D2BE6020583}" type="datetimeFigureOut">
               <a:rPr lang="en-US" smtClean="0"/>
               <a:pPr/>
-              <a:t>2/13/2022</a:t>
+              <a:t>3/21/2022</a:t>
             </a:fld>
-            <a:endParaRPr lang="en-US" dirty="0"/>
+            <a:endParaRPr lang="en-US"/>
           </a:p>
         </p:txBody>
       </p:sp>
@@ -2632,7 +2633,7 @@
           <a:bodyPr/>
           <a:lstStyle/>
           <a:p>
-            <a:endParaRPr lang="en-US" dirty="0"/>
+            <a:endParaRPr lang="en-US"/>
           </a:p>
         </p:txBody>
       </p:sp>
@@ -2656,7 +2657,7 @@
               <a:pPr/>
               <a:t>‹#›</a:t>
             </a:fld>
-            <a:endParaRPr lang="en-US" dirty="0"/>
+            <a:endParaRPr lang="en-US"/>
           </a:p>
         </p:txBody>
       </p:sp>
@@ -2831,9 +2832,9 @@
           <a:p>
             <a:fld id="{87DE6118-2437-4B30-8E3C-4D2BE6020583}" type="datetimeFigureOut">
               <a:rPr lang="en-US" smtClean="0"/>
-              <a:t>2/13/2022</a:t>
+              <a:t>3/21/2022</a:t>
             </a:fld>
-            <a:endParaRPr lang="en-US" dirty="0"/>
+            <a:endParaRPr lang="en-US"/>
           </a:p>
         </p:txBody>
       </p:sp>
@@ -2858,7 +2859,7 @@
           <a:bodyPr/>
           <a:lstStyle/>
           <a:p>
-            <a:endParaRPr lang="en-US" dirty="0"/>
+            <a:endParaRPr lang="en-US"/>
           </a:p>
         </p:txBody>
       </p:sp>
@@ -2887,7 +2888,7 @@
               <a:rPr lang="en-US" smtClean="0"/>
               <a:t>‹#›</a:t>
             </a:fld>
-            <a:endParaRPr lang="en-US" dirty="0"/>
+            <a:endParaRPr lang="en-US"/>
           </a:p>
         </p:txBody>
       </p:sp>
@@ -3160,7 +3161,6 @@
               <a:rPr lang="en-US"/>
               <a:t>Click icon to add picture</a:t>
             </a:r>
-            <a:endParaRPr lang="en-US" dirty="0"/>
           </a:p>
         </p:txBody>
       </p:sp>
@@ -3258,9 +3258,9 @@
             <a:fld id="{87DE6118-2437-4B30-8E3C-4D2BE6020583}" type="datetimeFigureOut">
               <a:rPr lang="en-US" smtClean="0"/>
               <a:pPr/>
-              <a:t>2/13/2022</a:t>
+              <a:t>3/21/2022</a:t>
             </a:fld>
-            <a:endParaRPr lang="en-US" dirty="0"/>
+            <a:endParaRPr lang="en-US"/>
           </a:p>
         </p:txBody>
       </p:sp>
@@ -3284,7 +3284,7 @@
           <a:bodyPr/>
           <a:lstStyle/>
           <a:p>
-            <a:endParaRPr lang="en-US" dirty="0"/>
+            <a:endParaRPr lang="en-US"/>
           </a:p>
         </p:txBody>
       </p:sp>
@@ -3308,7 +3308,7 @@
               <a:pPr/>
               <a:t>‹#›</a:t>
             </a:fld>
-            <a:endParaRPr lang="en-US" dirty="0"/>
+            <a:endParaRPr lang="en-US"/>
           </a:p>
         </p:txBody>
       </p:sp>
@@ -3465,9 +3465,9 @@
           <a:p>
             <a:fld id="{87DE6118-2437-4B30-8E3C-4D2BE6020583}" type="datetimeFigureOut">
               <a:rPr lang="en-US" smtClean="0"/>
-              <a:t>2/13/2022</a:t>
+              <a:t>3/21/2022</a:t>
             </a:fld>
-            <a:endParaRPr lang="en-US" dirty="0"/>
+            <a:endParaRPr lang="en-US"/>
           </a:p>
         </p:txBody>
       </p:sp>
@@ -3486,7 +3486,7 @@
           <a:bodyPr/>
           <a:lstStyle/>
           <a:p>
-            <a:endParaRPr lang="en-US" dirty="0"/>
+            <a:endParaRPr lang="en-US"/>
           </a:p>
         </p:txBody>
       </p:sp>
@@ -3509,7 +3509,7 @@
               <a:rPr lang="en-US" smtClean="0"/>
               <a:t>‹#›</a:t>
             </a:fld>
-            <a:endParaRPr lang="en-US" dirty="0"/>
+            <a:endParaRPr lang="en-US"/>
           </a:p>
         </p:txBody>
       </p:sp>
@@ -3680,9 +3680,9 @@
           <a:p>
             <a:fld id="{87DE6118-2437-4B30-8E3C-4D2BE6020583}" type="datetimeFigureOut">
               <a:rPr lang="en-US" smtClean="0"/>
-              <a:t>2/13/2022</a:t>
+              <a:t>3/21/2022</a:t>
             </a:fld>
-            <a:endParaRPr lang="en-US" dirty="0"/>
+            <a:endParaRPr lang="en-US"/>
           </a:p>
         </p:txBody>
       </p:sp>
@@ -3701,7 +3701,7 @@
           <a:bodyPr/>
           <a:lstStyle/>
           <a:p>
-            <a:endParaRPr lang="en-US" dirty="0"/>
+            <a:endParaRPr lang="en-US"/>
           </a:p>
         </p:txBody>
       </p:sp>
@@ -3724,7 +3724,7 @@
               <a:rPr lang="en-US" smtClean="0"/>
               <a:t>‹#›</a:t>
             </a:fld>
-            <a:endParaRPr lang="en-US" dirty="0"/>
+            <a:endParaRPr lang="en-US"/>
           </a:p>
         </p:txBody>
       </p:sp>
@@ -3922,9 +3922,9 @@
             <a:fld id="{87DE6118-2437-4B30-8E3C-4D2BE6020583}" type="datetimeFigureOut">
               <a:rPr lang="en-US" smtClean="0"/>
               <a:pPr/>
-              <a:t>2/13/2022</a:t>
+              <a:t>3/21/2022</a:t>
             </a:fld>
-            <a:endParaRPr lang="en-US" dirty="0"/>
+            <a:endParaRPr lang="en-US"/>
           </a:p>
         </p:txBody>
       </p:sp>
@@ -3949,7 +3949,7 @@
           <a:bodyPr/>
           <a:lstStyle/>
           <a:p>
-            <a:endParaRPr lang="en-US" dirty="0"/>
+            <a:endParaRPr lang="en-US"/>
           </a:p>
         </p:txBody>
       </p:sp>
@@ -3979,7 +3979,7 @@
               <a:pPr/>
               <a:t>‹#›</a:t>
             </a:fld>
-            <a:endParaRPr lang="en-US" dirty="0"/>
+            <a:endParaRPr lang="en-US"/>
           </a:p>
         </p:txBody>
       </p:sp>
@@ -4123,9 +4123,9 @@
           <a:p>
             <a:fld id="{87DE6118-2437-4B30-8E3C-4D2BE6020583}" type="datetimeFigureOut">
               <a:rPr lang="en-US" smtClean="0"/>
-              <a:t>2/13/2022</a:t>
+              <a:t>3/21/2022</a:t>
             </a:fld>
-            <a:endParaRPr lang="en-US" dirty="0"/>
+            <a:endParaRPr lang="en-US"/>
           </a:p>
         </p:txBody>
       </p:sp>
@@ -4150,7 +4150,7 @@
           <a:bodyPr/>
           <a:lstStyle/>
           <a:p>
-            <a:endParaRPr lang="en-US" dirty="0"/>
+            <a:endParaRPr lang="en-US"/>
           </a:p>
         </p:txBody>
       </p:sp>
@@ -4179,7 +4179,7 @@
               <a:rPr lang="en-US" smtClean="0"/>
               <a:t>‹#›</a:t>
             </a:fld>
-            <a:endParaRPr lang="en-US" dirty="0"/>
+            <a:endParaRPr lang="en-US"/>
           </a:p>
         </p:txBody>
       </p:sp>
@@ -4400,9 +4400,9 @@
             <a:fld id="{87DE6118-2437-4B30-8E3C-4D2BE6020583}" type="datetimeFigureOut">
               <a:rPr lang="en-US" smtClean="0"/>
               <a:pPr/>
-              <a:t>2/13/2022</a:t>
+              <a:t>3/21/2022</a:t>
             </a:fld>
-            <a:endParaRPr lang="en-US" dirty="0"/>
+            <a:endParaRPr lang="en-US"/>
           </a:p>
         </p:txBody>
       </p:sp>
@@ -4427,7 +4427,7 @@
           <a:bodyPr/>
           <a:lstStyle/>
           <a:p>
-            <a:endParaRPr lang="en-US" dirty="0"/>
+            <a:endParaRPr lang="en-US"/>
           </a:p>
         </p:txBody>
       </p:sp>
@@ -4457,7 +4457,7 @@
               <a:pPr/>
               <a:t>‹#›</a:t>
             </a:fld>
-            <a:endParaRPr lang="en-US" dirty="0"/>
+            <a:endParaRPr lang="en-US"/>
           </a:p>
         </p:txBody>
       </p:sp>
@@ -4669,9 +4669,9 @@
           <a:p>
             <a:fld id="{87DE6118-2437-4B30-8E3C-4D2BE6020583}" type="datetimeFigureOut">
               <a:rPr lang="en-US" smtClean="0"/>
-              <a:t>2/13/2022</a:t>
+              <a:t>3/21/2022</a:t>
             </a:fld>
-            <a:endParaRPr lang="en-US" dirty="0"/>
+            <a:endParaRPr lang="en-US"/>
           </a:p>
         </p:txBody>
       </p:sp>
@@ -4696,7 +4696,7 @@
           <a:bodyPr/>
           <a:lstStyle/>
           <a:p>
-            <a:endParaRPr lang="en-US" dirty="0"/>
+            <a:endParaRPr lang="en-US"/>
           </a:p>
         </p:txBody>
       </p:sp>
@@ -4725,7 +4725,7 @@
               <a:rPr lang="en-US" smtClean="0"/>
               <a:t>‹#›</a:t>
             </a:fld>
-            <a:endParaRPr lang="en-US" dirty="0"/>
+            <a:endParaRPr lang="en-US"/>
           </a:p>
         </p:txBody>
       </p:sp>
@@ -5084,9 +5084,9 @@
           <a:p>
             <a:fld id="{87DE6118-2437-4B30-8E3C-4D2BE6020583}" type="datetimeFigureOut">
               <a:rPr lang="en-US" smtClean="0"/>
-              <a:t>2/13/2022</a:t>
+              <a:t>3/21/2022</a:t>
             </a:fld>
-            <a:endParaRPr lang="en-US" dirty="0"/>
+            <a:endParaRPr lang="en-US"/>
           </a:p>
         </p:txBody>
       </p:sp>
@@ -5111,7 +5111,7 @@
           <a:bodyPr/>
           <a:lstStyle/>
           <a:p>
-            <a:endParaRPr lang="en-US" dirty="0"/>
+            <a:endParaRPr lang="en-US"/>
           </a:p>
         </p:txBody>
       </p:sp>
@@ -5140,7 +5140,7 @@
               <a:rPr lang="en-US" smtClean="0"/>
               <a:t>‹#›</a:t>
             </a:fld>
-            <a:endParaRPr lang="en-US" dirty="0"/>
+            <a:endParaRPr lang="en-US"/>
           </a:p>
         </p:txBody>
       </p:sp>
@@ -5226,9 +5226,9 @@
           <a:p>
             <a:fld id="{87DE6118-2437-4B30-8E3C-4D2BE6020583}" type="datetimeFigureOut">
               <a:rPr lang="en-US" smtClean="0"/>
-              <a:t>2/13/2022</a:t>
+              <a:t>3/21/2022</a:t>
             </a:fld>
-            <a:endParaRPr lang="en-US" dirty="0"/>
+            <a:endParaRPr lang="en-US"/>
           </a:p>
         </p:txBody>
       </p:sp>
@@ -5253,7 +5253,7 @@
           <a:bodyPr/>
           <a:lstStyle/>
           <a:p>
-            <a:endParaRPr lang="en-US" dirty="0"/>
+            <a:endParaRPr lang="en-US"/>
           </a:p>
         </p:txBody>
       </p:sp>
@@ -5282,7 +5282,7 @@
               <a:rPr lang="en-US" smtClean="0"/>
               <a:t>‹#›</a:t>
             </a:fld>
-            <a:endParaRPr lang="en-US" dirty="0"/>
+            <a:endParaRPr lang="en-US"/>
           </a:p>
         </p:txBody>
       </p:sp>
@@ -5339,9 +5339,9 @@
           <a:p>
             <a:fld id="{87DE6118-2437-4B30-8E3C-4D2BE6020583}" type="datetimeFigureOut">
               <a:rPr lang="en-US" smtClean="0"/>
-              <a:t>2/13/2022</a:t>
+              <a:t>3/21/2022</a:t>
             </a:fld>
-            <a:endParaRPr lang="en-US" dirty="0"/>
+            <a:endParaRPr lang="en-US"/>
           </a:p>
         </p:txBody>
       </p:sp>
@@ -5366,7 +5366,7 @@
           <a:bodyPr/>
           <a:lstStyle/>
           <a:p>
-            <a:endParaRPr lang="en-US" dirty="0"/>
+            <a:endParaRPr lang="en-US"/>
           </a:p>
         </p:txBody>
       </p:sp>
@@ -5395,7 +5395,7 @@
               <a:rPr lang="en-US" smtClean="0"/>
               <a:t>‹#›</a:t>
             </a:fld>
-            <a:endParaRPr lang="en-US" dirty="0"/>
+            <a:endParaRPr lang="en-US"/>
           </a:p>
         </p:txBody>
       </p:sp>
@@ -5616,9 +5616,9 @@
             <a:fld id="{87DE6118-2437-4B30-8E3C-4D2BE6020583}" type="datetimeFigureOut">
               <a:rPr lang="en-US" smtClean="0"/>
               <a:pPr/>
-              <a:t>2/13/2022</a:t>
+              <a:t>3/21/2022</a:t>
             </a:fld>
-            <a:endParaRPr lang="en-US" dirty="0"/>
+            <a:endParaRPr lang="en-US"/>
           </a:p>
         </p:txBody>
       </p:sp>
@@ -5643,7 +5643,7 @@
           <a:bodyPr/>
           <a:lstStyle/>
           <a:p>
-            <a:endParaRPr lang="en-US" dirty="0"/>
+            <a:endParaRPr lang="en-US"/>
           </a:p>
         </p:txBody>
       </p:sp>
@@ -5673,7 +5673,7 @@
               <a:pPr/>
               <a:t>‹#›</a:t>
             </a:fld>
-            <a:endParaRPr lang="en-US" dirty="0"/>
+            <a:endParaRPr lang="en-US"/>
           </a:p>
         </p:txBody>
       </p:sp>
@@ -5931,9 +5931,9 @@
             <a:fld id="{87DE6118-2437-4B30-8E3C-4D2BE6020583}" type="datetimeFigureOut">
               <a:rPr lang="en-US" smtClean="0"/>
               <a:pPr/>
-              <a:t>2/13/2022</a:t>
+              <a:t>3/21/2022</a:t>
             </a:fld>
-            <a:endParaRPr lang="en-US" dirty="0"/>
+            <a:endParaRPr lang="en-US"/>
           </a:p>
         </p:txBody>
       </p:sp>
@@ -5958,7 +5958,7 @@
           <a:bodyPr/>
           <a:lstStyle/>
           <a:p>
-            <a:endParaRPr lang="en-US" dirty="0"/>
+            <a:endParaRPr lang="en-US"/>
           </a:p>
         </p:txBody>
       </p:sp>
@@ -5988,7 +5988,7 @@
               <a:pPr/>
               <a:t>‹#›</a:t>
             </a:fld>
-            <a:endParaRPr lang="en-US" dirty="0"/>
+            <a:endParaRPr lang="en-US"/>
           </a:p>
         </p:txBody>
       </p:sp>
@@ -6222,9 +6222,9 @@
             <a:fld id="{87DE6118-2437-4B30-8E3C-4D2BE6020583}" type="datetimeFigureOut">
               <a:rPr lang="en-US" smtClean="0"/>
               <a:pPr/>
-              <a:t>2/13/2022</a:t>
+              <a:t>3/21/2022</a:t>
             </a:fld>
-            <a:endParaRPr lang="en-US" dirty="0"/>
+            <a:endParaRPr lang="en-US"/>
           </a:p>
         </p:txBody>
       </p:sp>
@@ -6249,7 +6249,7 @@
           <a:bodyPr/>
           <a:lstStyle/>
           <a:p>
-            <a:endParaRPr lang="en-US" dirty="0"/>
+            <a:endParaRPr lang="en-US"/>
           </a:p>
         </p:txBody>
       </p:sp>
@@ -6279,7 +6279,7 @@
               <a:pPr/>
               <a:t>‹#›</a:t>
             </a:fld>
-            <a:endParaRPr lang="en-US" dirty="0"/>
+            <a:endParaRPr lang="en-US"/>
           </a:p>
         </p:txBody>
       </p:sp>
@@ -6423,9 +6423,9 @@
           <a:p>
             <a:fld id="{87DE6118-2437-4B30-8E3C-4D2BE6020583}" type="datetimeFigureOut">
               <a:rPr lang="en-US" smtClean="0"/>
-              <a:t>2/13/2022</a:t>
+              <a:t>3/21/2022</a:t>
             </a:fld>
-            <a:endParaRPr lang="en-US" dirty="0"/>
+            <a:endParaRPr lang="en-US"/>
           </a:p>
         </p:txBody>
       </p:sp>
@@ -6450,7 +6450,7 @@
           <a:bodyPr/>
           <a:lstStyle/>
           <a:p>
-            <a:endParaRPr lang="en-US" dirty="0"/>
+            <a:endParaRPr lang="en-US"/>
           </a:p>
         </p:txBody>
       </p:sp>
@@ -6479,7 +6479,7 @@
               <a:rPr lang="en-US" smtClean="0"/>
               <a:t>‹#›</a:t>
             </a:fld>
-            <a:endParaRPr lang="en-US" dirty="0"/>
+            <a:endParaRPr lang="en-US"/>
           </a:p>
         </p:txBody>
       </p:sp>
@@ -6633,9 +6633,9 @@
           <a:p>
             <a:fld id="{87DE6118-2437-4B30-8E3C-4D2BE6020583}" type="datetimeFigureOut">
               <a:rPr lang="en-US" smtClean="0"/>
-              <a:t>2/13/2022</a:t>
+              <a:t>3/21/2022</a:t>
             </a:fld>
-            <a:endParaRPr lang="en-US" dirty="0"/>
+            <a:endParaRPr lang="en-US"/>
           </a:p>
         </p:txBody>
       </p:sp>
@@ -6660,7 +6660,7 @@
           <a:bodyPr/>
           <a:lstStyle/>
           <a:p>
-            <a:endParaRPr lang="en-US" dirty="0"/>
+            <a:endParaRPr lang="en-US"/>
           </a:p>
         </p:txBody>
       </p:sp>
@@ -6689,7 +6689,7 @@
               <a:rPr lang="en-US" smtClean="0"/>
               <a:t>‹#›</a:t>
             </a:fld>
-            <a:endParaRPr lang="en-US" dirty="0"/>
+            <a:endParaRPr lang="en-US"/>
           </a:p>
         </p:txBody>
       </p:sp>
@@ -6901,9 +6901,9 @@
           <a:p>
             <a:fld id="{87DE6118-2437-4B30-8E3C-4D2BE6020583}" type="datetimeFigureOut">
               <a:rPr lang="en-US" smtClean="0"/>
-              <a:t>2/13/2022</a:t>
+              <a:t>3/21/2022</a:t>
             </a:fld>
-            <a:endParaRPr lang="en-US" dirty="0"/>
+            <a:endParaRPr lang="en-US"/>
           </a:p>
         </p:txBody>
       </p:sp>
@@ -6928,7 +6928,7 @@
           <a:bodyPr/>
           <a:lstStyle/>
           <a:p>
-            <a:endParaRPr lang="en-US" dirty="0"/>
+            <a:endParaRPr lang="en-US"/>
           </a:p>
         </p:txBody>
       </p:sp>
@@ -6957,7 +6957,7 @@
               <a:rPr lang="en-US" smtClean="0"/>
               <a:t>‹#›</a:t>
             </a:fld>
-            <a:endParaRPr lang="en-US" dirty="0"/>
+            <a:endParaRPr lang="en-US"/>
           </a:p>
         </p:txBody>
       </p:sp>
@@ -7316,9 +7316,9 @@
           <a:p>
             <a:fld id="{87DE6118-2437-4B30-8E3C-4D2BE6020583}" type="datetimeFigureOut">
               <a:rPr lang="en-US" smtClean="0"/>
-              <a:t>2/13/2022</a:t>
+              <a:t>3/21/2022</a:t>
             </a:fld>
-            <a:endParaRPr lang="en-US" dirty="0"/>
+            <a:endParaRPr lang="en-US"/>
           </a:p>
         </p:txBody>
       </p:sp>
@@ -7343,7 +7343,7 @@
           <a:bodyPr/>
           <a:lstStyle/>
           <a:p>
-            <a:endParaRPr lang="en-US" dirty="0"/>
+            <a:endParaRPr lang="en-US"/>
           </a:p>
         </p:txBody>
       </p:sp>
@@ -7372,7 +7372,7 @@
               <a:rPr lang="en-US" smtClean="0"/>
               <a:t>‹#›</a:t>
             </a:fld>
-            <a:endParaRPr lang="en-US" dirty="0"/>
+            <a:endParaRPr lang="en-US"/>
           </a:p>
         </p:txBody>
       </p:sp>
@@ -7458,9 +7458,9 @@
           <a:p>
             <a:fld id="{87DE6118-2437-4B30-8E3C-4D2BE6020583}" type="datetimeFigureOut">
               <a:rPr lang="en-US" smtClean="0"/>
-              <a:t>2/13/2022</a:t>
+              <a:t>3/21/2022</a:t>
             </a:fld>
-            <a:endParaRPr lang="en-US" dirty="0"/>
+            <a:endParaRPr lang="en-US"/>
           </a:p>
         </p:txBody>
       </p:sp>
@@ -7485,7 +7485,7 @@
           <a:bodyPr/>
           <a:lstStyle/>
           <a:p>
-            <a:endParaRPr lang="en-US" dirty="0"/>
+            <a:endParaRPr lang="en-US"/>
           </a:p>
         </p:txBody>
       </p:sp>
@@ -7514,7 +7514,7 @@
               <a:rPr lang="en-US" smtClean="0"/>
               <a:t>‹#›</a:t>
             </a:fld>
-            <a:endParaRPr lang="en-US" dirty="0"/>
+            <a:endParaRPr lang="en-US"/>
           </a:p>
         </p:txBody>
       </p:sp>
@@ -7571,9 +7571,9 @@
           <a:p>
             <a:fld id="{87DE6118-2437-4B30-8E3C-4D2BE6020583}" type="datetimeFigureOut">
               <a:rPr lang="en-US" smtClean="0"/>
-              <a:t>2/13/2022</a:t>
+              <a:t>3/21/2022</a:t>
             </a:fld>
-            <a:endParaRPr lang="en-US" dirty="0"/>
+            <a:endParaRPr lang="en-US"/>
           </a:p>
         </p:txBody>
       </p:sp>
@@ -7598,7 +7598,7 @@
           <a:bodyPr/>
           <a:lstStyle/>
           <a:p>
-            <a:endParaRPr lang="en-US" dirty="0"/>
+            <a:endParaRPr lang="en-US"/>
           </a:p>
         </p:txBody>
       </p:sp>
@@ -7627,7 +7627,7 @@
               <a:rPr lang="en-US" smtClean="0"/>
               <a:t>‹#›</a:t>
             </a:fld>
-            <a:endParaRPr lang="en-US" dirty="0"/>
+            <a:endParaRPr lang="en-US"/>
           </a:p>
         </p:txBody>
       </p:sp>
@@ -7885,9 +7885,9 @@
             <a:fld id="{87DE6118-2437-4B30-8E3C-4D2BE6020583}" type="datetimeFigureOut">
               <a:rPr lang="en-US" smtClean="0"/>
               <a:pPr/>
-              <a:t>2/13/2022</a:t>
+              <a:t>3/21/2022</a:t>
             </a:fld>
-            <a:endParaRPr lang="en-US" dirty="0"/>
+            <a:endParaRPr lang="en-US"/>
           </a:p>
         </p:txBody>
       </p:sp>
@@ -7912,7 +7912,7 @@
           <a:bodyPr/>
           <a:lstStyle/>
           <a:p>
-            <a:endParaRPr lang="en-US" dirty="0"/>
+            <a:endParaRPr lang="en-US"/>
           </a:p>
         </p:txBody>
       </p:sp>
@@ -7942,7 +7942,7 @@
               <a:pPr/>
               <a:t>‹#›</a:t>
             </a:fld>
-            <a:endParaRPr lang="en-US" dirty="0"/>
+            <a:endParaRPr lang="en-US"/>
           </a:p>
         </p:txBody>
       </p:sp>
@@ -8176,9 +8176,9 @@
             <a:fld id="{87DE6118-2437-4B30-8E3C-4D2BE6020583}" type="datetimeFigureOut">
               <a:rPr lang="en-US" smtClean="0"/>
               <a:pPr/>
-              <a:t>2/13/2022</a:t>
+              <a:t>3/21/2022</a:t>
             </a:fld>
-            <a:endParaRPr lang="en-US" dirty="0"/>
+            <a:endParaRPr lang="en-US"/>
           </a:p>
         </p:txBody>
       </p:sp>
@@ -8203,7 +8203,7 @@
           <a:bodyPr/>
           <a:lstStyle/>
           <a:p>
-            <a:endParaRPr lang="en-US" dirty="0"/>
+            <a:endParaRPr lang="en-US"/>
           </a:p>
         </p:txBody>
       </p:sp>
@@ -8233,7 +8233,7 @@
               <a:pPr/>
               <a:t>‹#›</a:t>
             </a:fld>
-            <a:endParaRPr lang="en-US" dirty="0"/>
+            <a:endParaRPr lang="en-US"/>
           </a:p>
         </p:txBody>
       </p:sp>
@@ -8421,9 +8421,9 @@
             <a:fld id="{87DE6118-2437-4B30-8E3C-4D2BE6020583}" type="datetimeFigureOut">
               <a:rPr lang="en-US" smtClean="0"/>
               <a:pPr/>
-              <a:t>2/13/2022</a:t>
+              <a:t>3/21/2022</a:t>
             </a:fld>
-            <a:endParaRPr lang="en-US" dirty="0"/>
+            <a:endParaRPr lang="en-US"/>
           </a:p>
         </p:txBody>
       </p:sp>
@@ -8466,7 +8466,7 @@
             </a:lvl1pPr>
           </a:lstStyle>
           <a:p>
-            <a:endParaRPr lang="en-US" dirty="0"/>
+            <a:endParaRPr lang="en-US"/>
           </a:p>
         </p:txBody>
       </p:sp>
@@ -8514,7 +8514,7 @@
               <a:pPr/>
               <a:t>‹#›</a:t>
             </a:fld>
-            <a:endParaRPr lang="en-US" dirty="0"/>
+            <a:endParaRPr lang="en-US"/>
           </a:p>
         </p:txBody>
       </p:sp>
@@ -9058,9 +9058,9 @@
             <a:fld id="{87DE6118-2437-4B30-8E3C-4D2BE6020583}" type="datetimeFigureOut">
               <a:rPr lang="en-US" smtClean="0"/>
               <a:pPr/>
-              <a:t>2/13/2022</a:t>
+              <a:t>3/21/2022</a:t>
             </a:fld>
-            <a:endParaRPr lang="en-US" dirty="0"/>
+            <a:endParaRPr lang="en-US"/>
           </a:p>
         </p:txBody>
       </p:sp>
@@ -9097,7 +9097,7 @@
             </a:lvl1pPr>
           </a:lstStyle>
           <a:p>
-            <a:endParaRPr lang="en-US" dirty="0"/>
+            <a:endParaRPr lang="en-US"/>
           </a:p>
         </p:txBody>
       </p:sp>
@@ -9137,7 +9137,7 @@
               <a:pPr/>
               <a:t>‹#›</a:t>
             </a:fld>
-            <a:endParaRPr lang="en-US" dirty="0"/>
+            <a:endParaRPr lang="en-US"/>
           </a:p>
         </p:txBody>
       </p:sp>
@@ -9704,9 +9704,9 @@
             <a:fld id="{87DE6118-2437-4B30-8E3C-4D2BE6020583}" type="datetimeFigureOut">
               <a:rPr lang="en-US" smtClean="0"/>
               <a:pPr/>
-              <a:t>2/13/2022</a:t>
+              <a:t>3/21/2022</a:t>
             </a:fld>
-            <a:endParaRPr lang="en-US" dirty="0"/>
+            <a:endParaRPr lang="en-US"/>
           </a:p>
         </p:txBody>
       </p:sp>
@@ -9749,7 +9749,7 @@
             </a:lvl1pPr>
           </a:lstStyle>
           <a:p>
-            <a:endParaRPr lang="en-US" dirty="0"/>
+            <a:endParaRPr lang="en-US"/>
           </a:p>
         </p:txBody>
       </p:sp>
@@ -9797,7 +9797,7 @@
               <a:pPr/>
               <a:t>‹#›</a:t>
             </a:fld>
-            <a:endParaRPr lang="en-US" dirty="0"/>
+            <a:endParaRPr lang="en-US"/>
           </a:p>
         </p:txBody>
       </p:sp>
@@ -10156,8 +10156,20 @@
           <a:lstStyle/>
           <a:p>
             <a:r>
+              <a:rPr lang="en-US" sz="3600" err="1"/>
+              <a:t>Instalare</a:t>
+            </a:r>
+            <a:r>
               <a:rPr lang="en-US" sz="3600"/>
-              <a:t>Instalare aplicatie Laravel</a:t>
+              <a:t> </a:t>
+            </a:r>
+            <a:r>
+              <a:rPr lang="en-US" sz="3600" err="1"/>
+              <a:t>aplicatie</a:t>
+            </a:r>
+            <a:r>
+              <a:rPr lang="en-US" sz="3600"/>
+              <a:t> Laravel</a:t>
             </a:r>
             <a:endParaRPr lang="ro-RO" sz="3600"/>
           </a:p>
@@ -16371,7 +16383,7 @@
                     <a:lstStyle/>
                     <a:p>
                       <a:r>
-                        <a:rPr lang="en-US" sz="1400" dirty="0"/>
+                        <a:rPr lang="en-US" sz="1400"/>
                         <a:t>position</a:t>
                       </a:r>
                     </a:p>
@@ -16397,10 +16409,10 @@
                     <a:lstStyle/>
                     <a:p>
                       <a:r>
-                        <a:rPr lang="en-US" sz="1400" dirty="0"/>
+                        <a:rPr lang="en-US" sz="1400"/>
                         <a:t>active</a:t>
                       </a:r>
-                      <a:endParaRPr lang="ro-RO" sz="1400" dirty="0"/>
+                      <a:endParaRPr lang="ro-RO" sz="1400"/>
                     </a:p>
                   </a:txBody>
                   <a:tcPr>
@@ -16424,10 +16436,10 @@
                     <a:lstStyle/>
                     <a:p>
                       <a:r>
-                        <a:rPr lang="en-US" sz="1400" dirty="0"/>
+                        <a:rPr lang="en-US" sz="1400"/>
                         <a:t>promo</a:t>
                       </a:r>
-                      <a:endParaRPr lang="ro-RO" sz="1400" dirty="0"/>
+                      <a:endParaRPr lang="ro-RO" sz="1400"/>
                     </a:p>
                   </a:txBody>
                   <a:tcPr>
@@ -16507,10 +16519,10 @@
                     <a:lstStyle/>
                     <a:p>
                       <a:r>
-                        <a:rPr lang="en-US" sz="1400" dirty="0" err="1"/>
+                        <a:rPr lang="en-US" sz="1400" err="1"/>
                         <a:t>meta_title</a:t>
                       </a:r>
-                      <a:endParaRPr lang="ro-RO" sz="1400" dirty="0"/>
+                      <a:endParaRPr lang="ro-RO" sz="1400"/>
                     </a:p>
                   </a:txBody>
                   <a:tcPr>
@@ -16619,10 +16631,10 @@
                     <a:lstStyle/>
                     <a:p>
                       <a:r>
-                        <a:rPr lang="en-US" sz="1400" b="1" dirty="0"/>
+                        <a:rPr lang="en-US" sz="1400" b="1"/>
                         <a:t>Photos</a:t>
                       </a:r>
-                      <a:endParaRPr lang="ro-RO" sz="1400" b="1" dirty="0"/>
+                      <a:endParaRPr lang="ro-RO" sz="1400" b="1"/>
                     </a:p>
                   </a:txBody>
                   <a:tcPr>
@@ -16647,10 +16659,10 @@
                     <a:lstStyle/>
                     <a:p>
                       <a:r>
-                        <a:rPr lang="en-US" sz="1400" dirty="0"/>
+                        <a:rPr lang="en-US" sz="1400"/>
                         <a:t>id</a:t>
                       </a:r>
-                      <a:endParaRPr lang="ro-RO" sz="1400" dirty="0"/>
+                      <a:endParaRPr lang="ro-RO" sz="1400"/>
                     </a:p>
                   </a:txBody>
                   <a:tcPr/>
@@ -16860,10 +16872,10 @@
                     <a:lstStyle/>
                     <a:p>
                       <a:r>
-                        <a:rPr lang="en-US" sz="1400" dirty="0" err="1"/>
+                        <a:rPr lang="en-US" sz="1400" err="1"/>
                         <a:t>photoable_type</a:t>
                       </a:r>
-                      <a:endParaRPr lang="ro-RO" sz="1400" dirty="0"/>
+                      <a:endParaRPr lang="ro-RO" sz="1400"/>
                     </a:p>
                   </a:txBody>
                   <a:tcPr>
@@ -21866,10 +21878,10 @@
                     <a:lstStyle/>
                     <a:p>
                       <a:r>
-                        <a:rPr lang="en-US" sz="1400" b="1" dirty="0"/>
+                        <a:rPr lang="en-US" sz="1400" b="1"/>
                         <a:t>Sections</a:t>
                       </a:r>
-                      <a:endParaRPr lang="ro-RO" sz="1400" b="1" dirty="0"/>
+                      <a:endParaRPr lang="ro-RO" sz="1400" b="1"/>
                     </a:p>
                   </a:txBody>
                   <a:tcPr>
@@ -21979,10 +21991,10 @@
                     <a:lstStyle/>
                     <a:p>
                       <a:r>
-                        <a:rPr lang="en-US" sz="1400" b="1" dirty="0"/>
+                        <a:rPr lang="en-US" sz="1400" b="1"/>
                         <a:t>Brands</a:t>
                       </a:r>
-                      <a:endParaRPr lang="ro-RO" sz="1400" b="1" dirty="0"/>
+                      <a:endParaRPr lang="ro-RO" sz="1400" b="1"/>
                     </a:p>
                   </a:txBody>
                   <a:tcPr>
@@ -22091,10 +22103,10 @@
                     <a:lstStyle/>
                     <a:p>
                       <a:r>
-                        <a:rPr lang="en-US" sz="1400" b="1" dirty="0"/>
+                        <a:rPr lang="en-US" sz="1400" b="1"/>
                         <a:t>Photos</a:t>
                       </a:r>
-                      <a:endParaRPr lang="ro-RO" sz="1400" b="1" dirty="0"/>
+                      <a:endParaRPr lang="ro-RO" sz="1400" b="1"/>
                     </a:p>
                   </a:txBody>
                   <a:tcPr>
@@ -22239,10 +22251,10 @@
                     <a:lstStyle/>
                     <a:p>
                       <a:r>
-                        <a:rPr lang="en-US" sz="1400" b="1" dirty="0"/>
+                        <a:rPr lang="en-US" sz="1400" b="1"/>
                         <a:t>categories</a:t>
                       </a:r>
-                      <a:endParaRPr lang="ro-RO" sz="1400" b="1" dirty="0"/>
+                      <a:endParaRPr lang="ro-RO" sz="1400" b="1"/>
                     </a:p>
                   </a:txBody>
                   <a:tcPr>
@@ -23294,6 +23306,2482 @@
 </p:sld>
 </file>
 
+<file path=ppt/slides/slide21.xml><?xml version="1.0" encoding="utf-8"?>
+<p:sld xmlns:a="http://schemas.openxmlformats.org/drawingml/2006/main" xmlns:r="http://schemas.openxmlformats.org/officeDocument/2006/relationships" xmlns:p="http://schemas.openxmlformats.org/presentationml/2006/main">
+  <p:cSld>
+    <p:bg>
+      <p:bgPr>
+        <a:solidFill>
+          <a:schemeClr val="bg1">
+            <a:lumMod val="95000"/>
+          </a:schemeClr>
+        </a:solidFill>
+        <a:effectLst/>
+      </p:bgPr>
+    </p:bg>
+    <p:spTree>
+      <p:nvGrpSpPr>
+        <p:cNvPr id="1" name=""/>
+        <p:cNvGrpSpPr/>
+        <p:nvPr/>
+      </p:nvGrpSpPr>
+      <p:grpSpPr>
+        <a:xfrm>
+          <a:off x="0" y="0"/>
+          <a:ext cx="0" cy="0"/>
+          <a:chOff x="0" y="0"/>
+          <a:chExt cx="0" cy="0"/>
+        </a:xfrm>
+      </p:grpSpPr>
+      <p:sp>
+        <p:nvSpPr>
+          <p:cNvPr id="2" name="Title 1">
+            <a:extLst>
+              <a:ext uri="{FF2B5EF4-FFF2-40B4-BE49-F238E27FC236}">
+                <a16:creationId xmlns:a16="http://schemas.microsoft.com/office/drawing/2014/main" id="{1278B2C4-88FC-475E-BE01-163F0C289BD8}"/>
+              </a:ext>
+            </a:extLst>
+          </p:cNvPr>
+          <p:cNvSpPr>
+            <a:spLocks noGrp="1"/>
+          </p:cNvSpPr>
+          <p:nvPr>
+            <p:ph type="title"/>
+          </p:nvPr>
+        </p:nvSpPr>
+        <p:spPr>
+          <a:xfrm>
+            <a:off x="838200" y="365125"/>
+            <a:ext cx="10515600" cy="498941"/>
+          </a:xfrm>
+        </p:spPr>
+        <p:style>
+          <a:lnRef idx="2">
+            <a:schemeClr val="dk1">
+              <a:shade val="50000"/>
+            </a:schemeClr>
+          </a:lnRef>
+          <a:fillRef idx="1">
+            <a:schemeClr val="dk1"/>
+          </a:fillRef>
+          <a:effectRef idx="0">
+            <a:schemeClr val="dk1"/>
+          </a:effectRef>
+          <a:fontRef idx="minor">
+            <a:schemeClr val="lt1"/>
+          </a:fontRef>
+        </p:style>
+        <p:txBody>
+          <a:bodyPr>
+            <a:normAutofit/>
+          </a:bodyPr>
+          <a:lstStyle/>
+          <a:p>
+            <a:r>
+              <a:rPr lang="en-US" sz="2000"/>
+              <a:t>Cart products table</a:t>
+            </a:r>
+          </a:p>
+        </p:txBody>
+      </p:sp>
+      <p:sp>
+        <p:nvSpPr>
+          <p:cNvPr id="3" name="TextBox 2">
+            <a:extLst>
+              <a:ext uri="{FF2B5EF4-FFF2-40B4-BE49-F238E27FC236}">
+                <a16:creationId xmlns:a16="http://schemas.microsoft.com/office/drawing/2014/main" id="{B9DDD042-2933-4E60-B920-59B1DC53F9E8}"/>
+              </a:ext>
+            </a:extLst>
+          </p:cNvPr>
+          <p:cNvSpPr txBox="1"/>
+          <p:nvPr/>
+        </p:nvSpPr>
+        <p:spPr>
+          <a:xfrm>
+            <a:off x="710360" y="1062564"/>
+            <a:ext cx="4781630" cy="369332"/>
+          </a:xfrm>
+          <a:prstGeom prst="rect">
+            <a:avLst/>
+          </a:prstGeom>
+          <a:noFill/>
+        </p:spPr>
+        <p:txBody>
+          <a:bodyPr wrap="none" rtlCol="0">
+            <a:spAutoFit/>
+          </a:bodyPr>
+          <a:lstStyle/>
+          <a:p>
+            <a:r>
+              <a:rPr lang="en-US"/>
+              <a:t>php artisan make:livewire Products/CartProducts</a:t>
+            </a:r>
+          </a:p>
+        </p:txBody>
+      </p:sp>
+      <p:sp>
+        <p:nvSpPr>
+          <p:cNvPr id="4" name="TextBox 3">
+            <a:extLst>
+              <a:ext uri="{FF2B5EF4-FFF2-40B4-BE49-F238E27FC236}">
+                <a16:creationId xmlns:a16="http://schemas.microsoft.com/office/drawing/2014/main" id="{E7D23CEE-6F0C-4D52-9BC5-BEA9342623D4}"/>
+              </a:ext>
+            </a:extLst>
+          </p:cNvPr>
+          <p:cNvSpPr txBox="1"/>
+          <p:nvPr/>
+        </p:nvSpPr>
+        <p:spPr>
+          <a:xfrm>
+            <a:off x="641717" y="1491482"/>
+            <a:ext cx="7469224" cy="369332"/>
+          </a:xfrm>
+          <a:prstGeom prst="rect">
+            <a:avLst/>
+          </a:prstGeom>
+          <a:noFill/>
+        </p:spPr>
+        <p:txBody>
+          <a:bodyPr wrap="none" rtlCol="0">
+            <a:spAutoFit/>
+          </a:bodyPr>
+          <a:lstStyle/>
+          <a:p>
+            <a:r>
+              <a:rPr lang="en-US"/>
+              <a:t>Creem relatia dintre itemii cosului (modelul </a:t>
+            </a:r>
+            <a:r>
+              <a:rPr lang="en-US">
+                <a:solidFill>
+                  <a:srgbClr val="C00000"/>
+                </a:solidFill>
+              </a:rPr>
+              <a:t>Cart</a:t>
+            </a:r>
+            <a:r>
+              <a:rPr lang="en-US"/>
+              <a:t>) si produse (modelul </a:t>
+            </a:r>
+            <a:r>
+              <a:rPr lang="en-US">
+                <a:solidFill>
+                  <a:srgbClr val="C00000"/>
+                </a:solidFill>
+              </a:rPr>
+              <a:t>Product</a:t>
+            </a:r>
+            <a:r>
+              <a:rPr lang="en-US"/>
+              <a:t>)</a:t>
+            </a:r>
+          </a:p>
+        </p:txBody>
+      </p:sp>
+      <p:sp>
+        <p:nvSpPr>
+          <p:cNvPr id="6" name="TextBox 5">
+            <a:extLst>
+              <a:ext uri="{FF2B5EF4-FFF2-40B4-BE49-F238E27FC236}">
+                <a16:creationId xmlns:a16="http://schemas.microsoft.com/office/drawing/2014/main" id="{03C1ECEF-F634-4296-8142-6774BE13EB96}"/>
+              </a:ext>
+            </a:extLst>
+          </p:cNvPr>
+          <p:cNvSpPr txBox="1"/>
+          <p:nvPr/>
+        </p:nvSpPr>
+        <p:spPr>
+          <a:xfrm>
+            <a:off x="641717" y="2059312"/>
+            <a:ext cx="8895248" cy="1200329"/>
+          </a:xfrm>
+          <a:prstGeom prst="rect">
+            <a:avLst/>
+          </a:prstGeom>
+          <a:noFill/>
+        </p:spPr>
+        <p:txBody>
+          <a:bodyPr wrap="square">
+            <a:spAutoFit/>
+          </a:bodyPr>
+          <a:lstStyle/>
+          <a:p>
+            <a:r>
+              <a:rPr lang="en-US" b="0">
+                <a:solidFill>
+                  <a:srgbClr val="F9E7C4"/>
+                </a:solidFill>
+                <a:effectLst/>
+                <a:latin typeface="Consolas" panose="020B0609020204030204" pitchFamily="49" charset="0"/>
+              </a:rPr>
+              <a:t> </a:t>
+            </a:r>
+            <a:r>
+              <a:rPr lang="en-US" b="0">
+                <a:solidFill>
+                  <a:srgbClr val="B294BB"/>
+                </a:solidFill>
+                <a:effectLst/>
+                <a:latin typeface="Consolas" panose="020B0609020204030204" pitchFamily="49" charset="0"/>
+              </a:rPr>
+              <a:t>public</a:t>
+            </a:r>
+            <a:r>
+              <a:rPr lang="en-US" b="0">
+                <a:solidFill>
+                  <a:srgbClr val="F9E7C4"/>
+                </a:solidFill>
+                <a:effectLst/>
+                <a:latin typeface="Consolas" panose="020B0609020204030204" pitchFamily="49" charset="0"/>
+              </a:rPr>
+              <a:t> </a:t>
+            </a:r>
+            <a:r>
+              <a:rPr lang="en-US" b="0">
+                <a:solidFill>
+                  <a:srgbClr val="B294BB"/>
+                </a:solidFill>
+                <a:effectLst/>
+                <a:latin typeface="Consolas" panose="020B0609020204030204" pitchFamily="49" charset="0"/>
+              </a:rPr>
+              <a:t>function</a:t>
+            </a:r>
+            <a:r>
+              <a:rPr lang="en-US" b="0">
+                <a:solidFill>
+                  <a:srgbClr val="F9E7C4"/>
+                </a:solidFill>
+                <a:effectLst/>
+                <a:latin typeface="Consolas" panose="020B0609020204030204" pitchFamily="49" charset="0"/>
+              </a:rPr>
+              <a:t> </a:t>
+            </a:r>
+            <a:r>
+              <a:rPr lang="en-US" b="0">
+                <a:solidFill>
+                  <a:srgbClr val="81A2BE"/>
+                </a:solidFill>
+                <a:effectLst/>
+                <a:latin typeface="Consolas" panose="020B0609020204030204" pitchFamily="49" charset="0"/>
+              </a:rPr>
+              <a:t>product</a:t>
+            </a:r>
+            <a:r>
+              <a:rPr lang="en-US" b="0">
+                <a:solidFill>
+                  <a:srgbClr val="81755D"/>
+                </a:solidFill>
+                <a:effectLst/>
+                <a:latin typeface="Consolas" panose="020B0609020204030204" pitchFamily="49" charset="0"/>
+              </a:rPr>
+              <a:t>()</a:t>
+            </a:r>
+            <a:endParaRPr lang="en-US" b="0">
+              <a:solidFill>
+                <a:srgbClr val="F9E7C4"/>
+              </a:solidFill>
+              <a:effectLst/>
+              <a:latin typeface="Consolas" panose="020B0609020204030204" pitchFamily="49" charset="0"/>
+            </a:endParaRPr>
+          </a:p>
+          <a:p>
+            <a:r>
+              <a:rPr lang="en-US" b="0">
+                <a:solidFill>
+                  <a:srgbClr val="F9E7C4"/>
+                </a:solidFill>
+                <a:effectLst/>
+                <a:latin typeface="Consolas" panose="020B0609020204030204" pitchFamily="49" charset="0"/>
+              </a:rPr>
+              <a:t>    </a:t>
+            </a:r>
+            <a:r>
+              <a:rPr lang="en-US" b="0">
+                <a:solidFill>
+                  <a:srgbClr val="81755D"/>
+                </a:solidFill>
+                <a:effectLst/>
+                <a:latin typeface="Consolas" panose="020B0609020204030204" pitchFamily="49" charset="0"/>
+              </a:rPr>
+              <a:t>{</a:t>
+            </a:r>
+            <a:endParaRPr lang="en-US" b="0">
+              <a:solidFill>
+                <a:srgbClr val="F9E7C4"/>
+              </a:solidFill>
+              <a:effectLst/>
+              <a:latin typeface="Consolas" panose="020B0609020204030204" pitchFamily="49" charset="0"/>
+            </a:endParaRPr>
+          </a:p>
+          <a:p>
+            <a:r>
+              <a:rPr lang="en-US" b="0">
+                <a:solidFill>
+                  <a:srgbClr val="F9E7C4"/>
+                </a:solidFill>
+                <a:effectLst/>
+                <a:latin typeface="Consolas" panose="020B0609020204030204" pitchFamily="49" charset="0"/>
+              </a:rPr>
+              <a:t>        </a:t>
+            </a:r>
+            <a:r>
+              <a:rPr lang="en-US" b="0">
+                <a:solidFill>
+                  <a:srgbClr val="B294BB"/>
+                </a:solidFill>
+                <a:effectLst/>
+                <a:latin typeface="Consolas" panose="020B0609020204030204" pitchFamily="49" charset="0"/>
+              </a:rPr>
+              <a:t>return</a:t>
+            </a:r>
+            <a:r>
+              <a:rPr lang="en-US" b="0">
+                <a:solidFill>
+                  <a:srgbClr val="F9E7C4"/>
+                </a:solidFill>
+                <a:effectLst/>
+                <a:latin typeface="Consolas" panose="020B0609020204030204" pitchFamily="49" charset="0"/>
+              </a:rPr>
+              <a:t> </a:t>
+            </a:r>
+            <a:r>
+              <a:rPr lang="en-US" b="0">
+                <a:solidFill>
+                  <a:srgbClr val="81755D"/>
+                </a:solidFill>
+                <a:effectLst/>
+                <a:latin typeface="Consolas" panose="020B0609020204030204" pitchFamily="49" charset="0"/>
+              </a:rPr>
+              <a:t>$</a:t>
+            </a:r>
+            <a:r>
+              <a:rPr lang="en-US" b="0">
+                <a:solidFill>
+                  <a:srgbClr val="CC6666"/>
+                </a:solidFill>
+                <a:effectLst/>
+                <a:latin typeface="Consolas" panose="020B0609020204030204" pitchFamily="49" charset="0"/>
+              </a:rPr>
+              <a:t>this</a:t>
+            </a:r>
+            <a:r>
+              <a:rPr lang="en-US" b="0">
+                <a:solidFill>
+                  <a:srgbClr val="B294BB"/>
+                </a:solidFill>
+                <a:effectLst/>
+                <a:latin typeface="Consolas" panose="020B0609020204030204" pitchFamily="49" charset="0"/>
+              </a:rPr>
+              <a:t>-&gt;</a:t>
+            </a:r>
+            <a:r>
+              <a:rPr lang="en-US" b="0">
+                <a:solidFill>
+                  <a:srgbClr val="81A2BE"/>
+                </a:solidFill>
+                <a:effectLst/>
+                <a:latin typeface="Consolas" panose="020B0609020204030204" pitchFamily="49" charset="0"/>
+              </a:rPr>
+              <a:t>belongsTo</a:t>
+            </a:r>
+            <a:r>
+              <a:rPr lang="en-US" b="0">
+                <a:solidFill>
+                  <a:srgbClr val="81755D"/>
+                </a:solidFill>
+                <a:effectLst/>
+                <a:latin typeface="Consolas" panose="020B0609020204030204" pitchFamily="49" charset="0"/>
+              </a:rPr>
+              <a:t>(</a:t>
+            </a:r>
+            <a:r>
+              <a:rPr lang="en-US" b="0">
+                <a:solidFill>
+                  <a:srgbClr val="F0C674"/>
+                </a:solidFill>
+                <a:effectLst/>
+                <a:latin typeface="Consolas" panose="020B0609020204030204" pitchFamily="49" charset="0"/>
+              </a:rPr>
+              <a:t>Product</a:t>
+            </a:r>
+            <a:r>
+              <a:rPr lang="en-US" b="0">
+                <a:solidFill>
+                  <a:srgbClr val="B294BB"/>
+                </a:solidFill>
+                <a:effectLst/>
+                <a:latin typeface="Consolas" panose="020B0609020204030204" pitchFamily="49" charset="0"/>
+              </a:rPr>
+              <a:t>::class</a:t>
+            </a:r>
+            <a:r>
+              <a:rPr lang="en-US" b="0">
+                <a:solidFill>
+                  <a:srgbClr val="81755D"/>
+                </a:solidFill>
+                <a:effectLst/>
+                <a:latin typeface="Consolas" panose="020B0609020204030204" pitchFamily="49" charset="0"/>
+              </a:rPr>
+              <a:t>,</a:t>
+            </a:r>
+            <a:r>
+              <a:rPr lang="en-US" b="0">
+                <a:solidFill>
+                  <a:srgbClr val="F9E7C4"/>
+                </a:solidFill>
+                <a:effectLst/>
+                <a:latin typeface="Consolas" panose="020B0609020204030204" pitchFamily="49" charset="0"/>
+              </a:rPr>
+              <a:t> </a:t>
+            </a:r>
+            <a:r>
+              <a:rPr lang="en-US" b="0">
+                <a:solidFill>
+                  <a:srgbClr val="81755D"/>
+                </a:solidFill>
+                <a:effectLst/>
+                <a:latin typeface="Consolas" panose="020B0609020204030204" pitchFamily="49" charset="0"/>
+              </a:rPr>
+              <a:t>'</a:t>
+            </a:r>
+            <a:r>
+              <a:rPr lang="en-US" b="0">
+                <a:solidFill>
+                  <a:srgbClr val="B5BD68"/>
+                </a:solidFill>
+                <a:effectLst/>
+                <a:latin typeface="Consolas" panose="020B0609020204030204" pitchFamily="49" charset="0"/>
+              </a:rPr>
+              <a:t>product_id</a:t>
+            </a:r>
+            <a:r>
+              <a:rPr lang="en-US" b="0">
+                <a:solidFill>
+                  <a:srgbClr val="81755D"/>
+                </a:solidFill>
+                <a:effectLst/>
+                <a:latin typeface="Consolas" panose="020B0609020204030204" pitchFamily="49" charset="0"/>
+              </a:rPr>
+              <a:t>');</a:t>
+            </a:r>
+            <a:endParaRPr lang="en-US" b="0">
+              <a:solidFill>
+                <a:srgbClr val="F9E7C4"/>
+              </a:solidFill>
+              <a:effectLst/>
+              <a:latin typeface="Consolas" panose="020B0609020204030204" pitchFamily="49" charset="0"/>
+            </a:endParaRPr>
+          </a:p>
+          <a:p>
+            <a:r>
+              <a:rPr lang="en-US" b="0">
+                <a:solidFill>
+                  <a:srgbClr val="F9E7C4"/>
+                </a:solidFill>
+                <a:effectLst/>
+                <a:latin typeface="Consolas" panose="020B0609020204030204" pitchFamily="49" charset="0"/>
+              </a:rPr>
+              <a:t>    </a:t>
+            </a:r>
+            <a:r>
+              <a:rPr lang="en-US" b="0">
+                <a:solidFill>
+                  <a:srgbClr val="81755D"/>
+                </a:solidFill>
+                <a:effectLst/>
+                <a:latin typeface="Consolas" panose="020B0609020204030204" pitchFamily="49" charset="0"/>
+              </a:rPr>
+              <a:t>}</a:t>
+            </a:r>
+            <a:endParaRPr lang="en-US" b="0">
+              <a:solidFill>
+                <a:srgbClr val="F9E7C4"/>
+              </a:solidFill>
+              <a:effectLst/>
+              <a:latin typeface="Consolas" panose="020B0609020204030204" pitchFamily="49" charset="0"/>
+            </a:endParaRPr>
+          </a:p>
+        </p:txBody>
+      </p:sp>
+      <p:sp>
+        <p:nvSpPr>
+          <p:cNvPr id="7" name="TextBox 6">
+            <a:extLst>
+              <a:ext uri="{FF2B5EF4-FFF2-40B4-BE49-F238E27FC236}">
+                <a16:creationId xmlns:a16="http://schemas.microsoft.com/office/drawing/2014/main" id="{BB0B0064-E926-4549-A5DC-9EF698A11B52}"/>
+              </a:ext>
+            </a:extLst>
+          </p:cNvPr>
+          <p:cNvSpPr txBox="1"/>
+          <p:nvPr/>
+        </p:nvSpPr>
+        <p:spPr>
+          <a:xfrm>
+            <a:off x="710360" y="3354677"/>
+            <a:ext cx="8094011" cy="369332"/>
+          </a:xfrm>
+          <a:prstGeom prst="rect">
+            <a:avLst/>
+          </a:prstGeom>
+          <a:noFill/>
+        </p:spPr>
+        <p:txBody>
+          <a:bodyPr wrap="none" rtlCol="0">
+            <a:spAutoFit/>
+          </a:bodyPr>
+          <a:lstStyle/>
+          <a:p>
+            <a:r>
+              <a:rPr lang="en-US"/>
+              <a:t>Creem functia statica in modelul Cart care sa intoarca itemii din cosul de cumparaturi</a:t>
+            </a:r>
+          </a:p>
+        </p:txBody>
+      </p:sp>
+      <p:sp>
+        <p:nvSpPr>
+          <p:cNvPr id="9" name="TextBox 8">
+            <a:extLst>
+              <a:ext uri="{FF2B5EF4-FFF2-40B4-BE49-F238E27FC236}">
+                <a16:creationId xmlns:a16="http://schemas.microsoft.com/office/drawing/2014/main" id="{1D081BE2-3828-4692-8966-3A3D0D740E28}"/>
+              </a:ext>
+            </a:extLst>
+          </p:cNvPr>
+          <p:cNvSpPr txBox="1"/>
+          <p:nvPr/>
+        </p:nvSpPr>
+        <p:spPr>
+          <a:xfrm>
+            <a:off x="476093" y="3819045"/>
+            <a:ext cx="9922373" cy="2677656"/>
+          </a:xfrm>
+          <a:prstGeom prst="rect">
+            <a:avLst/>
+          </a:prstGeom>
+          <a:noFill/>
+        </p:spPr>
+        <p:txBody>
+          <a:bodyPr wrap="square">
+            <a:spAutoFit/>
+          </a:bodyPr>
+          <a:lstStyle/>
+          <a:p>
+            <a:r>
+              <a:rPr lang="en-US" sz="1200" b="0">
+                <a:solidFill>
+                  <a:srgbClr val="B294BB"/>
+                </a:solidFill>
+                <a:effectLst/>
+                <a:latin typeface="Consolas" panose="020B0609020204030204" pitchFamily="49" charset="0"/>
+              </a:rPr>
+              <a:t>public</a:t>
+            </a:r>
+            <a:r>
+              <a:rPr lang="en-US" sz="1200" b="0">
+                <a:solidFill>
+                  <a:srgbClr val="F9E7C4"/>
+                </a:solidFill>
+                <a:effectLst/>
+                <a:latin typeface="Consolas" panose="020B0609020204030204" pitchFamily="49" charset="0"/>
+              </a:rPr>
+              <a:t> </a:t>
+            </a:r>
+            <a:r>
+              <a:rPr lang="en-US" sz="1200" b="0">
+                <a:solidFill>
+                  <a:srgbClr val="B294BB"/>
+                </a:solidFill>
+                <a:effectLst/>
+                <a:latin typeface="Consolas" panose="020B0609020204030204" pitchFamily="49" charset="0"/>
+              </a:rPr>
+              <a:t>static</a:t>
+            </a:r>
+            <a:r>
+              <a:rPr lang="en-US" sz="1200" b="0">
+                <a:solidFill>
+                  <a:srgbClr val="F9E7C4"/>
+                </a:solidFill>
+                <a:effectLst/>
+                <a:latin typeface="Consolas" panose="020B0609020204030204" pitchFamily="49" charset="0"/>
+              </a:rPr>
+              <a:t> </a:t>
+            </a:r>
+            <a:r>
+              <a:rPr lang="en-US" sz="1200" b="0">
+                <a:solidFill>
+                  <a:srgbClr val="B294BB"/>
+                </a:solidFill>
+                <a:effectLst/>
+                <a:latin typeface="Consolas" panose="020B0609020204030204" pitchFamily="49" charset="0"/>
+              </a:rPr>
+              <a:t>function</a:t>
+            </a:r>
+            <a:r>
+              <a:rPr lang="en-US" sz="1200" b="0">
+                <a:solidFill>
+                  <a:srgbClr val="F9E7C4"/>
+                </a:solidFill>
+                <a:effectLst/>
+                <a:latin typeface="Consolas" panose="020B0609020204030204" pitchFamily="49" charset="0"/>
+              </a:rPr>
+              <a:t> </a:t>
+            </a:r>
+            <a:r>
+              <a:rPr lang="en-US" sz="1200" b="0">
+                <a:solidFill>
+                  <a:srgbClr val="81A2BE"/>
+                </a:solidFill>
+                <a:effectLst/>
+                <a:latin typeface="Consolas" panose="020B0609020204030204" pitchFamily="49" charset="0"/>
+              </a:rPr>
+              <a:t>cartProducts</a:t>
+            </a:r>
+            <a:r>
+              <a:rPr lang="en-US" sz="1200" b="0">
+                <a:solidFill>
+                  <a:srgbClr val="81755D"/>
+                </a:solidFill>
+                <a:effectLst/>
+                <a:latin typeface="Consolas" panose="020B0609020204030204" pitchFamily="49" charset="0"/>
+              </a:rPr>
+              <a:t>()</a:t>
+            </a:r>
+            <a:endParaRPr lang="en-US" sz="1200" b="0">
+              <a:solidFill>
+                <a:srgbClr val="F9E7C4"/>
+              </a:solidFill>
+              <a:effectLst/>
+              <a:latin typeface="Consolas" panose="020B0609020204030204" pitchFamily="49" charset="0"/>
+            </a:endParaRPr>
+          </a:p>
+          <a:p>
+            <a:r>
+              <a:rPr lang="en-US" sz="1200" b="0">
+                <a:solidFill>
+                  <a:srgbClr val="F9E7C4"/>
+                </a:solidFill>
+                <a:effectLst/>
+                <a:latin typeface="Consolas" panose="020B0609020204030204" pitchFamily="49" charset="0"/>
+              </a:rPr>
+              <a:t>    </a:t>
+            </a:r>
+            <a:r>
+              <a:rPr lang="en-US" sz="1200" b="0">
+                <a:solidFill>
+                  <a:srgbClr val="81755D"/>
+                </a:solidFill>
+                <a:effectLst/>
+                <a:latin typeface="Consolas" panose="020B0609020204030204" pitchFamily="49" charset="0"/>
+              </a:rPr>
+              <a:t>{</a:t>
+            </a:r>
+            <a:endParaRPr lang="en-US" sz="1200" b="0">
+              <a:solidFill>
+                <a:srgbClr val="F9E7C4"/>
+              </a:solidFill>
+              <a:effectLst/>
+              <a:latin typeface="Consolas" panose="020B0609020204030204" pitchFamily="49" charset="0"/>
+            </a:endParaRPr>
+          </a:p>
+          <a:p>
+            <a:r>
+              <a:rPr lang="en-US" sz="1200" b="0">
+                <a:solidFill>
+                  <a:srgbClr val="F9E7C4"/>
+                </a:solidFill>
+                <a:effectLst/>
+                <a:latin typeface="Consolas" panose="020B0609020204030204" pitchFamily="49" charset="0"/>
+              </a:rPr>
+              <a:t>        </a:t>
+            </a:r>
+            <a:r>
+              <a:rPr lang="en-US" sz="1200" b="0">
+                <a:solidFill>
+                  <a:srgbClr val="B294BB"/>
+                </a:solidFill>
+                <a:effectLst/>
+                <a:latin typeface="Consolas" panose="020B0609020204030204" pitchFamily="49" charset="0"/>
+              </a:rPr>
+              <a:t>if</a:t>
+            </a:r>
+            <a:r>
+              <a:rPr lang="en-US" sz="1200" b="0">
+                <a:solidFill>
+                  <a:srgbClr val="F9E7C4"/>
+                </a:solidFill>
+                <a:effectLst/>
+                <a:latin typeface="Consolas" panose="020B0609020204030204" pitchFamily="49" charset="0"/>
+              </a:rPr>
+              <a:t> </a:t>
+            </a:r>
+            <a:r>
+              <a:rPr lang="en-US" sz="1200" b="0">
+                <a:solidFill>
+                  <a:srgbClr val="81755D"/>
+                </a:solidFill>
+                <a:effectLst/>
+                <a:latin typeface="Consolas" panose="020B0609020204030204" pitchFamily="49" charset="0"/>
+              </a:rPr>
+              <a:t>(</a:t>
+            </a:r>
+            <a:r>
+              <a:rPr lang="en-US" sz="1200" b="0">
+                <a:solidFill>
+                  <a:srgbClr val="F0C674"/>
+                </a:solidFill>
+                <a:effectLst/>
+                <a:latin typeface="Consolas" panose="020B0609020204030204" pitchFamily="49" charset="0"/>
+              </a:rPr>
+              <a:t>Auth</a:t>
+            </a:r>
+            <a:r>
+              <a:rPr lang="en-US" sz="1200" b="0">
+                <a:solidFill>
+                  <a:srgbClr val="B294BB"/>
+                </a:solidFill>
+                <a:effectLst/>
+                <a:latin typeface="Consolas" panose="020B0609020204030204" pitchFamily="49" charset="0"/>
+              </a:rPr>
+              <a:t>::</a:t>
+            </a:r>
+            <a:r>
+              <a:rPr lang="en-US" sz="1200" b="0">
+                <a:solidFill>
+                  <a:srgbClr val="81A2BE"/>
+                </a:solidFill>
+                <a:effectLst/>
+                <a:latin typeface="Consolas" panose="020B0609020204030204" pitchFamily="49" charset="0"/>
+              </a:rPr>
+              <a:t>check</a:t>
+            </a:r>
+            <a:r>
+              <a:rPr lang="en-US" sz="1200" b="0">
+                <a:solidFill>
+                  <a:srgbClr val="81755D"/>
+                </a:solidFill>
+                <a:effectLst/>
+                <a:latin typeface="Consolas" panose="020B0609020204030204" pitchFamily="49" charset="0"/>
+              </a:rPr>
+              <a:t>())</a:t>
+            </a:r>
+            <a:r>
+              <a:rPr lang="en-US" sz="1200" b="0">
+                <a:solidFill>
+                  <a:srgbClr val="F9E7C4"/>
+                </a:solidFill>
+                <a:effectLst/>
+                <a:latin typeface="Consolas" panose="020B0609020204030204" pitchFamily="49" charset="0"/>
+              </a:rPr>
+              <a:t> </a:t>
+            </a:r>
+            <a:r>
+              <a:rPr lang="en-US" sz="1200" b="0">
+                <a:solidFill>
+                  <a:srgbClr val="81755D"/>
+                </a:solidFill>
+                <a:effectLst/>
+                <a:latin typeface="Consolas" panose="020B0609020204030204" pitchFamily="49" charset="0"/>
+              </a:rPr>
+              <a:t>{</a:t>
+            </a:r>
+            <a:endParaRPr lang="en-US" sz="1200" b="0">
+              <a:solidFill>
+                <a:srgbClr val="F9E7C4"/>
+              </a:solidFill>
+              <a:effectLst/>
+              <a:latin typeface="Consolas" panose="020B0609020204030204" pitchFamily="49" charset="0"/>
+            </a:endParaRPr>
+          </a:p>
+          <a:p>
+            <a:r>
+              <a:rPr lang="en-US" sz="1200" b="0">
+                <a:solidFill>
+                  <a:srgbClr val="F9E7C4"/>
+                </a:solidFill>
+                <a:effectLst/>
+                <a:latin typeface="Consolas" panose="020B0609020204030204" pitchFamily="49" charset="0"/>
+              </a:rPr>
+              <a:t>            </a:t>
+            </a:r>
+            <a:r>
+              <a:rPr lang="en-US" sz="1200" b="0">
+                <a:solidFill>
+                  <a:srgbClr val="81755D"/>
+                </a:solidFill>
+                <a:effectLst/>
+                <a:latin typeface="Consolas" panose="020B0609020204030204" pitchFamily="49" charset="0"/>
+              </a:rPr>
+              <a:t>$</a:t>
+            </a:r>
+            <a:r>
+              <a:rPr lang="en-US" sz="1200" b="0">
+                <a:solidFill>
+                  <a:srgbClr val="FF0000"/>
+                </a:solidFill>
+                <a:effectLst/>
+                <a:latin typeface="Consolas" panose="020B0609020204030204" pitchFamily="49" charset="0"/>
+              </a:rPr>
+              <a:t>cartProducts</a:t>
+            </a:r>
+            <a:r>
+              <a:rPr lang="en-US" sz="1200" b="0">
+                <a:solidFill>
+                  <a:srgbClr val="F9E7C4"/>
+                </a:solidFill>
+                <a:effectLst/>
+                <a:latin typeface="Consolas" panose="020B0609020204030204" pitchFamily="49" charset="0"/>
+              </a:rPr>
+              <a:t> </a:t>
+            </a:r>
+            <a:r>
+              <a:rPr lang="en-US" sz="1200" b="0">
+                <a:solidFill>
+                  <a:srgbClr val="B294BB"/>
+                </a:solidFill>
+                <a:effectLst/>
+                <a:latin typeface="Consolas" panose="020B0609020204030204" pitchFamily="49" charset="0"/>
+              </a:rPr>
+              <a:t>=</a:t>
+            </a:r>
+            <a:r>
+              <a:rPr lang="en-US" sz="1200" b="0">
+                <a:solidFill>
+                  <a:srgbClr val="F9E7C4"/>
+                </a:solidFill>
+                <a:effectLst/>
+                <a:latin typeface="Consolas" panose="020B0609020204030204" pitchFamily="49" charset="0"/>
+              </a:rPr>
+              <a:t> </a:t>
+            </a:r>
+            <a:r>
+              <a:rPr lang="en-US" sz="1200" b="0">
+                <a:solidFill>
+                  <a:srgbClr val="F0C674"/>
+                </a:solidFill>
+                <a:effectLst/>
+                <a:latin typeface="Consolas" panose="020B0609020204030204" pitchFamily="49" charset="0"/>
+              </a:rPr>
+              <a:t>Cart</a:t>
+            </a:r>
+            <a:r>
+              <a:rPr lang="en-US" sz="1200" b="0">
+                <a:solidFill>
+                  <a:srgbClr val="B294BB"/>
+                </a:solidFill>
+                <a:effectLst/>
+                <a:latin typeface="Consolas" panose="020B0609020204030204" pitchFamily="49" charset="0"/>
+              </a:rPr>
+              <a:t>::</a:t>
+            </a:r>
+            <a:r>
+              <a:rPr lang="en-US" sz="1200" b="0">
+                <a:solidFill>
+                  <a:srgbClr val="81A2BE"/>
+                </a:solidFill>
+                <a:effectLst/>
+                <a:latin typeface="Consolas" panose="020B0609020204030204" pitchFamily="49" charset="0"/>
+              </a:rPr>
+              <a:t>with</a:t>
+            </a:r>
+            <a:r>
+              <a:rPr lang="en-US" sz="1200" b="0">
+                <a:solidFill>
+                  <a:srgbClr val="81755D"/>
+                </a:solidFill>
+                <a:effectLst/>
+                <a:latin typeface="Consolas" panose="020B0609020204030204" pitchFamily="49" charset="0"/>
+              </a:rPr>
+              <a:t>(['</a:t>
+            </a:r>
+            <a:r>
+              <a:rPr lang="en-US" sz="1200" b="0">
+                <a:solidFill>
+                  <a:srgbClr val="B5BD68"/>
+                </a:solidFill>
+                <a:effectLst/>
+                <a:latin typeface="Consolas" panose="020B0609020204030204" pitchFamily="49" charset="0"/>
+              </a:rPr>
+              <a:t>product</a:t>
+            </a:r>
+            <a:r>
+              <a:rPr lang="en-US" sz="1200" b="0">
+                <a:solidFill>
+                  <a:srgbClr val="81755D"/>
+                </a:solidFill>
+                <a:effectLst/>
+                <a:latin typeface="Consolas" panose="020B0609020204030204" pitchFamily="49" charset="0"/>
+              </a:rPr>
+              <a:t>'</a:t>
+            </a:r>
+            <a:r>
+              <a:rPr lang="en-US" sz="1200" b="0">
+                <a:solidFill>
+                  <a:srgbClr val="F9E7C4"/>
+                </a:solidFill>
+                <a:effectLst/>
+                <a:latin typeface="Consolas" panose="020B0609020204030204" pitchFamily="49" charset="0"/>
+              </a:rPr>
+              <a:t> </a:t>
+            </a:r>
+            <a:r>
+              <a:rPr lang="en-US" sz="1200" b="0">
+                <a:solidFill>
+                  <a:srgbClr val="B294BB"/>
+                </a:solidFill>
+                <a:effectLst/>
+                <a:latin typeface="Consolas" panose="020B0609020204030204" pitchFamily="49" charset="0"/>
+              </a:rPr>
+              <a:t>=&gt;</a:t>
+            </a:r>
+            <a:r>
+              <a:rPr lang="en-US" sz="1200" b="0">
+                <a:solidFill>
+                  <a:srgbClr val="F9E7C4"/>
+                </a:solidFill>
+                <a:effectLst/>
+                <a:latin typeface="Consolas" panose="020B0609020204030204" pitchFamily="49" charset="0"/>
+              </a:rPr>
+              <a:t> </a:t>
+            </a:r>
+            <a:r>
+              <a:rPr lang="en-US" sz="1200" b="0">
+                <a:solidFill>
+                  <a:srgbClr val="B294BB"/>
+                </a:solidFill>
+                <a:effectLst/>
+                <a:latin typeface="Consolas" panose="020B0609020204030204" pitchFamily="49" charset="0"/>
+              </a:rPr>
+              <a:t>function</a:t>
+            </a:r>
+            <a:r>
+              <a:rPr lang="en-US" sz="1200" b="0">
+                <a:solidFill>
+                  <a:srgbClr val="F9E7C4"/>
+                </a:solidFill>
+                <a:effectLst/>
+                <a:latin typeface="Consolas" panose="020B0609020204030204" pitchFamily="49" charset="0"/>
+              </a:rPr>
+              <a:t> </a:t>
+            </a:r>
+            <a:r>
+              <a:rPr lang="en-US" sz="1200" b="0">
+                <a:solidFill>
+                  <a:srgbClr val="81755D"/>
+                </a:solidFill>
+                <a:effectLst/>
+                <a:latin typeface="Consolas" panose="020B0609020204030204" pitchFamily="49" charset="0"/>
+              </a:rPr>
+              <a:t>($</a:t>
+            </a:r>
+            <a:r>
+              <a:rPr lang="en-US" sz="1200" b="0">
+                <a:solidFill>
+                  <a:schemeClr val="accent4">
+                    <a:lumMod val="75000"/>
+                  </a:schemeClr>
+                </a:solidFill>
+                <a:effectLst/>
+                <a:latin typeface="Consolas" panose="020B0609020204030204" pitchFamily="49" charset="0"/>
+              </a:rPr>
+              <a:t>query</a:t>
+            </a:r>
+            <a:r>
+              <a:rPr lang="en-US" sz="1200" b="0">
+                <a:solidFill>
+                  <a:srgbClr val="81755D"/>
+                </a:solidFill>
+                <a:effectLst/>
+                <a:latin typeface="Consolas" panose="020B0609020204030204" pitchFamily="49" charset="0"/>
+              </a:rPr>
+              <a:t>)</a:t>
+            </a:r>
+            <a:r>
+              <a:rPr lang="en-US" sz="1200" b="0">
+                <a:solidFill>
+                  <a:srgbClr val="F9E7C4"/>
+                </a:solidFill>
+                <a:effectLst/>
+                <a:latin typeface="Consolas" panose="020B0609020204030204" pitchFamily="49" charset="0"/>
+              </a:rPr>
+              <a:t> </a:t>
+            </a:r>
+            <a:r>
+              <a:rPr lang="en-US" sz="1200" b="0">
+                <a:solidFill>
+                  <a:srgbClr val="81755D"/>
+                </a:solidFill>
+                <a:effectLst/>
+                <a:latin typeface="Consolas" panose="020B0609020204030204" pitchFamily="49" charset="0"/>
+              </a:rPr>
+              <a:t>{</a:t>
+            </a:r>
+            <a:endParaRPr lang="en-US" sz="1200" b="0">
+              <a:solidFill>
+                <a:srgbClr val="F9E7C4"/>
+              </a:solidFill>
+              <a:effectLst/>
+              <a:latin typeface="Consolas" panose="020B0609020204030204" pitchFamily="49" charset="0"/>
+            </a:endParaRPr>
+          </a:p>
+          <a:p>
+            <a:r>
+              <a:rPr lang="en-US" sz="1200" b="0">
+                <a:solidFill>
+                  <a:srgbClr val="F9E7C4"/>
+                </a:solidFill>
+                <a:effectLst/>
+                <a:latin typeface="Consolas" panose="020B0609020204030204" pitchFamily="49" charset="0"/>
+              </a:rPr>
+              <a:t>                </a:t>
+            </a:r>
+            <a:r>
+              <a:rPr lang="en-US" sz="1200" b="0">
+                <a:solidFill>
+                  <a:srgbClr val="81755D"/>
+                </a:solidFill>
+                <a:effectLst/>
+                <a:latin typeface="Consolas" panose="020B0609020204030204" pitchFamily="49" charset="0"/>
+              </a:rPr>
+              <a:t>$</a:t>
+            </a:r>
+            <a:r>
+              <a:rPr lang="en-US" sz="1200" b="0">
+                <a:solidFill>
+                  <a:schemeClr val="accent4">
+                    <a:lumMod val="75000"/>
+                  </a:schemeClr>
+                </a:solidFill>
+                <a:effectLst/>
+                <a:latin typeface="Consolas" panose="020B0609020204030204" pitchFamily="49" charset="0"/>
+              </a:rPr>
+              <a:t>query-</a:t>
+            </a:r>
+            <a:r>
+              <a:rPr lang="en-US" sz="1200" b="0">
+                <a:solidFill>
+                  <a:srgbClr val="B294BB"/>
+                </a:solidFill>
+                <a:effectLst/>
+                <a:latin typeface="Consolas" panose="020B0609020204030204" pitchFamily="49" charset="0"/>
+              </a:rPr>
+              <a:t>&gt;</a:t>
+            </a:r>
+            <a:r>
+              <a:rPr lang="en-US" sz="1200" b="0">
+                <a:solidFill>
+                  <a:srgbClr val="81A2BE"/>
+                </a:solidFill>
+                <a:effectLst/>
+                <a:latin typeface="Consolas" panose="020B0609020204030204" pitchFamily="49" charset="0"/>
+              </a:rPr>
+              <a:t>select</a:t>
+            </a:r>
+            <a:r>
+              <a:rPr lang="en-US" sz="1200" b="0">
+                <a:solidFill>
+                  <a:srgbClr val="81755D"/>
+                </a:solidFill>
+                <a:effectLst/>
+                <a:latin typeface="Consolas" panose="020B0609020204030204" pitchFamily="49" charset="0"/>
+              </a:rPr>
+              <a:t>('</a:t>
+            </a:r>
+            <a:r>
+              <a:rPr lang="en-US" sz="1200" b="0">
+                <a:solidFill>
+                  <a:srgbClr val="B5BD68"/>
+                </a:solidFill>
+                <a:effectLst/>
+                <a:latin typeface="Consolas" panose="020B0609020204030204" pitchFamily="49" charset="0"/>
+              </a:rPr>
+              <a:t>id</a:t>
+            </a:r>
+            <a:r>
+              <a:rPr lang="en-US" sz="1200" b="0">
+                <a:solidFill>
+                  <a:srgbClr val="81755D"/>
+                </a:solidFill>
+                <a:effectLst/>
+                <a:latin typeface="Consolas" panose="020B0609020204030204" pitchFamily="49" charset="0"/>
+              </a:rPr>
+              <a:t>',</a:t>
+            </a:r>
+            <a:r>
+              <a:rPr lang="en-US" sz="1200" b="0">
+                <a:solidFill>
+                  <a:srgbClr val="F9E7C4"/>
+                </a:solidFill>
+                <a:effectLst/>
+                <a:latin typeface="Consolas" panose="020B0609020204030204" pitchFamily="49" charset="0"/>
+              </a:rPr>
+              <a:t> </a:t>
+            </a:r>
+            <a:r>
+              <a:rPr lang="en-US" sz="1200" b="0">
+                <a:solidFill>
+                  <a:srgbClr val="81755D"/>
+                </a:solidFill>
+                <a:effectLst/>
+                <a:latin typeface="Consolas" panose="020B0609020204030204" pitchFamily="49" charset="0"/>
+              </a:rPr>
+              <a:t>'</a:t>
+            </a:r>
+            <a:r>
+              <a:rPr lang="en-US" sz="1200" b="0">
+                <a:solidFill>
+                  <a:srgbClr val="B5BD68"/>
+                </a:solidFill>
+                <a:effectLst/>
+                <a:latin typeface="Consolas" panose="020B0609020204030204" pitchFamily="49" charset="0"/>
+              </a:rPr>
+              <a:t>name</a:t>
+            </a:r>
+            <a:r>
+              <a:rPr lang="en-US" sz="1200" b="0">
+                <a:solidFill>
+                  <a:srgbClr val="81755D"/>
+                </a:solidFill>
+                <a:effectLst/>
+                <a:latin typeface="Consolas" panose="020B0609020204030204" pitchFamily="49" charset="0"/>
+              </a:rPr>
+              <a:t>',</a:t>
+            </a:r>
+            <a:r>
+              <a:rPr lang="en-US" sz="1200" b="0">
+                <a:solidFill>
+                  <a:srgbClr val="F9E7C4"/>
+                </a:solidFill>
+                <a:effectLst/>
+                <a:latin typeface="Consolas" panose="020B0609020204030204" pitchFamily="49" charset="0"/>
+              </a:rPr>
+              <a:t> </a:t>
+            </a:r>
+            <a:r>
+              <a:rPr lang="en-US" sz="1200" b="0">
+                <a:solidFill>
+                  <a:srgbClr val="81755D"/>
+                </a:solidFill>
+                <a:effectLst/>
+                <a:latin typeface="Consolas" panose="020B0609020204030204" pitchFamily="49" charset="0"/>
+              </a:rPr>
+              <a:t>'</a:t>
+            </a:r>
+            <a:r>
+              <a:rPr lang="en-US" sz="1200" b="0">
+                <a:solidFill>
+                  <a:srgbClr val="B5BD68"/>
+                </a:solidFill>
+                <a:effectLst/>
+                <a:latin typeface="Consolas" panose="020B0609020204030204" pitchFamily="49" charset="0"/>
+              </a:rPr>
+              <a:t>photo</a:t>
+            </a:r>
+            <a:r>
+              <a:rPr lang="en-US" sz="1200" b="0">
+                <a:solidFill>
+                  <a:srgbClr val="81755D"/>
+                </a:solidFill>
+                <a:effectLst/>
+                <a:latin typeface="Consolas" panose="020B0609020204030204" pitchFamily="49" charset="0"/>
+              </a:rPr>
+              <a:t>',</a:t>
+            </a:r>
+            <a:r>
+              <a:rPr lang="en-US" sz="1200" b="0">
+                <a:solidFill>
+                  <a:srgbClr val="F9E7C4"/>
+                </a:solidFill>
+                <a:effectLst/>
+                <a:latin typeface="Consolas" panose="020B0609020204030204" pitchFamily="49" charset="0"/>
+              </a:rPr>
+              <a:t> </a:t>
+            </a:r>
+            <a:r>
+              <a:rPr lang="en-US" sz="1200" b="0">
+                <a:solidFill>
+                  <a:srgbClr val="81755D"/>
+                </a:solidFill>
+                <a:effectLst/>
+                <a:latin typeface="Consolas" panose="020B0609020204030204" pitchFamily="49" charset="0"/>
+              </a:rPr>
+              <a:t>'</a:t>
+            </a:r>
+            <a:r>
+              <a:rPr lang="en-US" sz="1200" b="0">
+                <a:solidFill>
+                  <a:srgbClr val="B5BD68"/>
+                </a:solidFill>
+                <a:effectLst/>
+                <a:latin typeface="Consolas" panose="020B0609020204030204" pitchFamily="49" charset="0"/>
+              </a:rPr>
+              <a:t>slug</a:t>
+            </a:r>
+            <a:r>
+              <a:rPr lang="en-US" sz="1200" b="0">
+                <a:solidFill>
+                  <a:srgbClr val="81755D"/>
+                </a:solidFill>
+                <a:effectLst/>
+                <a:latin typeface="Consolas" panose="020B0609020204030204" pitchFamily="49" charset="0"/>
+              </a:rPr>
+              <a:t>',</a:t>
+            </a:r>
+            <a:r>
+              <a:rPr lang="en-US" sz="1200" b="0">
+                <a:solidFill>
+                  <a:srgbClr val="F9E7C4"/>
+                </a:solidFill>
+                <a:effectLst/>
+                <a:latin typeface="Consolas" panose="020B0609020204030204" pitchFamily="49" charset="0"/>
+              </a:rPr>
+              <a:t> </a:t>
+            </a:r>
+            <a:r>
+              <a:rPr lang="en-US" sz="1200" b="0">
+                <a:solidFill>
+                  <a:srgbClr val="81755D"/>
+                </a:solidFill>
+                <a:effectLst/>
+                <a:latin typeface="Consolas" panose="020B0609020204030204" pitchFamily="49" charset="0"/>
+              </a:rPr>
+              <a:t>'</a:t>
+            </a:r>
+            <a:r>
+              <a:rPr lang="en-US" sz="1200" b="0">
+                <a:solidFill>
+                  <a:srgbClr val="B5BD68"/>
+                </a:solidFill>
+                <a:effectLst/>
+                <a:latin typeface="Consolas" panose="020B0609020204030204" pitchFamily="49" charset="0"/>
+              </a:rPr>
+              <a:t>price</a:t>
+            </a:r>
+            <a:r>
+              <a:rPr lang="en-US" sz="1200" b="0">
+                <a:solidFill>
+                  <a:srgbClr val="81755D"/>
+                </a:solidFill>
+                <a:effectLst/>
+                <a:latin typeface="Consolas" panose="020B0609020204030204" pitchFamily="49" charset="0"/>
+              </a:rPr>
+              <a:t>',</a:t>
+            </a:r>
+            <a:r>
+              <a:rPr lang="en-US" sz="1200" b="0">
+                <a:solidFill>
+                  <a:srgbClr val="F9E7C4"/>
+                </a:solidFill>
+                <a:effectLst/>
+                <a:latin typeface="Consolas" panose="020B0609020204030204" pitchFamily="49" charset="0"/>
+              </a:rPr>
+              <a:t> </a:t>
+            </a:r>
+            <a:r>
+              <a:rPr lang="en-US" sz="1200" b="0">
+                <a:solidFill>
+                  <a:srgbClr val="81755D"/>
+                </a:solidFill>
+                <a:effectLst/>
+                <a:latin typeface="Consolas" panose="020B0609020204030204" pitchFamily="49" charset="0"/>
+              </a:rPr>
+              <a:t>'</a:t>
+            </a:r>
+            <a:r>
+              <a:rPr lang="en-US" sz="1200" b="0">
+                <a:solidFill>
+                  <a:srgbClr val="B5BD68"/>
+                </a:solidFill>
+                <a:effectLst/>
+                <a:latin typeface="Consolas" panose="020B0609020204030204" pitchFamily="49" charset="0"/>
+              </a:rPr>
+              <a:t>stock</a:t>
+            </a:r>
+            <a:r>
+              <a:rPr lang="en-US" sz="1200" b="0">
+                <a:solidFill>
+                  <a:srgbClr val="81755D"/>
+                </a:solidFill>
+                <a:effectLst/>
+                <a:latin typeface="Consolas" panose="020B0609020204030204" pitchFamily="49" charset="0"/>
+              </a:rPr>
+              <a:t>');</a:t>
+            </a:r>
+            <a:endParaRPr lang="en-US" sz="1200" b="0">
+              <a:solidFill>
+                <a:srgbClr val="F9E7C4"/>
+              </a:solidFill>
+              <a:effectLst/>
+              <a:latin typeface="Consolas" panose="020B0609020204030204" pitchFamily="49" charset="0"/>
+            </a:endParaRPr>
+          </a:p>
+          <a:p>
+            <a:r>
+              <a:rPr lang="en-US" sz="1200" b="0">
+                <a:solidFill>
+                  <a:srgbClr val="F9E7C4"/>
+                </a:solidFill>
+                <a:effectLst/>
+                <a:latin typeface="Consolas" panose="020B0609020204030204" pitchFamily="49" charset="0"/>
+              </a:rPr>
+              <a:t>            </a:t>
+            </a:r>
+            <a:r>
+              <a:rPr lang="en-US" sz="1200" b="0">
+                <a:solidFill>
+                  <a:srgbClr val="81755D"/>
+                </a:solidFill>
+                <a:effectLst/>
+                <a:latin typeface="Consolas" panose="020B0609020204030204" pitchFamily="49" charset="0"/>
+              </a:rPr>
+              <a:t>}])</a:t>
+            </a:r>
+            <a:r>
+              <a:rPr lang="en-US" sz="1200" b="0">
+                <a:solidFill>
+                  <a:srgbClr val="B294BB"/>
+                </a:solidFill>
+                <a:effectLst/>
+                <a:latin typeface="Consolas" panose="020B0609020204030204" pitchFamily="49" charset="0"/>
+              </a:rPr>
+              <a:t>-&gt;</a:t>
+            </a:r>
+            <a:r>
+              <a:rPr lang="en-US" sz="1200" b="0">
+                <a:solidFill>
+                  <a:srgbClr val="81A2BE"/>
+                </a:solidFill>
+                <a:effectLst/>
+                <a:latin typeface="Consolas" panose="020B0609020204030204" pitchFamily="49" charset="0"/>
+              </a:rPr>
+              <a:t>where</a:t>
+            </a:r>
+            <a:r>
+              <a:rPr lang="en-US" sz="1200" b="0">
+                <a:solidFill>
+                  <a:srgbClr val="81755D"/>
+                </a:solidFill>
+                <a:effectLst/>
+                <a:latin typeface="Consolas" panose="020B0609020204030204" pitchFamily="49" charset="0"/>
+              </a:rPr>
+              <a:t>('</a:t>
+            </a:r>
+            <a:r>
+              <a:rPr lang="en-US" sz="1200" b="0">
+                <a:solidFill>
+                  <a:srgbClr val="B5BD68"/>
+                </a:solidFill>
+                <a:effectLst/>
+                <a:latin typeface="Consolas" panose="020B0609020204030204" pitchFamily="49" charset="0"/>
+              </a:rPr>
+              <a:t>user_id</a:t>
+            </a:r>
+            <a:r>
+              <a:rPr lang="en-US" sz="1200" b="0">
+                <a:solidFill>
+                  <a:srgbClr val="81755D"/>
+                </a:solidFill>
+                <a:effectLst/>
+                <a:latin typeface="Consolas" panose="020B0609020204030204" pitchFamily="49" charset="0"/>
+              </a:rPr>
+              <a:t>',</a:t>
+            </a:r>
+            <a:r>
+              <a:rPr lang="en-US" sz="1200" b="0">
+                <a:solidFill>
+                  <a:srgbClr val="F9E7C4"/>
+                </a:solidFill>
+                <a:effectLst/>
+                <a:latin typeface="Consolas" panose="020B0609020204030204" pitchFamily="49" charset="0"/>
+              </a:rPr>
+              <a:t> </a:t>
+            </a:r>
+            <a:r>
+              <a:rPr lang="en-US" sz="1200" b="0">
+                <a:solidFill>
+                  <a:srgbClr val="F0C674"/>
+                </a:solidFill>
+                <a:effectLst/>
+                <a:latin typeface="Consolas" panose="020B0609020204030204" pitchFamily="49" charset="0"/>
+              </a:rPr>
+              <a:t>Auth</a:t>
+            </a:r>
+            <a:r>
+              <a:rPr lang="en-US" sz="1200" b="0">
+                <a:solidFill>
+                  <a:srgbClr val="B294BB"/>
+                </a:solidFill>
+                <a:effectLst/>
+                <a:latin typeface="Consolas" panose="020B0609020204030204" pitchFamily="49" charset="0"/>
+              </a:rPr>
+              <a:t>::</a:t>
+            </a:r>
+            <a:r>
+              <a:rPr lang="en-US" sz="1200" b="0">
+                <a:solidFill>
+                  <a:srgbClr val="81A2BE"/>
+                </a:solidFill>
+                <a:effectLst/>
+                <a:latin typeface="Consolas" panose="020B0609020204030204" pitchFamily="49" charset="0"/>
+              </a:rPr>
+              <a:t>id</a:t>
+            </a:r>
+            <a:r>
+              <a:rPr lang="en-US" sz="1200" b="0">
+                <a:solidFill>
+                  <a:srgbClr val="81755D"/>
+                </a:solidFill>
+                <a:effectLst/>
+                <a:latin typeface="Consolas" panose="020B0609020204030204" pitchFamily="49" charset="0"/>
+              </a:rPr>
+              <a:t>())</a:t>
+            </a:r>
+            <a:r>
+              <a:rPr lang="en-US" sz="1200" b="0">
+                <a:solidFill>
+                  <a:srgbClr val="B294BB"/>
+                </a:solidFill>
+                <a:effectLst/>
+                <a:latin typeface="Consolas" panose="020B0609020204030204" pitchFamily="49" charset="0"/>
+              </a:rPr>
+              <a:t>-&gt;</a:t>
+            </a:r>
+            <a:r>
+              <a:rPr lang="en-US" sz="1200" b="0">
+                <a:solidFill>
+                  <a:srgbClr val="81A2BE"/>
+                </a:solidFill>
+                <a:effectLst/>
+                <a:latin typeface="Consolas" panose="020B0609020204030204" pitchFamily="49" charset="0"/>
+              </a:rPr>
+              <a:t>orderByDesc</a:t>
+            </a:r>
+            <a:r>
+              <a:rPr lang="en-US" sz="1200" b="0">
+                <a:solidFill>
+                  <a:srgbClr val="81755D"/>
+                </a:solidFill>
+                <a:effectLst/>
+                <a:latin typeface="Consolas" panose="020B0609020204030204" pitchFamily="49" charset="0"/>
+              </a:rPr>
+              <a:t>('</a:t>
+            </a:r>
+            <a:r>
+              <a:rPr lang="en-US" sz="1200" b="0">
+                <a:solidFill>
+                  <a:srgbClr val="B5BD68"/>
+                </a:solidFill>
+                <a:effectLst/>
+                <a:latin typeface="Consolas" panose="020B0609020204030204" pitchFamily="49" charset="0"/>
+              </a:rPr>
+              <a:t>created_at</a:t>
+            </a:r>
+            <a:r>
+              <a:rPr lang="en-US" sz="1200" b="0">
+                <a:solidFill>
+                  <a:srgbClr val="81755D"/>
+                </a:solidFill>
+                <a:effectLst/>
+                <a:latin typeface="Consolas" panose="020B0609020204030204" pitchFamily="49" charset="0"/>
+              </a:rPr>
+              <a:t>')</a:t>
+            </a:r>
+            <a:r>
+              <a:rPr lang="en-US" sz="1200" b="0">
+                <a:solidFill>
+                  <a:srgbClr val="B294BB"/>
+                </a:solidFill>
+                <a:effectLst/>
+                <a:latin typeface="Consolas" panose="020B0609020204030204" pitchFamily="49" charset="0"/>
+              </a:rPr>
+              <a:t>-&gt;</a:t>
+            </a:r>
+            <a:r>
+              <a:rPr lang="en-US" sz="1200" b="0">
+                <a:solidFill>
+                  <a:srgbClr val="81A2BE"/>
+                </a:solidFill>
+                <a:effectLst/>
+                <a:latin typeface="Consolas" panose="020B0609020204030204" pitchFamily="49" charset="0"/>
+              </a:rPr>
+              <a:t>get</a:t>
+            </a:r>
+            <a:r>
+              <a:rPr lang="en-US" sz="1200" b="0">
+                <a:solidFill>
+                  <a:srgbClr val="81755D"/>
+                </a:solidFill>
+                <a:effectLst/>
+                <a:latin typeface="Consolas" panose="020B0609020204030204" pitchFamily="49" charset="0"/>
+              </a:rPr>
+              <a:t>();</a:t>
+            </a:r>
+            <a:endParaRPr lang="en-US" sz="1200" b="0">
+              <a:solidFill>
+                <a:srgbClr val="F9E7C4"/>
+              </a:solidFill>
+              <a:effectLst/>
+              <a:latin typeface="Consolas" panose="020B0609020204030204" pitchFamily="49" charset="0"/>
+            </a:endParaRPr>
+          </a:p>
+          <a:p>
+            <a:r>
+              <a:rPr lang="en-US" sz="1200" b="0">
+                <a:solidFill>
+                  <a:srgbClr val="F9E7C4"/>
+                </a:solidFill>
+                <a:effectLst/>
+                <a:latin typeface="Consolas" panose="020B0609020204030204" pitchFamily="49" charset="0"/>
+              </a:rPr>
+              <a:t>        </a:t>
+            </a:r>
+            <a:r>
+              <a:rPr lang="en-US" sz="1200" b="0">
+                <a:solidFill>
+                  <a:srgbClr val="81755D"/>
+                </a:solidFill>
+                <a:effectLst/>
+                <a:latin typeface="Consolas" panose="020B0609020204030204" pitchFamily="49" charset="0"/>
+              </a:rPr>
+              <a:t>}</a:t>
+            </a:r>
+            <a:r>
+              <a:rPr lang="en-US" sz="1200" b="0">
+                <a:solidFill>
+                  <a:srgbClr val="F9E7C4"/>
+                </a:solidFill>
+                <a:effectLst/>
+                <a:latin typeface="Consolas" panose="020B0609020204030204" pitchFamily="49" charset="0"/>
+              </a:rPr>
+              <a:t> </a:t>
+            </a:r>
+            <a:r>
+              <a:rPr lang="en-US" sz="1200" b="0">
+                <a:solidFill>
+                  <a:srgbClr val="B294BB"/>
+                </a:solidFill>
+                <a:effectLst/>
+                <a:latin typeface="Consolas" panose="020B0609020204030204" pitchFamily="49" charset="0"/>
+              </a:rPr>
+              <a:t>else</a:t>
+            </a:r>
+            <a:r>
+              <a:rPr lang="en-US" sz="1200" b="0">
+                <a:solidFill>
+                  <a:srgbClr val="F9E7C4"/>
+                </a:solidFill>
+                <a:effectLst/>
+                <a:latin typeface="Consolas" panose="020B0609020204030204" pitchFamily="49" charset="0"/>
+              </a:rPr>
+              <a:t> </a:t>
+            </a:r>
+            <a:r>
+              <a:rPr lang="en-US" sz="1200" b="0">
+                <a:solidFill>
+                  <a:srgbClr val="81755D"/>
+                </a:solidFill>
+                <a:effectLst/>
+                <a:latin typeface="Consolas" panose="020B0609020204030204" pitchFamily="49" charset="0"/>
+              </a:rPr>
+              <a:t>{</a:t>
+            </a:r>
+            <a:endParaRPr lang="en-US" sz="1200" b="0">
+              <a:solidFill>
+                <a:srgbClr val="F9E7C4"/>
+              </a:solidFill>
+              <a:effectLst/>
+              <a:latin typeface="Consolas" panose="020B0609020204030204" pitchFamily="49" charset="0"/>
+            </a:endParaRPr>
+          </a:p>
+          <a:p>
+            <a:r>
+              <a:rPr lang="en-US" sz="1200" b="0">
+                <a:solidFill>
+                  <a:srgbClr val="F9E7C4"/>
+                </a:solidFill>
+                <a:effectLst/>
+                <a:latin typeface="Consolas" panose="020B0609020204030204" pitchFamily="49" charset="0"/>
+              </a:rPr>
+              <a:t>            </a:t>
+            </a:r>
+            <a:r>
+              <a:rPr lang="en-US" sz="1200" b="0">
+                <a:solidFill>
+                  <a:srgbClr val="81755D"/>
+                </a:solidFill>
+                <a:effectLst/>
+                <a:latin typeface="Consolas" panose="020B0609020204030204" pitchFamily="49" charset="0"/>
+              </a:rPr>
+              <a:t>$</a:t>
+            </a:r>
+            <a:r>
+              <a:rPr lang="en-US" sz="1200" b="0">
+                <a:solidFill>
+                  <a:srgbClr val="FF0000"/>
+                </a:solidFill>
+                <a:effectLst/>
+                <a:latin typeface="Consolas" panose="020B0609020204030204" pitchFamily="49" charset="0"/>
+              </a:rPr>
+              <a:t>cartProducts</a:t>
+            </a:r>
+            <a:r>
+              <a:rPr lang="en-US" sz="1200" b="0">
+                <a:solidFill>
+                  <a:srgbClr val="F9E7C4"/>
+                </a:solidFill>
+                <a:effectLst/>
+                <a:latin typeface="Consolas" panose="020B0609020204030204" pitchFamily="49" charset="0"/>
+              </a:rPr>
+              <a:t> </a:t>
+            </a:r>
+            <a:r>
+              <a:rPr lang="en-US" sz="1200" b="0">
+                <a:solidFill>
+                  <a:srgbClr val="B294BB"/>
+                </a:solidFill>
+                <a:effectLst/>
+                <a:latin typeface="Consolas" panose="020B0609020204030204" pitchFamily="49" charset="0"/>
+              </a:rPr>
+              <a:t>=</a:t>
+            </a:r>
+            <a:r>
+              <a:rPr lang="en-US" sz="1200" b="0">
+                <a:solidFill>
+                  <a:srgbClr val="F9E7C4"/>
+                </a:solidFill>
+                <a:effectLst/>
+                <a:latin typeface="Consolas" panose="020B0609020204030204" pitchFamily="49" charset="0"/>
+              </a:rPr>
+              <a:t> </a:t>
+            </a:r>
+            <a:r>
+              <a:rPr lang="en-US" sz="1200" b="0">
+                <a:solidFill>
+                  <a:srgbClr val="F0C674"/>
+                </a:solidFill>
+                <a:effectLst/>
+                <a:latin typeface="Consolas" panose="020B0609020204030204" pitchFamily="49" charset="0"/>
+              </a:rPr>
+              <a:t>Cart</a:t>
+            </a:r>
+            <a:r>
+              <a:rPr lang="en-US" sz="1200" b="0">
+                <a:solidFill>
+                  <a:srgbClr val="B294BB"/>
+                </a:solidFill>
+                <a:effectLst/>
+                <a:latin typeface="Consolas" panose="020B0609020204030204" pitchFamily="49" charset="0"/>
+              </a:rPr>
+              <a:t>::</a:t>
+            </a:r>
+            <a:r>
+              <a:rPr lang="en-US" sz="1200" b="0">
+                <a:solidFill>
+                  <a:srgbClr val="81A2BE"/>
+                </a:solidFill>
+                <a:effectLst/>
+                <a:latin typeface="Consolas" panose="020B0609020204030204" pitchFamily="49" charset="0"/>
+              </a:rPr>
+              <a:t>with</a:t>
+            </a:r>
+            <a:r>
+              <a:rPr lang="en-US" sz="1200" b="0">
+                <a:solidFill>
+                  <a:srgbClr val="81755D"/>
+                </a:solidFill>
+                <a:effectLst/>
+                <a:latin typeface="Consolas" panose="020B0609020204030204" pitchFamily="49" charset="0"/>
+              </a:rPr>
+              <a:t>(['</a:t>
+            </a:r>
+            <a:r>
+              <a:rPr lang="en-US" sz="1200" b="0">
+                <a:solidFill>
+                  <a:srgbClr val="B5BD68"/>
+                </a:solidFill>
+                <a:effectLst/>
+                <a:latin typeface="Consolas" panose="020B0609020204030204" pitchFamily="49" charset="0"/>
+              </a:rPr>
+              <a:t>product</a:t>
+            </a:r>
+            <a:r>
+              <a:rPr lang="en-US" sz="1200" b="0">
+                <a:solidFill>
+                  <a:srgbClr val="81755D"/>
+                </a:solidFill>
+                <a:effectLst/>
+                <a:latin typeface="Consolas" panose="020B0609020204030204" pitchFamily="49" charset="0"/>
+              </a:rPr>
+              <a:t>'</a:t>
+            </a:r>
+            <a:r>
+              <a:rPr lang="en-US" sz="1200" b="0">
+                <a:solidFill>
+                  <a:srgbClr val="F9E7C4"/>
+                </a:solidFill>
+                <a:effectLst/>
+                <a:latin typeface="Consolas" panose="020B0609020204030204" pitchFamily="49" charset="0"/>
+              </a:rPr>
+              <a:t> </a:t>
+            </a:r>
+            <a:r>
+              <a:rPr lang="en-US" sz="1200" b="0">
+                <a:solidFill>
+                  <a:srgbClr val="B294BB"/>
+                </a:solidFill>
+                <a:effectLst/>
+                <a:latin typeface="Consolas" panose="020B0609020204030204" pitchFamily="49" charset="0"/>
+              </a:rPr>
+              <a:t>=&gt;</a:t>
+            </a:r>
+            <a:r>
+              <a:rPr lang="en-US" sz="1200" b="0">
+                <a:solidFill>
+                  <a:srgbClr val="F9E7C4"/>
+                </a:solidFill>
+                <a:effectLst/>
+                <a:latin typeface="Consolas" panose="020B0609020204030204" pitchFamily="49" charset="0"/>
+              </a:rPr>
+              <a:t> </a:t>
+            </a:r>
+            <a:r>
+              <a:rPr lang="en-US" sz="1200" b="0">
+                <a:solidFill>
+                  <a:srgbClr val="B294BB"/>
+                </a:solidFill>
+                <a:effectLst/>
+                <a:latin typeface="Consolas" panose="020B0609020204030204" pitchFamily="49" charset="0"/>
+              </a:rPr>
+              <a:t>function</a:t>
+            </a:r>
+            <a:r>
+              <a:rPr lang="en-US" sz="1200" b="0">
+                <a:solidFill>
+                  <a:srgbClr val="F9E7C4"/>
+                </a:solidFill>
+                <a:effectLst/>
+                <a:latin typeface="Consolas" panose="020B0609020204030204" pitchFamily="49" charset="0"/>
+              </a:rPr>
+              <a:t> </a:t>
+            </a:r>
+            <a:r>
+              <a:rPr lang="en-US" sz="1200" b="0">
+                <a:solidFill>
+                  <a:srgbClr val="81755D"/>
+                </a:solidFill>
+                <a:effectLst/>
+                <a:latin typeface="Consolas" panose="020B0609020204030204" pitchFamily="49" charset="0"/>
+              </a:rPr>
+              <a:t>($</a:t>
+            </a:r>
+            <a:r>
+              <a:rPr lang="en-US" sz="1200" b="0">
+                <a:solidFill>
+                  <a:schemeClr val="accent4">
+                    <a:lumMod val="75000"/>
+                  </a:schemeClr>
+                </a:solidFill>
+                <a:effectLst/>
+                <a:latin typeface="Consolas" panose="020B0609020204030204" pitchFamily="49" charset="0"/>
+              </a:rPr>
+              <a:t>query</a:t>
+            </a:r>
+            <a:r>
+              <a:rPr lang="en-US" sz="1200" b="0">
+                <a:solidFill>
+                  <a:srgbClr val="81755D"/>
+                </a:solidFill>
+                <a:effectLst/>
+                <a:latin typeface="Consolas" panose="020B0609020204030204" pitchFamily="49" charset="0"/>
+              </a:rPr>
+              <a:t>)</a:t>
+            </a:r>
+            <a:r>
+              <a:rPr lang="en-US" sz="1200" b="0">
+                <a:solidFill>
+                  <a:srgbClr val="F9E7C4"/>
+                </a:solidFill>
+                <a:effectLst/>
+                <a:latin typeface="Consolas" panose="020B0609020204030204" pitchFamily="49" charset="0"/>
+              </a:rPr>
+              <a:t> </a:t>
+            </a:r>
+            <a:r>
+              <a:rPr lang="en-US" sz="1200" b="0">
+                <a:solidFill>
+                  <a:srgbClr val="81755D"/>
+                </a:solidFill>
+                <a:effectLst/>
+                <a:latin typeface="Consolas" panose="020B0609020204030204" pitchFamily="49" charset="0"/>
+              </a:rPr>
+              <a:t>{</a:t>
+            </a:r>
+            <a:endParaRPr lang="en-US" sz="1200" b="0">
+              <a:solidFill>
+                <a:srgbClr val="F9E7C4"/>
+              </a:solidFill>
+              <a:effectLst/>
+              <a:latin typeface="Consolas" panose="020B0609020204030204" pitchFamily="49" charset="0"/>
+            </a:endParaRPr>
+          </a:p>
+          <a:p>
+            <a:r>
+              <a:rPr lang="en-US" sz="1200" b="0">
+                <a:solidFill>
+                  <a:srgbClr val="F9E7C4"/>
+                </a:solidFill>
+                <a:effectLst/>
+                <a:latin typeface="Consolas" panose="020B0609020204030204" pitchFamily="49" charset="0"/>
+              </a:rPr>
+              <a:t>                </a:t>
+            </a:r>
+            <a:r>
+              <a:rPr lang="en-US" sz="1200" b="0">
+                <a:solidFill>
+                  <a:srgbClr val="81755D"/>
+                </a:solidFill>
+                <a:effectLst/>
+                <a:latin typeface="Consolas" panose="020B0609020204030204" pitchFamily="49" charset="0"/>
+              </a:rPr>
+              <a:t>$</a:t>
+            </a:r>
+            <a:r>
+              <a:rPr lang="en-US" sz="1200" b="0">
+                <a:solidFill>
+                  <a:schemeClr val="accent4">
+                    <a:lumMod val="75000"/>
+                  </a:schemeClr>
+                </a:solidFill>
+                <a:effectLst/>
+                <a:latin typeface="Consolas" panose="020B0609020204030204" pitchFamily="49" charset="0"/>
+              </a:rPr>
+              <a:t>query-</a:t>
+            </a:r>
+            <a:r>
+              <a:rPr lang="en-US" sz="1200" b="0">
+                <a:solidFill>
+                  <a:srgbClr val="B294BB"/>
+                </a:solidFill>
+                <a:effectLst/>
+                <a:latin typeface="Consolas" panose="020B0609020204030204" pitchFamily="49" charset="0"/>
+              </a:rPr>
+              <a:t>&gt;</a:t>
+            </a:r>
+            <a:r>
+              <a:rPr lang="en-US" sz="1200" b="0">
+                <a:solidFill>
+                  <a:srgbClr val="81A2BE"/>
+                </a:solidFill>
+                <a:effectLst/>
+                <a:latin typeface="Consolas" panose="020B0609020204030204" pitchFamily="49" charset="0"/>
+              </a:rPr>
+              <a:t>select</a:t>
+            </a:r>
+            <a:r>
+              <a:rPr lang="en-US" sz="1200" b="0">
+                <a:solidFill>
+                  <a:srgbClr val="81755D"/>
+                </a:solidFill>
+                <a:effectLst/>
+                <a:latin typeface="Consolas" panose="020B0609020204030204" pitchFamily="49" charset="0"/>
+              </a:rPr>
+              <a:t>('</a:t>
+            </a:r>
+            <a:r>
+              <a:rPr lang="en-US" sz="1200" b="0">
+                <a:solidFill>
+                  <a:srgbClr val="B5BD68"/>
+                </a:solidFill>
+                <a:effectLst/>
+                <a:latin typeface="Consolas" panose="020B0609020204030204" pitchFamily="49" charset="0"/>
+              </a:rPr>
+              <a:t>id</a:t>
+            </a:r>
+            <a:r>
+              <a:rPr lang="en-US" sz="1200" b="0">
+                <a:solidFill>
+                  <a:srgbClr val="81755D"/>
+                </a:solidFill>
+                <a:effectLst/>
+                <a:latin typeface="Consolas" panose="020B0609020204030204" pitchFamily="49" charset="0"/>
+              </a:rPr>
+              <a:t>',</a:t>
+            </a:r>
+            <a:r>
+              <a:rPr lang="en-US" sz="1200" b="0">
+                <a:solidFill>
+                  <a:srgbClr val="F9E7C4"/>
+                </a:solidFill>
+                <a:effectLst/>
+                <a:latin typeface="Consolas" panose="020B0609020204030204" pitchFamily="49" charset="0"/>
+              </a:rPr>
+              <a:t> </a:t>
+            </a:r>
+            <a:r>
+              <a:rPr lang="en-US" sz="1200" b="0">
+                <a:solidFill>
+                  <a:srgbClr val="81755D"/>
+                </a:solidFill>
+                <a:effectLst/>
+                <a:latin typeface="Consolas" panose="020B0609020204030204" pitchFamily="49" charset="0"/>
+              </a:rPr>
+              <a:t>'</a:t>
+            </a:r>
+            <a:r>
+              <a:rPr lang="en-US" sz="1200" b="0">
+                <a:solidFill>
+                  <a:srgbClr val="B5BD68"/>
+                </a:solidFill>
+                <a:effectLst/>
+                <a:latin typeface="Consolas" panose="020B0609020204030204" pitchFamily="49" charset="0"/>
+              </a:rPr>
+              <a:t>name</a:t>
+            </a:r>
+            <a:r>
+              <a:rPr lang="en-US" sz="1200" b="0">
+                <a:solidFill>
+                  <a:srgbClr val="81755D"/>
+                </a:solidFill>
+                <a:effectLst/>
+                <a:latin typeface="Consolas" panose="020B0609020204030204" pitchFamily="49" charset="0"/>
+              </a:rPr>
+              <a:t>',</a:t>
+            </a:r>
+            <a:r>
+              <a:rPr lang="en-US" sz="1200" b="0">
+                <a:solidFill>
+                  <a:srgbClr val="F9E7C4"/>
+                </a:solidFill>
+                <a:effectLst/>
+                <a:latin typeface="Consolas" panose="020B0609020204030204" pitchFamily="49" charset="0"/>
+              </a:rPr>
+              <a:t> </a:t>
+            </a:r>
+            <a:r>
+              <a:rPr lang="en-US" sz="1200" b="0">
+                <a:solidFill>
+                  <a:srgbClr val="81755D"/>
+                </a:solidFill>
+                <a:effectLst/>
+                <a:latin typeface="Consolas" panose="020B0609020204030204" pitchFamily="49" charset="0"/>
+              </a:rPr>
+              <a:t>'</a:t>
+            </a:r>
+            <a:r>
+              <a:rPr lang="en-US" sz="1200" b="0">
+                <a:solidFill>
+                  <a:srgbClr val="B5BD68"/>
+                </a:solidFill>
+                <a:effectLst/>
+                <a:latin typeface="Consolas" panose="020B0609020204030204" pitchFamily="49" charset="0"/>
+              </a:rPr>
+              <a:t>slug</a:t>
+            </a:r>
+            <a:r>
+              <a:rPr lang="en-US" sz="1200" b="0">
+                <a:solidFill>
+                  <a:srgbClr val="81755D"/>
+                </a:solidFill>
+                <a:effectLst/>
+                <a:latin typeface="Consolas" panose="020B0609020204030204" pitchFamily="49" charset="0"/>
+              </a:rPr>
+              <a:t>',</a:t>
+            </a:r>
+            <a:r>
+              <a:rPr lang="en-US" sz="1200" b="0">
+                <a:solidFill>
+                  <a:srgbClr val="F9E7C4"/>
+                </a:solidFill>
+                <a:effectLst/>
+                <a:latin typeface="Consolas" panose="020B0609020204030204" pitchFamily="49" charset="0"/>
+              </a:rPr>
+              <a:t> </a:t>
+            </a:r>
+            <a:r>
+              <a:rPr lang="en-US" sz="1200" b="0">
+                <a:solidFill>
+                  <a:srgbClr val="81755D"/>
+                </a:solidFill>
+                <a:effectLst/>
+                <a:latin typeface="Consolas" panose="020B0609020204030204" pitchFamily="49" charset="0"/>
+              </a:rPr>
+              <a:t>'</a:t>
+            </a:r>
+            <a:r>
+              <a:rPr lang="en-US" sz="1200" b="0">
+                <a:solidFill>
+                  <a:srgbClr val="B5BD68"/>
+                </a:solidFill>
+                <a:effectLst/>
+                <a:latin typeface="Consolas" panose="020B0609020204030204" pitchFamily="49" charset="0"/>
+              </a:rPr>
+              <a:t>photo</a:t>
+            </a:r>
+            <a:r>
+              <a:rPr lang="en-US" sz="1200" b="0">
+                <a:solidFill>
+                  <a:srgbClr val="81755D"/>
+                </a:solidFill>
+                <a:effectLst/>
+                <a:latin typeface="Consolas" panose="020B0609020204030204" pitchFamily="49" charset="0"/>
+              </a:rPr>
+              <a:t>',</a:t>
+            </a:r>
+            <a:r>
+              <a:rPr lang="en-US" sz="1200" b="0">
+                <a:solidFill>
+                  <a:srgbClr val="F9E7C4"/>
+                </a:solidFill>
+                <a:effectLst/>
+                <a:latin typeface="Consolas" panose="020B0609020204030204" pitchFamily="49" charset="0"/>
+              </a:rPr>
+              <a:t> </a:t>
+            </a:r>
+            <a:r>
+              <a:rPr lang="en-US" sz="1200" b="0">
+                <a:solidFill>
+                  <a:srgbClr val="81755D"/>
+                </a:solidFill>
+                <a:effectLst/>
+                <a:latin typeface="Consolas" panose="020B0609020204030204" pitchFamily="49" charset="0"/>
+              </a:rPr>
+              <a:t>'</a:t>
+            </a:r>
+            <a:r>
+              <a:rPr lang="en-US" sz="1200" b="0">
+                <a:solidFill>
+                  <a:srgbClr val="B5BD68"/>
+                </a:solidFill>
+                <a:effectLst/>
+                <a:latin typeface="Consolas" panose="020B0609020204030204" pitchFamily="49" charset="0"/>
+              </a:rPr>
+              <a:t>price</a:t>
+            </a:r>
+            <a:r>
+              <a:rPr lang="en-US" sz="1200" b="0">
+                <a:solidFill>
+                  <a:srgbClr val="81755D"/>
+                </a:solidFill>
+                <a:effectLst/>
+                <a:latin typeface="Consolas" panose="020B0609020204030204" pitchFamily="49" charset="0"/>
+              </a:rPr>
+              <a:t>',</a:t>
+            </a:r>
+            <a:r>
+              <a:rPr lang="en-US" sz="1200" b="0">
+                <a:solidFill>
+                  <a:srgbClr val="F9E7C4"/>
+                </a:solidFill>
+                <a:effectLst/>
+                <a:latin typeface="Consolas" panose="020B0609020204030204" pitchFamily="49" charset="0"/>
+              </a:rPr>
+              <a:t> </a:t>
+            </a:r>
+            <a:r>
+              <a:rPr lang="en-US" sz="1200" b="0">
+                <a:solidFill>
+                  <a:srgbClr val="81755D"/>
+                </a:solidFill>
+                <a:effectLst/>
+                <a:latin typeface="Consolas" panose="020B0609020204030204" pitchFamily="49" charset="0"/>
+              </a:rPr>
+              <a:t>'</a:t>
+            </a:r>
+            <a:r>
+              <a:rPr lang="en-US" sz="1200" b="0">
+                <a:solidFill>
+                  <a:srgbClr val="B5BD68"/>
+                </a:solidFill>
+                <a:effectLst/>
+                <a:latin typeface="Consolas" panose="020B0609020204030204" pitchFamily="49" charset="0"/>
+              </a:rPr>
+              <a:t>stock</a:t>
+            </a:r>
+            <a:r>
+              <a:rPr lang="en-US" sz="1200" b="0">
+                <a:solidFill>
+                  <a:srgbClr val="81755D"/>
+                </a:solidFill>
+                <a:effectLst/>
+                <a:latin typeface="Consolas" panose="020B0609020204030204" pitchFamily="49" charset="0"/>
+              </a:rPr>
+              <a:t>');</a:t>
+            </a:r>
+            <a:endParaRPr lang="en-US" sz="1200" b="0">
+              <a:solidFill>
+                <a:srgbClr val="F9E7C4"/>
+              </a:solidFill>
+              <a:effectLst/>
+              <a:latin typeface="Consolas" panose="020B0609020204030204" pitchFamily="49" charset="0"/>
+            </a:endParaRPr>
+          </a:p>
+          <a:p>
+            <a:r>
+              <a:rPr lang="en-US" sz="1200" b="0">
+                <a:solidFill>
+                  <a:srgbClr val="F9E7C4"/>
+                </a:solidFill>
+                <a:effectLst/>
+                <a:latin typeface="Consolas" panose="020B0609020204030204" pitchFamily="49" charset="0"/>
+              </a:rPr>
+              <a:t>            </a:t>
+            </a:r>
+            <a:r>
+              <a:rPr lang="en-US" sz="1200" b="0">
+                <a:solidFill>
+                  <a:srgbClr val="81755D"/>
+                </a:solidFill>
+                <a:effectLst/>
+                <a:latin typeface="Consolas" panose="020B0609020204030204" pitchFamily="49" charset="0"/>
+              </a:rPr>
+              <a:t>}])</a:t>
+            </a:r>
+            <a:r>
+              <a:rPr lang="en-US" sz="1200" b="0">
+                <a:solidFill>
+                  <a:srgbClr val="B294BB"/>
+                </a:solidFill>
+                <a:effectLst/>
+                <a:latin typeface="Consolas" panose="020B0609020204030204" pitchFamily="49" charset="0"/>
+              </a:rPr>
+              <a:t>-&gt;</a:t>
+            </a:r>
+            <a:r>
+              <a:rPr lang="en-US" sz="1200" b="0">
+                <a:solidFill>
+                  <a:srgbClr val="81A2BE"/>
+                </a:solidFill>
+                <a:effectLst/>
+                <a:latin typeface="Consolas" panose="020B0609020204030204" pitchFamily="49" charset="0"/>
+              </a:rPr>
+              <a:t>where</a:t>
+            </a:r>
+            <a:r>
+              <a:rPr lang="en-US" sz="1200" b="0">
+                <a:solidFill>
+                  <a:srgbClr val="81755D"/>
+                </a:solidFill>
+                <a:effectLst/>
+                <a:latin typeface="Consolas" panose="020B0609020204030204" pitchFamily="49" charset="0"/>
+              </a:rPr>
+              <a:t>('</a:t>
+            </a:r>
+            <a:r>
+              <a:rPr lang="en-US" sz="1200" b="0">
+                <a:solidFill>
+                  <a:srgbClr val="B5BD68"/>
+                </a:solidFill>
+                <a:effectLst/>
+                <a:latin typeface="Consolas" panose="020B0609020204030204" pitchFamily="49" charset="0"/>
+              </a:rPr>
+              <a:t>session_id</a:t>
+            </a:r>
+            <a:r>
+              <a:rPr lang="en-US" sz="1200" b="0">
+                <a:solidFill>
+                  <a:srgbClr val="81755D"/>
+                </a:solidFill>
+                <a:effectLst/>
+                <a:latin typeface="Consolas" panose="020B0609020204030204" pitchFamily="49" charset="0"/>
+              </a:rPr>
+              <a:t>',</a:t>
+            </a:r>
+            <a:r>
+              <a:rPr lang="en-US" sz="1200" b="0">
+                <a:solidFill>
+                  <a:srgbClr val="F9E7C4"/>
+                </a:solidFill>
+                <a:effectLst/>
+                <a:latin typeface="Consolas" panose="020B0609020204030204" pitchFamily="49" charset="0"/>
+              </a:rPr>
+              <a:t> </a:t>
+            </a:r>
+            <a:r>
+              <a:rPr lang="en-US" sz="1200" b="0">
+                <a:solidFill>
+                  <a:srgbClr val="F0C674"/>
+                </a:solidFill>
+                <a:effectLst/>
+                <a:latin typeface="Consolas" panose="020B0609020204030204" pitchFamily="49" charset="0"/>
+              </a:rPr>
+              <a:t>Session</a:t>
+            </a:r>
+            <a:r>
+              <a:rPr lang="en-US" sz="1200" b="0">
+                <a:solidFill>
+                  <a:srgbClr val="B294BB"/>
+                </a:solidFill>
+                <a:effectLst/>
+                <a:latin typeface="Consolas" panose="020B0609020204030204" pitchFamily="49" charset="0"/>
+              </a:rPr>
+              <a:t>::</a:t>
+            </a:r>
+            <a:r>
+              <a:rPr lang="en-US" sz="1200" b="0">
+                <a:solidFill>
+                  <a:srgbClr val="81A2BE"/>
+                </a:solidFill>
+                <a:effectLst/>
+                <a:latin typeface="Consolas" panose="020B0609020204030204" pitchFamily="49" charset="0"/>
+              </a:rPr>
+              <a:t>getId</a:t>
+            </a:r>
+            <a:r>
+              <a:rPr lang="en-US" sz="1200" b="0">
+                <a:solidFill>
+                  <a:srgbClr val="81755D"/>
+                </a:solidFill>
+                <a:effectLst/>
+                <a:latin typeface="Consolas" panose="020B0609020204030204" pitchFamily="49" charset="0"/>
+              </a:rPr>
+              <a:t>())</a:t>
+            </a:r>
+            <a:r>
+              <a:rPr lang="en-US" sz="1200" b="0">
+                <a:solidFill>
+                  <a:srgbClr val="B294BB"/>
+                </a:solidFill>
+                <a:effectLst/>
+                <a:latin typeface="Consolas" panose="020B0609020204030204" pitchFamily="49" charset="0"/>
+              </a:rPr>
+              <a:t>-&gt;</a:t>
+            </a:r>
+            <a:r>
+              <a:rPr lang="en-US" sz="1200" b="0">
+                <a:solidFill>
+                  <a:srgbClr val="81A2BE"/>
+                </a:solidFill>
+                <a:effectLst/>
+                <a:latin typeface="Consolas" panose="020B0609020204030204" pitchFamily="49" charset="0"/>
+              </a:rPr>
+              <a:t>orderByDesc</a:t>
+            </a:r>
+            <a:r>
+              <a:rPr lang="en-US" sz="1200" b="0">
+                <a:solidFill>
+                  <a:srgbClr val="81755D"/>
+                </a:solidFill>
+                <a:effectLst/>
+                <a:latin typeface="Consolas" panose="020B0609020204030204" pitchFamily="49" charset="0"/>
+              </a:rPr>
+              <a:t>('</a:t>
+            </a:r>
+            <a:r>
+              <a:rPr lang="en-US" sz="1200" b="0">
+                <a:solidFill>
+                  <a:srgbClr val="B5BD68"/>
+                </a:solidFill>
+                <a:effectLst/>
+                <a:latin typeface="Consolas" panose="020B0609020204030204" pitchFamily="49" charset="0"/>
+              </a:rPr>
+              <a:t>created_at</a:t>
+            </a:r>
+            <a:r>
+              <a:rPr lang="en-US" sz="1200" b="0">
+                <a:solidFill>
+                  <a:srgbClr val="81755D"/>
+                </a:solidFill>
+                <a:effectLst/>
+                <a:latin typeface="Consolas" panose="020B0609020204030204" pitchFamily="49" charset="0"/>
+              </a:rPr>
+              <a:t>')</a:t>
+            </a:r>
+            <a:r>
+              <a:rPr lang="en-US" sz="1200" b="0">
+                <a:solidFill>
+                  <a:srgbClr val="B294BB"/>
+                </a:solidFill>
+                <a:effectLst/>
+                <a:latin typeface="Consolas" panose="020B0609020204030204" pitchFamily="49" charset="0"/>
+              </a:rPr>
+              <a:t>-&gt;</a:t>
+            </a:r>
+            <a:r>
+              <a:rPr lang="en-US" sz="1200" b="0">
+                <a:solidFill>
+                  <a:srgbClr val="81A2BE"/>
+                </a:solidFill>
+                <a:effectLst/>
+                <a:latin typeface="Consolas" panose="020B0609020204030204" pitchFamily="49" charset="0"/>
+              </a:rPr>
+              <a:t>get</a:t>
+            </a:r>
+            <a:r>
+              <a:rPr lang="en-US" sz="1200" b="0">
+                <a:solidFill>
+                  <a:srgbClr val="81755D"/>
+                </a:solidFill>
+                <a:effectLst/>
+                <a:latin typeface="Consolas" panose="020B0609020204030204" pitchFamily="49" charset="0"/>
+              </a:rPr>
+              <a:t>();</a:t>
+            </a:r>
+            <a:endParaRPr lang="en-US" sz="1200" b="0">
+              <a:solidFill>
+                <a:srgbClr val="F9E7C4"/>
+              </a:solidFill>
+              <a:effectLst/>
+              <a:latin typeface="Consolas" panose="020B0609020204030204" pitchFamily="49" charset="0"/>
+            </a:endParaRPr>
+          </a:p>
+          <a:p>
+            <a:r>
+              <a:rPr lang="en-US" sz="1200" b="0">
+                <a:solidFill>
+                  <a:srgbClr val="F9E7C4"/>
+                </a:solidFill>
+                <a:effectLst/>
+                <a:latin typeface="Consolas" panose="020B0609020204030204" pitchFamily="49" charset="0"/>
+              </a:rPr>
+              <a:t>        </a:t>
+            </a:r>
+            <a:r>
+              <a:rPr lang="en-US" sz="1200" b="0">
+                <a:solidFill>
+                  <a:srgbClr val="81755D"/>
+                </a:solidFill>
+                <a:effectLst/>
+                <a:latin typeface="Consolas" panose="020B0609020204030204" pitchFamily="49" charset="0"/>
+              </a:rPr>
+              <a:t>}</a:t>
+            </a:r>
+            <a:endParaRPr lang="en-US" sz="1200" b="0">
+              <a:solidFill>
+                <a:srgbClr val="F9E7C4"/>
+              </a:solidFill>
+              <a:effectLst/>
+              <a:latin typeface="Consolas" panose="020B0609020204030204" pitchFamily="49" charset="0"/>
+            </a:endParaRPr>
+          </a:p>
+          <a:p>
+            <a:br>
+              <a:rPr lang="en-US" sz="1200" b="0">
+                <a:solidFill>
+                  <a:srgbClr val="F9E7C4"/>
+                </a:solidFill>
+                <a:effectLst/>
+                <a:latin typeface="Consolas" panose="020B0609020204030204" pitchFamily="49" charset="0"/>
+              </a:rPr>
+            </a:br>
+            <a:r>
+              <a:rPr lang="en-US" sz="1200" b="0">
+                <a:solidFill>
+                  <a:srgbClr val="F9E7C4"/>
+                </a:solidFill>
+                <a:effectLst/>
+                <a:latin typeface="Consolas" panose="020B0609020204030204" pitchFamily="49" charset="0"/>
+              </a:rPr>
+              <a:t>        </a:t>
+            </a:r>
+            <a:r>
+              <a:rPr lang="en-US" sz="1200" b="0">
+                <a:solidFill>
+                  <a:srgbClr val="B294BB"/>
+                </a:solidFill>
+                <a:effectLst/>
+                <a:latin typeface="Consolas" panose="020B0609020204030204" pitchFamily="49" charset="0"/>
+              </a:rPr>
+              <a:t>return</a:t>
+            </a:r>
+            <a:r>
+              <a:rPr lang="en-US" sz="1200" b="0">
+                <a:solidFill>
+                  <a:srgbClr val="F9E7C4"/>
+                </a:solidFill>
+                <a:effectLst/>
+                <a:latin typeface="Consolas" panose="020B0609020204030204" pitchFamily="49" charset="0"/>
+              </a:rPr>
+              <a:t> </a:t>
+            </a:r>
+            <a:r>
+              <a:rPr lang="en-US" sz="1200" b="0">
+                <a:solidFill>
+                  <a:srgbClr val="81755D"/>
+                </a:solidFill>
+                <a:effectLst/>
+                <a:latin typeface="Consolas" panose="020B0609020204030204" pitchFamily="49" charset="0"/>
+              </a:rPr>
+              <a:t>$</a:t>
+            </a:r>
+            <a:r>
+              <a:rPr lang="en-US" sz="1200" b="0">
+                <a:solidFill>
+                  <a:srgbClr val="FF0000"/>
+                </a:solidFill>
+                <a:effectLst/>
+                <a:latin typeface="Consolas" panose="020B0609020204030204" pitchFamily="49" charset="0"/>
+              </a:rPr>
+              <a:t>cartProducts</a:t>
+            </a:r>
+            <a:r>
+              <a:rPr lang="en-US" sz="1200" b="0">
+                <a:solidFill>
+                  <a:srgbClr val="81755D"/>
+                </a:solidFill>
+                <a:effectLst/>
+                <a:latin typeface="Consolas" panose="020B0609020204030204" pitchFamily="49" charset="0"/>
+              </a:rPr>
+              <a:t>;</a:t>
+            </a:r>
+            <a:endParaRPr lang="en-US" sz="1200" b="0">
+              <a:solidFill>
+                <a:srgbClr val="F9E7C4"/>
+              </a:solidFill>
+              <a:effectLst/>
+              <a:latin typeface="Consolas" panose="020B0609020204030204" pitchFamily="49" charset="0"/>
+            </a:endParaRPr>
+          </a:p>
+          <a:p>
+            <a:r>
+              <a:rPr lang="en-US" sz="1200" b="0">
+                <a:solidFill>
+                  <a:srgbClr val="F9E7C4"/>
+                </a:solidFill>
+                <a:effectLst/>
+                <a:latin typeface="Consolas" panose="020B0609020204030204" pitchFamily="49" charset="0"/>
+              </a:rPr>
+              <a:t>    </a:t>
+            </a:r>
+            <a:r>
+              <a:rPr lang="en-US" sz="1200" b="0">
+                <a:solidFill>
+                  <a:srgbClr val="81755D"/>
+                </a:solidFill>
+                <a:effectLst/>
+                <a:latin typeface="Consolas" panose="020B0609020204030204" pitchFamily="49" charset="0"/>
+              </a:rPr>
+              <a:t>}</a:t>
+            </a:r>
+            <a:endParaRPr lang="en-US" sz="1200" b="0">
+              <a:solidFill>
+                <a:srgbClr val="F9E7C4"/>
+              </a:solidFill>
+              <a:effectLst/>
+              <a:latin typeface="Consolas" panose="020B0609020204030204" pitchFamily="49" charset="0"/>
+            </a:endParaRPr>
+          </a:p>
+        </p:txBody>
+      </p:sp>
+    </p:spTree>
+    <p:extLst>
+      <p:ext uri="{BB962C8B-B14F-4D97-AF65-F5344CB8AC3E}">
+        <p14:creationId xmlns:p14="http://schemas.microsoft.com/office/powerpoint/2010/main" val="3399659449"/>
+      </p:ext>
+    </p:extLst>
+  </p:cSld>
+  <p:clrMapOvr>
+    <a:masterClrMapping/>
+  </p:clrMapOvr>
+  <mc:AlternateContent xmlns:mc="http://schemas.openxmlformats.org/markup-compatibility/2006">
+    <mc:Choice xmlns:p14="http://schemas.microsoft.com/office/powerpoint/2010/main" Requires="p14">
+      <p:transition spd="slow" p14:dur="2000" advTm="2461"/>
+    </mc:Choice>
+    <mc:Fallback>
+      <p:transition spd="slow" advTm="2461"/>
+    </mc:Fallback>
+  </mc:AlternateContent>
+</p:sld>
+</file>
+
 <file path=ppt/slides/slide3.xml><?xml version="1.0" encoding="utf-8"?>
 <p:sld xmlns:a="http://schemas.openxmlformats.org/drawingml/2006/main" xmlns:r="http://schemas.openxmlformats.org/officeDocument/2006/relationships" xmlns:p="http://schemas.openxmlformats.org/presentationml/2006/main">
   <p:cSld>

--- a/_presentation/prezentare_aplicatie.pptx
+++ b/_presentation/prezentare_aplicatie.pptx
@@ -28,6 +28,7 @@
     <p:sldId id="274" r:id="rId22"/>
     <p:sldId id="275" r:id="rId23"/>
     <p:sldId id="276" r:id="rId24"/>
+    <p:sldId id="277" r:id="rId25"/>
   </p:sldIdLst>
   <p:sldSz cx="12192000" cy="6858000"/>
   <p:notesSz cx="6858000" cy="9144000"/>
@@ -284,7 +285,7 @@
             <a:fld id="{87DE6118-2437-4B30-8E3C-4D2BE6020583}" type="datetimeFigureOut">
               <a:rPr lang="en-US" smtClean="0"/>
               <a:pPr/>
-              <a:t>3/21/2022</a:t>
+              <a:t>4/13/2022</a:t>
             </a:fld>
             <a:endParaRPr lang="en-US"/>
           </a:p>
@@ -485,7 +486,7 @@
           <a:p>
             <a:fld id="{87DE6118-2437-4B30-8E3C-4D2BE6020583}" type="datetimeFigureOut">
               <a:rPr lang="en-US" smtClean="0"/>
-              <a:t>3/21/2022</a:t>
+              <a:t>4/13/2022</a:t>
             </a:fld>
             <a:endParaRPr lang="en-US"/>
           </a:p>
@@ -695,7 +696,7 @@
           <a:p>
             <a:fld id="{87DE6118-2437-4B30-8E3C-4D2BE6020583}" type="datetimeFigureOut">
               <a:rPr lang="en-US" smtClean="0"/>
-              <a:t>3/21/2022</a:t>
+              <a:t>4/13/2022</a:t>
             </a:fld>
             <a:endParaRPr lang="en-US"/>
           </a:p>
@@ -908,7 +909,7 @@
             <a:fld id="{87DE6118-2437-4B30-8E3C-4D2BE6020583}" type="datetimeFigureOut">
               <a:rPr lang="en-US" smtClean="0"/>
               <a:pPr/>
-              <a:t>3/21/2022</a:t>
+              <a:t>4/13/2022</a:t>
             </a:fld>
             <a:endParaRPr lang="en-US"/>
           </a:p>
@@ -1120,7 +1121,7 @@
           <a:p>
             <a:fld id="{87DE6118-2437-4B30-8E3C-4D2BE6020583}" type="datetimeFigureOut">
               <a:rPr lang="en-US" smtClean="0"/>
-              <a:t>3/21/2022</a:t>
+              <a:t>4/13/2022</a:t>
             </a:fld>
             <a:endParaRPr lang="en-US"/>
           </a:p>
@@ -1400,7 +1401,7 @@
             <a:fld id="{87DE6118-2437-4B30-8E3C-4D2BE6020583}" type="datetimeFigureOut">
               <a:rPr lang="en-US" smtClean="0"/>
               <a:pPr/>
-              <a:t>3/21/2022</a:t>
+              <a:t>4/13/2022</a:t>
             </a:fld>
             <a:endParaRPr lang="en-US"/>
           </a:p>
@@ -1669,7 +1670,7 @@
           <a:p>
             <a:fld id="{87DE6118-2437-4B30-8E3C-4D2BE6020583}" type="datetimeFigureOut">
               <a:rPr lang="en-US" smtClean="0"/>
-              <a:t>3/21/2022</a:t>
+              <a:t>4/13/2022</a:t>
             </a:fld>
             <a:endParaRPr lang="en-US"/>
           </a:p>
@@ -2085,7 +2086,7 @@
           <a:p>
             <a:fld id="{87DE6118-2437-4B30-8E3C-4D2BE6020583}" type="datetimeFigureOut">
               <a:rPr lang="en-US" smtClean="0"/>
-              <a:t>3/21/2022</a:t>
+              <a:t>4/13/2022</a:t>
             </a:fld>
             <a:endParaRPr lang="en-US"/>
           </a:p>
@@ -2234,7 +2235,7 @@
           <a:p>
             <a:fld id="{87DE6118-2437-4B30-8E3C-4D2BE6020583}" type="datetimeFigureOut">
               <a:rPr lang="en-US" smtClean="0"/>
-              <a:t>3/21/2022</a:t>
+              <a:t>4/13/2022</a:t>
             </a:fld>
             <a:endParaRPr lang="en-US"/>
           </a:p>
@@ -2360,7 +2361,7 @@
           <a:p>
             <a:fld id="{87DE6118-2437-4B30-8E3C-4D2BE6020583}" type="datetimeFigureOut">
               <a:rPr lang="en-US" smtClean="0"/>
-              <a:t>3/21/2022</a:t>
+              <a:t>4/13/2022</a:t>
             </a:fld>
             <a:endParaRPr lang="en-US"/>
           </a:p>
@@ -2612,7 +2613,7 @@
             <a:fld id="{87DE6118-2437-4B30-8E3C-4D2BE6020583}" type="datetimeFigureOut">
               <a:rPr lang="en-US" smtClean="0"/>
               <a:pPr/>
-              <a:t>3/21/2022</a:t>
+              <a:t>4/13/2022</a:t>
             </a:fld>
             <a:endParaRPr lang="en-US"/>
           </a:p>
@@ -2832,7 +2833,7 @@
           <a:p>
             <a:fld id="{87DE6118-2437-4B30-8E3C-4D2BE6020583}" type="datetimeFigureOut">
               <a:rPr lang="en-US" smtClean="0"/>
-              <a:t>3/21/2022</a:t>
+              <a:t>4/13/2022</a:t>
             </a:fld>
             <a:endParaRPr lang="en-US"/>
           </a:p>
@@ -3258,7 +3259,7 @@
             <a:fld id="{87DE6118-2437-4B30-8E3C-4D2BE6020583}" type="datetimeFigureOut">
               <a:rPr lang="en-US" smtClean="0"/>
               <a:pPr/>
-              <a:t>3/21/2022</a:t>
+              <a:t>4/13/2022</a:t>
             </a:fld>
             <a:endParaRPr lang="en-US"/>
           </a:p>
@@ -3465,7 +3466,7 @@
           <a:p>
             <a:fld id="{87DE6118-2437-4B30-8E3C-4D2BE6020583}" type="datetimeFigureOut">
               <a:rPr lang="en-US" smtClean="0"/>
-              <a:t>3/21/2022</a:t>
+              <a:t>4/13/2022</a:t>
             </a:fld>
             <a:endParaRPr lang="en-US"/>
           </a:p>
@@ -3680,7 +3681,7 @@
           <a:p>
             <a:fld id="{87DE6118-2437-4B30-8E3C-4D2BE6020583}" type="datetimeFigureOut">
               <a:rPr lang="en-US" smtClean="0"/>
-              <a:t>3/21/2022</a:t>
+              <a:t>4/13/2022</a:t>
             </a:fld>
             <a:endParaRPr lang="en-US"/>
           </a:p>
@@ -3922,7 +3923,7 @@
             <a:fld id="{87DE6118-2437-4B30-8E3C-4D2BE6020583}" type="datetimeFigureOut">
               <a:rPr lang="en-US" smtClean="0"/>
               <a:pPr/>
-              <a:t>3/21/2022</a:t>
+              <a:t>4/13/2022</a:t>
             </a:fld>
             <a:endParaRPr lang="en-US"/>
           </a:p>
@@ -4123,7 +4124,7 @@
           <a:p>
             <a:fld id="{87DE6118-2437-4B30-8E3C-4D2BE6020583}" type="datetimeFigureOut">
               <a:rPr lang="en-US" smtClean="0"/>
-              <a:t>3/21/2022</a:t>
+              <a:t>4/13/2022</a:t>
             </a:fld>
             <a:endParaRPr lang="en-US"/>
           </a:p>
@@ -4400,7 +4401,7 @@
             <a:fld id="{87DE6118-2437-4B30-8E3C-4D2BE6020583}" type="datetimeFigureOut">
               <a:rPr lang="en-US" smtClean="0"/>
               <a:pPr/>
-              <a:t>3/21/2022</a:t>
+              <a:t>4/13/2022</a:t>
             </a:fld>
             <a:endParaRPr lang="en-US"/>
           </a:p>
@@ -4669,7 +4670,7 @@
           <a:p>
             <a:fld id="{87DE6118-2437-4B30-8E3C-4D2BE6020583}" type="datetimeFigureOut">
               <a:rPr lang="en-US" smtClean="0"/>
-              <a:t>3/21/2022</a:t>
+              <a:t>4/13/2022</a:t>
             </a:fld>
             <a:endParaRPr lang="en-US"/>
           </a:p>
@@ -5084,7 +5085,7 @@
           <a:p>
             <a:fld id="{87DE6118-2437-4B30-8E3C-4D2BE6020583}" type="datetimeFigureOut">
               <a:rPr lang="en-US" smtClean="0"/>
-              <a:t>3/21/2022</a:t>
+              <a:t>4/13/2022</a:t>
             </a:fld>
             <a:endParaRPr lang="en-US"/>
           </a:p>
@@ -5226,7 +5227,7 @@
           <a:p>
             <a:fld id="{87DE6118-2437-4B30-8E3C-4D2BE6020583}" type="datetimeFigureOut">
               <a:rPr lang="en-US" smtClean="0"/>
-              <a:t>3/21/2022</a:t>
+              <a:t>4/13/2022</a:t>
             </a:fld>
             <a:endParaRPr lang="en-US"/>
           </a:p>
@@ -5339,7 +5340,7 @@
           <a:p>
             <a:fld id="{87DE6118-2437-4B30-8E3C-4D2BE6020583}" type="datetimeFigureOut">
               <a:rPr lang="en-US" smtClean="0"/>
-              <a:t>3/21/2022</a:t>
+              <a:t>4/13/2022</a:t>
             </a:fld>
             <a:endParaRPr lang="en-US"/>
           </a:p>
@@ -5616,7 +5617,7 @@
             <a:fld id="{87DE6118-2437-4B30-8E3C-4D2BE6020583}" type="datetimeFigureOut">
               <a:rPr lang="en-US" smtClean="0"/>
               <a:pPr/>
-              <a:t>3/21/2022</a:t>
+              <a:t>4/13/2022</a:t>
             </a:fld>
             <a:endParaRPr lang="en-US"/>
           </a:p>
@@ -5931,7 +5932,7 @@
             <a:fld id="{87DE6118-2437-4B30-8E3C-4D2BE6020583}" type="datetimeFigureOut">
               <a:rPr lang="en-US" smtClean="0"/>
               <a:pPr/>
-              <a:t>3/21/2022</a:t>
+              <a:t>4/13/2022</a:t>
             </a:fld>
             <a:endParaRPr lang="en-US"/>
           </a:p>
@@ -6222,7 +6223,7 @@
             <a:fld id="{87DE6118-2437-4B30-8E3C-4D2BE6020583}" type="datetimeFigureOut">
               <a:rPr lang="en-US" smtClean="0"/>
               <a:pPr/>
-              <a:t>3/21/2022</a:t>
+              <a:t>4/13/2022</a:t>
             </a:fld>
             <a:endParaRPr lang="en-US"/>
           </a:p>
@@ -6423,7 +6424,7 @@
           <a:p>
             <a:fld id="{87DE6118-2437-4B30-8E3C-4D2BE6020583}" type="datetimeFigureOut">
               <a:rPr lang="en-US" smtClean="0"/>
-              <a:t>3/21/2022</a:t>
+              <a:t>4/13/2022</a:t>
             </a:fld>
             <a:endParaRPr lang="en-US"/>
           </a:p>
@@ -6633,7 +6634,7 @@
           <a:p>
             <a:fld id="{87DE6118-2437-4B30-8E3C-4D2BE6020583}" type="datetimeFigureOut">
               <a:rPr lang="en-US" smtClean="0"/>
-              <a:t>3/21/2022</a:t>
+              <a:t>4/13/2022</a:t>
             </a:fld>
             <a:endParaRPr lang="en-US"/>
           </a:p>
@@ -6901,7 +6902,7 @@
           <a:p>
             <a:fld id="{87DE6118-2437-4B30-8E3C-4D2BE6020583}" type="datetimeFigureOut">
               <a:rPr lang="en-US" smtClean="0"/>
-              <a:t>3/21/2022</a:t>
+              <a:t>4/13/2022</a:t>
             </a:fld>
             <a:endParaRPr lang="en-US"/>
           </a:p>
@@ -7316,7 +7317,7 @@
           <a:p>
             <a:fld id="{87DE6118-2437-4B30-8E3C-4D2BE6020583}" type="datetimeFigureOut">
               <a:rPr lang="en-US" smtClean="0"/>
-              <a:t>3/21/2022</a:t>
+              <a:t>4/13/2022</a:t>
             </a:fld>
             <a:endParaRPr lang="en-US"/>
           </a:p>
@@ -7458,7 +7459,7 @@
           <a:p>
             <a:fld id="{87DE6118-2437-4B30-8E3C-4D2BE6020583}" type="datetimeFigureOut">
               <a:rPr lang="en-US" smtClean="0"/>
-              <a:t>3/21/2022</a:t>
+              <a:t>4/13/2022</a:t>
             </a:fld>
             <a:endParaRPr lang="en-US"/>
           </a:p>
@@ -7571,7 +7572,7 @@
           <a:p>
             <a:fld id="{87DE6118-2437-4B30-8E3C-4D2BE6020583}" type="datetimeFigureOut">
               <a:rPr lang="en-US" smtClean="0"/>
-              <a:t>3/21/2022</a:t>
+              <a:t>4/13/2022</a:t>
             </a:fld>
             <a:endParaRPr lang="en-US"/>
           </a:p>
@@ -7885,7 +7886,7 @@
             <a:fld id="{87DE6118-2437-4B30-8E3C-4D2BE6020583}" type="datetimeFigureOut">
               <a:rPr lang="en-US" smtClean="0"/>
               <a:pPr/>
-              <a:t>3/21/2022</a:t>
+              <a:t>4/13/2022</a:t>
             </a:fld>
             <a:endParaRPr lang="en-US"/>
           </a:p>
@@ -8176,7 +8177,7 @@
             <a:fld id="{87DE6118-2437-4B30-8E3C-4D2BE6020583}" type="datetimeFigureOut">
               <a:rPr lang="en-US" smtClean="0"/>
               <a:pPr/>
-              <a:t>3/21/2022</a:t>
+              <a:t>4/13/2022</a:t>
             </a:fld>
             <a:endParaRPr lang="en-US"/>
           </a:p>
@@ -8421,7 +8422,7 @@
             <a:fld id="{87DE6118-2437-4B30-8E3C-4D2BE6020583}" type="datetimeFigureOut">
               <a:rPr lang="en-US" smtClean="0"/>
               <a:pPr/>
-              <a:t>3/21/2022</a:t>
+              <a:t>4/13/2022</a:t>
             </a:fld>
             <a:endParaRPr lang="en-US"/>
           </a:p>
@@ -9058,7 +9059,7 @@
             <a:fld id="{87DE6118-2437-4B30-8E3C-4D2BE6020583}" type="datetimeFigureOut">
               <a:rPr lang="en-US" smtClean="0"/>
               <a:pPr/>
-              <a:t>3/21/2022</a:t>
+              <a:t>4/13/2022</a:t>
             </a:fld>
             <a:endParaRPr lang="en-US"/>
           </a:p>
@@ -9704,7 +9705,7 @@
             <a:fld id="{87DE6118-2437-4B30-8E3C-4D2BE6020583}" type="datetimeFigureOut">
               <a:rPr lang="en-US" smtClean="0"/>
               <a:pPr/>
-              <a:t>3/21/2022</a:t>
+              <a:t>4/13/2022</a:t>
             </a:fld>
             <a:endParaRPr lang="en-US"/>
           </a:p>
@@ -25771,14 +25772,1177 @@
   <p:clrMapOvr>
     <a:masterClrMapping/>
   </p:clrMapOvr>
-  <mc:AlternateContent xmlns:mc="http://schemas.openxmlformats.org/markup-compatibility/2006">
-    <mc:Choice xmlns:p14="http://schemas.microsoft.com/office/powerpoint/2010/main" Requires="p14">
+  <mc:AlternateContent xmlns:mc="http://schemas.openxmlformats.org/markup-compatibility/2006" xmlns:p14="http://schemas.microsoft.com/office/powerpoint/2010/main">
+    <mc:Choice Requires="p14">
       <p:transition spd="slow" p14:dur="2000" advTm="2461"/>
     </mc:Choice>
-    <mc:Fallback>
+    <mc:Fallback xmlns="">
       <p:transition spd="slow" advTm="2461"/>
     </mc:Fallback>
   </mc:AlternateContent>
+</p:sld>
+</file>
+
+<file path=ppt/slides/slide22.xml><?xml version="1.0" encoding="utf-8"?>
+<p:sld xmlns:a="http://schemas.openxmlformats.org/drawingml/2006/main" xmlns:r="http://schemas.openxmlformats.org/officeDocument/2006/relationships" xmlns:p="http://schemas.openxmlformats.org/presentationml/2006/main">
+  <p:cSld>
+    <p:spTree>
+      <p:nvGrpSpPr>
+        <p:cNvPr id="1" name=""/>
+        <p:cNvGrpSpPr/>
+        <p:nvPr/>
+      </p:nvGrpSpPr>
+      <p:grpSpPr>
+        <a:xfrm>
+          <a:off x="0" y="0"/>
+          <a:ext cx="0" cy="0"/>
+          <a:chOff x="0" y="0"/>
+          <a:chExt cx="0" cy="0"/>
+        </a:xfrm>
+      </p:grpSpPr>
+      <p:sp>
+        <p:nvSpPr>
+          <p:cNvPr id="2" name="Title 1">
+            <a:extLst>
+              <a:ext uri="{FF2B5EF4-FFF2-40B4-BE49-F238E27FC236}">
+                <a16:creationId xmlns:a16="http://schemas.microsoft.com/office/drawing/2014/main" id="{F61CE263-81D1-4F85-A32A-3DA6D516110D}"/>
+              </a:ext>
+            </a:extLst>
+          </p:cNvPr>
+          <p:cNvSpPr>
+            <a:spLocks noGrp="1"/>
+          </p:cNvSpPr>
+          <p:nvPr>
+            <p:ph type="title"/>
+          </p:nvPr>
+        </p:nvSpPr>
+        <p:spPr>
+          <a:xfrm>
+            <a:off x="838200" y="281235"/>
+            <a:ext cx="10515600" cy="599609"/>
+          </a:xfrm>
+        </p:spPr>
+        <p:style>
+          <a:lnRef idx="2">
+            <a:schemeClr val="accent1">
+              <a:shade val="50000"/>
+            </a:schemeClr>
+          </a:lnRef>
+          <a:fillRef idx="1">
+            <a:schemeClr val="accent1"/>
+          </a:fillRef>
+          <a:effectRef idx="0">
+            <a:schemeClr val="accent1"/>
+          </a:effectRef>
+          <a:fontRef idx="minor">
+            <a:schemeClr val="lt1"/>
+          </a:fontRef>
+        </p:style>
+        <p:txBody>
+          <a:bodyPr>
+            <a:normAutofit/>
+          </a:bodyPr>
+          <a:lstStyle/>
+          <a:p>
+            <a:pPr algn="ctr"/>
+            <a:r>
+              <a:rPr lang="en-US" sz="2400"/>
+              <a:t>Comenzi (Orders)</a:t>
+            </a:r>
+          </a:p>
+        </p:txBody>
+      </p:sp>
+      <p:graphicFrame>
+        <p:nvGraphicFramePr>
+          <p:cNvPr id="3" name="Table 2">
+            <a:extLst>
+              <a:ext uri="{FF2B5EF4-FFF2-40B4-BE49-F238E27FC236}">
+                <a16:creationId xmlns:a16="http://schemas.microsoft.com/office/drawing/2014/main" id="{72C24F75-711C-4EBA-92AC-DDC95D5A64F8}"/>
+              </a:ext>
+            </a:extLst>
+          </p:cNvPr>
+          <p:cNvGraphicFramePr>
+            <a:graphicFrameLocks noGrp="1"/>
+          </p:cNvGraphicFramePr>
+          <p:nvPr>
+            <p:extLst>
+              <p:ext uri="{D42A27DB-BD31-4B8C-83A1-F6EECF244321}">
+                <p14:modId xmlns:p14="http://schemas.microsoft.com/office/powerpoint/2010/main" val="3711624908"/>
+              </p:ext>
+            </p:extLst>
+          </p:nvPr>
+        </p:nvGraphicFramePr>
+        <p:xfrm>
+          <a:off x="6477885" y="3469545"/>
+          <a:ext cx="1749168" cy="3009744"/>
+        </p:xfrm>
+        <a:graphic>
+          <a:graphicData uri="http://schemas.openxmlformats.org/drawingml/2006/table">
+            <a:tbl>
+              <a:tblPr firstRow="1" bandRow="1">
+                <a:tableStyleId>{5940675A-B579-460E-94D1-54222C63F5DA}</a:tableStyleId>
+              </a:tblPr>
+              <a:tblGrid>
+                <a:gridCol w="1749168">
+                  <a:extLst>
+                    <a:ext uri="{9D8B030D-6E8A-4147-A177-3AD203B41FA5}">
+                      <a16:colId xmlns:a16="http://schemas.microsoft.com/office/drawing/2014/main" val="553009520"/>
+                    </a:ext>
+                  </a:extLst>
+                </a:gridCol>
+              </a:tblGrid>
+              <a:tr h="334416">
+                <a:tc>
+                  <a:txBody>
+                    <a:bodyPr/>
+                    <a:lstStyle/>
+                    <a:p>
+                      <a:r>
+                        <a:rPr lang="en-US" sz="1400" b="1"/>
+                        <a:t>Orders</a:t>
+                      </a:r>
+                      <a:endParaRPr lang="ro-RO" sz="1400" b="1"/>
+                    </a:p>
+                  </a:txBody>
+                  <a:tcPr>
+                    <a:solidFill>
+                      <a:schemeClr val="accent1">
+                        <a:lumMod val="40000"/>
+                        <a:lumOff val="60000"/>
+                      </a:schemeClr>
+                    </a:solidFill>
+                  </a:tcPr>
+                </a:tc>
+                <a:extLst>
+                  <a:ext uri="{0D108BD9-81ED-4DB2-BD59-A6C34878D82A}">
+                    <a16:rowId xmlns:a16="http://schemas.microsoft.com/office/drawing/2014/main" val="1142503979"/>
+                  </a:ext>
+                </a:extLst>
+              </a:tr>
+              <a:tr h="334416">
+                <a:tc>
+                  <a:txBody>
+                    <a:bodyPr/>
+                    <a:lstStyle/>
+                    <a:p>
+                      <a:r>
+                        <a:rPr lang="en-US" sz="1400"/>
+                        <a:t>id</a:t>
+                      </a:r>
+                      <a:endParaRPr lang="ro-RO" sz="1400"/>
+                    </a:p>
+                  </a:txBody>
+                  <a:tcPr/>
+                </a:tc>
+                <a:extLst>
+                  <a:ext uri="{0D108BD9-81ED-4DB2-BD59-A6C34878D82A}">
+                    <a16:rowId xmlns:a16="http://schemas.microsoft.com/office/drawing/2014/main" val="372363252"/>
+                  </a:ext>
+                </a:extLst>
+              </a:tr>
+              <a:tr h="334416">
+                <a:tc>
+                  <a:txBody>
+                    <a:bodyPr/>
+                    <a:lstStyle/>
+                    <a:p>
+                      <a:r>
+                        <a:rPr lang="en-US" sz="1400"/>
+                        <a:t>user_id</a:t>
+                      </a:r>
+                      <a:endParaRPr lang="ro-RO" sz="1400"/>
+                    </a:p>
+                  </a:txBody>
+                  <a:tcPr/>
+                </a:tc>
+                <a:extLst>
+                  <a:ext uri="{0D108BD9-81ED-4DB2-BD59-A6C34878D82A}">
+                    <a16:rowId xmlns:a16="http://schemas.microsoft.com/office/drawing/2014/main" val="1083826987"/>
+                  </a:ext>
+                </a:extLst>
+              </a:tr>
+              <a:tr h="334416">
+                <a:tc>
+                  <a:txBody>
+                    <a:bodyPr/>
+                    <a:lstStyle/>
+                    <a:p>
+                      <a:r>
+                        <a:rPr lang="en-US" sz="1400"/>
+                        <a:t>address_id</a:t>
+                      </a:r>
+                      <a:endParaRPr lang="ro-RO" sz="1400"/>
+                    </a:p>
+                  </a:txBody>
+                  <a:tcPr/>
+                </a:tc>
+                <a:extLst>
+                  <a:ext uri="{0D108BD9-81ED-4DB2-BD59-A6C34878D82A}">
+                    <a16:rowId xmlns:a16="http://schemas.microsoft.com/office/drawing/2014/main" val="2318874259"/>
+                  </a:ext>
+                </a:extLst>
+              </a:tr>
+              <a:tr h="334416">
+                <a:tc>
+                  <a:txBody>
+                    <a:bodyPr/>
+                    <a:lstStyle/>
+                    <a:p>
+                      <a:r>
+                        <a:rPr lang="en-US" sz="1400"/>
+                        <a:t>approved_at</a:t>
+                      </a:r>
+                      <a:endParaRPr lang="ro-RO" sz="1400"/>
+                    </a:p>
+                  </a:txBody>
+                  <a:tcPr>
+                    <a:solidFill>
+                      <a:schemeClr val="accent4">
+                        <a:lumMod val="40000"/>
+                        <a:lumOff val="60000"/>
+                      </a:schemeClr>
+                    </a:solidFill>
+                  </a:tcPr>
+                </a:tc>
+                <a:extLst>
+                  <a:ext uri="{0D108BD9-81ED-4DB2-BD59-A6C34878D82A}">
+                    <a16:rowId xmlns:a16="http://schemas.microsoft.com/office/drawing/2014/main" val="1437588662"/>
+                  </a:ext>
+                </a:extLst>
+              </a:tr>
+              <a:tr h="334416">
+                <a:tc>
+                  <a:txBody>
+                    <a:bodyPr/>
+                    <a:lstStyle/>
+                    <a:p>
+                      <a:r>
+                        <a:rPr lang="en-US" sz="1400"/>
+                        <a:t>payed_at</a:t>
+                      </a:r>
+                      <a:endParaRPr lang="ro-RO" sz="1400"/>
+                    </a:p>
+                  </a:txBody>
+                  <a:tcPr>
+                    <a:solidFill>
+                      <a:schemeClr val="accent4">
+                        <a:lumMod val="40000"/>
+                        <a:lumOff val="60000"/>
+                      </a:schemeClr>
+                    </a:solidFill>
+                  </a:tcPr>
+                </a:tc>
+                <a:extLst>
+                  <a:ext uri="{0D108BD9-81ED-4DB2-BD59-A6C34878D82A}">
+                    <a16:rowId xmlns:a16="http://schemas.microsoft.com/office/drawing/2014/main" val="2779687727"/>
+                  </a:ext>
+                </a:extLst>
+              </a:tr>
+              <a:tr h="334416">
+                <a:tc>
+                  <a:txBody>
+                    <a:bodyPr/>
+                    <a:lstStyle/>
+                    <a:p>
+                      <a:r>
+                        <a:rPr lang="en-US" sz="1400"/>
+                        <a:t>recevied_at</a:t>
+                      </a:r>
+                      <a:endParaRPr lang="ro-RO" sz="1400"/>
+                    </a:p>
+                  </a:txBody>
+                  <a:tcPr>
+                    <a:solidFill>
+                      <a:schemeClr val="accent4">
+                        <a:lumMod val="40000"/>
+                        <a:lumOff val="60000"/>
+                      </a:schemeClr>
+                    </a:solidFill>
+                  </a:tcPr>
+                </a:tc>
+                <a:extLst>
+                  <a:ext uri="{0D108BD9-81ED-4DB2-BD59-A6C34878D82A}">
+                    <a16:rowId xmlns:a16="http://schemas.microsoft.com/office/drawing/2014/main" val="2762886547"/>
+                  </a:ext>
+                </a:extLst>
+              </a:tr>
+              <a:tr h="334416">
+                <a:tc>
+                  <a:txBody>
+                    <a:bodyPr/>
+                    <a:lstStyle/>
+                    <a:p>
+                      <a:r>
+                        <a:rPr lang="en-US" sz="1400"/>
+                        <a:t>shipping_cost</a:t>
+                      </a:r>
+                      <a:endParaRPr lang="ro-RO" sz="1400"/>
+                    </a:p>
+                  </a:txBody>
+                  <a:tcPr>
+                    <a:solidFill>
+                      <a:schemeClr val="accent4">
+                        <a:lumMod val="40000"/>
+                        <a:lumOff val="60000"/>
+                      </a:schemeClr>
+                    </a:solidFill>
+                  </a:tcPr>
+                </a:tc>
+                <a:extLst>
+                  <a:ext uri="{0D108BD9-81ED-4DB2-BD59-A6C34878D82A}">
+                    <a16:rowId xmlns:a16="http://schemas.microsoft.com/office/drawing/2014/main" val="29642532"/>
+                  </a:ext>
+                </a:extLst>
+              </a:tr>
+              <a:tr h="334416">
+                <a:tc>
+                  <a:txBody>
+                    <a:bodyPr/>
+                    <a:lstStyle/>
+                    <a:p>
+                      <a:r>
+                        <a:rPr lang="en-US" sz="1400"/>
+                        <a:t>observations</a:t>
+                      </a:r>
+                      <a:endParaRPr lang="ro-RO" sz="1400"/>
+                    </a:p>
+                  </a:txBody>
+                  <a:tcPr>
+                    <a:solidFill>
+                      <a:schemeClr val="accent4">
+                        <a:lumMod val="40000"/>
+                        <a:lumOff val="60000"/>
+                      </a:schemeClr>
+                    </a:solidFill>
+                  </a:tcPr>
+                </a:tc>
+                <a:extLst>
+                  <a:ext uri="{0D108BD9-81ED-4DB2-BD59-A6C34878D82A}">
+                    <a16:rowId xmlns:a16="http://schemas.microsoft.com/office/drawing/2014/main" val="3317815192"/>
+                  </a:ext>
+                </a:extLst>
+              </a:tr>
+            </a:tbl>
+          </a:graphicData>
+        </a:graphic>
+      </p:graphicFrame>
+      <p:graphicFrame>
+        <p:nvGraphicFramePr>
+          <p:cNvPr id="4" name="Table 3">
+            <a:extLst>
+              <a:ext uri="{FF2B5EF4-FFF2-40B4-BE49-F238E27FC236}">
+                <a16:creationId xmlns:a16="http://schemas.microsoft.com/office/drawing/2014/main" id="{BC3B3B7F-02CC-4DBE-B6A3-D2BB75446AE5}"/>
+              </a:ext>
+            </a:extLst>
+          </p:cNvPr>
+          <p:cNvGraphicFramePr>
+            <a:graphicFrameLocks noGrp="1"/>
+          </p:cNvGraphicFramePr>
+          <p:nvPr>
+            <p:extLst>
+              <p:ext uri="{D42A27DB-BD31-4B8C-83A1-F6EECF244321}">
+                <p14:modId xmlns:p14="http://schemas.microsoft.com/office/powerpoint/2010/main" val="3197891703"/>
+              </p:ext>
+            </p:extLst>
+          </p:nvPr>
+        </p:nvGraphicFramePr>
+        <p:xfrm>
+          <a:off x="9617279" y="2468629"/>
+          <a:ext cx="1749169" cy="2133600"/>
+        </p:xfrm>
+        <a:graphic>
+          <a:graphicData uri="http://schemas.openxmlformats.org/drawingml/2006/table">
+            <a:tbl>
+              <a:tblPr firstRow="1" bandRow="1">
+                <a:tableStyleId>{5940675A-B579-460E-94D1-54222C63F5DA}</a:tableStyleId>
+              </a:tblPr>
+              <a:tblGrid>
+                <a:gridCol w="1749169">
+                  <a:extLst>
+                    <a:ext uri="{9D8B030D-6E8A-4147-A177-3AD203B41FA5}">
+                      <a16:colId xmlns:a16="http://schemas.microsoft.com/office/drawing/2014/main" val="553009520"/>
+                    </a:ext>
+                  </a:extLst>
+                </a:gridCol>
+              </a:tblGrid>
+              <a:tr h="265905">
+                <a:tc>
+                  <a:txBody>
+                    <a:bodyPr/>
+                    <a:lstStyle/>
+                    <a:p>
+                      <a:r>
+                        <a:rPr lang="en-US" sz="1400" b="1"/>
+                        <a:t>Order_items</a:t>
+                      </a:r>
+                      <a:endParaRPr lang="ro-RO" sz="1400" b="1"/>
+                    </a:p>
+                  </a:txBody>
+                  <a:tcPr>
+                    <a:solidFill>
+                      <a:schemeClr val="accent1">
+                        <a:lumMod val="40000"/>
+                        <a:lumOff val="60000"/>
+                      </a:schemeClr>
+                    </a:solidFill>
+                  </a:tcPr>
+                </a:tc>
+                <a:extLst>
+                  <a:ext uri="{0D108BD9-81ED-4DB2-BD59-A6C34878D82A}">
+                    <a16:rowId xmlns:a16="http://schemas.microsoft.com/office/drawing/2014/main" val="1142503979"/>
+                  </a:ext>
+                </a:extLst>
+              </a:tr>
+              <a:tr h="265905">
+                <a:tc>
+                  <a:txBody>
+                    <a:bodyPr/>
+                    <a:lstStyle/>
+                    <a:p>
+                      <a:r>
+                        <a:rPr lang="en-US" sz="1400"/>
+                        <a:t>id</a:t>
+                      </a:r>
+                      <a:endParaRPr lang="ro-RO" sz="1400"/>
+                    </a:p>
+                  </a:txBody>
+                  <a:tcPr/>
+                </a:tc>
+                <a:extLst>
+                  <a:ext uri="{0D108BD9-81ED-4DB2-BD59-A6C34878D82A}">
+                    <a16:rowId xmlns:a16="http://schemas.microsoft.com/office/drawing/2014/main" val="372363252"/>
+                  </a:ext>
+                </a:extLst>
+              </a:tr>
+              <a:tr h="265905">
+                <a:tc>
+                  <a:txBody>
+                    <a:bodyPr/>
+                    <a:lstStyle/>
+                    <a:p>
+                      <a:r>
+                        <a:rPr lang="en-US" sz="1400"/>
+                        <a:t>order_id</a:t>
+                      </a:r>
+                      <a:endParaRPr lang="ro-RO" sz="1400"/>
+                    </a:p>
+                  </a:txBody>
+                  <a:tcPr/>
+                </a:tc>
+                <a:extLst>
+                  <a:ext uri="{0D108BD9-81ED-4DB2-BD59-A6C34878D82A}">
+                    <a16:rowId xmlns:a16="http://schemas.microsoft.com/office/drawing/2014/main" val="1083826987"/>
+                  </a:ext>
+                </a:extLst>
+              </a:tr>
+              <a:tr h="265905">
+                <a:tc>
+                  <a:txBody>
+                    <a:bodyPr/>
+                    <a:lstStyle/>
+                    <a:p>
+                      <a:r>
+                        <a:rPr lang="en-US" sz="1400"/>
+                        <a:t>product_id</a:t>
+                      </a:r>
+                      <a:endParaRPr lang="ro-RO" sz="1400"/>
+                    </a:p>
+                  </a:txBody>
+                  <a:tcPr/>
+                </a:tc>
+                <a:extLst>
+                  <a:ext uri="{0D108BD9-81ED-4DB2-BD59-A6C34878D82A}">
+                    <a16:rowId xmlns:a16="http://schemas.microsoft.com/office/drawing/2014/main" val="2561670586"/>
+                  </a:ext>
+                </a:extLst>
+              </a:tr>
+              <a:tr h="265905">
+                <a:tc>
+                  <a:txBody>
+                    <a:bodyPr/>
+                    <a:lstStyle/>
+                    <a:p>
+                      <a:pPr marL="0" algn="l" defTabSz="914400" rtl="0" eaLnBrk="1" latinLnBrk="0" hangingPunct="1"/>
+                      <a:r>
+                        <a:rPr lang="en-US" sz="1400" kern="1200">
+                          <a:solidFill>
+                            <a:schemeClr val="tx1"/>
+                          </a:solidFill>
+                          <a:latin typeface="+mn-lt"/>
+                          <a:ea typeface="+mn-ea"/>
+                          <a:cs typeface="+mn-cs"/>
+                        </a:rPr>
+                        <a:t>product_name</a:t>
+                      </a:r>
+                      <a:endParaRPr lang="ro-RO" sz="1400" kern="1200">
+                        <a:solidFill>
+                          <a:schemeClr val="tx1"/>
+                        </a:solidFill>
+                        <a:latin typeface="+mn-lt"/>
+                        <a:ea typeface="+mn-ea"/>
+                        <a:cs typeface="+mn-cs"/>
+                      </a:endParaRPr>
+                    </a:p>
+                  </a:txBody>
+                  <a:tcPr>
+                    <a:solidFill>
+                      <a:schemeClr val="accent4">
+                        <a:lumMod val="40000"/>
+                        <a:lumOff val="60000"/>
+                      </a:schemeClr>
+                    </a:solidFill>
+                  </a:tcPr>
+                </a:tc>
+                <a:extLst>
+                  <a:ext uri="{0D108BD9-81ED-4DB2-BD59-A6C34878D82A}">
+                    <a16:rowId xmlns:a16="http://schemas.microsoft.com/office/drawing/2014/main" val="2318874259"/>
+                  </a:ext>
+                </a:extLst>
+              </a:tr>
+              <a:tr h="265905">
+                <a:tc>
+                  <a:txBody>
+                    <a:bodyPr/>
+                    <a:lstStyle/>
+                    <a:p>
+                      <a:pPr marL="0" algn="l" defTabSz="914400" rtl="0" eaLnBrk="1" latinLnBrk="0" hangingPunct="1"/>
+                      <a:r>
+                        <a:rPr lang="en-US" sz="1400" kern="1200">
+                          <a:solidFill>
+                            <a:schemeClr val="tx1"/>
+                          </a:solidFill>
+                          <a:latin typeface="+mn-lt"/>
+                          <a:ea typeface="+mn-ea"/>
+                          <a:cs typeface="+mn-cs"/>
+                        </a:rPr>
+                        <a:t>product_price</a:t>
+                      </a:r>
+                      <a:endParaRPr lang="ro-RO" sz="1400" kern="1200">
+                        <a:solidFill>
+                          <a:schemeClr val="tx1"/>
+                        </a:solidFill>
+                        <a:latin typeface="+mn-lt"/>
+                        <a:ea typeface="+mn-ea"/>
+                        <a:cs typeface="+mn-cs"/>
+                      </a:endParaRPr>
+                    </a:p>
+                  </a:txBody>
+                  <a:tcPr>
+                    <a:solidFill>
+                      <a:schemeClr val="accent4">
+                        <a:lumMod val="40000"/>
+                        <a:lumOff val="60000"/>
+                      </a:schemeClr>
+                    </a:solidFill>
+                  </a:tcPr>
+                </a:tc>
+                <a:extLst>
+                  <a:ext uri="{0D108BD9-81ED-4DB2-BD59-A6C34878D82A}">
+                    <a16:rowId xmlns:a16="http://schemas.microsoft.com/office/drawing/2014/main" val="1437588662"/>
+                  </a:ext>
+                </a:extLst>
+              </a:tr>
+              <a:tr h="265905">
+                <a:tc>
+                  <a:txBody>
+                    <a:bodyPr/>
+                    <a:lstStyle/>
+                    <a:p>
+                      <a:r>
+                        <a:rPr lang="en-US" sz="1400"/>
+                        <a:t>product_qty</a:t>
+                      </a:r>
+                      <a:endParaRPr lang="ro-RO" sz="1400"/>
+                    </a:p>
+                  </a:txBody>
+                  <a:tcPr>
+                    <a:solidFill>
+                      <a:schemeClr val="accent4">
+                        <a:lumMod val="40000"/>
+                        <a:lumOff val="60000"/>
+                      </a:schemeClr>
+                    </a:solidFill>
+                  </a:tcPr>
+                </a:tc>
+                <a:extLst>
+                  <a:ext uri="{0D108BD9-81ED-4DB2-BD59-A6C34878D82A}">
+                    <a16:rowId xmlns:a16="http://schemas.microsoft.com/office/drawing/2014/main" val="2779687727"/>
+                  </a:ext>
+                </a:extLst>
+              </a:tr>
+            </a:tbl>
+          </a:graphicData>
+        </a:graphic>
+      </p:graphicFrame>
+      <p:cxnSp>
+        <p:nvCxnSpPr>
+          <p:cNvPr id="6" name="Connector: Elbow 5">
+            <a:extLst>
+              <a:ext uri="{FF2B5EF4-FFF2-40B4-BE49-F238E27FC236}">
+                <a16:creationId xmlns:a16="http://schemas.microsoft.com/office/drawing/2014/main" id="{12499E84-2BCA-415A-9D69-6B3CBD97381D}"/>
+              </a:ext>
+            </a:extLst>
+          </p:cNvPr>
+          <p:cNvCxnSpPr>
+            <a:cxnSpLocks/>
+          </p:cNvCxnSpPr>
+          <p:nvPr/>
+        </p:nvCxnSpPr>
+        <p:spPr>
+          <a:xfrm flipV="1">
+            <a:off x="8227053" y="3249521"/>
+            <a:ext cx="1390226" cy="755703"/>
+          </a:xfrm>
+          <a:prstGeom prst="bentConnector3">
+            <a:avLst>
+              <a:gd name="adj1" fmla="val 50000"/>
+            </a:avLst>
+          </a:prstGeom>
+          <a:ln>
+            <a:tailEnd type="triangle"/>
+          </a:ln>
+        </p:spPr>
+        <p:style>
+          <a:lnRef idx="1">
+            <a:schemeClr val="accent1"/>
+          </a:lnRef>
+          <a:fillRef idx="0">
+            <a:schemeClr val="accent1"/>
+          </a:fillRef>
+          <a:effectRef idx="0">
+            <a:schemeClr val="accent1"/>
+          </a:effectRef>
+          <a:fontRef idx="minor">
+            <a:schemeClr val="tx1"/>
+          </a:fontRef>
+        </p:style>
+      </p:cxnSp>
+      <p:graphicFrame>
+        <p:nvGraphicFramePr>
+          <p:cNvPr id="7" name="Table 6">
+            <a:extLst>
+              <a:ext uri="{FF2B5EF4-FFF2-40B4-BE49-F238E27FC236}">
+                <a16:creationId xmlns:a16="http://schemas.microsoft.com/office/drawing/2014/main" id="{C1CF17E2-7C4E-41E3-AF00-305110179C68}"/>
+              </a:ext>
+            </a:extLst>
+          </p:cNvPr>
+          <p:cNvGraphicFramePr>
+            <a:graphicFrameLocks noGrp="1"/>
+          </p:cNvGraphicFramePr>
+          <p:nvPr>
+            <p:extLst>
+              <p:ext uri="{D42A27DB-BD31-4B8C-83A1-F6EECF244321}">
+                <p14:modId xmlns:p14="http://schemas.microsoft.com/office/powerpoint/2010/main" val="3556347540"/>
+              </p:ext>
+            </p:extLst>
+          </p:nvPr>
+        </p:nvGraphicFramePr>
+        <p:xfrm>
+          <a:off x="838200" y="1135309"/>
+          <a:ext cx="1736521" cy="609600"/>
+        </p:xfrm>
+        <a:graphic>
+          <a:graphicData uri="http://schemas.openxmlformats.org/drawingml/2006/table">
+            <a:tbl>
+              <a:tblPr firstRow="1" bandRow="1">
+                <a:tableStyleId>{5940675A-B579-460E-94D1-54222C63F5DA}</a:tableStyleId>
+              </a:tblPr>
+              <a:tblGrid>
+                <a:gridCol w="1736521">
+                  <a:extLst>
+                    <a:ext uri="{9D8B030D-6E8A-4147-A177-3AD203B41FA5}">
+                      <a16:colId xmlns:a16="http://schemas.microsoft.com/office/drawing/2014/main" val="553009520"/>
+                    </a:ext>
+                  </a:extLst>
+                </a:gridCol>
+              </a:tblGrid>
+              <a:tr h="265905">
+                <a:tc>
+                  <a:txBody>
+                    <a:bodyPr/>
+                    <a:lstStyle/>
+                    <a:p>
+                      <a:r>
+                        <a:rPr lang="en-US" sz="1400" b="1"/>
+                        <a:t>users</a:t>
+                      </a:r>
+                      <a:endParaRPr lang="ro-RO" sz="1400" b="1"/>
+                    </a:p>
+                  </a:txBody>
+                  <a:tcPr>
+                    <a:solidFill>
+                      <a:schemeClr val="accent1">
+                        <a:lumMod val="40000"/>
+                        <a:lumOff val="60000"/>
+                      </a:schemeClr>
+                    </a:solidFill>
+                  </a:tcPr>
+                </a:tc>
+                <a:extLst>
+                  <a:ext uri="{0D108BD9-81ED-4DB2-BD59-A6C34878D82A}">
+                    <a16:rowId xmlns:a16="http://schemas.microsoft.com/office/drawing/2014/main" val="1142503979"/>
+                  </a:ext>
+                </a:extLst>
+              </a:tr>
+              <a:tr h="265905">
+                <a:tc>
+                  <a:txBody>
+                    <a:bodyPr/>
+                    <a:lstStyle/>
+                    <a:p>
+                      <a:r>
+                        <a:rPr lang="en-US" sz="1400"/>
+                        <a:t>id</a:t>
+                      </a:r>
+                      <a:endParaRPr lang="ro-RO" sz="1400"/>
+                    </a:p>
+                  </a:txBody>
+                  <a:tcPr/>
+                </a:tc>
+                <a:extLst>
+                  <a:ext uri="{0D108BD9-81ED-4DB2-BD59-A6C34878D82A}">
+                    <a16:rowId xmlns:a16="http://schemas.microsoft.com/office/drawing/2014/main" val="372363252"/>
+                  </a:ext>
+                </a:extLst>
+              </a:tr>
+            </a:tbl>
+          </a:graphicData>
+        </a:graphic>
+      </p:graphicFrame>
+      <p:graphicFrame>
+        <p:nvGraphicFramePr>
+          <p:cNvPr id="8" name="Table 7">
+            <a:extLst>
+              <a:ext uri="{FF2B5EF4-FFF2-40B4-BE49-F238E27FC236}">
+                <a16:creationId xmlns:a16="http://schemas.microsoft.com/office/drawing/2014/main" id="{6D4D48BD-9AFB-4917-8AFA-E2320E899E0D}"/>
+              </a:ext>
+            </a:extLst>
+          </p:cNvPr>
+          <p:cNvGraphicFramePr>
+            <a:graphicFrameLocks noGrp="1"/>
+          </p:cNvGraphicFramePr>
+          <p:nvPr>
+            <p:extLst>
+              <p:ext uri="{D42A27DB-BD31-4B8C-83A1-F6EECF244321}">
+                <p14:modId xmlns:p14="http://schemas.microsoft.com/office/powerpoint/2010/main" val="2034978422"/>
+              </p:ext>
+            </p:extLst>
+          </p:nvPr>
+        </p:nvGraphicFramePr>
+        <p:xfrm>
+          <a:off x="3597251" y="1112939"/>
+          <a:ext cx="1749169" cy="2438400"/>
+        </p:xfrm>
+        <a:graphic>
+          <a:graphicData uri="http://schemas.openxmlformats.org/drawingml/2006/table">
+            <a:tbl>
+              <a:tblPr firstRow="1" bandRow="1">
+                <a:tableStyleId>{5940675A-B579-460E-94D1-54222C63F5DA}</a:tableStyleId>
+              </a:tblPr>
+              <a:tblGrid>
+                <a:gridCol w="1749169">
+                  <a:extLst>
+                    <a:ext uri="{9D8B030D-6E8A-4147-A177-3AD203B41FA5}">
+                      <a16:colId xmlns:a16="http://schemas.microsoft.com/office/drawing/2014/main" val="553009520"/>
+                    </a:ext>
+                  </a:extLst>
+                </a:gridCol>
+              </a:tblGrid>
+              <a:tr h="265905">
+                <a:tc>
+                  <a:txBody>
+                    <a:bodyPr/>
+                    <a:lstStyle/>
+                    <a:p>
+                      <a:r>
+                        <a:rPr lang="en-US" sz="1400" b="1"/>
+                        <a:t>address</a:t>
+                      </a:r>
+                      <a:endParaRPr lang="ro-RO" sz="1400" b="1"/>
+                    </a:p>
+                  </a:txBody>
+                  <a:tcPr>
+                    <a:solidFill>
+                      <a:schemeClr val="accent1">
+                        <a:lumMod val="40000"/>
+                        <a:lumOff val="60000"/>
+                      </a:schemeClr>
+                    </a:solidFill>
+                  </a:tcPr>
+                </a:tc>
+                <a:extLst>
+                  <a:ext uri="{0D108BD9-81ED-4DB2-BD59-A6C34878D82A}">
+                    <a16:rowId xmlns:a16="http://schemas.microsoft.com/office/drawing/2014/main" val="1142503979"/>
+                  </a:ext>
+                </a:extLst>
+              </a:tr>
+              <a:tr h="265905">
+                <a:tc>
+                  <a:txBody>
+                    <a:bodyPr/>
+                    <a:lstStyle/>
+                    <a:p>
+                      <a:r>
+                        <a:rPr lang="en-US" sz="1400"/>
+                        <a:t>id</a:t>
+                      </a:r>
+                      <a:endParaRPr lang="ro-RO" sz="1400"/>
+                    </a:p>
+                  </a:txBody>
+                  <a:tcPr/>
+                </a:tc>
+                <a:extLst>
+                  <a:ext uri="{0D108BD9-81ED-4DB2-BD59-A6C34878D82A}">
+                    <a16:rowId xmlns:a16="http://schemas.microsoft.com/office/drawing/2014/main" val="372363252"/>
+                  </a:ext>
+                </a:extLst>
+              </a:tr>
+              <a:tr h="265905">
+                <a:tc>
+                  <a:txBody>
+                    <a:bodyPr/>
+                    <a:lstStyle/>
+                    <a:p>
+                      <a:r>
+                        <a:rPr lang="en-US" sz="1400"/>
+                        <a:t>user_id</a:t>
+                      </a:r>
+                      <a:endParaRPr lang="ro-RO" sz="1400"/>
+                    </a:p>
+                  </a:txBody>
+                  <a:tcPr/>
+                </a:tc>
+                <a:extLst>
+                  <a:ext uri="{0D108BD9-81ED-4DB2-BD59-A6C34878D82A}">
+                    <a16:rowId xmlns:a16="http://schemas.microsoft.com/office/drawing/2014/main" val="1083826987"/>
+                  </a:ext>
+                </a:extLst>
+              </a:tr>
+              <a:tr h="265905">
+                <a:tc>
+                  <a:txBody>
+                    <a:bodyPr/>
+                    <a:lstStyle/>
+                    <a:p>
+                      <a:pPr marL="0" algn="l" defTabSz="914400" rtl="0" eaLnBrk="1" latinLnBrk="0" hangingPunct="1"/>
+                      <a:r>
+                        <a:rPr lang="en-US" sz="1400" kern="1200">
+                          <a:solidFill>
+                            <a:schemeClr val="tx1"/>
+                          </a:solidFill>
+                          <a:latin typeface="+mn-lt"/>
+                          <a:ea typeface="+mn-ea"/>
+                          <a:cs typeface="+mn-cs"/>
+                        </a:rPr>
+                        <a:t>name(destinatar)</a:t>
+                      </a:r>
+                      <a:endParaRPr lang="ro-RO" sz="1400" kern="1200">
+                        <a:solidFill>
+                          <a:schemeClr val="tx1"/>
+                        </a:solidFill>
+                        <a:latin typeface="+mn-lt"/>
+                        <a:ea typeface="+mn-ea"/>
+                        <a:cs typeface="+mn-cs"/>
+                      </a:endParaRPr>
+                    </a:p>
+                  </a:txBody>
+                  <a:tcPr>
+                    <a:solidFill>
+                      <a:schemeClr val="accent4">
+                        <a:lumMod val="40000"/>
+                        <a:lumOff val="60000"/>
+                      </a:schemeClr>
+                    </a:solidFill>
+                  </a:tcPr>
+                </a:tc>
+                <a:extLst>
+                  <a:ext uri="{0D108BD9-81ED-4DB2-BD59-A6C34878D82A}">
+                    <a16:rowId xmlns:a16="http://schemas.microsoft.com/office/drawing/2014/main" val="2318874259"/>
+                  </a:ext>
+                </a:extLst>
+              </a:tr>
+              <a:tr h="265905">
+                <a:tc>
+                  <a:txBody>
+                    <a:bodyPr/>
+                    <a:lstStyle/>
+                    <a:p>
+                      <a:pPr marL="0" algn="l" defTabSz="914400" rtl="0" eaLnBrk="1" latinLnBrk="0" hangingPunct="1"/>
+                      <a:r>
+                        <a:rPr lang="en-US" sz="1400" kern="1200">
+                          <a:solidFill>
+                            <a:schemeClr val="tx1"/>
+                          </a:solidFill>
+                          <a:latin typeface="+mn-lt"/>
+                          <a:ea typeface="+mn-ea"/>
+                          <a:cs typeface="+mn-cs"/>
+                        </a:rPr>
+                        <a:t>phone</a:t>
+                      </a:r>
+                      <a:endParaRPr lang="ro-RO" sz="1400" kern="1200">
+                        <a:solidFill>
+                          <a:schemeClr val="tx1"/>
+                        </a:solidFill>
+                        <a:latin typeface="+mn-lt"/>
+                        <a:ea typeface="+mn-ea"/>
+                        <a:cs typeface="+mn-cs"/>
+                      </a:endParaRPr>
+                    </a:p>
+                  </a:txBody>
+                  <a:tcPr>
+                    <a:solidFill>
+                      <a:schemeClr val="accent4">
+                        <a:lumMod val="40000"/>
+                        <a:lumOff val="60000"/>
+                      </a:schemeClr>
+                    </a:solidFill>
+                  </a:tcPr>
+                </a:tc>
+                <a:extLst>
+                  <a:ext uri="{0D108BD9-81ED-4DB2-BD59-A6C34878D82A}">
+                    <a16:rowId xmlns:a16="http://schemas.microsoft.com/office/drawing/2014/main" val="2718767688"/>
+                  </a:ext>
+                </a:extLst>
+              </a:tr>
+              <a:tr h="265905">
+                <a:tc>
+                  <a:txBody>
+                    <a:bodyPr/>
+                    <a:lstStyle/>
+                    <a:p>
+                      <a:pPr marL="0" algn="l" defTabSz="914400" rtl="0" eaLnBrk="1" latinLnBrk="0" hangingPunct="1"/>
+                      <a:r>
+                        <a:rPr lang="en-US" sz="1400" kern="1200">
+                          <a:solidFill>
+                            <a:schemeClr val="tx1"/>
+                          </a:solidFill>
+                          <a:latin typeface="+mn-lt"/>
+                          <a:ea typeface="+mn-ea"/>
+                          <a:cs typeface="+mn-cs"/>
+                        </a:rPr>
+                        <a:t>city</a:t>
+                      </a:r>
+                      <a:endParaRPr lang="ro-RO" sz="1400" kern="1200">
+                        <a:solidFill>
+                          <a:schemeClr val="tx1"/>
+                        </a:solidFill>
+                        <a:latin typeface="+mn-lt"/>
+                        <a:ea typeface="+mn-ea"/>
+                        <a:cs typeface="+mn-cs"/>
+                      </a:endParaRPr>
+                    </a:p>
+                  </a:txBody>
+                  <a:tcPr>
+                    <a:solidFill>
+                      <a:schemeClr val="accent4">
+                        <a:lumMod val="40000"/>
+                        <a:lumOff val="60000"/>
+                      </a:schemeClr>
+                    </a:solidFill>
+                  </a:tcPr>
+                </a:tc>
+                <a:extLst>
+                  <a:ext uri="{0D108BD9-81ED-4DB2-BD59-A6C34878D82A}">
+                    <a16:rowId xmlns:a16="http://schemas.microsoft.com/office/drawing/2014/main" val="1437588662"/>
+                  </a:ext>
+                </a:extLst>
+              </a:tr>
+              <a:tr h="265905">
+                <a:tc>
+                  <a:txBody>
+                    <a:bodyPr/>
+                    <a:lstStyle/>
+                    <a:p>
+                      <a:r>
+                        <a:rPr lang="en-US" sz="1400"/>
+                        <a:t>address</a:t>
+                      </a:r>
+                      <a:endParaRPr lang="ro-RO" sz="1400"/>
+                    </a:p>
+                  </a:txBody>
+                  <a:tcPr>
+                    <a:solidFill>
+                      <a:schemeClr val="accent4">
+                        <a:lumMod val="40000"/>
+                        <a:lumOff val="60000"/>
+                      </a:schemeClr>
+                    </a:solidFill>
+                  </a:tcPr>
+                </a:tc>
+                <a:extLst>
+                  <a:ext uri="{0D108BD9-81ED-4DB2-BD59-A6C34878D82A}">
+                    <a16:rowId xmlns:a16="http://schemas.microsoft.com/office/drawing/2014/main" val="2779687727"/>
+                  </a:ext>
+                </a:extLst>
+              </a:tr>
+              <a:tr h="265905">
+                <a:tc>
+                  <a:txBody>
+                    <a:bodyPr/>
+                    <a:lstStyle/>
+                    <a:p>
+                      <a:r>
+                        <a:rPr lang="en-US" sz="1400"/>
+                        <a:t>observations</a:t>
+                      </a:r>
+                      <a:endParaRPr lang="ro-RO" sz="1400"/>
+                    </a:p>
+                  </a:txBody>
+                  <a:tcPr>
+                    <a:solidFill>
+                      <a:schemeClr val="accent4">
+                        <a:lumMod val="40000"/>
+                        <a:lumOff val="60000"/>
+                      </a:schemeClr>
+                    </a:solidFill>
+                  </a:tcPr>
+                </a:tc>
+                <a:extLst>
+                  <a:ext uri="{0D108BD9-81ED-4DB2-BD59-A6C34878D82A}">
+                    <a16:rowId xmlns:a16="http://schemas.microsoft.com/office/drawing/2014/main" val="835316148"/>
+                  </a:ext>
+                </a:extLst>
+              </a:tr>
+            </a:tbl>
+          </a:graphicData>
+        </a:graphic>
+      </p:graphicFrame>
+      <p:cxnSp>
+        <p:nvCxnSpPr>
+          <p:cNvPr id="11" name="Connector: Elbow 10">
+            <a:extLst>
+              <a:ext uri="{FF2B5EF4-FFF2-40B4-BE49-F238E27FC236}">
+                <a16:creationId xmlns:a16="http://schemas.microsoft.com/office/drawing/2014/main" id="{F83EAE8A-EA96-4FD9-8F0A-6E47EF0FB4A3}"/>
+              </a:ext>
+            </a:extLst>
+          </p:cNvPr>
+          <p:cNvCxnSpPr/>
+          <p:nvPr/>
+        </p:nvCxnSpPr>
+        <p:spPr>
+          <a:xfrm>
+            <a:off x="2574721" y="1566264"/>
+            <a:ext cx="1024156" cy="298888"/>
+          </a:xfrm>
+          <a:prstGeom prst="bentConnector3">
+            <a:avLst/>
+          </a:prstGeom>
+          <a:ln>
+            <a:tailEnd type="triangle"/>
+          </a:ln>
+        </p:spPr>
+        <p:style>
+          <a:lnRef idx="1">
+            <a:schemeClr val="accent1"/>
+          </a:lnRef>
+          <a:fillRef idx="0">
+            <a:schemeClr val="accent1"/>
+          </a:fillRef>
+          <a:effectRef idx="0">
+            <a:schemeClr val="accent1"/>
+          </a:effectRef>
+          <a:fontRef idx="minor">
+            <a:schemeClr val="tx1"/>
+          </a:fontRef>
+        </p:style>
+      </p:cxnSp>
+      <p:cxnSp>
+        <p:nvCxnSpPr>
+          <p:cNvPr id="14" name="Connector: Elbow 13">
+            <a:extLst>
+              <a:ext uri="{FF2B5EF4-FFF2-40B4-BE49-F238E27FC236}">
+                <a16:creationId xmlns:a16="http://schemas.microsoft.com/office/drawing/2014/main" id="{9D46ACAE-F731-46A5-BFAE-34F2FDC1AEF9}"/>
+              </a:ext>
+            </a:extLst>
+          </p:cNvPr>
+          <p:cNvCxnSpPr>
+            <a:cxnSpLocks/>
+          </p:cNvCxnSpPr>
+          <p:nvPr/>
+        </p:nvCxnSpPr>
+        <p:spPr>
+          <a:xfrm rot="16200000" flipH="1">
+            <a:off x="4394170" y="1643932"/>
+            <a:ext cx="3035965" cy="2880631"/>
+          </a:xfrm>
+          <a:prstGeom prst="bentConnector3">
+            <a:avLst>
+              <a:gd name="adj1" fmla="val 50000"/>
+            </a:avLst>
+          </a:prstGeom>
+          <a:ln>
+            <a:headEnd type="triangle" w="med" len="med"/>
+            <a:tailEnd type="none" w="med" len="med"/>
+          </a:ln>
+        </p:spPr>
+        <p:style>
+          <a:lnRef idx="1">
+            <a:schemeClr val="accent1"/>
+          </a:lnRef>
+          <a:fillRef idx="0">
+            <a:schemeClr val="accent1"/>
+          </a:fillRef>
+          <a:effectRef idx="0">
+            <a:schemeClr val="accent1"/>
+          </a:effectRef>
+          <a:fontRef idx="minor">
+            <a:schemeClr val="tx1"/>
+          </a:fontRef>
+        </p:style>
+      </p:cxnSp>
+      <p:cxnSp>
+        <p:nvCxnSpPr>
+          <p:cNvPr id="20" name="Connector: Elbow 19">
+            <a:extLst>
+              <a:ext uri="{FF2B5EF4-FFF2-40B4-BE49-F238E27FC236}">
+                <a16:creationId xmlns:a16="http://schemas.microsoft.com/office/drawing/2014/main" id="{46EB6A59-F95E-4B90-B4EC-F686C8861DC9}"/>
+              </a:ext>
+            </a:extLst>
+          </p:cNvPr>
+          <p:cNvCxnSpPr>
+            <a:cxnSpLocks/>
+          </p:cNvCxnSpPr>
+          <p:nvPr/>
+        </p:nvCxnSpPr>
+        <p:spPr>
+          <a:xfrm>
+            <a:off x="2574721" y="1566264"/>
+            <a:ext cx="3901781" cy="2748797"/>
+          </a:xfrm>
+          <a:prstGeom prst="bentConnector3">
+            <a:avLst>
+              <a:gd name="adj1" fmla="val 8746"/>
+            </a:avLst>
+          </a:prstGeom>
+          <a:ln>
+            <a:tailEnd type="triangle"/>
+          </a:ln>
+        </p:spPr>
+        <p:style>
+          <a:lnRef idx="1">
+            <a:schemeClr val="accent1"/>
+          </a:lnRef>
+          <a:fillRef idx="0">
+            <a:schemeClr val="accent1"/>
+          </a:fillRef>
+          <a:effectRef idx="0">
+            <a:schemeClr val="accent1"/>
+          </a:effectRef>
+          <a:fontRef idx="minor">
+            <a:schemeClr val="tx1"/>
+          </a:fontRef>
+        </p:style>
+      </p:cxnSp>
+    </p:spTree>
+    <p:extLst>
+      <p:ext uri="{BB962C8B-B14F-4D97-AF65-F5344CB8AC3E}">
+        <p14:creationId xmlns:p14="http://schemas.microsoft.com/office/powerpoint/2010/main" val="2524608208"/>
+      </p:ext>
+    </p:extLst>
+  </p:cSld>
+  <p:clrMapOvr>
+    <a:masterClrMapping/>
+  </p:clrMapOvr>
 </p:sld>
 </file>
 

--- a/_presentation/prezentare_aplicatie.pptx
+++ b/_presentation/prezentare_aplicatie.pptx
@@ -285,7 +285,7 @@
             <a:fld id="{87DE6118-2437-4B30-8E3C-4D2BE6020583}" type="datetimeFigureOut">
               <a:rPr lang="en-US" smtClean="0"/>
               <a:pPr/>
-              <a:t>4/13/2022</a:t>
+              <a:t>4/30/2022</a:t>
             </a:fld>
             <a:endParaRPr lang="en-US"/>
           </a:p>
@@ -486,7 +486,7 @@
           <a:p>
             <a:fld id="{87DE6118-2437-4B30-8E3C-4D2BE6020583}" type="datetimeFigureOut">
               <a:rPr lang="en-US" smtClean="0"/>
-              <a:t>4/13/2022</a:t>
+              <a:t>4/30/2022</a:t>
             </a:fld>
             <a:endParaRPr lang="en-US"/>
           </a:p>
@@ -696,7 +696,7 @@
           <a:p>
             <a:fld id="{87DE6118-2437-4B30-8E3C-4D2BE6020583}" type="datetimeFigureOut">
               <a:rPr lang="en-US" smtClean="0"/>
-              <a:t>4/13/2022</a:t>
+              <a:t>4/30/2022</a:t>
             </a:fld>
             <a:endParaRPr lang="en-US"/>
           </a:p>
@@ -909,7 +909,7 @@
             <a:fld id="{87DE6118-2437-4B30-8E3C-4D2BE6020583}" type="datetimeFigureOut">
               <a:rPr lang="en-US" smtClean="0"/>
               <a:pPr/>
-              <a:t>4/13/2022</a:t>
+              <a:t>4/30/2022</a:t>
             </a:fld>
             <a:endParaRPr lang="en-US"/>
           </a:p>
@@ -1121,7 +1121,7 @@
           <a:p>
             <a:fld id="{87DE6118-2437-4B30-8E3C-4D2BE6020583}" type="datetimeFigureOut">
               <a:rPr lang="en-US" smtClean="0"/>
-              <a:t>4/13/2022</a:t>
+              <a:t>4/30/2022</a:t>
             </a:fld>
             <a:endParaRPr lang="en-US"/>
           </a:p>
@@ -1401,7 +1401,7 @@
             <a:fld id="{87DE6118-2437-4B30-8E3C-4D2BE6020583}" type="datetimeFigureOut">
               <a:rPr lang="en-US" smtClean="0"/>
               <a:pPr/>
-              <a:t>4/13/2022</a:t>
+              <a:t>4/30/2022</a:t>
             </a:fld>
             <a:endParaRPr lang="en-US"/>
           </a:p>
@@ -1670,7 +1670,7 @@
           <a:p>
             <a:fld id="{87DE6118-2437-4B30-8E3C-4D2BE6020583}" type="datetimeFigureOut">
               <a:rPr lang="en-US" smtClean="0"/>
-              <a:t>4/13/2022</a:t>
+              <a:t>4/30/2022</a:t>
             </a:fld>
             <a:endParaRPr lang="en-US"/>
           </a:p>
@@ -2086,7 +2086,7 @@
           <a:p>
             <a:fld id="{87DE6118-2437-4B30-8E3C-4D2BE6020583}" type="datetimeFigureOut">
               <a:rPr lang="en-US" smtClean="0"/>
-              <a:t>4/13/2022</a:t>
+              <a:t>4/30/2022</a:t>
             </a:fld>
             <a:endParaRPr lang="en-US"/>
           </a:p>
@@ -2235,7 +2235,7 @@
           <a:p>
             <a:fld id="{87DE6118-2437-4B30-8E3C-4D2BE6020583}" type="datetimeFigureOut">
               <a:rPr lang="en-US" smtClean="0"/>
-              <a:t>4/13/2022</a:t>
+              <a:t>4/30/2022</a:t>
             </a:fld>
             <a:endParaRPr lang="en-US"/>
           </a:p>
@@ -2361,7 +2361,7 @@
           <a:p>
             <a:fld id="{87DE6118-2437-4B30-8E3C-4D2BE6020583}" type="datetimeFigureOut">
               <a:rPr lang="en-US" smtClean="0"/>
-              <a:t>4/13/2022</a:t>
+              <a:t>4/30/2022</a:t>
             </a:fld>
             <a:endParaRPr lang="en-US"/>
           </a:p>
@@ -2613,7 +2613,7 @@
             <a:fld id="{87DE6118-2437-4B30-8E3C-4D2BE6020583}" type="datetimeFigureOut">
               <a:rPr lang="en-US" smtClean="0"/>
               <a:pPr/>
-              <a:t>4/13/2022</a:t>
+              <a:t>4/30/2022</a:t>
             </a:fld>
             <a:endParaRPr lang="en-US"/>
           </a:p>
@@ -2833,7 +2833,7 @@
           <a:p>
             <a:fld id="{87DE6118-2437-4B30-8E3C-4D2BE6020583}" type="datetimeFigureOut">
               <a:rPr lang="en-US" smtClean="0"/>
-              <a:t>4/13/2022</a:t>
+              <a:t>4/30/2022</a:t>
             </a:fld>
             <a:endParaRPr lang="en-US"/>
           </a:p>
@@ -3259,7 +3259,7 @@
             <a:fld id="{87DE6118-2437-4B30-8E3C-4D2BE6020583}" type="datetimeFigureOut">
               <a:rPr lang="en-US" smtClean="0"/>
               <a:pPr/>
-              <a:t>4/13/2022</a:t>
+              <a:t>4/30/2022</a:t>
             </a:fld>
             <a:endParaRPr lang="en-US"/>
           </a:p>
@@ -3466,7 +3466,7 @@
           <a:p>
             <a:fld id="{87DE6118-2437-4B30-8E3C-4D2BE6020583}" type="datetimeFigureOut">
               <a:rPr lang="en-US" smtClean="0"/>
-              <a:t>4/13/2022</a:t>
+              <a:t>4/30/2022</a:t>
             </a:fld>
             <a:endParaRPr lang="en-US"/>
           </a:p>
@@ -3681,7 +3681,7 @@
           <a:p>
             <a:fld id="{87DE6118-2437-4B30-8E3C-4D2BE6020583}" type="datetimeFigureOut">
               <a:rPr lang="en-US" smtClean="0"/>
-              <a:t>4/13/2022</a:t>
+              <a:t>4/30/2022</a:t>
             </a:fld>
             <a:endParaRPr lang="en-US"/>
           </a:p>
@@ -3923,7 +3923,7 @@
             <a:fld id="{87DE6118-2437-4B30-8E3C-4D2BE6020583}" type="datetimeFigureOut">
               <a:rPr lang="en-US" smtClean="0"/>
               <a:pPr/>
-              <a:t>4/13/2022</a:t>
+              <a:t>4/30/2022</a:t>
             </a:fld>
             <a:endParaRPr lang="en-US"/>
           </a:p>
@@ -4124,7 +4124,7 @@
           <a:p>
             <a:fld id="{87DE6118-2437-4B30-8E3C-4D2BE6020583}" type="datetimeFigureOut">
               <a:rPr lang="en-US" smtClean="0"/>
-              <a:t>4/13/2022</a:t>
+              <a:t>4/30/2022</a:t>
             </a:fld>
             <a:endParaRPr lang="en-US"/>
           </a:p>
@@ -4401,7 +4401,7 @@
             <a:fld id="{87DE6118-2437-4B30-8E3C-4D2BE6020583}" type="datetimeFigureOut">
               <a:rPr lang="en-US" smtClean="0"/>
               <a:pPr/>
-              <a:t>4/13/2022</a:t>
+              <a:t>4/30/2022</a:t>
             </a:fld>
             <a:endParaRPr lang="en-US"/>
           </a:p>
@@ -4670,7 +4670,7 @@
           <a:p>
             <a:fld id="{87DE6118-2437-4B30-8E3C-4D2BE6020583}" type="datetimeFigureOut">
               <a:rPr lang="en-US" smtClean="0"/>
-              <a:t>4/13/2022</a:t>
+              <a:t>4/30/2022</a:t>
             </a:fld>
             <a:endParaRPr lang="en-US"/>
           </a:p>
@@ -5085,7 +5085,7 @@
           <a:p>
             <a:fld id="{87DE6118-2437-4B30-8E3C-4D2BE6020583}" type="datetimeFigureOut">
               <a:rPr lang="en-US" smtClean="0"/>
-              <a:t>4/13/2022</a:t>
+              <a:t>4/30/2022</a:t>
             </a:fld>
             <a:endParaRPr lang="en-US"/>
           </a:p>
@@ -5227,7 +5227,7 @@
           <a:p>
             <a:fld id="{87DE6118-2437-4B30-8E3C-4D2BE6020583}" type="datetimeFigureOut">
               <a:rPr lang="en-US" smtClean="0"/>
-              <a:t>4/13/2022</a:t>
+              <a:t>4/30/2022</a:t>
             </a:fld>
             <a:endParaRPr lang="en-US"/>
           </a:p>
@@ -5340,7 +5340,7 @@
           <a:p>
             <a:fld id="{87DE6118-2437-4B30-8E3C-4D2BE6020583}" type="datetimeFigureOut">
               <a:rPr lang="en-US" smtClean="0"/>
-              <a:t>4/13/2022</a:t>
+              <a:t>4/30/2022</a:t>
             </a:fld>
             <a:endParaRPr lang="en-US"/>
           </a:p>
@@ -5617,7 +5617,7 @@
             <a:fld id="{87DE6118-2437-4B30-8E3C-4D2BE6020583}" type="datetimeFigureOut">
               <a:rPr lang="en-US" smtClean="0"/>
               <a:pPr/>
-              <a:t>4/13/2022</a:t>
+              <a:t>4/30/2022</a:t>
             </a:fld>
             <a:endParaRPr lang="en-US"/>
           </a:p>
@@ -5932,7 +5932,7 @@
             <a:fld id="{87DE6118-2437-4B30-8E3C-4D2BE6020583}" type="datetimeFigureOut">
               <a:rPr lang="en-US" smtClean="0"/>
               <a:pPr/>
-              <a:t>4/13/2022</a:t>
+              <a:t>4/30/2022</a:t>
             </a:fld>
             <a:endParaRPr lang="en-US"/>
           </a:p>
@@ -6223,7 +6223,7 @@
             <a:fld id="{87DE6118-2437-4B30-8E3C-4D2BE6020583}" type="datetimeFigureOut">
               <a:rPr lang="en-US" smtClean="0"/>
               <a:pPr/>
-              <a:t>4/13/2022</a:t>
+              <a:t>4/30/2022</a:t>
             </a:fld>
             <a:endParaRPr lang="en-US"/>
           </a:p>
@@ -6424,7 +6424,7 @@
           <a:p>
             <a:fld id="{87DE6118-2437-4B30-8E3C-4D2BE6020583}" type="datetimeFigureOut">
               <a:rPr lang="en-US" smtClean="0"/>
-              <a:t>4/13/2022</a:t>
+              <a:t>4/30/2022</a:t>
             </a:fld>
             <a:endParaRPr lang="en-US"/>
           </a:p>
@@ -6634,7 +6634,7 @@
           <a:p>
             <a:fld id="{87DE6118-2437-4B30-8E3C-4D2BE6020583}" type="datetimeFigureOut">
               <a:rPr lang="en-US" smtClean="0"/>
-              <a:t>4/13/2022</a:t>
+              <a:t>4/30/2022</a:t>
             </a:fld>
             <a:endParaRPr lang="en-US"/>
           </a:p>
@@ -6902,7 +6902,7 @@
           <a:p>
             <a:fld id="{87DE6118-2437-4B30-8E3C-4D2BE6020583}" type="datetimeFigureOut">
               <a:rPr lang="en-US" smtClean="0"/>
-              <a:t>4/13/2022</a:t>
+              <a:t>4/30/2022</a:t>
             </a:fld>
             <a:endParaRPr lang="en-US"/>
           </a:p>
@@ -7317,7 +7317,7 @@
           <a:p>
             <a:fld id="{87DE6118-2437-4B30-8E3C-4D2BE6020583}" type="datetimeFigureOut">
               <a:rPr lang="en-US" smtClean="0"/>
-              <a:t>4/13/2022</a:t>
+              <a:t>4/30/2022</a:t>
             </a:fld>
             <a:endParaRPr lang="en-US"/>
           </a:p>
@@ -7459,7 +7459,7 @@
           <a:p>
             <a:fld id="{87DE6118-2437-4B30-8E3C-4D2BE6020583}" type="datetimeFigureOut">
               <a:rPr lang="en-US" smtClean="0"/>
-              <a:t>4/13/2022</a:t>
+              <a:t>4/30/2022</a:t>
             </a:fld>
             <a:endParaRPr lang="en-US"/>
           </a:p>
@@ -7572,7 +7572,7 @@
           <a:p>
             <a:fld id="{87DE6118-2437-4B30-8E3C-4D2BE6020583}" type="datetimeFigureOut">
               <a:rPr lang="en-US" smtClean="0"/>
-              <a:t>4/13/2022</a:t>
+              <a:t>4/30/2022</a:t>
             </a:fld>
             <a:endParaRPr lang="en-US"/>
           </a:p>
@@ -7886,7 +7886,7 @@
             <a:fld id="{87DE6118-2437-4B30-8E3C-4D2BE6020583}" type="datetimeFigureOut">
               <a:rPr lang="en-US" smtClean="0"/>
               <a:pPr/>
-              <a:t>4/13/2022</a:t>
+              <a:t>4/30/2022</a:t>
             </a:fld>
             <a:endParaRPr lang="en-US"/>
           </a:p>
@@ -8177,7 +8177,7 @@
             <a:fld id="{87DE6118-2437-4B30-8E3C-4D2BE6020583}" type="datetimeFigureOut">
               <a:rPr lang="en-US" smtClean="0"/>
               <a:pPr/>
-              <a:t>4/13/2022</a:t>
+              <a:t>4/30/2022</a:t>
             </a:fld>
             <a:endParaRPr lang="en-US"/>
           </a:p>
@@ -8422,7 +8422,7 @@
             <a:fld id="{87DE6118-2437-4B30-8E3C-4D2BE6020583}" type="datetimeFigureOut">
               <a:rPr lang="en-US" smtClean="0"/>
               <a:pPr/>
-              <a:t>4/13/2022</a:t>
+              <a:t>4/30/2022</a:t>
             </a:fld>
             <a:endParaRPr lang="en-US"/>
           </a:p>
@@ -9059,7 +9059,7 @@
             <a:fld id="{87DE6118-2437-4B30-8E3C-4D2BE6020583}" type="datetimeFigureOut">
               <a:rPr lang="en-US" smtClean="0"/>
               <a:pPr/>
-              <a:t>4/13/2022</a:t>
+              <a:t>4/30/2022</a:t>
             </a:fld>
             <a:endParaRPr lang="en-US"/>
           </a:p>
@@ -9705,7 +9705,7 @@
             <a:fld id="{87DE6118-2437-4B30-8E3C-4D2BE6020583}" type="datetimeFigureOut">
               <a:rPr lang="en-US" smtClean="0"/>
               <a:pPr/>
-              <a:t>4/13/2022</a:t>
+              <a:t>4/30/2022</a:t>
             </a:fld>
             <a:endParaRPr lang="en-US"/>
           </a:p>
@@ -25867,14 +25867,14 @@
           <p:nvPr>
             <p:extLst>
               <p:ext uri="{D42A27DB-BD31-4B8C-83A1-F6EECF244321}">
-                <p14:modId xmlns:p14="http://schemas.microsoft.com/office/powerpoint/2010/main" val="3711624908"/>
+                <p14:modId xmlns:p14="http://schemas.microsoft.com/office/powerpoint/2010/main" val="2957433688"/>
               </p:ext>
             </p:extLst>
           </p:nvPr>
         </p:nvGraphicFramePr>
         <p:xfrm>
-          <a:off x="6477885" y="3469545"/>
-          <a:ext cx="1749168" cy="3009744"/>
+          <a:off x="6463855" y="1518861"/>
+          <a:ext cx="1749168" cy="5004240"/>
         </p:xfrm>
         <a:graphic>
           <a:graphicData uri="http://schemas.openxmlformats.org/drawingml/2006/table">
@@ -25891,7 +25891,7 @@
                   </a:extLst>
                 </a:gridCol>
               </a:tblGrid>
-              <a:tr h="334416">
+              <a:tr h="417020">
                 <a:tc>
                   <a:txBody>
                     <a:bodyPr/>
@@ -25919,7 +25919,7 @@
                   </a:ext>
                 </a:extLst>
               </a:tr>
-              <a:tr h="334416">
+              <a:tr h="417020">
                 <a:tc>
                   <a:txBody>
                     <a:bodyPr/>
@@ -25940,7 +25940,7 @@
                   </a:ext>
                 </a:extLst>
               </a:tr>
-              <a:tr h="334416">
+              <a:tr h="417020">
                 <a:tc>
                   <a:txBody>
                     <a:bodyPr/>
@@ -25961,7 +25961,7 @@
                   </a:ext>
                 </a:extLst>
               </a:tr>
-              <a:tr h="334416">
+              <a:tr h="417020">
                 <a:tc>
                   <a:txBody>
                     <a:bodyPr/>
@@ -25969,7 +25969,7 @@
                     <a:p>
                       <a:r>
                         <a:rPr lang="en-US" sz="1400"/>
-                        <a:t>address_id</a:t>
+                        <a:t>name</a:t>
                       </a:r>
                       <a:endParaRPr lang="ro-RO" sz="1400"/>
                     </a:p>
@@ -25982,7 +25982,70 @@
                   </a:ext>
                 </a:extLst>
               </a:tr>
-              <a:tr h="334416">
+              <a:tr h="417020">
+                <a:tc>
+                  <a:txBody>
+                    <a:bodyPr/>
+                    <a:lstStyle/>
+                    <a:p>
+                      <a:r>
+                        <a:rPr lang="en-US" sz="1400"/>
+                        <a:t>city</a:t>
+                      </a:r>
+                      <a:endParaRPr lang="ro-RO" sz="1400"/>
+                    </a:p>
+                  </a:txBody>
+                  <a:tcPr/>
+                </a:tc>
+                <a:extLst>
+                  <a:ext uri="{0D108BD9-81ED-4DB2-BD59-A6C34878D82A}">
+                    <a16:rowId xmlns:a16="http://schemas.microsoft.com/office/drawing/2014/main" val="2360574593"/>
+                  </a:ext>
+                </a:extLst>
+              </a:tr>
+              <a:tr h="417020">
+                <a:tc>
+                  <a:txBody>
+                    <a:bodyPr/>
+                    <a:lstStyle/>
+                    <a:p>
+                      <a:r>
+                        <a:rPr lang="en-US" sz="1400"/>
+                        <a:t>address</a:t>
+                      </a:r>
+                      <a:endParaRPr lang="ro-RO" sz="1400"/>
+                    </a:p>
+                  </a:txBody>
+                  <a:tcPr/>
+                </a:tc>
+                <a:extLst>
+                  <a:ext uri="{0D108BD9-81ED-4DB2-BD59-A6C34878D82A}">
+                    <a16:rowId xmlns:a16="http://schemas.microsoft.com/office/drawing/2014/main" val="1935278112"/>
+                  </a:ext>
+                </a:extLst>
+              </a:tr>
+              <a:tr h="417020">
+                <a:tc>
+                  <a:txBody>
+                    <a:bodyPr/>
+                    <a:lstStyle/>
+                    <a:p>
+                      <a:r>
+                        <a:rPr lang="en-US" sz="1400"/>
+                        <a:t>phone</a:t>
+                      </a:r>
+                      <a:endParaRPr lang="ro-RO" sz="1400"/>
+                    </a:p>
+                  </a:txBody>
+                  <a:tcPr/>
+                </a:tc>
+                <a:extLst>
+                  <a:ext uri="{0D108BD9-81ED-4DB2-BD59-A6C34878D82A}">
+                    <a16:rowId xmlns:a16="http://schemas.microsoft.com/office/drawing/2014/main" val="1685896848"/>
+                  </a:ext>
+                </a:extLst>
+              </a:tr>
+              <a:tr h="417020">
                 <a:tc>
                   <a:txBody>
                     <a:bodyPr/>
@@ -26010,7 +26073,7 @@
                   </a:ext>
                 </a:extLst>
               </a:tr>
-              <a:tr h="334416">
+              <a:tr h="417020">
                 <a:tc>
                   <a:txBody>
                     <a:bodyPr/>
@@ -26038,7 +26101,7 @@
                   </a:ext>
                 </a:extLst>
               </a:tr>
-              <a:tr h="334416">
+              <a:tr h="417020">
                 <a:tc>
                   <a:txBody>
                     <a:bodyPr/>
@@ -26066,7 +26129,7 @@
                   </a:ext>
                 </a:extLst>
               </a:tr>
-              <a:tr h="334416">
+              <a:tr h="417020">
                 <a:tc>
                   <a:txBody>
                     <a:bodyPr/>
@@ -26094,7 +26157,7 @@
                   </a:ext>
                 </a:extLst>
               </a:tr>
-              <a:tr h="334416">
+              <a:tr h="417020">
                 <a:tc>
                   <a:txBody>
                     <a:bodyPr/>
@@ -26829,50 +26892,6 @@
           </a:prstGeom>
           <a:ln>
             <a:tailEnd type="triangle"/>
-          </a:ln>
-        </p:spPr>
-        <p:style>
-          <a:lnRef idx="1">
-            <a:schemeClr val="accent1"/>
-          </a:lnRef>
-          <a:fillRef idx="0">
-            <a:schemeClr val="accent1"/>
-          </a:fillRef>
-          <a:effectRef idx="0">
-            <a:schemeClr val="accent1"/>
-          </a:effectRef>
-          <a:fontRef idx="minor">
-            <a:schemeClr val="tx1"/>
-          </a:fontRef>
-        </p:style>
-      </p:cxnSp>
-      <p:cxnSp>
-        <p:nvCxnSpPr>
-          <p:cNvPr id="14" name="Connector: Elbow 13">
-            <a:extLst>
-              <a:ext uri="{FF2B5EF4-FFF2-40B4-BE49-F238E27FC236}">
-                <a16:creationId xmlns:a16="http://schemas.microsoft.com/office/drawing/2014/main" id="{9D46ACAE-F731-46A5-BFAE-34F2FDC1AEF9}"/>
-              </a:ext>
-            </a:extLst>
-          </p:cNvPr>
-          <p:cNvCxnSpPr>
-            <a:cxnSpLocks/>
-          </p:cNvCxnSpPr>
-          <p:nvPr/>
-        </p:nvCxnSpPr>
-        <p:spPr>
-          <a:xfrm rot="16200000" flipH="1">
-            <a:off x="4394170" y="1643932"/>
-            <a:ext cx="3035965" cy="2880631"/>
-          </a:xfrm>
-          <a:prstGeom prst="bentConnector3">
-            <a:avLst>
-              <a:gd name="adj1" fmla="val 50000"/>
-            </a:avLst>
-          </a:prstGeom>
-          <a:ln>
-            <a:headEnd type="triangle" w="med" len="med"/>
-            <a:tailEnd type="none" w="med" len="med"/>
           </a:ln>
         </p:spPr>
         <p:style>

--- a/_presentation/prezentare_aplicatie.pptx
+++ b/_presentation/prezentare_aplicatie.pptx
@@ -29,6 +29,7 @@
     <p:sldId id="275" r:id="rId23"/>
     <p:sldId id="276" r:id="rId24"/>
     <p:sldId id="277" r:id="rId25"/>
+    <p:sldId id="278" r:id="rId26"/>
   </p:sldIdLst>
   <p:sldSz cx="12192000" cy="6858000"/>
   <p:notesSz cx="6858000" cy="9144000"/>
@@ -285,7 +286,7 @@
             <a:fld id="{87DE6118-2437-4B30-8E3C-4D2BE6020583}" type="datetimeFigureOut">
               <a:rPr lang="en-US" smtClean="0"/>
               <a:pPr/>
-              <a:t>4/30/2022</a:t>
+              <a:t>5/12/2022</a:t>
             </a:fld>
             <a:endParaRPr lang="en-US"/>
           </a:p>
@@ -486,7 +487,7 @@
           <a:p>
             <a:fld id="{87DE6118-2437-4B30-8E3C-4D2BE6020583}" type="datetimeFigureOut">
               <a:rPr lang="en-US" smtClean="0"/>
-              <a:t>4/30/2022</a:t>
+              <a:t>5/12/2022</a:t>
             </a:fld>
             <a:endParaRPr lang="en-US"/>
           </a:p>
@@ -696,7 +697,7 @@
           <a:p>
             <a:fld id="{87DE6118-2437-4B30-8E3C-4D2BE6020583}" type="datetimeFigureOut">
               <a:rPr lang="en-US" smtClean="0"/>
-              <a:t>4/30/2022</a:t>
+              <a:t>5/12/2022</a:t>
             </a:fld>
             <a:endParaRPr lang="en-US"/>
           </a:p>
@@ -909,7 +910,7 @@
             <a:fld id="{87DE6118-2437-4B30-8E3C-4D2BE6020583}" type="datetimeFigureOut">
               <a:rPr lang="en-US" smtClean="0"/>
               <a:pPr/>
-              <a:t>4/30/2022</a:t>
+              <a:t>5/12/2022</a:t>
             </a:fld>
             <a:endParaRPr lang="en-US"/>
           </a:p>
@@ -1121,7 +1122,7 @@
           <a:p>
             <a:fld id="{87DE6118-2437-4B30-8E3C-4D2BE6020583}" type="datetimeFigureOut">
               <a:rPr lang="en-US" smtClean="0"/>
-              <a:t>4/30/2022</a:t>
+              <a:t>5/12/2022</a:t>
             </a:fld>
             <a:endParaRPr lang="en-US"/>
           </a:p>
@@ -1401,7 +1402,7 @@
             <a:fld id="{87DE6118-2437-4B30-8E3C-4D2BE6020583}" type="datetimeFigureOut">
               <a:rPr lang="en-US" smtClean="0"/>
               <a:pPr/>
-              <a:t>4/30/2022</a:t>
+              <a:t>5/12/2022</a:t>
             </a:fld>
             <a:endParaRPr lang="en-US"/>
           </a:p>
@@ -1670,7 +1671,7 @@
           <a:p>
             <a:fld id="{87DE6118-2437-4B30-8E3C-4D2BE6020583}" type="datetimeFigureOut">
               <a:rPr lang="en-US" smtClean="0"/>
-              <a:t>4/30/2022</a:t>
+              <a:t>5/12/2022</a:t>
             </a:fld>
             <a:endParaRPr lang="en-US"/>
           </a:p>
@@ -2086,7 +2087,7 @@
           <a:p>
             <a:fld id="{87DE6118-2437-4B30-8E3C-4D2BE6020583}" type="datetimeFigureOut">
               <a:rPr lang="en-US" smtClean="0"/>
-              <a:t>4/30/2022</a:t>
+              <a:t>5/12/2022</a:t>
             </a:fld>
             <a:endParaRPr lang="en-US"/>
           </a:p>
@@ -2235,7 +2236,7 @@
           <a:p>
             <a:fld id="{87DE6118-2437-4B30-8E3C-4D2BE6020583}" type="datetimeFigureOut">
               <a:rPr lang="en-US" smtClean="0"/>
-              <a:t>4/30/2022</a:t>
+              <a:t>5/12/2022</a:t>
             </a:fld>
             <a:endParaRPr lang="en-US"/>
           </a:p>
@@ -2361,7 +2362,7 @@
           <a:p>
             <a:fld id="{87DE6118-2437-4B30-8E3C-4D2BE6020583}" type="datetimeFigureOut">
               <a:rPr lang="en-US" smtClean="0"/>
-              <a:t>4/30/2022</a:t>
+              <a:t>5/12/2022</a:t>
             </a:fld>
             <a:endParaRPr lang="en-US"/>
           </a:p>
@@ -2613,7 +2614,7 @@
             <a:fld id="{87DE6118-2437-4B30-8E3C-4D2BE6020583}" type="datetimeFigureOut">
               <a:rPr lang="en-US" smtClean="0"/>
               <a:pPr/>
-              <a:t>4/30/2022</a:t>
+              <a:t>5/12/2022</a:t>
             </a:fld>
             <a:endParaRPr lang="en-US"/>
           </a:p>
@@ -2833,7 +2834,7 @@
           <a:p>
             <a:fld id="{87DE6118-2437-4B30-8E3C-4D2BE6020583}" type="datetimeFigureOut">
               <a:rPr lang="en-US" smtClean="0"/>
-              <a:t>4/30/2022</a:t>
+              <a:t>5/12/2022</a:t>
             </a:fld>
             <a:endParaRPr lang="en-US"/>
           </a:p>
@@ -3259,7 +3260,7 @@
             <a:fld id="{87DE6118-2437-4B30-8E3C-4D2BE6020583}" type="datetimeFigureOut">
               <a:rPr lang="en-US" smtClean="0"/>
               <a:pPr/>
-              <a:t>4/30/2022</a:t>
+              <a:t>5/12/2022</a:t>
             </a:fld>
             <a:endParaRPr lang="en-US"/>
           </a:p>
@@ -3466,7 +3467,7 @@
           <a:p>
             <a:fld id="{87DE6118-2437-4B30-8E3C-4D2BE6020583}" type="datetimeFigureOut">
               <a:rPr lang="en-US" smtClean="0"/>
-              <a:t>4/30/2022</a:t>
+              <a:t>5/12/2022</a:t>
             </a:fld>
             <a:endParaRPr lang="en-US"/>
           </a:p>
@@ -3681,7 +3682,7 @@
           <a:p>
             <a:fld id="{87DE6118-2437-4B30-8E3C-4D2BE6020583}" type="datetimeFigureOut">
               <a:rPr lang="en-US" smtClean="0"/>
-              <a:t>4/30/2022</a:t>
+              <a:t>5/12/2022</a:t>
             </a:fld>
             <a:endParaRPr lang="en-US"/>
           </a:p>
@@ -3923,7 +3924,7 @@
             <a:fld id="{87DE6118-2437-4B30-8E3C-4D2BE6020583}" type="datetimeFigureOut">
               <a:rPr lang="en-US" smtClean="0"/>
               <a:pPr/>
-              <a:t>4/30/2022</a:t>
+              <a:t>5/12/2022</a:t>
             </a:fld>
             <a:endParaRPr lang="en-US"/>
           </a:p>
@@ -4124,7 +4125,7 @@
           <a:p>
             <a:fld id="{87DE6118-2437-4B30-8E3C-4D2BE6020583}" type="datetimeFigureOut">
               <a:rPr lang="en-US" smtClean="0"/>
-              <a:t>4/30/2022</a:t>
+              <a:t>5/12/2022</a:t>
             </a:fld>
             <a:endParaRPr lang="en-US"/>
           </a:p>
@@ -4401,7 +4402,7 @@
             <a:fld id="{87DE6118-2437-4B30-8E3C-4D2BE6020583}" type="datetimeFigureOut">
               <a:rPr lang="en-US" smtClean="0"/>
               <a:pPr/>
-              <a:t>4/30/2022</a:t>
+              <a:t>5/12/2022</a:t>
             </a:fld>
             <a:endParaRPr lang="en-US"/>
           </a:p>
@@ -4670,7 +4671,7 @@
           <a:p>
             <a:fld id="{87DE6118-2437-4B30-8E3C-4D2BE6020583}" type="datetimeFigureOut">
               <a:rPr lang="en-US" smtClean="0"/>
-              <a:t>4/30/2022</a:t>
+              <a:t>5/12/2022</a:t>
             </a:fld>
             <a:endParaRPr lang="en-US"/>
           </a:p>
@@ -5085,7 +5086,7 @@
           <a:p>
             <a:fld id="{87DE6118-2437-4B30-8E3C-4D2BE6020583}" type="datetimeFigureOut">
               <a:rPr lang="en-US" smtClean="0"/>
-              <a:t>4/30/2022</a:t>
+              <a:t>5/12/2022</a:t>
             </a:fld>
             <a:endParaRPr lang="en-US"/>
           </a:p>
@@ -5227,7 +5228,7 @@
           <a:p>
             <a:fld id="{87DE6118-2437-4B30-8E3C-4D2BE6020583}" type="datetimeFigureOut">
               <a:rPr lang="en-US" smtClean="0"/>
-              <a:t>4/30/2022</a:t>
+              <a:t>5/12/2022</a:t>
             </a:fld>
             <a:endParaRPr lang="en-US"/>
           </a:p>
@@ -5340,7 +5341,7 @@
           <a:p>
             <a:fld id="{87DE6118-2437-4B30-8E3C-4D2BE6020583}" type="datetimeFigureOut">
               <a:rPr lang="en-US" smtClean="0"/>
-              <a:t>4/30/2022</a:t>
+              <a:t>5/12/2022</a:t>
             </a:fld>
             <a:endParaRPr lang="en-US"/>
           </a:p>
@@ -5617,7 +5618,7 @@
             <a:fld id="{87DE6118-2437-4B30-8E3C-4D2BE6020583}" type="datetimeFigureOut">
               <a:rPr lang="en-US" smtClean="0"/>
               <a:pPr/>
-              <a:t>4/30/2022</a:t>
+              <a:t>5/12/2022</a:t>
             </a:fld>
             <a:endParaRPr lang="en-US"/>
           </a:p>
@@ -5932,7 +5933,7 @@
             <a:fld id="{87DE6118-2437-4B30-8E3C-4D2BE6020583}" type="datetimeFigureOut">
               <a:rPr lang="en-US" smtClean="0"/>
               <a:pPr/>
-              <a:t>4/30/2022</a:t>
+              <a:t>5/12/2022</a:t>
             </a:fld>
             <a:endParaRPr lang="en-US"/>
           </a:p>
@@ -6223,7 +6224,7 @@
             <a:fld id="{87DE6118-2437-4B30-8E3C-4D2BE6020583}" type="datetimeFigureOut">
               <a:rPr lang="en-US" smtClean="0"/>
               <a:pPr/>
-              <a:t>4/30/2022</a:t>
+              <a:t>5/12/2022</a:t>
             </a:fld>
             <a:endParaRPr lang="en-US"/>
           </a:p>
@@ -6424,7 +6425,7 @@
           <a:p>
             <a:fld id="{87DE6118-2437-4B30-8E3C-4D2BE6020583}" type="datetimeFigureOut">
               <a:rPr lang="en-US" smtClean="0"/>
-              <a:t>4/30/2022</a:t>
+              <a:t>5/12/2022</a:t>
             </a:fld>
             <a:endParaRPr lang="en-US"/>
           </a:p>
@@ -6634,7 +6635,7 @@
           <a:p>
             <a:fld id="{87DE6118-2437-4B30-8E3C-4D2BE6020583}" type="datetimeFigureOut">
               <a:rPr lang="en-US" smtClean="0"/>
-              <a:t>4/30/2022</a:t>
+              <a:t>5/12/2022</a:t>
             </a:fld>
             <a:endParaRPr lang="en-US"/>
           </a:p>
@@ -6902,7 +6903,7 @@
           <a:p>
             <a:fld id="{87DE6118-2437-4B30-8E3C-4D2BE6020583}" type="datetimeFigureOut">
               <a:rPr lang="en-US" smtClean="0"/>
-              <a:t>4/30/2022</a:t>
+              <a:t>5/12/2022</a:t>
             </a:fld>
             <a:endParaRPr lang="en-US"/>
           </a:p>
@@ -7317,7 +7318,7 @@
           <a:p>
             <a:fld id="{87DE6118-2437-4B30-8E3C-4D2BE6020583}" type="datetimeFigureOut">
               <a:rPr lang="en-US" smtClean="0"/>
-              <a:t>4/30/2022</a:t>
+              <a:t>5/12/2022</a:t>
             </a:fld>
             <a:endParaRPr lang="en-US"/>
           </a:p>
@@ -7459,7 +7460,7 @@
           <a:p>
             <a:fld id="{87DE6118-2437-4B30-8E3C-4D2BE6020583}" type="datetimeFigureOut">
               <a:rPr lang="en-US" smtClean="0"/>
-              <a:t>4/30/2022</a:t>
+              <a:t>5/12/2022</a:t>
             </a:fld>
             <a:endParaRPr lang="en-US"/>
           </a:p>
@@ -7572,7 +7573,7 @@
           <a:p>
             <a:fld id="{87DE6118-2437-4B30-8E3C-4D2BE6020583}" type="datetimeFigureOut">
               <a:rPr lang="en-US" smtClean="0"/>
-              <a:t>4/30/2022</a:t>
+              <a:t>5/12/2022</a:t>
             </a:fld>
             <a:endParaRPr lang="en-US"/>
           </a:p>
@@ -7886,7 +7887,7 @@
             <a:fld id="{87DE6118-2437-4B30-8E3C-4D2BE6020583}" type="datetimeFigureOut">
               <a:rPr lang="en-US" smtClean="0"/>
               <a:pPr/>
-              <a:t>4/30/2022</a:t>
+              <a:t>5/12/2022</a:t>
             </a:fld>
             <a:endParaRPr lang="en-US"/>
           </a:p>
@@ -8177,7 +8178,7 @@
             <a:fld id="{87DE6118-2437-4B30-8E3C-4D2BE6020583}" type="datetimeFigureOut">
               <a:rPr lang="en-US" smtClean="0"/>
               <a:pPr/>
-              <a:t>4/30/2022</a:t>
+              <a:t>5/12/2022</a:t>
             </a:fld>
             <a:endParaRPr lang="en-US"/>
           </a:p>
@@ -8422,7 +8423,7 @@
             <a:fld id="{87DE6118-2437-4B30-8E3C-4D2BE6020583}" type="datetimeFigureOut">
               <a:rPr lang="en-US" smtClean="0"/>
               <a:pPr/>
-              <a:t>4/30/2022</a:t>
+              <a:t>5/12/2022</a:t>
             </a:fld>
             <a:endParaRPr lang="en-US"/>
           </a:p>
@@ -9059,7 +9060,7 @@
             <a:fld id="{87DE6118-2437-4B30-8E3C-4D2BE6020583}" type="datetimeFigureOut">
               <a:rPr lang="en-US" smtClean="0"/>
               <a:pPr/>
-              <a:t>4/30/2022</a:t>
+              <a:t>5/12/2022</a:t>
             </a:fld>
             <a:endParaRPr lang="en-US"/>
           </a:p>
@@ -9705,7 +9706,7 @@
             <a:fld id="{87DE6118-2437-4B30-8E3C-4D2BE6020583}" type="datetimeFigureOut">
               <a:rPr lang="en-US" smtClean="0"/>
               <a:pPr/>
-              <a:t>4/30/2022</a:t>
+              <a:t>5/12/2022</a:t>
             </a:fld>
             <a:endParaRPr lang="en-US"/>
           </a:p>
@@ -26965,6 +26966,351 @@
 </p:sld>
 </file>
 
+<file path=ppt/slides/slide23.xml><?xml version="1.0" encoding="utf-8"?>
+<p:sld xmlns:a="http://schemas.openxmlformats.org/drawingml/2006/main" xmlns:r="http://schemas.openxmlformats.org/officeDocument/2006/relationships" xmlns:p="http://schemas.openxmlformats.org/presentationml/2006/main">
+  <p:cSld>
+    <p:bg>
+      <p:bgPr>
+        <a:pattFill prst="dotGrid">
+          <a:fgClr>
+            <a:schemeClr val="bg1">
+              <a:lumMod val="95000"/>
+            </a:schemeClr>
+          </a:fgClr>
+          <a:bgClr>
+            <a:schemeClr val="bg1"/>
+          </a:bgClr>
+        </a:pattFill>
+        <a:effectLst/>
+      </p:bgPr>
+    </p:bg>
+    <p:spTree>
+      <p:nvGrpSpPr>
+        <p:cNvPr id="1" name=""/>
+        <p:cNvGrpSpPr/>
+        <p:nvPr/>
+      </p:nvGrpSpPr>
+      <p:grpSpPr>
+        <a:xfrm>
+          <a:off x="0" y="0"/>
+          <a:ext cx="0" cy="0"/>
+          <a:chOff x="0" y="0"/>
+          <a:chExt cx="0" cy="0"/>
+        </a:xfrm>
+      </p:grpSpPr>
+      <p:sp>
+        <p:nvSpPr>
+          <p:cNvPr id="2" name="Title 1">
+            <a:extLst>
+              <a:ext uri="{FF2B5EF4-FFF2-40B4-BE49-F238E27FC236}">
+                <a16:creationId xmlns:a16="http://schemas.microsoft.com/office/drawing/2014/main" id="{1A0B78B4-2F1A-4972-85E6-ED9D13DA7EFF}"/>
+              </a:ext>
+            </a:extLst>
+          </p:cNvPr>
+          <p:cNvSpPr>
+            <a:spLocks noGrp="1"/>
+          </p:cNvSpPr>
+          <p:nvPr>
+            <p:ph type="title"/>
+          </p:nvPr>
+        </p:nvSpPr>
+        <p:spPr>
+          <a:xfrm>
+            <a:off x="838200" y="206429"/>
+            <a:ext cx="10515600" cy="670186"/>
+          </a:xfrm>
+        </p:spPr>
+        <p:txBody>
+          <a:bodyPr>
+            <a:normAutofit/>
+          </a:bodyPr>
+          <a:lstStyle/>
+          <a:p>
+            <a:pPr algn="ctr"/>
+            <a:r>
+              <a:rPr lang="en-US" sz="3600"/>
+              <a:t>Gestionarea comenzilor – users si staff</a:t>
+            </a:r>
+          </a:p>
+        </p:txBody>
+      </p:sp>
+      <p:sp>
+        <p:nvSpPr>
+          <p:cNvPr id="3" name="TextBox 2">
+            <a:extLst>
+              <a:ext uri="{FF2B5EF4-FFF2-40B4-BE49-F238E27FC236}">
+                <a16:creationId xmlns:a16="http://schemas.microsoft.com/office/drawing/2014/main" id="{D85A3F73-CB6E-433A-A0CE-4F2DE682EC08}"/>
+              </a:ext>
+            </a:extLst>
+          </p:cNvPr>
+          <p:cNvSpPr txBox="1"/>
+          <p:nvPr/>
+        </p:nvSpPr>
+        <p:spPr>
+          <a:xfrm>
+            <a:off x="396510" y="1084333"/>
+            <a:ext cx="5699490" cy="369332"/>
+          </a:xfrm>
+          <a:prstGeom prst="rect">
+            <a:avLst/>
+          </a:prstGeom>
+        </p:spPr>
+        <p:style>
+          <a:lnRef idx="2">
+            <a:schemeClr val="dk1">
+              <a:shade val="50000"/>
+            </a:schemeClr>
+          </a:lnRef>
+          <a:fillRef idx="1">
+            <a:schemeClr val="dk1"/>
+          </a:fillRef>
+          <a:effectRef idx="0">
+            <a:schemeClr val="dk1"/>
+          </a:effectRef>
+          <a:fontRef idx="minor">
+            <a:schemeClr val="lt1"/>
+          </a:fontRef>
+        </p:style>
+        <p:txBody>
+          <a:bodyPr wrap="square" rtlCol="0">
+            <a:spAutoFit/>
+          </a:bodyPr>
+          <a:lstStyle/>
+          <a:p>
+            <a:r>
+              <a:rPr lang="en-US"/>
+              <a:t>Crearea de date test pentru comenzi – seeder fara  factory</a:t>
+            </a:r>
+          </a:p>
+        </p:txBody>
+      </p:sp>
+      <p:sp>
+        <p:nvSpPr>
+          <p:cNvPr id="4" name="TextBox 3">
+            <a:extLst>
+              <a:ext uri="{FF2B5EF4-FFF2-40B4-BE49-F238E27FC236}">
+                <a16:creationId xmlns:a16="http://schemas.microsoft.com/office/drawing/2014/main" id="{02E06904-D85E-4CF6-9D51-09EBE742BC44}"/>
+              </a:ext>
+            </a:extLst>
+          </p:cNvPr>
+          <p:cNvSpPr txBox="1"/>
+          <p:nvPr/>
+        </p:nvSpPr>
+        <p:spPr>
+          <a:xfrm>
+            <a:off x="396509" y="1828800"/>
+            <a:ext cx="9624105" cy="3539430"/>
+          </a:xfrm>
+          <a:prstGeom prst="rect">
+            <a:avLst/>
+          </a:prstGeom>
+          <a:noFill/>
+        </p:spPr>
+        <p:txBody>
+          <a:bodyPr wrap="square" rtlCol="0">
+            <a:spAutoFit/>
+          </a:bodyPr>
+          <a:lstStyle/>
+          <a:p>
+            <a:pPr marL="285750" indent="-285750">
+              <a:spcBef>
+                <a:spcPts val="2400"/>
+              </a:spcBef>
+              <a:buFont typeface="Wingdings" panose="05000000000000000000" pitchFamily="2" charset="2"/>
+              <a:buChar char="Ø"/>
+            </a:pPr>
+            <a:r>
+              <a:rPr lang="en-US"/>
+              <a:t>Vom crea comenzi pentru utilizatorii cu </a:t>
+            </a:r>
+            <a:r>
+              <a:rPr lang="en-US">
+                <a:solidFill>
+                  <a:srgbClr val="FF0000"/>
+                </a:solidFill>
+              </a:rPr>
+              <a:t>cont verificat </a:t>
+            </a:r>
+            <a:r>
+              <a:rPr lang="en-US"/>
+              <a:t>si cu cel putin o </a:t>
+            </a:r>
+            <a:r>
+              <a:rPr lang="en-US">
+                <a:solidFill>
+                  <a:srgbClr val="FF0000"/>
+                </a:solidFill>
+              </a:rPr>
+              <a:t>adresa setata</a:t>
+            </a:r>
+          </a:p>
+          <a:p>
+            <a:pPr marL="285750" indent="-285750">
+              <a:spcBef>
+                <a:spcPts val="2400"/>
+              </a:spcBef>
+              <a:buFont typeface="Wingdings" panose="05000000000000000000" pitchFamily="2" charset="2"/>
+              <a:buChar char="Ø"/>
+            </a:pPr>
+            <a:r>
+              <a:rPr lang="en-US"/>
+              <a:t>Pentru fiecare astfel de utilizator vom crea un numar variabil intre 2 si 10 comenzi cu seeder al Order (date fake). Un numar aleatoriu de comenzi vor fi </a:t>
+            </a:r>
+            <a:r>
+              <a:rPr lang="en-US">
+                <a:solidFill>
+                  <a:srgbClr val="FF0000"/>
+                </a:solidFill>
+              </a:rPr>
+              <a:t>aprobate</a:t>
+            </a:r>
+            <a:r>
+              <a:rPr lang="en-US"/>
+              <a:t> la o zi dupa ce au fost create. Campurile </a:t>
+            </a:r>
+            <a:r>
+              <a:rPr lang="en-US">
+                <a:solidFill>
+                  <a:schemeClr val="accent6">
+                    <a:lumMod val="75000"/>
+                  </a:schemeClr>
+                </a:solidFill>
+              </a:rPr>
+              <a:t>created_at </a:t>
+            </a:r>
+            <a:r>
+              <a:rPr lang="en-US"/>
+              <a:t>si </a:t>
+            </a:r>
+            <a:r>
+              <a:rPr lang="en-US">
+                <a:solidFill>
+                  <a:schemeClr val="accent6">
+                    <a:lumMod val="75000"/>
+                  </a:schemeClr>
+                </a:solidFill>
+              </a:rPr>
+              <a:t>approved_at</a:t>
+            </a:r>
+          </a:p>
+          <a:p>
+            <a:pPr marL="285750" indent="-285750">
+              <a:spcBef>
+                <a:spcPts val="2400"/>
+              </a:spcBef>
+              <a:buFont typeface="Wingdings" panose="05000000000000000000" pitchFamily="2" charset="2"/>
+              <a:buChar char="Ø"/>
+            </a:pPr>
+            <a:r>
+              <a:rPr lang="en-US"/>
+              <a:t>Dintre comenzile </a:t>
+            </a:r>
+            <a:r>
+              <a:rPr lang="en-US">
+                <a:solidFill>
+                  <a:srgbClr val="FF0000"/>
+                </a:solidFill>
+              </a:rPr>
+              <a:t>aprobate</a:t>
+            </a:r>
+            <a:r>
+              <a:rPr lang="en-US"/>
+              <a:t>, vom allege aleatoriu jumatate si le vom seta ca fiind </a:t>
+            </a:r>
+            <a:r>
+              <a:rPr lang="en-US">
+                <a:solidFill>
+                  <a:schemeClr val="accent1">
+                    <a:lumMod val="75000"/>
+                  </a:schemeClr>
+                </a:solidFill>
+              </a:rPr>
+              <a:t>platite</a:t>
+            </a:r>
+          </a:p>
+          <a:p>
+            <a:pPr marL="285750" indent="-285750">
+              <a:spcBef>
+                <a:spcPts val="2400"/>
+              </a:spcBef>
+              <a:buFont typeface="Wingdings" panose="05000000000000000000" pitchFamily="2" charset="2"/>
+              <a:buChar char="Ø"/>
+            </a:pPr>
+            <a:r>
+              <a:rPr lang="en-US"/>
+              <a:t>Dintre comenzile </a:t>
+            </a:r>
+            <a:r>
+              <a:rPr lang="en-US">
+                <a:solidFill>
+                  <a:schemeClr val="accent1">
+                    <a:lumMod val="75000"/>
+                  </a:schemeClr>
+                </a:solidFill>
+              </a:rPr>
+              <a:t>platite</a:t>
+            </a:r>
+            <a:r>
+              <a:rPr lang="en-US"/>
+              <a:t> (implicit si aprobate) vom selecta jumatate si le vom seta ca fiind </a:t>
+            </a:r>
+            <a:r>
+              <a:rPr lang="en-US">
+                <a:solidFill>
+                  <a:schemeClr val="accent6">
+                    <a:lumMod val="75000"/>
+                  </a:schemeClr>
+                </a:solidFill>
+              </a:rPr>
+              <a:t>receptionate</a:t>
+            </a:r>
+            <a:r>
+              <a:rPr lang="en-US"/>
+              <a:t> (practic finalizate)</a:t>
+            </a:r>
+          </a:p>
+          <a:p>
+            <a:pPr marL="285750" indent="-285750">
+              <a:spcBef>
+                <a:spcPts val="2400"/>
+              </a:spcBef>
+              <a:buFont typeface="Wingdings" panose="05000000000000000000" pitchFamily="2" charset="2"/>
+              <a:buChar char="Ø"/>
+            </a:pPr>
+            <a:r>
+              <a:rPr lang="en-US"/>
+              <a:t>Pentru fiecare comanda in parte vom crea in tabelul </a:t>
+            </a:r>
+            <a:r>
+              <a:rPr lang="en-US">
+                <a:solidFill>
+                  <a:schemeClr val="accent6">
+                    <a:lumMod val="75000"/>
+                  </a:schemeClr>
+                </a:solidFill>
+              </a:rPr>
+              <a:t>order_items </a:t>
+            </a:r>
+            <a:r>
+              <a:rPr lang="en-US"/>
+              <a:t>un numar aleatoriu de produse</a:t>
+            </a:r>
+          </a:p>
+        </p:txBody>
+      </p:sp>
+    </p:spTree>
+    <p:extLst>
+      <p:ext uri="{BB962C8B-B14F-4D97-AF65-F5344CB8AC3E}">
+        <p14:creationId xmlns:p14="http://schemas.microsoft.com/office/powerpoint/2010/main" val="1135774869"/>
+      </p:ext>
+    </p:extLst>
+  </p:cSld>
+  <p:clrMapOvr>
+    <a:masterClrMapping/>
+  </p:clrMapOvr>
+</p:sld>
+</file>
+
 <file path=ppt/slides/slide3.xml><?xml version="1.0" encoding="utf-8"?>
 <p:sld xmlns:a="http://schemas.openxmlformats.org/drawingml/2006/main" xmlns:r="http://schemas.openxmlformats.org/officeDocument/2006/relationships" xmlns:p="http://schemas.openxmlformats.org/presentationml/2006/main">
   <p:cSld>

--- a/_presentation/prezentare_aplicatie.pptx
+++ b/_presentation/prezentare_aplicatie.pptx
@@ -30,6 +30,7 @@
     <p:sldId id="276" r:id="rId24"/>
     <p:sldId id="277" r:id="rId25"/>
     <p:sldId id="278" r:id="rId26"/>
+    <p:sldId id="279" r:id="rId27"/>
   </p:sldIdLst>
   <p:sldSz cx="12192000" cy="6858000"/>
   <p:notesSz cx="6858000" cy="9144000"/>
@@ -286,7 +287,7 @@
             <a:fld id="{87DE6118-2437-4B30-8E3C-4D2BE6020583}" type="datetimeFigureOut">
               <a:rPr lang="en-US" smtClean="0"/>
               <a:pPr/>
-              <a:t>5/12/2022</a:t>
+              <a:t>5/14/2022</a:t>
             </a:fld>
             <a:endParaRPr lang="en-US"/>
           </a:p>
@@ -487,7 +488,7 @@
           <a:p>
             <a:fld id="{87DE6118-2437-4B30-8E3C-4D2BE6020583}" type="datetimeFigureOut">
               <a:rPr lang="en-US" smtClean="0"/>
-              <a:t>5/12/2022</a:t>
+              <a:t>5/14/2022</a:t>
             </a:fld>
             <a:endParaRPr lang="en-US"/>
           </a:p>
@@ -697,7 +698,7 @@
           <a:p>
             <a:fld id="{87DE6118-2437-4B30-8E3C-4D2BE6020583}" type="datetimeFigureOut">
               <a:rPr lang="en-US" smtClean="0"/>
-              <a:t>5/12/2022</a:t>
+              <a:t>5/14/2022</a:t>
             </a:fld>
             <a:endParaRPr lang="en-US"/>
           </a:p>
@@ -910,7 +911,7 @@
             <a:fld id="{87DE6118-2437-4B30-8E3C-4D2BE6020583}" type="datetimeFigureOut">
               <a:rPr lang="en-US" smtClean="0"/>
               <a:pPr/>
-              <a:t>5/12/2022</a:t>
+              <a:t>5/14/2022</a:t>
             </a:fld>
             <a:endParaRPr lang="en-US"/>
           </a:p>
@@ -1122,7 +1123,7 @@
           <a:p>
             <a:fld id="{87DE6118-2437-4B30-8E3C-4D2BE6020583}" type="datetimeFigureOut">
               <a:rPr lang="en-US" smtClean="0"/>
-              <a:t>5/12/2022</a:t>
+              <a:t>5/14/2022</a:t>
             </a:fld>
             <a:endParaRPr lang="en-US"/>
           </a:p>
@@ -1402,7 +1403,7 @@
             <a:fld id="{87DE6118-2437-4B30-8E3C-4D2BE6020583}" type="datetimeFigureOut">
               <a:rPr lang="en-US" smtClean="0"/>
               <a:pPr/>
-              <a:t>5/12/2022</a:t>
+              <a:t>5/14/2022</a:t>
             </a:fld>
             <a:endParaRPr lang="en-US"/>
           </a:p>
@@ -1671,7 +1672,7 @@
           <a:p>
             <a:fld id="{87DE6118-2437-4B30-8E3C-4D2BE6020583}" type="datetimeFigureOut">
               <a:rPr lang="en-US" smtClean="0"/>
-              <a:t>5/12/2022</a:t>
+              <a:t>5/14/2022</a:t>
             </a:fld>
             <a:endParaRPr lang="en-US"/>
           </a:p>
@@ -2087,7 +2088,7 @@
           <a:p>
             <a:fld id="{87DE6118-2437-4B30-8E3C-4D2BE6020583}" type="datetimeFigureOut">
               <a:rPr lang="en-US" smtClean="0"/>
-              <a:t>5/12/2022</a:t>
+              <a:t>5/14/2022</a:t>
             </a:fld>
             <a:endParaRPr lang="en-US"/>
           </a:p>
@@ -2236,7 +2237,7 @@
           <a:p>
             <a:fld id="{87DE6118-2437-4B30-8E3C-4D2BE6020583}" type="datetimeFigureOut">
               <a:rPr lang="en-US" smtClean="0"/>
-              <a:t>5/12/2022</a:t>
+              <a:t>5/14/2022</a:t>
             </a:fld>
             <a:endParaRPr lang="en-US"/>
           </a:p>
@@ -2362,7 +2363,7 @@
           <a:p>
             <a:fld id="{87DE6118-2437-4B30-8E3C-4D2BE6020583}" type="datetimeFigureOut">
               <a:rPr lang="en-US" smtClean="0"/>
-              <a:t>5/12/2022</a:t>
+              <a:t>5/14/2022</a:t>
             </a:fld>
             <a:endParaRPr lang="en-US"/>
           </a:p>
@@ -2614,7 +2615,7 @@
             <a:fld id="{87DE6118-2437-4B30-8E3C-4D2BE6020583}" type="datetimeFigureOut">
               <a:rPr lang="en-US" smtClean="0"/>
               <a:pPr/>
-              <a:t>5/12/2022</a:t>
+              <a:t>5/14/2022</a:t>
             </a:fld>
             <a:endParaRPr lang="en-US"/>
           </a:p>
@@ -2834,7 +2835,7 @@
           <a:p>
             <a:fld id="{87DE6118-2437-4B30-8E3C-4D2BE6020583}" type="datetimeFigureOut">
               <a:rPr lang="en-US" smtClean="0"/>
-              <a:t>5/12/2022</a:t>
+              <a:t>5/14/2022</a:t>
             </a:fld>
             <a:endParaRPr lang="en-US"/>
           </a:p>
@@ -3260,7 +3261,7 @@
             <a:fld id="{87DE6118-2437-4B30-8E3C-4D2BE6020583}" type="datetimeFigureOut">
               <a:rPr lang="en-US" smtClean="0"/>
               <a:pPr/>
-              <a:t>5/12/2022</a:t>
+              <a:t>5/14/2022</a:t>
             </a:fld>
             <a:endParaRPr lang="en-US"/>
           </a:p>
@@ -3467,7 +3468,7 @@
           <a:p>
             <a:fld id="{87DE6118-2437-4B30-8E3C-4D2BE6020583}" type="datetimeFigureOut">
               <a:rPr lang="en-US" smtClean="0"/>
-              <a:t>5/12/2022</a:t>
+              <a:t>5/14/2022</a:t>
             </a:fld>
             <a:endParaRPr lang="en-US"/>
           </a:p>
@@ -3682,7 +3683,7 @@
           <a:p>
             <a:fld id="{87DE6118-2437-4B30-8E3C-4D2BE6020583}" type="datetimeFigureOut">
               <a:rPr lang="en-US" smtClean="0"/>
-              <a:t>5/12/2022</a:t>
+              <a:t>5/14/2022</a:t>
             </a:fld>
             <a:endParaRPr lang="en-US"/>
           </a:p>
@@ -3924,7 +3925,7 @@
             <a:fld id="{87DE6118-2437-4B30-8E3C-4D2BE6020583}" type="datetimeFigureOut">
               <a:rPr lang="en-US" smtClean="0"/>
               <a:pPr/>
-              <a:t>5/12/2022</a:t>
+              <a:t>5/14/2022</a:t>
             </a:fld>
             <a:endParaRPr lang="en-US"/>
           </a:p>
@@ -4125,7 +4126,7 @@
           <a:p>
             <a:fld id="{87DE6118-2437-4B30-8E3C-4D2BE6020583}" type="datetimeFigureOut">
               <a:rPr lang="en-US" smtClean="0"/>
-              <a:t>5/12/2022</a:t>
+              <a:t>5/14/2022</a:t>
             </a:fld>
             <a:endParaRPr lang="en-US"/>
           </a:p>
@@ -4402,7 +4403,7 @@
             <a:fld id="{87DE6118-2437-4B30-8E3C-4D2BE6020583}" type="datetimeFigureOut">
               <a:rPr lang="en-US" smtClean="0"/>
               <a:pPr/>
-              <a:t>5/12/2022</a:t>
+              <a:t>5/14/2022</a:t>
             </a:fld>
             <a:endParaRPr lang="en-US"/>
           </a:p>
@@ -4671,7 +4672,7 @@
           <a:p>
             <a:fld id="{87DE6118-2437-4B30-8E3C-4D2BE6020583}" type="datetimeFigureOut">
               <a:rPr lang="en-US" smtClean="0"/>
-              <a:t>5/12/2022</a:t>
+              <a:t>5/14/2022</a:t>
             </a:fld>
             <a:endParaRPr lang="en-US"/>
           </a:p>
@@ -5086,7 +5087,7 @@
           <a:p>
             <a:fld id="{87DE6118-2437-4B30-8E3C-4D2BE6020583}" type="datetimeFigureOut">
               <a:rPr lang="en-US" smtClean="0"/>
-              <a:t>5/12/2022</a:t>
+              <a:t>5/14/2022</a:t>
             </a:fld>
             <a:endParaRPr lang="en-US"/>
           </a:p>
@@ -5228,7 +5229,7 @@
           <a:p>
             <a:fld id="{87DE6118-2437-4B30-8E3C-4D2BE6020583}" type="datetimeFigureOut">
               <a:rPr lang="en-US" smtClean="0"/>
-              <a:t>5/12/2022</a:t>
+              <a:t>5/14/2022</a:t>
             </a:fld>
             <a:endParaRPr lang="en-US"/>
           </a:p>
@@ -5341,7 +5342,7 @@
           <a:p>
             <a:fld id="{87DE6118-2437-4B30-8E3C-4D2BE6020583}" type="datetimeFigureOut">
               <a:rPr lang="en-US" smtClean="0"/>
-              <a:t>5/12/2022</a:t>
+              <a:t>5/14/2022</a:t>
             </a:fld>
             <a:endParaRPr lang="en-US"/>
           </a:p>
@@ -5618,7 +5619,7 @@
             <a:fld id="{87DE6118-2437-4B30-8E3C-4D2BE6020583}" type="datetimeFigureOut">
               <a:rPr lang="en-US" smtClean="0"/>
               <a:pPr/>
-              <a:t>5/12/2022</a:t>
+              <a:t>5/14/2022</a:t>
             </a:fld>
             <a:endParaRPr lang="en-US"/>
           </a:p>
@@ -5933,7 +5934,7 @@
             <a:fld id="{87DE6118-2437-4B30-8E3C-4D2BE6020583}" type="datetimeFigureOut">
               <a:rPr lang="en-US" smtClean="0"/>
               <a:pPr/>
-              <a:t>5/12/2022</a:t>
+              <a:t>5/14/2022</a:t>
             </a:fld>
             <a:endParaRPr lang="en-US"/>
           </a:p>
@@ -6224,7 +6225,7 @@
             <a:fld id="{87DE6118-2437-4B30-8E3C-4D2BE6020583}" type="datetimeFigureOut">
               <a:rPr lang="en-US" smtClean="0"/>
               <a:pPr/>
-              <a:t>5/12/2022</a:t>
+              <a:t>5/14/2022</a:t>
             </a:fld>
             <a:endParaRPr lang="en-US"/>
           </a:p>
@@ -6425,7 +6426,7 @@
           <a:p>
             <a:fld id="{87DE6118-2437-4B30-8E3C-4D2BE6020583}" type="datetimeFigureOut">
               <a:rPr lang="en-US" smtClean="0"/>
-              <a:t>5/12/2022</a:t>
+              <a:t>5/14/2022</a:t>
             </a:fld>
             <a:endParaRPr lang="en-US"/>
           </a:p>
@@ -6635,7 +6636,7 @@
           <a:p>
             <a:fld id="{87DE6118-2437-4B30-8E3C-4D2BE6020583}" type="datetimeFigureOut">
               <a:rPr lang="en-US" smtClean="0"/>
-              <a:t>5/12/2022</a:t>
+              <a:t>5/14/2022</a:t>
             </a:fld>
             <a:endParaRPr lang="en-US"/>
           </a:p>
@@ -6903,7 +6904,7 @@
           <a:p>
             <a:fld id="{87DE6118-2437-4B30-8E3C-4D2BE6020583}" type="datetimeFigureOut">
               <a:rPr lang="en-US" smtClean="0"/>
-              <a:t>5/12/2022</a:t>
+              <a:t>5/14/2022</a:t>
             </a:fld>
             <a:endParaRPr lang="en-US"/>
           </a:p>
@@ -7318,7 +7319,7 @@
           <a:p>
             <a:fld id="{87DE6118-2437-4B30-8E3C-4D2BE6020583}" type="datetimeFigureOut">
               <a:rPr lang="en-US" smtClean="0"/>
-              <a:t>5/12/2022</a:t>
+              <a:t>5/14/2022</a:t>
             </a:fld>
             <a:endParaRPr lang="en-US"/>
           </a:p>
@@ -7460,7 +7461,7 @@
           <a:p>
             <a:fld id="{87DE6118-2437-4B30-8E3C-4D2BE6020583}" type="datetimeFigureOut">
               <a:rPr lang="en-US" smtClean="0"/>
-              <a:t>5/12/2022</a:t>
+              <a:t>5/14/2022</a:t>
             </a:fld>
             <a:endParaRPr lang="en-US"/>
           </a:p>
@@ -7573,7 +7574,7 @@
           <a:p>
             <a:fld id="{87DE6118-2437-4B30-8E3C-4D2BE6020583}" type="datetimeFigureOut">
               <a:rPr lang="en-US" smtClean="0"/>
-              <a:t>5/12/2022</a:t>
+              <a:t>5/14/2022</a:t>
             </a:fld>
             <a:endParaRPr lang="en-US"/>
           </a:p>
@@ -7887,7 +7888,7 @@
             <a:fld id="{87DE6118-2437-4B30-8E3C-4D2BE6020583}" type="datetimeFigureOut">
               <a:rPr lang="en-US" smtClean="0"/>
               <a:pPr/>
-              <a:t>5/12/2022</a:t>
+              <a:t>5/14/2022</a:t>
             </a:fld>
             <a:endParaRPr lang="en-US"/>
           </a:p>
@@ -8178,7 +8179,7 @@
             <a:fld id="{87DE6118-2437-4B30-8E3C-4D2BE6020583}" type="datetimeFigureOut">
               <a:rPr lang="en-US" smtClean="0"/>
               <a:pPr/>
-              <a:t>5/12/2022</a:t>
+              <a:t>5/14/2022</a:t>
             </a:fld>
             <a:endParaRPr lang="en-US"/>
           </a:p>
@@ -8423,7 +8424,7 @@
             <a:fld id="{87DE6118-2437-4B30-8E3C-4D2BE6020583}" type="datetimeFigureOut">
               <a:rPr lang="en-US" smtClean="0"/>
               <a:pPr/>
-              <a:t>5/12/2022</a:t>
+              <a:t>5/14/2022</a:t>
             </a:fld>
             <a:endParaRPr lang="en-US"/>
           </a:p>
@@ -9060,7 +9061,7 @@
             <a:fld id="{87DE6118-2437-4B30-8E3C-4D2BE6020583}" type="datetimeFigureOut">
               <a:rPr lang="en-US" smtClean="0"/>
               <a:pPr/>
-              <a:t>5/12/2022</a:t>
+              <a:t>5/14/2022</a:t>
             </a:fld>
             <a:endParaRPr lang="en-US"/>
           </a:p>
@@ -9706,7 +9707,7 @@
             <a:fld id="{87DE6118-2437-4B30-8E3C-4D2BE6020583}" type="datetimeFigureOut">
               <a:rPr lang="en-US" smtClean="0"/>
               <a:pPr/>
-              <a:t>5/12/2022</a:t>
+              <a:t>5/14/2022</a:t>
             </a:fld>
             <a:endParaRPr lang="en-US"/>
           </a:p>
@@ -27311,6 +27312,231 @@
 </p:sld>
 </file>
 
+<file path=ppt/slides/slide24.xml><?xml version="1.0" encoding="utf-8"?>
+<p:sld xmlns:a="http://schemas.openxmlformats.org/drawingml/2006/main" xmlns:r="http://schemas.openxmlformats.org/officeDocument/2006/relationships" xmlns:p="http://schemas.openxmlformats.org/presentationml/2006/main">
+  <p:cSld>
+    <p:bg>
+      <p:bgPr>
+        <a:pattFill prst="dotGrid">
+          <a:fgClr>
+            <a:schemeClr val="bg1">
+              <a:lumMod val="95000"/>
+            </a:schemeClr>
+          </a:fgClr>
+          <a:bgClr>
+            <a:schemeClr val="bg1"/>
+          </a:bgClr>
+        </a:pattFill>
+        <a:effectLst/>
+      </p:bgPr>
+    </p:bg>
+    <p:spTree>
+      <p:nvGrpSpPr>
+        <p:cNvPr id="1" name=""/>
+        <p:cNvGrpSpPr/>
+        <p:nvPr/>
+      </p:nvGrpSpPr>
+      <p:grpSpPr>
+        <a:xfrm>
+          <a:off x="0" y="0"/>
+          <a:ext cx="0" cy="0"/>
+          <a:chOff x="0" y="0"/>
+          <a:chExt cx="0" cy="0"/>
+        </a:xfrm>
+      </p:grpSpPr>
+      <p:sp>
+        <p:nvSpPr>
+          <p:cNvPr id="2" name="Title 1">
+            <a:extLst>
+              <a:ext uri="{FF2B5EF4-FFF2-40B4-BE49-F238E27FC236}">
+                <a16:creationId xmlns:a16="http://schemas.microsoft.com/office/drawing/2014/main" id="{1A0B78B4-2F1A-4972-85E6-ED9D13DA7EFF}"/>
+              </a:ext>
+            </a:extLst>
+          </p:cNvPr>
+          <p:cNvSpPr>
+            <a:spLocks noGrp="1"/>
+          </p:cNvSpPr>
+          <p:nvPr>
+            <p:ph type="title"/>
+          </p:nvPr>
+        </p:nvSpPr>
+        <p:spPr>
+          <a:xfrm>
+            <a:off x="838200" y="206429"/>
+            <a:ext cx="10515600" cy="670186"/>
+          </a:xfrm>
+        </p:spPr>
+        <p:txBody>
+          <a:bodyPr>
+            <a:normAutofit/>
+          </a:bodyPr>
+          <a:lstStyle/>
+          <a:p>
+            <a:pPr algn="ctr"/>
+            <a:r>
+              <a:rPr lang="en-US" sz="3600"/>
+              <a:t>Gestionarea comenzilor – users si staff</a:t>
+            </a:r>
+          </a:p>
+        </p:txBody>
+      </p:sp>
+      <p:sp>
+        <p:nvSpPr>
+          <p:cNvPr id="3" name="TextBox 2">
+            <a:extLst>
+              <a:ext uri="{FF2B5EF4-FFF2-40B4-BE49-F238E27FC236}">
+                <a16:creationId xmlns:a16="http://schemas.microsoft.com/office/drawing/2014/main" id="{D85A3F73-CB6E-433A-A0CE-4F2DE682EC08}"/>
+              </a:ext>
+            </a:extLst>
+          </p:cNvPr>
+          <p:cNvSpPr txBox="1"/>
+          <p:nvPr/>
+        </p:nvSpPr>
+        <p:spPr>
+          <a:xfrm>
+            <a:off x="396510" y="1084333"/>
+            <a:ext cx="5699490" cy="369332"/>
+          </a:xfrm>
+          <a:prstGeom prst="rect">
+            <a:avLst/>
+          </a:prstGeom>
+        </p:spPr>
+        <p:style>
+          <a:lnRef idx="2">
+            <a:schemeClr val="dk1">
+              <a:shade val="50000"/>
+            </a:schemeClr>
+          </a:lnRef>
+          <a:fillRef idx="1">
+            <a:schemeClr val="dk1"/>
+          </a:fillRef>
+          <a:effectRef idx="0">
+            <a:schemeClr val="dk1"/>
+          </a:effectRef>
+          <a:fontRef idx="minor">
+            <a:schemeClr val="lt1"/>
+          </a:fontRef>
+        </p:style>
+        <p:txBody>
+          <a:bodyPr wrap="square" rtlCol="0">
+            <a:spAutoFit/>
+          </a:bodyPr>
+          <a:lstStyle/>
+          <a:p>
+            <a:r>
+              <a:rPr lang="en-US"/>
+              <a:t>Vizualizarea comenzilor de catre utilizatori</a:t>
+            </a:r>
+          </a:p>
+        </p:txBody>
+      </p:sp>
+      <p:sp>
+        <p:nvSpPr>
+          <p:cNvPr id="4" name="TextBox 3">
+            <a:extLst>
+              <a:ext uri="{FF2B5EF4-FFF2-40B4-BE49-F238E27FC236}">
+                <a16:creationId xmlns:a16="http://schemas.microsoft.com/office/drawing/2014/main" id="{02E06904-D85E-4CF6-9D51-09EBE742BC44}"/>
+              </a:ext>
+            </a:extLst>
+          </p:cNvPr>
+          <p:cNvSpPr txBox="1"/>
+          <p:nvPr/>
+        </p:nvSpPr>
+        <p:spPr>
+          <a:xfrm>
+            <a:off x="396509" y="1828800"/>
+            <a:ext cx="9624105" cy="3262432"/>
+          </a:xfrm>
+          <a:prstGeom prst="rect">
+            <a:avLst/>
+          </a:prstGeom>
+          <a:noFill/>
+        </p:spPr>
+        <p:txBody>
+          <a:bodyPr wrap="square" rtlCol="0">
+            <a:spAutoFit/>
+          </a:bodyPr>
+          <a:lstStyle/>
+          <a:p>
+            <a:pPr marL="285750" indent="-285750">
+              <a:spcBef>
+                <a:spcPts val="2400"/>
+              </a:spcBef>
+              <a:buFont typeface="Wingdings" panose="05000000000000000000" pitchFamily="2" charset="2"/>
+              <a:buChar char="Ø"/>
+            </a:pPr>
+            <a:r>
+              <a:rPr lang="en-US"/>
+              <a:t>Vom afisa in setarile contului o pagina cu comenzile utilizatorului current</a:t>
+            </a:r>
+          </a:p>
+          <a:p>
+            <a:pPr marL="285750" indent="-285750">
+              <a:spcBef>
+                <a:spcPts val="2400"/>
+              </a:spcBef>
+              <a:buFont typeface="Wingdings" panose="05000000000000000000" pitchFamily="2" charset="2"/>
+              <a:buChar char="Ø"/>
+            </a:pPr>
+            <a:r>
+              <a:rPr lang="en-US"/>
+              <a:t>Vom afisa comenzile cu datele principale ale comenzii si statutul acesteia. Va trebui sa construim o functie care sa intoarca costurile comenzii – ale produselor si costul total si numarul de produse.</a:t>
+            </a:r>
+          </a:p>
+          <a:p>
+            <a:pPr marL="285750" indent="-285750">
+              <a:spcBef>
+                <a:spcPts val="2400"/>
+              </a:spcBef>
+              <a:buFont typeface="Wingdings" panose="05000000000000000000" pitchFamily="2" charset="2"/>
+              <a:buChar char="Ø"/>
+            </a:pPr>
+            <a:r>
+              <a:rPr lang="en-US"/>
+              <a:t>Vom afisa pentru fiecare comanda in parte detaliile comenzii, respectiv produsele comandate cu pret, cantitate, cost</a:t>
+            </a:r>
+          </a:p>
+          <a:p>
+            <a:pPr marL="285750" indent="-285750">
+              <a:spcBef>
+                <a:spcPts val="2400"/>
+              </a:spcBef>
+              <a:buFont typeface="Wingdings" panose="05000000000000000000" pitchFamily="2" charset="2"/>
+              <a:buChar char="Ø"/>
+            </a:pPr>
+            <a:r>
+              <a:rPr lang="en-US"/>
+              <a:t>Un utilizator va putea anula o comanda care inca nu este inca platita </a:t>
+            </a:r>
+          </a:p>
+          <a:p>
+            <a:pPr marL="285750" indent="-285750">
+              <a:spcBef>
+                <a:spcPts val="2400"/>
+              </a:spcBef>
+              <a:buFont typeface="Wingdings" panose="05000000000000000000" pitchFamily="2" charset="2"/>
+              <a:buChar char="Ø"/>
+            </a:pPr>
+            <a:r>
+              <a:rPr lang="en-US"/>
+              <a:t>Un utilizator va putea printa – afisa in format pdf orice comanda</a:t>
+            </a:r>
+          </a:p>
+        </p:txBody>
+      </p:sp>
+    </p:spTree>
+    <p:extLst>
+      <p:ext uri="{BB962C8B-B14F-4D97-AF65-F5344CB8AC3E}">
+        <p14:creationId xmlns:p14="http://schemas.microsoft.com/office/powerpoint/2010/main" val="825520949"/>
+      </p:ext>
+    </p:extLst>
+  </p:cSld>
+  <p:clrMapOvr>
+    <a:masterClrMapping/>
+  </p:clrMapOvr>
+</p:sld>
+</file>
+
 <file path=ppt/slides/slide3.xml><?xml version="1.0" encoding="utf-8"?>
 <p:sld xmlns:a="http://schemas.openxmlformats.org/drawingml/2006/main" xmlns:r="http://schemas.openxmlformats.org/officeDocument/2006/relationships" xmlns:p="http://schemas.openxmlformats.org/presentationml/2006/main">
   <p:cSld>

--- a/_presentation/prezentare_aplicatie.pptx
+++ b/_presentation/prezentare_aplicatie.pptx
@@ -31,6 +31,7 @@
     <p:sldId id="277" r:id="rId25"/>
     <p:sldId id="278" r:id="rId26"/>
     <p:sldId id="279" r:id="rId27"/>
+    <p:sldId id="280" r:id="rId28"/>
   </p:sldIdLst>
   <p:sldSz cx="12192000" cy="6858000"/>
   <p:notesSz cx="6858000" cy="9144000"/>
@@ -287,7 +288,7 @@
             <a:fld id="{87DE6118-2437-4B30-8E3C-4D2BE6020583}" type="datetimeFigureOut">
               <a:rPr lang="en-US" smtClean="0"/>
               <a:pPr/>
-              <a:t>5/14/2022</a:t>
+              <a:t>5/25/2022</a:t>
             </a:fld>
             <a:endParaRPr lang="en-US"/>
           </a:p>
@@ -488,7 +489,7 @@
           <a:p>
             <a:fld id="{87DE6118-2437-4B30-8E3C-4D2BE6020583}" type="datetimeFigureOut">
               <a:rPr lang="en-US" smtClean="0"/>
-              <a:t>5/14/2022</a:t>
+              <a:t>5/25/2022</a:t>
             </a:fld>
             <a:endParaRPr lang="en-US"/>
           </a:p>
@@ -698,7 +699,7 @@
           <a:p>
             <a:fld id="{87DE6118-2437-4B30-8E3C-4D2BE6020583}" type="datetimeFigureOut">
               <a:rPr lang="en-US" smtClean="0"/>
-              <a:t>5/14/2022</a:t>
+              <a:t>5/25/2022</a:t>
             </a:fld>
             <a:endParaRPr lang="en-US"/>
           </a:p>
@@ -911,7 +912,7 @@
             <a:fld id="{87DE6118-2437-4B30-8E3C-4D2BE6020583}" type="datetimeFigureOut">
               <a:rPr lang="en-US" smtClean="0"/>
               <a:pPr/>
-              <a:t>5/14/2022</a:t>
+              <a:t>5/25/2022</a:t>
             </a:fld>
             <a:endParaRPr lang="en-US"/>
           </a:p>
@@ -1123,7 +1124,7 @@
           <a:p>
             <a:fld id="{87DE6118-2437-4B30-8E3C-4D2BE6020583}" type="datetimeFigureOut">
               <a:rPr lang="en-US" smtClean="0"/>
-              <a:t>5/14/2022</a:t>
+              <a:t>5/25/2022</a:t>
             </a:fld>
             <a:endParaRPr lang="en-US"/>
           </a:p>
@@ -1403,7 +1404,7 @@
             <a:fld id="{87DE6118-2437-4B30-8E3C-4D2BE6020583}" type="datetimeFigureOut">
               <a:rPr lang="en-US" smtClean="0"/>
               <a:pPr/>
-              <a:t>5/14/2022</a:t>
+              <a:t>5/25/2022</a:t>
             </a:fld>
             <a:endParaRPr lang="en-US"/>
           </a:p>
@@ -1672,7 +1673,7 @@
           <a:p>
             <a:fld id="{87DE6118-2437-4B30-8E3C-4D2BE6020583}" type="datetimeFigureOut">
               <a:rPr lang="en-US" smtClean="0"/>
-              <a:t>5/14/2022</a:t>
+              <a:t>5/25/2022</a:t>
             </a:fld>
             <a:endParaRPr lang="en-US"/>
           </a:p>
@@ -2088,7 +2089,7 @@
           <a:p>
             <a:fld id="{87DE6118-2437-4B30-8E3C-4D2BE6020583}" type="datetimeFigureOut">
               <a:rPr lang="en-US" smtClean="0"/>
-              <a:t>5/14/2022</a:t>
+              <a:t>5/25/2022</a:t>
             </a:fld>
             <a:endParaRPr lang="en-US"/>
           </a:p>
@@ -2237,7 +2238,7 @@
           <a:p>
             <a:fld id="{87DE6118-2437-4B30-8E3C-4D2BE6020583}" type="datetimeFigureOut">
               <a:rPr lang="en-US" smtClean="0"/>
-              <a:t>5/14/2022</a:t>
+              <a:t>5/25/2022</a:t>
             </a:fld>
             <a:endParaRPr lang="en-US"/>
           </a:p>
@@ -2363,7 +2364,7 @@
           <a:p>
             <a:fld id="{87DE6118-2437-4B30-8E3C-4D2BE6020583}" type="datetimeFigureOut">
               <a:rPr lang="en-US" smtClean="0"/>
-              <a:t>5/14/2022</a:t>
+              <a:t>5/25/2022</a:t>
             </a:fld>
             <a:endParaRPr lang="en-US"/>
           </a:p>
@@ -2615,7 +2616,7 @@
             <a:fld id="{87DE6118-2437-4B30-8E3C-4D2BE6020583}" type="datetimeFigureOut">
               <a:rPr lang="en-US" smtClean="0"/>
               <a:pPr/>
-              <a:t>5/14/2022</a:t>
+              <a:t>5/25/2022</a:t>
             </a:fld>
             <a:endParaRPr lang="en-US"/>
           </a:p>
@@ -2835,7 +2836,7 @@
           <a:p>
             <a:fld id="{87DE6118-2437-4B30-8E3C-4D2BE6020583}" type="datetimeFigureOut">
               <a:rPr lang="en-US" smtClean="0"/>
-              <a:t>5/14/2022</a:t>
+              <a:t>5/25/2022</a:t>
             </a:fld>
             <a:endParaRPr lang="en-US"/>
           </a:p>
@@ -3261,7 +3262,7 @@
             <a:fld id="{87DE6118-2437-4B30-8E3C-4D2BE6020583}" type="datetimeFigureOut">
               <a:rPr lang="en-US" smtClean="0"/>
               <a:pPr/>
-              <a:t>5/14/2022</a:t>
+              <a:t>5/25/2022</a:t>
             </a:fld>
             <a:endParaRPr lang="en-US"/>
           </a:p>
@@ -3468,7 +3469,7 @@
           <a:p>
             <a:fld id="{87DE6118-2437-4B30-8E3C-4D2BE6020583}" type="datetimeFigureOut">
               <a:rPr lang="en-US" smtClean="0"/>
-              <a:t>5/14/2022</a:t>
+              <a:t>5/25/2022</a:t>
             </a:fld>
             <a:endParaRPr lang="en-US"/>
           </a:p>
@@ -3683,7 +3684,7 @@
           <a:p>
             <a:fld id="{87DE6118-2437-4B30-8E3C-4D2BE6020583}" type="datetimeFigureOut">
               <a:rPr lang="en-US" smtClean="0"/>
-              <a:t>5/14/2022</a:t>
+              <a:t>5/25/2022</a:t>
             </a:fld>
             <a:endParaRPr lang="en-US"/>
           </a:p>
@@ -3925,7 +3926,7 @@
             <a:fld id="{87DE6118-2437-4B30-8E3C-4D2BE6020583}" type="datetimeFigureOut">
               <a:rPr lang="en-US" smtClean="0"/>
               <a:pPr/>
-              <a:t>5/14/2022</a:t>
+              <a:t>5/25/2022</a:t>
             </a:fld>
             <a:endParaRPr lang="en-US"/>
           </a:p>
@@ -4126,7 +4127,7 @@
           <a:p>
             <a:fld id="{87DE6118-2437-4B30-8E3C-4D2BE6020583}" type="datetimeFigureOut">
               <a:rPr lang="en-US" smtClean="0"/>
-              <a:t>5/14/2022</a:t>
+              <a:t>5/25/2022</a:t>
             </a:fld>
             <a:endParaRPr lang="en-US"/>
           </a:p>
@@ -4403,7 +4404,7 @@
             <a:fld id="{87DE6118-2437-4B30-8E3C-4D2BE6020583}" type="datetimeFigureOut">
               <a:rPr lang="en-US" smtClean="0"/>
               <a:pPr/>
-              <a:t>5/14/2022</a:t>
+              <a:t>5/25/2022</a:t>
             </a:fld>
             <a:endParaRPr lang="en-US"/>
           </a:p>
@@ -4672,7 +4673,7 @@
           <a:p>
             <a:fld id="{87DE6118-2437-4B30-8E3C-4D2BE6020583}" type="datetimeFigureOut">
               <a:rPr lang="en-US" smtClean="0"/>
-              <a:t>5/14/2022</a:t>
+              <a:t>5/25/2022</a:t>
             </a:fld>
             <a:endParaRPr lang="en-US"/>
           </a:p>
@@ -5087,7 +5088,7 @@
           <a:p>
             <a:fld id="{87DE6118-2437-4B30-8E3C-4D2BE6020583}" type="datetimeFigureOut">
               <a:rPr lang="en-US" smtClean="0"/>
-              <a:t>5/14/2022</a:t>
+              <a:t>5/25/2022</a:t>
             </a:fld>
             <a:endParaRPr lang="en-US"/>
           </a:p>
@@ -5229,7 +5230,7 @@
           <a:p>
             <a:fld id="{87DE6118-2437-4B30-8E3C-4D2BE6020583}" type="datetimeFigureOut">
               <a:rPr lang="en-US" smtClean="0"/>
-              <a:t>5/14/2022</a:t>
+              <a:t>5/25/2022</a:t>
             </a:fld>
             <a:endParaRPr lang="en-US"/>
           </a:p>
@@ -5342,7 +5343,7 @@
           <a:p>
             <a:fld id="{87DE6118-2437-4B30-8E3C-4D2BE6020583}" type="datetimeFigureOut">
               <a:rPr lang="en-US" smtClean="0"/>
-              <a:t>5/14/2022</a:t>
+              <a:t>5/25/2022</a:t>
             </a:fld>
             <a:endParaRPr lang="en-US"/>
           </a:p>
@@ -5619,7 +5620,7 @@
             <a:fld id="{87DE6118-2437-4B30-8E3C-4D2BE6020583}" type="datetimeFigureOut">
               <a:rPr lang="en-US" smtClean="0"/>
               <a:pPr/>
-              <a:t>5/14/2022</a:t>
+              <a:t>5/25/2022</a:t>
             </a:fld>
             <a:endParaRPr lang="en-US"/>
           </a:p>
@@ -5934,7 +5935,7 @@
             <a:fld id="{87DE6118-2437-4B30-8E3C-4D2BE6020583}" type="datetimeFigureOut">
               <a:rPr lang="en-US" smtClean="0"/>
               <a:pPr/>
-              <a:t>5/14/2022</a:t>
+              <a:t>5/25/2022</a:t>
             </a:fld>
             <a:endParaRPr lang="en-US"/>
           </a:p>
@@ -6225,7 +6226,7 @@
             <a:fld id="{87DE6118-2437-4B30-8E3C-4D2BE6020583}" type="datetimeFigureOut">
               <a:rPr lang="en-US" smtClean="0"/>
               <a:pPr/>
-              <a:t>5/14/2022</a:t>
+              <a:t>5/25/2022</a:t>
             </a:fld>
             <a:endParaRPr lang="en-US"/>
           </a:p>
@@ -6426,7 +6427,7 @@
           <a:p>
             <a:fld id="{87DE6118-2437-4B30-8E3C-4D2BE6020583}" type="datetimeFigureOut">
               <a:rPr lang="en-US" smtClean="0"/>
-              <a:t>5/14/2022</a:t>
+              <a:t>5/25/2022</a:t>
             </a:fld>
             <a:endParaRPr lang="en-US"/>
           </a:p>
@@ -6636,7 +6637,7 @@
           <a:p>
             <a:fld id="{87DE6118-2437-4B30-8E3C-4D2BE6020583}" type="datetimeFigureOut">
               <a:rPr lang="en-US" smtClean="0"/>
-              <a:t>5/14/2022</a:t>
+              <a:t>5/25/2022</a:t>
             </a:fld>
             <a:endParaRPr lang="en-US"/>
           </a:p>
@@ -6904,7 +6905,7 @@
           <a:p>
             <a:fld id="{87DE6118-2437-4B30-8E3C-4D2BE6020583}" type="datetimeFigureOut">
               <a:rPr lang="en-US" smtClean="0"/>
-              <a:t>5/14/2022</a:t>
+              <a:t>5/25/2022</a:t>
             </a:fld>
             <a:endParaRPr lang="en-US"/>
           </a:p>
@@ -7319,7 +7320,7 @@
           <a:p>
             <a:fld id="{87DE6118-2437-4B30-8E3C-4D2BE6020583}" type="datetimeFigureOut">
               <a:rPr lang="en-US" smtClean="0"/>
-              <a:t>5/14/2022</a:t>
+              <a:t>5/25/2022</a:t>
             </a:fld>
             <a:endParaRPr lang="en-US"/>
           </a:p>
@@ -7461,7 +7462,7 @@
           <a:p>
             <a:fld id="{87DE6118-2437-4B30-8E3C-4D2BE6020583}" type="datetimeFigureOut">
               <a:rPr lang="en-US" smtClean="0"/>
-              <a:t>5/14/2022</a:t>
+              <a:t>5/25/2022</a:t>
             </a:fld>
             <a:endParaRPr lang="en-US"/>
           </a:p>
@@ -7574,7 +7575,7 @@
           <a:p>
             <a:fld id="{87DE6118-2437-4B30-8E3C-4D2BE6020583}" type="datetimeFigureOut">
               <a:rPr lang="en-US" smtClean="0"/>
-              <a:t>5/14/2022</a:t>
+              <a:t>5/25/2022</a:t>
             </a:fld>
             <a:endParaRPr lang="en-US"/>
           </a:p>
@@ -7888,7 +7889,7 @@
             <a:fld id="{87DE6118-2437-4B30-8E3C-4D2BE6020583}" type="datetimeFigureOut">
               <a:rPr lang="en-US" smtClean="0"/>
               <a:pPr/>
-              <a:t>5/14/2022</a:t>
+              <a:t>5/25/2022</a:t>
             </a:fld>
             <a:endParaRPr lang="en-US"/>
           </a:p>
@@ -8179,7 +8180,7 @@
             <a:fld id="{87DE6118-2437-4B30-8E3C-4D2BE6020583}" type="datetimeFigureOut">
               <a:rPr lang="en-US" smtClean="0"/>
               <a:pPr/>
-              <a:t>5/14/2022</a:t>
+              <a:t>5/25/2022</a:t>
             </a:fld>
             <a:endParaRPr lang="en-US"/>
           </a:p>
@@ -8424,7 +8425,7 @@
             <a:fld id="{87DE6118-2437-4B30-8E3C-4D2BE6020583}" type="datetimeFigureOut">
               <a:rPr lang="en-US" smtClean="0"/>
               <a:pPr/>
-              <a:t>5/14/2022</a:t>
+              <a:t>5/25/2022</a:t>
             </a:fld>
             <a:endParaRPr lang="en-US"/>
           </a:p>
@@ -9061,7 +9062,7 @@
             <a:fld id="{87DE6118-2437-4B30-8E3C-4D2BE6020583}" type="datetimeFigureOut">
               <a:rPr lang="en-US" smtClean="0"/>
               <a:pPr/>
-              <a:t>5/14/2022</a:t>
+              <a:t>5/25/2022</a:t>
             </a:fld>
             <a:endParaRPr lang="en-US"/>
           </a:p>
@@ -9707,7 +9708,7 @@
             <a:fld id="{87DE6118-2437-4B30-8E3C-4D2BE6020583}" type="datetimeFigureOut">
               <a:rPr lang="en-US" smtClean="0"/>
               <a:pPr/>
-              <a:t>5/14/2022</a:t>
+              <a:t>5/25/2022</a:t>
             </a:fld>
             <a:endParaRPr lang="en-US"/>
           </a:p>
@@ -27537,6 +27538,1012 @@
 </p:sld>
 </file>
 
+<file path=ppt/slides/slide25.xml><?xml version="1.0" encoding="utf-8"?>
+<p:sld xmlns:a="http://schemas.openxmlformats.org/drawingml/2006/main" xmlns:r="http://schemas.openxmlformats.org/officeDocument/2006/relationships" xmlns:p="http://schemas.openxmlformats.org/presentationml/2006/main">
+  <p:cSld>
+    <p:bg>
+      <p:bgPr>
+        <a:pattFill prst="dotGrid">
+          <a:fgClr>
+            <a:schemeClr val="bg1">
+              <a:lumMod val="95000"/>
+            </a:schemeClr>
+          </a:fgClr>
+          <a:bgClr>
+            <a:schemeClr val="bg1"/>
+          </a:bgClr>
+        </a:pattFill>
+        <a:effectLst/>
+      </p:bgPr>
+    </p:bg>
+    <p:spTree>
+      <p:nvGrpSpPr>
+        <p:cNvPr id="1" name=""/>
+        <p:cNvGrpSpPr/>
+        <p:nvPr/>
+      </p:nvGrpSpPr>
+      <p:grpSpPr>
+        <a:xfrm>
+          <a:off x="0" y="0"/>
+          <a:ext cx="0" cy="0"/>
+          <a:chOff x="0" y="0"/>
+          <a:chExt cx="0" cy="0"/>
+        </a:xfrm>
+      </p:grpSpPr>
+      <p:sp>
+        <p:nvSpPr>
+          <p:cNvPr id="2" name="Title 1">
+            <a:extLst>
+              <a:ext uri="{FF2B5EF4-FFF2-40B4-BE49-F238E27FC236}">
+                <a16:creationId xmlns:a16="http://schemas.microsoft.com/office/drawing/2014/main" id="{1A0B78B4-2F1A-4972-85E6-ED9D13DA7EFF}"/>
+              </a:ext>
+            </a:extLst>
+          </p:cNvPr>
+          <p:cNvSpPr>
+            <a:spLocks noGrp="1"/>
+          </p:cNvSpPr>
+          <p:nvPr>
+            <p:ph type="title"/>
+          </p:nvPr>
+        </p:nvSpPr>
+        <p:spPr>
+          <a:xfrm>
+            <a:off x="838200" y="206429"/>
+            <a:ext cx="10515600" cy="670186"/>
+          </a:xfrm>
+        </p:spPr>
+        <p:txBody>
+          <a:bodyPr>
+            <a:normAutofit/>
+          </a:bodyPr>
+          <a:lstStyle/>
+          <a:p>
+            <a:pPr algn="ctr"/>
+            <a:r>
+              <a:rPr lang="en-US" sz="3600"/>
+              <a:t>Gestionarea comenzilor – users si staff</a:t>
+            </a:r>
+          </a:p>
+        </p:txBody>
+      </p:sp>
+      <p:sp>
+        <p:nvSpPr>
+          <p:cNvPr id="3" name="TextBox 2">
+            <a:extLst>
+              <a:ext uri="{FF2B5EF4-FFF2-40B4-BE49-F238E27FC236}">
+                <a16:creationId xmlns:a16="http://schemas.microsoft.com/office/drawing/2014/main" id="{D85A3F73-CB6E-433A-A0CE-4F2DE682EC08}"/>
+              </a:ext>
+            </a:extLst>
+          </p:cNvPr>
+          <p:cNvSpPr txBox="1"/>
+          <p:nvPr/>
+        </p:nvSpPr>
+        <p:spPr>
+          <a:xfrm>
+            <a:off x="396510" y="1084333"/>
+            <a:ext cx="5699490" cy="369332"/>
+          </a:xfrm>
+          <a:prstGeom prst="rect">
+            <a:avLst/>
+          </a:prstGeom>
+        </p:spPr>
+        <p:style>
+          <a:lnRef idx="2">
+            <a:schemeClr val="dk1">
+              <a:shade val="50000"/>
+            </a:schemeClr>
+          </a:lnRef>
+          <a:fillRef idx="1">
+            <a:schemeClr val="dk1"/>
+          </a:fillRef>
+          <a:effectRef idx="0">
+            <a:schemeClr val="dk1"/>
+          </a:effectRef>
+          <a:fontRef idx="minor">
+            <a:schemeClr val="lt1"/>
+          </a:fontRef>
+        </p:style>
+        <p:txBody>
+          <a:bodyPr wrap="square" rtlCol="0">
+            <a:spAutoFit/>
+          </a:bodyPr>
+          <a:lstStyle/>
+          <a:p>
+            <a:r>
+              <a:rPr lang="en-US"/>
+              <a:t>Trimiterea unu emai de confirmare a comenzii utilizatorului</a:t>
+            </a:r>
+          </a:p>
+        </p:txBody>
+      </p:sp>
+      <p:sp>
+        <p:nvSpPr>
+          <p:cNvPr id="5" name="TextBox 4">
+            <a:extLst>
+              <a:ext uri="{FF2B5EF4-FFF2-40B4-BE49-F238E27FC236}">
+                <a16:creationId xmlns:a16="http://schemas.microsoft.com/office/drawing/2014/main" id="{5ABE2012-5834-4AF2-8005-360C22F5D538}"/>
+              </a:ext>
+            </a:extLst>
+          </p:cNvPr>
+          <p:cNvSpPr txBox="1"/>
+          <p:nvPr/>
+        </p:nvSpPr>
+        <p:spPr>
+          <a:xfrm>
+            <a:off x="998289" y="2021747"/>
+            <a:ext cx="3112317" cy="923330"/>
+          </a:xfrm>
+          <a:prstGeom prst="rect">
+            <a:avLst/>
+          </a:prstGeom>
+        </p:spPr>
+        <p:style>
+          <a:lnRef idx="2">
+            <a:schemeClr val="dk1"/>
+          </a:lnRef>
+          <a:fillRef idx="1">
+            <a:schemeClr val="lt1"/>
+          </a:fillRef>
+          <a:effectRef idx="0">
+            <a:schemeClr val="dk1"/>
+          </a:effectRef>
+          <a:fontRef idx="minor">
+            <a:schemeClr val="dk1"/>
+          </a:fontRef>
+        </p:style>
+        <p:txBody>
+          <a:bodyPr wrap="square" rtlCol="0">
+            <a:spAutoFit/>
+          </a:bodyPr>
+          <a:lstStyle/>
+          <a:p>
+            <a:r>
+              <a:rPr lang="en-US"/>
+              <a:t>Crearea comenzii in componenta livewire </a:t>
+            </a:r>
+            <a:r>
+              <a:rPr lang="en-US">
+                <a:solidFill>
+                  <a:schemeClr val="accent1">
+                    <a:lumMod val="75000"/>
+                  </a:schemeClr>
+                </a:solidFill>
+              </a:rPr>
+              <a:t>Products/Check</a:t>
+            </a:r>
+          </a:p>
+        </p:txBody>
+      </p:sp>
+      <p:sp>
+        <p:nvSpPr>
+          <p:cNvPr id="6" name="TextBox 5">
+            <a:extLst>
+              <a:ext uri="{FF2B5EF4-FFF2-40B4-BE49-F238E27FC236}">
+                <a16:creationId xmlns:a16="http://schemas.microsoft.com/office/drawing/2014/main" id="{8612B907-BB3F-4622-A786-8BB95F6EEB74}"/>
+              </a:ext>
+            </a:extLst>
+          </p:cNvPr>
+          <p:cNvSpPr txBox="1"/>
+          <p:nvPr/>
+        </p:nvSpPr>
+        <p:spPr>
+          <a:xfrm>
+            <a:off x="4941116" y="2021747"/>
+            <a:ext cx="2659310" cy="923330"/>
+          </a:xfrm>
+          <a:prstGeom prst="rect">
+            <a:avLst/>
+          </a:prstGeom>
+        </p:spPr>
+        <p:style>
+          <a:lnRef idx="1">
+            <a:schemeClr val="accent4"/>
+          </a:lnRef>
+          <a:fillRef idx="2">
+            <a:schemeClr val="accent4"/>
+          </a:fillRef>
+          <a:effectRef idx="1">
+            <a:schemeClr val="accent4"/>
+          </a:effectRef>
+          <a:fontRef idx="minor">
+            <a:schemeClr val="dk1"/>
+          </a:fontRef>
+        </p:style>
+        <p:txBody>
+          <a:bodyPr wrap="square" rtlCol="0">
+            <a:spAutoFit/>
+          </a:bodyPr>
+          <a:lstStyle/>
+          <a:p>
+            <a:r>
+              <a:rPr lang="en-US"/>
+              <a:t>Evenimentul </a:t>
+            </a:r>
+            <a:r>
+              <a:rPr lang="en-US" b="0">
+                <a:solidFill>
+                  <a:srgbClr val="FF0000"/>
+                </a:solidFill>
+                <a:effectLst/>
+                <a:latin typeface="Consolas" panose="020B0609020204030204" pitchFamily="49" charset="0"/>
+              </a:rPr>
+              <a:t>NewOrderEvent</a:t>
+            </a:r>
+          </a:p>
+          <a:p>
+            <a:endParaRPr lang="en-US"/>
+          </a:p>
+        </p:txBody>
+      </p:sp>
+      <p:cxnSp>
+        <p:nvCxnSpPr>
+          <p:cNvPr id="8" name="Straight Arrow Connector 7">
+            <a:extLst>
+              <a:ext uri="{FF2B5EF4-FFF2-40B4-BE49-F238E27FC236}">
+                <a16:creationId xmlns:a16="http://schemas.microsoft.com/office/drawing/2014/main" id="{5EB0095B-11EB-49E1-883F-65C3DF623545}"/>
+              </a:ext>
+            </a:extLst>
+          </p:cNvPr>
+          <p:cNvCxnSpPr>
+            <a:stCxn id="5" idx="3"/>
+            <a:endCxn id="6" idx="1"/>
+          </p:cNvCxnSpPr>
+          <p:nvPr/>
+        </p:nvCxnSpPr>
+        <p:spPr>
+          <a:xfrm>
+            <a:off x="4110606" y="2483412"/>
+            <a:ext cx="830510" cy="0"/>
+          </a:xfrm>
+          <a:prstGeom prst="straightConnector1">
+            <a:avLst/>
+          </a:prstGeom>
+          <a:ln>
+            <a:tailEnd type="triangle"/>
+          </a:ln>
+        </p:spPr>
+        <p:style>
+          <a:lnRef idx="1">
+            <a:schemeClr val="accent1"/>
+          </a:lnRef>
+          <a:fillRef idx="0">
+            <a:schemeClr val="accent1"/>
+          </a:fillRef>
+          <a:effectRef idx="0">
+            <a:schemeClr val="accent1"/>
+          </a:effectRef>
+          <a:fontRef idx="minor">
+            <a:schemeClr val="tx1"/>
+          </a:fontRef>
+        </p:style>
+      </p:cxnSp>
+      <p:grpSp>
+        <p:nvGrpSpPr>
+          <p:cNvPr id="13" name="Group 12">
+            <a:extLst>
+              <a:ext uri="{FF2B5EF4-FFF2-40B4-BE49-F238E27FC236}">
+                <a16:creationId xmlns:a16="http://schemas.microsoft.com/office/drawing/2014/main" id="{07D98C48-84BF-4090-8A30-F04AA3C136C6}"/>
+              </a:ext>
+            </a:extLst>
+          </p:cNvPr>
+          <p:cNvGrpSpPr/>
+          <p:nvPr/>
+        </p:nvGrpSpPr>
+        <p:grpSpPr>
+          <a:xfrm>
+            <a:off x="9013272" y="1686133"/>
+            <a:ext cx="2340528" cy="1594558"/>
+            <a:chOff x="8053433" y="1535185"/>
+            <a:chExt cx="2340528" cy="1594558"/>
+          </a:xfrm>
+        </p:grpSpPr>
+        <p:sp>
+          <p:nvSpPr>
+            <p:cNvPr id="10" name="TextBox 9">
+              <a:extLst>
+                <a:ext uri="{FF2B5EF4-FFF2-40B4-BE49-F238E27FC236}">
+                  <a16:creationId xmlns:a16="http://schemas.microsoft.com/office/drawing/2014/main" id="{A1C653D5-CD2E-4739-9DAD-AEE7DE03D6B1}"/>
+                </a:ext>
+              </a:extLst>
+            </p:cNvPr>
+            <p:cNvSpPr txBox="1"/>
+            <p:nvPr/>
+          </p:nvSpPr>
+          <p:spPr>
+            <a:xfrm>
+              <a:off x="8053433" y="1535185"/>
+              <a:ext cx="2340528" cy="646331"/>
+            </a:xfrm>
+            <a:prstGeom prst="rect">
+              <a:avLst/>
+            </a:prstGeom>
+          </p:spPr>
+          <p:style>
+            <a:lnRef idx="1">
+              <a:schemeClr val="accent6"/>
+            </a:lnRef>
+            <a:fillRef idx="2">
+              <a:schemeClr val="accent6"/>
+            </a:fillRef>
+            <a:effectRef idx="1">
+              <a:schemeClr val="accent6"/>
+            </a:effectRef>
+            <a:fontRef idx="minor">
+              <a:schemeClr val="dk1"/>
+            </a:fontRef>
+          </p:style>
+          <p:txBody>
+            <a:bodyPr wrap="square" rtlCol="0">
+              <a:spAutoFit/>
+            </a:bodyPr>
+            <a:lstStyle/>
+            <a:p>
+              <a:r>
+                <a:rPr lang="en-US"/>
+                <a:t>Email de confirmare catre utilizator</a:t>
+              </a:r>
+            </a:p>
+          </p:txBody>
+        </p:sp>
+        <p:sp>
+          <p:nvSpPr>
+            <p:cNvPr id="11" name="TextBox 10">
+              <a:extLst>
+                <a:ext uri="{FF2B5EF4-FFF2-40B4-BE49-F238E27FC236}">
+                  <a16:creationId xmlns:a16="http://schemas.microsoft.com/office/drawing/2014/main" id="{967123C6-5237-4059-9C25-58E841FA4AE8}"/>
+                </a:ext>
+              </a:extLst>
+            </p:cNvPr>
+            <p:cNvSpPr txBox="1"/>
+            <p:nvPr/>
+          </p:nvSpPr>
+          <p:spPr>
+            <a:xfrm>
+              <a:off x="8053433" y="2286298"/>
+              <a:ext cx="2340528" cy="369332"/>
+            </a:xfrm>
+            <a:prstGeom prst="rect">
+              <a:avLst/>
+            </a:prstGeom>
+          </p:spPr>
+          <p:style>
+            <a:lnRef idx="1">
+              <a:schemeClr val="accent6"/>
+            </a:lnRef>
+            <a:fillRef idx="2">
+              <a:schemeClr val="accent6"/>
+            </a:fillRef>
+            <a:effectRef idx="1">
+              <a:schemeClr val="accent6"/>
+            </a:effectRef>
+            <a:fontRef idx="minor">
+              <a:schemeClr val="dk1"/>
+            </a:fontRef>
+          </p:style>
+          <p:txBody>
+            <a:bodyPr wrap="square" rtlCol="0">
+              <a:spAutoFit/>
+            </a:bodyPr>
+            <a:lstStyle/>
+            <a:p>
+              <a:r>
+                <a:rPr lang="en-US"/>
+                <a:t>Notificare care staff</a:t>
+              </a:r>
+            </a:p>
+          </p:txBody>
+        </p:sp>
+        <p:sp>
+          <p:nvSpPr>
+            <p:cNvPr id="12" name="TextBox 11">
+              <a:extLst>
+                <a:ext uri="{FF2B5EF4-FFF2-40B4-BE49-F238E27FC236}">
+                  <a16:creationId xmlns:a16="http://schemas.microsoft.com/office/drawing/2014/main" id="{D8C4C21F-B8AD-4E2D-A16A-917A43292CE1}"/>
+                </a:ext>
+              </a:extLst>
+            </p:cNvPr>
+            <p:cNvSpPr txBox="1"/>
+            <p:nvPr/>
+          </p:nvSpPr>
+          <p:spPr>
+            <a:xfrm>
+              <a:off x="8053433" y="2760411"/>
+              <a:ext cx="2340528" cy="369332"/>
+            </a:xfrm>
+            <a:prstGeom prst="rect">
+              <a:avLst/>
+            </a:prstGeom>
+          </p:spPr>
+          <p:style>
+            <a:lnRef idx="1">
+              <a:schemeClr val="accent6"/>
+            </a:lnRef>
+            <a:fillRef idx="2">
+              <a:schemeClr val="accent6"/>
+            </a:fillRef>
+            <a:effectRef idx="1">
+              <a:schemeClr val="accent6"/>
+            </a:effectRef>
+            <a:fontRef idx="minor">
+              <a:schemeClr val="dk1"/>
+            </a:fontRef>
+          </p:style>
+          <p:txBody>
+            <a:bodyPr wrap="square" rtlCol="0">
+              <a:spAutoFit/>
+            </a:bodyPr>
+            <a:lstStyle/>
+            <a:p>
+              <a:r>
+                <a:rPr lang="en-US"/>
+                <a:t>Actualizare stocuri</a:t>
+              </a:r>
+            </a:p>
+          </p:txBody>
+        </p:sp>
+      </p:grpSp>
+      <p:cxnSp>
+        <p:nvCxnSpPr>
+          <p:cNvPr id="15" name="Straight Arrow Connector 14">
+            <a:extLst>
+              <a:ext uri="{FF2B5EF4-FFF2-40B4-BE49-F238E27FC236}">
+                <a16:creationId xmlns:a16="http://schemas.microsoft.com/office/drawing/2014/main" id="{500F1565-C429-46CF-AB66-E1C24CC7A143}"/>
+              </a:ext>
+            </a:extLst>
+          </p:cNvPr>
+          <p:cNvCxnSpPr>
+            <a:stCxn id="6" idx="3"/>
+            <a:endCxn id="10" idx="1"/>
+          </p:cNvCxnSpPr>
+          <p:nvPr/>
+        </p:nvCxnSpPr>
+        <p:spPr>
+          <a:xfrm flipV="1">
+            <a:off x="7600426" y="2009299"/>
+            <a:ext cx="1412846" cy="474113"/>
+          </a:xfrm>
+          <a:prstGeom prst="straightConnector1">
+            <a:avLst/>
+          </a:prstGeom>
+          <a:ln>
+            <a:tailEnd type="triangle"/>
+          </a:ln>
+        </p:spPr>
+        <p:style>
+          <a:lnRef idx="1">
+            <a:schemeClr val="accent1"/>
+          </a:lnRef>
+          <a:fillRef idx="0">
+            <a:schemeClr val="accent1"/>
+          </a:fillRef>
+          <a:effectRef idx="0">
+            <a:schemeClr val="accent1"/>
+          </a:effectRef>
+          <a:fontRef idx="minor">
+            <a:schemeClr val="tx1"/>
+          </a:fontRef>
+        </p:style>
+      </p:cxnSp>
+      <p:cxnSp>
+        <p:nvCxnSpPr>
+          <p:cNvPr id="17" name="Straight Arrow Connector 16">
+            <a:extLst>
+              <a:ext uri="{FF2B5EF4-FFF2-40B4-BE49-F238E27FC236}">
+                <a16:creationId xmlns:a16="http://schemas.microsoft.com/office/drawing/2014/main" id="{89EF1C7F-D25F-495C-91CC-693C02706748}"/>
+              </a:ext>
+            </a:extLst>
+          </p:cNvPr>
+          <p:cNvCxnSpPr>
+            <a:stCxn id="6" idx="3"/>
+            <a:endCxn id="11" idx="1"/>
+          </p:cNvCxnSpPr>
+          <p:nvPr/>
+        </p:nvCxnSpPr>
+        <p:spPr>
+          <a:xfrm>
+            <a:off x="7600426" y="2483412"/>
+            <a:ext cx="1412846" cy="138500"/>
+          </a:xfrm>
+          <a:prstGeom prst="straightConnector1">
+            <a:avLst/>
+          </a:prstGeom>
+          <a:ln>
+            <a:tailEnd type="triangle"/>
+          </a:ln>
+        </p:spPr>
+        <p:style>
+          <a:lnRef idx="1">
+            <a:schemeClr val="accent1"/>
+          </a:lnRef>
+          <a:fillRef idx="0">
+            <a:schemeClr val="accent1"/>
+          </a:fillRef>
+          <a:effectRef idx="0">
+            <a:schemeClr val="accent1"/>
+          </a:effectRef>
+          <a:fontRef idx="minor">
+            <a:schemeClr val="tx1"/>
+          </a:fontRef>
+        </p:style>
+      </p:cxnSp>
+      <p:cxnSp>
+        <p:nvCxnSpPr>
+          <p:cNvPr id="19" name="Straight Arrow Connector 18">
+            <a:extLst>
+              <a:ext uri="{FF2B5EF4-FFF2-40B4-BE49-F238E27FC236}">
+                <a16:creationId xmlns:a16="http://schemas.microsoft.com/office/drawing/2014/main" id="{57B3EA70-0DAB-4771-9144-FA7DB4745F9C}"/>
+              </a:ext>
+            </a:extLst>
+          </p:cNvPr>
+          <p:cNvCxnSpPr>
+            <a:stCxn id="6" idx="3"/>
+            <a:endCxn id="12" idx="1"/>
+          </p:cNvCxnSpPr>
+          <p:nvPr/>
+        </p:nvCxnSpPr>
+        <p:spPr>
+          <a:xfrm>
+            <a:off x="7600426" y="2483412"/>
+            <a:ext cx="1412846" cy="612613"/>
+          </a:xfrm>
+          <a:prstGeom prst="straightConnector1">
+            <a:avLst/>
+          </a:prstGeom>
+          <a:ln>
+            <a:tailEnd type="triangle"/>
+          </a:ln>
+        </p:spPr>
+        <p:style>
+          <a:lnRef idx="1">
+            <a:schemeClr val="accent1"/>
+          </a:lnRef>
+          <a:fillRef idx="0">
+            <a:schemeClr val="accent1"/>
+          </a:fillRef>
+          <a:effectRef idx="0">
+            <a:schemeClr val="accent1"/>
+          </a:effectRef>
+          <a:fontRef idx="minor">
+            <a:schemeClr val="tx1"/>
+          </a:fontRef>
+        </p:style>
+      </p:cxnSp>
+      <p:sp>
+        <p:nvSpPr>
+          <p:cNvPr id="20" name="TextBox 19">
+            <a:extLst>
+              <a:ext uri="{FF2B5EF4-FFF2-40B4-BE49-F238E27FC236}">
+                <a16:creationId xmlns:a16="http://schemas.microsoft.com/office/drawing/2014/main" id="{50922093-580D-42CD-B15E-0C175BC34CBE}"/>
+              </a:ext>
+            </a:extLst>
+          </p:cNvPr>
+          <p:cNvSpPr txBox="1"/>
+          <p:nvPr/>
+        </p:nvSpPr>
+        <p:spPr>
+          <a:xfrm>
+            <a:off x="1686187" y="3900881"/>
+            <a:ext cx="1895912" cy="369332"/>
+          </a:xfrm>
+          <a:prstGeom prst="rect">
+            <a:avLst/>
+          </a:prstGeom>
+        </p:spPr>
+        <p:style>
+          <a:lnRef idx="2">
+            <a:schemeClr val="accent1">
+              <a:shade val="50000"/>
+            </a:schemeClr>
+          </a:lnRef>
+          <a:fillRef idx="1">
+            <a:schemeClr val="accent1"/>
+          </a:fillRef>
+          <a:effectRef idx="0">
+            <a:schemeClr val="accent1"/>
+          </a:effectRef>
+          <a:fontRef idx="minor">
+            <a:schemeClr val="lt1"/>
+          </a:fontRef>
+        </p:style>
+        <p:txBody>
+          <a:bodyPr wrap="square" rtlCol="0">
+            <a:spAutoFit/>
+          </a:bodyPr>
+          <a:lstStyle/>
+          <a:p>
+            <a:r>
+              <a:rPr lang="en-US"/>
+              <a:t>Events</a:t>
+            </a:r>
+          </a:p>
+        </p:txBody>
+      </p:sp>
+      <p:sp>
+        <p:nvSpPr>
+          <p:cNvPr id="21" name="TextBox 20">
+            <a:extLst>
+              <a:ext uri="{FF2B5EF4-FFF2-40B4-BE49-F238E27FC236}">
+                <a16:creationId xmlns:a16="http://schemas.microsoft.com/office/drawing/2014/main" id="{32138E15-3612-4E79-8A73-967D25FD489F}"/>
+              </a:ext>
+            </a:extLst>
+          </p:cNvPr>
+          <p:cNvSpPr txBox="1"/>
+          <p:nvPr/>
+        </p:nvSpPr>
+        <p:spPr>
+          <a:xfrm>
+            <a:off x="4110605" y="3816991"/>
+            <a:ext cx="3573711" cy="1384995"/>
+          </a:xfrm>
+          <a:prstGeom prst="rect">
+            <a:avLst/>
+          </a:prstGeom>
+          <a:noFill/>
+        </p:spPr>
+        <p:txBody>
+          <a:bodyPr wrap="square" rtlCol="0">
+            <a:spAutoFit/>
+          </a:bodyPr>
+          <a:lstStyle/>
+          <a:p>
+            <a:r>
+              <a:rPr lang="en-US"/>
+              <a:t>EventServiceProvider</a:t>
+            </a:r>
+          </a:p>
+          <a:p>
+            <a:r>
+              <a:rPr lang="en-US" sz="1200" b="0">
+                <a:solidFill>
+                  <a:srgbClr val="B294BB"/>
+                </a:solidFill>
+                <a:effectLst/>
+                <a:latin typeface="Consolas" panose="020B0609020204030204" pitchFamily="49" charset="0"/>
+              </a:rPr>
+              <a:t>public</a:t>
+            </a:r>
+            <a:r>
+              <a:rPr lang="en-US" sz="1200" b="0">
+                <a:solidFill>
+                  <a:srgbClr val="F9E7C4"/>
+                </a:solidFill>
+                <a:effectLst/>
+                <a:latin typeface="Consolas" panose="020B0609020204030204" pitchFamily="49" charset="0"/>
+              </a:rPr>
+              <a:t> </a:t>
+            </a:r>
+            <a:r>
+              <a:rPr lang="en-US" sz="1200" b="0">
+                <a:solidFill>
+                  <a:srgbClr val="B294BB"/>
+                </a:solidFill>
+                <a:effectLst/>
+                <a:latin typeface="Consolas" panose="020B0609020204030204" pitchFamily="49" charset="0"/>
+              </a:rPr>
+              <a:t>function</a:t>
+            </a:r>
+            <a:r>
+              <a:rPr lang="en-US" sz="1200" b="0">
+                <a:solidFill>
+                  <a:srgbClr val="F9E7C4"/>
+                </a:solidFill>
+                <a:effectLst/>
+                <a:latin typeface="Consolas" panose="020B0609020204030204" pitchFamily="49" charset="0"/>
+              </a:rPr>
+              <a:t> </a:t>
+            </a:r>
+            <a:r>
+              <a:rPr lang="en-US" sz="1200" b="0">
+                <a:solidFill>
+                  <a:srgbClr val="81A2BE"/>
+                </a:solidFill>
+                <a:effectLst/>
+                <a:latin typeface="Consolas" panose="020B0609020204030204" pitchFamily="49" charset="0"/>
+              </a:rPr>
+              <a:t>shouldDiscoverEvents</a:t>
+            </a:r>
+            <a:r>
+              <a:rPr lang="en-US" sz="1200" b="0">
+                <a:solidFill>
+                  <a:srgbClr val="81755D"/>
+                </a:solidFill>
+                <a:effectLst/>
+                <a:latin typeface="Consolas" panose="020B0609020204030204" pitchFamily="49" charset="0"/>
+              </a:rPr>
+              <a:t>()</a:t>
+            </a:r>
+            <a:endParaRPr lang="en-US" sz="1200" b="0">
+              <a:solidFill>
+                <a:srgbClr val="F9E7C4"/>
+              </a:solidFill>
+              <a:effectLst/>
+              <a:latin typeface="Consolas" panose="020B0609020204030204" pitchFamily="49" charset="0"/>
+            </a:endParaRPr>
+          </a:p>
+          <a:p>
+            <a:r>
+              <a:rPr lang="en-US" sz="1200" b="0">
+                <a:solidFill>
+                  <a:srgbClr val="F9E7C4"/>
+                </a:solidFill>
+                <a:effectLst/>
+                <a:latin typeface="Consolas" panose="020B0609020204030204" pitchFamily="49" charset="0"/>
+              </a:rPr>
+              <a:t>    </a:t>
+            </a:r>
+            <a:r>
+              <a:rPr lang="en-US" sz="1200" b="0">
+                <a:solidFill>
+                  <a:srgbClr val="81755D"/>
+                </a:solidFill>
+                <a:effectLst/>
+                <a:latin typeface="Consolas" panose="020B0609020204030204" pitchFamily="49" charset="0"/>
+              </a:rPr>
+              <a:t>{</a:t>
+            </a:r>
+            <a:endParaRPr lang="en-US" sz="1200" b="0">
+              <a:solidFill>
+                <a:srgbClr val="F9E7C4"/>
+              </a:solidFill>
+              <a:effectLst/>
+              <a:latin typeface="Consolas" panose="020B0609020204030204" pitchFamily="49" charset="0"/>
+            </a:endParaRPr>
+          </a:p>
+          <a:p>
+            <a:r>
+              <a:rPr lang="en-US" sz="1200" b="0">
+                <a:solidFill>
+                  <a:srgbClr val="F9E7C4"/>
+                </a:solidFill>
+                <a:effectLst/>
+                <a:latin typeface="Consolas" panose="020B0609020204030204" pitchFamily="49" charset="0"/>
+              </a:rPr>
+              <a:t>        </a:t>
+            </a:r>
+            <a:r>
+              <a:rPr lang="en-US" sz="1200" b="0">
+                <a:solidFill>
+                  <a:srgbClr val="B294BB"/>
+                </a:solidFill>
+                <a:effectLst/>
+                <a:latin typeface="Consolas" panose="020B0609020204030204" pitchFamily="49" charset="0"/>
+              </a:rPr>
+              <a:t>return</a:t>
+            </a:r>
+            <a:r>
+              <a:rPr lang="en-US" sz="1200" b="0">
+                <a:solidFill>
+                  <a:srgbClr val="F9E7C4"/>
+                </a:solidFill>
+                <a:effectLst/>
+                <a:latin typeface="Consolas" panose="020B0609020204030204" pitchFamily="49" charset="0"/>
+              </a:rPr>
+              <a:t> </a:t>
+            </a:r>
+            <a:r>
+              <a:rPr lang="en-US" sz="1200" b="0">
+                <a:solidFill>
+                  <a:srgbClr val="DE935F"/>
+                </a:solidFill>
+                <a:effectLst/>
+                <a:latin typeface="Consolas" panose="020B0609020204030204" pitchFamily="49" charset="0"/>
+              </a:rPr>
+              <a:t>true</a:t>
+            </a:r>
+            <a:r>
+              <a:rPr lang="en-US" sz="1200" b="0">
+                <a:solidFill>
+                  <a:srgbClr val="81755D"/>
+                </a:solidFill>
+                <a:effectLst/>
+                <a:latin typeface="Consolas" panose="020B0609020204030204" pitchFamily="49" charset="0"/>
+              </a:rPr>
+              <a:t>;</a:t>
+            </a:r>
+            <a:endParaRPr lang="en-US" sz="1200" b="0">
+              <a:solidFill>
+                <a:srgbClr val="F9E7C4"/>
+              </a:solidFill>
+              <a:effectLst/>
+              <a:latin typeface="Consolas" panose="020B0609020204030204" pitchFamily="49" charset="0"/>
+            </a:endParaRPr>
+          </a:p>
+          <a:p>
+            <a:r>
+              <a:rPr lang="en-US" sz="1200" b="0">
+                <a:solidFill>
+                  <a:srgbClr val="F9E7C4"/>
+                </a:solidFill>
+                <a:effectLst/>
+                <a:latin typeface="Consolas" panose="020B0609020204030204" pitchFamily="49" charset="0"/>
+              </a:rPr>
+              <a:t>    </a:t>
+            </a:r>
+            <a:r>
+              <a:rPr lang="en-US" sz="1200" b="0">
+                <a:solidFill>
+                  <a:srgbClr val="81755D"/>
+                </a:solidFill>
+                <a:effectLst/>
+                <a:latin typeface="Consolas" panose="020B0609020204030204" pitchFamily="49" charset="0"/>
+              </a:rPr>
+              <a:t>}</a:t>
+            </a:r>
+            <a:endParaRPr lang="en-US" sz="1200" b="0">
+              <a:solidFill>
+                <a:srgbClr val="F9E7C4"/>
+              </a:solidFill>
+              <a:effectLst/>
+              <a:latin typeface="Consolas" panose="020B0609020204030204" pitchFamily="49" charset="0"/>
+            </a:endParaRPr>
+          </a:p>
+          <a:p>
+            <a:r>
+              <a:rPr lang="en-US" sz="1600">
+                <a:latin typeface="+mj-lt"/>
+              </a:rPr>
+              <a:t>protected $listen =[]</a:t>
+            </a:r>
+          </a:p>
+        </p:txBody>
+      </p:sp>
+      <p:sp>
+        <p:nvSpPr>
+          <p:cNvPr id="22" name="TextBox 21">
+            <a:extLst>
+              <a:ext uri="{FF2B5EF4-FFF2-40B4-BE49-F238E27FC236}">
+                <a16:creationId xmlns:a16="http://schemas.microsoft.com/office/drawing/2014/main" id="{9CBAE4FE-1C0D-4D5D-AC65-C0FF7079923F}"/>
+              </a:ext>
+            </a:extLst>
+          </p:cNvPr>
+          <p:cNvSpPr txBox="1"/>
+          <p:nvPr/>
+        </p:nvSpPr>
+        <p:spPr>
+          <a:xfrm>
+            <a:off x="8405070" y="3724712"/>
+            <a:ext cx="1778466" cy="369332"/>
+          </a:xfrm>
+          <a:prstGeom prst="rect">
+            <a:avLst/>
+          </a:prstGeom>
+        </p:spPr>
+        <p:style>
+          <a:lnRef idx="1">
+            <a:schemeClr val="accent6"/>
+          </a:lnRef>
+          <a:fillRef idx="3">
+            <a:schemeClr val="accent6"/>
+          </a:fillRef>
+          <a:effectRef idx="2">
+            <a:schemeClr val="accent6"/>
+          </a:effectRef>
+          <a:fontRef idx="minor">
+            <a:schemeClr val="lt1"/>
+          </a:fontRef>
+        </p:style>
+        <p:txBody>
+          <a:bodyPr wrap="square" rtlCol="0">
+            <a:spAutoFit/>
+          </a:bodyPr>
+          <a:lstStyle/>
+          <a:p>
+            <a:r>
+              <a:rPr lang="en-US"/>
+              <a:t>Listener 1</a:t>
+            </a:r>
+          </a:p>
+        </p:txBody>
+      </p:sp>
+      <p:sp>
+        <p:nvSpPr>
+          <p:cNvPr id="23" name="TextBox 22">
+            <a:extLst>
+              <a:ext uri="{FF2B5EF4-FFF2-40B4-BE49-F238E27FC236}">
+                <a16:creationId xmlns:a16="http://schemas.microsoft.com/office/drawing/2014/main" id="{266887B6-6BB6-4D93-A8EA-4A507C9FBEA8}"/>
+              </a:ext>
+            </a:extLst>
+          </p:cNvPr>
+          <p:cNvSpPr txBox="1"/>
+          <p:nvPr/>
+        </p:nvSpPr>
+        <p:spPr>
+          <a:xfrm>
+            <a:off x="8405070" y="4261932"/>
+            <a:ext cx="1778466" cy="369332"/>
+          </a:xfrm>
+          <a:prstGeom prst="rect">
+            <a:avLst/>
+          </a:prstGeom>
+        </p:spPr>
+        <p:style>
+          <a:lnRef idx="1">
+            <a:schemeClr val="accent6"/>
+          </a:lnRef>
+          <a:fillRef idx="3">
+            <a:schemeClr val="accent6"/>
+          </a:fillRef>
+          <a:effectRef idx="2">
+            <a:schemeClr val="accent6"/>
+          </a:effectRef>
+          <a:fontRef idx="minor">
+            <a:schemeClr val="lt1"/>
+          </a:fontRef>
+        </p:style>
+        <p:txBody>
+          <a:bodyPr wrap="square" rtlCol="0">
+            <a:spAutoFit/>
+          </a:bodyPr>
+          <a:lstStyle/>
+          <a:p>
+            <a:r>
+              <a:rPr lang="en-US"/>
+              <a:t>Listener 2</a:t>
+            </a:r>
+          </a:p>
+        </p:txBody>
+      </p:sp>
+      <p:sp>
+        <p:nvSpPr>
+          <p:cNvPr id="24" name="TextBox 23">
+            <a:extLst>
+              <a:ext uri="{FF2B5EF4-FFF2-40B4-BE49-F238E27FC236}">
+                <a16:creationId xmlns:a16="http://schemas.microsoft.com/office/drawing/2014/main" id="{54E0B58A-506D-40BA-AAC9-B056277BC672}"/>
+              </a:ext>
+            </a:extLst>
+          </p:cNvPr>
+          <p:cNvSpPr txBox="1"/>
+          <p:nvPr/>
+        </p:nvSpPr>
+        <p:spPr>
+          <a:xfrm>
+            <a:off x="8405070" y="4799152"/>
+            <a:ext cx="1778466" cy="369332"/>
+          </a:xfrm>
+          <a:prstGeom prst="rect">
+            <a:avLst/>
+          </a:prstGeom>
+        </p:spPr>
+        <p:style>
+          <a:lnRef idx="1">
+            <a:schemeClr val="accent6"/>
+          </a:lnRef>
+          <a:fillRef idx="3">
+            <a:schemeClr val="accent6"/>
+          </a:fillRef>
+          <a:effectRef idx="2">
+            <a:schemeClr val="accent6"/>
+          </a:effectRef>
+          <a:fontRef idx="minor">
+            <a:schemeClr val="lt1"/>
+          </a:fontRef>
+        </p:style>
+        <p:txBody>
+          <a:bodyPr wrap="square" rtlCol="0">
+            <a:spAutoFit/>
+          </a:bodyPr>
+          <a:lstStyle/>
+          <a:p>
+            <a:r>
+              <a:rPr lang="en-US"/>
+              <a:t>Listener …</a:t>
+            </a:r>
+          </a:p>
+        </p:txBody>
+      </p:sp>
+    </p:spTree>
+    <p:extLst>
+      <p:ext uri="{BB962C8B-B14F-4D97-AF65-F5344CB8AC3E}">
+        <p14:creationId xmlns:p14="http://schemas.microsoft.com/office/powerpoint/2010/main" val="3653018188"/>
+      </p:ext>
+    </p:extLst>
+  </p:cSld>
+  <p:clrMapOvr>
+    <a:masterClrMapping/>
+  </p:clrMapOvr>
+</p:sld>
+</file>
+
 <file path=ppt/slides/slide3.xml><?xml version="1.0" encoding="utf-8"?>
 <p:sld xmlns:a="http://schemas.openxmlformats.org/drawingml/2006/main" xmlns:r="http://schemas.openxmlformats.org/officeDocument/2006/relationships" xmlns:p="http://schemas.openxmlformats.org/presentationml/2006/main">
   <p:cSld>

--- a/_presentation/prezentare_aplicatie.pptx
+++ b/_presentation/prezentare_aplicatie.pptx
@@ -32,6 +32,8 @@
     <p:sldId id="278" r:id="rId26"/>
     <p:sldId id="279" r:id="rId27"/>
     <p:sldId id="280" r:id="rId28"/>
+    <p:sldId id="281" r:id="rId29"/>
+    <p:sldId id="282" r:id="rId30"/>
   </p:sldIdLst>
   <p:sldSz cx="12192000" cy="6858000"/>
   <p:notesSz cx="6858000" cy="9144000"/>
@@ -288,7 +290,7 @@
             <a:fld id="{87DE6118-2437-4B30-8E3C-4D2BE6020583}" type="datetimeFigureOut">
               <a:rPr lang="en-US" smtClean="0"/>
               <a:pPr/>
-              <a:t>5/25/2022</a:t>
+              <a:t>6/27/2022</a:t>
             </a:fld>
             <a:endParaRPr lang="en-US"/>
           </a:p>
@@ -489,7 +491,7 @@
           <a:p>
             <a:fld id="{87DE6118-2437-4B30-8E3C-4D2BE6020583}" type="datetimeFigureOut">
               <a:rPr lang="en-US" smtClean="0"/>
-              <a:t>5/25/2022</a:t>
+              <a:t>6/27/2022</a:t>
             </a:fld>
             <a:endParaRPr lang="en-US"/>
           </a:p>
@@ -699,7 +701,7 @@
           <a:p>
             <a:fld id="{87DE6118-2437-4B30-8E3C-4D2BE6020583}" type="datetimeFigureOut">
               <a:rPr lang="en-US" smtClean="0"/>
-              <a:t>5/25/2022</a:t>
+              <a:t>6/27/2022</a:t>
             </a:fld>
             <a:endParaRPr lang="en-US"/>
           </a:p>
@@ -912,7 +914,7 @@
             <a:fld id="{87DE6118-2437-4B30-8E3C-4D2BE6020583}" type="datetimeFigureOut">
               <a:rPr lang="en-US" smtClean="0"/>
               <a:pPr/>
-              <a:t>5/25/2022</a:t>
+              <a:t>6/27/2022</a:t>
             </a:fld>
             <a:endParaRPr lang="en-US"/>
           </a:p>
@@ -1124,7 +1126,7 @@
           <a:p>
             <a:fld id="{87DE6118-2437-4B30-8E3C-4D2BE6020583}" type="datetimeFigureOut">
               <a:rPr lang="en-US" smtClean="0"/>
-              <a:t>5/25/2022</a:t>
+              <a:t>6/27/2022</a:t>
             </a:fld>
             <a:endParaRPr lang="en-US"/>
           </a:p>
@@ -1404,7 +1406,7 @@
             <a:fld id="{87DE6118-2437-4B30-8E3C-4D2BE6020583}" type="datetimeFigureOut">
               <a:rPr lang="en-US" smtClean="0"/>
               <a:pPr/>
-              <a:t>5/25/2022</a:t>
+              <a:t>6/27/2022</a:t>
             </a:fld>
             <a:endParaRPr lang="en-US"/>
           </a:p>
@@ -1673,7 +1675,7 @@
           <a:p>
             <a:fld id="{87DE6118-2437-4B30-8E3C-4D2BE6020583}" type="datetimeFigureOut">
               <a:rPr lang="en-US" smtClean="0"/>
-              <a:t>5/25/2022</a:t>
+              <a:t>6/27/2022</a:t>
             </a:fld>
             <a:endParaRPr lang="en-US"/>
           </a:p>
@@ -2089,7 +2091,7 @@
           <a:p>
             <a:fld id="{87DE6118-2437-4B30-8E3C-4D2BE6020583}" type="datetimeFigureOut">
               <a:rPr lang="en-US" smtClean="0"/>
-              <a:t>5/25/2022</a:t>
+              <a:t>6/27/2022</a:t>
             </a:fld>
             <a:endParaRPr lang="en-US"/>
           </a:p>
@@ -2238,7 +2240,7 @@
           <a:p>
             <a:fld id="{87DE6118-2437-4B30-8E3C-4D2BE6020583}" type="datetimeFigureOut">
               <a:rPr lang="en-US" smtClean="0"/>
-              <a:t>5/25/2022</a:t>
+              <a:t>6/27/2022</a:t>
             </a:fld>
             <a:endParaRPr lang="en-US"/>
           </a:p>
@@ -2364,7 +2366,7 @@
           <a:p>
             <a:fld id="{87DE6118-2437-4B30-8E3C-4D2BE6020583}" type="datetimeFigureOut">
               <a:rPr lang="en-US" smtClean="0"/>
-              <a:t>5/25/2022</a:t>
+              <a:t>6/27/2022</a:t>
             </a:fld>
             <a:endParaRPr lang="en-US"/>
           </a:p>
@@ -2616,7 +2618,7 @@
             <a:fld id="{87DE6118-2437-4B30-8E3C-4D2BE6020583}" type="datetimeFigureOut">
               <a:rPr lang="en-US" smtClean="0"/>
               <a:pPr/>
-              <a:t>5/25/2022</a:t>
+              <a:t>6/27/2022</a:t>
             </a:fld>
             <a:endParaRPr lang="en-US"/>
           </a:p>
@@ -2836,7 +2838,7 @@
           <a:p>
             <a:fld id="{87DE6118-2437-4B30-8E3C-4D2BE6020583}" type="datetimeFigureOut">
               <a:rPr lang="en-US" smtClean="0"/>
-              <a:t>5/25/2022</a:t>
+              <a:t>6/27/2022</a:t>
             </a:fld>
             <a:endParaRPr lang="en-US"/>
           </a:p>
@@ -3262,7 +3264,7 @@
             <a:fld id="{87DE6118-2437-4B30-8E3C-4D2BE6020583}" type="datetimeFigureOut">
               <a:rPr lang="en-US" smtClean="0"/>
               <a:pPr/>
-              <a:t>5/25/2022</a:t>
+              <a:t>6/27/2022</a:t>
             </a:fld>
             <a:endParaRPr lang="en-US"/>
           </a:p>
@@ -3469,7 +3471,7 @@
           <a:p>
             <a:fld id="{87DE6118-2437-4B30-8E3C-4D2BE6020583}" type="datetimeFigureOut">
               <a:rPr lang="en-US" smtClean="0"/>
-              <a:t>5/25/2022</a:t>
+              <a:t>6/27/2022</a:t>
             </a:fld>
             <a:endParaRPr lang="en-US"/>
           </a:p>
@@ -3684,7 +3686,7 @@
           <a:p>
             <a:fld id="{87DE6118-2437-4B30-8E3C-4D2BE6020583}" type="datetimeFigureOut">
               <a:rPr lang="en-US" smtClean="0"/>
-              <a:t>5/25/2022</a:t>
+              <a:t>6/27/2022</a:t>
             </a:fld>
             <a:endParaRPr lang="en-US"/>
           </a:p>
@@ -3926,7 +3928,7 @@
             <a:fld id="{87DE6118-2437-4B30-8E3C-4D2BE6020583}" type="datetimeFigureOut">
               <a:rPr lang="en-US" smtClean="0"/>
               <a:pPr/>
-              <a:t>5/25/2022</a:t>
+              <a:t>6/27/2022</a:t>
             </a:fld>
             <a:endParaRPr lang="en-US"/>
           </a:p>
@@ -4127,7 +4129,7 @@
           <a:p>
             <a:fld id="{87DE6118-2437-4B30-8E3C-4D2BE6020583}" type="datetimeFigureOut">
               <a:rPr lang="en-US" smtClean="0"/>
-              <a:t>5/25/2022</a:t>
+              <a:t>6/27/2022</a:t>
             </a:fld>
             <a:endParaRPr lang="en-US"/>
           </a:p>
@@ -4404,7 +4406,7 @@
             <a:fld id="{87DE6118-2437-4B30-8E3C-4D2BE6020583}" type="datetimeFigureOut">
               <a:rPr lang="en-US" smtClean="0"/>
               <a:pPr/>
-              <a:t>5/25/2022</a:t>
+              <a:t>6/27/2022</a:t>
             </a:fld>
             <a:endParaRPr lang="en-US"/>
           </a:p>
@@ -4673,7 +4675,7 @@
           <a:p>
             <a:fld id="{87DE6118-2437-4B30-8E3C-4D2BE6020583}" type="datetimeFigureOut">
               <a:rPr lang="en-US" smtClean="0"/>
-              <a:t>5/25/2022</a:t>
+              <a:t>6/27/2022</a:t>
             </a:fld>
             <a:endParaRPr lang="en-US"/>
           </a:p>
@@ -5088,7 +5090,7 @@
           <a:p>
             <a:fld id="{87DE6118-2437-4B30-8E3C-4D2BE6020583}" type="datetimeFigureOut">
               <a:rPr lang="en-US" smtClean="0"/>
-              <a:t>5/25/2022</a:t>
+              <a:t>6/27/2022</a:t>
             </a:fld>
             <a:endParaRPr lang="en-US"/>
           </a:p>
@@ -5230,7 +5232,7 @@
           <a:p>
             <a:fld id="{87DE6118-2437-4B30-8E3C-4D2BE6020583}" type="datetimeFigureOut">
               <a:rPr lang="en-US" smtClean="0"/>
-              <a:t>5/25/2022</a:t>
+              <a:t>6/27/2022</a:t>
             </a:fld>
             <a:endParaRPr lang="en-US"/>
           </a:p>
@@ -5343,7 +5345,7 @@
           <a:p>
             <a:fld id="{87DE6118-2437-4B30-8E3C-4D2BE6020583}" type="datetimeFigureOut">
               <a:rPr lang="en-US" smtClean="0"/>
-              <a:t>5/25/2022</a:t>
+              <a:t>6/27/2022</a:t>
             </a:fld>
             <a:endParaRPr lang="en-US"/>
           </a:p>
@@ -5620,7 +5622,7 @@
             <a:fld id="{87DE6118-2437-4B30-8E3C-4D2BE6020583}" type="datetimeFigureOut">
               <a:rPr lang="en-US" smtClean="0"/>
               <a:pPr/>
-              <a:t>5/25/2022</a:t>
+              <a:t>6/27/2022</a:t>
             </a:fld>
             <a:endParaRPr lang="en-US"/>
           </a:p>
@@ -5935,7 +5937,7 @@
             <a:fld id="{87DE6118-2437-4B30-8E3C-4D2BE6020583}" type="datetimeFigureOut">
               <a:rPr lang="en-US" smtClean="0"/>
               <a:pPr/>
-              <a:t>5/25/2022</a:t>
+              <a:t>6/27/2022</a:t>
             </a:fld>
             <a:endParaRPr lang="en-US"/>
           </a:p>
@@ -6226,7 +6228,7 @@
             <a:fld id="{87DE6118-2437-4B30-8E3C-4D2BE6020583}" type="datetimeFigureOut">
               <a:rPr lang="en-US" smtClean="0"/>
               <a:pPr/>
-              <a:t>5/25/2022</a:t>
+              <a:t>6/27/2022</a:t>
             </a:fld>
             <a:endParaRPr lang="en-US"/>
           </a:p>
@@ -6427,7 +6429,7 @@
           <a:p>
             <a:fld id="{87DE6118-2437-4B30-8E3C-4D2BE6020583}" type="datetimeFigureOut">
               <a:rPr lang="en-US" smtClean="0"/>
-              <a:t>5/25/2022</a:t>
+              <a:t>6/27/2022</a:t>
             </a:fld>
             <a:endParaRPr lang="en-US"/>
           </a:p>
@@ -6637,7 +6639,7 @@
           <a:p>
             <a:fld id="{87DE6118-2437-4B30-8E3C-4D2BE6020583}" type="datetimeFigureOut">
               <a:rPr lang="en-US" smtClean="0"/>
-              <a:t>5/25/2022</a:t>
+              <a:t>6/27/2022</a:t>
             </a:fld>
             <a:endParaRPr lang="en-US"/>
           </a:p>
@@ -6905,7 +6907,7 @@
           <a:p>
             <a:fld id="{87DE6118-2437-4B30-8E3C-4D2BE6020583}" type="datetimeFigureOut">
               <a:rPr lang="en-US" smtClean="0"/>
-              <a:t>5/25/2022</a:t>
+              <a:t>6/27/2022</a:t>
             </a:fld>
             <a:endParaRPr lang="en-US"/>
           </a:p>
@@ -7320,7 +7322,7 @@
           <a:p>
             <a:fld id="{87DE6118-2437-4B30-8E3C-4D2BE6020583}" type="datetimeFigureOut">
               <a:rPr lang="en-US" smtClean="0"/>
-              <a:t>5/25/2022</a:t>
+              <a:t>6/27/2022</a:t>
             </a:fld>
             <a:endParaRPr lang="en-US"/>
           </a:p>
@@ -7462,7 +7464,7 @@
           <a:p>
             <a:fld id="{87DE6118-2437-4B30-8E3C-4D2BE6020583}" type="datetimeFigureOut">
               <a:rPr lang="en-US" smtClean="0"/>
-              <a:t>5/25/2022</a:t>
+              <a:t>6/27/2022</a:t>
             </a:fld>
             <a:endParaRPr lang="en-US"/>
           </a:p>
@@ -7575,7 +7577,7 @@
           <a:p>
             <a:fld id="{87DE6118-2437-4B30-8E3C-4D2BE6020583}" type="datetimeFigureOut">
               <a:rPr lang="en-US" smtClean="0"/>
-              <a:t>5/25/2022</a:t>
+              <a:t>6/27/2022</a:t>
             </a:fld>
             <a:endParaRPr lang="en-US"/>
           </a:p>
@@ -7889,7 +7891,7 @@
             <a:fld id="{87DE6118-2437-4B30-8E3C-4D2BE6020583}" type="datetimeFigureOut">
               <a:rPr lang="en-US" smtClean="0"/>
               <a:pPr/>
-              <a:t>5/25/2022</a:t>
+              <a:t>6/27/2022</a:t>
             </a:fld>
             <a:endParaRPr lang="en-US"/>
           </a:p>
@@ -8180,7 +8182,7 @@
             <a:fld id="{87DE6118-2437-4B30-8E3C-4D2BE6020583}" type="datetimeFigureOut">
               <a:rPr lang="en-US" smtClean="0"/>
               <a:pPr/>
-              <a:t>5/25/2022</a:t>
+              <a:t>6/27/2022</a:t>
             </a:fld>
             <a:endParaRPr lang="en-US"/>
           </a:p>
@@ -8425,7 +8427,7 @@
             <a:fld id="{87DE6118-2437-4B30-8E3C-4D2BE6020583}" type="datetimeFigureOut">
               <a:rPr lang="en-US" smtClean="0"/>
               <a:pPr/>
-              <a:t>5/25/2022</a:t>
+              <a:t>6/27/2022</a:t>
             </a:fld>
             <a:endParaRPr lang="en-US"/>
           </a:p>
@@ -9062,7 +9064,7 @@
             <a:fld id="{87DE6118-2437-4B30-8E3C-4D2BE6020583}" type="datetimeFigureOut">
               <a:rPr lang="en-US" smtClean="0"/>
               <a:pPr/>
-              <a:t>5/25/2022</a:t>
+              <a:t>6/27/2022</a:t>
             </a:fld>
             <a:endParaRPr lang="en-US"/>
           </a:p>
@@ -9708,7 +9710,7 @@
             <a:fld id="{87DE6118-2437-4B30-8E3C-4D2BE6020583}" type="datetimeFigureOut">
               <a:rPr lang="en-US" smtClean="0"/>
               <a:pPr/>
-              <a:t>5/25/2022</a:t>
+              <a:t>6/27/2022</a:t>
             </a:fld>
             <a:endParaRPr lang="en-US"/>
           </a:p>
@@ -26207,13 +26209,13 @@
           <p:nvPr>
             <p:extLst>
               <p:ext uri="{D42A27DB-BD31-4B8C-83A1-F6EECF244321}">
-                <p14:modId xmlns:p14="http://schemas.microsoft.com/office/powerpoint/2010/main" val="3197891703"/>
+                <p14:modId xmlns:p14="http://schemas.microsoft.com/office/powerpoint/2010/main" val="2529673085"/>
               </p:ext>
             </p:extLst>
           </p:nvPr>
         </p:nvGraphicFramePr>
         <p:xfrm>
-          <a:off x="9617279" y="2468629"/>
+          <a:off x="9414499" y="4389501"/>
           <a:ext cx="1749169" cy="2133600"/>
         </p:xfrm>
         <a:graphic>
@@ -26440,49 +26442,6 @@
           </a:graphicData>
         </a:graphic>
       </p:graphicFrame>
-      <p:cxnSp>
-        <p:nvCxnSpPr>
-          <p:cNvPr id="6" name="Connector: Elbow 5">
-            <a:extLst>
-              <a:ext uri="{FF2B5EF4-FFF2-40B4-BE49-F238E27FC236}">
-                <a16:creationId xmlns:a16="http://schemas.microsoft.com/office/drawing/2014/main" id="{12499E84-2BCA-415A-9D69-6B3CBD97381D}"/>
-              </a:ext>
-            </a:extLst>
-          </p:cNvPr>
-          <p:cNvCxnSpPr>
-            <a:cxnSpLocks/>
-          </p:cNvCxnSpPr>
-          <p:nvPr/>
-        </p:nvCxnSpPr>
-        <p:spPr>
-          <a:xfrm flipV="1">
-            <a:off x="8227053" y="3249521"/>
-            <a:ext cx="1390226" cy="755703"/>
-          </a:xfrm>
-          <a:prstGeom prst="bentConnector3">
-            <a:avLst>
-              <a:gd name="adj1" fmla="val 50000"/>
-            </a:avLst>
-          </a:prstGeom>
-          <a:ln>
-            <a:tailEnd type="triangle"/>
-          </a:ln>
-        </p:spPr>
-        <p:style>
-          <a:lnRef idx="1">
-            <a:schemeClr val="accent1"/>
-          </a:lnRef>
-          <a:fillRef idx="0">
-            <a:schemeClr val="accent1"/>
-          </a:fillRef>
-          <a:effectRef idx="0">
-            <a:schemeClr val="accent1"/>
-          </a:effectRef>
-          <a:fontRef idx="minor">
-            <a:schemeClr val="tx1"/>
-          </a:fontRef>
-        </p:style>
-      </p:cxnSp>
       <p:graphicFrame>
         <p:nvGraphicFramePr>
           <p:cNvPr id="7" name="Table 6">
@@ -26955,6 +26914,328 @@
           </a:fontRef>
         </p:style>
       </p:cxnSp>
+      <p:graphicFrame>
+        <p:nvGraphicFramePr>
+          <p:cNvPr id="10" name="Table 9">
+            <a:extLst>
+              <a:ext uri="{FF2B5EF4-FFF2-40B4-BE49-F238E27FC236}">
+                <a16:creationId xmlns:a16="http://schemas.microsoft.com/office/drawing/2014/main" id="{6CB6C78C-6EAE-4C7F-9D1A-DB9516FD1690}"/>
+              </a:ext>
+            </a:extLst>
+          </p:cNvPr>
+          <p:cNvGraphicFramePr>
+            <a:graphicFrameLocks noGrp="1"/>
+          </p:cNvGraphicFramePr>
+          <p:nvPr>
+            <p:extLst>
+              <p:ext uri="{D42A27DB-BD31-4B8C-83A1-F6EECF244321}">
+                <p14:modId xmlns:p14="http://schemas.microsoft.com/office/powerpoint/2010/main" val="3770030941"/>
+              </p:ext>
+            </p:extLst>
+          </p:nvPr>
+        </p:nvGraphicFramePr>
+        <p:xfrm>
+          <a:off x="9414499" y="1518861"/>
+          <a:ext cx="1749169" cy="1828800"/>
+        </p:xfrm>
+        <a:graphic>
+          <a:graphicData uri="http://schemas.openxmlformats.org/drawingml/2006/table">
+            <a:tbl>
+              <a:tblPr firstRow="1" bandRow="1">
+                <a:tableStyleId>{5940675A-B579-460E-94D1-54222C63F5DA}</a:tableStyleId>
+              </a:tblPr>
+              <a:tblGrid>
+                <a:gridCol w="1749169">
+                  <a:extLst>
+                    <a:ext uri="{9D8B030D-6E8A-4147-A177-3AD203B41FA5}">
+                      <a16:colId xmlns:a16="http://schemas.microsoft.com/office/drawing/2014/main" val="553009520"/>
+                    </a:ext>
+                  </a:extLst>
+                </a:gridCol>
+              </a:tblGrid>
+              <a:tr h="265905">
+                <a:tc>
+                  <a:txBody>
+                    <a:bodyPr/>
+                    <a:lstStyle/>
+                    <a:p>
+                      <a:r>
+                        <a:rPr lang="en-US" sz="1400" b="1"/>
+                        <a:t>Order_discounts</a:t>
+                      </a:r>
+                      <a:endParaRPr lang="ro-RO" sz="1400" b="1"/>
+                    </a:p>
+                  </a:txBody>
+                  <a:tcPr>
+                    <a:solidFill>
+                      <a:schemeClr val="accent1">
+                        <a:lumMod val="40000"/>
+                        <a:lumOff val="60000"/>
+                      </a:schemeClr>
+                    </a:solidFill>
+                  </a:tcPr>
+                </a:tc>
+                <a:extLst>
+                  <a:ext uri="{0D108BD9-81ED-4DB2-BD59-A6C34878D82A}">
+                    <a16:rowId xmlns:a16="http://schemas.microsoft.com/office/drawing/2014/main" val="1142503979"/>
+                  </a:ext>
+                </a:extLst>
+              </a:tr>
+              <a:tr h="265905">
+                <a:tc>
+                  <a:txBody>
+                    <a:bodyPr/>
+                    <a:lstStyle/>
+                    <a:p>
+                      <a:r>
+                        <a:rPr lang="en-US" sz="1400"/>
+                        <a:t>id</a:t>
+                      </a:r>
+                      <a:endParaRPr lang="ro-RO" sz="1400"/>
+                    </a:p>
+                  </a:txBody>
+                  <a:tcPr/>
+                </a:tc>
+                <a:extLst>
+                  <a:ext uri="{0D108BD9-81ED-4DB2-BD59-A6C34878D82A}">
+                    <a16:rowId xmlns:a16="http://schemas.microsoft.com/office/drawing/2014/main" val="372363252"/>
+                  </a:ext>
+                </a:extLst>
+              </a:tr>
+              <a:tr h="265905">
+                <a:tc>
+                  <a:txBody>
+                    <a:bodyPr/>
+                    <a:lstStyle/>
+                    <a:p>
+                      <a:r>
+                        <a:rPr lang="en-US" sz="1400"/>
+                        <a:t>order_id</a:t>
+                      </a:r>
+                      <a:endParaRPr lang="ro-RO" sz="1400"/>
+                    </a:p>
+                  </a:txBody>
+                  <a:tcPr/>
+                </a:tc>
+                <a:extLst>
+                  <a:ext uri="{0D108BD9-81ED-4DB2-BD59-A6C34878D82A}">
+                    <a16:rowId xmlns:a16="http://schemas.microsoft.com/office/drawing/2014/main" val="1083826987"/>
+                  </a:ext>
+                </a:extLst>
+              </a:tr>
+              <a:tr h="265905">
+                <a:tc>
+                  <a:txBody>
+                    <a:bodyPr/>
+                    <a:lstStyle/>
+                    <a:p>
+                      <a:pPr marL="0" algn="l" defTabSz="914400" rtl="0" eaLnBrk="1" latinLnBrk="0" hangingPunct="1"/>
+                      <a:r>
+                        <a:rPr lang="en-US" sz="1400" kern="1200">
+                          <a:solidFill>
+                            <a:schemeClr val="tx1"/>
+                          </a:solidFill>
+                          <a:latin typeface="+mn-lt"/>
+                          <a:ea typeface="+mn-ea"/>
+                          <a:cs typeface="+mn-cs"/>
+                        </a:rPr>
+                        <a:t>coupon_code</a:t>
+                      </a:r>
+                      <a:endParaRPr lang="ro-RO" sz="1400" kern="1200">
+                        <a:solidFill>
+                          <a:schemeClr val="tx1"/>
+                        </a:solidFill>
+                        <a:latin typeface="+mn-lt"/>
+                        <a:ea typeface="+mn-ea"/>
+                        <a:cs typeface="+mn-cs"/>
+                      </a:endParaRPr>
+                    </a:p>
+                  </a:txBody>
+                  <a:tcPr>
+                    <a:solidFill>
+                      <a:schemeClr val="accent4">
+                        <a:lumMod val="40000"/>
+                        <a:lumOff val="60000"/>
+                      </a:schemeClr>
+                    </a:solidFill>
+                  </a:tcPr>
+                </a:tc>
+                <a:extLst>
+                  <a:ext uri="{0D108BD9-81ED-4DB2-BD59-A6C34878D82A}">
+                    <a16:rowId xmlns:a16="http://schemas.microsoft.com/office/drawing/2014/main" val="2561670586"/>
+                  </a:ext>
+                </a:extLst>
+              </a:tr>
+              <a:tr h="265905">
+                <a:tc>
+                  <a:txBody>
+                    <a:bodyPr/>
+                    <a:lstStyle/>
+                    <a:p>
+                      <a:pPr marL="0" algn="l" defTabSz="914400" rtl="0" eaLnBrk="1" latinLnBrk="0" hangingPunct="1"/>
+                      <a:r>
+                        <a:rPr lang="en-US" sz="1400" kern="1200">
+                          <a:solidFill>
+                            <a:schemeClr val="tx1"/>
+                          </a:solidFill>
+                          <a:latin typeface="+mn-lt"/>
+                          <a:ea typeface="+mn-ea"/>
+                          <a:cs typeface="+mn-cs"/>
+                        </a:rPr>
+                        <a:t>coupon_description</a:t>
+                      </a:r>
+                      <a:endParaRPr lang="ro-RO" sz="1400" kern="1200">
+                        <a:solidFill>
+                          <a:schemeClr val="tx1"/>
+                        </a:solidFill>
+                        <a:latin typeface="+mn-lt"/>
+                        <a:ea typeface="+mn-ea"/>
+                        <a:cs typeface="+mn-cs"/>
+                      </a:endParaRPr>
+                    </a:p>
+                  </a:txBody>
+                  <a:tcPr>
+                    <a:solidFill>
+                      <a:schemeClr val="accent4">
+                        <a:lumMod val="40000"/>
+                        <a:lumOff val="60000"/>
+                      </a:schemeClr>
+                    </a:solidFill>
+                  </a:tcPr>
+                </a:tc>
+                <a:extLst>
+                  <a:ext uri="{0D108BD9-81ED-4DB2-BD59-A6C34878D82A}">
+                    <a16:rowId xmlns:a16="http://schemas.microsoft.com/office/drawing/2014/main" val="2318874259"/>
+                  </a:ext>
+                </a:extLst>
+              </a:tr>
+              <a:tr h="265905">
+                <a:tc>
+                  <a:txBody>
+                    <a:bodyPr/>
+                    <a:lstStyle/>
+                    <a:p>
+                      <a:pPr marL="0" algn="l" defTabSz="914400" rtl="0" eaLnBrk="1" latinLnBrk="0" hangingPunct="1"/>
+                      <a:r>
+                        <a:rPr lang="en-US" sz="1400" kern="1200">
+                          <a:solidFill>
+                            <a:schemeClr val="tx1"/>
+                          </a:solidFill>
+                          <a:latin typeface="+mn-lt"/>
+                          <a:ea typeface="+mn-ea"/>
+                          <a:cs typeface="+mn-cs"/>
+                        </a:rPr>
+                        <a:t>discount</a:t>
+                      </a:r>
+                      <a:endParaRPr lang="ro-RO" sz="1400" kern="1200">
+                        <a:solidFill>
+                          <a:schemeClr val="tx1"/>
+                        </a:solidFill>
+                        <a:latin typeface="+mn-lt"/>
+                        <a:ea typeface="+mn-ea"/>
+                        <a:cs typeface="+mn-cs"/>
+                      </a:endParaRPr>
+                    </a:p>
+                  </a:txBody>
+                  <a:tcPr>
+                    <a:solidFill>
+                      <a:schemeClr val="accent4">
+                        <a:lumMod val="40000"/>
+                        <a:lumOff val="60000"/>
+                      </a:schemeClr>
+                    </a:solidFill>
+                  </a:tcPr>
+                </a:tc>
+                <a:extLst>
+                  <a:ext uri="{0D108BD9-81ED-4DB2-BD59-A6C34878D82A}">
+                    <a16:rowId xmlns:a16="http://schemas.microsoft.com/office/drawing/2014/main" val="1437588662"/>
+                  </a:ext>
+                </a:extLst>
+              </a:tr>
+            </a:tbl>
+          </a:graphicData>
+        </a:graphic>
+      </p:graphicFrame>
+      <p:cxnSp>
+        <p:nvCxnSpPr>
+          <p:cNvPr id="30" name="Connector: Elbow 29">
+            <a:extLst>
+              <a:ext uri="{FF2B5EF4-FFF2-40B4-BE49-F238E27FC236}">
+                <a16:creationId xmlns:a16="http://schemas.microsoft.com/office/drawing/2014/main" id="{F49FC30D-E01B-4FF8-938D-CC211B843AD2}"/>
+              </a:ext>
+            </a:extLst>
+          </p:cNvPr>
+          <p:cNvCxnSpPr/>
+          <p:nvPr/>
+        </p:nvCxnSpPr>
+        <p:spPr>
+          <a:xfrm>
+            <a:off x="8213023" y="2131081"/>
+            <a:ext cx="1201476" cy="136026"/>
+          </a:xfrm>
+          <a:prstGeom prst="bentConnector3">
+            <a:avLst/>
+          </a:prstGeom>
+          <a:ln>
+            <a:tailEnd type="triangle"/>
+          </a:ln>
+        </p:spPr>
+        <p:style>
+          <a:lnRef idx="1">
+            <a:schemeClr val="accent1"/>
+          </a:lnRef>
+          <a:fillRef idx="0">
+            <a:schemeClr val="accent1"/>
+          </a:fillRef>
+          <a:effectRef idx="0">
+            <a:schemeClr val="accent1"/>
+          </a:effectRef>
+          <a:fontRef idx="minor">
+            <a:schemeClr val="tx1"/>
+          </a:fontRef>
+        </p:style>
+      </p:cxnSp>
+      <p:cxnSp>
+        <p:nvCxnSpPr>
+          <p:cNvPr id="32" name="Connector: Elbow 31">
+            <a:extLst>
+              <a:ext uri="{FF2B5EF4-FFF2-40B4-BE49-F238E27FC236}">
+                <a16:creationId xmlns:a16="http://schemas.microsoft.com/office/drawing/2014/main" id="{C7442B1C-F769-44AA-AA06-33E2745E4619}"/>
+              </a:ext>
+            </a:extLst>
+          </p:cNvPr>
+          <p:cNvCxnSpPr/>
+          <p:nvPr/>
+        </p:nvCxnSpPr>
+        <p:spPr>
+          <a:xfrm rot="16200000" flipH="1">
+            <a:off x="7291021" y="3060640"/>
+            <a:ext cx="3045481" cy="1201476"/>
+          </a:xfrm>
+          <a:prstGeom prst="bentConnector3">
+            <a:avLst>
+              <a:gd name="adj1" fmla="val 99876"/>
+            </a:avLst>
+          </a:prstGeom>
+          <a:ln>
+            <a:tailEnd type="triangle"/>
+          </a:ln>
+        </p:spPr>
+        <p:style>
+          <a:lnRef idx="1">
+            <a:schemeClr val="accent1"/>
+          </a:lnRef>
+          <a:fillRef idx="0">
+            <a:schemeClr val="accent1"/>
+          </a:fillRef>
+          <a:effectRef idx="0">
+            <a:schemeClr val="accent1"/>
+          </a:effectRef>
+          <a:fontRef idx="minor">
+            <a:schemeClr val="tx1"/>
+          </a:fontRef>
+        </p:style>
+      </p:cxnSp>
     </p:spTree>
     <p:extLst>
       <p:ext uri="{BB962C8B-B14F-4D97-AF65-F5344CB8AC3E}">
@@ -28535,6 +28816,2180 @@
     <p:extLst>
       <p:ext uri="{BB962C8B-B14F-4D97-AF65-F5344CB8AC3E}">
         <p14:creationId xmlns:p14="http://schemas.microsoft.com/office/powerpoint/2010/main" val="3653018188"/>
+      </p:ext>
+    </p:extLst>
+  </p:cSld>
+  <p:clrMapOvr>
+    <a:masterClrMapping/>
+  </p:clrMapOvr>
+</p:sld>
+</file>
+
+<file path=ppt/slides/slide26.xml><?xml version="1.0" encoding="utf-8"?>
+<p:sld xmlns:a="http://schemas.openxmlformats.org/drawingml/2006/main" xmlns:r="http://schemas.openxmlformats.org/officeDocument/2006/relationships" xmlns:p="http://schemas.openxmlformats.org/presentationml/2006/main">
+  <p:cSld>
+    <p:bg>
+      <p:bgPr>
+        <a:pattFill prst="lgGrid">
+          <a:fgClr>
+            <a:schemeClr val="bg1">
+              <a:lumMod val="95000"/>
+            </a:schemeClr>
+          </a:fgClr>
+          <a:bgClr>
+            <a:schemeClr val="bg1"/>
+          </a:bgClr>
+        </a:pattFill>
+        <a:effectLst/>
+      </p:bgPr>
+    </p:bg>
+    <p:spTree>
+      <p:nvGrpSpPr>
+        <p:cNvPr id="1" name=""/>
+        <p:cNvGrpSpPr/>
+        <p:nvPr/>
+      </p:nvGrpSpPr>
+      <p:grpSpPr>
+        <a:xfrm>
+          <a:off x="0" y="0"/>
+          <a:ext cx="0" cy="0"/>
+          <a:chOff x="0" y="0"/>
+          <a:chExt cx="0" cy="0"/>
+        </a:xfrm>
+      </p:grpSpPr>
+      <p:sp>
+        <p:nvSpPr>
+          <p:cNvPr id="2" name="Title 1">
+            <a:extLst>
+              <a:ext uri="{FF2B5EF4-FFF2-40B4-BE49-F238E27FC236}">
+                <a16:creationId xmlns:a16="http://schemas.microsoft.com/office/drawing/2014/main" id="{04E85D3A-5E9A-45AC-AB76-8CA0DD8D5F25}"/>
+              </a:ext>
+            </a:extLst>
+          </p:cNvPr>
+          <p:cNvSpPr>
+            <a:spLocks noGrp="1"/>
+          </p:cNvSpPr>
+          <p:nvPr>
+            <p:ph type="title"/>
+          </p:nvPr>
+        </p:nvSpPr>
+        <p:spPr>
+          <a:xfrm>
+            <a:off x="0" y="0"/>
+            <a:ext cx="12192000" cy="482163"/>
+          </a:xfrm>
+        </p:spPr>
+        <p:style>
+          <a:lnRef idx="1">
+            <a:schemeClr val="dk1"/>
+          </a:lnRef>
+          <a:fillRef idx="3">
+            <a:schemeClr val="dk1"/>
+          </a:fillRef>
+          <a:effectRef idx="2">
+            <a:schemeClr val="dk1"/>
+          </a:effectRef>
+          <a:fontRef idx="minor">
+            <a:schemeClr val="lt1"/>
+          </a:fontRef>
+        </p:style>
+        <p:txBody>
+          <a:bodyPr>
+            <a:noAutofit/>
+          </a:bodyPr>
+          <a:lstStyle/>
+          <a:p>
+            <a:pPr algn="ctr"/>
+            <a:r>
+              <a:rPr lang="en-US" sz="2400"/>
+              <a:t>Coupons</a:t>
+            </a:r>
+          </a:p>
+        </p:txBody>
+      </p:sp>
+      <p:graphicFrame>
+        <p:nvGraphicFramePr>
+          <p:cNvPr id="3" name="Table 2">
+            <a:extLst>
+              <a:ext uri="{FF2B5EF4-FFF2-40B4-BE49-F238E27FC236}">
+                <a16:creationId xmlns:a16="http://schemas.microsoft.com/office/drawing/2014/main" id="{A5FAEA55-DE27-45B1-A259-7C6DE53BBF1C}"/>
+              </a:ext>
+            </a:extLst>
+          </p:cNvPr>
+          <p:cNvGraphicFramePr>
+            <a:graphicFrameLocks noGrp="1"/>
+          </p:cNvGraphicFramePr>
+          <p:nvPr>
+            <p:extLst>
+              <p:ext uri="{D42A27DB-BD31-4B8C-83A1-F6EECF244321}">
+                <p14:modId xmlns:p14="http://schemas.microsoft.com/office/powerpoint/2010/main" val="1844274601"/>
+              </p:ext>
+            </p:extLst>
+          </p:nvPr>
+        </p:nvGraphicFramePr>
+        <p:xfrm>
+          <a:off x="7548466" y="2049710"/>
+          <a:ext cx="1749169" cy="2743200"/>
+        </p:xfrm>
+        <a:graphic>
+          <a:graphicData uri="http://schemas.openxmlformats.org/drawingml/2006/table">
+            <a:tbl>
+              <a:tblPr firstRow="1" bandRow="1">
+                <a:tableStyleId>{5940675A-B579-460E-94D1-54222C63F5DA}</a:tableStyleId>
+              </a:tblPr>
+              <a:tblGrid>
+                <a:gridCol w="1749169">
+                  <a:extLst>
+                    <a:ext uri="{9D8B030D-6E8A-4147-A177-3AD203B41FA5}">
+                      <a16:colId xmlns:a16="http://schemas.microsoft.com/office/drawing/2014/main" val="553009520"/>
+                    </a:ext>
+                  </a:extLst>
+                </a:gridCol>
+              </a:tblGrid>
+              <a:tr h="265905">
+                <a:tc>
+                  <a:txBody>
+                    <a:bodyPr/>
+                    <a:lstStyle/>
+                    <a:p>
+                      <a:r>
+                        <a:rPr lang="en-US" sz="1400" b="1"/>
+                        <a:t>coupons</a:t>
+                      </a:r>
+                      <a:endParaRPr lang="ro-RO" sz="1400" b="1"/>
+                    </a:p>
+                  </a:txBody>
+                  <a:tcPr>
+                    <a:solidFill>
+                      <a:schemeClr val="accent1">
+                        <a:lumMod val="40000"/>
+                        <a:lumOff val="60000"/>
+                      </a:schemeClr>
+                    </a:solidFill>
+                  </a:tcPr>
+                </a:tc>
+                <a:extLst>
+                  <a:ext uri="{0D108BD9-81ED-4DB2-BD59-A6C34878D82A}">
+                    <a16:rowId xmlns:a16="http://schemas.microsoft.com/office/drawing/2014/main" val="1142503979"/>
+                  </a:ext>
+                </a:extLst>
+              </a:tr>
+              <a:tr h="265905">
+                <a:tc>
+                  <a:txBody>
+                    <a:bodyPr/>
+                    <a:lstStyle/>
+                    <a:p>
+                      <a:r>
+                        <a:rPr lang="en-US" sz="1400"/>
+                        <a:t>id</a:t>
+                      </a:r>
+                      <a:endParaRPr lang="ro-RO" sz="1400"/>
+                    </a:p>
+                  </a:txBody>
+                  <a:tcPr/>
+                </a:tc>
+                <a:extLst>
+                  <a:ext uri="{0D108BD9-81ED-4DB2-BD59-A6C34878D82A}">
+                    <a16:rowId xmlns:a16="http://schemas.microsoft.com/office/drawing/2014/main" val="372363252"/>
+                  </a:ext>
+                </a:extLst>
+              </a:tr>
+              <a:tr h="265905">
+                <a:tc>
+                  <a:txBody>
+                    <a:bodyPr/>
+                    <a:lstStyle/>
+                    <a:p>
+                      <a:pPr marL="0" algn="l" defTabSz="914400" rtl="0" eaLnBrk="1" latinLnBrk="0" hangingPunct="1"/>
+                      <a:r>
+                        <a:rPr lang="en-US" sz="1400" kern="1200">
+                          <a:solidFill>
+                            <a:schemeClr val="tx1"/>
+                          </a:solidFill>
+                          <a:latin typeface="+mn-lt"/>
+                          <a:ea typeface="+mn-ea"/>
+                          <a:cs typeface="+mn-cs"/>
+                        </a:rPr>
+                        <a:t>code</a:t>
+                      </a:r>
+                      <a:endParaRPr lang="ro-RO" sz="1400" kern="1200">
+                        <a:solidFill>
+                          <a:schemeClr val="tx1"/>
+                        </a:solidFill>
+                        <a:latin typeface="+mn-lt"/>
+                        <a:ea typeface="+mn-ea"/>
+                        <a:cs typeface="+mn-cs"/>
+                      </a:endParaRPr>
+                    </a:p>
+                  </a:txBody>
+                  <a:tcPr>
+                    <a:solidFill>
+                      <a:schemeClr val="accent6">
+                        <a:lumMod val="40000"/>
+                        <a:lumOff val="60000"/>
+                      </a:schemeClr>
+                    </a:solidFill>
+                  </a:tcPr>
+                </a:tc>
+                <a:extLst>
+                  <a:ext uri="{0D108BD9-81ED-4DB2-BD59-A6C34878D82A}">
+                    <a16:rowId xmlns:a16="http://schemas.microsoft.com/office/drawing/2014/main" val="34233047"/>
+                  </a:ext>
+                </a:extLst>
+              </a:tr>
+              <a:tr h="265905">
+                <a:tc>
+                  <a:txBody>
+                    <a:bodyPr/>
+                    <a:lstStyle/>
+                    <a:p>
+                      <a:r>
+                        <a:rPr lang="en-US" sz="1400"/>
+                        <a:t>domain</a:t>
+                      </a:r>
+                      <a:endParaRPr lang="ro-RO" sz="1400"/>
+                    </a:p>
+                  </a:txBody>
+                  <a:tcPr>
+                    <a:solidFill>
+                      <a:schemeClr val="accent6">
+                        <a:lumMod val="40000"/>
+                        <a:lumOff val="60000"/>
+                      </a:schemeClr>
+                    </a:solidFill>
+                  </a:tcPr>
+                </a:tc>
+                <a:extLst>
+                  <a:ext uri="{0D108BD9-81ED-4DB2-BD59-A6C34878D82A}">
+                    <a16:rowId xmlns:a16="http://schemas.microsoft.com/office/drawing/2014/main" val="1083826987"/>
+                  </a:ext>
+                </a:extLst>
+              </a:tr>
+              <a:tr h="265905">
+                <a:tc>
+                  <a:txBody>
+                    <a:bodyPr/>
+                    <a:lstStyle/>
+                    <a:p>
+                      <a:pPr marL="0" algn="l" defTabSz="914400" rtl="0" eaLnBrk="1" latinLnBrk="0" hangingPunct="1"/>
+                      <a:r>
+                        <a:rPr lang="en-US" sz="1400" kern="1200">
+                          <a:solidFill>
+                            <a:schemeClr val="tx1"/>
+                          </a:solidFill>
+                          <a:latin typeface="+mn-lt"/>
+                          <a:ea typeface="+mn-ea"/>
+                          <a:cs typeface="+mn-cs"/>
+                        </a:rPr>
+                        <a:t>type</a:t>
+                      </a:r>
+                      <a:endParaRPr lang="ro-RO" sz="1400" kern="1200">
+                        <a:solidFill>
+                          <a:schemeClr val="tx1"/>
+                        </a:solidFill>
+                        <a:latin typeface="+mn-lt"/>
+                        <a:ea typeface="+mn-ea"/>
+                        <a:cs typeface="+mn-cs"/>
+                      </a:endParaRPr>
+                    </a:p>
+                  </a:txBody>
+                  <a:tcPr>
+                    <a:solidFill>
+                      <a:schemeClr val="accent4">
+                        <a:lumMod val="40000"/>
+                        <a:lumOff val="60000"/>
+                      </a:schemeClr>
+                    </a:solidFill>
+                  </a:tcPr>
+                </a:tc>
+                <a:extLst>
+                  <a:ext uri="{0D108BD9-81ED-4DB2-BD59-A6C34878D82A}">
+                    <a16:rowId xmlns:a16="http://schemas.microsoft.com/office/drawing/2014/main" val="2318874259"/>
+                  </a:ext>
+                </a:extLst>
+              </a:tr>
+              <a:tr h="265905">
+                <a:tc>
+                  <a:txBody>
+                    <a:bodyPr/>
+                    <a:lstStyle/>
+                    <a:p>
+                      <a:pPr marL="0" algn="l" defTabSz="914400" rtl="0" eaLnBrk="1" latinLnBrk="0" hangingPunct="1"/>
+                      <a:r>
+                        <a:rPr lang="en-US" sz="1400" kern="1200">
+                          <a:solidFill>
+                            <a:schemeClr val="tx1"/>
+                          </a:solidFill>
+                          <a:latin typeface="+mn-lt"/>
+                          <a:ea typeface="+mn-ea"/>
+                          <a:cs typeface="+mn-cs"/>
+                        </a:rPr>
+                        <a:t>value</a:t>
+                      </a:r>
+                      <a:endParaRPr lang="ro-RO" sz="1400" kern="1200">
+                        <a:solidFill>
+                          <a:schemeClr val="tx1"/>
+                        </a:solidFill>
+                        <a:latin typeface="+mn-lt"/>
+                        <a:ea typeface="+mn-ea"/>
+                        <a:cs typeface="+mn-cs"/>
+                      </a:endParaRPr>
+                    </a:p>
+                  </a:txBody>
+                  <a:tcPr>
+                    <a:solidFill>
+                      <a:schemeClr val="accent4">
+                        <a:lumMod val="40000"/>
+                        <a:lumOff val="60000"/>
+                      </a:schemeClr>
+                    </a:solidFill>
+                  </a:tcPr>
+                </a:tc>
+                <a:extLst>
+                  <a:ext uri="{0D108BD9-81ED-4DB2-BD59-A6C34878D82A}">
+                    <a16:rowId xmlns:a16="http://schemas.microsoft.com/office/drawing/2014/main" val="2718767688"/>
+                  </a:ext>
+                </a:extLst>
+              </a:tr>
+              <a:tr h="265905">
+                <a:tc>
+                  <a:txBody>
+                    <a:bodyPr/>
+                    <a:lstStyle/>
+                    <a:p>
+                      <a:r>
+                        <a:rPr lang="en-US" sz="1400"/>
+                        <a:t>description</a:t>
+                      </a:r>
+                      <a:endParaRPr lang="ro-RO" sz="1400"/>
+                    </a:p>
+                  </a:txBody>
+                  <a:tcPr>
+                    <a:solidFill>
+                      <a:schemeClr val="accent4">
+                        <a:lumMod val="40000"/>
+                        <a:lumOff val="60000"/>
+                      </a:schemeClr>
+                    </a:solidFill>
+                  </a:tcPr>
+                </a:tc>
+                <a:extLst>
+                  <a:ext uri="{0D108BD9-81ED-4DB2-BD59-A6C34878D82A}">
+                    <a16:rowId xmlns:a16="http://schemas.microsoft.com/office/drawing/2014/main" val="1437588662"/>
+                  </a:ext>
+                </a:extLst>
+              </a:tr>
+              <a:tr h="265905">
+                <a:tc>
+                  <a:txBody>
+                    <a:bodyPr/>
+                    <a:lstStyle/>
+                    <a:p>
+                      <a:r>
+                        <a:rPr lang="en-US" sz="1400"/>
+                        <a:t>active</a:t>
+                      </a:r>
+                      <a:endParaRPr lang="ro-RO" sz="1400"/>
+                    </a:p>
+                  </a:txBody>
+                  <a:tcPr>
+                    <a:solidFill>
+                      <a:schemeClr val="accent2">
+                        <a:lumMod val="40000"/>
+                        <a:lumOff val="60000"/>
+                      </a:schemeClr>
+                    </a:solidFill>
+                  </a:tcPr>
+                </a:tc>
+                <a:extLst>
+                  <a:ext uri="{0D108BD9-81ED-4DB2-BD59-A6C34878D82A}">
+                    <a16:rowId xmlns:a16="http://schemas.microsoft.com/office/drawing/2014/main" val="2779687727"/>
+                  </a:ext>
+                </a:extLst>
+              </a:tr>
+              <a:tr h="265905">
+                <a:tc>
+                  <a:txBody>
+                    <a:bodyPr/>
+                    <a:lstStyle/>
+                    <a:p>
+                      <a:r>
+                        <a:rPr lang="en-US" sz="1400"/>
+                        <a:t>expire_at</a:t>
+                      </a:r>
+                      <a:endParaRPr lang="ro-RO" sz="1400"/>
+                    </a:p>
+                  </a:txBody>
+                  <a:tcPr>
+                    <a:solidFill>
+                      <a:schemeClr val="accent2">
+                        <a:lumMod val="40000"/>
+                        <a:lumOff val="60000"/>
+                      </a:schemeClr>
+                    </a:solidFill>
+                  </a:tcPr>
+                </a:tc>
+                <a:extLst>
+                  <a:ext uri="{0D108BD9-81ED-4DB2-BD59-A6C34878D82A}">
+                    <a16:rowId xmlns:a16="http://schemas.microsoft.com/office/drawing/2014/main" val="835316148"/>
+                  </a:ext>
+                </a:extLst>
+              </a:tr>
+            </a:tbl>
+          </a:graphicData>
+        </a:graphic>
+      </p:graphicFrame>
+      <p:grpSp>
+        <p:nvGrpSpPr>
+          <p:cNvPr id="9" name="Group 8">
+            <a:extLst>
+              <a:ext uri="{FF2B5EF4-FFF2-40B4-BE49-F238E27FC236}">
+                <a16:creationId xmlns:a16="http://schemas.microsoft.com/office/drawing/2014/main" id="{1E25CFE1-4060-496C-80D0-6E41FC7759E9}"/>
+              </a:ext>
+            </a:extLst>
+          </p:cNvPr>
+          <p:cNvGrpSpPr/>
+          <p:nvPr/>
+        </p:nvGrpSpPr>
+        <p:grpSpPr>
+          <a:xfrm>
+            <a:off x="500541" y="2027340"/>
+            <a:ext cx="1487649" cy="2743200"/>
+            <a:chOff x="1289107" y="1331053"/>
+            <a:chExt cx="1487649" cy="2743200"/>
+          </a:xfrm>
+        </p:grpSpPr>
+        <p:sp>
+          <p:nvSpPr>
+            <p:cNvPr id="4" name="TextBox 3">
+              <a:extLst>
+                <a:ext uri="{FF2B5EF4-FFF2-40B4-BE49-F238E27FC236}">
+                  <a16:creationId xmlns:a16="http://schemas.microsoft.com/office/drawing/2014/main" id="{95EE1742-DE6C-47B4-8A29-08CE0C2265D6}"/>
+                </a:ext>
+              </a:extLst>
+            </p:cNvPr>
+            <p:cNvSpPr txBox="1"/>
+            <p:nvPr/>
+          </p:nvSpPr>
+          <p:spPr>
+            <a:xfrm>
+              <a:off x="1291905" y="1331053"/>
+              <a:ext cx="1484851" cy="369332"/>
+            </a:xfrm>
+            <a:prstGeom prst="rect">
+              <a:avLst/>
+            </a:prstGeom>
+          </p:spPr>
+          <p:style>
+            <a:lnRef idx="1">
+              <a:schemeClr val="accent5"/>
+            </a:lnRef>
+            <a:fillRef idx="3">
+              <a:schemeClr val="accent5"/>
+            </a:fillRef>
+            <a:effectRef idx="2">
+              <a:schemeClr val="accent5"/>
+            </a:effectRef>
+            <a:fontRef idx="minor">
+              <a:schemeClr val="lt1"/>
+            </a:fontRef>
+          </p:style>
+          <p:txBody>
+            <a:bodyPr wrap="square" rtlCol="0">
+              <a:spAutoFit/>
+            </a:bodyPr>
+            <a:lstStyle/>
+            <a:p>
+              <a:pPr algn="ctr"/>
+              <a:r>
+                <a:rPr lang="en-US"/>
+                <a:t>USERS</a:t>
+              </a:r>
+            </a:p>
+          </p:txBody>
+        </p:sp>
+        <p:sp>
+          <p:nvSpPr>
+            <p:cNvPr id="5" name="TextBox 4">
+              <a:extLst>
+                <a:ext uri="{FF2B5EF4-FFF2-40B4-BE49-F238E27FC236}">
+                  <a16:creationId xmlns:a16="http://schemas.microsoft.com/office/drawing/2014/main" id="{9B5C98D7-0ED2-40E1-838E-32FF10C4E2DD}"/>
+                </a:ext>
+              </a:extLst>
+            </p:cNvPr>
+            <p:cNvSpPr txBox="1"/>
+            <p:nvPr/>
+          </p:nvSpPr>
+          <p:spPr>
+            <a:xfrm>
+              <a:off x="1289107" y="2517987"/>
+              <a:ext cx="1484851" cy="369332"/>
+            </a:xfrm>
+            <a:prstGeom prst="rect">
+              <a:avLst/>
+            </a:prstGeom>
+          </p:spPr>
+          <p:style>
+            <a:lnRef idx="0">
+              <a:schemeClr val="accent5"/>
+            </a:lnRef>
+            <a:fillRef idx="3">
+              <a:schemeClr val="accent5"/>
+            </a:fillRef>
+            <a:effectRef idx="3">
+              <a:schemeClr val="accent5"/>
+            </a:effectRef>
+            <a:fontRef idx="minor">
+              <a:schemeClr val="lt1"/>
+            </a:fontRef>
+          </p:style>
+          <p:txBody>
+            <a:bodyPr wrap="square" rtlCol="0">
+              <a:spAutoFit/>
+            </a:bodyPr>
+            <a:lstStyle/>
+            <a:p>
+              <a:pPr algn="ctr"/>
+              <a:r>
+                <a:rPr lang="en-US"/>
+                <a:t>CATEGORIES</a:t>
+              </a:r>
+            </a:p>
+          </p:txBody>
+        </p:sp>
+        <p:sp>
+          <p:nvSpPr>
+            <p:cNvPr id="6" name="TextBox 5">
+              <a:extLst>
+                <a:ext uri="{FF2B5EF4-FFF2-40B4-BE49-F238E27FC236}">
+                  <a16:creationId xmlns:a16="http://schemas.microsoft.com/office/drawing/2014/main" id="{E7EA26B5-F252-419F-A90E-8C7A6636C01E}"/>
+                </a:ext>
+              </a:extLst>
+            </p:cNvPr>
+            <p:cNvSpPr txBox="1"/>
+            <p:nvPr/>
+          </p:nvSpPr>
+          <p:spPr>
+            <a:xfrm>
+              <a:off x="1289107" y="3704921"/>
+              <a:ext cx="1484851" cy="369332"/>
+            </a:xfrm>
+            <a:prstGeom prst="rect">
+              <a:avLst/>
+            </a:prstGeom>
+          </p:spPr>
+          <p:style>
+            <a:lnRef idx="0">
+              <a:schemeClr val="accent5"/>
+            </a:lnRef>
+            <a:fillRef idx="3">
+              <a:schemeClr val="accent5"/>
+            </a:fillRef>
+            <a:effectRef idx="3">
+              <a:schemeClr val="accent5"/>
+            </a:effectRef>
+            <a:fontRef idx="minor">
+              <a:schemeClr val="lt1"/>
+            </a:fontRef>
+          </p:style>
+          <p:txBody>
+            <a:bodyPr wrap="square" rtlCol="0">
+              <a:spAutoFit/>
+            </a:bodyPr>
+            <a:lstStyle/>
+            <a:p>
+              <a:pPr algn="ctr"/>
+              <a:r>
+                <a:rPr lang="en-US"/>
+                <a:t>BRANDS</a:t>
+              </a:r>
+            </a:p>
+          </p:txBody>
+        </p:sp>
+      </p:grpSp>
+      <p:graphicFrame>
+        <p:nvGraphicFramePr>
+          <p:cNvPr id="10" name="Table 9">
+            <a:extLst>
+              <a:ext uri="{FF2B5EF4-FFF2-40B4-BE49-F238E27FC236}">
+                <a16:creationId xmlns:a16="http://schemas.microsoft.com/office/drawing/2014/main" id="{83F42673-6BEB-412C-97A2-85D004A184DE}"/>
+              </a:ext>
+            </a:extLst>
+          </p:cNvPr>
+          <p:cNvGraphicFramePr>
+            <a:graphicFrameLocks noGrp="1"/>
+          </p:cNvGraphicFramePr>
+          <p:nvPr>
+            <p:extLst>
+              <p:ext uri="{D42A27DB-BD31-4B8C-83A1-F6EECF244321}">
+                <p14:modId xmlns:p14="http://schemas.microsoft.com/office/powerpoint/2010/main" val="3107775918"/>
+              </p:ext>
+            </p:extLst>
+          </p:nvPr>
+        </p:nvGraphicFramePr>
+        <p:xfrm>
+          <a:off x="3892344" y="2806118"/>
+          <a:ext cx="1749169" cy="1219200"/>
+        </p:xfrm>
+        <a:graphic>
+          <a:graphicData uri="http://schemas.openxmlformats.org/drawingml/2006/table">
+            <a:tbl>
+              <a:tblPr firstRow="1" bandRow="1">
+                <a:tableStyleId>{5940675A-B579-460E-94D1-54222C63F5DA}</a:tableStyleId>
+              </a:tblPr>
+              <a:tblGrid>
+                <a:gridCol w="1749169">
+                  <a:extLst>
+                    <a:ext uri="{9D8B030D-6E8A-4147-A177-3AD203B41FA5}">
+                      <a16:colId xmlns:a16="http://schemas.microsoft.com/office/drawing/2014/main" val="553009520"/>
+                    </a:ext>
+                  </a:extLst>
+                </a:gridCol>
+              </a:tblGrid>
+              <a:tr h="265905">
+                <a:tc>
+                  <a:txBody>
+                    <a:bodyPr/>
+                    <a:lstStyle/>
+                    <a:p>
+                      <a:r>
+                        <a:rPr lang="en-US" sz="1400" b="1">
+                          <a:solidFill>
+                            <a:schemeClr val="bg1"/>
+                          </a:solidFill>
+                        </a:rPr>
+                        <a:t>couponable</a:t>
+                      </a:r>
+                      <a:endParaRPr lang="ro-RO" sz="1400" b="1">
+                        <a:solidFill>
+                          <a:schemeClr val="bg1"/>
+                        </a:solidFill>
+                      </a:endParaRPr>
+                    </a:p>
+                  </a:txBody>
+                  <a:tcPr>
+                    <a:solidFill>
+                      <a:srgbClr val="C00000"/>
+                    </a:solidFill>
+                  </a:tcPr>
+                </a:tc>
+                <a:extLst>
+                  <a:ext uri="{0D108BD9-81ED-4DB2-BD59-A6C34878D82A}">
+                    <a16:rowId xmlns:a16="http://schemas.microsoft.com/office/drawing/2014/main" val="1142503979"/>
+                  </a:ext>
+                </a:extLst>
+              </a:tr>
+              <a:tr h="265905">
+                <a:tc>
+                  <a:txBody>
+                    <a:bodyPr/>
+                    <a:lstStyle/>
+                    <a:p>
+                      <a:r>
+                        <a:rPr lang="en-US" sz="1400"/>
+                        <a:t>coupon_id</a:t>
+                      </a:r>
+                      <a:endParaRPr lang="ro-RO" sz="1400"/>
+                    </a:p>
+                  </a:txBody>
+                  <a:tcPr/>
+                </a:tc>
+                <a:extLst>
+                  <a:ext uri="{0D108BD9-81ED-4DB2-BD59-A6C34878D82A}">
+                    <a16:rowId xmlns:a16="http://schemas.microsoft.com/office/drawing/2014/main" val="372363252"/>
+                  </a:ext>
+                </a:extLst>
+              </a:tr>
+              <a:tr h="265905">
+                <a:tc>
+                  <a:txBody>
+                    <a:bodyPr/>
+                    <a:lstStyle/>
+                    <a:p>
+                      <a:pPr marL="0" algn="l" defTabSz="914400" rtl="0" eaLnBrk="1" latinLnBrk="0" hangingPunct="1"/>
+                      <a:r>
+                        <a:rPr lang="en-US" sz="1400" kern="1200">
+                          <a:solidFill>
+                            <a:schemeClr val="tx1"/>
+                          </a:solidFill>
+                          <a:latin typeface="+mn-lt"/>
+                          <a:ea typeface="+mn-ea"/>
+                          <a:cs typeface="+mn-cs"/>
+                        </a:rPr>
+                        <a:t>couponable_id</a:t>
+                      </a:r>
+                      <a:endParaRPr lang="ro-RO" sz="1400" kern="1200">
+                        <a:solidFill>
+                          <a:schemeClr val="tx1"/>
+                        </a:solidFill>
+                        <a:latin typeface="+mn-lt"/>
+                        <a:ea typeface="+mn-ea"/>
+                        <a:cs typeface="+mn-cs"/>
+                      </a:endParaRPr>
+                    </a:p>
+                  </a:txBody>
+                  <a:tcPr>
+                    <a:noFill/>
+                  </a:tcPr>
+                </a:tc>
+                <a:extLst>
+                  <a:ext uri="{0D108BD9-81ED-4DB2-BD59-A6C34878D82A}">
+                    <a16:rowId xmlns:a16="http://schemas.microsoft.com/office/drawing/2014/main" val="34233047"/>
+                  </a:ext>
+                </a:extLst>
+              </a:tr>
+              <a:tr h="265905">
+                <a:tc>
+                  <a:txBody>
+                    <a:bodyPr/>
+                    <a:lstStyle/>
+                    <a:p>
+                      <a:r>
+                        <a:rPr lang="en-US" sz="1400"/>
+                        <a:t>couponable_type</a:t>
+                      </a:r>
+                      <a:endParaRPr lang="ro-RO" sz="1400"/>
+                    </a:p>
+                  </a:txBody>
+                  <a:tcPr>
+                    <a:noFill/>
+                  </a:tcPr>
+                </a:tc>
+                <a:extLst>
+                  <a:ext uri="{0D108BD9-81ED-4DB2-BD59-A6C34878D82A}">
+                    <a16:rowId xmlns:a16="http://schemas.microsoft.com/office/drawing/2014/main" val="1083826987"/>
+                  </a:ext>
+                </a:extLst>
+              </a:tr>
+            </a:tbl>
+          </a:graphicData>
+        </a:graphic>
+      </p:graphicFrame>
+      <p:cxnSp>
+        <p:nvCxnSpPr>
+          <p:cNvPr id="12" name="Connector: Elbow 11">
+            <a:extLst>
+              <a:ext uri="{FF2B5EF4-FFF2-40B4-BE49-F238E27FC236}">
+                <a16:creationId xmlns:a16="http://schemas.microsoft.com/office/drawing/2014/main" id="{081C54DB-134C-4D7D-8E16-776FFD25DD85}"/>
+              </a:ext>
+            </a:extLst>
+          </p:cNvPr>
+          <p:cNvCxnSpPr>
+            <a:cxnSpLocks/>
+            <a:endCxn id="10" idx="1"/>
+          </p:cNvCxnSpPr>
+          <p:nvPr/>
+        </p:nvCxnSpPr>
+        <p:spPr>
+          <a:xfrm flipV="1">
+            <a:off x="1985392" y="3415718"/>
+            <a:ext cx="1906952" cy="1186934"/>
+          </a:xfrm>
+          <a:prstGeom prst="bentConnector3">
+            <a:avLst/>
+          </a:prstGeom>
+          <a:ln w="12700">
+            <a:tailEnd type="triangle"/>
+          </a:ln>
+        </p:spPr>
+        <p:style>
+          <a:lnRef idx="1">
+            <a:schemeClr val="accent1"/>
+          </a:lnRef>
+          <a:fillRef idx="0">
+            <a:schemeClr val="accent1"/>
+          </a:fillRef>
+          <a:effectRef idx="0">
+            <a:schemeClr val="accent1"/>
+          </a:effectRef>
+          <a:fontRef idx="minor">
+            <a:schemeClr val="tx1"/>
+          </a:fontRef>
+        </p:style>
+      </p:cxnSp>
+      <p:cxnSp>
+        <p:nvCxnSpPr>
+          <p:cNvPr id="14" name="Connector: Elbow 13">
+            <a:extLst>
+              <a:ext uri="{FF2B5EF4-FFF2-40B4-BE49-F238E27FC236}">
+                <a16:creationId xmlns:a16="http://schemas.microsoft.com/office/drawing/2014/main" id="{3082C2CB-1560-4745-A332-FC28BD7F4C84}"/>
+              </a:ext>
+            </a:extLst>
+          </p:cNvPr>
+          <p:cNvCxnSpPr>
+            <a:cxnSpLocks/>
+            <a:endCxn id="10" idx="1"/>
+          </p:cNvCxnSpPr>
+          <p:nvPr/>
+        </p:nvCxnSpPr>
+        <p:spPr>
+          <a:xfrm>
+            <a:off x="1988190" y="2228784"/>
+            <a:ext cx="1904154" cy="1186934"/>
+          </a:xfrm>
+          <a:prstGeom prst="bentConnector3">
+            <a:avLst/>
+          </a:prstGeom>
+          <a:ln w="12700">
+            <a:tailEnd type="triangle"/>
+          </a:ln>
+        </p:spPr>
+        <p:style>
+          <a:lnRef idx="1">
+            <a:schemeClr val="accent4"/>
+          </a:lnRef>
+          <a:fillRef idx="0">
+            <a:schemeClr val="accent4"/>
+          </a:fillRef>
+          <a:effectRef idx="0">
+            <a:schemeClr val="accent4"/>
+          </a:effectRef>
+          <a:fontRef idx="minor">
+            <a:schemeClr val="tx1"/>
+          </a:fontRef>
+        </p:style>
+      </p:cxnSp>
+      <p:cxnSp>
+        <p:nvCxnSpPr>
+          <p:cNvPr id="16" name="Straight Arrow Connector 15">
+            <a:extLst>
+              <a:ext uri="{FF2B5EF4-FFF2-40B4-BE49-F238E27FC236}">
+                <a16:creationId xmlns:a16="http://schemas.microsoft.com/office/drawing/2014/main" id="{C9415A9C-27C1-4C63-B40C-6154D8AAC35E}"/>
+              </a:ext>
+            </a:extLst>
+          </p:cNvPr>
+          <p:cNvCxnSpPr>
+            <a:cxnSpLocks/>
+            <a:endCxn id="10" idx="1"/>
+          </p:cNvCxnSpPr>
+          <p:nvPr/>
+        </p:nvCxnSpPr>
+        <p:spPr>
+          <a:xfrm>
+            <a:off x="1985392" y="3415718"/>
+            <a:ext cx="1906952" cy="0"/>
+          </a:xfrm>
+          <a:prstGeom prst="straightConnector1">
+            <a:avLst/>
+          </a:prstGeom>
+          <a:ln w="12700">
+            <a:tailEnd type="triangle"/>
+          </a:ln>
+        </p:spPr>
+        <p:style>
+          <a:lnRef idx="1">
+            <a:schemeClr val="accent2"/>
+          </a:lnRef>
+          <a:fillRef idx="0">
+            <a:schemeClr val="accent2"/>
+          </a:fillRef>
+          <a:effectRef idx="0">
+            <a:schemeClr val="accent2"/>
+          </a:effectRef>
+          <a:fontRef idx="minor">
+            <a:schemeClr val="tx1"/>
+          </a:fontRef>
+        </p:style>
+      </p:cxnSp>
+      <p:cxnSp>
+        <p:nvCxnSpPr>
+          <p:cNvPr id="18" name="Connector: Elbow 17">
+            <a:extLst>
+              <a:ext uri="{FF2B5EF4-FFF2-40B4-BE49-F238E27FC236}">
+                <a16:creationId xmlns:a16="http://schemas.microsoft.com/office/drawing/2014/main" id="{F6D9FA94-203B-49BB-A94E-CBD73D558257}"/>
+              </a:ext>
+            </a:extLst>
+          </p:cNvPr>
+          <p:cNvCxnSpPr>
+            <a:endCxn id="10" idx="3"/>
+          </p:cNvCxnSpPr>
+          <p:nvPr/>
+        </p:nvCxnSpPr>
+        <p:spPr>
+          <a:xfrm rot="10800000" flipV="1">
+            <a:off x="5641514" y="2533476"/>
+            <a:ext cx="1906953" cy="882242"/>
+          </a:xfrm>
+          <a:prstGeom prst="bentConnector3">
+            <a:avLst/>
+          </a:prstGeom>
+          <a:ln w="12700">
+            <a:tailEnd type="triangle"/>
+          </a:ln>
+        </p:spPr>
+        <p:style>
+          <a:lnRef idx="1">
+            <a:schemeClr val="accent1"/>
+          </a:lnRef>
+          <a:fillRef idx="0">
+            <a:schemeClr val="accent1"/>
+          </a:fillRef>
+          <a:effectRef idx="0">
+            <a:schemeClr val="accent1"/>
+          </a:effectRef>
+          <a:fontRef idx="minor">
+            <a:schemeClr val="tx1"/>
+          </a:fontRef>
+        </p:style>
+      </p:cxnSp>
+      <p:sp>
+        <p:nvSpPr>
+          <p:cNvPr id="19" name="TextBox 18">
+            <a:extLst>
+              <a:ext uri="{FF2B5EF4-FFF2-40B4-BE49-F238E27FC236}">
+                <a16:creationId xmlns:a16="http://schemas.microsoft.com/office/drawing/2014/main" id="{C411FD5E-24CC-4470-B149-213828F4F4BB}"/>
+              </a:ext>
+            </a:extLst>
+          </p:cNvPr>
+          <p:cNvSpPr txBox="1"/>
+          <p:nvPr/>
+        </p:nvSpPr>
+        <p:spPr>
+          <a:xfrm>
+            <a:off x="1503025" y="5534777"/>
+            <a:ext cx="3933041" cy="338554"/>
+          </a:xfrm>
+          <a:prstGeom prst="rect">
+            <a:avLst/>
+          </a:prstGeom>
+        </p:spPr>
+        <p:style>
+          <a:lnRef idx="1">
+            <a:schemeClr val="accent3"/>
+          </a:lnRef>
+          <a:fillRef idx="2">
+            <a:schemeClr val="accent3"/>
+          </a:fillRef>
+          <a:effectRef idx="1">
+            <a:schemeClr val="accent3"/>
+          </a:effectRef>
+          <a:fontRef idx="minor">
+            <a:schemeClr val="dk1"/>
+          </a:fontRef>
+        </p:style>
+        <p:txBody>
+          <a:bodyPr wrap="square" rtlCol="0">
+            <a:spAutoFit/>
+          </a:bodyPr>
+          <a:lstStyle/>
+          <a:p>
+            <a:pPr algn="ctr"/>
+            <a:r>
+              <a:rPr lang="en-US" sz="1600"/>
+              <a:t>morphToMany(Coupon::class,’couponable’)</a:t>
+            </a:r>
+          </a:p>
+        </p:txBody>
+      </p:sp>
+      <p:sp>
+        <p:nvSpPr>
+          <p:cNvPr id="20" name="TextBox 19">
+            <a:extLst>
+              <a:ext uri="{FF2B5EF4-FFF2-40B4-BE49-F238E27FC236}">
+                <a16:creationId xmlns:a16="http://schemas.microsoft.com/office/drawing/2014/main" id="{EB54760D-9C30-4FBE-99CC-7499B4D8AAAF}"/>
+              </a:ext>
+            </a:extLst>
+          </p:cNvPr>
+          <p:cNvSpPr txBox="1"/>
+          <p:nvPr/>
+        </p:nvSpPr>
+        <p:spPr>
+          <a:xfrm>
+            <a:off x="3461155" y="818277"/>
+            <a:ext cx="3778543" cy="307777"/>
+          </a:xfrm>
+          <a:prstGeom prst="rect">
+            <a:avLst/>
+          </a:prstGeom>
+        </p:spPr>
+        <p:style>
+          <a:lnRef idx="1">
+            <a:schemeClr val="accent3"/>
+          </a:lnRef>
+          <a:fillRef idx="2">
+            <a:schemeClr val="accent3"/>
+          </a:fillRef>
+          <a:effectRef idx="1">
+            <a:schemeClr val="accent3"/>
+          </a:effectRef>
+          <a:fontRef idx="minor">
+            <a:schemeClr val="dk1"/>
+          </a:fontRef>
+        </p:style>
+        <p:txBody>
+          <a:bodyPr wrap="square" rtlCol="0">
+            <a:spAutoFit/>
+          </a:bodyPr>
+          <a:lstStyle/>
+          <a:p>
+            <a:pPr algn="ctr"/>
+            <a:r>
+              <a:rPr lang="en-US" sz="1400"/>
+              <a:t>morphedByMany(User::class,’couponable’)</a:t>
+            </a:r>
+          </a:p>
+        </p:txBody>
+      </p:sp>
+      <p:sp>
+        <p:nvSpPr>
+          <p:cNvPr id="23" name="TextBox 22">
+            <a:extLst>
+              <a:ext uri="{FF2B5EF4-FFF2-40B4-BE49-F238E27FC236}">
+                <a16:creationId xmlns:a16="http://schemas.microsoft.com/office/drawing/2014/main" id="{36057BE2-A85B-48E8-9578-56984B45F4BD}"/>
+              </a:ext>
+            </a:extLst>
+          </p:cNvPr>
+          <p:cNvSpPr txBox="1"/>
+          <p:nvPr/>
+        </p:nvSpPr>
+        <p:spPr>
+          <a:xfrm>
+            <a:off x="3469545" y="1234493"/>
+            <a:ext cx="3770154" cy="307777"/>
+          </a:xfrm>
+          <a:prstGeom prst="rect">
+            <a:avLst/>
+          </a:prstGeom>
+        </p:spPr>
+        <p:style>
+          <a:lnRef idx="1">
+            <a:schemeClr val="accent3"/>
+          </a:lnRef>
+          <a:fillRef idx="2">
+            <a:schemeClr val="accent3"/>
+          </a:fillRef>
+          <a:effectRef idx="1">
+            <a:schemeClr val="accent3"/>
+          </a:effectRef>
+          <a:fontRef idx="minor">
+            <a:schemeClr val="dk1"/>
+          </a:fontRef>
+        </p:style>
+        <p:txBody>
+          <a:bodyPr wrap="square" rtlCol="0">
+            <a:spAutoFit/>
+          </a:bodyPr>
+          <a:lstStyle/>
+          <a:p>
+            <a:pPr algn="ctr"/>
+            <a:r>
+              <a:rPr lang="en-US" sz="1400"/>
+              <a:t>morphedByMany(Category::class,’couponable’)</a:t>
+            </a:r>
+          </a:p>
+        </p:txBody>
+      </p:sp>
+      <p:sp>
+        <p:nvSpPr>
+          <p:cNvPr id="24" name="TextBox 23">
+            <a:extLst>
+              <a:ext uri="{FF2B5EF4-FFF2-40B4-BE49-F238E27FC236}">
+                <a16:creationId xmlns:a16="http://schemas.microsoft.com/office/drawing/2014/main" id="{FD538875-3E26-4669-88E5-9E0746531CEE}"/>
+              </a:ext>
+            </a:extLst>
+          </p:cNvPr>
+          <p:cNvSpPr txBox="1"/>
+          <p:nvPr/>
+        </p:nvSpPr>
+        <p:spPr>
+          <a:xfrm>
+            <a:off x="3461156" y="1633931"/>
+            <a:ext cx="3778542" cy="307777"/>
+          </a:xfrm>
+          <a:prstGeom prst="rect">
+            <a:avLst/>
+          </a:prstGeom>
+        </p:spPr>
+        <p:style>
+          <a:lnRef idx="1">
+            <a:schemeClr val="accent3"/>
+          </a:lnRef>
+          <a:fillRef idx="2">
+            <a:schemeClr val="accent3"/>
+          </a:fillRef>
+          <a:effectRef idx="1">
+            <a:schemeClr val="accent3"/>
+          </a:effectRef>
+          <a:fontRef idx="minor">
+            <a:schemeClr val="dk1"/>
+          </a:fontRef>
+        </p:style>
+        <p:txBody>
+          <a:bodyPr wrap="square" rtlCol="0">
+            <a:spAutoFit/>
+          </a:bodyPr>
+          <a:lstStyle/>
+          <a:p>
+            <a:pPr algn="ctr"/>
+            <a:r>
+              <a:rPr lang="en-US" sz="1400"/>
+              <a:t>morphedByMany(Brand::class,’couponable’)</a:t>
+            </a:r>
+          </a:p>
+        </p:txBody>
+      </p:sp>
+    </p:spTree>
+    <p:extLst>
+      <p:ext uri="{BB962C8B-B14F-4D97-AF65-F5344CB8AC3E}">
+        <p14:creationId xmlns:p14="http://schemas.microsoft.com/office/powerpoint/2010/main" val="3508970109"/>
+      </p:ext>
+    </p:extLst>
+  </p:cSld>
+  <p:clrMapOvr>
+    <a:masterClrMapping/>
+  </p:clrMapOvr>
+  <p:timing>
+    <p:tnLst>
+      <p:par>
+        <p:cTn id="1" dur="indefinite" restart="never" nodeType="tmRoot">
+          <p:childTnLst>
+            <p:seq concurrent="1" nextAc="seek">
+              <p:cTn id="2" dur="indefinite" nodeType="mainSeq">
+                <p:childTnLst>
+                  <p:par>
+                    <p:cTn id="3" fill="hold">
+                      <p:stCondLst>
+                        <p:cond delay="indefinite"/>
+                      </p:stCondLst>
+                      <p:childTnLst>
+                        <p:par>
+                          <p:cTn id="4" fill="hold">
+                            <p:stCondLst>
+                              <p:cond delay="0"/>
+                            </p:stCondLst>
+                            <p:childTnLst>
+                              <p:par>
+                                <p:cTn id="5" presetID="42" presetClass="entr" presetSubtype="0" fill="hold" nodeType="clickEffect">
+                                  <p:stCondLst>
+                                    <p:cond delay="0"/>
+                                  </p:stCondLst>
+                                  <p:childTnLst>
+                                    <p:set>
+                                      <p:cBhvr>
+                                        <p:cTn id="6" dur="1" fill="hold">
+                                          <p:stCondLst>
+                                            <p:cond delay="0"/>
+                                          </p:stCondLst>
+                                        </p:cTn>
+                                        <p:tgtEl>
+                                          <p:spTgt spid="3"/>
+                                        </p:tgtEl>
+                                        <p:attrNameLst>
+                                          <p:attrName>style.visibility</p:attrName>
+                                        </p:attrNameLst>
+                                      </p:cBhvr>
+                                      <p:to>
+                                        <p:strVal val="visible"/>
+                                      </p:to>
+                                    </p:set>
+                                    <p:animEffect transition="in" filter="fade">
+                                      <p:cBhvr>
+                                        <p:cTn id="7" dur="1000"/>
+                                        <p:tgtEl>
+                                          <p:spTgt spid="3"/>
+                                        </p:tgtEl>
+                                      </p:cBhvr>
+                                    </p:animEffect>
+                                    <p:anim calcmode="lin" valueType="num">
+                                      <p:cBhvr>
+                                        <p:cTn id="8" dur="1000" fill="hold"/>
+                                        <p:tgtEl>
+                                          <p:spTgt spid="3"/>
+                                        </p:tgtEl>
+                                        <p:attrNameLst>
+                                          <p:attrName>ppt_x</p:attrName>
+                                        </p:attrNameLst>
+                                      </p:cBhvr>
+                                      <p:tavLst>
+                                        <p:tav tm="0">
+                                          <p:val>
+                                            <p:strVal val="#ppt_x"/>
+                                          </p:val>
+                                        </p:tav>
+                                        <p:tav tm="100000">
+                                          <p:val>
+                                            <p:strVal val="#ppt_x"/>
+                                          </p:val>
+                                        </p:tav>
+                                      </p:tavLst>
+                                    </p:anim>
+                                    <p:anim calcmode="lin" valueType="num">
+                                      <p:cBhvr>
+                                        <p:cTn id="9" dur="1000" fill="hold"/>
+                                        <p:tgtEl>
+                                          <p:spTgt spid="3"/>
+                                        </p:tgtEl>
+                                        <p:attrNameLst>
+                                          <p:attrName>ppt_y</p:attrName>
+                                        </p:attrNameLst>
+                                      </p:cBhvr>
+                                      <p:tavLst>
+                                        <p:tav tm="0">
+                                          <p:val>
+                                            <p:strVal val="#ppt_y+.1"/>
+                                          </p:val>
+                                        </p:tav>
+                                        <p:tav tm="100000">
+                                          <p:val>
+                                            <p:strVal val="#ppt_y"/>
+                                          </p:val>
+                                        </p:tav>
+                                      </p:tavLst>
+                                    </p:anim>
+                                  </p:childTnLst>
+                                </p:cTn>
+                              </p:par>
+                            </p:childTnLst>
+                          </p:cTn>
+                        </p:par>
+                      </p:childTnLst>
+                    </p:cTn>
+                  </p:par>
+                  <p:par>
+                    <p:cTn id="10" fill="hold">
+                      <p:stCondLst>
+                        <p:cond delay="indefinite"/>
+                      </p:stCondLst>
+                      <p:childTnLst>
+                        <p:par>
+                          <p:cTn id="11" fill="hold">
+                            <p:stCondLst>
+                              <p:cond delay="0"/>
+                            </p:stCondLst>
+                            <p:childTnLst>
+                              <p:par>
+                                <p:cTn id="12" presetID="1" presetClass="entr" presetSubtype="0" fill="hold" nodeType="clickEffect">
+                                  <p:stCondLst>
+                                    <p:cond delay="0"/>
+                                  </p:stCondLst>
+                                  <p:childTnLst>
+                                    <p:set>
+                                      <p:cBhvr>
+                                        <p:cTn id="13" dur="1" fill="hold">
+                                          <p:stCondLst>
+                                            <p:cond delay="0"/>
+                                          </p:stCondLst>
+                                        </p:cTn>
+                                        <p:tgtEl>
+                                          <p:spTgt spid="9"/>
+                                        </p:tgtEl>
+                                        <p:attrNameLst>
+                                          <p:attrName>style.visibility</p:attrName>
+                                        </p:attrNameLst>
+                                      </p:cBhvr>
+                                      <p:to>
+                                        <p:strVal val="visible"/>
+                                      </p:to>
+                                    </p:set>
+                                  </p:childTnLst>
+                                </p:cTn>
+                              </p:par>
+                            </p:childTnLst>
+                          </p:cTn>
+                        </p:par>
+                      </p:childTnLst>
+                    </p:cTn>
+                  </p:par>
+                  <p:par>
+                    <p:cTn id="14" fill="hold">
+                      <p:stCondLst>
+                        <p:cond delay="indefinite"/>
+                      </p:stCondLst>
+                      <p:childTnLst>
+                        <p:par>
+                          <p:cTn id="15" fill="hold">
+                            <p:stCondLst>
+                              <p:cond delay="0"/>
+                            </p:stCondLst>
+                            <p:childTnLst>
+                              <p:par>
+                                <p:cTn id="16" presetID="10" presetClass="entr" presetSubtype="0" fill="hold" nodeType="clickEffect">
+                                  <p:stCondLst>
+                                    <p:cond delay="0"/>
+                                  </p:stCondLst>
+                                  <p:childTnLst>
+                                    <p:set>
+                                      <p:cBhvr>
+                                        <p:cTn id="17" dur="1" fill="hold">
+                                          <p:stCondLst>
+                                            <p:cond delay="0"/>
+                                          </p:stCondLst>
+                                        </p:cTn>
+                                        <p:tgtEl>
+                                          <p:spTgt spid="14"/>
+                                        </p:tgtEl>
+                                        <p:attrNameLst>
+                                          <p:attrName>style.visibility</p:attrName>
+                                        </p:attrNameLst>
+                                      </p:cBhvr>
+                                      <p:to>
+                                        <p:strVal val="visible"/>
+                                      </p:to>
+                                    </p:set>
+                                    <p:animEffect transition="in" filter="fade">
+                                      <p:cBhvr>
+                                        <p:cTn id="18" dur="500"/>
+                                        <p:tgtEl>
+                                          <p:spTgt spid="14"/>
+                                        </p:tgtEl>
+                                      </p:cBhvr>
+                                    </p:animEffect>
+                                  </p:childTnLst>
+                                </p:cTn>
+                              </p:par>
+                            </p:childTnLst>
+                          </p:cTn>
+                        </p:par>
+                      </p:childTnLst>
+                    </p:cTn>
+                  </p:par>
+                  <p:par>
+                    <p:cTn id="19" fill="hold">
+                      <p:stCondLst>
+                        <p:cond delay="indefinite"/>
+                      </p:stCondLst>
+                      <p:childTnLst>
+                        <p:par>
+                          <p:cTn id="20" fill="hold">
+                            <p:stCondLst>
+                              <p:cond delay="0"/>
+                            </p:stCondLst>
+                            <p:childTnLst>
+                              <p:par>
+                                <p:cTn id="21" presetID="10" presetClass="entr" presetSubtype="0" fill="hold" nodeType="clickEffect">
+                                  <p:stCondLst>
+                                    <p:cond delay="0"/>
+                                  </p:stCondLst>
+                                  <p:childTnLst>
+                                    <p:set>
+                                      <p:cBhvr>
+                                        <p:cTn id="22" dur="1" fill="hold">
+                                          <p:stCondLst>
+                                            <p:cond delay="0"/>
+                                          </p:stCondLst>
+                                        </p:cTn>
+                                        <p:tgtEl>
+                                          <p:spTgt spid="16"/>
+                                        </p:tgtEl>
+                                        <p:attrNameLst>
+                                          <p:attrName>style.visibility</p:attrName>
+                                        </p:attrNameLst>
+                                      </p:cBhvr>
+                                      <p:to>
+                                        <p:strVal val="visible"/>
+                                      </p:to>
+                                    </p:set>
+                                    <p:animEffect transition="in" filter="fade">
+                                      <p:cBhvr>
+                                        <p:cTn id="23" dur="500"/>
+                                        <p:tgtEl>
+                                          <p:spTgt spid="16"/>
+                                        </p:tgtEl>
+                                      </p:cBhvr>
+                                    </p:animEffect>
+                                  </p:childTnLst>
+                                </p:cTn>
+                              </p:par>
+                            </p:childTnLst>
+                          </p:cTn>
+                        </p:par>
+                      </p:childTnLst>
+                    </p:cTn>
+                  </p:par>
+                  <p:par>
+                    <p:cTn id="24" fill="hold">
+                      <p:stCondLst>
+                        <p:cond delay="indefinite"/>
+                      </p:stCondLst>
+                      <p:childTnLst>
+                        <p:par>
+                          <p:cTn id="25" fill="hold">
+                            <p:stCondLst>
+                              <p:cond delay="0"/>
+                            </p:stCondLst>
+                            <p:childTnLst>
+                              <p:par>
+                                <p:cTn id="26" presetID="10" presetClass="entr" presetSubtype="0" fill="hold" nodeType="clickEffect">
+                                  <p:stCondLst>
+                                    <p:cond delay="0"/>
+                                  </p:stCondLst>
+                                  <p:childTnLst>
+                                    <p:set>
+                                      <p:cBhvr>
+                                        <p:cTn id="27" dur="1" fill="hold">
+                                          <p:stCondLst>
+                                            <p:cond delay="0"/>
+                                          </p:stCondLst>
+                                        </p:cTn>
+                                        <p:tgtEl>
+                                          <p:spTgt spid="12"/>
+                                        </p:tgtEl>
+                                        <p:attrNameLst>
+                                          <p:attrName>style.visibility</p:attrName>
+                                        </p:attrNameLst>
+                                      </p:cBhvr>
+                                      <p:to>
+                                        <p:strVal val="visible"/>
+                                      </p:to>
+                                    </p:set>
+                                    <p:animEffect transition="in" filter="fade">
+                                      <p:cBhvr>
+                                        <p:cTn id="28" dur="500"/>
+                                        <p:tgtEl>
+                                          <p:spTgt spid="12"/>
+                                        </p:tgtEl>
+                                      </p:cBhvr>
+                                    </p:animEffect>
+                                  </p:childTnLst>
+                                </p:cTn>
+                              </p:par>
+                            </p:childTnLst>
+                          </p:cTn>
+                        </p:par>
+                      </p:childTnLst>
+                    </p:cTn>
+                  </p:par>
+                  <p:par>
+                    <p:cTn id="29" fill="hold">
+                      <p:stCondLst>
+                        <p:cond delay="indefinite"/>
+                      </p:stCondLst>
+                      <p:childTnLst>
+                        <p:par>
+                          <p:cTn id="30" fill="hold">
+                            <p:stCondLst>
+                              <p:cond delay="0"/>
+                            </p:stCondLst>
+                            <p:childTnLst>
+                              <p:par>
+                                <p:cTn id="31" presetID="53" presetClass="entr" presetSubtype="16" fill="hold" nodeType="clickEffect">
+                                  <p:stCondLst>
+                                    <p:cond delay="0"/>
+                                  </p:stCondLst>
+                                  <p:childTnLst>
+                                    <p:set>
+                                      <p:cBhvr>
+                                        <p:cTn id="32" dur="1" fill="hold">
+                                          <p:stCondLst>
+                                            <p:cond delay="0"/>
+                                          </p:stCondLst>
+                                        </p:cTn>
+                                        <p:tgtEl>
+                                          <p:spTgt spid="10"/>
+                                        </p:tgtEl>
+                                        <p:attrNameLst>
+                                          <p:attrName>style.visibility</p:attrName>
+                                        </p:attrNameLst>
+                                      </p:cBhvr>
+                                      <p:to>
+                                        <p:strVal val="visible"/>
+                                      </p:to>
+                                    </p:set>
+                                    <p:anim calcmode="lin" valueType="num">
+                                      <p:cBhvr>
+                                        <p:cTn id="33" dur="500" fill="hold"/>
+                                        <p:tgtEl>
+                                          <p:spTgt spid="10"/>
+                                        </p:tgtEl>
+                                        <p:attrNameLst>
+                                          <p:attrName>ppt_w</p:attrName>
+                                        </p:attrNameLst>
+                                      </p:cBhvr>
+                                      <p:tavLst>
+                                        <p:tav tm="0">
+                                          <p:val>
+                                            <p:fltVal val="0"/>
+                                          </p:val>
+                                        </p:tav>
+                                        <p:tav tm="100000">
+                                          <p:val>
+                                            <p:strVal val="#ppt_w"/>
+                                          </p:val>
+                                        </p:tav>
+                                      </p:tavLst>
+                                    </p:anim>
+                                    <p:anim calcmode="lin" valueType="num">
+                                      <p:cBhvr>
+                                        <p:cTn id="34" dur="500" fill="hold"/>
+                                        <p:tgtEl>
+                                          <p:spTgt spid="10"/>
+                                        </p:tgtEl>
+                                        <p:attrNameLst>
+                                          <p:attrName>ppt_h</p:attrName>
+                                        </p:attrNameLst>
+                                      </p:cBhvr>
+                                      <p:tavLst>
+                                        <p:tav tm="0">
+                                          <p:val>
+                                            <p:fltVal val="0"/>
+                                          </p:val>
+                                        </p:tav>
+                                        <p:tav tm="100000">
+                                          <p:val>
+                                            <p:strVal val="#ppt_h"/>
+                                          </p:val>
+                                        </p:tav>
+                                      </p:tavLst>
+                                    </p:anim>
+                                    <p:animEffect transition="in" filter="fade">
+                                      <p:cBhvr>
+                                        <p:cTn id="35" dur="500"/>
+                                        <p:tgtEl>
+                                          <p:spTgt spid="10"/>
+                                        </p:tgtEl>
+                                      </p:cBhvr>
+                                    </p:animEffect>
+                                  </p:childTnLst>
+                                </p:cTn>
+                              </p:par>
+                            </p:childTnLst>
+                          </p:cTn>
+                        </p:par>
+                      </p:childTnLst>
+                    </p:cTn>
+                  </p:par>
+                  <p:par>
+                    <p:cTn id="36" fill="hold">
+                      <p:stCondLst>
+                        <p:cond delay="indefinite"/>
+                      </p:stCondLst>
+                      <p:childTnLst>
+                        <p:par>
+                          <p:cTn id="37" fill="hold">
+                            <p:stCondLst>
+                              <p:cond delay="0"/>
+                            </p:stCondLst>
+                            <p:childTnLst>
+                              <p:par>
+                                <p:cTn id="38" presetID="6" presetClass="entr" presetSubtype="16" fill="hold" grpId="0" nodeType="clickEffect">
+                                  <p:stCondLst>
+                                    <p:cond delay="0"/>
+                                  </p:stCondLst>
+                                  <p:childTnLst>
+                                    <p:set>
+                                      <p:cBhvr>
+                                        <p:cTn id="39" dur="1" fill="hold">
+                                          <p:stCondLst>
+                                            <p:cond delay="0"/>
+                                          </p:stCondLst>
+                                        </p:cTn>
+                                        <p:tgtEl>
+                                          <p:spTgt spid="19"/>
+                                        </p:tgtEl>
+                                        <p:attrNameLst>
+                                          <p:attrName>style.visibility</p:attrName>
+                                        </p:attrNameLst>
+                                      </p:cBhvr>
+                                      <p:to>
+                                        <p:strVal val="visible"/>
+                                      </p:to>
+                                    </p:set>
+                                    <p:animEffect transition="in" filter="circle(in)">
+                                      <p:cBhvr>
+                                        <p:cTn id="40" dur="2000"/>
+                                        <p:tgtEl>
+                                          <p:spTgt spid="19"/>
+                                        </p:tgtEl>
+                                      </p:cBhvr>
+                                    </p:animEffect>
+                                  </p:childTnLst>
+                                </p:cTn>
+                              </p:par>
+                            </p:childTnLst>
+                          </p:cTn>
+                        </p:par>
+                      </p:childTnLst>
+                    </p:cTn>
+                  </p:par>
+                  <p:par>
+                    <p:cTn id="41" fill="hold">
+                      <p:stCondLst>
+                        <p:cond delay="indefinite"/>
+                      </p:stCondLst>
+                      <p:childTnLst>
+                        <p:par>
+                          <p:cTn id="42" fill="hold">
+                            <p:stCondLst>
+                              <p:cond delay="0"/>
+                            </p:stCondLst>
+                            <p:childTnLst>
+                              <p:par>
+                                <p:cTn id="43" presetID="6" presetClass="entr" presetSubtype="16" fill="hold" nodeType="clickEffect">
+                                  <p:stCondLst>
+                                    <p:cond delay="0"/>
+                                  </p:stCondLst>
+                                  <p:childTnLst>
+                                    <p:set>
+                                      <p:cBhvr>
+                                        <p:cTn id="44" dur="1" fill="hold">
+                                          <p:stCondLst>
+                                            <p:cond delay="0"/>
+                                          </p:stCondLst>
+                                        </p:cTn>
+                                        <p:tgtEl>
+                                          <p:spTgt spid="18"/>
+                                        </p:tgtEl>
+                                        <p:attrNameLst>
+                                          <p:attrName>style.visibility</p:attrName>
+                                        </p:attrNameLst>
+                                      </p:cBhvr>
+                                      <p:to>
+                                        <p:strVal val="visible"/>
+                                      </p:to>
+                                    </p:set>
+                                    <p:animEffect transition="in" filter="circle(in)">
+                                      <p:cBhvr>
+                                        <p:cTn id="45" dur="2000"/>
+                                        <p:tgtEl>
+                                          <p:spTgt spid="18"/>
+                                        </p:tgtEl>
+                                      </p:cBhvr>
+                                    </p:animEffect>
+                                  </p:childTnLst>
+                                </p:cTn>
+                              </p:par>
+                            </p:childTnLst>
+                          </p:cTn>
+                        </p:par>
+                      </p:childTnLst>
+                    </p:cTn>
+                  </p:par>
+                  <p:par>
+                    <p:cTn id="46" fill="hold">
+                      <p:stCondLst>
+                        <p:cond delay="indefinite"/>
+                      </p:stCondLst>
+                      <p:childTnLst>
+                        <p:par>
+                          <p:cTn id="47" fill="hold">
+                            <p:stCondLst>
+                              <p:cond delay="0"/>
+                            </p:stCondLst>
+                            <p:childTnLst>
+                              <p:par>
+                                <p:cTn id="48" presetID="6" presetClass="entr" presetSubtype="16" fill="hold" grpId="0" nodeType="clickEffect">
+                                  <p:stCondLst>
+                                    <p:cond delay="0"/>
+                                  </p:stCondLst>
+                                  <p:childTnLst>
+                                    <p:set>
+                                      <p:cBhvr>
+                                        <p:cTn id="49" dur="1" fill="hold">
+                                          <p:stCondLst>
+                                            <p:cond delay="0"/>
+                                          </p:stCondLst>
+                                        </p:cTn>
+                                        <p:tgtEl>
+                                          <p:spTgt spid="20"/>
+                                        </p:tgtEl>
+                                        <p:attrNameLst>
+                                          <p:attrName>style.visibility</p:attrName>
+                                        </p:attrNameLst>
+                                      </p:cBhvr>
+                                      <p:to>
+                                        <p:strVal val="visible"/>
+                                      </p:to>
+                                    </p:set>
+                                    <p:animEffect transition="in" filter="circle(in)">
+                                      <p:cBhvr>
+                                        <p:cTn id="50" dur="2000"/>
+                                        <p:tgtEl>
+                                          <p:spTgt spid="20"/>
+                                        </p:tgtEl>
+                                      </p:cBhvr>
+                                    </p:animEffect>
+                                  </p:childTnLst>
+                                </p:cTn>
+                              </p:par>
+                            </p:childTnLst>
+                          </p:cTn>
+                        </p:par>
+                      </p:childTnLst>
+                    </p:cTn>
+                  </p:par>
+                  <p:par>
+                    <p:cTn id="51" fill="hold">
+                      <p:stCondLst>
+                        <p:cond delay="indefinite"/>
+                      </p:stCondLst>
+                      <p:childTnLst>
+                        <p:par>
+                          <p:cTn id="52" fill="hold">
+                            <p:stCondLst>
+                              <p:cond delay="0"/>
+                            </p:stCondLst>
+                            <p:childTnLst>
+                              <p:par>
+                                <p:cTn id="53" presetID="6" presetClass="entr" presetSubtype="16" fill="hold" grpId="0" nodeType="clickEffect">
+                                  <p:stCondLst>
+                                    <p:cond delay="0"/>
+                                  </p:stCondLst>
+                                  <p:childTnLst>
+                                    <p:set>
+                                      <p:cBhvr>
+                                        <p:cTn id="54" dur="1" fill="hold">
+                                          <p:stCondLst>
+                                            <p:cond delay="0"/>
+                                          </p:stCondLst>
+                                        </p:cTn>
+                                        <p:tgtEl>
+                                          <p:spTgt spid="23"/>
+                                        </p:tgtEl>
+                                        <p:attrNameLst>
+                                          <p:attrName>style.visibility</p:attrName>
+                                        </p:attrNameLst>
+                                      </p:cBhvr>
+                                      <p:to>
+                                        <p:strVal val="visible"/>
+                                      </p:to>
+                                    </p:set>
+                                    <p:animEffect transition="in" filter="circle(in)">
+                                      <p:cBhvr>
+                                        <p:cTn id="55" dur="2000"/>
+                                        <p:tgtEl>
+                                          <p:spTgt spid="23"/>
+                                        </p:tgtEl>
+                                      </p:cBhvr>
+                                    </p:animEffect>
+                                  </p:childTnLst>
+                                </p:cTn>
+                              </p:par>
+                            </p:childTnLst>
+                          </p:cTn>
+                        </p:par>
+                      </p:childTnLst>
+                    </p:cTn>
+                  </p:par>
+                  <p:par>
+                    <p:cTn id="56" fill="hold">
+                      <p:stCondLst>
+                        <p:cond delay="indefinite"/>
+                      </p:stCondLst>
+                      <p:childTnLst>
+                        <p:par>
+                          <p:cTn id="57" fill="hold">
+                            <p:stCondLst>
+                              <p:cond delay="0"/>
+                            </p:stCondLst>
+                            <p:childTnLst>
+                              <p:par>
+                                <p:cTn id="58" presetID="6" presetClass="entr" presetSubtype="16" fill="hold" grpId="0" nodeType="clickEffect">
+                                  <p:stCondLst>
+                                    <p:cond delay="0"/>
+                                  </p:stCondLst>
+                                  <p:childTnLst>
+                                    <p:set>
+                                      <p:cBhvr>
+                                        <p:cTn id="59" dur="1" fill="hold">
+                                          <p:stCondLst>
+                                            <p:cond delay="0"/>
+                                          </p:stCondLst>
+                                        </p:cTn>
+                                        <p:tgtEl>
+                                          <p:spTgt spid="24"/>
+                                        </p:tgtEl>
+                                        <p:attrNameLst>
+                                          <p:attrName>style.visibility</p:attrName>
+                                        </p:attrNameLst>
+                                      </p:cBhvr>
+                                      <p:to>
+                                        <p:strVal val="visible"/>
+                                      </p:to>
+                                    </p:set>
+                                    <p:animEffect transition="in" filter="circle(in)">
+                                      <p:cBhvr>
+                                        <p:cTn id="60" dur="2000"/>
+                                        <p:tgtEl>
+                                          <p:spTgt spid="24"/>
+                                        </p:tgtEl>
+                                      </p:cBhvr>
+                                    </p:animEffect>
+                                  </p:childTnLst>
+                                </p:cTn>
+                              </p:par>
+                            </p:childTnLst>
+                          </p:cTn>
+                        </p:par>
+                      </p:childTnLst>
+                    </p:cTn>
+                  </p:par>
+                </p:childTnLst>
+              </p:cTn>
+              <p:prevCondLst>
+                <p:cond evt="onPrev" delay="0">
+                  <p:tgtEl>
+                    <p:sldTgt/>
+                  </p:tgtEl>
+                </p:cond>
+              </p:prevCondLst>
+              <p:nextCondLst>
+                <p:cond evt="onNext" delay="0">
+                  <p:tgtEl>
+                    <p:sldTgt/>
+                  </p:tgtEl>
+                </p:cond>
+              </p:nextCondLst>
+            </p:seq>
+          </p:childTnLst>
+        </p:cTn>
+      </p:par>
+    </p:tnLst>
+    <p:bldLst>
+      <p:bldP spid="19" grpId="0" animBg="1"/>
+      <p:bldP spid="20" grpId="0" animBg="1"/>
+      <p:bldP spid="23" grpId="0" animBg="1"/>
+      <p:bldP spid="24" grpId="0" animBg="1"/>
+    </p:bldLst>
+  </p:timing>
+</p:sld>
+</file>
+
+<file path=ppt/slides/slide27.xml><?xml version="1.0" encoding="utf-8"?>
+<p:sld xmlns:a="http://schemas.openxmlformats.org/drawingml/2006/main" xmlns:r="http://schemas.openxmlformats.org/officeDocument/2006/relationships" xmlns:p="http://schemas.openxmlformats.org/presentationml/2006/main">
+  <p:cSld>
+    <p:bg>
+      <p:bgPr>
+        <a:pattFill prst="dotGrid">
+          <a:fgClr>
+            <a:schemeClr val="bg1">
+              <a:lumMod val="95000"/>
+            </a:schemeClr>
+          </a:fgClr>
+          <a:bgClr>
+            <a:schemeClr val="bg1"/>
+          </a:bgClr>
+        </a:pattFill>
+        <a:effectLst/>
+      </p:bgPr>
+    </p:bg>
+    <p:spTree>
+      <p:nvGrpSpPr>
+        <p:cNvPr id="1" name=""/>
+        <p:cNvGrpSpPr/>
+        <p:nvPr/>
+      </p:nvGrpSpPr>
+      <p:grpSpPr>
+        <a:xfrm>
+          <a:off x="0" y="0"/>
+          <a:ext cx="0" cy="0"/>
+          <a:chOff x="0" y="0"/>
+          <a:chExt cx="0" cy="0"/>
+        </a:xfrm>
+      </p:grpSpPr>
+      <p:sp>
+        <p:nvSpPr>
+          <p:cNvPr id="2" name="Title 1">
+            <a:extLst>
+              <a:ext uri="{FF2B5EF4-FFF2-40B4-BE49-F238E27FC236}">
+                <a16:creationId xmlns:a16="http://schemas.microsoft.com/office/drawing/2014/main" id="{DC7D2525-271D-45DF-BB4E-754EAAA03C02}"/>
+              </a:ext>
+            </a:extLst>
+          </p:cNvPr>
+          <p:cNvSpPr>
+            <a:spLocks noGrp="1"/>
+          </p:cNvSpPr>
+          <p:nvPr>
+            <p:ph type="title"/>
+          </p:nvPr>
+        </p:nvSpPr>
+        <p:spPr>
+          <a:xfrm>
+            <a:off x="0" y="0"/>
+            <a:ext cx="12192000" cy="536895"/>
+          </a:xfrm>
+        </p:spPr>
+        <p:style>
+          <a:lnRef idx="0">
+            <a:schemeClr val="dk1"/>
+          </a:lnRef>
+          <a:fillRef idx="3">
+            <a:schemeClr val="dk1"/>
+          </a:fillRef>
+          <a:effectRef idx="3">
+            <a:schemeClr val="dk1"/>
+          </a:effectRef>
+          <a:fontRef idx="minor">
+            <a:schemeClr val="lt1"/>
+          </a:fontRef>
+        </p:style>
+        <p:txBody>
+          <a:bodyPr>
+            <a:normAutofit/>
+          </a:bodyPr>
+          <a:lstStyle/>
+          <a:p>
+            <a:pPr algn="ctr"/>
+            <a:r>
+              <a:rPr lang="en-US" sz="1800"/>
+              <a:t>Aplicarea couponului general</a:t>
+            </a:r>
+          </a:p>
+        </p:txBody>
+      </p:sp>
+      <p:sp>
+        <p:nvSpPr>
+          <p:cNvPr id="3" name="TextBox 2">
+            <a:extLst>
+              <a:ext uri="{FF2B5EF4-FFF2-40B4-BE49-F238E27FC236}">
+                <a16:creationId xmlns:a16="http://schemas.microsoft.com/office/drawing/2014/main" id="{C8B40329-9677-47C2-846F-E6A4B6AC72B6}"/>
+              </a:ext>
+            </a:extLst>
+          </p:cNvPr>
+          <p:cNvSpPr txBox="1"/>
+          <p:nvPr/>
+        </p:nvSpPr>
+        <p:spPr>
+          <a:xfrm>
+            <a:off x="302004" y="939784"/>
+            <a:ext cx="10855354" cy="4308872"/>
+          </a:xfrm>
+          <a:prstGeom prst="rect">
+            <a:avLst/>
+          </a:prstGeom>
+          <a:noFill/>
+        </p:spPr>
+        <p:txBody>
+          <a:bodyPr wrap="square" rtlCol="0">
+            <a:spAutoFit/>
+          </a:bodyPr>
+          <a:lstStyle/>
+          <a:p>
+            <a:pPr marL="342900" indent="-342900">
+              <a:buAutoNum type="arabicPeriod"/>
+            </a:pPr>
+            <a:r>
+              <a:rPr lang="en-US"/>
+              <a:t>Afisarea inputului pentru plasarea couponului in pagina Cart. Acest input se va afisa conditionat: </a:t>
+            </a:r>
+          </a:p>
+          <a:p>
+            <a:pPr marL="800100" lvl="1" indent="-342900">
+              <a:spcBef>
+                <a:spcPts val="2400"/>
+              </a:spcBef>
+              <a:buFont typeface="+mj-lt"/>
+              <a:buAutoNum type="alphaLcParenR"/>
+            </a:pPr>
+            <a:r>
+              <a:rPr lang="en-US"/>
+              <a:t>Utilizatorul trebuie sa fie autentificat pentru a putea plasa un coupon. Oricum, nu poate plasa o comanda daca nu este autentificat.</a:t>
+            </a:r>
+          </a:p>
+          <a:p>
+            <a:pPr marL="800100" lvl="1" indent="-342900">
+              <a:spcBef>
+                <a:spcPts val="2400"/>
+              </a:spcBef>
+              <a:buFont typeface="+mj-lt"/>
+              <a:buAutoNum type="alphaLcParenR"/>
+            </a:pPr>
+            <a:r>
+              <a:rPr lang="en-US"/>
+              <a:t>daca avem deja un coupon plasat afisam un buton pentru stergerea couponului</a:t>
+            </a:r>
+          </a:p>
+          <a:p>
+            <a:pPr marL="800100" lvl="1" indent="-342900">
+              <a:buFont typeface="+mj-lt"/>
+              <a:buAutoNum type="alphaLcParenR"/>
+            </a:pPr>
+            <a:r>
+              <a:rPr lang="en-US"/>
+              <a:t>daca nu avem un coupon plasat afisam inputul</a:t>
+            </a:r>
+          </a:p>
+          <a:p>
+            <a:endParaRPr lang="en-US"/>
+          </a:p>
+          <a:p>
+            <a:r>
+              <a:rPr lang="en-US"/>
+              <a:t>Acest lucru il vom realiza prin stocarea unei variabile in Session – </a:t>
+            </a:r>
+            <a:r>
+              <a:rPr lang="en-US">
+                <a:solidFill>
+                  <a:srgbClr val="C00000"/>
+                </a:solidFill>
+              </a:rPr>
+              <a:t>Session::put(‘code’, $coupon-&gt;code).</a:t>
+            </a:r>
+          </a:p>
+          <a:p>
+            <a:endParaRPr lang="en-US">
+              <a:solidFill>
+                <a:srgbClr val="C00000"/>
+              </a:solidFill>
+            </a:endParaRPr>
+          </a:p>
+          <a:p>
+            <a:r>
+              <a:rPr lang="en-US"/>
+              <a:t>Vom salva variabila in sesiune doar dupa verificarea </a:t>
+            </a:r>
+            <a:r>
+              <a:rPr lang="en-US">
+                <a:solidFill>
+                  <a:srgbClr val="C00000"/>
+                </a:solidFill>
+              </a:rPr>
+              <a:t>validitatii codului couponului: </a:t>
+            </a:r>
+          </a:p>
+          <a:p>
+            <a:pPr marL="285750" indent="-285750">
+              <a:buFontTx/>
+              <a:buChar char="-"/>
+            </a:pPr>
+            <a:r>
+              <a:rPr lang="en-US">
+                <a:solidFill>
+                  <a:schemeClr val="accent1">
+                    <a:lumMod val="75000"/>
+                  </a:schemeClr>
+                </a:solidFill>
+              </a:rPr>
+              <a:t>couponul trebuie sa fie activ si cu data de expirare mai mare decat data curenta.</a:t>
+            </a:r>
+          </a:p>
+          <a:p>
+            <a:pPr marL="285750" indent="-285750">
+              <a:buFontTx/>
+              <a:buChar char="-"/>
+            </a:pPr>
+            <a:r>
+              <a:rPr lang="en-US">
+                <a:solidFill>
+                  <a:schemeClr val="accent1">
+                    <a:lumMod val="75000"/>
+                  </a:schemeClr>
+                </a:solidFill>
+              </a:rPr>
+              <a:t>daca codul couponului nu este valid vom afisa un mesaj care sa-l informeze pe utilizator de acest lucru</a:t>
+            </a:r>
+          </a:p>
+          <a:p>
+            <a:endParaRPr lang="en-US">
+              <a:solidFill>
+                <a:schemeClr val="accent1">
+                  <a:lumMod val="75000"/>
+                </a:schemeClr>
+              </a:solidFill>
+            </a:endParaRPr>
+          </a:p>
+          <a:p>
+            <a:r>
+              <a:rPr lang="en-US"/>
+              <a:t>2. Dupa verificarea couponului vom calcula si afisa discountul pentru comanda respectiva</a:t>
+            </a:r>
+          </a:p>
+        </p:txBody>
+      </p:sp>
+      <p:sp>
+        <p:nvSpPr>
+          <p:cNvPr id="4" name="TextBox 3">
+            <a:extLst>
+              <a:ext uri="{FF2B5EF4-FFF2-40B4-BE49-F238E27FC236}">
+                <a16:creationId xmlns:a16="http://schemas.microsoft.com/office/drawing/2014/main" id="{E5FFEC26-0AB7-48FA-9D9F-F2D89B3B59C1}"/>
+              </a:ext>
+            </a:extLst>
+          </p:cNvPr>
+          <p:cNvSpPr txBox="1"/>
+          <p:nvPr/>
+        </p:nvSpPr>
+        <p:spPr>
+          <a:xfrm>
+            <a:off x="302004" y="5365488"/>
+            <a:ext cx="10959667" cy="1200329"/>
+          </a:xfrm>
+          <a:prstGeom prst="rect">
+            <a:avLst/>
+          </a:prstGeom>
+          <a:noFill/>
+        </p:spPr>
+        <p:txBody>
+          <a:bodyPr wrap="none" rtlCol="0">
+            <a:spAutoFit/>
+          </a:bodyPr>
+          <a:lstStyle/>
+          <a:p>
+            <a:r>
+              <a:rPr lang="en-US"/>
+              <a:t>3. </a:t>
+            </a:r>
+            <a:r>
+              <a:rPr lang="en-US">
+                <a:solidFill>
+                  <a:schemeClr val="accent1">
+                    <a:lumMod val="75000"/>
+                  </a:schemeClr>
+                </a:solidFill>
+              </a:rPr>
+              <a:t>Aplicarea reducerii comenzii </a:t>
+            </a:r>
+            <a:r>
+              <a:rPr lang="en-US"/>
+              <a:t>si salvarea datelor referitoare la coupon.</a:t>
+            </a:r>
+          </a:p>
+          <a:p>
+            <a:pPr marL="285750" indent="-285750">
+              <a:buFontTx/>
+              <a:buChar char="-"/>
+            </a:pPr>
+            <a:r>
+              <a:rPr lang="en-US">
+                <a:solidFill>
+                  <a:schemeClr val="tx1">
+                    <a:lumMod val="75000"/>
+                    <a:lumOff val="25000"/>
+                  </a:schemeClr>
+                </a:solidFill>
+              </a:rPr>
+              <a:t>vom crea un tabel si model order_discounts in care vom stoca discountul, codul cuponului si descrierea acestuia</a:t>
+            </a:r>
+          </a:p>
+          <a:p>
+            <a:pPr marL="285750" indent="-285750">
+              <a:buFontTx/>
+              <a:buChar char="-"/>
+            </a:pPr>
+            <a:r>
+              <a:rPr lang="en-US">
+                <a:solidFill>
+                  <a:schemeClr val="tx1">
+                    <a:lumMod val="75000"/>
+                    <a:lumOff val="25000"/>
+                  </a:schemeClr>
+                </a:solidFill>
+              </a:rPr>
+              <a:t>vom avea o relatie one-to-one intre orders si order_discount</a:t>
+            </a:r>
+          </a:p>
+          <a:p>
+            <a:pPr marL="285750" indent="-285750">
+              <a:buFontTx/>
+              <a:buChar char="-"/>
+            </a:pPr>
+            <a:r>
+              <a:rPr lang="en-US">
+                <a:solidFill>
+                  <a:schemeClr val="tx1">
+                    <a:lumMod val="75000"/>
+                    <a:lumOff val="25000"/>
+                  </a:schemeClr>
+                </a:solidFill>
+              </a:rPr>
+              <a:t>prin aceasta relatie vom accesa discountul unei comenzi</a:t>
+            </a:r>
+          </a:p>
+        </p:txBody>
+      </p:sp>
+    </p:spTree>
+    <p:extLst>
+      <p:ext uri="{BB962C8B-B14F-4D97-AF65-F5344CB8AC3E}">
+        <p14:creationId xmlns:p14="http://schemas.microsoft.com/office/powerpoint/2010/main" val="4285572880"/>
       </p:ext>
     </p:extLst>
   </p:cSld>

--- a/_presentation/prezentare_aplicatie.pptx
+++ b/_presentation/prezentare_aplicatie.pptx
@@ -33,7 +33,8 @@
     <p:sldId id="279" r:id="rId27"/>
     <p:sldId id="280" r:id="rId28"/>
     <p:sldId id="281" r:id="rId29"/>
-    <p:sldId id="282" r:id="rId30"/>
+    <p:sldId id="283" r:id="rId30"/>
+    <p:sldId id="282" r:id="rId31"/>
   </p:sldIdLst>
   <p:sldSz cx="12192000" cy="6858000"/>
   <p:notesSz cx="6858000" cy="9144000"/>
@@ -290,7 +291,7 @@
             <a:fld id="{87DE6118-2437-4B30-8E3C-4D2BE6020583}" type="datetimeFigureOut">
               <a:rPr lang="en-US" smtClean="0"/>
               <a:pPr/>
-              <a:t>6/27/2022</a:t>
+              <a:t>7/12/2022</a:t>
             </a:fld>
             <a:endParaRPr lang="en-US"/>
           </a:p>
@@ -491,7 +492,7 @@
           <a:p>
             <a:fld id="{87DE6118-2437-4B30-8E3C-4D2BE6020583}" type="datetimeFigureOut">
               <a:rPr lang="en-US" smtClean="0"/>
-              <a:t>6/27/2022</a:t>
+              <a:t>7/12/2022</a:t>
             </a:fld>
             <a:endParaRPr lang="en-US"/>
           </a:p>
@@ -701,7 +702,7 @@
           <a:p>
             <a:fld id="{87DE6118-2437-4B30-8E3C-4D2BE6020583}" type="datetimeFigureOut">
               <a:rPr lang="en-US" smtClean="0"/>
-              <a:t>6/27/2022</a:t>
+              <a:t>7/12/2022</a:t>
             </a:fld>
             <a:endParaRPr lang="en-US"/>
           </a:p>
@@ -914,7 +915,7 @@
             <a:fld id="{87DE6118-2437-4B30-8E3C-4D2BE6020583}" type="datetimeFigureOut">
               <a:rPr lang="en-US" smtClean="0"/>
               <a:pPr/>
-              <a:t>6/27/2022</a:t>
+              <a:t>7/12/2022</a:t>
             </a:fld>
             <a:endParaRPr lang="en-US"/>
           </a:p>
@@ -1126,7 +1127,7 @@
           <a:p>
             <a:fld id="{87DE6118-2437-4B30-8E3C-4D2BE6020583}" type="datetimeFigureOut">
               <a:rPr lang="en-US" smtClean="0"/>
-              <a:t>6/27/2022</a:t>
+              <a:t>7/12/2022</a:t>
             </a:fld>
             <a:endParaRPr lang="en-US"/>
           </a:p>
@@ -1406,7 +1407,7 @@
             <a:fld id="{87DE6118-2437-4B30-8E3C-4D2BE6020583}" type="datetimeFigureOut">
               <a:rPr lang="en-US" smtClean="0"/>
               <a:pPr/>
-              <a:t>6/27/2022</a:t>
+              <a:t>7/12/2022</a:t>
             </a:fld>
             <a:endParaRPr lang="en-US"/>
           </a:p>
@@ -1675,7 +1676,7 @@
           <a:p>
             <a:fld id="{87DE6118-2437-4B30-8E3C-4D2BE6020583}" type="datetimeFigureOut">
               <a:rPr lang="en-US" smtClean="0"/>
-              <a:t>6/27/2022</a:t>
+              <a:t>7/12/2022</a:t>
             </a:fld>
             <a:endParaRPr lang="en-US"/>
           </a:p>
@@ -2091,7 +2092,7 @@
           <a:p>
             <a:fld id="{87DE6118-2437-4B30-8E3C-4D2BE6020583}" type="datetimeFigureOut">
               <a:rPr lang="en-US" smtClean="0"/>
-              <a:t>6/27/2022</a:t>
+              <a:t>7/12/2022</a:t>
             </a:fld>
             <a:endParaRPr lang="en-US"/>
           </a:p>
@@ -2240,7 +2241,7 @@
           <a:p>
             <a:fld id="{87DE6118-2437-4B30-8E3C-4D2BE6020583}" type="datetimeFigureOut">
               <a:rPr lang="en-US" smtClean="0"/>
-              <a:t>6/27/2022</a:t>
+              <a:t>7/12/2022</a:t>
             </a:fld>
             <a:endParaRPr lang="en-US"/>
           </a:p>
@@ -2366,7 +2367,7 @@
           <a:p>
             <a:fld id="{87DE6118-2437-4B30-8E3C-4D2BE6020583}" type="datetimeFigureOut">
               <a:rPr lang="en-US" smtClean="0"/>
-              <a:t>6/27/2022</a:t>
+              <a:t>7/12/2022</a:t>
             </a:fld>
             <a:endParaRPr lang="en-US"/>
           </a:p>
@@ -2618,7 +2619,7 @@
             <a:fld id="{87DE6118-2437-4B30-8E3C-4D2BE6020583}" type="datetimeFigureOut">
               <a:rPr lang="en-US" smtClean="0"/>
               <a:pPr/>
-              <a:t>6/27/2022</a:t>
+              <a:t>7/12/2022</a:t>
             </a:fld>
             <a:endParaRPr lang="en-US"/>
           </a:p>
@@ -2838,7 +2839,7 @@
           <a:p>
             <a:fld id="{87DE6118-2437-4B30-8E3C-4D2BE6020583}" type="datetimeFigureOut">
               <a:rPr lang="en-US" smtClean="0"/>
-              <a:t>6/27/2022</a:t>
+              <a:t>7/12/2022</a:t>
             </a:fld>
             <a:endParaRPr lang="en-US"/>
           </a:p>
@@ -3264,7 +3265,7 @@
             <a:fld id="{87DE6118-2437-4B30-8E3C-4D2BE6020583}" type="datetimeFigureOut">
               <a:rPr lang="en-US" smtClean="0"/>
               <a:pPr/>
-              <a:t>6/27/2022</a:t>
+              <a:t>7/12/2022</a:t>
             </a:fld>
             <a:endParaRPr lang="en-US"/>
           </a:p>
@@ -3471,7 +3472,7 @@
           <a:p>
             <a:fld id="{87DE6118-2437-4B30-8E3C-4D2BE6020583}" type="datetimeFigureOut">
               <a:rPr lang="en-US" smtClean="0"/>
-              <a:t>6/27/2022</a:t>
+              <a:t>7/12/2022</a:t>
             </a:fld>
             <a:endParaRPr lang="en-US"/>
           </a:p>
@@ -3686,7 +3687,7 @@
           <a:p>
             <a:fld id="{87DE6118-2437-4B30-8E3C-4D2BE6020583}" type="datetimeFigureOut">
               <a:rPr lang="en-US" smtClean="0"/>
-              <a:t>6/27/2022</a:t>
+              <a:t>7/12/2022</a:t>
             </a:fld>
             <a:endParaRPr lang="en-US"/>
           </a:p>
@@ -3928,7 +3929,7 @@
             <a:fld id="{87DE6118-2437-4B30-8E3C-4D2BE6020583}" type="datetimeFigureOut">
               <a:rPr lang="en-US" smtClean="0"/>
               <a:pPr/>
-              <a:t>6/27/2022</a:t>
+              <a:t>7/12/2022</a:t>
             </a:fld>
             <a:endParaRPr lang="en-US"/>
           </a:p>
@@ -4129,7 +4130,7 @@
           <a:p>
             <a:fld id="{87DE6118-2437-4B30-8E3C-4D2BE6020583}" type="datetimeFigureOut">
               <a:rPr lang="en-US" smtClean="0"/>
-              <a:t>6/27/2022</a:t>
+              <a:t>7/12/2022</a:t>
             </a:fld>
             <a:endParaRPr lang="en-US"/>
           </a:p>
@@ -4406,7 +4407,7 @@
             <a:fld id="{87DE6118-2437-4B30-8E3C-4D2BE6020583}" type="datetimeFigureOut">
               <a:rPr lang="en-US" smtClean="0"/>
               <a:pPr/>
-              <a:t>6/27/2022</a:t>
+              <a:t>7/12/2022</a:t>
             </a:fld>
             <a:endParaRPr lang="en-US"/>
           </a:p>
@@ -4675,7 +4676,7 @@
           <a:p>
             <a:fld id="{87DE6118-2437-4B30-8E3C-4D2BE6020583}" type="datetimeFigureOut">
               <a:rPr lang="en-US" smtClean="0"/>
-              <a:t>6/27/2022</a:t>
+              <a:t>7/12/2022</a:t>
             </a:fld>
             <a:endParaRPr lang="en-US"/>
           </a:p>
@@ -5090,7 +5091,7 @@
           <a:p>
             <a:fld id="{87DE6118-2437-4B30-8E3C-4D2BE6020583}" type="datetimeFigureOut">
               <a:rPr lang="en-US" smtClean="0"/>
-              <a:t>6/27/2022</a:t>
+              <a:t>7/12/2022</a:t>
             </a:fld>
             <a:endParaRPr lang="en-US"/>
           </a:p>
@@ -5232,7 +5233,7 @@
           <a:p>
             <a:fld id="{87DE6118-2437-4B30-8E3C-4D2BE6020583}" type="datetimeFigureOut">
               <a:rPr lang="en-US" smtClean="0"/>
-              <a:t>6/27/2022</a:t>
+              <a:t>7/12/2022</a:t>
             </a:fld>
             <a:endParaRPr lang="en-US"/>
           </a:p>
@@ -5345,7 +5346,7 @@
           <a:p>
             <a:fld id="{87DE6118-2437-4B30-8E3C-4D2BE6020583}" type="datetimeFigureOut">
               <a:rPr lang="en-US" smtClean="0"/>
-              <a:t>6/27/2022</a:t>
+              <a:t>7/12/2022</a:t>
             </a:fld>
             <a:endParaRPr lang="en-US"/>
           </a:p>
@@ -5622,7 +5623,7 @@
             <a:fld id="{87DE6118-2437-4B30-8E3C-4D2BE6020583}" type="datetimeFigureOut">
               <a:rPr lang="en-US" smtClean="0"/>
               <a:pPr/>
-              <a:t>6/27/2022</a:t>
+              <a:t>7/12/2022</a:t>
             </a:fld>
             <a:endParaRPr lang="en-US"/>
           </a:p>
@@ -5937,7 +5938,7 @@
             <a:fld id="{87DE6118-2437-4B30-8E3C-4D2BE6020583}" type="datetimeFigureOut">
               <a:rPr lang="en-US" smtClean="0"/>
               <a:pPr/>
-              <a:t>6/27/2022</a:t>
+              <a:t>7/12/2022</a:t>
             </a:fld>
             <a:endParaRPr lang="en-US"/>
           </a:p>
@@ -6228,7 +6229,7 @@
             <a:fld id="{87DE6118-2437-4B30-8E3C-4D2BE6020583}" type="datetimeFigureOut">
               <a:rPr lang="en-US" smtClean="0"/>
               <a:pPr/>
-              <a:t>6/27/2022</a:t>
+              <a:t>7/12/2022</a:t>
             </a:fld>
             <a:endParaRPr lang="en-US"/>
           </a:p>
@@ -6429,7 +6430,7 @@
           <a:p>
             <a:fld id="{87DE6118-2437-4B30-8E3C-4D2BE6020583}" type="datetimeFigureOut">
               <a:rPr lang="en-US" smtClean="0"/>
-              <a:t>6/27/2022</a:t>
+              <a:t>7/12/2022</a:t>
             </a:fld>
             <a:endParaRPr lang="en-US"/>
           </a:p>
@@ -6639,7 +6640,7 @@
           <a:p>
             <a:fld id="{87DE6118-2437-4B30-8E3C-4D2BE6020583}" type="datetimeFigureOut">
               <a:rPr lang="en-US" smtClean="0"/>
-              <a:t>6/27/2022</a:t>
+              <a:t>7/12/2022</a:t>
             </a:fld>
             <a:endParaRPr lang="en-US"/>
           </a:p>
@@ -6907,7 +6908,7 @@
           <a:p>
             <a:fld id="{87DE6118-2437-4B30-8E3C-4D2BE6020583}" type="datetimeFigureOut">
               <a:rPr lang="en-US" smtClean="0"/>
-              <a:t>6/27/2022</a:t>
+              <a:t>7/12/2022</a:t>
             </a:fld>
             <a:endParaRPr lang="en-US"/>
           </a:p>
@@ -7322,7 +7323,7 @@
           <a:p>
             <a:fld id="{87DE6118-2437-4B30-8E3C-4D2BE6020583}" type="datetimeFigureOut">
               <a:rPr lang="en-US" smtClean="0"/>
-              <a:t>6/27/2022</a:t>
+              <a:t>7/12/2022</a:t>
             </a:fld>
             <a:endParaRPr lang="en-US"/>
           </a:p>
@@ -7464,7 +7465,7 @@
           <a:p>
             <a:fld id="{87DE6118-2437-4B30-8E3C-4D2BE6020583}" type="datetimeFigureOut">
               <a:rPr lang="en-US" smtClean="0"/>
-              <a:t>6/27/2022</a:t>
+              <a:t>7/12/2022</a:t>
             </a:fld>
             <a:endParaRPr lang="en-US"/>
           </a:p>
@@ -7577,7 +7578,7 @@
           <a:p>
             <a:fld id="{87DE6118-2437-4B30-8E3C-4D2BE6020583}" type="datetimeFigureOut">
               <a:rPr lang="en-US" smtClean="0"/>
-              <a:t>6/27/2022</a:t>
+              <a:t>7/12/2022</a:t>
             </a:fld>
             <a:endParaRPr lang="en-US"/>
           </a:p>
@@ -7891,7 +7892,7 @@
             <a:fld id="{87DE6118-2437-4B30-8E3C-4D2BE6020583}" type="datetimeFigureOut">
               <a:rPr lang="en-US" smtClean="0"/>
               <a:pPr/>
-              <a:t>6/27/2022</a:t>
+              <a:t>7/12/2022</a:t>
             </a:fld>
             <a:endParaRPr lang="en-US"/>
           </a:p>
@@ -8182,7 +8183,7 @@
             <a:fld id="{87DE6118-2437-4B30-8E3C-4D2BE6020583}" type="datetimeFigureOut">
               <a:rPr lang="en-US" smtClean="0"/>
               <a:pPr/>
-              <a:t>6/27/2022</a:t>
+              <a:t>7/12/2022</a:t>
             </a:fld>
             <a:endParaRPr lang="en-US"/>
           </a:p>
@@ -8427,7 +8428,7 @@
             <a:fld id="{87DE6118-2437-4B30-8E3C-4D2BE6020583}" type="datetimeFigureOut">
               <a:rPr lang="en-US" smtClean="0"/>
               <a:pPr/>
-              <a:t>6/27/2022</a:t>
+              <a:t>7/12/2022</a:t>
             </a:fld>
             <a:endParaRPr lang="en-US"/>
           </a:p>
@@ -9064,7 +9065,7 @@
             <a:fld id="{87DE6118-2437-4B30-8E3C-4D2BE6020583}" type="datetimeFigureOut">
               <a:rPr lang="en-US" smtClean="0"/>
               <a:pPr/>
-              <a:t>6/27/2022</a:t>
+              <a:t>7/12/2022</a:t>
             </a:fld>
             <a:endParaRPr lang="en-US"/>
           </a:p>
@@ -9710,7 +9711,7 @@
             <a:fld id="{87DE6118-2437-4B30-8E3C-4D2BE6020583}" type="datetimeFigureOut">
               <a:rPr lang="en-US" smtClean="0"/>
               <a:pPr/>
-              <a:t>6/27/2022</a:t>
+              <a:t>7/12/2022</a:t>
             </a:fld>
             <a:endParaRPr lang="en-US"/>
           </a:p>
@@ -30989,6 +30990,326 @@
     </p:spTree>
     <p:extLst>
       <p:ext uri="{BB962C8B-B14F-4D97-AF65-F5344CB8AC3E}">
+        <p14:creationId xmlns:p14="http://schemas.microsoft.com/office/powerpoint/2010/main" val="2424427544"/>
+      </p:ext>
+    </p:extLst>
+  </p:cSld>
+  <p:clrMapOvr>
+    <a:masterClrMapping/>
+  </p:clrMapOvr>
+</p:sld>
+</file>
+
+<file path=ppt/slides/slide28.xml><?xml version="1.0" encoding="utf-8"?>
+<p:sld xmlns:a="http://schemas.openxmlformats.org/drawingml/2006/main" xmlns:r="http://schemas.openxmlformats.org/officeDocument/2006/relationships" xmlns:p="http://schemas.openxmlformats.org/presentationml/2006/main">
+  <p:cSld>
+    <p:bg>
+      <p:bgPr>
+        <a:pattFill prst="dotGrid">
+          <a:fgClr>
+            <a:schemeClr val="bg1">
+              <a:lumMod val="95000"/>
+            </a:schemeClr>
+          </a:fgClr>
+          <a:bgClr>
+            <a:schemeClr val="bg1"/>
+          </a:bgClr>
+        </a:pattFill>
+        <a:effectLst/>
+      </p:bgPr>
+    </p:bg>
+    <p:spTree>
+      <p:nvGrpSpPr>
+        <p:cNvPr id="1" name=""/>
+        <p:cNvGrpSpPr/>
+        <p:nvPr/>
+      </p:nvGrpSpPr>
+      <p:grpSpPr>
+        <a:xfrm>
+          <a:off x="0" y="0"/>
+          <a:ext cx="0" cy="0"/>
+          <a:chOff x="0" y="0"/>
+          <a:chExt cx="0" cy="0"/>
+        </a:xfrm>
+      </p:grpSpPr>
+      <p:sp>
+        <p:nvSpPr>
+          <p:cNvPr id="2" name="Title 1">
+            <a:extLst>
+              <a:ext uri="{FF2B5EF4-FFF2-40B4-BE49-F238E27FC236}">
+                <a16:creationId xmlns:a16="http://schemas.microsoft.com/office/drawing/2014/main" id="{DC7D2525-271D-45DF-BB4E-754EAAA03C02}"/>
+              </a:ext>
+            </a:extLst>
+          </p:cNvPr>
+          <p:cNvSpPr>
+            <a:spLocks noGrp="1"/>
+          </p:cNvSpPr>
+          <p:nvPr>
+            <p:ph type="title"/>
+          </p:nvPr>
+        </p:nvSpPr>
+        <p:spPr>
+          <a:xfrm>
+            <a:off x="0" y="0"/>
+            <a:ext cx="12192000" cy="536895"/>
+          </a:xfrm>
+        </p:spPr>
+        <p:style>
+          <a:lnRef idx="0">
+            <a:schemeClr val="dk1"/>
+          </a:lnRef>
+          <a:fillRef idx="3">
+            <a:schemeClr val="dk1"/>
+          </a:fillRef>
+          <a:effectRef idx="3">
+            <a:schemeClr val="dk1"/>
+          </a:effectRef>
+          <a:fontRef idx="minor">
+            <a:schemeClr val="lt1"/>
+          </a:fontRef>
+        </p:style>
+        <p:txBody>
+          <a:bodyPr>
+            <a:normAutofit/>
+          </a:bodyPr>
+          <a:lstStyle/>
+          <a:p>
+            <a:pPr algn="ctr"/>
+            <a:r>
+              <a:rPr lang="en-US" sz="1800"/>
+              <a:t>Aplicarea couponului pentru utilizatori</a:t>
+            </a:r>
+          </a:p>
+        </p:txBody>
+      </p:sp>
+      <p:sp>
+        <p:nvSpPr>
+          <p:cNvPr id="3" name="TextBox 2">
+            <a:extLst>
+              <a:ext uri="{FF2B5EF4-FFF2-40B4-BE49-F238E27FC236}">
+                <a16:creationId xmlns:a16="http://schemas.microsoft.com/office/drawing/2014/main" id="{C8B40329-9677-47C2-846F-E6A4B6AC72B6}"/>
+              </a:ext>
+            </a:extLst>
+          </p:cNvPr>
+          <p:cNvSpPr txBox="1"/>
+          <p:nvPr/>
+        </p:nvSpPr>
+        <p:spPr>
+          <a:xfrm>
+            <a:off x="302004" y="939784"/>
+            <a:ext cx="10855354" cy="4308872"/>
+          </a:xfrm>
+          <a:prstGeom prst="rect">
+            <a:avLst/>
+          </a:prstGeom>
+          <a:noFill/>
+        </p:spPr>
+        <p:txBody>
+          <a:bodyPr wrap="square" rtlCol="0">
+            <a:spAutoFit/>
+          </a:bodyPr>
+          <a:lstStyle/>
+          <a:p>
+            <a:pPr marL="342900" indent="-342900">
+              <a:buAutoNum type="arabicPeriod"/>
+            </a:pPr>
+            <a:r>
+              <a:rPr lang="en-US"/>
+              <a:t>In componenta Livewire Products/CartProducts introducem o noua conditie:</a:t>
+            </a:r>
+          </a:p>
+          <a:p>
+            <a:pPr marL="800100" lvl="1" indent="-342900">
+              <a:spcBef>
+                <a:spcPts val="2400"/>
+              </a:spcBef>
+              <a:buFont typeface="+mj-lt"/>
+              <a:buAutoNum type="alphaLcParenR"/>
+            </a:pPr>
+            <a:r>
+              <a:rPr lang="en-US">
+                <a:solidFill>
+                  <a:schemeClr val="bg1">
+                    <a:lumMod val="65000"/>
+                  </a:schemeClr>
+                </a:solidFill>
+              </a:rPr>
+              <a:t>Utilizatorul trebuie sa fie autentificat pentru a putea plasa un coupon. Oricum, nu poate plasa o comanda daca nu este autentificat.</a:t>
+            </a:r>
+          </a:p>
+          <a:p>
+            <a:pPr marL="800100" lvl="1" indent="-342900">
+              <a:spcBef>
+                <a:spcPts val="2400"/>
+              </a:spcBef>
+              <a:buFont typeface="+mj-lt"/>
+              <a:buAutoNum type="alphaLcParenR"/>
+            </a:pPr>
+            <a:r>
+              <a:rPr lang="en-US">
+                <a:solidFill>
+                  <a:schemeClr val="bg1">
+                    <a:lumMod val="65000"/>
+                  </a:schemeClr>
+                </a:solidFill>
+              </a:rPr>
+              <a:t>daca avem deja un coupon plasat afisam un buton pentru stergerea couponului</a:t>
+            </a:r>
+          </a:p>
+          <a:p>
+            <a:pPr marL="800100" lvl="1" indent="-342900">
+              <a:buFont typeface="+mj-lt"/>
+              <a:buAutoNum type="alphaLcParenR"/>
+            </a:pPr>
+            <a:r>
+              <a:rPr lang="en-US">
+                <a:solidFill>
+                  <a:schemeClr val="bg1">
+                    <a:lumMod val="65000"/>
+                  </a:schemeClr>
+                </a:solidFill>
+              </a:rPr>
+              <a:t>daca nu avem un coupon plasat afisam inputul</a:t>
+            </a:r>
+          </a:p>
+          <a:p>
+            <a:pPr marL="800100" lvl="1" indent="-342900">
+              <a:buFont typeface="+mj-lt"/>
+              <a:buAutoNum type="alphaLcParenR"/>
+            </a:pPr>
+            <a:r>
+              <a:rPr lang="en-US"/>
+              <a:t>Daca coupon are type==3 verificam ca apartine utilizatorului autentificat</a:t>
+            </a:r>
+          </a:p>
+          <a:p>
+            <a:endParaRPr lang="en-US"/>
+          </a:p>
+          <a:p>
+            <a:r>
+              <a:rPr lang="en-US"/>
+              <a:t>Vom salva variabila in sesiune doar dupa verificarea </a:t>
+            </a:r>
+            <a:r>
+              <a:rPr lang="en-US">
+                <a:solidFill>
+                  <a:srgbClr val="C00000"/>
+                </a:solidFill>
+              </a:rPr>
+              <a:t>validitatii codului couponului: </a:t>
+            </a:r>
+          </a:p>
+          <a:p>
+            <a:pPr marL="285750" indent="-285750">
+              <a:buFontTx/>
+              <a:buChar char="-"/>
+            </a:pPr>
+            <a:r>
+              <a:rPr lang="en-US">
+                <a:solidFill>
+                  <a:schemeClr val="accent1">
+                    <a:lumMod val="75000"/>
+                  </a:schemeClr>
+                </a:solidFill>
+              </a:rPr>
+              <a:t>couponul trebuie sa fie activ si cu data de expirare mai mare decat data curenta si sa fie atasat utilizatorului curent.</a:t>
+            </a:r>
+          </a:p>
+          <a:p>
+            <a:pPr marL="285750" indent="-285750">
+              <a:buFontTx/>
+              <a:buChar char="-"/>
+            </a:pPr>
+            <a:r>
+              <a:rPr lang="en-US">
+                <a:solidFill>
+                  <a:schemeClr val="accent1">
+                    <a:lumMod val="75000"/>
+                  </a:schemeClr>
+                </a:solidFill>
+              </a:rPr>
+              <a:t>daca codul couponului nu este valid vom afisa un mesaj care sa-l informeze pe utilizator de acest lucru</a:t>
+            </a:r>
+          </a:p>
+          <a:p>
+            <a:endParaRPr lang="en-US">
+              <a:solidFill>
+                <a:schemeClr val="accent1">
+                  <a:lumMod val="75000"/>
+                </a:schemeClr>
+              </a:solidFill>
+            </a:endParaRPr>
+          </a:p>
+          <a:p>
+            <a:r>
+              <a:rPr lang="en-US"/>
+              <a:t>2. Dupa verificarea couponului vom calcula si afisa discountul pentru comanda respectiva</a:t>
+            </a:r>
+          </a:p>
+        </p:txBody>
+      </p:sp>
+      <p:sp>
+        <p:nvSpPr>
+          <p:cNvPr id="4" name="TextBox 3">
+            <a:extLst>
+              <a:ext uri="{FF2B5EF4-FFF2-40B4-BE49-F238E27FC236}">
+                <a16:creationId xmlns:a16="http://schemas.microsoft.com/office/drawing/2014/main" id="{E5FFEC26-0AB7-48FA-9D9F-F2D89B3B59C1}"/>
+              </a:ext>
+            </a:extLst>
+          </p:cNvPr>
+          <p:cNvSpPr txBox="1"/>
+          <p:nvPr/>
+        </p:nvSpPr>
+        <p:spPr>
+          <a:xfrm>
+            <a:off x="302003" y="5365488"/>
+            <a:ext cx="8124079" cy="646331"/>
+          </a:xfrm>
+          <a:prstGeom prst="rect">
+            <a:avLst/>
+          </a:prstGeom>
+          <a:noFill/>
+        </p:spPr>
+        <p:txBody>
+          <a:bodyPr wrap="square" rtlCol="0">
+            <a:spAutoFit/>
+          </a:bodyPr>
+          <a:lstStyle/>
+          <a:p>
+            <a:r>
+              <a:rPr lang="en-US"/>
+              <a:t>3. </a:t>
+            </a:r>
+            <a:r>
+              <a:rPr lang="en-US">
+                <a:solidFill>
+                  <a:schemeClr val="accent1">
+                    <a:lumMod val="75000"/>
+                  </a:schemeClr>
+                </a:solidFill>
+              </a:rPr>
+              <a:t>Aplicarea reducerii comenzii </a:t>
+            </a:r>
+            <a:r>
+              <a:rPr lang="en-US"/>
+              <a:t>si salvarea datelor referitoare la coupon.</a:t>
+            </a:r>
+          </a:p>
+          <a:p>
+            <a:pPr marL="285750" indent="-285750">
+              <a:buFont typeface="Arial" panose="020B0604020202020204" pitchFamily="34" charset="0"/>
+              <a:buChar char="•"/>
+            </a:pPr>
+            <a:r>
+              <a:rPr lang="en-US"/>
+              <a:t> Vom mai crea un camp in tabelul order_discounts pentru tipul couponului</a:t>
+            </a:r>
+          </a:p>
+        </p:txBody>
+      </p:sp>
+    </p:spTree>
+    <p:extLst>
+      <p:ext uri="{BB962C8B-B14F-4D97-AF65-F5344CB8AC3E}">
         <p14:creationId xmlns:p14="http://schemas.microsoft.com/office/powerpoint/2010/main" val="4285572880"/>
       </p:ext>
     </p:extLst>

--- a/_presentation/prezentare_aplicatie.pptx
+++ b/_presentation/prezentare_aplicatie.pptx
@@ -35,6 +35,7 @@
     <p:sldId id="281" r:id="rId29"/>
     <p:sldId id="283" r:id="rId30"/>
     <p:sldId id="282" r:id="rId31"/>
+    <p:sldId id="284" r:id="rId32"/>
   </p:sldIdLst>
   <p:sldSz cx="12192000" cy="6858000"/>
   <p:notesSz cx="6858000" cy="9144000"/>
@@ -291,7 +292,7 @@
             <a:fld id="{87DE6118-2437-4B30-8E3C-4D2BE6020583}" type="datetimeFigureOut">
               <a:rPr lang="en-US" smtClean="0"/>
               <a:pPr/>
-              <a:t>7/12/2022</a:t>
+              <a:t>7/21/2022</a:t>
             </a:fld>
             <a:endParaRPr lang="en-US"/>
           </a:p>
@@ -492,7 +493,7 @@
           <a:p>
             <a:fld id="{87DE6118-2437-4B30-8E3C-4D2BE6020583}" type="datetimeFigureOut">
               <a:rPr lang="en-US" smtClean="0"/>
-              <a:t>7/12/2022</a:t>
+              <a:t>7/21/2022</a:t>
             </a:fld>
             <a:endParaRPr lang="en-US"/>
           </a:p>
@@ -702,7 +703,7 @@
           <a:p>
             <a:fld id="{87DE6118-2437-4B30-8E3C-4D2BE6020583}" type="datetimeFigureOut">
               <a:rPr lang="en-US" smtClean="0"/>
-              <a:t>7/12/2022</a:t>
+              <a:t>7/21/2022</a:t>
             </a:fld>
             <a:endParaRPr lang="en-US"/>
           </a:p>
@@ -915,7 +916,7 @@
             <a:fld id="{87DE6118-2437-4B30-8E3C-4D2BE6020583}" type="datetimeFigureOut">
               <a:rPr lang="en-US" smtClean="0"/>
               <a:pPr/>
-              <a:t>7/12/2022</a:t>
+              <a:t>7/21/2022</a:t>
             </a:fld>
             <a:endParaRPr lang="en-US"/>
           </a:p>
@@ -1127,7 +1128,7 @@
           <a:p>
             <a:fld id="{87DE6118-2437-4B30-8E3C-4D2BE6020583}" type="datetimeFigureOut">
               <a:rPr lang="en-US" smtClean="0"/>
-              <a:t>7/12/2022</a:t>
+              <a:t>7/21/2022</a:t>
             </a:fld>
             <a:endParaRPr lang="en-US"/>
           </a:p>
@@ -1407,7 +1408,7 @@
             <a:fld id="{87DE6118-2437-4B30-8E3C-4D2BE6020583}" type="datetimeFigureOut">
               <a:rPr lang="en-US" smtClean="0"/>
               <a:pPr/>
-              <a:t>7/12/2022</a:t>
+              <a:t>7/21/2022</a:t>
             </a:fld>
             <a:endParaRPr lang="en-US"/>
           </a:p>
@@ -1676,7 +1677,7 @@
           <a:p>
             <a:fld id="{87DE6118-2437-4B30-8E3C-4D2BE6020583}" type="datetimeFigureOut">
               <a:rPr lang="en-US" smtClean="0"/>
-              <a:t>7/12/2022</a:t>
+              <a:t>7/21/2022</a:t>
             </a:fld>
             <a:endParaRPr lang="en-US"/>
           </a:p>
@@ -2092,7 +2093,7 @@
           <a:p>
             <a:fld id="{87DE6118-2437-4B30-8E3C-4D2BE6020583}" type="datetimeFigureOut">
               <a:rPr lang="en-US" smtClean="0"/>
-              <a:t>7/12/2022</a:t>
+              <a:t>7/21/2022</a:t>
             </a:fld>
             <a:endParaRPr lang="en-US"/>
           </a:p>
@@ -2241,7 +2242,7 @@
           <a:p>
             <a:fld id="{87DE6118-2437-4B30-8E3C-4D2BE6020583}" type="datetimeFigureOut">
               <a:rPr lang="en-US" smtClean="0"/>
-              <a:t>7/12/2022</a:t>
+              <a:t>7/21/2022</a:t>
             </a:fld>
             <a:endParaRPr lang="en-US"/>
           </a:p>
@@ -2367,7 +2368,7 @@
           <a:p>
             <a:fld id="{87DE6118-2437-4B30-8E3C-4D2BE6020583}" type="datetimeFigureOut">
               <a:rPr lang="en-US" smtClean="0"/>
-              <a:t>7/12/2022</a:t>
+              <a:t>7/21/2022</a:t>
             </a:fld>
             <a:endParaRPr lang="en-US"/>
           </a:p>
@@ -2619,7 +2620,7 @@
             <a:fld id="{87DE6118-2437-4B30-8E3C-4D2BE6020583}" type="datetimeFigureOut">
               <a:rPr lang="en-US" smtClean="0"/>
               <a:pPr/>
-              <a:t>7/12/2022</a:t>
+              <a:t>7/21/2022</a:t>
             </a:fld>
             <a:endParaRPr lang="en-US"/>
           </a:p>
@@ -2839,7 +2840,7 @@
           <a:p>
             <a:fld id="{87DE6118-2437-4B30-8E3C-4D2BE6020583}" type="datetimeFigureOut">
               <a:rPr lang="en-US" smtClean="0"/>
-              <a:t>7/12/2022</a:t>
+              <a:t>7/21/2022</a:t>
             </a:fld>
             <a:endParaRPr lang="en-US"/>
           </a:p>
@@ -3265,7 +3266,7 @@
             <a:fld id="{87DE6118-2437-4B30-8E3C-4D2BE6020583}" type="datetimeFigureOut">
               <a:rPr lang="en-US" smtClean="0"/>
               <a:pPr/>
-              <a:t>7/12/2022</a:t>
+              <a:t>7/21/2022</a:t>
             </a:fld>
             <a:endParaRPr lang="en-US"/>
           </a:p>
@@ -3472,7 +3473,7 @@
           <a:p>
             <a:fld id="{87DE6118-2437-4B30-8E3C-4D2BE6020583}" type="datetimeFigureOut">
               <a:rPr lang="en-US" smtClean="0"/>
-              <a:t>7/12/2022</a:t>
+              <a:t>7/21/2022</a:t>
             </a:fld>
             <a:endParaRPr lang="en-US"/>
           </a:p>
@@ -3687,7 +3688,7 @@
           <a:p>
             <a:fld id="{87DE6118-2437-4B30-8E3C-4D2BE6020583}" type="datetimeFigureOut">
               <a:rPr lang="en-US" smtClean="0"/>
-              <a:t>7/12/2022</a:t>
+              <a:t>7/21/2022</a:t>
             </a:fld>
             <a:endParaRPr lang="en-US"/>
           </a:p>
@@ -3929,7 +3930,7 @@
             <a:fld id="{87DE6118-2437-4B30-8E3C-4D2BE6020583}" type="datetimeFigureOut">
               <a:rPr lang="en-US" smtClean="0"/>
               <a:pPr/>
-              <a:t>7/12/2022</a:t>
+              <a:t>7/21/2022</a:t>
             </a:fld>
             <a:endParaRPr lang="en-US"/>
           </a:p>
@@ -4130,7 +4131,7 @@
           <a:p>
             <a:fld id="{87DE6118-2437-4B30-8E3C-4D2BE6020583}" type="datetimeFigureOut">
               <a:rPr lang="en-US" smtClean="0"/>
-              <a:t>7/12/2022</a:t>
+              <a:t>7/21/2022</a:t>
             </a:fld>
             <a:endParaRPr lang="en-US"/>
           </a:p>
@@ -4407,7 +4408,7 @@
             <a:fld id="{87DE6118-2437-4B30-8E3C-4D2BE6020583}" type="datetimeFigureOut">
               <a:rPr lang="en-US" smtClean="0"/>
               <a:pPr/>
-              <a:t>7/12/2022</a:t>
+              <a:t>7/21/2022</a:t>
             </a:fld>
             <a:endParaRPr lang="en-US"/>
           </a:p>
@@ -4676,7 +4677,7 @@
           <a:p>
             <a:fld id="{87DE6118-2437-4B30-8E3C-4D2BE6020583}" type="datetimeFigureOut">
               <a:rPr lang="en-US" smtClean="0"/>
-              <a:t>7/12/2022</a:t>
+              <a:t>7/21/2022</a:t>
             </a:fld>
             <a:endParaRPr lang="en-US"/>
           </a:p>
@@ -5091,7 +5092,7 @@
           <a:p>
             <a:fld id="{87DE6118-2437-4B30-8E3C-4D2BE6020583}" type="datetimeFigureOut">
               <a:rPr lang="en-US" smtClean="0"/>
-              <a:t>7/12/2022</a:t>
+              <a:t>7/21/2022</a:t>
             </a:fld>
             <a:endParaRPr lang="en-US"/>
           </a:p>
@@ -5233,7 +5234,7 @@
           <a:p>
             <a:fld id="{87DE6118-2437-4B30-8E3C-4D2BE6020583}" type="datetimeFigureOut">
               <a:rPr lang="en-US" smtClean="0"/>
-              <a:t>7/12/2022</a:t>
+              <a:t>7/21/2022</a:t>
             </a:fld>
             <a:endParaRPr lang="en-US"/>
           </a:p>
@@ -5346,7 +5347,7 @@
           <a:p>
             <a:fld id="{87DE6118-2437-4B30-8E3C-4D2BE6020583}" type="datetimeFigureOut">
               <a:rPr lang="en-US" smtClean="0"/>
-              <a:t>7/12/2022</a:t>
+              <a:t>7/21/2022</a:t>
             </a:fld>
             <a:endParaRPr lang="en-US"/>
           </a:p>
@@ -5623,7 +5624,7 @@
             <a:fld id="{87DE6118-2437-4B30-8E3C-4D2BE6020583}" type="datetimeFigureOut">
               <a:rPr lang="en-US" smtClean="0"/>
               <a:pPr/>
-              <a:t>7/12/2022</a:t>
+              <a:t>7/21/2022</a:t>
             </a:fld>
             <a:endParaRPr lang="en-US"/>
           </a:p>
@@ -5938,7 +5939,7 @@
             <a:fld id="{87DE6118-2437-4B30-8E3C-4D2BE6020583}" type="datetimeFigureOut">
               <a:rPr lang="en-US" smtClean="0"/>
               <a:pPr/>
-              <a:t>7/12/2022</a:t>
+              <a:t>7/21/2022</a:t>
             </a:fld>
             <a:endParaRPr lang="en-US"/>
           </a:p>
@@ -6229,7 +6230,7 @@
             <a:fld id="{87DE6118-2437-4B30-8E3C-4D2BE6020583}" type="datetimeFigureOut">
               <a:rPr lang="en-US" smtClean="0"/>
               <a:pPr/>
-              <a:t>7/12/2022</a:t>
+              <a:t>7/21/2022</a:t>
             </a:fld>
             <a:endParaRPr lang="en-US"/>
           </a:p>
@@ -6430,7 +6431,7 @@
           <a:p>
             <a:fld id="{87DE6118-2437-4B30-8E3C-4D2BE6020583}" type="datetimeFigureOut">
               <a:rPr lang="en-US" smtClean="0"/>
-              <a:t>7/12/2022</a:t>
+              <a:t>7/21/2022</a:t>
             </a:fld>
             <a:endParaRPr lang="en-US"/>
           </a:p>
@@ -6640,7 +6641,7 @@
           <a:p>
             <a:fld id="{87DE6118-2437-4B30-8E3C-4D2BE6020583}" type="datetimeFigureOut">
               <a:rPr lang="en-US" smtClean="0"/>
-              <a:t>7/12/2022</a:t>
+              <a:t>7/21/2022</a:t>
             </a:fld>
             <a:endParaRPr lang="en-US"/>
           </a:p>
@@ -6908,7 +6909,7 @@
           <a:p>
             <a:fld id="{87DE6118-2437-4B30-8E3C-4D2BE6020583}" type="datetimeFigureOut">
               <a:rPr lang="en-US" smtClean="0"/>
-              <a:t>7/12/2022</a:t>
+              <a:t>7/21/2022</a:t>
             </a:fld>
             <a:endParaRPr lang="en-US"/>
           </a:p>
@@ -7323,7 +7324,7 @@
           <a:p>
             <a:fld id="{87DE6118-2437-4B30-8E3C-4D2BE6020583}" type="datetimeFigureOut">
               <a:rPr lang="en-US" smtClean="0"/>
-              <a:t>7/12/2022</a:t>
+              <a:t>7/21/2022</a:t>
             </a:fld>
             <a:endParaRPr lang="en-US"/>
           </a:p>
@@ -7465,7 +7466,7 @@
           <a:p>
             <a:fld id="{87DE6118-2437-4B30-8E3C-4D2BE6020583}" type="datetimeFigureOut">
               <a:rPr lang="en-US" smtClean="0"/>
-              <a:t>7/12/2022</a:t>
+              <a:t>7/21/2022</a:t>
             </a:fld>
             <a:endParaRPr lang="en-US"/>
           </a:p>
@@ -7578,7 +7579,7 @@
           <a:p>
             <a:fld id="{87DE6118-2437-4B30-8E3C-4D2BE6020583}" type="datetimeFigureOut">
               <a:rPr lang="en-US" smtClean="0"/>
-              <a:t>7/12/2022</a:t>
+              <a:t>7/21/2022</a:t>
             </a:fld>
             <a:endParaRPr lang="en-US"/>
           </a:p>
@@ -7892,7 +7893,7 @@
             <a:fld id="{87DE6118-2437-4B30-8E3C-4D2BE6020583}" type="datetimeFigureOut">
               <a:rPr lang="en-US" smtClean="0"/>
               <a:pPr/>
-              <a:t>7/12/2022</a:t>
+              <a:t>7/21/2022</a:t>
             </a:fld>
             <a:endParaRPr lang="en-US"/>
           </a:p>
@@ -8183,7 +8184,7 @@
             <a:fld id="{87DE6118-2437-4B30-8E3C-4D2BE6020583}" type="datetimeFigureOut">
               <a:rPr lang="en-US" smtClean="0"/>
               <a:pPr/>
-              <a:t>7/12/2022</a:t>
+              <a:t>7/21/2022</a:t>
             </a:fld>
             <a:endParaRPr lang="en-US"/>
           </a:p>
@@ -8428,7 +8429,7 @@
             <a:fld id="{87DE6118-2437-4B30-8E3C-4D2BE6020583}" type="datetimeFigureOut">
               <a:rPr lang="en-US" smtClean="0"/>
               <a:pPr/>
-              <a:t>7/12/2022</a:t>
+              <a:t>7/21/2022</a:t>
             </a:fld>
             <a:endParaRPr lang="en-US"/>
           </a:p>
@@ -9065,7 +9066,7 @@
             <a:fld id="{87DE6118-2437-4B30-8E3C-4D2BE6020583}" type="datetimeFigureOut">
               <a:rPr lang="en-US" smtClean="0"/>
               <a:pPr/>
-              <a:t>7/12/2022</a:t>
+              <a:t>7/21/2022</a:t>
             </a:fld>
             <a:endParaRPr lang="en-US"/>
           </a:p>
@@ -9711,7 +9712,7 @@
             <a:fld id="{87DE6118-2437-4B30-8E3C-4D2BE6020583}" type="datetimeFigureOut">
               <a:rPr lang="en-US" smtClean="0"/>
               <a:pPr/>
-              <a:t>7/12/2022</a:t>
+              <a:t>7/21/2022</a:t>
             </a:fld>
             <a:endParaRPr lang="en-US"/>
           </a:p>
@@ -31320,6 +31321,228 @@
 </p:sld>
 </file>
 
+<file path=ppt/slides/slide29.xml><?xml version="1.0" encoding="utf-8"?>
+<p:sld xmlns:a="http://schemas.openxmlformats.org/drawingml/2006/main" xmlns:r="http://schemas.openxmlformats.org/officeDocument/2006/relationships" xmlns:p="http://schemas.openxmlformats.org/presentationml/2006/main">
+  <p:cSld>
+    <p:bg>
+      <p:bgPr>
+        <a:pattFill prst="dotGrid">
+          <a:fgClr>
+            <a:schemeClr val="bg1">
+              <a:lumMod val="95000"/>
+            </a:schemeClr>
+          </a:fgClr>
+          <a:bgClr>
+            <a:schemeClr val="bg1"/>
+          </a:bgClr>
+        </a:pattFill>
+        <a:effectLst/>
+      </p:bgPr>
+    </p:bg>
+    <p:spTree>
+      <p:nvGrpSpPr>
+        <p:cNvPr id="1" name=""/>
+        <p:cNvGrpSpPr/>
+        <p:nvPr/>
+      </p:nvGrpSpPr>
+      <p:grpSpPr>
+        <a:xfrm>
+          <a:off x="0" y="0"/>
+          <a:ext cx="0" cy="0"/>
+          <a:chOff x="0" y="0"/>
+          <a:chExt cx="0" cy="0"/>
+        </a:xfrm>
+      </p:grpSpPr>
+      <p:sp>
+        <p:nvSpPr>
+          <p:cNvPr id="2" name="Title 1">
+            <a:extLst>
+              <a:ext uri="{FF2B5EF4-FFF2-40B4-BE49-F238E27FC236}">
+                <a16:creationId xmlns:a16="http://schemas.microsoft.com/office/drawing/2014/main" id="{DC7D2525-271D-45DF-BB4E-754EAAA03C02}"/>
+              </a:ext>
+            </a:extLst>
+          </p:cNvPr>
+          <p:cNvSpPr>
+            <a:spLocks noGrp="1"/>
+          </p:cNvSpPr>
+          <p:nvPr>
+            <p:ph type="title"/>
+          </p:nvPr>
+        </p:nvSpPr>
+        <p:spPr>
+          <a:xfrm>
+            <a:off x="0" y="0"/>
+            <a:ext cx="12192000" cy="536895"/>
+          </a:xfrm>
+        </p:spPr>
+        <p:style>
+          <a:lnRef idx="0">
+            <a:schemeClr val="dk1"/>
+          </a:lnRef>
+          <a:fillRef idx="3">
+            <a:schemeClr val="dk1"/>
+          </a:fillRef>
+          <a:effectRef idx="3">
+            <a:schemeClr val="dk1"/>
+          </a:effectRef>
+          <a:fontRef idx="minor">
+            <a:schemeClr val="lt1"/>
+          </a:fontRef>
+        </p:style>
+        <p:txBody>
+          <a:bodyPr>
+            <a:normAutofit/>
+          </a:bodyPr>
+          <a:lstStyle/>
+          <a:p>
+            <a:pPr algn="ctr"/>
+            <a:r>
+              <a:rPr lang="en-US" sz="1800"/>
+              <a:t>Aplicarea couponului pentru Branduri</a:t>
+            </a:r>
+          </a:p>
+        </p:txBody>
+      </p:sp>
+      <p:sp>
+        <p:nvSpPr>
+          <p:cNvPr id="5" name="TextBox 4">
+            <a:extLst>
+              <a:ext uri="{FF2B5EF4-FFF2-40B4-BE49-F238E27FC236}">
+                <a16:creationId xmlns:a16="http://schemas.microsoft.com/office/drawing/2014/main" id="{3FC9C41E-1038-451F-AC60-0E9EF7589DB7}"/>
+              </a:ext>
+            </a:extLst>
+          </p:cNvPr>
+          <p:cNvSpPr txBox="1"/>
+          <p:nvPr/>
+        </p:nvSpPr>
+        <p:spPr>
+          <a:xfrm>
+            <a:off x="589448" y="1171339"/>
+            <a:ext cx="11176840" cy="1477328"/>
+          </a:xfrm>
+          <a:prstGeom prst="rect">
+            <a:avLst/>
+          </a:prstGeom>
+          <a:noFill/>
+        </p:spPr>
+        <p:txBody>
+          <a:bodyPr wrap="square" rtlCol="0">
+            <a:spAutoFit/>
+          </a:bodyPr>
+          <a:lstStyle/>
+          <a:p>
+            <a:r>
+              <a:rPr lang="en-US"/>
+              <a:t>1. In acest caz va trebui sa verificam </a:t>
+            </a:r>
+            <a:r>
+              <a:rPr lang="en-US">
+                <a:solidFill>
+                  <a:schemeClr val="accent2">
+                    <a:lumMod val="75000"/>
+                  </a:schemeClr>
+                </a:solidFill>
+              </a:rPr>
+              <a:t>coupon_type==4 </a:t>
+            </a:r>
+            <a:r>
+              <a:rPr lang="en-US"/>
+              <a:t>si sa iteram prin toate produsele din cos (Cart) pentru a verifica ca brandul produsului (id-ul) se afla intre id-urile brandurilor couponului – </a:t>
+            </a:r>
+            <a:r>
+              <a:rPr lang="en-US">
+                <a:solidFill>
+                  <a:schemeClr val="accent2">
+                    <a:lumMod val="75000"/>
+                  </a:schemeClr>
+                </a:solidFill>
+              </a:rPr>
+              <a:t>whereIn(‘field’,[1,2,3,4])</a:t>
+            </a:r>
+          </a:p>
+          <a:p>
+            <a:r>
+              <a:rPr lang="en-US">
+                <a:solidFill>
+                  <a:schemeClr val="tx1">
+                    <a:lumMod val="95000"/>
+                    <a:lumOff val="5000"/>
+                  </a:schemeClr>
+                </a:solidFill>
+              </a:rPr>
+              <a:t>2. Pentru fiecare produs al carui brand se afla intre brandurile couponului vom calcula discount-ul care poate fi </a:t>
+            </a:r>
+            <a:r>
+              <a:rPr lang="en-US">
+                <a:solidFill>
+                  <a:schemeClr val="accent2">
+                    <a:lumMod val="75000"/>
+                  </a:schemeClr>
+                </a:solidFill>
+              </a:rPr>
+              <a:t>procentual</a:t>
+            </a:r>
+            <a:r>
+              <a:rPr lang="en-US">
+                <a:solidFill>
+                  <a:schemeClr val="tx1">
+                    <a:lumMod val="95000"/>
+                    <a:lumOff val="5000"/>
+                  </a:schemeClr>
+                </a:solidFill>
+              </a:rPr>
+              <a:t> sau </a:t>
+            </a:r>
+            <a:r>
+              <a:rPr lang="en-US">
+                <a:solidFill>
+                  <a:schemeClr val="accent2">
+                    <a:lumMod val="75000"/>
+                  </a:schemeClr>
+                </a:solidFill>
+              </a:rPr>
+              <a:t>fix</a:t>
+            </a:r>
+            <a:r>
+              <a:rPr lang="en-US">
+                <a:solidFill>
+                  <a:schemeClr val="tx1">
+                    <a:lumMod val="95000"/>
+                    <a:lumOff val="5000"/>
+                  </a:schemeClr>
+                </a:solidFill>
+              </a:rPr>
+              <a:t>.</a:t>
+            </a:r>
+          </a:p>
+          <a:p>
+            <a:r>
+              <a:rPr lang="en-US">
+                <a:solidFill>
+                  <a:schemeClr val="tx1">
+                    <a:lumMod val="95000"/>
+                    <a:lumOff val="5000"/>
+                  </a:schemeClr>
+                </a:solidFill>
+              </a:rPr>
+              <a:t>3. Vom calcula si salva discountul total.</a:t>
+            </a:r>
+          </a:p>
+        </p:txBody>
+      </p:sp>
+    </p:spTree>
+    <p:extLst>
+      <p:ext uri="{BB962C8B-B14F-4D97-AF65-F5344CB8AC3E}">
+        <p14:creationId xmlns:p14="http://schemas.microsoft.com/office/powerpoint/2010/main" val="2308533373"/>
+      </p:ext>
+    </p:extLst>
+  </p:cSld>
+  <p:clrMapOvr>
+    <a:masterClrMapping/>
+  </p:clrMapOvr>
+</p:sld>
+</file>
+
 <file path=ppt/slides/slide3.xml><?xml version="1.0" encoding="utf-8"?>
 <p:sld xmlns:a="http://schemas.openxmlformats.org/drawingml/2006/main" xmlns:r="http://schemas.openxmlformats.org/officeDocument/2006/relationships" xmlns:p="http://schemas.openxmlformats.org/presentationml/2006/main">
   <p:cSld>

--- a/_presentation/prezentare_aplicatie.pptx
+++ b/_presentation/prezentare_aplicatie.pptx
@@ -32,10 +32,11 @@
     <p:sldId id="278" r:id="rId26"/>
     <p:sldId id="279" r:id="rId27"/>
     <p:sldId id="280" r:id="rId28"/>
-    <p:sldId id="281" r:id="rId29"/>
-    <p:sldId id="283" r:id="rId30"/>
-    <p:sldId id="282" r:id="rId31"/>
-    <p:sldId id="284" r:id="rId32"/>
+    <p:sldId id="285" r:id="rId29"/>
+    <p:sldId id="281" r:id="rId30"/>
+    <p:sldId id="283" r:id="rId31"/>
+    <p:sldId id="282" r:id="rId32"/>
+    <p:sldId id="284" r:id="rId33"/>
   </p:sldIdLst>
   <p:sldSz cx="12192000" cy="6858000"/>
   <p:notesSz cx="6858000" cy="9144000"/>
@@ -292,7 +293,7 @@
             <a:fld id="{87DE6118-2437-4B30-8E3C-4D2BE6020583}" type="datetimeFigureOut">
               <a:rPr lang="en-US" smtClean="0"/>
               <a:pPr/>
-              <a:t>7/21/2022</a:t>
+              <a:t>7/30/2022</a:t>
             </a:fld>
             <a:endParaRPr lang="en-US"/>
           </a:p>
@@ -493,7 +494,7 @@
           <a:p>
             <a:fld id="{87DE6118-2437-4B30-8E3C-4D2BE6020583}" type="datetimeFigureOut">
               <a:rPr lang="en-US" smtClean="0"/>
-              <a:t>7/21/2022</a:t>
+              <a:t>7/30/2022</a:t>
             </a:fld>
             <a:endParaRPr lang="en-US"/>
           </a:p>
@@ -703,7 +704,7 @@
           <a:p>
             <a:fld id="{87DE6118-2437-4B30-8E3C-4D2BE6020583}" type="datetimeFigureOut">
               <a:rPr lang="en-US" smtClean="0"/>
-              <a:t>7/21/2022</a:t>
+              <a:t>7/30/2022</a:t>
             </a:fld>
             <a:endParaRPr lang="en-US"/>
           </a:p>
@@ -916,7 +917,7 @@
             <a:fld id="{87DE6118-2437-4B30-8E3C-4D2BE6020583}" type="datetimeFigureOut">
               <a:rPr lang="en-US" smtClean="0"/>
               <a:pPr/>
-              <a:t>7/21/2022</a:t>
+              <a:t>7/30/2022</a:t>
             </a:fld>
             <a:endParaRPr lang="en-US"/>
           </a:p>
@@ -1128,7 +1129,7 @@
           <a:p>
             <a:fld id="{87DE6118-2437-4B30-8E3C-4D2BE6020583}" type="datetimeFigureOut">
               <a:rPr lang="en-US" smtClean="0"/>
-              <a:t>7/21/2022</a:t>
+              <a:t>7/30/2022</a:t>
             </a:fld>
             <a:endParaRPr lang="en-US"/>
           </a:p>
@@ -1408,7 +1409,7 @@
             <a:fld id="{87DE6118-2437-4B30-8E3C-4D2BE6020583}" type="datetimeFigureOut">
               <a:rPr lang="en-US" smtClean="0"/>
               <a:pPr/>
-              <a:t>7/21/2022</a:t>
+              <a:t>7/30/2022</a:t>
             </a:fld>
             <a:endParaRPr lang="en-US"/>
           </a:p>
@@ -1677,7 +1678,7 @@
           <a:p>
             <a:fld id="{87DE6118-2437-4B30-8E3C-4D2BE6020583}" type="datetimeFigureOut">
               <a:rPr lang="en-US" smtClean="0"/>
-              <a:t>7/21/2022</a:t>
+              <a:t>7/30/2022</a:t>
             </a:fld>
             <a:endParaRPr lang="en-US"/>
           </a:p>
@@ -2093,7 +2094,7 @@
           <a:p>
             <a:fld id="{87DE6118-2437-4B30-8E3C-4D2BE6020583}" type="datetimeFigureOut">
               <a:rPr lang="en-US" smtClean="0"/>
-              <a:t>7/21/2022</a:t>
+              <a:t>7/30/2022</a:t>
             </a:fld>
             <a:endParaRPr lang="en-US"/>
           </a:p>
@@ -2242,7 +2243,7 @@
           <a:p>
             <a:fld id="{87DE6118-2437-4B30-8E3C-4D2BE6020583}" type="datetimeFigureOut">
               <a:rPr lang="en-US" smtClean="0"/>
-              <a:t>7/21/2022</a:t>
+              <a:t>7/30/2022</a:t>
             </a:fld>
             <a:endParaRPr lang="en-US"/>
           </a:p>
@@ -2368,7 +2369,7 @@
           <a:p>
             <a:fld id="{87DE6118-2437-4B30-8E3C-4D2BE6020583}" type="datetimeFigureOut">
               <a:rPr lang="en-US" smtClean="0"/>
-              <a:t>7/21/2022</a:t>
+              <a:t>7/30/2022</a:t>
             </a:fld>
             <a:endParaRPr lang="en-US"/>
           </a:p>
@@ -2620,7 +2621,7 @@
             <a:fld id="{87DE6118-2437-4B30-8E3C-4D2BE6020583}" type="datetimeFigureOut">
               <a:rPr lang="en-US" smtClean="0"/>
               <a:pPr/>
-              <a:t>7/21/2022</a:t>
+              <a:t>7/30/2022</a:t>
             </a:fld>
             <a:endParaRPr lang="en-US"/>
           </a:p>
@@ -2840,7 +2841,7 @@
           <a:p>
             <a:fld id="{87DE6118-2437-4B30-8E3C-4D2BE6020583}" type="datetimeFigureOut">
               <a:rPr lang="en-US" smtClean="0"/>
-              <a:t>7/21/2022</a:t>
+              <a:t>7/30/2022</a:t>
             </a:fld>
             <a:endParaRPr lang="en-US"/>
           </a:p>
@@ -3266,7 +3267,7 @@
             <a:fld id="{87DE6118-2437-4B30-8E3C-4D2BE6020583}" type="datetimeFigureOut">
               <a:rPr lang="en-US" smtClean="0"/>
               <a:pPr/>
-              <a:t>7/21/2022</a:t>
+              <a:t>7/30/2022</a:t>
             </a:fld>
             <a:endParaRPr lang="en-US"/>
           </a:p>
@@ -3473,7 +3474,7 @@
           <a:p>
             <a:fld id="{87DE6118-2437-4B30-8E3C-4D2BE6020583}" type="datetimeFigureOut">
               <a:rPr lang="en-US" smtClean="0"/>
-              <a:t>7/21/2022</a:t>
+              <a:t>7/30/2022</a:t>
             </a:fld>
             <a:endParaRPr lang="en-US"/>
           </a:p>
@@ -3688,7 +3689,7 @@
           <a:p>
             <a:fld id="{87DE6118-2437-4B30-8E3C-4D2BE6020583}" type="datetimeFigureOut">
               <a:rPr lang="en-US" smtClean="0"/>
-              <a:t>7/21/2022</a:t>
+              <a:t>7/30/2022</a:t>
             </a:fld>
             <a:endParaRPr lang="en-US"/>
           </a:p>
@@ -3930,7 +3931,7 @@
             <a:fld id="{87DE6118-2437-4B30-8E3C-4D2BE6020583}" type="datetimeFigureOut">
               <a:rPr lang="en-US" smtClean="0"/>
               <a:pPr/>
-              <a:t>7/21/2022</a:t>
+              <a:t>7/30/2022</a:t>
             </a:fld>
             <a:endParaRPr lang="en-US"/>
           </a:p>
@@ -4131,7 +4132,7 @@
           <a:p>
             <a:fld id="{87DE6118-2437-4B30-8E3C-4D2BE6020583}" type="datetimeFigureOut">
               <a:rPr lang="en-US" smtClean="0"/>
-              <a:t>7/21/2022</a:t>
+              <a:t>7/30/2022</a:t>
             </a:fld>
             <a:endParaRPr lang="en-US"/>
           </a:p>
@@ -4408,7 +4409,7 @@
             <a:fld id="{87DE6118-2437-4B30-8E3C-4D2BE6020583}" type="datetimeFigureOut">
               <a:rPr lang="en-US" smtClean="0"/>
               <a:pPr/>
-              <a:t>7/21/2022</a:t>
+              <a:t>7/30/2022</a:t>
             </a:fld>
             <a:endParaRPr lang="en-US"/>
           </a:p>
@@ -4677,7 +4678,7 @@
           <a:p>
             <a:fld id="{87DE6118-2437-4B30-8E3C-4D2BE6020583}" type="datetimeFigureOut">
               <a:rPr lang="en-US" smtClean="0"/>
-              <a:t>7/21/2022</a:t>
+              <a:t>7/30/2022</a:t>
             </a:fld>
             <a:endParaRPr lang="en-US"/>
           </a:p>
@@ -5092,7 +5093,7 @@
           <a:p>
             <a:fld id="{87DE6118-2437-4B30-8E3C-4D2BE6020583}" type="datetimeFigureOut">
               <a:rPr lang="en-US" smtClean="0"/>
-              <a:t>7/21/2022</a:t>
+              <a:t>7/30/2022</a:t>
             </a:fld>
             <a:endParaRPr lang="en-US"/>
           </a:p>
@@ -5234,7 +5235,7 @@
           <a:p>
             <a:fld id="{87DE6118-2437-4B30-8E3C-4D2BE6020583}" type="datetimeFigureOut">
               <a:rPr lang="en-US" smtClean="0"/>
-              <a:t>7/21/2022</a:t>
+              <a:t>7/30/2022</a:t>
             </a:fld>
             <a:endParaRPr lang="en-US"/>
           </a:p>
@@ -5347,7 +5348,7 @@
           <a:p>
             <a:fld id="{87DE6118-2437-4B30-8E3C-4D2BE6020583}" type="datetimeFigureOut">
               <a:rPr lang="en-US" smtClean="0"/>
-              <a:t>7/21/2022</a:t>
+              <a:t>7/30/2022</a:t>
             </a:fld>
             <a:endParaRPr lang="en-US"/>
           </a:p>
@@ -5624,7 +5625,7 @@
             <a:fld id="{87DE6118-2437-4B30-8E3C-4D2BE6020583}" type="datetimeFigureOut">
               <a:rPr lang="en-US" smtClean="0"/>
               <a:pPr/>
-              <a:t>7/21/2022</a:t>
+              <a:t>7/30/2022</a:t>
             </a:fld>
             <a:endParaRPr lang="en-US"/>
           </a:p>
@@ -5939,7 +5940,7 @@
             <a:fld id="{87DE6118-2437-4B30-8E3C-4D2BE6020583}" type="datetimeFigureOut">
               <a:rPr lang="en-US" smtClean="0"/>
               <a:pPr/>
-              <a:t>7/21/2022</a:t>
+              <a:t>7/30/2022</a:t>
             </a:fld>
             <a:endParaRPr lang="en-US"/>
           </a:p>
@@ -6230,7 +6231,7 @@
             <a:fld id="{87DE6118-2437-4B30-8E3C-4D2BE6020583}" type="datetimeFigureOut">
               <a:rPr lang="en-US" smtClean="0"/>
               <a:pPr/>
-              <a:t>7/21/2022</a:t>
+              <a:t>7/30/2022</a:t>
             </a:fld>
             <a:endParaRPr lang="en-US"/>
           </a:p>
@@ -6431,7 +6432,7 @@
           <a:p>
             <a:fld id="{87DE6118-2437-4B30-8E3C-4D2BE6020583}" type="datetimeFigureOut">
               <a:rPr lang="en-US" smtClean="0"/>
-              <a:t>7/21/2022</a:t>
+              <a:t>7/30/2022</a:t>
             </a:fld>
             <a:endParaRPr lang="en-US"/>
           </a:p>
@@ -6641,7 +6642,7 @@
           <a:p>
             <a:fld id="{87DE6118-2437-4B30-8E3C-4D2BE6020583}" type="datetimeFigureOut">
               <a:rPr lang="en-US" smtClean="0"/>
-              <a:t>7/21/2022</a:t>
+              <a:t>7/30/2022</a:t>
             </a:fld>
             <a:endParaRPr lang="en-US"/>
           </a:p>
@@ -6909,7 +6910,7 @@
           <a:p>
             <a:fld id="{87DE6118-2437-4B30-8E3C-4D2BE6020583}" type="datetimeFigureOut">
               <a:rPr lang="en-US" smtClean="0"/>
-              <a:t>7/21/2022</a:t>
+              <a:t>7/30/2022</a:t>
             </a:fld>
             <a:endParaRPr lang="en-US"/>
           </a:p>
@@ -7324,7 +7325,7 @@
           <a:p>
             <a:fld id="{87DE6118-2437-4B30-8E3C-4D2BE6020583}" type="datetimeFigureOut">
               <a:rPr lang="en-US" smtClean="0"/>
-              <a:t>7/21/2022</a:t>
+              <a:t>7/30/2022</a:t>
             </a:fld>
             <a:endParaRPr lang="en-US"/>
           </a:p>
@@ -7466,7 +7467,7 @@
           <a:p>
             <a:fld id="{87DE6118-2437-4B30-8E3C-4D2BE6020583}" type="datetimeFigureOut">
               <a:rPr lang="en-US" smtClean="0"/>
-              <a:t>7/21/2022</a:t>
+              <a:t>7/30/2022</a:t>
             </a:fld>
             <a:endParaRPr lang="en-US"/>
           </a:p>
@@ -7579,7 +7580,7 @@
           <a:p>
             <a:fld id="{87DE6118-2437-4B30-8E3C-4D2BE6020583}" type="datetimeFigureOut">
               <a:rPr lang="en-US" smtClean="0"/>
-              <a:t>7/21/2022</a:t>
+              <a:t>7/30/2022</a:t>
             </a:fld>
             <a:endParaRPr lang="en-US"/>
           </a:p>
@@ -7893,7 +7894,7 @@
             <a:fld id="{87DE6118-2437-4B30-8E3C-4D2BE6020583}" type="datetimeFigureOut">
               <a:rPr lang="en-US" smtClean="0"/>
               <a:pPr/>
-              <a:t>7/21/2022</a:t>
+              <a:t>7/30/2022</a:t>
             </a:fld>
             <a:endParaRPr lang="en-US"/>
           </a:p>
@@ -8184,7 +8185,7 @@
             <a:fld id="{87DE6118-2437-4B30-8E3C-4D2BE6020583}" type="datetimeFigureOut">
               <a:rPr lang="en-US" smtClean="0"/>
               <a:pPr/>
-              <a:t>7/21/2022</a:t>
+              <a:t>7/30/2022</a:t>
             </a:fld>
             <a:endParaRPr lang="en-US"/>
           </a:p>
@@ -8429,7 +8430,7 @@
             <a:fld id="{87DE6118-2437-4B30-8E3C-4D2BE6020583}" type="datetimeFigureOut">
               <a:rPr lang="en-US" smtClean="0"/>
               <a:pPr/>
-              <a:t>7/21/2022</a:t>
+              <a:t>7/30/2022</a:t>
             </a:fld>
             <a:endParaRPr lang="en-US"/>
           </a:p>
@@ -9066,7 +9067,7 @@
             <a:fld id="{87DE6118-2437-4B30-8E3C-4D2BE6020583}" type="datetimeFigureOut">
               <a:rPr lang="en-US" smtClean="0"/>
               <a:pPr/>
-              <a:t>7/21/2022</a:t>
+              <a:t>7/30/2022</a:t>
             </a:fld>
             <a:endParaRPr lang="en-US"/>
           </a:p>
@@ -9712,7 +9713,7 @@
             <a:fld id="{87DE6118-2437-4B30-8E3C-4D2BE6020583}" type="datetimeFigureOut">
               <a:rPr lang="en-US" smtClean="0"/>
               <a:pPr/>
-              <a:t>7/21/2022</a:t>
+              <a:t>7/30/2022</a:t>
             </a:fld>
             <a:endParaRPr lang="en-US"/>
           </a:p>
@@ -28832,6 +28833,669 @@
   <p:cSld>
     <p:bg>
       <p:bgPr>
+        <a:pattFill prst="dotGrid">
+          <a:fgClr>
+            <a:schemeClr val="accent1">
+              <a:lumMod val="20000"/>
+              <a:lumOff val="80000"/>
+            </a:schemeClr>
+          </a:fgClr>
+          <a:bgClr>
+            <a:schemeClr val="bg1"/>
+          </a:bgClr>
+        </a:pattFill>
+        <a:effectLst/>
+      </p:bgPr>
+    </p:bg>
+    <p:spTree>
+      <p:nvGrpSpPr>
+        <p:cNvPr id="1" name=""/>
+        <p:cNvGrpSpPr/>
+        <p:nvPr/>
+      </p:nvGrpSpPr>
+      <p:grpSpPr>
+        <a:xfrm>
+          <a:off x="0" y="0"/>
+          <a:ext cx="0" cy="0"/>
+          <a:chOff x="0" y="0"/>
+          <a:chExt cx="0" cy="0"/>
+        </a:xfrm>
+      </p:grpSpPr>
+      <p:sp>
+        <p:nvSpPr>
+          <p:cNvPr id="3" name="TextBox 2">
+            <a:extLst>
+              <a:ext uri="{FF2B5EF4-FFF2-40B4-BE49-F238E27FC236}">
+                <a16:creationId xmlns:a16="http://schemas.microsoft.com/office/drawing/2014/main" id="{5137EC5D-B141-4625-A117-CE39DEFF6825}"/>
+              </a:ext>
+            </a:extLst>
+          </p:cNvPr>
+          <p:cNvSpPr txBox="1"/>
+          <p:nvPr/>
+        </p:nvSpPr>
+        <p:spPr>
+          <a:xfrm>
+            <a:off x="1" y="0"/>
+            <a:ext cx="12192000" cy="369332"/>
+          </a:xfrm>
+          <a:prstGeom prst="rect">
+            <a:avLst/>
+          </a:prstGeom>
+        </p:spPr>
+        <p:style>
+          <a:lnRef idx="3">
+            <a:schemeClr val="lt1"/>
+          </a:lnRef>
+          <a:fillRef idx="1">
+            <a:schemeClr val="dk1"/>
+          </a:fillRef>
+          <a:effectRef idx="1">
+            <a:schemeClr val="dk1"/>
+          </a:effectRef>
+          <a:fontRef idx="minor">
+            <a:schemeClr val="lt1"/>
+          </a:fontRef>
+        </p:style>
+        <p:txBody>
+          <a:bodyPr wrap="square" rtlCol="0">
+            <a:spAutoFit/>
+          </a:bodyPr>
+          <a:lstStyle/>
+          <a:p>
+            <a:pPr algn="ctr"/>
+            <a:r>
+              <a:rPr lang="en-US"/>
+              <a:t>Cupoane </a:t>
+            </a:r>
+          </a:p>
+        </p:txBody>
+      </p:sp>
+      <p:sp>
+        <p:nvSpPr>
+          <p:cNvPr id="4" name="TextBox 3">
+            <a:extLst>
+              <a:ext uri="{FF2B5EF4-FFF2-40B4-BE49-F238E27FC236}">
+                <a16:creationId xmlns:a16="http://schemas.microsoft.com/office/drawing/2014/main" id="{E25F9131-42E2-40F0-8CD1-07CBD112FDDB}"/>
+              </a:ext>
+            </a:extLst>
+          </p:cNvPr>
+          <p:cNvSpPr txBox="1"/>
+          <p:nvPr/>
+        </p:nvSpPr>
+        <p:spPr>
+          <a:xfrm>
+            <a:off x="562062" y="931178"/>
+            <a:ext cx="9863807" cy="1785104"/>
+          </a:xfrm>
+          <a:prstGeom prst="rect">
+            <a:avLst/>
+          </a:prstGeom>
+          <a:noFill/>
+        </p:spPr>
+        <p:txBody>
+          <a:bodyPr wrap="square" rtlCol="0">
+            <a:spAutoFit/>
+          </a:bodyPr>
+          <a:lstStyle/>
+          <a:p>
+            <a:pPr marL="342900" indent="-342900">
+              <a:buAutoNum type="arabicPeriod"/>
+            </a:pPr>
+            <a:r>
+              <a:rPr lang="en-US"/>
+              <a:t>Prezentarea scenariilor pentru coupoane si proiectarea structurii datelor</a:t>
+            </a:r>
+          </a:p>
+          <a:p>
+            <a:pPr lvl="1">
+              <a:spcBef>
+                <a:spcPts val="1200"/>
+              </a:spcBef>
+            </a:pPr>
+            <a:r>
+              <a:rPr lang="en-US"/>
+              <a:t>Implementarea relatiei </a:t>
+            </a:r>
+            <a:r>
+              <a:rPr lang="en-US">
+                <a:solidFill>
+                  <a:schemeClr val="accent6">
+                    <a:lumMod val="75000"/>
+                  </a:schemeClr>
+                </a:solidFill>
+              </a:rPr>
+              <a:t>many-to-many polimorfice </a:t>
+            </a:r>
+            <a:r>
+              <a:rPr lang="en-US"/>
+              <a:t>intre cupoane si entitatile ce vor fi atasate acestora: users, categories,brands</a:t>
+            </a:r>
+          </a:p>
+          <a:p>
+            <a:pPr lvl="1">
+              <a:spcBef>
+                <a:spcPts val="1200"/>
+              </a:spcBef>
+            </a:pPr>
+            <a:r>
+              <a:rPr lang="en-US"/>
+              <a:t>Salvarea discountului unei comenzi intr-un table dedicat: </a:t>
+            </a:r>
+            <a:r>
+              <a:rPr lang="en-US">
+                <a:solidFill>
+                  <a:schemeClr val="accent6">
+                    <a:lumMod val="75000"/>
+                  </a:schemeClr>
+                </a:solidFill>
+              </a:rPr>
+              <a:t>orders_discount</a:t>
+            </a:r>
+            <a:r>
+              <a:rPr lang="en-US"/>
+              <a:t>, cu o relatie one-to-one cu tabelul orders: o comanda poate avea un singur discount</a:t>
+            </a:r>
+          </a:p>
+        </p:txBody>
+      </p:sp>
+      <p:sp>
+        <p:nvSpPr>
+          <p:cNvPr id="5" name="TextBox 4">
+            <a:extLst>
+              <a:ext uri="{FF2B5EF4-FFF2-40B4-BE49-F238E27FC236}">
+                <a16:creationId xmlns:a16="http://schemas.microsoft.com/office/drawing/2014/main" id="{D6431BE8-7F88-4094-ABD0-26119038E1A3}"/>
+              </a:ext>
+            </a:extLst>
+          </p:cNvPr>
+          <p:cNvSpPr txBox="1"/>
+          <p:nvPr/>
+        </p:nvSpPr>
+        <p:spPr>
+          <a:xfrm>
+            <a:off x="562062" y="2982482"/>
+            <a:ext cx="9863807" cy="923330"/>
+          </a:xfrm>
+          <a:prstGeom prst="rect">
+            <a:avLst/>
+          </a:prstGeom>
+          <a:noFill/>
+        </p:spPr>
+        <p:txBody>
+          <a:bodyPr wrap="square" rtlCol="0">
+            <a:spAutoFit/>
+          </a:bodyPr>
+          <a:lstStyle/>
+          <a:p>
+            <a:r>
+              <a:rPr lang="en-US"/>
+              <a:t>2. Crearea interfetei de administrare pentru coupoanele generale: acestea vor avea o data de expirare, o valoare, vor fi de tip procentual sau fix, vor putea fi active sau nu, vor avea un cod si o descriere ce vor fi afisate si in contul de utilizator.</a:t>
+            </a:r>
+          </a:p>
+        </p:txBody>
+      </p:sp>
+      <p:sp>
+        <p:nvSpPr>
+          <p:cNvPr id="6" name="TextBox 5">
+            <a:extLst>
+              <a:ext uri="{FF2B5EF4-FFF2-40B4-BE49-F238E27FC236}">
+                <a16:creationId xmlns:a16="http://schemas.microsoft.com/office/drawing/2014/main" id="{96E08889-8541-4E92-957F-870467955276}"/>
+              </a:ext>
+            </a:extLst>
+          </p:cNvPr>
+          <p:cNvSpPr txBox="1"/>
+          <p:nvPr/>
+        </p:nvSpPr>
+        <p:spPr>
+          <a:xfrm>
+            <a:off x="562061" y="4015099"/>
+            <a:ext cx="9863807" cy="646331"/>
+          </a:xfrm>
+          <a:prstGeom prst="rect">
+            <a:avLst/>
+          </a:prstGeom>
+          <a:noFill/>
+        </p:spPr>
+        <p:txBody>
+          <a:bodyPr wrap="square" rtlCol="0">
+            <a:spAutoFit/>
+          </a:bodyPr>
+          <a:lstStyle/>
+          <a:p>
+            <a:r>
+              <a:rPr lang="en-US"/>
+              <a:t>3. Crearea coupoanelor specific folosind tehnici avansate in livewire: vom crea dintr-un coupon general coupoane de tip user, brand si categories.</a:t>
+            </a:r>
+          </a:p>
+        </p:txBody>
+      </p:sp>
+      <p:sp>
+        <p:nvSpPr>
+          <p:cNvPr id="7" name="TextBox 6">
+            <a:extLst>
+              <a:ext uri="{FF2B5EF4-FFF2-40B4-BE49-F238E27FC236}">
+                <a16:creationId xmlns:a16="http://schemas.microsoft.com/office/drawing/2014/main" id="{91B75EBF-FB1C-4FCA-BEA4-056373840533}"/>
+              </a:ext>
+            </a:extLst>
+          </p:cNvPr>
+          <p:cNvSpPr txBox="1"/>
+          <p:nvPr/>
+        </p:nvSpPr>
+        <p:spPr>
+          <a:xfrm>
+            <a:off x="562061" y="4881463"/>
+            <a:ext cx="9863807" cy="646331"/>
+          </a:xfrm>
+          <a:prstGeom prst="rect">
+            <a:avLst/>
+          </a:prstGeom>
+          <a:noFill/>
+        </p:spPr>
+        <p:txBody>
+          <a:bodyPr wrap="square" rtlCol="0">
+            <a:spAutoFit/>
+          </a:bodyPr>
+          <a:lstStyle/>
+          <a:p>
+            <a:r>
+              <a:rPr lang="en-US"/>
+              <a:t>4. Aplicarea coupoanelor: acestea vor trebui verificate inainte de a fi salvate intr-o variabila de sesiune. In cazul in care nu indeplinesc conditiile necesare va fi afisat un mesaj utilizatorului.</a:t>
+            </a:r>
+          </a:p>
+        </p:txBody>
+      </p:sp>
+      <p:sp>
+        <p:nvSpPr>
+          <p:cNvPr id="8" name="TextBox 7">
+            <a:extLst>
+              <a:ext uri="{FF2B5EF4-FFF2-40B4-BE49-F238E27FC236}">
+                <a16:creationId xmlns:a16="http://schemas.microsoft.com/office/drawing/2014/main" id="{60DBBF41-4DD7-466B-B979-9B18B943EF47}"/>
+              </a:ext>
+            </a:extLst>
+          </p:cNvPr>
+          <p:cNvSpPr txBox="1"/>
+          <p:nvPr/>
+        </p:nvSpPr>
+        <p:spPr>
+          <a:xfrm>
+            <a:off x="562061" y="5683699"/>
+            <a:ext cx="9863807" cy="646331"/>
+          </a:xfrm>
+          <a:prstGeom prst="rect">
+            <a:avLst/>
+          </a:prstGeom>
+          <a:noFill/>
+        </p:spPr>
+        <p:txBody>
+          <a:bodyPr wrap="square" rtlCol="0">
+            <a:spAutoFit/>
+          </a:bodyPr>
+          <a:lstStyle/>
+          <a:p>
+            <a:r>
+              <a:rPr lang="en-US"/>
+              <a:t>5. Calcularea discountului si salvarea acestuia cu datele aferente couponului. Afisarea discountului pentru comenzile facute de utilizatori in contul acestora si in facturile tiparite.</a:t>
+            </a:r>
+          </a:p>
+        </p:txBody>
+      </p:sp>
+    </p:spTree>
+    <p:extLst>
+      <p:ext uri="{BB962C8B-B14F-4D97-AF65-F5344CB8AC3E}">
+        <p14:creationId xmlns:p14="http://schemas.microsoft.com/office/powerpoint/2010/main" val="3219414459"/>
+      </p:ext>
+    </p:extLst>
+  </p:cSld>
+  <p:clrMapOvr>
+    <a:masterClrMapping/>
+  </p:clrMapOvr>
+  <p:timing>
+    <p:tnLst>
+      <p:par>
+        <p:cTn id="1" dur="indefinite" restart="never" nodeType="tmRoot">
+          <p:childTnLst>
+            <p:seq concurrent="1" nextAc="seek">
+              <p:cTn id="2" dur="indefinite" nodeType="mainSeq">
+                <p:childTnLst>
+                  <p:par>
+                    <p:cTn id="3" fill="hold">
+                      <p:stCondLst>
+                        <p:cond delay="indefinite"/>
+                      </p:stCondLst>
+                      <p:childTnLst>
+                        <p:par>
+                          <p:cTn id="4" fill="hold">
+                            <p:stCondLst>
+                              <p:cond delay="0"/>
+                            </p:stCondLst>
+                            <p:childTnLst>
+                              <p:par>
+                                <p:cTn id="5" presetID="1" presetClass="entr" presetSubtype="0" fill="hold" grpId="0" nodeType="clickEffect">
+                                  <p:stCondLst>
+                                    <p:cond delay="0"/>
+                                  </p:stCondLst>
+                                  <p:childTnLst>
+                                    <p:set>
+                                      <p:cBhvr>
+                                        <p:cTn id="6" dur="1" fill="hold">
+                                          <p:stCondLst>
+                                            <p:cond delay="0"/>
+                                          </p:stCondLst>
+                                        </p:cTn>
+                                        <p:tgtEl>
+                                          <p:spTgt spid="4"/>
+                                        </p:tgtEl>
+                                        <p:attrNameLst>
+                                          <p:attrName>style.visibility</p:attrName>
+                                        </p:attrNameLst>
+                                      </p:cBhvr>
+                                      <p:to>
+                                        <p:strVal val="visible"/>
+                                      </p:to>
+                                    </p:set>
+                                  </p:childTnLst>
+                                </p:cTn>
+                              </p:par>
+                            </p:childTnLst>
+                          </p:cTn>
+                        </p:par>
+                      </p:childTnLst>
+                    </p:cTn>
+                  </p:par>
+                  <p:par>
+                    <p:cTn id="7" fill="hold">
+                      <p:stCondLst>
+                        <p:cond delay="indefinite"/>
+                      </p:stCondLst>
+                      <p:childTnLst>
+                        <p:par>
+                          <p:cTn id="8" fill="hold">
+                            <p:stCondLst>
+                              <p:cond delay="0"/>
+                            </p:stCondLst>
+                            <p:childTnLst>
+                              <p:par>
+                                <p:cTn id="9" presetID="6" presetClass="entr" presetSubtype="16" fill="hold" grpId="0" nodeType="clickEffect">
+                                  <p:stCondLst>
+                                    <p:cond delay="0"/>
+                                  </p:stCondLst>
+                                  <p:childTnLst>
+                                    <p:set>
+                                      <p:cBhvr>
+                                        <p:cTn id="10" dur="1" fill="hold">
+                                          <p:stCondLst>
+                                            <p:cond delay="0"/>
+                                          </p:stCondLst>
+                                        </p:cTn>
+                                        <p:tgtEl>
+                                          <p:spTgt spid="5"/>
+                                        </p:tgtEl>
+                                        <p:attrNameLst>
+                                          <p:attrName>style.visibility</p:attrName>
+                                        </p:attrNameLst>
+                                      </p:cBhvr>
+                                      <p:to>
+                                        <p:strVal val="visible"/>
+                                      </p:to>
+                                    </p:set>
+                                    <p:animEffect transition="in" filter="circle(in)">
+                                      <p:cBhvr>
+                                        <p:cTn id="11" dur="2000"/>
+                                        <p:tgtEl>
+                                          <p:spTgt spid="5"/>
+                                        </p:tgtEl>
+                                      </p:cBhvr>
+                                    </p:animEffect>
+                                  </p:childTnLst>
+                                </p:cTn>
+                              </p:par>
+                            </p:childTnLst>
+                          </p:cTn>
+                        </p:par>
+                      </p:childTnLst>
+                    </p:cTn>
+                  </p:par>
+                  <p:par>
+                    <p:cTn id="12" fill="hold">
+                      <p:stCondLst>
+                        <p:cond delay="indefinite"/>
+                      </p:stCondLst>
+                      <p:childTnLst>
+                        <p:par>
+                          <p:cTn id="13" fill="hold">
+                            <p:stCondLst>
+                              <p:cond delay="0"/>
+                            </p:stCondLst>
+                            <p:childTnLst>
+                              <p:par>
+                                <p:cTn id="14" presetID="6" presetClass="entr" presetSubtype="16" fill="hold" grpId="0" nodeType="clickEffect">
+                                  <p:stCondLst>
+                                    <p:cond delay="0"/>
+                                  </p:stCondLst>
+                                  <p:childTnLst>
+                                    <p:set>
+                                      <p:cBhvr>
+                                        <p:cTn id="15" dur="1" fill="hold">
+                                          <p:stCondLst>
+                                            <p:cond delay="0"/>
+                                          </p:stCondLst>
+                                        </p:cTn>
+                                        <p:tgtEl>
+                                          <p:spTgt spid="6"/>
+                                        </p:tgtEl>
+                                        <p:attrNameLst>
+                                          <p:attrName>style.visibility</p:attrName>
+                                        </p:attrNameLst>
+                                      </p:cBhvr>
+                                      <p:to>
+                                        <p:strVal val="visible"/>
+                                      </p:to>
+                                    </p:set>
+                                    <p:animEffect transition="in" filter="circle(in)">
+                                      <p:cBhvr>
+                                        <p:cTn id="16" dur="2000"/>
+                                        <p:tgtEl>
+                                          <p:spTgt spid="6"/>
+                                        </p:tgtEl>
+                                      </p:cBhvr>
+                                    </p:animEffect>
+                                  </p:childTnLst>
+                                </p:cTn>
+                              </p:par>
+                            </p:childTnLst>
+                          </p:cTn>
+                        </p:par>
+                      </p:childTnLst>
+                    </p:cTn>
+                  </p:par>
+                  <p:par>
+                    <p:cTn id="17" fill="hold">
+                      <p:stCondLst>
+                        <p:cond delay="indefinite"/>
+                      </p:stCondLst>
+                      <p:childTnLst>
+                        <p:par>
+                          <p:cTn id="18" fill="hold">
+                            <p:stCondLst>
+                              <p:cond delay="0"/>
+                            </p:stCondLst>
+                            <p:childTnLst>
+                              <p:par>
+                                <p:cTn id="19" presetID="16" presetClass="entr" presetSubtype="21" fill="hold" grpId="0" nodeType="clickEffect">
+                                  <p:stCondLst>
+                                    <p:cond delay="0"/>
+                                  </p:stCondLst>
+                                  <p:childTnLst>
+                                    <p:set>
+                                      <p:cBhvr>
+                                        <p:cTn id="20" dur="1" fill="hold">
+                                          <p:stCondLst>
+                                            <p:cond delay="0"/>
+                                          </p:stCondLst>
+                                        </p:cTn>
+                                        <p:tgtEl>
+                                          <p:spTgt spid="7"/>
+                                        </p:tgtEl>
+                                        <p:attrNameLst>
+                                          <p:attrName>style.visibility</p:attrName>
+                                        </p:attrNameLst>
+                                      </p:cBhvr>
+                                      <p:to>
+                                        <p:strVal val="visible"/>
+                                      </p:to>
+                                    </p:set>
+                                    <p:animEffect transition="in" filter="barn(inVertical)">
+                                      <p:cBhvr>
+                                        <p:cTn id="21" dur="500"/>
+                                        <p:tgtEl>
+                                          <p:spTgt spid="7"/>
+                                        </p:tgtEl>
+                                      </p:cBhvr>
+                                    </p:animEffect>
+                                  </p:childTnLst>
+                                </p:cTn>
+                              </p:par>
+                            </p:childTnLst>
+                          </p:cTn>
+                        </p:par>
+                      </p:childTnLst>
+                    </p:cTn>
+                  </p:par>
+                  <p:par>
+                    <p:cTn id="22" fill="hold">
+                      <p:stCondLst>
+                        <p:cond delay="indefinite"/>
+                      </p:stCondLst>
+                      <p:childTnLst>
+                        <p:par>
+                          <p:cTn id="23" fill="hold">
+                            <p:stCondLst>
+                              <p:cond delay="0"/>
+                            </p:stCondLst>
+                            <p:childTnLst>
+                              <p:par>
+                                <p:cTn id="24" presetID="53" presetClass="entr" presetSubtype="16" fill="hold" grpId="0" nodeType="clickEffect">
+                                  <p:stCondLst>
+                                    <p:cond delay="0"/>
+                                  </p:stCondLst>
+                                  <p:childTnLst>
+                                    <p:set>
+                                      <p:cBhvr>
+                                        <p:cTn id="25" dur="1" fill="hold">
+                                          <p:stCondLst>
+                                            <p:cond delay="0"/>
+                                          </p:stCondLst>
+                                        </p:cTn>
+                                        <p:tgtEl>
+                                          <p:spTgt spid="8"/>
+                                        </p:tgtEl>
+                                        <p:attrNameLst>
+                                          <p:attrName>style.visibility</p:attrName>
+                                        </p:attrNameLst>
+                                      </p:cBhvr>
+                                      <p:to>
+                                        <p:strVal val="visible"/>
+                                      </p:to>
+                                    </p:set>
+                                    <p:anim calcmode="lin" valueType="num">
+                                      <p:cBhvr>
+                                        <p:cTn id="26" dur="500" fill="hold"/>
+                                        <p:tgtEl>
+                                          <p:spTgt spid="8"/>
+                                        </p:tgtEl>
+                                        <p:attrNameLst>
+                                          <p:attrName>ppt_w</p:attrName>
+                                        </p:attrNameLst>
+                                      </p:cBhvr>
+                                      <p:tavLst>
+                                        <p:tav tm="0">
+                                          <p:val>
+                                            <p:fltVal val="0"/>
+                                          </p:val>
+                                        </p:tav>
+                                        <p:tav tm="100000">
+                                          <p:val>
+                                            <p:strVal val="#ppt_w"/>
+                                          </p:val>
+                                        </p:tav>
+                                      </p:tavLst>
+                                    </p:anim>
+                                    <p:anim calcmode="lin" valueType="num">
+                                      <p:cBhvr>
+                                        <p:cTn id="27" dur="500" fill="hold"/>
+                                        <p:tgtEl>
+                                          <p:spTgt spid="8"/>
+                                        </p:tgtEl>
+                                        <p:attrNameLst>
+                                          <p:attrName>ppt_h</p:attrName>
+                                        </p:attrNameLst>
+                                      </p:cBhvr>
+                                      <p:tavLst>
+                                        <p:tav tm="0">
+                                          <p:val>
+                                            <p:fltVal val="0"/>
+                                          </p:val>
+                                        </p:tav>
+                                        <p:tav tm="100000">
+                                          <p:val>
+                                            <p:strVal val="#ppt_h"/>
+                                          </p:val>
+                                        </p:tav>
+                                      </p:tavLst>
+                                    </p:anim>
+                                    <p:animEffect transition="in" filter="fade">
+                                      <p:cBhvr>
+                                        <p:cTn id="28" dur="500"/>
+                                        <p:tgtEl>
+                                          <p:spTgt spid="8"/>
+                                        </p:tgtEl>
+                                      </p:cBhvr>
+                                    </p:animEffect>
+                                  </p:childTnLst>
+                                </p:cTn>
+                              </p:par>
+                            </p:childTnLst>
+                          </p:cTn>
+                        </p:par>
+                      </p:childTnLst>
+                    </p:cTn>
+                  </p:par>
+                </p:childTnLst>
+              </p:cTn>
+              <p:prevCondLst>
+                <p:cond evt="onPrev" delay="0">
+                  <p:tgtEl>
+                    <p:sldTgt/>
+                  </p:tgtEl>
+                </p:cond>
+              </p:prevCondLst>
+              <p:nextCondLst>
+                <p:cond evt="onNext" delay="0">
+                  <p:tgtEl>
+                    <p:sldTgt/>
+                  </p:tgtEl>
+                </p:cond>
+              </p:nextCondLst>
+            </p:seq>
+          </p:childTnLst>
+        </p:cTn>
+      </p:par>
+    </p:tnLst>
+    <p:bldLst>
+      <p:bldP spid="4" grpId="0"/>
+      <p:bldP spid="5" grpId="0"/>
+      <p:bldP spid="6" grpId="0"/>
+      <p:bldP spid="7" grpId="0"/>
+      <p:bldP spid="8" grpId="0"/>
+    </p:bldLst>
+  </p:timing>
+</p:sld>
+</file>
+
+<file path=ppt/slides/slide27.xml><?xml version="1.0" encoding="utf-8"?>
+<p:sld xmlns:a="http://schemas.openxmlformats.org/drawingml/2006/main" xmlns:r="http://schemas.openxmlformats.org/officeDocument/2006/relationships" xmlns:p="http://schemas.openxmlformats.org/presentationml/2006/main">
+  <p:cSld>
+    <p:bg>
+      <p:bgPr>
         <a:pattFill prst="lgGrid">
           <a:fgClr>
             <a:schemeClr val="bg1">
@@ -30647,360 +31311,6 @@
 </p:sld>
 </file>
 
-<file path=ppt/slides/slide27.xml><?xml version="1.0" encoding="utf-8"?>
-<p:sld xmlns:a="http://schemas.openxmlformats.org/drawingml/2006/main" xmlns:r="http://schemas.openxmlformats.org/officeDocument/2006/relationships" xmlns:p="http://schemas.openxmlformats.org/presentationml/2006/main">
-  <p:cSld>
-    <p:bg>
-      <p:bgPr>
-        <a:pattFill prst="dotGrid">
-          <a:fgClr>
-            <a:schemeClr val="bg1">
-              <a:lumMod val="95000"/>
-            </a:schemeClr>
-          </a:fgClr>
-          <a:bgClr>
-            <a:schemeClr val="bg1"/>
-          </a:bgClr>
-        </a:pattFill>
-        <a:effectLst/>
-      </p:bgPr>
-    </p:bg>
-    <p:spTree>
-      <p:nvGrpSpPr>
-        <p:cNvPr id="1" name=""/>
-        <p:cNvGrpSpPr/>
-        <p:nvPr/>
-      </p:nvGrpSpPr>
-      <p:grpSpPr>
-        <a:xfrm>
-          <a:off x="0" y="0"/>
-          <a:ext cx="0" cy="0"/>
-          <a:chOff x="0" y="0"/>
-          <a:chExt cx="0" cy="0"/>
-        </a:xfrm>
-      </p:grpSpPr>
-      <p:sp>
-        <p:nvSpPr>
-          <p:cNvPr id="2" name="Title 1">
-            <a:extLst>
-              <a:ext uri="{FF2B5EF4-FFF2-40B4-BE49-F238E27FC236}">
-                <a16:creationId xmlns:a16="http://schemas.microsoft.com/office/drawing/2014/main" id="{DC7D2525-271D-45DF-BB4E-754EAAA03C02}"/>
-              </a:ext>
-            </a:extLst>
-          </p:cNvPr>
-          <p:cNvSpPr>
-            <a:spLocks noGrp="1"/>
-          </p:cNvSpPr>
-          <p:nvPr>
-            <p:ph type="title"/>
-          </p:nvPr>
-        </p:nvSpPr>
-        <p:spPr>
-          <a:xfrm>
-            <a:off x="0" y="0"/>
-            <a:ext cx="12192000" cy="536895"/>
-          </a:xfrm>
-        </p:spPr>
-        <p:style>
-          <a:lnRef idx="0">
-            <a:schemeClr val="dk1"/>
-          </a:lnRef>
-          <a:fillRef idx="3">
-            <a:schemeClr val="dk1"/>
-          </a:fillRef>
-          <a:effectRef idx="3">
-            <a:schemeClr val="dk1"/>
-          </a:effectRef>
-          <a:fontRef idx="minor">
-            <a:schemeClr val="lt1"/>
-          </a:fontRef>
-        </p:style>
-        <p:txBody>
-          <a:bodyPr>
-            <a:normAutofit/>
-          </a:bodyPr>
-          <a:lstStyle/>
-          <a:p>
-            <a:pPr algn="ctr"/>
-            <a:r>
-              <a:rPr lang="en-US" sz="1800"/>
-              <a:t>Aplicarea couponului general</a:t>
-            </a:r>
-          </a:p>
-        </p:txBody>
-      </p:sp>
-      <p:sp>
-        <p:nvSpPr>
-          <p:cNvPr id="3" name="TextBox 2">
-            <a:extLst>
-              <a:ext uri="{FF2B5EF4-FFF2-40B4-BE49-F238E27FC236}">
-                <a16:creationId xmlns:a16="http://schemas.microsoft.com/office/drawing/2014/main" id="{C8B40329-9677-47C2-846F-E6A4B6AC72B6}"/>
-              </a:ext>
-            </a:extLst>
-          </p:cNvPr>
-          <p:cNvSpPr txBox="1"/>
-          <p:nvPr/>
-        </p:nvSpPr>
-        <p:spPr>
-          <a:xfrm>
-            <a:off x="302004" y="939784"/>
-            <a:ext cx="10855354" cy="4308872"/>
-          </a:xfrm>
-          <a:prstGeom prst="rect">
-            <a:avLst/>
-          </a:prstGeom>
-          <a:noFill/>
-        </p:spPr>
-        <p:txBody>
-          <a:bodyPr wrap="square" rtlCol="0">
-            <a:spAutoFit/>
-          </a:bodyPr>
-          <a:lstStyle/>
-          <a:p>
-            <a:pPr marL="342900" indent="-342900">
-              <a:buAutoNum type="arabicPeriod"/>
-            </a:pPr>
-            <a:r>
-              <a:rPr lang="en-US"/>
-              <a:t>Afisarea inputului pentru plasarea couponului in pagina Cart. Acest input se va afisa conditionat: </a:t>
-            </a:r>
-          </a:p>
-          <a:p>
-            <a:pPr marL="800100" lvl="1" indent="-342900">
-              <a:spcBef>
-                <a:spcPts val="2400"/>
-              </a:spcBef>
-              <a:buFont typeface="+mj-lt"/>
-              <a:buAutoNum type="alphaLcParenR"/>
-            </a:pPr>
-            <a:r>
-              <a:rPr lang="en-US"/>
-              <a:t>Utilizatorul trebuie sa fie autentificat pentru a putea plasa un coupon. Oricum, nu poate plasa o comanda daca nu este autentificat.</a:t>
-            </a:r>
-          </a:p>
-          <a:p>
-            <a:pPr marL="800100" lvl="1" indent="-342900">
-              <a:spcBef>
-                <a:spcPts val="2400"/>
-              </a:spcBef>
-              <a:buFont typeface="+mj-lt"/>
-              <a:buAutoNum type="alphaLcParenR"/>
-            </a:pPr>
-            <a:r>
-              <a:rPr lang="en-US"/>
-              <a:t>daca avem deja un coupon plasat afisam un buton pentru stergerea couponului</a:t>
-            </a:r>
-          </a:p>
-          <a:p>
-            <a:pPr marL="800100" lvl="1" indent="-342900">
-              <a:buFont typeface="+mj-lt"/>
-              <a:buAutoNum type="alphaLcParenR"/>
-            </a:pPr>
-            <a:r>
-              <a:rPr lang="en-US"/>
-              <a:t>daca nu avem un coupon plasat afisam inputul</a:t>
-            </a:r>
-          </a:p>
-          <a:p>
-            <a:endParaRPr lang="en-US"/>
-          </a:p>
-          <a:p>
-            <a:r>
-              <a:rPr lang="en-US"/>
-              <a:t>Acest lucru il vom realiza prin stocarea unei variabile in Session – </a:t>
-            </a:r>
-            <a:r>
-              <a:rPr lang="en-US">
-                <a:solidFill>
-                  <a:srgbClr val="C00000"/>
-                </a:solidFill>
-              </a:rPr>
-              <a:t>Session::put(‘code’, $coupon-&gt;code).</a:t>
-            </a:r>
-          </a:p>
-          <a:p>
-            <a:endParaRPr lang="en-US">
-              <a:solidFill>
-                <a:srgbClr val="C00000"/>
-              </a:solidFill>
-            </a:endParaRPr>
-          </a:p>
-          <a:p>
-            <a:r>
-              <a:rPr lang="en-US"/>
-              <a:t>Vom salva variabila in sesiune doar dupa verificarea </a:t>
-            </a:r>
-            <a:r>
-              <a:rPr lang="en-US">
-                <a:solidFill>
-                  <a:srgbClr val="C00000"/>
-                </a:solidFill>
-              </a:rPr>
-              <a:t>validitatii codului couponului: </a:t>
-            </a:r>
-          </a:p>
-          <a:p>
-            <a:pPr marL="285750" indent="-285750">
-              <a:buFontTx/>
-              <a:buChar char="-"/>
-            </a:pPr>
-            <a:r>
-              <a:rPr lang="en-US">
-                <a:solidFill>
-                  <a:schemeClr val="accent1">
-                    <a:lumMod val="75000"/>
-                  </a:schemeClr>
-                </a:solidFill>
-              </a:rPr>
-              <a:t>couponul trebuie sa fie activ si cu data de expirare mai mare decat data curenta.</a:t>
-            </a:r>
-          </a:p>
-          <a:p>
-            <a:pPr marL="285750" indent="-285750">
-              <a:buFontTx/>
-              <a:buChar char="-"/>
-            </a:pPr>
-            <a:r>
-              <a:rPr lang="en-US">
-                <a:solidFill>
-                  <a:schemeClr val="accent1">
-                    <a:lumMod val="75000"/>
-                  </a:schemeClr>
-                </a:solidFill>
-              </a:rPr>
-              <a:t>daca codul couponului nu este valid vom afisa un mesaj care sa-l informeze pe utilizator de acest lucru</a:t>
-            </a:r>
-          </a:p>
-          <a:p>
-            <a:endParaRPr lang="en-US">
-              <a:solidFill>
-                <a:schemeClr val="accent1">
-                  <a:lumMod val="75000"/>
-                </a:schemeClr>
-              </a:solidFill>
-            </a:endParaRPr>
-          </a:p>
-          <a:p>
-            <a:r>
-              <a:rPr lang="en-US"/>
-              <a:t>2. Dupa verificarea couponului vom calcula si afisa discountul pentru comanda respectiva</a:t>
-            </a:r>
-          </a:p>
-        </p:txBody>
-      </p:sp>
-      <p:sp>
-        <p:nvSpPr>
-          <p:cNvPr id="4" name="TextBox 3">
-            <a:extLst>
-              <a:ext uri="{FF2B5EF4-FFF2-40B4-BE49-F238E27FC236}">
-                <a16:creationId xmlns:a16="http://schemas.microsoft.com/office/drawing/2014/main" id="{E5FFEC26-0AB7-48FA-9D9F-F2D89B3B59C1}"/>
-              </a:ext>
-            </a:extLst>
-          </p:cNvPr>
-          <p:cNvSpPr txBox="1"/>
-          <p:nvPr/>
-        </p:nvSpPr>
-        <p:spPr>
-          <a:xfrm>
-            <a:off x="302004" y="5365488"/>
-            <a:ext cx="10959667" cy="1200329"/>
-          </a:xfrm>
-          <a:prstGeom prst="rect">
-            <a:avLst/>
-          </a:prstGeom>
-          <a:noFill/>
-        </p:spPr>
-        <p:txBody>
-          <a:bodyPr wrap="none" rtlCol="0">
-            <a:spAutoFit/>
-          </a:bodyPr>
-          <a:lstStyle/>
-          <a:p>
-            <a:r>
-              <a:rPr lang="en-US"/>
-              <a:t>3. </a:t>
-            </a:r>
-            <a:r>
-              <a:rPr lang="en-US">
-                <a:solidFill>
-                  <a:schemeClr val="accent1">
-                    <a:lumMod val="75000"/>
-                  </a:schemeClr>
-                </a:solidFill>
-              </a:rPr>
-              <a:t>Aplicarea reducerii comenzii </a:t>
-            </a:r>
-            <a:r>
-              <a:rPr lang="en-US"/>
-              <a:t>si salvarea datelor referitoare la coupon.</a:t>
-            </a:r>
-          </a:p>
-          <a:p>
-            <a:pPr marL="285750" indent="-285750">
-              <a:buFontTx/>
-              <a:buChar char="-"/>
-            </a:pPr>
-            <a:r>
-              <a:rPr lang="en-US">
-                <a:solidFill>
-                  <a:schemeClr val="tx1">
-                    <a:lumMod val="75000"/>
-                    <a:lumOff val="25000"/>
-                  </a:schemeClr>
-                </a:solidFill>
-              </a:rPr>
-              <a:t>vom crea un tabel si model order_discounts in care vom stoca discountul, codul cuponului si descrierea acestuia</a:t>
-            </a:r>
-          </a:p>
-          <a:p>
-            <a:pPr marL="285750" indent="-285750">
-              <a:buFontTx/>
-              <a:buChar char="-"/>
-            </a:pPr>
-            <a:r>
-              <a:rPr lang="en-US">
-                <a:solidFill>
-                  <a:schemeClr val="tx1">
-                    <a:lumMod val="75000"/>
-                    <a:lumOff val="25000"/>
-                  </a:schemeClr>
-                </a:solidFill>
-              </a:rPr>
-              <a:t>vom avea o relatie one-to-one intre orders si order_discount</a:t>
-            </a:r>
-          </a:p>
-          <a:p>
-            <a:pPr marL="285750" indent="-285750">
-              <a:buFontTx/>
-              <a:buChar char="-"/>
-            </a:pPr>
-            <a:r>
-              <a:rPr lang="en-US">
-                <a:solidFill>
-                  <a:schemeClr val="tx1">
-                    <a:lumMod val="75000"/>
-                    <a:lumOff val="25000"/>
-                  </a:schemeClr>
-                </a:solidFill>
-              </a:rPr>
-              <a:t>prin aceasta relatie vom accesa discountul unei comenzi</a:t>
-            </a:r>
-          </a:p>
-        </p:txBody>
-      </p:sp>
-    </p:spTree>
-    <p:extLst>
-      <p:ext uri="{BB962C8B-B14F-4D97-AF65-F5344CB8AC3E}">
-        <p14:creationId xmlns:p14="http://schemas.microsoft.com/office/powerpoint/2010/main" val="2424427544"/>
-      </p:ext>
-    </p:extLst>
-  </p:cSld>
-  <p:clrMapOvr>
-    <a:masterClrMapping/>
-  </p:clrMapOvr>
-</p:sld>
-</file>
-
 <file path=ppt/slides/slide28.xml><?xml version="1.0" encoding="utf-8"?>
 <p:sld xmlns:a="http://schemas.openxmlformats.org/drawingml/2006/main" xmlns:r="http://schemas.openxmlformats.org/officeDocument/2006/relationships" xmlns:p="http://schemas.openxmlformats.org/presentationml/2006/main">
   <p:cSld>
@@ -31078,7 +31388,7 @@
             <a:pPr algn="ctr"/>
             <a:r>
               <a:rPr lang="en-US" sz="1800"/>
-              <a:t>Aplicarea couponului pentru utilizatori</a:t>
+              <a:t>Aplicarea couponului general</a:t>
             </a:r>
           </a:p>
         </p:txBody>
@@ -31116,7 +31426,7 @@
             </a:pPr>
             <a:r>
               <a:rPr lang="en-US"/>
-              <a:t>In componenta Livewire Products/CartProducts introducem o noua conditie:</a:t>
+              <a:t>Afisarea inputului pentru plasarea couponului in pagina Cart. Acest input se va afisa conditionat: </a:t>
             </a:r>
           </a:p>
           <a:p>
@@ -31128,13 +31438,7 @@
               <a:buAutoNum type="alphaLcParenR"/>
             </a:pPr>
             <a:r>
-              <a:rPr lang="en-US">
-                <a:solidFill>
-                  <a:schemeClr val="bg1">
-                    <a:lumMod val="65000"/>
-                  </a:schemeClr>
-                </a:solidFill>
-              </a:rPr>
+              <a:rPr lang="en-US"/>
               <a:t>Utilizatorul trebuie sa fie autentificat pentru a putea plasa un coupon. Oricum, nu poate plasa o comanda daca nu este autentificat.</a:t>
             </a:r>
           </a:p>
@@ -31147,13 +31451,7 @@
               <a:buAutoNum type="alphaLcParenR"/>
             </a:pPr>
             <a:r>
-              <a:rPr lang="en-US">
-                <a:solidFill>
-                  <a:schemeClr val="bg1">
-                    <a:lumMod val="65000"/>
-                  </a:schemeClr>
-                </a:solidFill>
-              </a:rPr>
+              <a:rPr lang="en-US"/>
               <a:t>daca avem deja un coupon plasat afisam un buton pentru stergerea couponului</a:t>
             </a:r>
           </a:p>
@@ -31163,28 +31461,33 @@
               <a:buAutoNum type="alphaLcParenR"/>
             </a:pPr>
             <a:r>
+              <a:rPr lang="en-US"/>
+              <a:t>daca nu avem un coupon plasat afisam inputul</a:t>
+            </a:r>
+          </a:p>
+          <a:p>
+            <a:endParaRPr lang="en-US"/>
+          </a:p>
+          <a:p>
+            <a:r>
+              <a:rPr lang="en-US"/>
+              <a:t>Acest lucru il vom realiza prin stocarea unei variabile in Session – </a:t>
+            </a:r>
+            <a:r>
               <a:rPr lang="en-US">
                 <a:solidFill>
-                  <a:schemeClr val="bg1">
-                    <a:lumMod val="65000"/>
-                  </a:schemeClr>
-                </a:solidFill>
-              </a:rPr>
-              <a:t>daca nu avem un coupon plasat afisam inputul</a:t>
-            </a:r>
-          </a:p>
-          <a:p>
-            <a:pPr marL="800100" lvl="1" indent="-342900">
-              <a:buFont typeface="+mj-lt"/>
-              <a:buAutoNum type="alphaLcParenR"/>
-            </a:pPr>
-            <a:r>
-              <a:rPr lang="en-US"/>
-              <a:t>Daca coupon are type==3 verificam ca apartine utilizatorului autentificat</a:t>
-            </a:r>
-          </a:p>
-          <a:p>
-            <a:endParaRPr lang="en-US"/>
+                  <a:srgbClr val="C00000"/>
+                </a:solidFill>
+              </a:rPr>
+              <a:t>Session::put(‘code’, $coupon-&gt;code).</a:t>
+            </a:r>
+          </a:p>
+          <a:p>
+            <a:endParaRPr lang="en-US">
+              <a:solidFill>
+                <a:srgbClr val="C00000"/>
+              </a:solidFill>
+            </a:endParaRPr>
           </a:p>
           <a:p>
             <a:r>
@@ -31213,7 +31516,7 @@
                   </a:schemeClr>
                 </a:solidFill>
               </a:rPr>
-              <a:t>couponul trebuie sa fie activ si cu data de expirare mai mare decat data curenta si sa fie atasat utilizatorului curent.</a:t>
+              <a:t>couponul trebuie sa fie activ si cu data de expirare mai mare decat data curenta.</a:t>
             </a:r>
           </a:p>
           <a:p>
@@ -31263,8 +31566,8 @@
         </p:nvSpPr>
         <p:spPr>
           <a:xfrm>
-            <a:off x="302003" y="5365488"/>
-            <a:ext cx="8124079" cy="646331"/>
+            <a:off x="302004" y="5365488"/>
+            <a:ext cx="10959667" cy="1200329"/>
           </a:xfrm>
           <a:prstGeom prst="rect">
             <a:avLst/>
@@ -31272,7 +31575,7 @@
           <a:noFill/>
         </p:spPr>
         <p:txBody>
-          <a:bodyPr wrap="square" rtlCol="0">
+          <a:bodyPr wrap="none" rtlCol="0">
             <a:spAutoFit/>
           </a:bodyPr>
           <a:lstStyle/>
@@ -31298,12 +31601,53 @@
           </a:p>
           <a:p>
             <a:pPr marL="285750" indent="-285750">
-              <a:buFont typeface="Arial" panose="020B0604020202020204" pitchFamily="34" charset="0"/>
-              <a:buChar char="•"/>
+              <a:buFontTx/>
+              <a:buChar char="-"/>
             </a:pPr>
             <a:r>
-              <a:rPr lang="en-US"/>
-              <a:t> Vom mai crea un camp in tabelul order_discounts pentru tipul couponului</a:t>
+              <a:rPr lang="en-US">
+                <a:solidFill>
+                  <a:schemeClr val="tx1">
+                    <a:lumMod val="75000"/>
+                    <a:lumOff val="25000"/>
+                  </a:schemeClr>
+                </a:solidFill>
+              </a:rPr>
+              <a:t>vom crea un tabel si model order_discounts in care vom stoca discountul, codul cuponului si descrierea acestuia</a:t>
+            </a:r>
+          </a:p>
+          <a:p>
+            <a:pPr marL="285750" indent="-285750">
+              <a:buFontTx/>
+              <a:buChar char="-"/>
+            </a:pPr>
+            <a:r>
+              <a:rPr lang="en-US">
+                <a:solidFill>
+                  <a:schemeClr val="tx1">
+                    <a:lumMod val="75000"/>
+                    <a:lumOff val="25000"/>
+                  </a:schemeClr>
+                </a:solidFill>
+              </a:rPr>
+              <a:t>vom avea o relatie one-to-one intre orders si order_discount</a:t>
+            </a:r>
+          </a:p>
+          <a:p>
+            <a:pPr marL="285750" indent="-285750">
+              <a:buFontTx/>
+              <a:buChar char="-"/>
+            </a:pPr>
+            <a:r>
+              <a:rPr lang="en-US">
+                <a:solidFill>
+                  <a:schemeClr val="tx1">
+                    <a:lumMod val="75000"/>
+                    <a:lumOff val="25000"/>
+                  </a:schemeClr>
+                </a:solidFill>
+              </a:rPr>
+              <a:t>prin aceasta relatie vom accesa discountul unei comenzi</a:t>
             </a:r>
           </a:p>
         </p:txBody>
@@ -31311,7 +31655,7 @@
     </p:spTree>
     <p:extLst>
       <p:ext uri="{BB962C8B-B14F-4D97-AF65-F5344CB8AC3E}">
-        <p14:creationId xmlns:p14="http://schemas.microsoft.com/office/powerpoint/2010/main" val="4285572880"/>
+        <p14:creationId xmlns:p14="http://schemas.microsoft.com/office/powerpoint/2010/main" val="2424427544"/>
       </p:ext>
     </p:extLst>
   </p:cSld>
@@ -31398,17 +31742,17 @@
             <a:pPr algn="ctr"/>
             <a:r>
               <a:rPr lang="en-US" sz="1800"/>
-              <a:t>Aplicarea couponului pentru Branduri</a:t>
+              <a:t>Aplicarea couponului pentru utilizatori</a:t>
             </a:r>
           </a:p>
         </p:txBody>
       </p:sp>
       <p:sp>
         <p:nvSpPr>
-          <p:cNvPr id="5" name="TextBox 4">
+          <p:cNvPr id="3" name="TextBox 2">
             <a:extLst>
               <a:ext uri="{FF2B5EF4-FFF2-40B4-BE49-F238E27FC236}">
-                <a16:creationId xmlns:a16="http://schemas.microsoft.com/office/drawing/2014/main" id="{3FC9C41E-1038-451F-AC60-0E9EF7589DB7}"/>
+                <a16:creationId xmlns:a16="http://schemas.microsoft.com/office/drawing/2014/main" id="{C8B40329-9677-47C2-846F-E6A4B6AC72B6}"/>
               </a:ext>
             </a:extLst>
           </p:cNvPr>
@@ -31417,8 +31761,8 @@
         </p:nvSpPr>
         <p:spPr>
           <a:xfrm>
-            <a:off x="589448" y="1171339"/>
-            <a:ext cx="11176840" cy="1477328"/>
+            <a:off x="302004" y="939784"/>
+            <a:ext cx="10855354" cy="4308872"/>
           </a:xfrm>
           <a:prstGeom prst="rect">
             <a:avLst/>
@@ -31431,101 +31775,199 @@
           </a:bodyPr>
           <a:lstStyle/>
           <a:p>
+            <a:pPr marL="342900" indent="-342900">
+              <a:buAutoNum type="arabicPeriod"/>
+            </a:pPr>
             <a:r>
               <a:rPr lang="en-US"/>
-              <a:t>1. In acest caz va trebui sa verificam </a:t>
-            </a:r>
+              <a:t>In componenta Livewire Products/CartProducts introducem o noua conditie:</a:t>
+            </a:r>
+          </a:p>
+          <a:p>
+            <a:pPr marL="800100" lvl="1" indent="-342900">
+              <a:spcBef>
+                <a:spcPts val="2400"/>
+              </a:spcBef>
+              <a:buFont typeface="+mj-lt"/>
+              <a:buAutoNum type="alphaLcParenR"/>
+            </a:pPr>
             <a:r>
               <a:rPr lang="en-US">
                 <a:solidFill>
-                  <a:schemeClr val="accent2">
+                  <a:schemeClr val="bg1">
+                    <a:lumMod val="65000"/>
+                  </a:schemeClr>
+                </a:solidFill>
+              </a:rPr>
+              <a:t>Utilizatorul trebuie sa fie autentificat pentru a putea plasa un coupon. Oricum, nu poate plasa o comanda daca nu este autentificat.</a:t>
+            </a:r>
+          </a:p>
+          <a:p>
+            <a:pPr marL="800100" lvl="1" indent="-342900">
+              <a:spcBef>
+                <a:spcPts val="2400"/>
+              </a:spcBef>
+              <a:buFont typeface="+mj-lt"/>
+              <a:buAutoNum type="alphaLcParenR"/>
+            </a:pPr>
+            <a:r>
+              <a:rPr lang="en-US">
+                <a:solidFill>
+                  <a:schemeClr val="bg1">
+                    <a:lumMod val="65000"/>
+                  </a:schemeClr>
+                </a:solidFill>
+              </a:rPr>
+              <a:t>daca avem deja un coupon plasat afisam un buton pentru stergerea couponului</a:t>
+            </a:r>
+          </a:p>
+          <a:p>
+            <a:pPr marL="800100" lvl="1" indent="-342900">
+              <a:buFont typeface="+mj-lt"/>
+              <a:buAutoNum type="alphaLcParenR"/>
+            </a:pPr>
+            <a:r>
+              <a:rPr lang="en-US">
+                <a:solidFill>
+                  <a:schemeClr val="bg1">
+                    <a:lumMod val="65000"/>
+                  </a:schemeClr>
+                </a:solidFill>
+              </a:rPr>
+              <a:t>daca nu avem un coupon plasat afisam inputul</a:t>
+            </a:r>
+          </a:p>
+          <a:p>
+            <a:pPr marL="800100" lvl="1" indent="-342900">
+              <a:buFont typeface="+mj-lt"/>
+              <a:buAutoNum type="alphaLcParenR"/>
+            </a:pPr>
+            <a:r>
+              <a:rPr lang="en-US"/>
+              <a:t>Daca coupon are type==3 verificam ca apartine utilizatorului autentificat</a:t>
+            </a:r>
+          </a:p>
+          <a:p>
+            <a:endParaRPr lang="en-US"/>
+          </a:p>
+          <a:p>
+            <a:r>
+              <a:rPr lang="en-US"/>
+              <a:t>Vom salva variabila in sesiune doar dupa verificarea </a:t>
+            </a:r>
+            <a:r>
+              <a:rPr lang="en-US">
+                <a:solidFill>
+                  <a:srgbClr val="C00000"/>
+                </a:solidFill>
+              </a:rPr>
+              <a:t>validitatii codului couponului: </a:t>
+            </a:r>
+          </a:p>
+          <a:p>
+            <a:pPr marL="285750" indent="-285750">
+              <a:buFontTx/>
+              <a:buChar char="-"/>
+            </a:pPr>
+            <a:r>
+              <a:rPr lang="en-US">
+                <a:solidFill>
+                  <a:schemeClr val="accent1">
                     <a:lumMod val="75000"/>
                   </a:schemeClr>
                 </a:solidFill>
               </a:rPr>
-              <a:t>coupon_type==4 </a:t>
-            </a:r>
-            <a:r>
-              <a:rPr lang="en-US"/>
-              <a:t>si sa iteram prin toate produsele din cos (Cart) pentru a verifica ca brandul produsului (id-ul) se afla intre id-urile brandurilor couponului – </a:t>
-            </a:r>
+              <a:t>couponul trebuie sa fie activ si cu data de expirare mai mare decat data curenta si sa fie atasat utilizatorului curent.</a:t>
+            </a:r>
+          </a:p>
+          <a:p>
+            <a:pPr marL="285750" indent="-285750">
+              <a:buFontTx/>
+              <a:buChar char="-"/>
+            </a:pPr>
             <a:r>
               <a:rPr lang="en-US">
                 <a:solidFill>
-                  <a:schemeClr val="accent2">
+                  <a:schemeClr val="accent1">
                     <a:lumMod val="75000"/>
                   </a:schemeClr>
                 </a:solidFill>
               </a:rPr>
-              <a:t>whereIn(‘field’,[1,2,3,4])</a:t>
-            </a:r>
-          </a:p>
-          <a:p>
+              <a:t>daca codul couponului nu este valid vom afisa un mesaj care sa-l informeze pe utilizator de acest lucru</a:t>
+            </a:r>
+          </a:p>
+          <a:p>
+            <a:endParaRPr lang="en-US">
+              <a:solidFill>
+                <a:schemeClr val="accent1">
+                  <a:lumMod val="75000"/>
+                </a:schemeClr>
+              </a:solidFill>
+            </a:endParaRPr>
+          </a:p>
+          <a:p>
+            <a:r>
+              <a:rPr lang="en-US"/>
+              <a:t>2. Dupa verificarea couponului vom calcula si afisa discountul pentru comanda respectiva</a:t>
+            </a:r>
+          </a:p>
+        </p:txBody>
+      </p:sp>
+      <p:sp>
+        <p:nvSpPr>
+          <p:cNvPr id="4" name="TextBox 3">
+            <a:extLst>
+              <a:ext uri="{FF2B5EF4-FFF2-40B4-BE49-F238E27FC236}">
+                <a16:creationId xmlns:a16="http://schemas.microsoft.com/office/drawing/2014/main" id="{E5FFEC26-0AB7-48FA-9D9F-F2D89B3B59C1}"/>
+              </a:ext>
+            </a:extLst>
+          </p:cNvPr>
+          <p:cNvSpPr txBox="1"/>
+          <p:nvPr/>
+        </p:nvSpPr>
+        <p:spPr>
+          <a:xfrm>
+            <a:off x="302003" y="5365488"/>
+            <a:ext cx="8124079" cy="646331"/>
+          </a:xfrm>
+          <a:prstGeom prst="rect">
+            <a:avLst/>
+          </a:prstGeom>
+          <a:noFill/>
+        </p:spPr>
+        <p:txBody>
+          <a:bodyPr wrap="square" rtlCol="0">
+            <a:spAutoFit/>
+          </a:bodyPr>
+          <a:lstStyle/>
+          <a:p>
+            <a:r>
+              <a:rPr lang="en-US"/>
+              <a:t>3. </a:t>
+            </a:r>
             <a:r>
               <a:rPr lang="en-US">
                 <a:solidFill>
-                  <a:schemeClr val="tx1">
-                    <a:lumMod val="95000"/>
-                    <a:lumOff val="5000"/>
-                  </a:schemeClr>
-                </a:solidFill>
-              </a:rPr>
-              <a:t>2. Pentru fiecare produs al carui brand se afla intre brandurile couponului vom calcula discount-ul care poate fi </a:t>
-            </a:r>
-            <a:r>
-              <a:rPr lang="en-US">
-                <a:solidFill>
-                  <a:schemeClr val="accent2">
+                  <a:schemeClr val="accent1">
                     <a:lumMod val="75000"/>
                   </a:schemeClr>
                 </a:solidFill>
               </a:rPr>
-              <a:t>procentual</a:t>
-            </a:r>
-            <a:r>
-              <a:rPr lang="en-US">
-                <a:solidFill>
-                  <a:schemeClr val="tx1">
-                    <a:lumMod val="95000"/>
-                    <a:lumOff val="5000"/>
-                  </a:schemeClr>
-                </a:solidFill>
-              </a:rPr>
-              <a:t> sau </a:t>
-            </a:r>
-            <a:r>
-              <a:rPr lang="en-US">
-                <a:solidFill>
-                  <a:schemeClr val="accent2">
-                    <a:lumMod val="75000"/>
-                  </a:schemeClr>
-                </a:solidFill>
-              </a:rPr>
-              <a:t>fix</a:t>
-            </a:r>
-            <a:r>
-              <a:rPr lang="en-US">
-                <a:solidFill>
-                  <a:schemeClr val="tx1">
-                    <a:lumMod val="95000"/>
-                    <a:lumOff val="5000"/>
-                  </a:schemeClr>
-                </a:solidFill>
-              </a:rPr>
-              <a:t>.</a:t>
-            </a:r>
-          </a:p>
-          <a:p>
-            <a:r>
-              <a:rPr lang="en-US">
-                <a:solidFill>
-                  <a:schemeClr val="tx1">
-                    <a:lumMod val="95000"/>
-                    <a:lumOff val="5000"/>
-                  </a:schemeClr>
-                </a:solidFill>
-              </a:rPr>
-              <a:t>3. Vom calcula si salva discountul total.</a:t>
+              <a:t>Aplicarea reducerii comenzii </a:t>
+            </a:r>
+            <a:r>
+              <a:rPr lang="en-US"/>
+              <a:t>si salvarea datelor referitoare la coupon.</a:t>
+            </a:r>
+          </a:p>
+          <a:p>
+            <a:pPr marL="285750" indent="-285750">
+              <a:buFont typeface="Arial" panose="020B0604020202020204" pitchFamily="34" charset="0"/>
+              <a:buChar char="•"/>
+            </a:pPr>
+            <a:r>
+              <a:rPr lang="en-US"/>
+              <a:t> Vom mai crea un camp in tabelul order_discounts pentru tipul couponului</a:t>
             </a:r>
           </a:p>
         </p:txBody>
@@ -31533,7 +31975,7 @@
     </p:spTree>
     <p:extLst>
       <p:ext uri="{BB962C8B-B14F-4D97-AF65-F5344CB8AC3E}">
-        <p14:creationId xmlns:p14="http://schemas.microsoft.com/office/powerpoint/2010/main" val="2308533373"/>
+        <p14:creationId xmlns:p14="http://schemas.microsoft.com/office/powerpoint/2010/main" val="4285572880"/>
       </p:ext>
     </p:extLst>
   </p:cSld>
@@ -31673,6 +32115,228 @@
     <p:extLst>
       <p:ext uri="{BB962C8B-B14F-4D97-AF65-F5344CB8AC3E}">
         <p14:creationId xmlns:p14="http://schemas.microsoft.com/office/powerpoint/2010/main" val="3810048195"/>
+      </p:ext>
+    </p:extLst>
+  </p:cSld>
+  <p:clrMapOvr>
+    <a:masterClrMapping/>
+  </p:clrMapOvr>
+</p:sld>
+</file>
+
+<file path=ppt/slides/slide30.xml><?xml version="1.0" encoding="utf-8"?>
+<p:sld xmlns:a="http://schemas.openxmlformats.org/drawingml/2006/main" xmlns:r="http://schemas.openxmlformats.org/officeDocument/2006/relationships" xmlns:p="http://schemas.openxmlformats.org/presentationml/2006/main">
+  <p:cSld>
+    <p:bg>
+      <p:bgPr>
+        <a:pattFill prst="dotGrid">
+          <a:fgClr>
+            <a:schemeClr val="bg1">
+              <a:lumMod val="95000"/>
+            </a:schemeClr>
+          </a:fgClr>
+          <a:bgClr>
+            <a:schemeClr val="bg1"/>
+          </a:bgClr>
+        </a:pattFill>
+        <a:effectLst/>
+      </p:bgPr>
+    </p:bg>
+    <p:spTree>
+      <p:nvGrpSpPr>
+        <p:cNvPr id="1" name=""/>
+        <p:cNvGrpSpPr/>
+        <p:nvPr/>
+      </p:nvGrpSpPr>
+      <p:grpSpPr>
+        <a:xfrm>
+          <a:off x="0" y="0"/>
+          <a:ext cx="0" cy="0"/>
+          <a:chOff x="0" y="0"/>
+          <a:chExt cx="0" cy="0"/>
+        </a:xfrm>
+      </p:grpSpPr>
+      <p:sp>
+        <p:nvSpPr>
+          <p:cNvPr id="2" name="Title 1">
+            <a:extLst>
+              <a:ext uri="{FF2B5EF4-FFF2-40B4-BE49-F238E27FC236}">
+                <a16:creationId xmlns:a16="http://schemas.microsoft.com/office/drawing/2014/main" id="{DC7D2525-271D-45DF-BB4E-754EAAA03C02}"/>
+              </a:ext>
+            </a:extLst>
+          </p:cNvPr>
+          <p:cNvSpPr>
+            <a:spLocks noGrp="1"/>
+          </p:cNvSpPr>
+          <p:nvPr>
+            <p:ph type="title"/>
+          </p:nvPr>
+        </p:nvSpPr>
+        <p:spPr>
+          <a:xfrm>
+            <a:off x="0" y="0"/>
+            <a:ext cx="12192000" cy="536895"/>
+          </a:xfrm>
+        </p:spPr>
+        <p:style>
+          <a:lnRef idx="0">
+            <a:schemeClr val="dk1"/>
+          </a:lnRef>
+          <a:fillRef idx="3">
+            <a:schemeClr val="dk1"/>
+          </a:fillRef>
+          <a:effectRef idx="3">
+            <a:schemeClr val="dk1"/>
+          </a:effectRef>
+          <a:fontRef idx="minor">
+            <a:schemeClr val="lt1"/>
+          </a:fontRef>
+        </p:style>
+        <p:txBody>
+          <a:bodyPr>
+            <a:normAutofit/>
+          </a:bodyPr>
+          <a:lstStyle/>
+          <a:p>
+            <a:pPr algn="ctr"/>
+            <a:r>
+              <a:rPr lang="en-US" sz="1800"/>
+              <a:t>Aplicarea couponului pentru Branduri</a:t>
+            </a:r>
+          </a:p>
+        </p:txBody>
+      </p:sp>
+      <p:sp>
+        <p:nvSpPr>
+          <p:cNvPr id="5" name="TextBox 4">
+            <a:extLst>
+              <a:ext uri="{FF2B5EF4-FFF2-40B4-BE49-F238E27FC236}">
+                <a16:creationId xmlns:a16="http://schemas.microsoft.com/office/drawing/2014/main" id="{3FC9C41E-1038-451F-AC60-0E9EF7589DB7}"/>
+              </a:ext>
+            </a:extLst>
+          </p:cNvPr>
+          <p:cNvSpPr txBox="1"/>
+          <p:nvPr/>
+        </p:nvSpPr>
+        <p:spPr>
+          <a:xfrm>
+            <a:off x="589448" y="1171339"/>
+            <a:ext cx="11176840" cy="1477328"/>
+          </a:xfrm>
+          <a:prstGeom prst="rect">
+            <a:avLst/>
+          </a:prstGeom>
+          <a:noFill/>
+        </p:spPr>
+        <p:txBody>
+          <a:bodyPr wrap="square" rtlCol="0">
+            <a:spAutoFit/>
+          </a:bodyPr>
+          <a:lstStyle/>
+          <a:p>
+            <a:r>
+              <a:rPr lang="en-US"/>
+              <a:t>1. In acest caz va trebui sa verificam </a:t>
+            </a:r>
+            <a:r>
+              <a:rPr lang="en-US">
+                <a:solidFill>
+                  <a:schemeClr val="accent2">
+                    <a:lumMod val="75000"/>
+                  </a:schemeClr>
+                </a:solidFill>
+              </a:rPr>
+              <a:t>coupon_type==4 </a:t>
+            </a:r>
+            <a:r>
+              <a:rPr lang="en-US"/>
+              <a:t>si sa iteram prin toate produsele din cos (Cart) pentru a verifica ca brandul produsului (id-ul) se afla intre id-urile brandurilor couponului – </a:t>
+            </a:r>
+            <a:r>
+              <a:rPr lang="en-US">
+                <a:solidFill>
+                  <a:schemeClr val="accent2">
+                    <a:lumMod val="75000"/>
+                  </a:schemeClr>
+                </a:solidFill>
+              </a:rPr>
+              <a:t>whereIn(‘field’,[1,2,3,4])</a:t>
+            </a:r>
+          </a:p>
+          <a:p>
+            <a:r>
+              <a:rPr lang="en-US">
+                <a:solidFill>
+                  <a:schemeClr val="tx1">
+                    <a:lumMod val="95000"/>
+                    <a:lumOff val="5000"/>
+                  </a:schemeClr>
+                </a:solidFill>
+              </a:rPr>
+              <a:t>2. Pentru fiecare produs al carui brand se afla intre brandurile couponului vom calcula discount-ul care poate fi </a:t>
+            </a:r>
+            <a:r>
+              <a:rPr lang="en-US">
+                <a:solidFill>
+                  <a:schemeClr val="accent2">
+                    <a:lumMod val="75000"/>
+                  </a:schemeClr>
+                </a:solidFill>
+              </a:rPr>
+              <a:t>procentual</a:t>
+            </a:r>
+            <a:r>
+              <a:rPr lang="en-US">
+                <a:solidFill>
+                  <a:schemeClr val="tx1">
+                    <a:lumMod val="95000"/>
+                    <a:lumOff val="5000"/>
+                  </a:schemeClr>
+                </a:solidFill>
+              </a:rPr>
+              <a:t> sau </a:t>
+            </a:r>
+            <a:r>
+              <a:rPr lang="en-US">
+                <a:solidFill>
+                  <a:schemeClr val="accent2">
+                    <a:lumMod val="75000"/>
+                  </a:schemeClr>
+                </a:solidFill>
+              </a:rPr>
+              <a:t>fix</a:t>
+            </a:r>
+            <a:r>
+              <a:rPr lang="en-US">
+                <a:solidFill>
+                  <a:schemeClr val="tx1">
+                    <a:lumMod val="95000"/>
+                    <a:lumOff val="5000"/>
+                  </a:schemeClr>
+                </a:solidFill>
+              </a:rPr>
+              <a:t>.</a:t>
+            </a:r>
+          </a:p>
+          <a:p>
+            <a:r>
+              <a:rPr lang="en-US">
+                <a:solidFill>
+                  <a:schemeClr val="tx1">
+                    <a:lumMod val="95000"/>
+                    <a:lumOff val="5000"/>
+                  </a:schemeClr>
+                </a:solidFill>
+              </a:rPr>
+              <a:t>3. Vom calcula si salva discountul total.</a:t>
+            </a:r>
+          </a:p>
+        </p:txBody>
+      </p:sp>
+    </p:spTree>
+    <p:extLst>
+      <p:ext uri="{BB962C8B-B14F-4D97-AF65-F5344CB8AC3E}">
+        <p14:creationId xmlns:p14="http://schemas.microsoft.com/office/powerpoint/2010/main" val="2308533373"/>
       </p:ext>
     </p:extLst>
   </p:cSld>

--- a/_presentation/prezentare_aplicatie.pptx
+++ b/_presentation/prezentare_aplicatie.pptx
@@ -37,6 +37,11 @@
     <p:sldId id="283" r:id="rId31"/>
     <p:sldId id="282" r:id="rId32"/>
     <p:sldId id="284" r:id="rId33"/>
+    <p:sldId id="286" r:id="rId34"/>
+    <p:sldId id="288" r:id="rId35"/>
+    <p:sldId id="289" r:id="rId36"/>
+    <p:sldId id="287" r:id="rId37"/>
+    <p:sldId id="290" r:id="rId38"/>
   </p:sldIdLst>
   <p:sldSz cx="12192000" cy="6858000"/>
   <p:notesSz cx="6858000" cy="9144000"/>
@@ -293,7 +298,7 @@
             <a:fld id="{87DE6118-2437-4B30-8E3C-4D2BE6020583}" type="datetimeFigureOut">
               <a:rPr lang="en-US" smtClean="0"/>
               <a:pPr/>
-              <a:t>7/30/2022</a:t>
+              <a:t>9/22/2022</a:t>
             </a:fld>
             <a:endParaRPr lang="en-US"/>
           </a:p>
@@ -494,7 +499,7 @@
           <a:p>
             <a:fld id="{87DE6118-2437-4B30-8E3C-4D2BE6020583}" type="datetimeFigureOut">
               <a:rPr lang="en-US" smtClean="0"/>
-              <a:t>7/30/2022</a:t>
+              <a:t>9/22/2022</a:t>
             </a:fld>
             <a:endParaRPr lang="en-US"/>
           </a:p>
@@ -704,7 +709,7 @@
           <a:p>
             <a:fld id="{87DE6118-2437-4B30-8E3C-4D2BE6020583}" type="datetimeFigureOut">
               <a:rPr lang="en-US" smtClean="0"/>
-              <a:t>7/30/2022</a:t>
+              <a:t>9/22/2022</a:t>
             </a:fld>
             <a:endParaRPr lang="en-US"/>
           </a:p>
@@ -917,7 +922,7 @@
             <a:fld id="{87DE6118-2437-4B30-8E3C-4D2BE6020583}" type="datetimeFigureOut">
               <a:rPr lang="en-US" smtClean="0"/>
               <a:pPr/>
-              <a:t>7/30/2022</a:t>
+              <a:t>9/22/2022</a:t>
             </a:fld>
             <a:endParaRPr lang="en-US"/>
           </a:p>
@@ -1129,7 +1134,7 @@
           <a:p>
             <a:fld id="{87DE6118-2437-4B30-8E3C-4D2BE6020583}" type="datetimeFigureOut">
               <a:rPr lang="en-US" smtClean="0"/>
-              <a:t>7/30/2022</a:t>
+              <a:t>9/22/2022</a:t>
             </a:fld>
             <a:endParaRPr lang="en-US"/>
           </a:p>
@@ -1409,7 +1414,7 @@
             <a:fld id="{87DE6118-2437-4B30-8E3C-4D2BE6020583}" type="datetimeFigureOut">
               <a:rPr lang="en-US" smtClean="0"/>
               <a:pPr/>
-              <a:t>7/30/2022</a:t>
+              <a:t>9/22/2022</a:t>
             </a:fld>
             <a:endParaRPr lang="en-US"/>
           </a:p>
@@ -1678,7 +1683,7 @@
           <a:p>
             <a:fld id="{87DE6118-2437-4B30-8E3C-4D2BE6020583}" type="datetimeFigureOut">
               <a:rPr lang="en-US" smtClean="0"/>
-              <a:t>7/30/2022</a:t>
+              <a:t>9/22/2022</a:t>
             </a:fld>
             <a:endParaRPr lang="en-US"/>
           </a:p>
@@ -2094,7 +2099,7 @@
           <a:p>
             <a:fld id="{87DE6118-2437-4B30-8E3C-4D2BE6020583}" type="datetimeFigureOut">
               <a:rPr lang="en-US" smtClean="0"/>
-              <a:t>7/30/2022</a:t>
+              <a:t>9/22/2022</a:t>
             </a:fld>
             <a:endParaRPr lang="en-US"/>
           </a:p>
@@ -2243,7 +2248,7 @@
           <a:p>
             <a:fld id="{87DE6118-2437-4B30-8E3C-4D2BE6020583}" type="datetimeFigureOut">
               <a:rPr lang="en-US" smtClean="0"/>
-              <a:t>7/30/2022</a:t>
+              <a:t>9/22/2022</a:t>
             </a:fld>
             <a:endParaRPr lang="en-US"/>
           </a:p>
@@ -2369,7 +2374,7 @@
           <a:p>
             <a:fld id="{87DE6118-2437-4B30-8E3C-4D2BE6020583}" type="datetimeFigureOut">
               <a:rPr lang="en-US" smtClean="0"/>
-              <a:t>7/30/2022</a:t>
+              <a:t>9/22/2022</a:t>
             </a:fld>
             <a:endParaRPr lang="en-US"/>
           </a:p>
@@ -2621,7 +2626,7 @@
             <a:fld id="{87DE6118-2437-4B30-8E3C-4D2BE6020583}" type="datetimeFigureOut">
               <a:rPr lang="en-US" smtClean="0"/>
               <a:pPr/>
-              <a:t>7/30/2022</a:t>
+              <a:t>9/22/2022</a:t>
             </a:fld>
             <a:endParaRPr lang="en-US"/>
           </a:p>
@@ -2841,7 +2846,7 @@
           <a:p>
             <a:fld id="{87DE6118-2437-4B30-8E3C-4D2BE6020583}" type="datetimeFigureOut">
               <a:rPr lang="en-US" smtClean="0"/>
-              <a:t>7/30/2022</a:t>
+              <a:t>9/22/2022</a:t>
             </a:fld>
             <a:endParaRPr lang="en-US"/>
           </a:p>
@@ -3267,7 +3272,7 @@
             <a:fld id="{87DE6118-2437-4B30-8E3C-4D2BE6020583}" type="datetimeFigureOut">
               <a:rPr lang="en-US" smtClean="0"/>
               <a:pPr/>
-              <a:t>7/30/2022</a:t>
+              <a:t>9/22/2022</a:t>
             </a:fld>
             <a:endParaRPr lang="en-US"/>
           </a:p>
@@ -3474,7 +3479,7 @@
           <a:p>
             <a:fld id="{87DE6118-2437-4B30-8E3C-4D2BE6020583}" type="datetimeFigureOut">
               <a:rPr lang="en-US" smtClean="0"/>
-              <a:t>7/30/2022</a:t>
+              <a:t>9/22/2022</a:t>
             </a:fld>
             <a:endParaRPr lang="en-US"/>
           </a:p>
@@ -3689,7 +3694,7 @@
           <a:p>
             <a:fld id="{87DE6118-2437-4B30-8E3C-4D2BE6020583}" type="datetimeFigureOut">
               <a:rPr lang="en-US" smtClean="0"/>
-              <a:t>7/30/2022</a:t>
+              <a:t>9/22/2022</a:t>
             </a:fld>
             <a:endParaRPr lang="en-US"/>
           </a:p>
@@ -3931,7 +3936,7 @@
             <a:fld id="{87DE6118-2437-4B30-8E3C-4D2BE6020583}" type="datetimeFigureOut">
               <a:rPr lang="en-US" smtClean="0"/>
               <a:pPr/>
-              <a:t>7/30/2022</a:t>
+              <a:t>9/22/2022</a:t>
             </a:fld>
             <a:endParaRPr lang="en-US"/>
           </a:p>
@@ -4132,7 +4137,7 @@
           <a:p>
             <a:fld id="{87DE6118-2437-4B30-8E3C-4D2BE6020583}" type="datetimeFigureOut">
               <a:rPr lang="en-US" smtClean="0"/>
-              <a:t>7/30/2022</a:t>
+              <a:t>9/22/2022</a:t>
             </a:fld>
             <a:endParaRPr lang="en-US"/>
           </a:p>
@@ -4409,7 +4414,7 @@
             <a:fld id="{87DE6118-2437-4B30-8E3C-4D2BE6020583}" type="datetimeFigureOut">
               <a:rPr lang="en-US" smtClean="0"/>
               <a:pPr/>
-              <a:t>7/30/2022</a:t>
+              <a:t>9/22/2022</a:t>
             </a:fld>
             <a:endParaRPr lang="en-US"/>
           </a:p>
@@ -4678,7 +4683,7 @@
           <a:p>
             <a:fld id="{87DE6118-2437-4B30-8E3C-4D2BE6020583}" type="datetimeFigureOut">
               <a:rPr lang="en-US" smtClean="0"/>
-              <a:t>7/30/2022</a:t>
+              <a:t>9/22/2022</a:t>
             </a:fld>
             <a:endParaRPr lang="en-US"/>
           </a:p>
@@ -5093,7 +5098,7 @@
           <a:p>
             <a:fld id="{87DE6118-2437-4B30-8E3C-4D2BE6020583}" type="datetimeFigureOut">
               <a:rPr lang="en-US" smtClean="0"/>
-              <a:t>7/30/2022</a:t>
+              <a:t>9/22/2022</a:t>
             </a:fld>
             <a:endParaRPr lang="en-US"/>
           </a:p>
@@ -5235,7 +5240,7 @@
           <a:p>
             <a:fld id="{87DE6118-2437-4B30-8E3C-4D2BE6020583}" type="datetimeFigureOut">
               <a:rPr lang="en-US" smtClean="0"/>
-              <a:t>7/30/2022</a:t>
+              <a:t>9/22/2022</a:t>
             </a:fld>
             <a:endParaRPr lang="en-US"/>
           </a:p>
@@ -5348,7 +5353,7 @@
           <a:p>
             <a:fld id="{87DE6118-2437-4B30-8E3C-4D2BE6020583}" type="datetimeFigureOut">
               <a:rPr lang="en-US" smtClean="0"/>
-              <a:t>7/30/2022</a:t>
+              <a:t>9/22/2022</a:t>
             </a:fld>
             <a:endParaRPr lang="en-US"/>
           </a:p>
@@ -5625,7 +5630,7 @@
             <a:fld id="{87DE6118-2437-4B30-8E3C-4D2BE6020583}" type="datetimeFigureOut">
               <a:rPr lang="en-US" smtClean="0"/>
               <a:pPr/>
-              <a:t>7/30/2022</a:t>
+              <a:t>9/22/2022</a:t>
             </a:fld>
             <a:endParaRPr lang="en-US"/>
           </a:p>
@@ -5940,7 +5945,7 @@
             <a:fld id="{87DE6118-2437-4B30-8E3C-4D2BE6020583}" type="datetimeFigureOut">
               <a:rPr lang="en-US" smtClean="0"/>
               <a:pPr/>
-              <a:t>7/30/2022</a:t>
+              <a:t>9/22/2022</a:t>
             </a:fld>
             <a:endParaRPr lang="en-US"/>
           </a:p>
@@ -6231,7 +6236,7 @@
             <a:fld id="{87DE6118-2437-4B30-8E3C-4D2BE6020583}" type="datetimeFigureOut">
               <a:rPr lang="en-US" smtClean="0"/>
               <a:pPr/>
-              <a:t>7/30/2022</a:t>
+              <a:t>9/22/2022</a:t>
             </a:fld>
             <a:endParaRPr lang="en-US"/>
           </a:p>
@@ -6432,7 +6437,7 @@
           <a:p>
             <a:fld id="{87DE6118-2437-4B30-8E3C-4D2BE6020583}" type="datetimeFigureOut">
               <a:rPr lang="en-US" smtClean="0"/>
-              <a:t>7/30/2022</a:t>
+              <a:t>9/22/2022</a:t>
             </a:fld>
             <a:endParaRPr lang="en-US"/>
           </a:p>
@@ -6642,7 +6647,7 @@
           <a:p>
             <a:fld id="{87DE6118-2437-4B30-8E3C-4D2BE6020583}" type="datetimeFigureOut">
               <a:rPr lang="en-US" smtClean="0"/>
-              <a:t>7/30/2022</a:t>
+              <a:t>9/22/2022</a:t>
             </a:fld>
             <a:endParaRPr lang="en-US"/>
           </a:p>
@@ -6910,7 +6915,7 @@
           <a:p>
             <a:fld id="{87DE6118-2437-4B30-8E3C-4D2BE6020583}" type="datetimeFigureOut">
               <a:rPr lang="en-US" smtClean="0"/>
-              <a:t>7/30/2022</a:t>
+              <a:t>9/22/2022</a:t>
             </a:fld>
             <a:endParaRPr lang="en-US"/>
           </a:p>
@@ -7325,7 +7330,7 @@
           <a:p>
             <a:fld id="{87DE6118-2437-4B30-8E3C-4D2BE6020583}" type="datetimeFigureOut">
               <a:rPr lang="en-US" smtClean="0"/>
-              <a:t>7/30/2022</a:t>
+              <a:t>9/22/2022</a:t>
             </a:fld>
             <a:endParaRPr lang="en-US"/>
           </a:p>
@@ -7467,7 +7472,7 @@
           <a:p>
             <a:fld id="{87DE6118-2437-4B30-8E3C-4D2BE6020583}" type="datetimeFigureOut">
               <a:rPr lang="en-US" smtClean="0"/>
-              <a:t>7/30/2022</a:t>
+              <a:t>9/22/2022</a:t>
             </a:fld>
             <a:endParaRPr lang="en-US"/>
           </a:p>
@@ -7580,7 +7585,7 @@
           <a:p>
             <a:fld id="{87DE6118-2437-4B30-8E3C-4D2BE6020583}" type="datetimeFigureOut">
               <a:rPr lang="en-US" smtClean="0"/>
-              <a:t>7/30/2022</a:t>
+              <a:t>9/22/2022</a:t>
             </a:fld>
             <a:endParaRPr lang="en-US"/>
           </a:p>
@@ -7894,7 +7899,7 @@
             <a:fld id="{87DE6118-2437-4B30-8E3C-4D2BE6020583}" type="datetimeFigureOut">
               <a:rPr lang="en-US" smtClean="0"/>
               <a:pPr/>
-              <a:t>7/30/2022</a:t>
+              <a:t>9/22/2022</a:t>
             </a:fld>
             <a:endParaRPr lang="en-US"/>
           </a:p>
@@ -8185,7 +8190,7 @@
             <a:fld id="{87DE6118-2437-4B30-8E3C-4D2BE6020583}" type="datetimeFigureOut">
               <a:rPr lang="en-US" smtClean="0"/>
               <a:pPr/>
-              <a:t>7/30/2022</a:t>
+              <a:t>9/22/2022</a:t>
             </a:fld>
             <a:endParaRPr lang="en-US"/>
           </a:p>
@@ -8430,7 +8435,7 @@
             <a:fld id="{87DE6118-2437-4B30-8E3C-4D2BE6020583}" type="datetimeFigureOut">
               <a:rPr lang="en-US" smtClean="0"/>
               <a:pPr/>
-              <a:t>7/30/2022</a:t>
+              <a:t>9/22/2022</a:t>
             </a:fld>
             <a:endParaRPr lang="en-US"/>
           </a:p>
@@ -9067,7 +9072,7 @@
             <a:fld id="{87DE6118-2437-4B30-8E3C-4D2BE6020583}" type="datetimeFigureOut">
               <a:rPr lang="en-US" smtClean="0"/>
               <a:pPr/>
-              <a:t>7/30/2022</a:t>
+              <a:t>9/22/2022</a:t>
             </a:fld>
             <a:endParaRPr lang="en-US"/>
           </a:p>
@@ -9713,7 +9718,7 @@
             <a:fld id="{87DE6118-2437-4B30-8E3C-4D2BE6020583}" type="datetimeFigureOut">
               <a:rPr lang="en-US" smtClean="0"/>
               <a:pPr/>
-              <a:t>7/30/2022</a:t>
+              <a:t>9/22/2022</a:t>
             </a:fld>
             <a:endParaRPr lang="en-US"/>
           </a:p>
@@ -32346,6 +32351,7606 @@
 </p:sld>
 </file>
 
+<file path=ppt/slides/slide31.xml><?xml version="1.0" encoding="utf-8"?>
+<p:sld xmlns:a="http://schemas.openxmlformats.org/drawingml/2006/main" xmlns:r="http://schemas.openxmlformats.org/officeDocument/2006/relationships" xmlns:p="http://schemas.openxmlformats.org/presentationml/2006/main">
+  <p:cSld>
+    <p:spTree>
+      <p:nvGrpSpPr>
+        <p:cNvPr id="1" name=""/>
+        <p:cNvGrpSpPr/>
+        <p:nvPr/>
+      </p:nvGrpSpPr>
+      <p:grpSpPr>
+        <a:xfrm>
+          <a:off x="0" y="0"/>
+          <a:ext cx="0" cy="0"/>
+          <a:chOff x="0" y="0"/>
+          <a:chExt cx="0" cy="0"/>
+        </a:xfrm>
+      </p:grpSpPr>
+      <p:sp>
+        <p:nvSpPr>
+          <p:cNvPr id="2" name="Title 1">
+            <a:extLst>
+              <a:ext uri="{FF2B5EF4-FFF2-40B4-BE49-F238E27FC236}">
+                <a16:creationId xmlns:a16="http://schemas.microsoft.com/office/drawing/2014/main" id="{24E775A1-95E6-4C97-A51D-F3EF01493116}"/>
+              </a:ext>
+            </a:extLst>
+          </p:cNvPr>
+          <p:cNvSpPr txBox="1">
+            <a:spLocks/>
+          </p:cNvSpPr>
+          <p:nvPr/>
+        </p:nvSpPr>
+        <p:spPr>
+          <a:xfrm>
+            <a:off x="0" y="0"/>
+            <a:ext cx="12192000" cy="536895"/>
+          </a:xfrm>
+          <a:prstGeom prst="rect">
+            <a:avLst/>
+          </a:prstGeom>
+        </p:spPr>
+        <p:style>
+          <a:lnRef idx="0">
+            <a:schemeClr val="dk1"/>
+          </a:lnRef>
+          <a:fillRef idx="3">
+            <a:schemeClr val="dk1"/>
+          </a:fillRef>
+          <a:effectRef idx="3">
+            <a:schemeClr val="dk1"/>
+          </a:effectRef>
+          <a:fontRef idx="minor">
+            <a:schemeClr val="lt1"/>
+          </a:fontRef>
+        </p:style>
+        <p:txBody>
+          <a:bodyPr>
+            <a:normAutofit/>
+          </a:bodyPr>
+          <a:lstStyle>
+            <a:lvl1pPr algn="l" defTabSz="914400" rtl="0" eaLnBrk="1" latinLnBrk="0" hangingPunct="1">
+              <a:lnSpc>
+                <a:spcPct val="90000"/>
+              </a:lnSpc>
+              <a:spcBef>
+                <a:spcPct val="0"/>
+              </a:spcBef>
+              <a:buNone/>
+              <a:defRPr sz="4400" kern="1200">
+                <a:solidFill>
+                  <a:schemeClr val="lt1"/>
+                </a:solidFill>
+                <a:latin typeface="+mn-lt"/>
+                <a:ea typeface="+mn-ea"/>
+                <a:cs typeface="+mn-cs"/>
+              </a:defRPr>
+            </a:lvl1pPr>
+            <a:lvl2pPr>
+              <a:defRPr>
+                <a:solidFill>
+                  <a:schemeClr val="lt1"/>
+                </a:solidFill>
+                <a:latin typeface="+mn-lt"/>
+                <a:ea typeface="+mn-ea"/>
+                <a:cs typeface="+mn-cs"/>
+              </a:defRPr>
+            </a:lvl2pPr>
+            <a:lvl3pPr>
+              <a:defRPr>
+                <a:solidFill>
+                  <a:schemeClr val="lt1"/>
+                </a:solidFill>
+                <a:latin typeface="+mn-lt"/>
+                <a:ea typeface="+mn-ea"/>
+                <a:cs typeface="+mn-cs"/>
+              </a:defRPr>
+            </a:lvl3pPr>
+            <a:lvl4pPr>
+              <a:defRPr>
+                <a:solidFill>
+                  <a:schemeClr val="lt1"/>
+                </a:solidFill>
+                <a:latin typeface="+mn-lt"/>
+                <a:ea typeface="+mn-ea"/>
+                <a:cs typeface="+mn-cs"/>
+              </a:defRPr>
+            </a:lvl4pPr>
+            <a:lvl5pPr>
+              <a:defRPr>
+                <a:solidFill>
+                  <a:schemeClr val="lt1"/>
+                </a:solidFill>
+                <a:latin typeface="+mn-lt"/>
+                <a:ea typeface="+mn-ea"/>
+                <a:cs typeface="+mn-cs"/>
+              </a:defRPr>
+            </a:lvl5pPr>
+            <a:lvl6pPr>
+              <a:defRPr>
+                <a:solidFill>
+                  <a:schemeClr val="lt1"/>
+                </a:solidFill>
+                <a:latin typeface="+mn-lt"/>
+                <a:ea typeface="+mn-ea"/>
+                <a:cs typeface="+mn-cs"/>
+              </a:defRPr>
+            </a:lvl6pPr>
+            <a:lvl7pPr>
+              <a:defRPr>
+                <a:solidFill>
+                  <a:schemeClr val="lt1"/>
+                </a:solidFill>
+                <a:latin typeface="+mn-lt"/>
+                <a:ea typeface="+mn-ea"/>
+                <a:cs typeface="+mn-cs"/>
+              </a:defRPr>
+            </a:lvl7pPr>
+            <a:lvl8pPr>
+              <a:defRPr>
+                <a:solidFill>
+                  <a:schemeClr val="lt1"/>
+                </a:solidFill>
+                <a:latin typeface="+mn-lt"/>
+                <a:ea typeface="+mn-ea"/>
+                <a:cs typeface="+mn-cs"/>
+              </a:defRPr>
+            </a:lvl8pPr>
+            <a:lvl9pPr>
+              <a:defRPr>
+                <a:solidFill>
+                  <a:schemeClr val="lt1"/>
+                </a:solidFill>
+                <a:latin typeface="+mn-lt"/>
+                <a:ea typeface="+mn-ea"/>
+                <a:cs typeface="+mn-cs"/>
+              </a:defRPr>
+            </a:lvl9pPr>
+          </a:lstStyle>
+          <a:p>
+            <a:pPr algn="ctr">
+              <a:lnSpc>
+                <a:spcPct val="150000"/>
+              </a:lnSpc>
+            </a:pPr>
+            <a:r>
+              <a:rPr lang="en-US" sz="1800"/>
+              <a:t>Variantele si atributele produselor</a:t>
+            </a:r>
+          </a:p>
+        </p:txBody>
+      </p:sp>
+      <p:sp>
+        <p:nvSpPr>
+          <p:cNvPr id="4" name="Rectangle 3">
+            <a:extLst>
+              <a:ext uri="{FF2B5EF4-FFF2-40B4-BE49-F238E27FC236}">
+                <a16:creationId xmlns:a16="http://schemas.microsoft.com/office/drawing/2014/main" id="{D05C3016-3ABB-474B-8977-C8DFA4ADAA99}"/>
+              </a:ext>
+            </a:extLst>
+          </p:cNvPr>
+          <p:cNvSpPr/>
+          <p:nvPr/>
+        </p:nvSpPr>
+        <p:spPr>
+          <a:xfrm>
+            <a:off x="8212823" y="866911"/>
+            <a:ext cx="2659310" cy="369332"/>
+          </a:xfrm>
+          <a:prstGeom prst="rect">
+            <a:avLst/>
+          </a:prstGeom>
+        </p:spPr>
+        <p:style>
+          <a:lnRef idx="2">
+            <a:schemeClr val="accent1">
+              <a:shade val="50000"/>
+            </a:schemeClr>
+          </a:lnRef>
+          <a:fillRef idx="1">
+            <a:schemeClr val="accent1"/>
+          </a:fillRef>
+          <a:effectRef idx="0">
+            <a:schemeClr val="accent1"/>
+          </a:effectRef>
+          <a:fontRef idx="minor">
+            <a:schemeClr val="lt1"/>
+          </a:fontRef>
+        </p:style>
+        <p:txBody>
+          <a:bodyPr rtlCol="0" anchor="ctr"/>
+          <a:lstStyle/>
+          <a:p>
+            <a:pPr algn="ctr"/>
+            <a:r>
+              <a:rPr lang="en-US"/>
+              <a:t>Atribute</a:t>
+            </a:r>
+          </a:p>
+        </p:txBody>
+      </p:sp>
+      <p:sp>
+        <p:nvSpPr>
+          <p:cNvPr id="5" name="Rectangle 4">
+            <a:extLst>
+              <a:ext uri="{FF2B5EF4-FFF2-40B4-BE49-F238E27FC236}">
+                <a16:creationId xmlns:a16="http://schemas.microsoft.com/office/drawing/2014/main" id="{0B2E6584-F9EE-41E4-8B10-938C05CDC9C6}"/>
+              </a:ext>
+            </a:extLst>
+          </p:cNvPr>
+          <p:cNvSpPr/>
+          <p:nvPr/>
+        </p:nvSpPr>
+        <p:spPr>
+          <a:xfrm>
+            <a:off x="8212823" y="1234363"/>
+            <a:ext cx="2659310" cy="369332"/>
+          </a:xfrm>
+          <a:prstGeom prst="rect">
+            <a:avLst/>
+          </a:prstGeom>
+        </p:spPr>
+        <p:style>
+          <a:lnRef idx="2">
+            <a:schemeClr val="accent1"/>
+          </a:lnRef>
+          <a:fillRef idx="1">
+            <a:schemeClr val="lt1"/>
+          </a:fillRef>
+          <a:effectRef idx="0">
+            <a:schemeClr val="accent1"/>
+          </a:effectRef>
+          <a:fontRef idx="minor">
+            <a:schemeClr val="dk1"/>
+          </a:fontRef>
+        </p:style>
+        <p:txBody>
+          <a:bodyPr rtlCol="0" anchor="ctr"/>
+          <a:lstStyle/>
+          <a:p>
+            <a:pPr algn="ctr"/>
+            <a:r>
+              <a:rPr lang="en-US"/>
+              <a:t>Color</a:t>
+            </a:r>
+          </a:p>
+        </p:txBody>
+      </p:sp>
+      <p:sp>
+        <p:nvSpPr>
+          <p:cNvPr id="6" name="Rectangle 5">
+            <a:extLst>
+              <a:ext uri="{FF2B5EF4-FFF2-40B4-BE49-F238E27FC236}">
+                <a16:creationId xmlns:a16="http://schemas.microsoft.com/office/drawing/2014/main" id="{693EF0E7-F889-4EA7-9FC1-F65505D30D5D}"/>
+              </a:ext>
+            </a:extLst>
+          </p:cNvPr>
+          <p:cNvSpPr/>
+          <p:nvPr/>
+        </p:nvSpPr>
+        <p:spPr>
+          <a:xfrm>
+            <a:off x="8212823" y="1613482"/>
+            <a:ext cx="2659310" cy="369332"/>
+          </a:xfrm>
+          <a:prstGeom prst="rect">
+            <a:avLst/>
+          </a:prstGeom>
+        </p:spPr>
+        <p:style>
+          <a:lnRef idx="2">
+            <a:schemeClr val="accent1"/>
+          </a:lnRef>
+          <a:fillRef idx="1">
+            <a:schemeClr val="lt1"/>
+          </a:fillRef>
+          <a:effectRef idx="0">
+            <a:schemeClr val="accent1"/>
+          </a:effectRef>
+          <a:fontRef idx="minor">
+            <a:schemeClr val="dk1"/>
+          </a:fontRef>
+        </p:style>
+        <p:txBody>
+          <a:bodyPr rtlCol="0" anchor="ctr"/>
+          <a:lstStyle/>
+          <a:p>
+            <a:pPr algn="ctr"/>
+            <a:r>
+              <a:rPr lang="en-US"/>
+              <a:t>Size</a:t>
+            </a:r>
+          </a:p>
+        </p:txBody>
+      </p:sp>
+      <p:sp>
+        <p:nvSpPr>
+          <p:cNvPr id="7" name="Rectangle 6">
+            <a:extLst>
+              <a:ext uri="{FF2B5EF4-FFF2-40B4-BE49-F238E27FC236}">
+                <a16:creationId xmlns:a16="http://schemas.microsoft.com/office/drawing/2014/main" id="{856E342A-9895-4C15-97C3-9B5BB1B64978}"/>
+              </a:ext>
+            </a:extLst>
+          </p:cNvPr>
+          <p:cNvSpPr/>
+          <p:nvPr/>
+        </p:nvSpPr>
+        <p:spPr>
+          <a:xfrm>
+            <a:off x="8212823" y="1982814"/>
+            <a:ext cx="2659310" cy="369332"/>
+          </a:xfrm>
+          <a:prstGeom prst="rect">
+            <a:avLst/>
+          </a:prstGeom>
+        </p:spPr>
+        <p:style>
+          <a:lnRef idx="2">
+            <a:schemeClr val="accent1"/>
+          </a:lnRef>
+          <a:fillRef idx="1">
+            <a:schemeClr val="lt1"/>
+          </a:fillRef>
+          <a:effectRef idx="0">
+            <a:schemeClr val="accent1"/>
+          </a:effectRef>
+          <a:fontRef idx="minor">
+            <a:schemeClr val="dk1"/>
+          </a:fontRef>
+        </p:style>
+        <p:txBody>
+          <a:bodyPr rtlCol="0" anchor="ctr"/>
+          <a:lstStyle/>
+          <a:p>
+            <a:pPr algn="ctr"/>
+            <a:r>
+              <a:rPr lang="en-US"/>
+              <a:t>Material</a:t>
+            </a:r>
+          </a:p>
+        </p:txBody>
+      </p:sp>
+      <p:sp>
+        <p:nvSpPr>
+          <p:cNvPr id="8" name="Rectangle 7">
+            <a:extLst>
+              <a:ext uri="{FF2B5EF4-FFF2-40B4-BE49-F238E27FC236}">
+                <a16:creationId xmlns:a16="http://schemas.microsoft.com/office/drawing/2014/main" id="{AED23D42-4B19-4F11-9A4B-0923FA6C7BC9}"/>
+              </a:ext>
+            </a:extLst>
+          </p:cNvPr>
+          <p:cNvSpPr/>
+          <p:nvPr/>
+        </p:nvSpPr>
+        <p:spPr>
+          <a:xfrm>
+            <a:off x="8212823" y="2352146"/>
+            <a:ext cx="2659310" cy="369332"/>
+          </a:xfrm>
+          <a:prstGeom prst="rect">
+            <a:avLst/>
+          </a:prstGeom>
+        </p:spPr>
+        <p:style>
+          <a:lnRef idx="2">
+            <a:schemeClr val="accent1"/>
+          </a:lnRef>
+          <a:fillRef idx="1">
+            <a:schemeClr val="lt1"/>
+          </a:fillRef>
+          <a:effectRef idx="0">
+            <a:schemeClr val="accent1"/>
+          </a:effectRef>
+          <a:fontRef idx="minor">
+            <a:schemeClr val="dk1"/>
+          </a:fontRef>
+        </p:style>
+        <p:txBody>
+          <a:bodyPr rtlCol="0" anchor="ctr"/>
+          <a:lstStyle/>
+          <a:p>
+            <a:pPr algn="ctr"/>
+            <a:r>
+              <a:rPr lang="en-US"/>
+              <a:t>Type</a:t>
+            </a:r>
+          </a:p>
+        </p:txBody>
+      </p:sp>
+      <p:sp>
+        <p:nvSpPr>
+          <p:cNvPr id="9" name="Rectangle 8">
+            <a:extLst>
+              <a:ext uri="{FF2B5EF4-FFF2-40B4-BE49-F238E27FC236}">
+                <a16:creationId xmlns:a16="http://schemas.microsoft.com/office/drawing/2014/main" id="{A70EB2CC-4FCD-41B8-84F8-B66B1814D42F}"/>
+              </a:ext>
+            </a:extLst>
+          </p:cNvPr>
+          <p:cNvSpPr/>
+          <p:nvPr/>
+        </p:nvSpPr>
+        <p:spPr>
+          <a:xfrm>
+            <a:off x="562062" y="865031"/>
+            <a:ext cx="1853967" cy="369332"/>
+          </a:xfrm>
+          <a:prstGeom prst="rect">
+            <a:avLst/>
+          </a:prstGeom>
+        </p:spPr>
+        <p:style>
+          <a:lnRef idx="2">
+            <a:schemeClr val="accent1">
+              <a:shade val="50000"/>
+            </a:schemeClr>
+          </a:lnRef>
+          <a:fillRef idx="1">
+            <a:schemeClr val="accent1"/>
+          </a:fillRef>
+          <a:effectRef idx="0">
+            <a:schemeClr val="accent1"/>
+          </a:effectRef>
+          <a:fontRef idx="minor">
+            <a:schemeClr val="lt1"/>
+          </a:fontRef>
+        </p:style>
+        <p:txBody>
+          <a:bodyPr rtlCol="0" anchor="ctr"/>
+          <a:lstStyle/>
+          <a:p>
+            <a:pPr algn="ctr"/>
+            <a:r>
+              <a:rPr lang="en-US"/>
+              <a:t>Product</a:t>
+            </a:r>
+          </a:p>
+        </p:txBody>
+      </p:sp>
+      <p:cxnSp>
+        <p:nvCxnSpPr>
+          <p:cNvPr id="11" name="Straight Arrow Connector 10">
+            <a:extLst>
+              <a:ext uri="{FF2B5EF4-FFF2-40B4-BE49-F238E27FC236}">
+                <a16:creationId xmlns:a16="http://schemas.microsoft.com/office/drawing/2014/main" id="{D70AC25E-AE4B-422F-BB61-B72D8165FE75}"/>
+              </a:ext>
+            </a:extLst>
+          </p:cNvPr>
+          <p:cNvCxnSpPr>
+            <a:endCxn id="5" idx="1"/>
+          </p:cNvCxnSpPr>
+          <p:nvPr/>
+        </p:nvCxnSpPr>
+        <p:spPr>
+          <a:xfrm>
+            <a:off x="2474752" y="1049697"/>
+            <a:ext cx="5738071" cy="369332"/>
+          </a:xfrm>
+          <a:prstGeom prst="straightConnector1">
+            <a:avLst/>
+          </a:prstGeom>
+          <a:ln>
+            <a:tailEnd type="triangle"/>
+          </a:ln>
+        </p:spPr>
+        <p:style>
+          <a:lnRef idx="1">
+            <a:schemeClr val="accent1"/>
+          </a:lnRef>
+          <a:fillRef idx="0">
+            <a:schemeClr val="accent1"/>
+          </a:fillRef>
+          <a:effectRef idx="0">
+            <a:schemeClr val="accent1"/>
+          </a:effectRef>
+          <a:fontRef idx="minor">
+            <a:schemeClr val="tx1"/>
+          </a:fontRef>
+        </p:style>
+      </p:cxnSp>
+      <p:cxnSp>
+        <p:nvCxnSpPr>
+          <p:cNvPr id="13" name="Straight Arrow Connector 12">
+            <a:extLst>
+              <a:ext uri="{FF2B5EF4-FFF2-40B4-BE49-F238E27FC236}">
+                <a16:creationId xmlns:a16="http://schemas.microsoft.com/office/drawing/2014/main" id="{C9376E2D-9B5F-4B4E-91A1-57EC64F0A01D}"/>
+              </a:ext>
+            </a:extLst>
+          </p:cNvPr>
+          <p:cNvCxnSpPr>
+            <a:endCxn id="6" idx="1"/>
+          </p:cNvCxnSpPr>
+          <p:nvPr/>
+        </p:nvCxnSpPr>
+        <p:spPr>
+          <a:xfrm>
+            <a:off x="2445390" y="1075188"/>
+            <a:ext cx="5767433" cy="722960"/>
+          </a:xfrm>
+          <a:prstGeom prst="straightConnector1">
+            <a:avLst/>
+          </a:prstGeom>
+          <a:ln>
+            <a:tailEnd type="triangle"/>
+          </a:ln>
+        </p:spPr>
+        <p:style>
+          <a:lnRef idx="1">
+            <a:schemeClr val="accent1"/>
+          </a:lnRef>
+          <a:fillRef idx="0">
+            <a:schemeClr val="accent1"/>
+          </a:fillRef>
+          <a:effectRef idx="0">
+            <a:schemeClr val="accent1"/>
+          </a:effectRef>
+          <a:fontRef idx="minor">
+            <a:schemeClr val="tx1"/>
+          </a:fontRef>
+        </p:style>
+      </p:cxnSp>
+      <p:cxnSp>
+        <p:nvCxnSpPr>
+          <p:cNvPr id="15" name="Straight Arrow Connector 14">
+            <a:extLst>
+              <a:ext uri="{FF2B5EF4-FFF2-40B4-BE49-F238E27FC236}">
+                <a16:creationId xmlns:a16="http://schemas.microsoft.com/office/drawing/2014/main" id="{A0781775-FA0F-4B94-A1B6-1114291E51B3}"/>
+              </a:ext>
+            </a:extLst>
+          </p:cNvPr>
+          <p:cNvCxnSpPr>
+            <a:endCxn id="7" idx="1"/>
+          </p:cNvCxnSpPr>
+          <p:nvPr/>
+        </p:nvCxnSpPr>
+        <p:spPr>
+          <a:xfrm>
+            <a:off x="2474752" y="1083040"/>
+            <a:ext cx="5738071" cy="1084440"/>
+          </a:xfrm>
+          <a:prstGeom prst="straightConnector1">
+            <a:avLst/>
+          </a:prstGeom>
+          <a:ln w="9525" cap="flat" cmpd="sng" algn="ctr">
+            <a:solidFill>
+              <a:schemeClr val="accent1"/>
+            </a:solidFill>
+            <a:prstDash val="dash"/>
+            <a:round/>
+            <a:headEnd type="none" w="med" len="med"/>
+            <a:tailEnd type="arrow" w="med" len="med"/>
+          </a:ln>
+        </p:spPr>
+        <p:style>
+          <a:lnRef idx="0">
+            <a:scrgbClr r="0" g="0" b="0"/>
+          </a:lnRef>
+          <a:fillRef idx="0">
+            <a:scrgbClr r="0" g="0" b="0"/>
+          </a:fillRef>
+          <a:effectRef idx="0">
+            <a:scrgbClr r="0" g="0" b="0"/>
+          </a:effectRef>
+          <a:fontRef idx="minor">
+            <a:schemeClr val="tx1"/>
+          </a:fontRef>
+        </p:style>
+      </p:cxnSp>
+      <p:sp>
+        <p:nvSpPr>
+          <p:cNvPr id="16" name="TextBox 15">
+            <a:extLst>
+              <a:ext uri="{FF2B5EF4-FFF2-40B4-BE49-F238E27FC236}">
+                <a16:creationId xmlns:a16="http://schemas.microsoft.com/office/drawing/2014/main" id="{BA68A791-473D-4075-AD6D-EDC196A66EE0}"/>
+              </a:ext>
+            </a:extLst>
+          </p:cNvPr>
+          <p:cNvSpPr txBox="1"/>
+          <p:nvPr/>
+        </p:nvSpPr>
+        <p:spPr>
+          <a:xfrm>
+            <a:off x="3979178" y="1931831"/>
+            <a:ext cx="1726755" cy="369332"/>
+          </a:xfrm>
+          <a:prstGeom prst="rect">
+            <a:avLst/>
+          </a:prstGeom>
+        </p:spPr>
+        <p:style>
+          <a:lnRef idx="2">
+            <a:schemeClr val="dk1"/>
+          </a:lnRef>
+          <a:fillRef idx="1">
+            <a:schemeClr val="lt1"/>
+          </a:fillRef>
+          <a:effectRef idx="0">
+            <a:schemeClr val="dk1"/>
+          </a:effectRef>
+          <a:fontRef idx="minor">
+            <a:schemeClr val="dk1"/>
+          </a:fontRef>
+        </p:style>
+        <p:txBody>
+          <a:bodyPr wrap="none" rtlCol="0">
+            <a:spAutoFit/>
+          </a:bodyPr>
+          <a:lstStyle/>
+          <a:p>
+            <a:r>
+              <a:rPr lang="en-US"/>
+              <a:t>SKU, price, stock</a:t>
+            </a:r>
+          </a:p>
+        </p:txBody>
+      </p:sp>
+      <p:graphicFrame>
+        <p:nvGraphicFramePr>
+          <p:cNvPr id="17" name="Table 17">
+            <a:extLst>
+              <a:ext uri="{FF2B5EF4-FFF2-40B4-BE49-F238E27FC236}">
+                <a16:creationId xmlns:a16="http://schemas.microsoft.com/office/drawing/2014/main" id="{28BB1AB2-FCEE-436E-AC4E-5E37DEB607CD}"/>
+              </a:ext>
+            </a:extLst>
+          </p:cNvPr>
+          <p:cNvGraphicFramePr>
+            <a:graphicFrameLocks noGrp="1"/>
+          </p:cNvGraphicFramePr>
+          <p:nvPr>
+            <p:extLst>
+              <p:ext uri="{D42A27DB-BD31-4B8C-83A1-F6EECF244321}">
+                <p14:modId xmlns:p14="http://schemas.microsoft.com/office/powerpoint/2010/main" val="62603305"/>
+              </p:ext>
+            </p:extLst>
+          </p:nvPr>
+        </p:nvGraphicFramePr>
+        <p:xfrm>
+          <a:off x="83890" y="3951103"/>
+          <a:ext cx="12029816" cy="370840"/>
+        </p:xfrm>
+        <a:graphic>
+          <a:graphicData uri="http://schemas.openxmlformats.org/drawingml/2006/table">
+            <a:tbl>
+              <a:tblPr firstRow="1" bandRow="1">
+                <a:tableStyleId>{5C22544A-7EE6-4342-B048-85BDC9FD1C3A}</a:tableStyleId>
+              </a:tblPr>
+              <a:tblGrid>
+                <a:gridCol w="1503727">
+                  <a:extLst>
+                    <a:ext uri="{9D8B030D-6E8A-4147-A177-3AD203B41FA5}">
+                      <a16:colId xmlns:a16="http://schemas.microsoft.com/office/drawing/2014/main" val="1692327878"/>
+                    </a:ext>
+                  </a:extLst>
+                </a:gridCol>
+                <a:gridCol w="1503727">
+                  <a:extLst>
+                    <a:ext uri="{9D8B030D-6E8A-4147-A177-3AD203B41FA5}">
+                      <a16:colId xmlns:a16="http://schemas.microsoft.com/office/drawing/2014/main" val="2708706233"/>
+                    </a:ext>
+                  </a:extLst>
+                </a:gridCol>
+                <a:gridCol w="1503727">
+                  <a:extLst>
+                    <a:ext uri="{9D8B030D-6E8A-4147-A177-3AD203B41FA5}">
+                      <a16:colId xmlns:a16="http://schemas.microsoft.com/office/drawing/2014/main" val="3407638918"/>
+                    </a:ext>
+                  </a:extLst>
+                </a:gridCol>
+                <a:gridCol w="1503727">
+                  <a:extLst>
+                    <a:ext uri="{9D8B030D-6E8A-4147-A177-3AD203B41FA5}">
+                      <a16:colId xmlns:a16="http://schemas.microsoft.com/office/drawing/2014/main" val="1236389392"/>
+                    </a:ext>
+                  </a:extLst>
+                </a:gridCol>
+                <a:gridCol w="1503727">
+                  <a:extLst>
+                    <a:ext uri="{9D8B030D-6E8A-4147-A177-3AD203B41FA5}">
+                      <a16:colId xmlns:a16="http://schemas.microsoft.com/office/drawing/2014/main" val="3394338083"/>
+                    </a:ext>
+                  </a:extLst>
+                </a:gridCol>
+                <a:gridCol w="1503727">
+                  <a:extLst>
+                    <a:ext uri="{9D8B030D-6E8A-4147-A177-3AD203B41FA5}">
+                      <a16:colId xmlns:a16="http://schemas.microsoft.com/office/drawing/2014/main" val="1332614005"/>
+                    </a:ext>
+                  </a:extLst>
+                </a:gridCol>
+                <a:gridCol w="1503727">
+                  <a:extLst>
+                    <a:ext uri="{9D8B030D-6E8A-4147-A177-3AD203B41FA5}">
+                      <a16:colId xmlns:a16="http://schemas.microsoft.com/office/drawing/2014/main" val="1294832622"/>
+                    </a:ext>
+                  </a:extLst>
+                </a:gridCol>
+                <a:gridCol w="1503727">
+                  <a:extLst>
+                    <a:ext uri="{9D8B030D-6E8A-4147-A177-3AD203B41FA5}">
+                      <a16:colId xmlns:a16="http://schemas.microsoft.com/office/drawing/2014/main" val="2597972029"/>
+                    </a:ext>
+                  </a:extLst>
+                </a:gridCol>
+              </a:tblGrid>
+              <a:tr h="370840">
+                <a:tc>
+                  <a:txBody>
+                    <a:bodyPr/>
+                    <a:lstStyle/>
+                    <a:p>
+                      <a:r>
+                        <a:rPr lang="en-US"/>
+                        <a:t>Nike Pegasus</a:t>
+                      </a:r>
+                    </a:p>
+                  </a:txBody>
+                  <a:tcPr/>
+                </a:tc>
+                <a:tc>
+                  <a:txBody>
+                    <a:bodyPr/>
+                    <a:lstStyle/>
+                    <a:p>
+                      <a:r>
+                        <a:rPr lang="en-US"/>
+                        <a:t>SKU_NP_334</a:t>
+                      </a:r>
+                    </a:p>
+                  </a:txBody>
+                  <a:tcPr/>
+                </a:tc>
+                <a:tc>
+                  <a:txBody>
+                    <a:bodyPr/>
+                    <a:lstStyle/>
+                    <a:p>
+                      <a:r>
+                        <a:rPr lang="en-US"/>
+                        <a:t>42,5</a:t>
+                      </a:r>
+                    </a:p>
+                  </a:txBody>
+                  <a:tcPr/>
+                </a:tc>
+                <a:tc>
+                  <a:txBody>
+                    <a:bodyPr/>
+                    <a:lstStyle/>
+                    <a:p>
+                      <a:r>
+                        <a:rPr lang="en-US"/>
+                        <a:t>red</a:t>
+                      </a:r>
+                    </a:p>
+                  </a:txBody>
+                  <a:tcPr/>
+                </a:tc>
+                <a:tc>
+                  <a:txBody>
+                    <a:bodyPr/>
+                    <a:lstStyle/>
+                    <a:p>
+                      <a:r>
+                        <a:rPr lang="en-US"/>
+                        <a:t>Syntetic</a:t>
+                      </a:r>
+                    </a:p>
+                  </a:txBody>
+                  <a:tcPr/>
+                </a:tc>
+                <a:tc>
+                  <a:txBody>
+                    <a:bodyPr/>
+                    <a:lstStyle/>
+                    <a:p>
+                      <a:r>
+                        <a:rPr lang="en-US"/>
+                        <a:t>Race</a:t>
+                      </a:r>
+                    </a:p>
+                  </a:txBody>
+                  <a:tcPr/>
+                </a:tc>
+                <a:tc>
+                  <a:txBody>
+                    <a:bodyPr/>
+                    <a:lstStyle/>
+                    <a:p>
+                      <a:r>
+                        <a:rPr lang="en-US"/>
+                        <a:t>415</a:t>
+                      </a:r>
+                    </a:p>
+                  </a:txBody>
+                  <a:tcPr/>
+                </a:tc>
+                <a:tc>
+                  <a:txBody>
+                    <a:bodyPr/>
+                    <a:lstStyle/>
+                    <a:p>
+                      <a:r>
+                        <a:rPr lang="en-US"/>
+                        <a:t>15%</a:t>
+                      </a:r>
+                    </a:p>
+                  </a:txBody>
+                  <a:tcPr/>
+                </a:tc>
+                <a:extLst>
+                  <a:ext uri="{0D108BD9-81ED-4DB2-BD59-A6C34878D82A}">
+                    <a16:rowId xmlns:a16="http://schemas.microsoft.com/office/drawing/2014/main" val="2182907966"/>
+                  </a:ext>
+                </a:extLst>
+              </a:tr>
+            </a:tbl>
+          </a:graphicData>
+        </a:graphic>
+      </p:graphicFrame>
+      <p:graphicFrame>
+        <p:nvGraphicFramePr>
+          <p:cNvPr id="14" name="Table 17">
+            <a:extLst>
+              <a:ext uri="{FF2B5EF4-FFF2-40B4-BE49-F238E27FC236}">
+                <a16:creationId xmlns:a16="http://schemas.microsoft.com/office/drawing/2014/main" id="{449EE9D4-47C6-48EC-B311-3070C1DB557E}"/>
+              </a:ext>
+            </a:extLst>
+          </p:cNvPr>
+          <p:cNvGraphicFramePr>
+            <a:graphicFrameLocks noGrp="1"/>
+          </p:cNvGraphicFramePr>
+          <p:nvPr>
+            <p:extLst>
+              <p:ext uri="{D42A27DB-BD31-4B8C-83A1-F6EECF244321}">
+                <p14:modId xmlns:p14="http://schemas.microsoft.com/office/powerpoint/2010/main" val="3710593901"/>
+              </p:ext>
+            </p:extLst>
+          </p:nvPr>
+        </p:nvGraphicFramePr>
+        <p:xfrm>
+          <a:off x="83890" y="4277731"/>
+          <a:ext cx="12029816" cy="370840"/>
+        </p:xfrm>
+        <a:graphic>
+          <a:graphicData uri="http://schemas.openxmlformats.org/drawingml/2006/table">
+            <a:tbl>
+              <a:tblPr firstRow="1" bandRow="1">
+                <a:tableStyleId>{5C22544A-7EE6-4342-B048-85BDC9FD1C3A}</a:tableStyleId>
+              </a:tblPr>
+              <a:tblGrid>
+                <a:gridCol w="1503727">
+                  <a:extLst>
+                    <a:ext uri="{9D8B030D-6E8A-4147-A177-3AD203B41FA5}">
+                      <a16:colId xmlns:a16="http://schemas.microsoft.com/office/drawing/2014/main" val="1692327878"/>
+                    </a:ext>
+                  </a:extLst>
+                </a:gridCol>
+                <a:gridCol w="1503727">
+                  <a:extLst>
+                    <a:ext uri="{9D8B030D-6E8A-4147-A177-3AD203B41FA5}">
+                      <a16:colId xmlns:a16="http://schemas.microsoft.com/office/drawing/2014/main" val="2708706233"/>
+                    </a:ext>
+                  </a:extLst>
+                </a:gridCol>
+                <a:gridCol w="1503727">
+                  <a:extLst>
+                    <a:ext uri="{9D8B030D-6E8A-4147-A177-3AD203B41FA5}">
+                      <a16:colId xmlns:a16="http://schemas.microsoft.com/office/drawing/2014/main" val="3407638918"/>
+                    </a:ext>
+                  </a:extLst>
+                </a:gridCol>
+                <a:gridCol w="1503727">
+                  <a:extLst>
+                    <a:ext uri="{9D8B030D-6E8A-4147-A177-3AD203B41FA5}">
+                      <a16:colId xmlns:a16="http://schemas.microsoft.com/office/drawing/2014/main" val="1236389392"/>
+                    </a:ext>
+                  </a:extLst>
+                </a:gridCol>
+                <a:gridCol w="1503727">
+                  <a:extLst>
+                    <a:ext uri="{9D8B030D-6E8A-4147-A177-3AD203B41FA5}">
+                      <a16:colId xmlns:a16="http://schemas.microsoft.com/office/drawing/2014/main" val="3394338083"/>
+                    </a:ext>
+                  </a:extLst>
+                </a:gridCol>
+                <a:gridCol w="1503727">
+                  <a:extLst>
+                    <a:ext uri="{9D8B030D-6E8A-4147-A177-3AD203B41FA5}">
+                      <a16:colId xmlns:a16="http://schemas.microsoft.com/office/drawing/2014/main" val="1332614005"/>
+                    </a:ext>
+                  </a:extLst>
+                </a:gridCol>
+                <a:gridCol w="1503727">
+                  <a:extLst>
+                    <a:ext uri="{9D8B030D-6E8A-4147-A177-3AD203B41FA5}">
+                      <a16:colId xmlns:a16="http://schemas.microsoft.com/office/drawing/2014/main" val="1294832622"/>
+                    </a:ext>
+                  </a:extLst>
+                </a:gridCol>
+                <a:gridCol w="1503727">
+                  <a:extLst>
+                    <a:ext uri="{9D8B030D-6E8A-4147-A177-3AD203B41FA5}">
+                      <a16:colId xmlns:a16="http://schemas.microsoft.com/office/drawing/2014/main" val="2597972029"/>
+                    </a:ext>
+                  </a:extLst>
+                </a:gridCol>
+              </a:tblGrid>
+              <a:tr h="370840">
+                <a:tc>
+                  <a:txBody>
+                    <a:bodyPr/>
+                    <a:lstStyle/>
+                    <a:p>
+                      <a:r>
+                        <a:rPr lang="en-US"/>
+                        <a:t>Nike Pegasus</a:t>
+                      </a:r>
+                    </a:p>
+                  </a:txBody>
+                  <a:tcPr/>
+                </a:tc>
+                <a:tc>
+                  <a:txBody>
+                    <a:bodyPr/>
+                    <a:lstStyle/>
+                    <a:p>
+                      <a:r>
+                        <a:rPr lang="en-US"/>
+                        <a:t>SKU_NP_335</a:t>
+                      </a:r>
+                    </a:p>
+                  </a:txBody>
+                  <a:tcPr/>
+                </a:tc>
+                <a:tc>
+                  <a:txBody>
+                    <a:bodyPr/>
+                    <a:lstStyle/>
+                    <a:p>
+                      <a:r>
+                        <a:rPr lang="en-US"/>
+                        <a:t>42,5</a:t>
+                      </a:r>
+                    </a:p>
+                  </a:txBody>
+                  <a:tcPr/>
+                </a:tc>
+                <a:tc>
+                  <a:txBody>
+                    <a:bodyPr/>
+                    <a:lstStyle/>
+                    <a:p>
+                      <a:r>
+                        <a:rPr lang="en-US"/>
+                        <a:t>blue</a:t>
+                      </a:r>
+                    </a:p>
+                  </a:txBody>
+                  <a:tcPr/>
+                </a:tc>
+                <a:tc>
+                  <a:txBody>
+                    <a:bodyPr/>
+                    <a:lstStyle/>
+                    <a:p>
+                      <a:r>
+                        <a:rPr lang="en-US"/>
+                        <a:t>Natural</a:t>
+                      </a:r>
+                    </a:p>
+                  </a:txBody>
+                  <a:tcPr/>
+                </a:tc>
+                <a:tc>
+                  <a:txBody>
+                    <a:bodyPr/>
+                    <a:lstStyle/>
+                    <a:p>
+                      <a:r>
+                        <a:rPr lang="en-US"/>
+                        <a:t>Race</a:t>
+                      </a:r>
+                    </a:p>
+                  </a:txBody>
+                  <a:tcPr/>
+                </a:tc>
+                <a:tc>
+                  <a:txBody>
+                    <a:bodyPr/>
+                    <a:lstStyle/>
+                    <a:p>
+                      <a:r>
+                        <a:rPr lang="en-US"/>
+                        <a:t>425</a:t>
+                      </a:r>
+                    </a:p>
+                  </a:txBody>
+                  <a:tcPr/>
+                </a:tc>
+                <a:tc>
+                  <a:txBody>
+                    <a:bodyPr/>
+                    <a:lstStyle/>
+                    <a:p>
+                      <a:r>
+                        <a:rPr lang="en-US"/>
+                        <a:t>10%</a:t>
+                      </a:r>
+                    </a:p>
+                  </a:txBody>
+                  <a:tcPr/>
+                </a:tc>
+                <a:extLst>
+                  <a:ext uri="{0D108BD9-81ED-4DB2-BD59-A6C34878D82A}">
+                    <a16:rowId xmlns:a16="http://schemas.microsoft.com/office/drawing/2014/main" val="2182907966"/>
+                  </a:ext>
+                </a:extLst>
+              </a:tr>
+            </a:tbl>
+          </a:graphicData>
+        </a:graphic>
+      </p:graphicFrame>
+    </p:spTree>
+    <p:extLst>
+      <p:ext uri="{BB962C8B-B14F-4D97-AF65-F5344CB8AC3E}">
+        <p14:creationId xmlns:p14="http://schemas.microsoft.com/office/powerpoint/2010/main" val="196093594"/>
+      </p:ext>
+    </p:extLst>
+  </p:cSld>
+  <p:clrMapOvr>
+    <a:masterClrMapping/>
+  </p:clrMapOvr>
+  <p:timing>
+    <p:tnLst>
+      <p:par>
+        <p:cTn id="1" dur="indefinite" restart="never" nodeType="tmRoot">
+          <p:childTnLst>
+            <p:seq concurrent="1" nextAc="seek">
+              <p:cTn id="2" dur="indefinite" nodeType="mainSeq">
+                <p:childTnLst>
+                  <p:par>
+                    <p:cTn id="3" fill="hold">
+                      <p:stCondLst>
+                        <p:cond delay="indefinite"/>
+                      </p:stCondLst>
+                      <p:childTnLst>
+                        <p:par>
+                          <p:cTn id="4" fill="hold">
+                            <p:stCondLst>
+                              <p:cond delay="0"/>
+                            </p:stCondLst>
+                            <p:childTnLst>
+                              <p:par>
+                                <p:cTn id="5" presetID="10" presetClass="entr" presetSubtype="0" fill="hold" grpId="0" nodeType="clickEffect">
+                                  <p:stCondLst>
+                                    <p:cond delay="0"/>
+                                  </p:stCondLst>
+                                  <p:childTnLst>
+                                    <p:set>
+                                      <p:cBhvr>
+                                        <p:cTn id="6" dur="1" fill="hold">
+                                          <p:stCondLst>
+                                            <p:cond delay="0"/>
+                                          </p:stCondLst>
+                                        </p:cTn>
+                                        <p:tgtEl>
+                                          <p:spTgt spid="9"/>
+                                        </p:tgtEl>
+                                        <p:attrNameLst>
+                                          <p:attrName>style.visibility</p:attrName>
+                                        </p:attrNameLst>
+                                      </p:cBhvr>
+                                      <p:to>
+                                        <p:strVal val="visible"/>
+                                      </p:to>
+                                    </p:set>
+                                    <p:animEffect transition="in" filter="fade">
+                                      <p:cBhvr>
+                                        <p:cTn id="7" dur="500"/>
+                                        <p:tgtEl>
+                                          <p:spTgt spid="9"/>
+                                        </p:tgtEl>
+                                      </p:cBhvr>
+                                    </p:animEffect>
+                                  </p:childTnLst>
+                                </p:cTn>
+                              </p:par>
+                            </p:childTnLst>
+                          </p:cTn>
+                        </p:par>
+                      </p:childTnLst>
+                    </p:cTn>
+                  </p:par>
+                  <p:par>
+                    <p:cTn id="8" fill="hold">
+                      <p:stCondLst>
+                        <p:cond delay="indefinite"/>
+                      </p:stCondLst>
+                      <p:childTnLst>
+                        <p:par>
+                          <p:cTn id="9" fill="hold">
+                            <p:stCondLst>
+                              <p:cond delay="0"/>
+                            </p:stCondLst>
+                            <p:childTnLst>
+                              <p:par>
+                                <p:cTn id="10" presetID="10" presetClass="entr" presetSubtype="0" fill="hold" grpId="0" nodeType="clickEffect">
+                                  <p:stCondLst>
+                                    <p:cond delay="0"/>
+                                  </p:stCondLst>
+                                  <p:childTnLst>
+                                    <p:set>
+                                      <p:cBhvr>
+                                        <p:cTn id="11" dur="1" fill="hold">
+                                          <p:stCondLst>
+                                            <p:cond delay="0"/>
+                                          </p:stCondLst>
+                                        </p:cTn>
+                                        <p:tgtEl>
+                                          <p:spTgt spid="4"/>
+                                        </p:tgtEl>
+                                        <p:attrNameLst>
+                                          <p:attrName>style.visibility</p:attrName>
+                                        </p:attrNameLst>
+                                      </p:cBhvr>
+                                      <p:to>
+                                        <p:strVal val="visible"/>
+                                      </p:to>
+                                    </p:set>
+                                    <p:animEffect transition="in" filter="fade">
+                                      <p:cBhvr>
+                                        <p:cTn id="12" dur="500"/>
+                                        <p:tgtEl>
+                                          <p:spTgt spid="4"/>
+                                        </p:tgtEl>
+                                      </p:cBhvr>
+                                    </p:animEffect>
+                                  </p:childTnLst>
+                                </p:cTn>
+                              </p:par>
+                            </p:childTnLst>
+                          </p:cTn>
+                        </p:par>
+                      </p:childTnLst>
+                    </p:cTn>
+                  </p:par>
+                  <p:par>
+                    <p:cTn id="13" fill="hold">
+                      <p:stCondLst>
+                        <p:cond delay="indefinite"/>
+                      </p:stCondLst>
+                      <p:childTnLst>
+                        <p:par>
+                          <p:cTn id="14" fill="hold">
+                            <p:stCondLst>
+                              <p:cond delay="0"/>
+                            </p:stCondLst>
+                            <p:childTnLst>
+                              <p:par>
+                                <p:cTn id="15" presetID="10" presetClass="entr" presetSubtype="0" fill="hold" grpId="0" nodeType="clickEffect">
+                                  <p:stCondLst>
+                                    <p:cond delay="0"/>
+                                  </p:stCondLst>
+                                  <p:childTnLst>
+                                    <p:set>
+                                      <p:cBhvr>
+                                        <p:cTn id="16" dur="1" fill="hold">
+                                          <p:stCondLst>
+                                            <p:cond delay="0"/>
+                                          </p:stCondLst>
+                                        </p:cTn>
+                                        <p:tgtEl>
+                                          <p:spTgt spid="5"/>
+                                        </p:tgtEl>
+                                        <p:attrNameLst>
+                                          <p:attrName>style.visibility</p:attrName>
+                                        </p:attrNameLst>
+                                      </p:cBhvr>
+                                      <p:to>
+                                        <p:strVal val="visible"/>
+                                      </p:to>
+                                    </p:set>
+                                    <p:animEffect transition="in" filter="fade">
+                                      <p:cBhvr>
+                                        <p:cTn id="17" dur="500"/>
+                                        <p:tgtEl>
+                                          <p:spTgt spid="5"/>
+                                        </p:tgtEl>
+                                      </p:cBhvr>
+                                    </p:animEffect>
+                                  </p:childTnLst>
+                                </p:cTn>
+                              </p:par>
+                            </p:childTnLst>
+                          </p:cTn>
+                        </p:par>
+                      </p:childTnLst>
+                    </p:cTn>
+                  </p:par>
+                  <p:par>
+                    <p:cTn id="18" fill="hold">
+                      <p:stCondLst>
+                        <p:cond delay="indefinite"/>
+                      </p:stCondLst>
+                      <p:childTnLst>
+                        <p:par>
+                          <p:cTn id="19" fill="hold">
+                            <p:stCondLst>
+                              <p:cond delay="0"/>
+                            </p:stCondLst>
+                            <p:childTnLst>
+                              <p:par>
+                                <p:cTn id="20" presetID="10" presetClass="entr" presetSubtype="0" fill="hold" grpId="0" nodeType="clickEffect">
+                                  <p:stCondLst>
+                                    <p:cond delay="0"/>
+                                  </p:stCondLst>
+                                  <p:childTnLst>
+                                    <p:set>
+                                      <p:cBhvr>
+                                        <p:cTn id="21" dur="1" fill="hold">
+                                          <p:stCondLst>
+                                            <p:cond delay="0"/>
+                                          </p:stCondLst>
+                                        </p:cTn>
+                                        <p:tgtEl>
+                                          <p:spTgt spid="6"/>
+                                        </p:tgtEl>
+                                        <p:attrNameLst>
+                                          <p:attrName>style.visibility</p:attrName>
+                                        </p:attrNameLst>
+                                      </p:cBhvr>
+                                      <p:to>
+                                        <p:strVal val="visible"/>
+                                      </p:to>
+                                    </p:set>
+                                    <p:animEffect transition="in" filter="fade">
+                                      <p:cBhvr>
+                                        <p:cTn id="22" dur="500"/>
+                                        <p:tgtEl>
+                                          <p:spTgt spid="6"/>
+                                        </p:tgtEl>
+                                      </p:cBhvr>
+                                    </p:animEffect>
+                                  </p:childTnLst>
+                                </p:cTn>
+                              </p:par>
+                            </p:childTnLst>
+                          </p:cTn>
+                        </p:par>
+                      </p:childTnLst>
+                    </p:cTn>
+                  </p:par>
+                  <p:par>
+                    <p:cTn id="23" fill="hold">
+                      <p:stCondLst>
+                        <p:cond delay="indefinite"/>
+                      </p:stCondLst>
+                      <p:childTnLst>
+                        <p:par>
+                          <p:cTn id="24" fill="hold">
+                            <p:stCondLst>
+                              <p:cond delay="0"/>
+                            </p:stCondLst>
+                            <p:childTnLst>
+                              <p:par>
+                                <p:cTn id="25" presetID="10" presetClass="entr" presetSubtype="0" fill="hold" grpId="0" nodeType="clickEffect">
+                                  <p:stCondLst>
+                                    <p:cond delay="0"/>
+                                  </p:stCondLst>
+                                  <p:childTnLst>
+                                    <p:set>
+                                      <p:cBhvr>
+                                        <p:cTn id="26" dur="1" fill="hold">
+                                          <p:stCondLst>
+                                            <p:cond delay="0"/>
+                                          </p:stCondLst>
+                                        </p:cTn>
+                                        <p:tgtEl>
+                                          <p:spTgt spid="7"/>
+                                        </p:tgtEl>
+                                        <p:attrNameLst>
+                                          <p:attrName>style.visibility</p:attrName>
+                                        </p:attrNameLst>
+                                      </p:cBhvr>
+                                      <p:to>
+                                        <p:strVal val="visible"/>
+                                      </p:to>
+                                    </p:set>
+                                    <p:animEffect transition="in" filter="fade">
+                                      <p:cBhvr>
+                                        <p:cTn id="27" dur="500"/>
+                                        <p:tgtEl>
+                                          <p:spTgt spid="7"/>
+                                        </p:tgtEl>
+                                      </p:cBhvr>
+                                    </p:animEffect>
+                                  </p:childTnLst>
+                                </p:cTn>
+                              </p:par>
+                            </p:childTnLst>
+                          </p:cTn>
+                        </p:par>
+                      </p:childTnLst>
+                    </p:cTn>
+                  </p:par>
+                  <p:par>
+                    <p:cTn id="28" fill="hold">
+                      <p:stCondLst>
+                        <p:cond delay="indefinite"/>
+                      </p:stCondLst>
+                      <p:childTnLst>
+                        <p:par>
+                          <p:cTn id="29" fill="hold">
+                            <p:stCondLst>
+                              <p:cond delay="0"/>
+                            </p:stCondLst>
+                            <p:childTnLst>
+                              <p:par>
+                                <p:cTn id="30" presetID="10" presetClass="entr" presetSubtype="0" fill="hold" grpId="0" nodeType="clickEffect">
+                                  <p:stCondLst>
+                                    <p:cond delay="0"/>
+                                  </p:stCondLst>
+                                  <p:childTnLst>
+                                    <p:set>
+                                      <p:cBhvr>
+                                        <p:cTn id="31" dur="1" fill="hold">
+                                          <p:stCondLst>
+                                            <p:cond delay="0"/>
+                                          </p:stCondLst>
+                                        </p:cTn>
+                                        <p:tgtEl>
+                                          <p:spTgt spid="8"/>
+                                        </p:tgtEl>
+                                        <p:attrNameLst>
+                                          <p:attrName>style.visibility</p:attrName>
+                                        </p:attrNameLst>
+                                      </p:cBhvr>
+                                      <p:to>
+                                        <p:strVal val="visible"/>
+                                      </p:to>
+                                    </p:set>
+                                    <p:animEffect transition="in" filter="fade">
+                                      <p:cBhvr>
+                                        <p:cTn id="32" dur="500"/>
+                                        <p:tgtEl>
+                                          <p:spTgt spid="8"/>
+                                        </p:tgtEl>
+                                      </p:cBhvr>
+                                    </p:animEffect>
+                                  </p:childTnLst>
+                                </p:cTn>
+                              </p:par>
+                            </p:childTnLst>
+                          </p:cTn>
+                        </p:par>
+                      </p:childTnLst>
+                    </p:cTn>
+                  </p:par>
+                  <p:par>
+                    <p:cTn id="33" fill="hold">
+                      <p:stCondLst>
+                        <p:cond delay="indefinite"/>
+                      </p:stCondLst>
+                      <p:childTnLst>
+                        <p:par>
+                          <p:cTn id="34" fill="hold">
+                            <p:stCondLst>
+                              <p:cond delay="0"/>
+                            </p:stCondLst>
+                            <p:childTnLst>
+                              <p:par>
+                                <p:cTn id="35" presetID="1" presetClass="entr" presetSubtype="0" fill="hold" nodeType="clickEffect">
+                                  <p:stCondLst>
+                                    <p:cond delay="0"/>
+                                  </p:stCondLst>
+                                  <p:childTnLst>
+                                    <p:set>
+                                      <p:cBhvr>
+                                        <p:cTn id="36" dur="1" fill="hold">
+                                          <p:stCondLst>
+                                            <p:cond delay="0"/>
+                                          </p:stCondLst>
+                                        </p:cTn>
+                                        <p:tgtEl>
+                                          <p:spTgt spid="11"/>
+                                        </p:tgtEl>
+                                        <p:attrNameLst>
+                                          <p:attrName>style.visibility</p:attrName>
+                                        </p:attrNameLst>
+                                      </p:cBhvr>
+                                      <p:to>
+                                        <p:strVal val="visible"/>
+                                      </p:to>
+                                    </p:set>
+                                  </p:childTnLst>
+                                </p:cTn>
+                              </p:par>
+                            </p:childTnLst>
+                          </p:cTn>
+                        </p:par>
+                      </p:childTnLst>
+                    </p:cTn>
+                  </p:par>
+                  <p:par>
+                    <p:cTn id="37" fill="hold">
+                      <p:stCondLst>
+                        <p:cond delay="indefinite"/>
+                      </p:stCondLst>
+                      <p:childTnLst>
+                        <p:par>
+                          <p:cTn id="38" fill="hold">
+                            <p:stCondLst>
+                              <p:cond delay="0"/>
+                            </p:stCondLst>
+                            <p:childTnLst>
+                              <p:par>
+                                <p:cTn id="39" presetID="1" presetClass="entr" presetSubtype="0" fill="hold" nodeType="clickEffect">
+                                  <p:stCondLst>
+                                    <p:cond delay="0"/>
+                                  </p:stCondLst>
+                                  <p:childTnLst>
+                                    <p:set>
+                                      <p:cBhvr>
+                                        <p:cTn id="40" dur="1" fill="hold">
+                                          <p:stCondLst>
+                                            <p:cond delay="0"/>
+                                          </p:stCondLst>
+                                        </p:cTn>
+                                        <p:tgtEl>
+                                          <p:spTgt spid="13"/>
+                                        </p:tgtEl>
+                                        <p:attrNameLst>
+                                          <p:attrName>style.visibility</p:attrName>
+                                        </p:attrNameLst>
+                                      </p:cBhvr>
+                                      <p:to>
+                                        <p:strVal val="visible"/>
+                                      </p:to>
+                                    </p:set>
+                                  </p:childTnLst>
+                                </p:cTn>
+                              </p:par>
+                            </p:childTnLst>
+                          </p:cTn>
+                        </p:par>
+                      </p:childTnLst>
+                    </p:cTn>
+                  </p:par>
+                  <p:par>
+                    <p:cTn id="41" fill="hold">
+                      <p:stCondLst>
+                        <p:cond delay="indefinite"/>
+                      </p:stCondLst>
+                      <p:childTnLst>
+                        <p:par>
+                          <p:cTn id="42" fill="hold">
+                            <p:stCondLst>
+                              <p:cond delay="0"/>
+                            </p:stCondLst>
+                            <p:childTnLst>
+                              <p:par>
+                                <p:cTn id="43" presetID="1" presetClass="entr" presetSubtype="0" fill="hold" nodeType="clickEffect">
+                                  <p:stCondLst>
+                                    <p:cond delay="0"/>
+                                  </p:stCondLst>
+                                  <p:childTnLst>
+                                    <p:set>
+                                      <p:cBhvr>
+                                        <p:cTn id="44" dur="1" fill="hold">
+                                          <p:stCondLst>
+                                            <p:cond delay="0"/>
+                                          </p:stCondLst>
+                                        </p:cTn>
+                                        <p:tgtEl>
+                                          <p:spTgt spid="15"/>
+                                        </p:tgtEl>
+                                        <p:attrNameLst>
+                                          <p:attrName>style.visibility</p:attrName>
+                                        </p:attrNameLst>
+                                      </p:cBhvr>
+                                      <p:to>
+                                        <p:strVal val="visible"/>
+                                      </p:to>
+                                    </p:set>
+                                  </p:childTnLst>
+                                </p:cTn>
+                              </p:par>
+                            </p:childTnLst>
+                          </p:cTn>
+                        </p:par>
+                      </p:childTnLst>
+                    </p:cTn>
+                  </p:par>
+                  <p:par>
+                    <p:cTn id="45" fill="hold">
+                      <p:stCondLst>
+                        <p:cond delay="indefinite"/>
+                      </p:stCondLst>
+                      <p:childTnLst>
+                        <p:par>
+                          <p:cTn id="46" fill="hold">
+                            <p:stCondLst>
+                              <p:cond delay="0"/>
+                            </p:stCondLst>
+                            <p:childTnLst>
+                              <p:par>
+                                <p:cTn id="47" presetID="6" presetClass="entr" presetSubtype="16" fill="hold" grpId="0" nodeType="clickEffect">
+                                  <p:stCondLst>
+                                    <p:cond delay="0"/>
+                                  </p:stCondLst>
+                                  <p:childTnLst>
+                                    <p:set>
+                                      <p:cBhvr>
+                                        <p:cTn id="48" dur="1" fill="hold">
+                                          <p:stCondLst>
+                                            <p:cond delay="0"/>
+                                          </p:stCondLst>
+                                        </p:cTn>
+                                        <p:tgtEl>
+                                          <p:spTgt spid="16"/>
+                                        </p:tgtEl>
+                                        <p:attrNameLst>
+                                          <p:attrName>style.visibility</p:attrName>
+                                        </p:attrNameLst>
+                                      </p:cBhvr>
+                                      <p:to>
+                                        <p:strVal val="visible"/>
+                                      </p:to>
+                                    </p:set>
+                                    <p:animEffect transition="in" filter="circle(in)">
+                                      <p:cBhvr>
+                                        <p:cTn id="49" dur="2000"/>
+                                        <p:tgtEl>
+                                          <p:spTgt spid="16"/>
+                                        </p:tgtEl>
+                                      </p:cBhvr>
+                                    </p:animEffect>
+                                  </p:childTnLst>
+                                </p:cTn>
+                              </p:par>
+                            </p:childTnLst>
+                          </p:cTn>
+                        </p:par>
+                      </p:childTnLst>
+                    </p:cTn>
+                  </p:par>
+                  <p:par>
+                    <p:cTn id="50" fill="hold">
+                      <p:stCondLst>
+                        <p:cond delay="indefinite"/>
+                      </p:stCondLst>
+                      <p:childTnLst>
+                        <p:par>
+                          <p:cTn id="51" fill="hold">
+                            <p:stCondLst>
+                              <p:cond delay="0"/>
+                            </p:stCondLst>
+                            <p:childTnLst>
+                              <p:par>
+                                <p:cTn id="52" presetID="10" presetClass="entr" presetSubtype="0" fill="hold" nodeType="clickEffect">
+                                  <p:stCondLst>
+                                    <p:cond delay="0"/>
+                                  </p:stCondLst>
+                                  <p:childTnLst>
+                                    <p:set>
+                                      <p:cBhvr>
+                                        <p:cTn id="53" dur="1" fill="hold">
+                                          <p:stCondLst>
+                                            <p:cond delay="0"/>
+                                          </p:stCondLst>
+                                        </p:cTn>
+                                        <p:tgtEl>
+                                          <p:spTgt spid="17"/>
+                                        </p:tgtEl>
+                                        <p:attrNameLst>
+                                          <p:attrName>style.visibility</p:attrName>
+                                        </p:attrNameLst>
+                                      </p:cBhvr>
+                                      <p:to>
+                                        <p:strVal val="visible"/>
+                                      </p:to>
+                                    </p:set>
+                                    <p:animEffect transition="in" filter="fade">
+                                      <p:cBhvr>
+                                        <p:cTn id="54" dur="500"/>
+                                        <p:tgtEl>
+                                          <p:spTgt spid="17"/>
+                                        </p:tgtEl>
+                                      </p:cBhvr>
+                                    </p:animEffect>
+                                  </p:childTnLst>
+                                </p:cTn>
+                              </p:par>
+                            </p:childTnLst>
+                          </p:cTn>
+                        </p:par>
+                      </p:childTnLst>
+                    </p:cTn>
+                  </p:par>
+                  <p:par>
+                    <p:cTn id="55" fill="hold">
+                      <p:stCondLst>
+                        <p:cond delay="indefinite"/>
+                      </p:stCondLst>
+                      <p:childTnLst>
+                        <p:par>
+                          <p:cTn id="56" fill="hold">
+                            <p:stCondLst>
+                              <p:cond delay="0"/>
+                            </p:stCondLst>
+                            <p:childTnLst>
+                              <p:par>
+                                <p:cTn id="57" presetID="10" presetClass="entr" presetSubtype="0" fill="hold" nodeType="clickEffect">
+                                  <p:stCondLst>
+                                    <p:cond delay="0"/>
+                                  </p:stCondLst>
+                                  <p:childTnLst>
+                                    <p:set>
+                                      <p:cBhvr>
+                                        <p:cTn id="58" dur="1" fill="hold">
+                                          <p:stCondLst>
+                                            <p:cond delay="0"/>
+                                          </p:stCondLst>
+                                        </p:cTn>
+                                        <p:tgtEl>
+                                          <p:spTgt spid="14"/>
+                                        </p:tgtEl>
+                                        <p:attrNameLst>
+                                          <p:attrName>style.visibility</p:attrName>
+                                        </p:attrNameLst>
+                                      </p:cBhvr>
+                                      <p:to>
+                                        <p:strVal val="visible"/>
+                                      </p:to>
+                                    </p:set>
+                                    <p:animEffect transition="in" filter="fade">
+                                      <p:cBhvr>
+                                        <p:cTn id="59" dur="500"/>
+                                        <p:tgtEl>
+                                          <p:spTgt spid="14"/>
+                                        </p:tgtEl>
+                                      </p:cBhvr>
+                                    </p:animEffect>
+                                  </p:childTnLst>
+                                </p:cTn>
+                              </p:par>
+                            </p:childTnLst>
+                          </p:cTn>
+                        </p:par>
+                      </p:childTnLst>
+                    </p:cTn>
+                  </p:par>
+                </p:childTnLst>
+              </p:cTn>
+              <p:prevCondLst>
+                <p:cond evt="onPrev" delay="0">
+                  <p:tgtEl>
+                    <p:sldTgt/>
+                  </p:tgtEl>
+                </p:cond>
+              </p:prevCondLst>
+              <p:nextCondLst>
+                <p:cond evt="onNext" delay="0">
+                  <p:tgtEl>
+                    <p:sldTgt/>
+                  </p:tgtEl>
+                </p:cond>
+              </p:nextCondLst>
+            </p:seq>
+          </p:childTnLst>
+        </p:cTn>
+      </p:par>
+    </p:tnLst>
+    <p:bldLst>
+      <p:bldP spid="4" grpId="0" animBg="1"/>
+      <p:bldP spid="5" grpId="0" animBg="1"/>
+      <p:bldP spid="6" grpId="0" animBg="1"/>
+      <p:bldP spid="7" grpId="0" animBg="1"/>
+      <p:bldP spid="8" grpId="0" animBg="1"/>
+      <p:bldP spid="9" grpId="0" animBg="1"/>
+      <p:bldP spid="16" grpId="0" animBg="1"/>
+    </p:bldLst>
+  </p:timing>
+</p:sld>
+</file>
+
+<file path=ppt/slides/slide32.xml><?xml version="1.0" encoding="utf-8"?>
+<p:sld xmlns:a="http://schemas.openxmlformats.org/drawingml/2006/main" xmlns:r="http://schemas.openxmlformats.org/officeDocument/2006/relationships" xmlns:p="http://schemas.openxmlformats.org/presentationml/2006/main">
+  <p:cSld>
+    <p:spTree>
+      <p:nvGrpSpPr>
+        <p:cNvPr id="1" name=""/>
+        <p:cNvGrpSpPr/>
+        <p:nvPr/>
+      </p:nvGrpSpPr>
+      <p:grpSpPr>
+        <a:xfrm>
+          <a:off x="0" y="0"/>
+          <a:ext cx="0" cy="0"/>
+          <a:chOff x="0" y="0"/>
+          <a:chExt cx="0" cy="0"/>
+        </a:xfrm>
+      </p:grpSpPr>
+      <p:pic>
+        <p:nvPicPr>
+          <p:cNvPr id="3" name="Picture 2">
+            <a:extLst>
+              <a:ext uri="{FF2B5EF4-FFF2-40B4-BE49-F238E27FC236}">
+                <a16:creationId xmlns:a16="http://schemas.microsoft.com/office/drawing/2014/main" id="{6799E6CE-01AC-4B29-BFB9-95DDD95CC6D4}"/>
+              </a:ext>
+            </a:extLst>
+          </p:cNvPr>
+          <p:cNvPicPr>
+            <a:picLocks noChangeAspect="1"/>
+          </p:cNvPicPr>
+          <p:nvPr/>
+        </p:nvPicPr>
+        <p:blipFill>
+          <a:blip r:embed="rId2"/>
+          <a:stretch>
+            <a:fillRect/>
+          </a:stretch>
+        </p:blipFill>
+        <p:spPr>
+          <a:xfrm>
+            <a:off x="0" y="0"/>
+            <a:ext cx="12192000" cy="6858000"/>
+          </a:xfrm>
+          <a:prstGeom prst="rect">
+            <a:avLst/>
+          </a:prstGeom>
+        </p:spPr>
+      </p:pic>
+    </p:spTree>
+    <p:extLst>
+      <p:ext uri="{BB962C8B-B14F-4D97-AF65-F5344CB8AC3E}">
+        <p14:creationId xmlns:p14="http://schemas.microsoft.com/office/powerpoint/2010/main" val="3749934522"/>
+      </p:ext>
+    </p:extLst>
+  </p:cSld>
+  <p:clrMapOvr>
+    <a:masterClrMapping/>
+  </p:clrMapOvr>
+</p:sld>
+</file>
+
+<file path=ppt/slides/slide33.xml><?xml version="1.0" encoding="utf-8"?>
+<p:sld xmlns:a="http://schemas.openxmlformats.org/drawingml/2006/main" xmlns:r="http://schemas.openxmlformats.org/officeDocument/2006/relationships" xmlns:p="http://schemas.openxmlformats.org/presentationml/2006/main">
+  <p:cSld>
+    <p:spTree>
+      <p:nvGrpSpPr>
+        <p:cNvPr id="1" name=""/>
+        <p:cNvGrpSpPr/>
+        <p:nvPr/>
+      </p:nvGrpSpPr>
+      <p:grpSpPr>
+        <a:xfrm>
+          <a:off x="0" y="0"/>
+          <a:ext cx="0" cy="0"/>
+          <a:chOff x="0" y="0"/>
+          <a:chExt cx="0" cy="0"/>
+        </a:xfrm>
+      </p:grpSpPr>
+      <p:sp>
+        <p:nvSpPr>
+          <p:cNvPr id="2" name="Rectangle 1">
+            <a:extLst>
+              <a:ext uri="{FF2B5EF4-FFF2-40B4-BE49-F238E27FC236}">
+                <a16:creationId xmlns:a16="http://schemas.microsoft.com/office/drawing/2014/main" id="{B971AEEB-8986-4763-9521-D154009F62FA}"/>
+              </a:ext>
+            </a:extLst>
+          </p:cNvPr>
+          <p:cNvSpPr/>
+          <p:nvPr/>
+        </p:nvSpPr>
+        <p:spPr>
+          <a:xfrm>
+            <a:off x="503339" y="914399"/>
+            <a:ext cx="1661021" cy="604007"/>
+          </a:xfrm>
+          <a:prstGeom prst="rect">
+            <a:avLst/>
+          </a:prstGeom>
+        </p:spPr>
+        <p:style>
+          <a:lnRef idx="2">
+            <a:schemeClr val="accent1">
+              <a:shade val="50000"/>
+            </a:schemeClr>
+          </a:lnRef>
+          <a:fillRef idx="1">
+            <a:schemeClr val="accent1"/>
+          </a:fillRef>
+          <a:effectRef idx="0">
+            <a:schemeClr val="accent1"/>
+          </a:effectRef>
+          <a:fontRef idx="minor">
+            <a:schemeClr val="lt1"/>
+          </a:fontRef>
+        </p:style>
+        <p:txBody>
+          <a:bodyPr rtlCol="0" anchor="ctr"/>
+          <a:lstStyle/>
+          <a:p>
+            <a:pPr algn="ctr"/>
+            <a:r>
+              <a:rPr lang="en-US"/>
+              <a:t>product</a:t>
+            </a:r>
+          </a:p>
+        </p:txBody>
+      </p:sp>
+      <p:grpSp>
+        <p:nvGrpSpPr>
+          <p:cNvPr id="54" name="Group 53">
+            <a:extLst>
+              <a:ext uri="{FF2B5EF4-FFF2-40B4-BE49-F238E27FC236}">
+                <a16:creationId xmlns:a16="http://schemas.microsoft.com/office/drawing/2014/main" id="{E1F962C0-6126-4524-B185-F4AECEB0F8AA}"/>
+              </a:ext>
+            </a:extLst>
+          </p:cNvPr>
+          <p:cNvGrpSpPr/>
+          <p:nvPr/>
+        </p:nvGrpSpPr>
+        <p:grpSpPr>
+          <a:xfrm>
+            <a:off x="3179428" y="914399"/>
+            <a:ext cx="2048311" cy="2360102"/>
+            <a:chOff x="3179428" y="914399"/>
+            <a:chExt cx="2048311" cy="2360102"/>
+          </a:xfrm>
+        </p:grpSpPr>
+        <p:sp>
+          <p:nvSpPr>
+            <p:cNvPr id="3" name="Rectangle 2">
+              <a:extLst>
+                <a:ext uri="{FF2B5EF4-FFF2-40B4-BE49-F238E27FC236}">
+                  <a16:creationId xmlns:a16="http://schemas.microsoft.com/office/drawing/2014/main" id="{F5910A61-83F2-4E22-BE80-6BE947310D4B}"/>
+                </a:ext>
+              </a:extLst>
+            </p:cNvPr>
+            <p:cNvSpPr/>
+            <p:nvPr/>
+          </p:nvSpPr>
+          <p:spPr>
+            <a:xfrm>
+              <a:off x="3179428" y="914399"/>
+              <a:ext cx="2030135" cy="620785"/>
+            </a:xfrm>
+            <a:prstGeom prst="rect">
+              <a:avLst/>
+            </a:prstGeom>
+          </p:spPr>
+          <p:style>
+            <a:lnRef idx="2">
+              <a:schemeClr val="accent4">
+                <a:shade val="50000"/>
+              </a:schemeClr>
+            </a:lnRef>
+            <a:fillRef idx="1">
+              <a:schemeClr val="accent4"/>
+            </a:fillRef>
+            <a:effectRef idx="0">
+              <a:schemeClr val="accent4"/>
+            </a:effectRef>
+            <a:fontRef idx="minor">
+              <a:schemeClr val="lt1"/>
+            </a:fontRef>
+          </p:style>
+          <p:txBody>
+            <a:bodyPr rtlCol="0" anchor="ctr"/>
+            <a:lstStyle/>
+            <a:p>
+              <a:pPr algn="ctr"/>
+              <a:r>
+                <a:rPr lang="en-US"/>
+                <a:t>Variant1</a:t>
+              </a:r>
+            </a:p>
+            <a:p>
+              <a:pPr algn="ctr"/>
+              <a:r>
+                <a:rPr lang="en-US">
+                  <a:solidFill>
+                    <a:schemeClr val="tx1"/>
+                  </a:solidFill>
+                </a:rPr>
+                <a:t>SKU, price, stock…</a:t>
+              </a:r>
+            </a:p>
+          </p:txBody>
+        </p:sp>
+        <p:sp>
+          <p:nvSpPr>
+            <p:cNvPr id="4" name="Rectangle 3">
+              <a:extLst>
+                <a:ext uri="{FF2B5EF4-FFF2-40B4-BE49-F238E27FC236}">
+                  <a16:creationId xmlns:a16="http://schemas.microsoft.com/office/drawing/2014/main" id="{DA9A6713-A423-4F49-8CB8-4B4CE4B9B6AA}"/>
+                </a:ext>
+              </a:extLst>
+            </p:cNvPr>
+            <p:cNvSpPr/>
+            <p:nvPr/>
+          </p:nvSpPr>
+          <p:spPr>
+            <a:xfrm>
+              <a:off x="3197604" y="1784057"/>
+              <a:ext cx="2030135" cy="620785"/>
+            </a:xfrm>
+            <a:prstGeom prst="rect">
+              <a:avLst/>
+            </a:prstGeom>
+          </p:spPr>
+          <p:style>
+            <a:lnRef idx="2">
+              <a:schemeClr val="accent4">
+                <a:shade val="50000"/>
+              </a:schemeClr>
+            </a:lnRef>
+            <a:fillRef idx="1">
+              <a:schemeClr val="accent4"/>
+            </a:fillRef>
+            <a:effectRef idx="0">
+              <a:schemeClr val="accent4"/>
+            </a:effectRef>
+            <a:fontRef idx="minor">
+              <a:schemeClr val="lt1"/>
+            </a:fontRef>
+          </p:style>
+          <p:txBody>
+            <a:bodyPr rtlCol="0" anchor="ctr"/>
+            <a:lstStyle/>
+            <a:p>
+              <a:pPr algn="ctr"/>
+              <a:r>
+                <a:rPr lang="en-US"/>
+                <a:t>Variant2</a:t>
+              </a:r>
+            </a:p>
+            <a:p>
+              <a:pPr algn="ctr"/>
+              <a:r>
+                <a:rPr lang="en-US">
+                  <a:solidFill>
+                    <a:schemeClr val="tx1"/>
+                  </a:solidFill>
+                </a:rPr>
+                <a:t>SKU, price, stock…</a:t>
+              </a:r>
+            </a:p>
+          </p:txBody>
+        </p:sp>
+        <p:sp>
+          <p:nvSpPr>
+            <p:cNvPr id="5" name="Rectangle 4">
+              <a:extLst>
+                <a:ext uri="{FF2B5EF4-FFF2-40B4-BE49-F238E27FC236}">
+                  <a16:creationId xmlns:a16="http://schemas.microsoft.com/office/drawing/2014/main" id="{0C10BFBA-BA7D-4971-92D6-AA71EF6A55E6}"/>
+                </a:ext>
+              </a:extLst>
+            </p:cNvPr>
+            <p:cNvSpPr/>
+            <p:nvPr/>
+          </p:nvSpPr>
+          <p:spPr>
+            <a:xfrm>
+              <a:off x="3179428" y="2653716"/>
+              <a:ext cx="2030135" cy="620785"/>
+            </a:xfrm>
+            <a:prstGeom prst="rect">
+              <a:avLst/>
+            </a:prstGeom>
+          </p:spPr>
+          <p:style>
+            <a:lnRef idx="2">
+              <a:schemeClr val="accent4">
+                <a:shade val="50000"/>
+              </a:schemeClr>
+            </a:lnRef>
+            <a:fillRef idx="1">
+              <a:schemeClr val="accent4"/>
+            </a:fillRef>
+            <a:effectRef idx="0">
+              <a:schemeClr val="accent4"/>
+            </a:effectRef>
+            <a:fontRef idx="minor">
+              <a:schemeClr val="lt1"/>
+            </a:fontRef>
+          </p:style>
+          <p:txBody>
+            <a:bodyPr rtlCol="0" anchor="ctr"/>
+            <a:lstStyle/>
+            <a:p>
+              <a:pPr algn="ctr"/>
+              <a:r>
+                <a:rPr lang="en-US"/>
+                <a:t>Variant3</a:t>
+              </a:r>
+            </a:p>
+            <a:p>
+              <a:pPr algn="ctr"/>
+              <a:r>
+                <a:rPr lang="en-US">
+                  <a:solidFill>
+                    <a:schemeClr val="tx1"/>
+                  </a:solidFill>
+                </a:rPr>
+                <a:t>SKU, price, stock…</a:t>
+              </a:r>
+            </a:p>
+          </p:txBody>
+        </p:sp>
+      </p:grpSp>
+      <p:grpSp>
+        <p:nvGrpSpPr>
+          <p:cNvPr id="55" name="Group 54">
+            <a:extLst>
+              <a:ext uri="{FF2B5EF4-FFF2-40B4-BE49-F238E27FC236}">
+                <a16:creationId xmlns:a16="http://schemas.microsoft.com/office/drawing/2014/main" id="{C8E1EF61-5EA3-4B1D-8525-BEFE38891D5B}"/>
+              </a:ext>
+            </a:extLst>
+          </p:cNvPr>
+          <p:cNvGrpSpPr/>
+          <p:nvPr/>
+        </p:nvGrpSpPr>
+        <p:grpSpPr>
+          <a:xfrm>
+            <a:off x="2164360" y="1216403"/>
+            <a:ext cx="1033244" cy="1747706"/>
+            <a:chOff x="2164360" y="1216403"/>
+            <a:chExt cx="1033244" cy="1747706"/>
+          </a:xfrm>
+        </p:grpSpPr>
+        <p:cxnSp>
+          <p:nvCxnSpPr>
+            <p:cNvPr id="8" name="Straight Arrow Connector 7">
+              <a:extLst>
+                <a:ext uri="{FF2B5EF4-FFF2-40B4-BE49-F238E27FC236}">
+                  <a16:creationId xmlns:a16="http://schemas.microsoft.com/office/drawing/2014/main" id="{DF379164-F8DD-483E-B203-722198ABD3B7}"/>
+                </a:ext>
+              </a:extLst>
+            </p:cNvPr>
+            <p:cNvCxnSpPr>
+              <a:stCxn id="2" idx="3"/>
+              <a:endCxn id="3" idx="1"/>
+            </p:cNvCxnSpPr>
+            <p:nvPr/>
+          </p:nvCxnSpPr>
+          <p:spPr>
+            <a:xfrm>
+              <a:off x="2164360" y="1216403"/>
+              <a:ext cx="1015068" cy="8389"/>
+            </a:xfrm>
+            <a:prstGeom prst="straightConnector1">
+              <a:avLst/>
+            </a:prstGeom>
+            <a:ln>
+              <a:tailEnd type="triangle"/>
+            </a:ln>
+          </p:spPr>
+          <p:style>
+            <a:lnRef idx="1">
+              <a:schemeClr val="accent1"/>
+            </a:lnRef>
+            <a:fillRef idx="0">
+              <a:schemeClr val="accent1"/>
+            </a:fillRef>
+            <a:effectRef idx="0">
+              <a:schemeClr val="accent1"/>
+            </a:effectRef>
+            <a:fontRef idx="minor">
+              <a:schemeClr val="tx1"/>
+            </a:fontRef>
+          </p:style>
+        </p:cxnSp>
+        <p:cxnSp>
+          <p:nvCxnSpPr>
+            <p:cNvPr id="10" name="Straight Arrow Connector 9">
+              <a:extLst>
+                <a:ext uri="{FF2B5EF4-FFF2-40B4-BE49-F238E27FC236}">
+                  <a16:creationId xmlns:a16="http://schemas.microsoft.com/office/drawing/2014/main" id="{FBC4834B-18CC-4BBB-A515-D22092178D30}"/>
+                </a:ext>
+              </a:extLst>
+            </p:cNvPr>
+            <p:cNvCxnSpPr>
+              <a:stCxn id="2" idx="3"/>
+              <a:endCxn id="4" idx="1"/>
+            </p:cNvCxnSpPr>
+            <p:nvPr/>
+          </p:nvCxnSpPr>
+          <p:spPr>
+            <a:xfrm>
+              <a:off x="2164360" y="1216403"/>
+              <a:ext cx="1033244" cy="878047"/>
+            </a:xfrm>
+            <a:prstGeom prst="straightConnector1">
+              <a:avLst/>
+            </a:prstGeom>
+            <a:ln>
+              <a:tailEnd type="triangle"/>
+            </a:ln>
+          </p:spPr>
+          <p:style>
+            <a:lnRef idx="1">
+              <a:schemeClr val="accent1"/>
+            </a:lnRef>
+            <a:fillRef idx="0">
+              <a:schemeClr val="accent1"/>
+            </a:fillRef>
+            <a:effectRef idx="0">
+              <a:schemeClr val="accent1"/>
+            </a:effectRef>
+            <a:fontRef idx="minor">
+              <a:schemeClr val="tx1"/>
+            </a:fontRef>
+          </p:style>
+        </p:cxnSp>
+        <p:cxnSp>
+          <p:nvCxnSpPr>
+            <p:cNvPr id="12" name="Straight Arrow Connector 11">
+              <a:extLst>
+                <a:ext uri="{FF2B5EF4-FFF2-40B4-BE49-F238E27FC236}">
+                  <a16:creationId xmlns:a16="http://schemas.microsoft.com/office/drawing/2014/main" id="{FF4BE838-CC74-446D-822F-34252CCA9B6E}"/>
+                </a:ext>
+              </a:extLst>
+            </p:cNvPr>
+            <p:cNvCxnSpPr>
+              <a:stCxn id="2" idx="3"/>
+              <a:endCxn id="5" idx="1"/>
+            </p:cNvCxnSpPr>
+            <p:nvPr/>
+          </p:nvCxnSpPr>
+          <p:spPr>
+            <a:xfrm>
+              <a:off x="2164360" y="1216403"/>
+              <a:ext cx="1015068" cy="1747706"/>
+            </a:xfrm>
+            <a:prstGeom prst="straightConnector1">
+              <a:avLst/>
+            </a:prstGeom>
+            <a:ln>
+              <a:tailEnd type="triangle"/>
+            </a:ln>
+          </p:spPr>
+          <p:style>
+            <a:lnRef idx="1">
+              <a:schemeClr val="accent1"/>
+            </a:lnRef>
+            <a:fillRef idx="0">
+              <a:schemeClr val="accent1"/>
+            </a:fillRef>
+            <a:effectRef idx="0">
+              <a:schemeClr val="accent1"/>
+            </a:effectRef>
+            <a:fontRef idx="minor">
+              <a:schemeClr val="tx1"/>
+            </a:fontRef>
+          </p:style>
+        </p:cxnSp>
+      </p:grpSp>
+      <p:grpSp>
+        <p:nvGrpSpPr>
+          <p:cNvPr id="56" name="Group 55">
+            <a:extLst>
+              <a:ext uri="{FF2B5EF4-FFF2-40B4-BE49-F238E27FC236}">
+                <a16:creationId xmlns:a16="http://schemas.microsoft.com/office/drawing/2014/main" id="{68A053FD-B50C-4881-83CA-C33C21A72895}"/>
+              </a:ext>
+            </a:extLst>
+          </p:cNvPr>
+          <p:cNvGrpSpPr/>
+          <p:nvPr/>
+        </p:nvGrpSpPr>
+        <p:grpSpPr>
+          <a:xfrm>
+            <a:off x="6551799" y="914399"/>
+            <a:ext cx="1719746" cy="2360102"/>
+            <a:chOff x="6551799" y="914399"/>
+            <a:chExt cx="1719746" cy="2360102"/>
+          </a:xfrm>
+        </p:grpSpPr>
+        <p:sp>
+          <p:nvSpPr>
+            <p:cNvPr id="13" name="Rectangle 12">
+              <a:extLst>
+                <a:ext uri="{FF2B5EF4-FFF2-40B4-BE49-F238E27FC236}">
+                  <a16:creationId xmlns:a16="http://schemas.microsoft.com/office/drawing/2014/main" id="{E8A95789-5C3C-40F0-8FEE-A77B872ECBE0}"/>
+                </a:ext>
+              </a:extLst>
+            </p:cNvPr>
+            <p:cNvSpPr/>
+            <p:nvPr/>
+          </p:nvSpPr>
+          <p:spPr>
+            <a:xfrm>
+              <a:off x="6551802" y="914399"/>
+              <a:ext cx="1719743" cy="394284"/>
+            </a:xfrm>
+            <a:prstGeom prst="rect">
+              <a:avLst/>
+            </a:prstGeom>
+          </p:spPr>
+          <p:style>
+            <a:lnRef idx="2">
+              <a:schemeClr val="accent6">
+                <a:shade val="50000"/>
+              </a:schemeClr>
+            </a:lnRef>
+            <a:fillRef idx="1">
+              <a:schemeClr val="accent6"/>
+            </a:fillRef>
+            <a:effectRef idx="0">
+              <a:schemeClr val="accent6"/>
+            </a:effectRef>
+            <a:fontRef idx="minor">
+              <a:schemeClr val="lt1"/>
+            </a:fontRef>
+          </p:style>
+          <p:txBody>
+            <a:bodyPr rtlCol="0" anchor="ctr"/>
+            <a:lstStyle/>
+            <a:p>
+              <a:pPr algn="ctr"/>
+              <a:r>
+                <a:rPr lang="en-US"/>
+                <a:t>Color</a:t>
+              </a:r>
+            </a:p>
+          </p:txBody>
+        </p:sp>
+        <p:sp>
+          <p:nvSpPr>
+            <p:cNvPr id="14" name="Rectangle 13">
+              <a:extLst>
+                <a:ext uri="{FF2B5EF4-FFF2-40B4-BE49-F238E27FC236}">
+                  <a16:creationId xmlns:a16="http://schemas.microsoft.com/office/drawing/2014/main" id="{AF556803-BE1D-473E-B25D-AF106EAFB339}"/>
+                </a:ext>
+              </a:extLst>
+            </p:cNvPr>
+            <p:cNvSpPr/>
+            <p:nvPr/>
+          </p:nvSpPr>
+          <p:spPr>
+            <a:xfrm>
+              <a:off x="6551799" y="1569672"/>
+              <a:ext cx="1719743" cy="394284"/>
+            </a:xfrm>
+            <a:prstGeom prst="rect">
+              <a:avLst/>
+            </a:prstGeom>
+          </p:spPr>
+          <p:style>
+            <a:lnRef idx="2">
+              <a:schemeClr val="accent6">
+                <a:shade val="50000"/>
+              </a:schemeClr>
+            </a:lnRef>
+            <a:fillRef idx="1">
+              <a:schemeClr val="accent6"/>
+            </a:fillRef>
+            <a:effectRef idx="0">
+              <a:schemeClr val="accent6"/>
+            </a:effectRef>
+            <a:fontRef idx="minor">
+              <a:schemeClr val="lt1"/>
+            </a:fontRef>
+          </p:style>
+          <p:txBody>
+            <a:bodyPr rtlCol="0" anchor="ctr"/>
+            <a:lstStyle/>
+            <a:p>
+              <a:pPr algn="ctr"/>
+              <a:r>
+                <a:rPr lang="en-US"/>
+                <a:t>Size</a:t>
+              </a:r>
+            </a:p>
+          </p:txBody>
+        </p:sp>
+        <p:sp>
+          <p:nvSpPr>
+            <p:cNvPr id="15" name="Rectangle 14">
+              <a:extLst>
+                <a:ext uri="{FF2B5EF4-FFF2-40B4-BE49-F238E27FC236}">
+                  <a16:creationId xmlns:a16="http://schemas.microsoft.com/office/drawing/2014/main" id="{4AC9A59E-A799-4616-8733-3450B4BB6D98}"/>
+                </a:ext>
+              </a:extLst>
+            </p:cNvPr>
+            <p:cNvSpPr/>
+            <p:nvPr/>
+          </p:nvSpPr>
+          <p:spPr>
+            <a:xfrm>
+              <a:off x="6551800" y="2224945"/>
+              <a:ext cx="1719743" cy="394284"/>
+            </a:xfrm>
+            <a:prstGeom prst="rect">
+              <a:avLst/>
+            </a:prstGeom>
+          </p:spPr>
+          <p:style>
+            <a:lnRef idx="2">
+              <a:schemeClr val="accent6">
+                <a:shade val="50000"/>
+              </a:schemeClr>
+            </a:lnRef>
+            <a:fillRef idx="1">
+              <a:schemeClr val="accent6"/>
+            </a:fillRef>
+            <a:effectRef idx="0">
+              <a:schemeClr val="accent6"/>
+            </a:effectRef>
+            <a:fontRef idx="minor">
+              <a:schemeClr val="lt1"/>
+            </a:fontRef>
+          </p:style>
+          <p:txBody>
+            <a:bodyPr rtlCol="0" anchor="ctr"/>
+            <a:lstStyle/>
+            <a:p>
+              <a:pPr algn="ctr"/>
+              <a:r>
+                <a:rPr lang="en-US"/>
+                <a:t>Gender</a:t>
+              </a:r>
+            </a:p>
+          </p:txBody>
+        </p:sp>
+        <p:sp>
+          <p:nvSpPr>
+            <p:cNvPr id="16" name="Rectangle 15">
+              <a:extLst>
+                <a:ext uri="{FF2B5EF4-FFF2-40B4-BE49-F238E27FC236}">
+                  <a16:creationId xmlns:a16="http://schemas.microsoft.com/office/drawing/2014/main" id="{13359FC9-4803-4599-851A-448B81431467}"/>
+                </a:ext>
+              </a:extLst>
+            </p:cNvPr>
+            <p:cNvSpPr/>
+            <p:nvPr/>
+          </p:nvSpPr>
+          <p:spPr>
+            <a:xfrm>
+              <a:off x="6551801" y="2880217"/>
+              <a:ext cx="1719743" cy="394284"/>
+            </a:xfrm>
+            <a:prstGeom prst="rect">
+              <a:avLst/>
+            </a:prstGeom>
+          </p:spPr>
+          <p:style>
+            <a:lnRef idx="2">
+              <a:schemeClr val="accent6">
+                <a:shade val="50000"/>
+              </a:schemeClr>
+            </a:lnRef>
+            <a:fillRef idx="1">
+              <a:schemeClr val="accent6"/>
+            </a:fillRef>
+            <a:effectRef idx="0">
+              <a:schemeClr val="accent6"/>
+            </a:effectRef>
+            <a:fontRef idx="minor">
+              <a:schemeClr val="lt1"/>
+            </a:fontRef>
+          </p:style>
+          <p:txBody>
+            <a:bodyPr rtlCol="0" anchor="ctr"/>
+            <a:lstStyle/>
+            <a:p>
+              <a:pPr algn="ctr"/>
+              <a:r>
+                <a:rPr lang="en-US"/>
+                <a:t>Material</a:t>
+              </a:r>
+            </a:p>
+          </p:txBody>
+        </p:sp>
+      </p:grpSp>
+      <p:grpSp>
+        <p:nvGrpSpPr>
+          <p:cNvPr id="57" name="Group 56">
+            <a:extLst>
+              <a:ext uri="{FF2B5EF4-FFF2-40B4-BE49-F238E27FC236}">
+                <a16:creationId xmlns:a16="http://schemas.microsoft.com/office/drawing/2014/main" id="{AEB6ABE6-329E-4CE9-AC77-3064ECFD4E05}"/>
+              </a:ext>
+            </a:extLst>
+          </p:cNvPr>
+          <p:cNvGrpSpPr/>
+          <p:nvPr/>
+        </p:nvGrpSpPr>
+        <p:grpSpPr>
+          <a:xfrm>
+            <a:off x="5209563" y="1111541"/>
+            <a:ext cx="1360413" cy="1965818"/>
+            <a:chOff x="5209563" y="1111541"/>
+            <a:chExt cx="1360413" cy="1965818"/>
+          </a:xfrm>
+        </p:grpSpPr>
+        <p:cxnSp>
+          <p:nvCxnSpPr>
+            <p:cNvPr id="18" name="Straight Arrow Connector 17">
+              <a:extLst>
+                <a:ext uri="{FF2B5EF4-FFF2-40B4-BE49-F238E27FC236}">
+                  <a16:creationId xmlns:a16="http://schemas.microsoft.com/office/drawing/2014/main" id="{7BBEFCAA-FFC1-4719-AA55-7C7AA1101283}"/>
+                </a:ext>
+              </a:extLst>
+            </p:cNvPr>
+            <p:cNvCxnSpPr>
+              <a:stCxn id="3" idx="3"/>
+              <a:endCxn id="13" idx="1"/>
+            </p:cNvCxnSpPr>
+            <p:nvPr/>
+          </p:nvCxnSpPr>
+          <p:spPr>
+            <a:xfrm flipV="1">
+              <a:off x="5209563" y="1111541"/>
+              <a:ext cx="1342239" cy="113251"/>
+            </a:xfrm>
+            <a:prstGeom prst="straightConnector1">
+              <a:avLst/>
+            </a:prstGeom>
+            <a:ln>
+              <a:tailEnd type="triangle"/>
+            </a:ln>
+          </p:spPr>
+          <p:style>
+            <a:lnRef idx="1">
+              <a:schemeClr val="accent1"/>
+            </a:lnRef>
+            <a:fillRef idx="0">
+              <a:schemeClr val="accent1"/>
+            </a:fillRef>
+            <a:effectRef idx="0">
+              <a:schemeClr val="accent1"/>
+            </a:effectRef>
+            <a:fontRef idx="minor">
+              <a:schemeClr val="tx1"/>
+            </a:fontRef>
+          </p:style>
+        </p:cxnSp>
+        <p:cxnSp>
+          <p:nvCxnSpPr>
+            <p:cNvPr id="20" name="Straight Arrow Connector 19">
+              <a:extLst>
+                <a:ext uri="{FF2B5EF4-FFF2-40B4-BE49-F238E27FC236}">
+                  <a16:creationId xmlns:a16="http://schemas.microsoft.com/office/drawing/2014/main" id="{4C235235-C1E3-41F7-A3CA-077B0B388712}"/>
+                </a:ext>
+              </a:extLst>
+            </p:cNvPr>
+            <p:cNvCxnSpPr>
+              <a:stCxn id="3" idx="3"/>
+              <a:endCxn id="15" idx="1"/>
+            </p:cNvCxnSpPr>
+            <p:nvPr/>
+          </p:nvCxnSpPr>
+          <p:spPr>
+            <a:xfrm>
+              <a:off x="5209563" y="1224792"/>
+              <a:ext cx="1342237" cy="1197295"/>
+            </a:xfrm>
+            <a:prstGeom prst="straightConnector1">
+              <a:avLst/>
+            </a:prstGeom>
+            <a:ln>
+              <a:tailEnd type="triangle"/>
+            </a:ln>
+          </p:spPr>
+          <p:style>
+            <a:lnRef idx="1">
+              <a:schemeClr val="accent1"/>
+            </a:lnRef>
+            <a:fillRef idx="0">
+              <a:schemeClr val="accent1"/>
+            </a:fillRef>
+            <a:effectRef idx="0">
+              <a:schemeClr val="accent1"/>
+            </a:effectRef>
+            <a:fontRef idx="minor">
+              <a:schemeClr val="tx1"/>
+            </a:fontRef>
+          </p:style>
+        </p:cxnSp>
+        <p:cxnSp>
+          <p:nvCxnSpPr>
+            <p:cNvPr id="23" name="Straight Arrow Connector 22">
+              <a:extLst>
+                <a:ext uri="{FF2B5EF4-FFF2-40B4-BE49-F238E27FC236}">
+                  <a16:creationId xmlns:a16="http://schemas.microsoft.com/office/drawing/2014/main" id="{44F431A7-896B-43EB-8CB4-875357EC0A32}"/>
+                </a:ext>
+              </a:extLst>
+            </p:cNvPr>
+            <p:cNvCxnSpPr>
+              <a:stCxn id="4" idx="3"/>
+              <a:endCxn id="13" idx="1"/>
+            </p:cNvCxnSpPr>
+            <p:nvPr/>
+          </p:nvCxnSpPr>
+          <p:spPr>
+            <a:xfrm flipV="1">
+              <a:off x="5227739" y="1111541"/>
+              <a:ext cx="1324059" cy="982909"/>
+            </a:xfrm>
+            <a:prstGeom prst="straightConnector1">
+              <a:avLst/>
+            </a:prstGeom>
+            <a:ln>
+              <a:tailEnd type="triangle"/>
+            </a:ln>
+          </p:spPr>
+          <p:style>
+            <a:lnRef idx="1">
+              <a:schemeClr val="accent2"/>
+            </a:lnRef>
+            <a:fillRef idx="0">
+              <a:schemeClr val="accent2"/>
+            </a:fillRef>
+            <a:effectRef idx="0">
+              <a:schemeClr val="accent2"/>
+            </a:effectRef>
+            <a:fontRef idx="minor">
+              <a:schemeClr val="tx1"/>
+            </a:fontRef>
+          </p:style>
+        </p:cxnSp>
+        <p:cxnSp>
+          <p:nvCxnSpPr>
+            <p:cNvPr id="25" name="Straight Arrow Connector 24">
+              <a:extLst>
+                <a:ext uri="{FF2B5EF4-FFF2-40B4-BE49-F238E27FC236}">
+                  <a16:creationId xmlns:a16="http://schemas.microsoft.com/office/drawing/2014/main" id="{800C5696-9430-47A2-8E28-65510B13880B}"/>
+                </a:ext>
+              </a:extLst>
+            </p:cNvPr>
+            <p:cNvCxnSpPr>
+              <a:stCxn id="4" idx="3"/>
+              <a:endCxn id="14" idx="1"/>
+            </p:cNvCxnSpPr>
+            <p:nvPr/>
+          </p:nvCxnSpPr>
+          <p:spPr>
+            <a:xfrm flipV="1">
+              <a:off x="5227739" y="1766814"/>
+              <a:ext cx="1324060" cy="327636"/>
+            </a:xfrm>
+            <a:prstGeom prst="straightConnector1">
+              <a:avLst/>
+            </a:prstGeom>
+            <a:ln>
+              <a:tailEnd type="triangle"/>
+            </a:ln>
+          </p:spPr>
+          <p:style>
+            <a:lnRef idx="1">
+              <a:schemeClr val="accent2"/>
+            </a:lnRef>
+            <a:fillRef idx="0">
+              <a:schemeClr val="accent2"/>
+            </a:fillRef>
+            <a:effectRef idx="0">
+              <a:schemeClr val="accent2"/>
+            </a:effectRef>
+            <a:fontRef idx="minor">
+              <a:schemeClr val="tx1"/>
+            </a:fontRef>
+          </p:style>
+        </p:cxnSp>
+        <p:cxnSp>
+          <p:nvCxnSpPr>
+            <p:cNvPr id="27" name="Straight Arrow Connector 26">
+              <a:extLst>
+                <a:ext uri="{FF2B5EF4-FFF2-40B4-BE49-F238E27FC236}">
+                  <a16:creationId xmlns:a16="http://schemas.microsoft.com/office/drawing/2014/main" id="{CDF81085-492A-4CA7-9CFD-48C460BD375E}"/>
+                </a:ext>
+              </a:extLst>
+            </p:cNvPr>
+            <p:cNvCxnSpPr>
+              <a:stCxn id="4" idx="3"/>
+              <a:endCxn id="16" idx="1"/>
+            </p:cNvCxnSpPr>
+            <p:nvPr/>
+          </p:nvCxnSpPr>
+          <p:spPr>
+            <a:xfrm>
+              <a:off x="5227739" y="2094450"/>
+              <a:ext cx="1324062" cy="982909"/>
+            </a:xfrm>
+            <a:prstGeom prst="straightConnector1">
+              <a:avLst/>
+            </a:prstGeom>
+            <a:ln>
+              <a:tailEnd type="triangle"/>
+            </a:ln>
+          </p:spPr>
+          <p:style>
+            <a:lnRef idx="1">
+              <a:schemeClr val="accent2"/>
+            </a:lnRef>
+            <a:fillRef idx="0">
+              <a:schemeClr val="accent2"/>
+            </a:fillRef>
+            <a:effectRef idx="0">
+              <a:schemeClr val="accent2"/>
+            </a:effectRef>
+            <a:fontRef idx="minor">
+              <a:schemeClr val="tx1"/>
+            </a:fontRef>
+          </p:style>
+        </p:cxnSp>
+        <p:cxnSp>
+          <p:nvCxnSpPr>
+            <p:cNvPr id="29" name="Straight Arrow Connector 28">
+              <a:extLst>
+                <a:ext uri="{FF2B5EF4-FFF2-40B4-BE49-F238E27FC236}">
+                  <a16:creationId xmlns:a16="http://schemas.microsoft.com/office/drawing/2014/main" id="{962A5317-DEF9-4DA8-A154-F9F94734340D}"/>
+                </a:ext>
+              </a:extLst>
+            </p:cNvPr>
+            <p:cNvCxnSpPr>
+              <a:cxnSpLocks/>
+              <a:stCxn id="5" idx="3"/>
+            </p:cNvCxnSpPr>
+            <p:nvPr/>
+          </p:nvCxnSpPr>
+          <p:spPr>
+            <a:xfrm flipV="1">
+              <a:off x="5209563" y="2413467"/>
+              <a:ext cx="1360413" cy="550642"/>
+            </a:xfrm>
+            <a:prstGeom prst="straightConnector1">
+              <a:avLst/>
+            </a:prstGeom>
+            <a:ln>
+              <a:tailEnd type="triangle"/>
+            </a:ln>
+          </p:spPr>
+          <p:style>
+            <a:lnRef idx="1">
+              <a:schemeClr val="dk1"/>
+            </a:lnRef>
+            <a:fillRef idx="0">
+              <a:schemeClr val="dk1"/>
+            </a:fillRef>
+            <a:effectRef idx="0">
+              <a:schemeClr val="dk1"/>
+            </a:effectRef>
+            <a:fontRef idx="minor">
+              <a:schemeClr val="tx1"/>
+            </a:fontRef>
+          </p:style>
+        </p:cxnSp>
+      </p:grpSp>
+      <p:grpSp>
+        <p:nvGrpSpPr>
+          <p:cNvPr id="58" name="Group 57">
+            <a:extLst>
+              <a:ext uri="{FF2B5EF4-FFF2-40B4-BE49-F238E27FC236}">
+                <a16:creationId xmlns:a16="http://schemas.microsoft.com/office/drawing/2014/main" id="{7086B86C-6C4F-45B7-B4DB-E69CCA8CDE2E}"/>
+              </a:ext>
+            </a:extLst>
+          </p:cNvPr>
+          <p:cNvGrpSpPr/>
+          <p:nvPr/>
+        </p:nvGrpSpPr>
+        <p:grpSpPr>
+          <a:xfrm>
+            <a:off x="9882229" y="914399"/>
+            <a:ext cx="1468076" cy="2253727"/>
+            <a:chOff x="9882229" y="914399"/>
+            <a:chExt cx="1468076" cy="2253727"/>
+          </a:xfrm>
+        </p:grpSpPr>
+        <p:sp>
+          <p:nvSpPr>
+            <p:cNvPr id="32" name="Rectangle 31">
+              <a:extLst>
+                <a:ext uri="{FF2B5EF4-FFF2-40B4-BE49-F238E27FC236}">
+                  <a16:creationId xmlns:a16="http://schemas.microsoft.com/office/drawing/2014/main" id="{371B2ECC-54F1-472D-8218-76294824B50F}"/>
+                </a:ext>
+              </a:extLst>
+            </p:cNvPr>
+            <p:cNvSpPr/>
+            <p:nvPr/>
+          </p:nvSpPr>
+          <p:spPr>
+            <a:xfrm>
+              <a:off x="9882229" y="914399"/>
+              <a:ext cx="1468076" cy="548897"/>
+            </a:xfrm>
+            <a:prstGeom prst="rect">
+              <a:avLst/>
+            </a:prstGeom>
+          </p:spPr>
+          <p:style>
+            <a:lnRef idx="2">
+              <a:schemeClr val="accent1">
+                <a:shade val="50000"/>
+              </a:schemeClr>
+            </a:lnRef>
+            <a:fillRef idx="1">
+              <a:schemeClr val="accent1"/>
+            </a:fillRef>
+            <a:effectRef idx="0">
+              <a:schemeClr val="accent1"/>
+            </a:effectRef>
+            <a:fontRef idx="minor">
+              <a:schemeClr val="lt1"/>
+            </a:fontRef>
+          </p:style>
+          <p:txBody>
+            <a:bodyPr rtlCol="0" anchor="ctr"/>
+            <a:lstStyle/>
+            <a:p>
+              <a:pPr algn="ctr"/>
+              <a:r>
+                <a:rPr lang="en-US"/>
+                <a:t>Section 1</a:t>
+              </a:r>
+            </a:p>
+          </p:txBody>
+        </p:sp>
+        <p:sp>
+          <p:nvSpPr>
+            <p:cNvPr id="33" name="Rectangle 32">
+              <a:extLst>
+                <a:ext uri="{FF2B5EF4-FFF2-40B4-BE49-F238E27FC236}">
+                  <a16:creationId xmlns:a16="http://schemas.microsoft.com/office/drawing/2014/main" id="{81AA2937-2A8D-424D-95A2-DB9EA7131238}"/>
+                </a:ext>
+              </a:extLst>
+            </p:cNvPr>
+            <p:cNvSpPr/>
+            <p:nvPr/>
+          </p:nvSpPr>
+          <p:spPr>
+            <a:xfrm>
+              <a:off x="9882229" y="1766814"/>
+              <a:ext cx="1468076" cy="548897"/>
+            </a:xfrm>
+            <a:prstGeom prst="rect">
+              <a:avLst/>
+            </a:prstGeom>
+          </p:spPr>
+          <p:style>
+            <a:lnRef idx="2">
+              <a:schemeClr val="accent1">
+                <a:shade val="50000"/>
+              </a:schemeClr>
+            </a:lnRef>
+            <a:fillRef idx="1">
+              <a:schemeClr val="accent1"/>
+            </a:fillRef>
+            <a:effectRef idx="0">
+              <a:schemeClr val="accent1"/>
+            </a:effectRef>
+            <a:fontRef idx="minor">
+              <a:schemeClr val="lt1"/>
+            </a:fontRef>
+          </p:style>
+          <p:txBody>
+            <a:bodyPr rtlCol="0" anchor="ctr"/>
+            <a:lstStyle/>
+            <a:p>
+              <a:pPr algn="ctr"/>
+              <a:r>
+                <a:rPr lang="en-US"/>
+                <a:t>Section 2</a:t>
+              </a:r>
+            </a:p>
+          </p:txBody>
+        </p:sp>
+        <p:sp>
+          <p:nvSpPr>
+            <p:cNvPr id="34" name="Rectangle 33">
+              <a:extLst>
+                <a:ext uri="{FF2B5EF4-FFF2-40B4-BE49-F238E27FC236}">
+                  <a16:creationId xmlns:a16="http://schemas.microsoft.com/office/drawing/2014/main" id="{55BF2D34-D53F-4C3E-AA6E-81F19733B8C8}"/>
+                </a:ext>
+              </a:extLst>
+            </p:cNvPr>
+            <p:cNvSpPr/>
+            <p:nvPr/>
+          </p:nvSpPr>
+          <p:spPr>
+            <a:xfrm>
+              <a:off x="9882229" y="2619229"/>
+              <a:ext cx="1468076" cy="548897"/>
+            </a:xfrm>
+            <a:prstGeom prst="rect">
+              <a:avLst/>
+            </a:prstGeom>
+          </p:spPr>
+          <p:style>
+            <a:lnRef idx="2">
+              <a:schemeClr val="accent1">
+                <a:shade val="50000"/>
+              </a:schemeClr>
+            </a:lnRef>
+            <a:fillRef idx="1">
+              <a:schemeClr val="accent1"/>
+            </a:fillRef>
+            <a:effectRef idx="0">
+              <a:schemeClr val="accent1"/>
+            </a:effectRef>
+            <a:fontRef idx="minor">
+              <a:schemeClr val="lt1"/>
+            </a:fontRef>
+          </p:style>
+          <p:txBody>
+            <a:bodyPr rtlCol="0" anchor="ctr"/>
+            <a:lstStyle/>
+            <a:p>
+              <a:pPr algn="ctr"/>
+              <a:r>
+                <a:rPr lang="en-US"/>
+                <a:t>Section 3</a:t>
+              </a:r>
+            </a:p>
+          </p:txBody>
+        </p:sp>
+      </p:grpSp>
+      <p:grpSp>
+        <p:nvGrpSpPr>
+          <p:cNvPr id="59" name="Group 58">
+            <a:extLst>
+              <a:ext uri="{FF2B5EF4-FFF2-40B4-BE49-F238E27FC236}">
+                <a16:creationId xmlns:a16="http://schemas.microsoft.com/office/drawing/2014/main" id="{82911C54-1E49-4918-A864-CB8E45BC03E3}"/>
+              </a:ext>
+            </a:extLst>
+          </p:cNvPr>
+          <p:cNvGrpSpPr/>
+          <p:nvPr/>
+        </p:nvGrpSpPr>
+        <p:grpSpPr>
+          <a:xfrm>
+            <a:off x="8271542" y="1111541"/>
+            <a:ext cx="1610687" cy="1965818"/>
+            <a:chOff x="8271542" y="1111541"/>
+            <a:chExt cx="1610687" cy="1965818"/>
+          </a:xfrm>
+        </p:grpSpPr>
+        <p:cxnSp>
+          <p:nvCxnSpPr>
+            <p:cNvPr id="36" name="Straight Arrow Connector 35">
+              <a:extLst>
+                <a:ext uri="{FF2B5EF4-FFF2-40B4-BE49-F238E27FC236}">
+                  <a16:creationId xmlns:a16="http://schemas.microsoft.com/office/drawing/2014/main" id="{C6E5601E-0CED-4C5B-94C4-31FCA3F6CFD3}"/>
+                </a:ext>
+              </a:extLst>
+            </p:cNvPr>
+            <p:cNvCxnSpPr>
+              <a:stCxn id="32" idx="1"/>
+              <a:endCxn id="13" idx="3"/>
+            </p:cNvCxnSpPr>
+            <p:nvPr/>
+          </p:nvCxnSpPr>
+          <p:spPr>
+            <a:xfrm flipH="1" flipV="1">
+              <a:off x="8271545" y="1111541"/>
+              <a:ext cx="1610684" cy="77307"/>
+            </a:xfrm>
+            <a:prstGeom prst="straightConnector1">
+              <a:avLst/>
+            </a:prstGeom>
+            <a:ln>
+              <a:tailEnd type="triangle"/>
+            </a:ln>
+          </p:spPr>
+          <p:style>
+            <a:lnRef idx="1">
+              <a:schemeClr val="accent1"/>
+            </a:lnRef>
+            <a:fillRef idx="0">
+              <a:schemeClr val="accent1"/>
+            </a:fillRef>
+            <a:effectRef idx="0">
+              <a:schemeClr val="accent1"/>
+            </a:effectRef>
+            <a:fontRef idx="minor">
+              <a:schemeClr val="tx1"/>
+            </a:fontRef>
+          </p:style>
+        </p:cxnSp>
+        <p:cxnSp>
+          <p:nvCxnSpPr>
+            <p:cNvPr id="38" name="Straight Arrow Connector 37">
+              <a:extLst>
+                <a:ext uri="{FF2B5EF4-FFF2-40B4-BE49-F238E27FC236}">
+                  <a16:creationId xmlns:a16="http://schemas.microsoft.com/office/drawing/2014/main" id="{CDD0EBB2-858F-4E07-8ACB-7B74F1BC0F05}"/>
+                </a:ext>
+              </a:extLst>
+            </p:cNvPr>
+            <p:cNvCxnSpPr>
+              <a:stCxn id="32" idx="1"/>
+              <a:endCxn id="15" idx="3"/>
+            </p:cNvCxnSpPr>
+            <p:nvPr/>
+          </p:nvCxnSpPr>
+          <p:spPr>
+            <a:xfrm flipH="1">
+              <a:off x="8271543" y="1188848"/>
+              <a:ext cx="1610686" cy="1233239"/>
+            </a:xfrm>
+            <a:prstGeom prst="straightConnector1">
+              <a:avLst/>
+            </a:prstGeom>
+            <a:ln>
+              <a:tailEnd type="triangle"/>
+            </a:ln>
+          </p:spPr>
+          <p:style>
+            <a:lnRef idx="1">
+              <a:schemeClr val="accent1"/>
+            </a:lnRef>
+            <a:fillRef idx="0">
+              <a:schemeClr val="accent1"/>
+            </a:fillRef>
+            <a:effectRef idx="0">
+              <a:schemeClr val="accent1"/>
+            </a:effectRef>
+            <a:fontRef idx="minor">
+              <a:schemeClr val="tx1"/>
+            </a:fontRef>
+          </p:style>
+        </p:cxnSp>
+        <p:cxnSp>
+          <p:nvCxnSpPr>
+            <p:cNvPr id="40" name="Straight Arrow Connector 39">
+              <a:extLst>
+                <a:ext uri="{FF2B5EF4-FFF2-40B4-BE49-F238E27FC236}">
+                  <a16:creationId xmlns:a16="http://schemas.microsoft.com/office/drawing/2014/main" id="{9C444780-0424-4576-A188-5DDA19496120}"/>
+                </a:ext>
+              </a:extLst>
+            </p:cNvPr>
+            <p:cNvCxnSpPr>
+              <a:stCxn id="32" idx="1"/>
+              <a:endCxn id="14" idx="3"/>
+            </p:cNvCxnSpPr>
+            <p:nvPr/>
+          </p:nvCxnSpPr>
+          <p:spPr>
+            <a:xfrm flipH="1">
+              <a:off x="8271542" y="1188848"/>
+              <a:ext cx="1610687" cy="577966"/>
+            </a:xfrm>
+            <a:prstGeom prst="straightConnector1">
+              <a:avLst/>
+            </a:prstGeom>
+            <a:ln>
+              <a:tailEnd type="triangle"/>
+            </a:ln>
+          </p:spPr>
+          <p:style>
+            <a:lnRef idx="1">
+              <a:schemeClr val="accent1"/>
+            </a:lnRef>
+            <a:fillRef idx="0">
+              <a:schemeClr val="accent1"/>
+            </a:fillRef>
+            <a:effectRef idx="0">
+              <a:schemeClr val="accent1"/>
+            </a:effectRef>
+            <a:fontRef idx="minor">
+              <a:schemeClr val="tx1"/>
+            </a:fontRef>
+          </p:style>
+        </p:cxnSp>
+        <p:cxnSp>
+          <p:nvCxnSpPr>
+            <p:cNvPr id="42" name="Straight Arrow Connector 41">
+              <a:extLst>
+                <a:ext uri="{FF2B5EF4-FFF2-40B4-BE49-F238E27FC236}">
+                  <a16:creationId xmlns:a16="http://schemas.microsoft.com/office/drawing/2014/main" id="{A498CB47-0BD7-4C12-9D2E-F772AC45924B}"/>
+                </a:ext>
+              </a:extLst>
+            </p:cNvPr>
+            <p:cNvCxnSpPr>
+              <a:stCxn id="33" idx="1"/>
+              <a:endCxn id="14" idx="3"/>
+            </p:cNvCxnSpPr>
+            <p:nvPr/>
+          </p:nvCxnSpPr>
+          <p:spPr>
+            <a:xfrm flipH="1" flipV="1">
+              <a:off x="8271542" y="1766814"/>
+              <a:ext cx="1610687" cy="274449"/>
+            </a:xfrm>
+            <a:prstGeom prst="straightConnector1">
+              <a:avLst/>
+            </a:prstGeom>
+            <a:ln>
+              <a:tailEnd type="triangle"/>
+            </a:ln>
+          </p:spPr>
+          <p:style>
+            <a:lnRef idx="1">
+              <a:schemeClr val="accent2"/>
+            </a:lnRef>
+            <a:fillRef idx="0">
+              <a:schemeClr val="accent2"/>
+            </a:fillRef>
+            <a:effectRef idx="0">
+              <a:schemeClr val="accent2"/>
+            </a:effectRef>
+            <a:fontRef idx="minor">
+              <a:schemeClr val="tx1"/>
+            </a:fontRef>
+          </p:style>
+        </p:cxnSp>
+        <p:cxnSp>
+          <p:nvCxnSpPr>
+            <p:cNvPr id="44" name="Straight Arrow Connector 43">
+              <a:extLst>
+                <a:ext uri="{FF2B5EF4-FFF2-40B4-BE49-F238E27FC236}">
+                  <a16:creationId xmlns:a16="http://schemas.microsoft.com/office/drawing/2014/main" id="{6E109590-64A1-4CAD-9911-F254F151BABC}"/>
+                </a:ext>
+              </a:extLst>
+            </p:cNvPr>
+            <p:cNvCxnSpPr>
+              <a:stCxn id="33" idx="1"/>
+              <a:endCxn id="16" idx="3"/>
+            </p:cNvCxnSpPr>
+            <p:nvPr/>
+          </p:nvCxnSpPr>
+          <p:spPr>
+            <a:xfrm flipH="1">
+              <a:off x="8271544" y="2041263"/>
+              <a:ext cx="1610685" cy="1036096"/>
+            </a:xfrm>
+            <a:prstGeom prst="straightConnector1">
+              <a:avLst/>
+            </a:prstGeom>
+            <a:ln>
+              <a:tailEnd type="triangle"/>
+            </a:ln>
+          </p:spPr>
+          <p:style>
+            <a:lnRef idx="1">
+              <a:schemeClr val="accent2"/>
+            </a:lnRef>
+            <a:fillRef idx="0">
+              <a:schemeClr val="accent2"/>
+            </a:fillRef>
+            <a:effectRef idx="0">
+              <a:schemeClr val="accent2"/>
+            </a:effectRef>
+            <a:fontRef idx="minor">
+              <a:schemeClr val="tx1"/>
+            </a:fontRef>
+          </p:style>
+        </p:cxnSp>
+        <p:cxnSp>
+          <p:nvCxnSpPr>
+            <p:cNvPr id="46" name="Straight Arrow Connector 45">
+              <a:extLst>
+                <a:ext uri="{FF2B5EF4-FFF2-40B4-BE49-F238E27FC236}">
+                  <a16:creationId xmlns:a16="http://schemas.microsoft.com/office/drawing/2014/main" id="{B02D0C94-3EEE-4F7D-9BBE-E73D0ED4F6DC}"/>
+                </a:ext>
+              </a:extLst>
+            </p:cNvPr>
+            <p:cNvCxnSpPr>
+              <a:stCxn id="34" idx="1"/>
+              <a:endCxn id="15" idx="3"/>
+            </p:cNvCxnSpPr>
+            <p:nvPr/>
+          </p:nvCxnSpPr>
+          <p:spPr>
+            <a:xfrm flipH="1" flipV="1">
+              <a:off x="8271543" y="2422087"/>
+              <a:ext cx="1610686" cy="471591"/>
+            </a:xfrm>
+            <a:prstGeom prst="straightConnector1">
+              <a:avLst/>
+            </a:prstGeom>
+            <a:ln>
+              <a:tailEnd type="triangle"/>
+            </a:ln>
+          </p:spPr>
+          <p:style>
+            <a:lnRef idx="1">
+              <a:schemeClr val="accent6"/>
+            </a:lnRef>
+            <a:fillRef idx="0">
+              <a:schemeClr val="accent6"/>
+            </a:fillRef>
+            <a:effectRef idx="0">
+              <a:schemeClr val="accent6"/>
+            </a:effectRef>
+            <a:fontRef idx="minor">
+              <a:schemeClr val="tx1"/>
+            </a:fontRef>
+          </p:style>
+        </p:cxnSp>
+        <p:cxnSp>
+          <p:nvCxnSpPr>
+            <p:cNvPr id="48" name="Straight Arrow Connector 47">
+              <a:extLst>
+                <a:ext uri="{FF2B5EF4-FFF2-40B4-BE49-F238E27FC236}">
+                  <a16:creationId xmlns:a16="http://schemas.microsoft.com/office/drawing/2014/main" id="{BBF41C8E-98CF-4CD3-B750-B289253E5DE3}"/>
+                </a:ext>
+              </a:extLst>
+            </p:cNvPr>
+            <p:cNvCxnSpPr>
+              <a:stCxn id="34" idx="1"/>
+            </p:cNvCxnSpPr>
+            <p:nvPr/>
+          </p:nvCxnSpPr>
+          <p:spPr>
+            <a:xfrm flipH="1" flipV="1">
+              <a:off x="8289719" y="1805467"/>
+              <a:ext cx="1592510" cy="1088211"/>
+            </a:xfrm>
+            <a:prstGeom prst="straightConnector1">
+              <a:avLst/>
+            </a:prstGeom>
+            <a:ln>
+              <a:tailEnd type="triangle"/>
+            </a:ln>
+          </p:spPr>
+          <p:style>
+            <a:lnRef idx="1">
+              <a:schemeClr val="accent6"/>
+            </a:lnRef>
+            <a:fillRef idx="0">
+              <a:schemeClr val="accent6"/>
+            </a:fillRef>
+            <a:effectRef idx="0">
+              <a:schemeClr val="accent6"/>
+            </a:effectRef>
+            <a:fontRef idx="minor">
+              <a:schemeClr val="tx1"/>
+            </a:fontRef>
+          </p:style>
+        </p:cxnSp>
+        <p:cxnSp>
+          <p:nvCxnSpPr>
+            <p:cNvPr id="50" name="Straight Arrow Connector 49">
+              <a:extLst>
+                <a:ext uri="{FF2B5EF4-FFF2-40B4-BE49-F238E27FC236}">
+                  <a16:creationId xmlns:a16="http://schemas.microsoft.com/office/drawing/2014/main" id="{390741E2-F01D-4A73-906B-82507ADF885D}"/>
+                </a:ext>
+              </a:extLst>
+            </p:cNvPr>
+            <p:cNvCxnSpPr>
+              <a:stCxn id="34" idx="1"/>
+              <a:endCxn id="13" idx="3"/>
+            </p:cNvCxnSpPr>
+            <p:nvPr/>
+          </p:nvCxnSpPr>
+          <p:spPr>
+            <a:xfrm flipH="1" flipV="1">
+              <a:off x="8271545" y="1111541"/>
+              <a:ext cx="1610684" cy="1782137"/>
+            </a:xfrm>
+            <a:prstGeom prst="straightConnector1">
+              <a:avLst/>
+            </a:prstGeom>
+            <a:ln>
+              <a:tailEnd type="triangle"/>
+            </a:ln>
+          </p:spPr>
+          <p:style>
+            <a:lnRef idx="1">
+              <a:schemeClr val="accent1"/>
+            </a:lnRef>
+            <a:fillRef idx="0">
+              <a:schemeClr val="accent1"/>
+            </a:fillRef>
+            <a:effectRef idx="0">
+              <a:schemeClr val="accent1"/>
+            </a:effectRef>
+            <a:fontRef idx="minor">
+              <a:schemeClr val="tx1"/>
+            </a:fontRef>
+          </p:style>
+        </p:cxnSp>
+      </p:grpSp>
+      <p:sp>
+        <p:nvSpPr>
+          <p:cNvPr id="51" name="Rectangle 50">
+            <a:extLst>
+              <a:ext uri="{FF2B5EF4-FFF2-40B4-BE49-F238E27FC236}">
+                <a16:creationId xmlns:a16="http://schemas.microsoft.com/office/drawing/2014/main" id="{C2919F3C-30F8-48E5-8A27-CE5CF2E678AC}"/>
+              </a:ext>
+            </a:extLst>
+          </p:cNvPr>
+          <p:cNvSpPr/>
+          <p:nvPr/>
+        </p:nvSpPr>
+        <p:spPr>
+          <a:xfrm>
+            <a:off x="1593908" y="3800213"/>
+            <a:ext cx="1585520" cy="604007"/>
+          </a:xfrm>
+          <a:prstGeom prst="rect">
+            <a:avLst/>
+          </a:prstGeom>
+        </p:spPr>
+        <p:style>
+          <a:lnRef idx="2">
+            <a:schemeClr val="dk1"/>
+          </a:lnRef>
+          <a:fillRef idx="1">
+            <a:schemeClr val="lt1"/>
+          </a:fillRef>
+          <a:effectRef idx="0">
+            <a:schemeClr val="dk1"/>
+          </a:effectRef>
+          <a:fontRef idx="minor">
+            <a:schemeClr val="dk1"/>
+          </a:fontRef>
+        </p:style>
+        <p:txBody>
+          <a:bodyPr rtlCol="0" anchor="ctr"/>
+          <a:lstStyle/>
+          <a:p>
+            <a:pPr algn="ctr"/>
+            <a:r>
+              <a:rPr lang="en-US"/>
+              <a:t>one-to-many</a:t>
+            </a:r>
+          </a:p>
+        </p:txBody>
+      </p:sp>
+      <p:sp>
+        <p:nvSpPr>
+          <p:cNvPr id="52" name="Rectangle 51">
+            <a:extLst>
+              <a:ext uri="{FF2B5EF4-FFF2-40B4-BE49-F238E27FC236}">
+                <a16:creationId xmlns:a16="http://schemas.microsoft.com/office/drawing/2014/main" id="{0C950C76-D54F-4823-A3A8-3BB644EE0860}"/>
+              </a:ext>
+            </a:extLst>
+          </p:cNvPr>
+          <p:cNvSpPr/>
+          <p:nvPr/>
+        </p:nvSpPr>
+        <p:spPr>
+          <a:xfrm>
+            <a:off x="5209563" y="3793222"/>
+            <a:ext cx="1585520" cy="604007"/>
+          </a:xfrm>
+          <a:prstGeom prst="rect">
+            <a:avLst/>
+          </a:prstGeom>
+        </p:spPr>
+        <p:style>
+          <a:lnRef idx="2">
+            <a:schemeClr val="dk1"/>
+          </a:lnRef>
+          <a:fillRef idx="1">
+            <a:schemeClr val="lt1"/>
+          </a:fillRef>
+          <a:effectRef idx="0">
+            <a:schemeClr val="dk1"/>
+          </a:effectRef>
+          <a:fontRef idx="minor">
+            <a:schemeClr val="dk1"/>
+          </a:fontRef>
+        </p:style>
+        <p:txBody>
+          <a:bodyPr rtlCol="0" anchor="ctr"/>
+          <a:lstStyle/>
+          <a:p>
+            <a:pPr algn="ctr"/>
+            <a:r>
+              <a:rPr lang="en-US"/>
+              <a:t>many-to-many</a:t>
+            </a:r>
+          </a:p>
+        </p:txBody>
+      </p:sp>
+      <p:sp>
+        <p:nvSpPr>
+          <p:cNvPr id="53" name="Rectangle 52">
+            <a:extLst>
+              <a:ext uri="{FF2B5EF4-FFF2-40B4-BE49-F238E27FC236}">
+                <a16:creationId xmlns:a16="http://schemas.microsoft.com/office/drawing/2014/main" id="{CEF928B8-2C83-48D0-A6A6-08627F247818}"/>
+              </a:ext>
+            </a:extLst>
+          </p:cNvPr>
+          <p:cNvSpPr/>
+          <p:nvPr/>
+        </p:nvSpPr>
+        <p:spPr>
+          <a:xfrm>
+            <a:off x="8558168" y="3793222"/>
+            <a:ext cx="1585520" cy="604007"/>
+          </a:xfrm>
+          <a:prstGeom prst="rect">
+            <a:avLst/>
+          </a:prstGeom>
+        </p:spPr>
+        <p:style>
+          <a:lnRef idx="2">
+            <a:schemeClr val="dk1"/>
+          </a:lnRef>
+          <a:fillRef idx="1">
+            <a:schemeClr val="lt1"/>
+          </a:fillRef>
+          <a:effectRef idx="0">
+            <a:schemeClr val="dk1"/>
+          </a:effectRef>
+          <a:fontRef idx="minor">
+            <a:schemeClr val="dk1"/>
+          </a:fontRef>
+        </p:style>
+        <p:txBody>
+          <a:bodyPr rtlCol="0" anchor="ctr"/>
+          <a:lstStyle/>
+          <a:p>
+            <a:pPr algn="ctr"/>
+            <a:r>
+              <a:rPr lang="en-US"/>
+              <a:t>many-to-many</a:t>
+            </a:r>
+          </a:p>
+        </p:txBody>
+      </p:sp>
+    </p:spTree>
+    <p:extLst>
+      <p:ext uri="{BB962C8B-B14F-4D97-AF65-F5344CB8AC3E}">
+        <p14:creationId xmlns:p14="http://schemas.microsoft.com/office/powerpoint/2010/main" val="2991493973"/>
+      </p:ext>
+    </p:extLst>
+  </p:cSld>
+  <p:clrMapOvr>
+    <a:masterClrMapping/>
+  </p:clrMapOvr>
+  <p:timing>
+    <p:tnLst>
+      <p:par>
+        <p:cTn id="1" dur="indefinite" restart="never" nodeType="tmRoot">
+          <p:childTnLst>
+            <p:seq concurrent="1" nextAc="seek">
+              <p:cTn id="2" dur="indefinite" nodeType="mainSeq">
+                <p:childTnLst>
+                  <p:par>
+                    <p:cTn id="3" fill="hold">
+                      <p:stCondLst>
+                        <p:cond delay="indefinite"/>
+                      </p:stCondLst>
+                      <p:childTnLst>
+                        <p:par>
+                          <p:cTn id="4" fill="hold">
+                            <p:stCondLst>
+                              <p:cond delay="0"/>
+                            </p:stCondLst>
+                            <p:childTnLst>
+                              <p:par>
+                                <p:cTn id="5" presetID="1" presetClass="entr" presetSubtype="0" fill="hold" grpId="0" nodeType="clickEffect">
+                                  <p:stCondLst>
+                                    <p:cond delay="0"/>
+                                  </p:stCondLst>
+                                  <p:childTnLst>
+                                    <p:set>
+                                      <p:cBhvr>
+                                        <p:cTn id="6" dur="1" fill="hold">
+                                          <p:stCondLst>
+                                            <p:cond delay="0"/>
+                                          </p:stCondLst>
+                                        </p:cTn>
+                                        <p:tgtEl>
+                                          <p:spTgt spid="2"/>
+                                        </p:tgtEl>
+                                        <p:attrNameLst>
+                                          <p:attrName>style.visibility</p:attrName>
+                                        </p:attrNameLst>
+                                      </p:cBhvr>
+                                      <p:to>
+                                        <p:strVal val="visible"/>
+                                      </p:to>
+                                    </p:set>
+                                  </p:childTnLst>
+                                </p:cTn>
+                              </p:par>
+                            </p:childTnLst>
+                          </p:cTn>
+                        </p:par>
+                      </p:childTnLst>
+                    </p:cTn>
+                  </p:par>
+                  <p:par>
+                    <p:cTn id="7" fill="hold">
+                      <p:stCondLst>
+                        <p:cond delay="indefinite"/>
+                      </p:stCondLst>
+                      <p:childTnLst>
+                        <p:par>
+                          <p:cTn id="8" fill="hold">
+                            <p:stCondLst>
+                              <p:cond delay="0"/>
+                            </p:stCondLst>
+                            <p:childTnLst>
+                              <p:par>
+                                <p:cTn id="9" presetID="10" presetClass="entr" presetSubtype="0" fill="hold" nodeType="clickEffect">
+                                  <p:stCondLst>
+                                    <p:cond delay="0"/>
+                                  </p:stCondLst>
+                                  <p:childTnLst>
+                                    <p:set>
+                                      <p:cBhvr>
+                                        <p:cTn id="10" dur="1" fill="hold">
+                                          <p:stCondLst>
+                                            <p:cond delay="0"/>
+                                          </p:stCondLst>
+                                        </p:cTn>
+                                        <p:tgtEl>
+                                          <p:spTgt spid="54"/>
+                                        </p:tgtEl>
+                                        <p:attrNameLst>
+                                          <p:attrName>style.visibility</p:attrName>
+                                        </p:attrNameLst>
+                                      </p:cBhvr>
+                                      <p:to>
+                                        <p:strVal val="visible"/>
+                                      </p:to>
+                                    </p:set>
+                                    <p:animEffect transition="in" filter="fade">
+                                      <p:cBhvr>
+                                        <p:cTn id="11" dur="500"/>
+                                        <p:tgtEl>
+                                          <p:spTgt spid="54"/>
+                                        </p:tgtEl>
+                                      </p:cBhvr>
+                                    </p:animEffect>
+                                  </p:childTnLst>
+                                </p:cTn>
+                              </p:par>
+                            </p:childTnLst>
+                          </p:cTn>
+                        </p:par>
+                      </p:childTnLst>
+                    </p:cTn>
+                  </p:par>
+                  <p:par>
+                    <p:cTn id="12" fill="hold">
+                      <p:stCondLst>
+                        <p:cond delay="indefinite"/>
+                      </p:stCondLst>
+                      <p:childTnLst>
+                        <p:par>
+                          <p:cTn id="13" fill="hold">
+                            <p:stCondLst>
+                              <p:cond delay="0"/>
+                            </p:stCondLst>
+                            <p:childTnLst>
+                              <p:par>
+                                <p:cTn id="14" presetID="16" presetClass="entr" presetSubtype="21" fill="hold" nodeType="clickEffect">
+                                  <p:stCondLst>
+                                    <p:cond delay="0"/>
+                                  </p:stCondLst>
+                                  <p:childTnLst>
+                                    <p:set>
+                                      <p:cBhvr>
+                                        <p:cTn id="15" dur="1" fill="hold">
+                                          <p:stCondLst>
+                                            <p:cond delay="0"/>
+                                          </p:stCondLst>
+                                        </p:cTn>
+                                        <p:tgtEl>
+                                          <p:spTgt spid="55"/>
+                                        </p:tgtEl>
+                                        <p:attrNameLst>
+                                          <p:attrName>style.visibility</p:attrName>
+                                        </p:attrNameLst>
+                                      </p:cBhvr>
+                                      <p:to>
+                                        <p:strVal val="visible"/>
+                                      </p:to>
+                                    </p:set>
+                                    <p:animEffect transition="in" filter="barn(inVertical)">
+                                      <p:cBhvr>
+                                        <p:cTn id="16" dur="500"/>
+                                        <p:tgtEl>
+                                          <p:spTgt spid="55"/>
+                                        </p:tgtEl>
+                                      </p:cBhvr>
+                                    </p:animEffect>
+                                  </p:childTnLst>
+                                </p:cTn>
+                              </p:par>
+                            </p:childTnLst>
+                          </p:cTn>
+                        </p:par>
+                      </p:childTnLst>
+                    </p:cTn>
+                  </p:par>
+                  <p:par>
+                    <p:cTn id="17" fill="hold">
+                      <p:stCondLst>
+                        <p:cond delay="indefinite"/>
+                      </p:stCondLst>
+                      <p:childTnLst>
+                        <p:par>
+                          <p:cTn id="18" fill="hold">
+                            <p:stCondLst>
+                              <p:cond delay="0"/>
+                            </p:stCondLst>
+                            <p:childTnLst>
+                              <p:par>
+                                <p:cTn id="19" presetID="53" presetClass="entr" presetSubtype="16" fill="hold" nodeType="clickEffect">
+                                  <p:stCondLst>
+                                    <p:cond delay="0"/>
+                                  </p:stCondLst>
+                                  <p:childTnLst>
+                                    <p:set>
+                                      <p:cBhvr>
+                                        <p:cTn id="20" dur="1" fill="hold">
+                                          <p:stCondLst>
+                                            <p:cond delay="0"/>
+                                          </p:stCondLst>
+                                        </p:cTn>
+                                        <p:tgtEl>
+                                          <p:spTgt spid="56"/>
+                                        </p:tgtEl>
+                                        <p:attrNameLst>
+                                          <p:attrName>style.visibility</p:attrName>
+                                        </p:attrNameLst>
+                                      </p:cBhvr>
+                                      <p:to>
+                                        <p:strVal val="visible"/>
+                                      </p:to>
+                                    </p:set>
+                                    <p:anim calcmode="lin" valueType="num">
+                                      <p:cBhvr>
+                                        <p:cTn id="21" dur="500" fill="hold"/>
+                                        <p:tgtEl>
+                                          <p:spTgt spid="56"/>
+                                        </p:tgtEl>
+                                        <p:attrNameLst>
+                                          <p:attrName>ppt_w</p:attrName>
+                                        </p:attrNameLst>
+                                      </p:cBhvr>
+                                      <p:tavLst>
+                                        <p:tav tm="0">
+                                          <p:val>
+                                            <p:fltVal val="0"/>
+                                          </p:val>
+                                        </p:tav>
+                                        <p:tav tm="100000">
+                                          <p:val>
+                                            <p:strVal val="#ppt_w"/>
+                                          </p:val>
+                                        </p:tav>
+                                      </p:tavLst>
+                                    </p:anim>
+                                    <p:anim calcmode="lin" valueType="num">
+                                      <p:cBhvr>
+                                        <p:cTn id="22" dur="500" fill="hold"/>
+                                        <p:tgtEl>
+                                          <p:spTgt spid="56"/>
+                                        </p:tgtEl>
+                                        <p:attrNameLst>
+                                          <p:attrName>ppt_h</p:attrName>
+                                        </p:attrNameLst>
+                                      </p:cBhvr>
+                                      <p:tavLst>
+                                        <p:tav tm="0">
+                                          <p:val>
+                                            <p:fltVal val="0"/>
+                                          </p:val>
+                                        </p:tav>
+                                        <p:tav tm="100000">
+                                          <p:val>
+                                            <p:strVal val="#ppt_h"/>
+                                          </p:val>
+                                        </p:tav>
+                                      </p:tavLst>
+                                    </p:anim>
+                                    <p:animEffect transition="in" filter="fade">
+                                      <p:cBhvr>
+                                        <p:cTn id="23" dur="500"/>
+                                        <p:tgtEl>
+                                          <p:spTgt spid="56"/>
+                                        </p:tgtEl>
+                                      </p:cBhvr>
+                                    </p:animEffect>
+                                  </p:childTnLst>
+                                </p:cTn>
+                              </p:par>
+                            </p:childTnLst>
+                          </p:cTn>
+                        </p:par>
+                      </p:childTnLst>
+                    </p:cTn>
+                  </p:par>
+                  <p:par>
+                    <p:cTn id="24" fill="hold">
+                      <p:stCondLst>
+                        <p:cond delay="indefinite"/>
+                      </p:stCondLst>
+                      <p:childTnLst>
+                        <p:par>
+                          <p:cTn id="25" fill="hold">
+                            <p:stCondLst>
+                              <p:cond delay="0"/>
+                            </p:stCondLst>
+                            <p:childTnLst>
+                              <p:par>
+                                <p:cTn id="26" presetID="6" presetClass="entr" presetSubtype="16" fill="hold" nodeType="clickEffect">
+                                  <p:stCondLst>
+                                    <p:cond delay="0"/>
+                                  </p:stCondLst>
+                                  <p:childTnLst>
+                                    <p:set>
+                                      <p:cBhvr>
+                                        <p:cTn id="27" dur="1" fill="hold">
+                                          <p:stCondLst>
+                                            <p:cond delay="0"/>
+                                          </p:stCondLst>
+                                        </p:cTn>
+                                        <p:tgtEl>
+                                          <p:spTgt spid="57"/>
+                                        </p:tgtEl>
+                                        <p:attrNameLst>
+                                          <p:attrName>style.visibility</p:attrName>
+                                        </p:attrNameLst>
+                                      </p:cBhvr>
+                                      <p:to>
+                                        <p:strVal val="visible"/>
+                                      </p:to>
+                                    </p:set>
+                                    <p:animEffect transition="in" filter="circle(in)">
+                                      <p:cBhvr>
+                                        <p:cTn id="28" dur="2000"/>
+                                        <p:tgtEl>
+                                          <p:spTgt spid="57"/>
+                                        </p:tgtEl>
+                                      </p:cBhvr>
+                                    </p:animEffect>
+                                  </p:childTnLst>
+                                </p:cTn>
+                              </p:par>
+                            </p:childTnLst>
+                          </p:cTn>
+                        </p:par>
+                      </p:childTnLst>
+                    </p:cTn>
+                  </p:par>
+                  <p:par>
+                    <p:cTn id="29" fill="hold">
+                      <p:stCondLst>
+                        <p:cond delay="indefinite"/>
+                      </p:stCondLst>
+                      <p:childTnLst>
+                        <p:par>
+                          <p:cTn id="30" fill="hold">
+                            <p:stCondLst>
+                              <p:cond delay="0"/>
+                            </p:stCondLst>
+                            <p:childTnLst>
+                              <p:par>
+                                <p:cTn id="31" presetID="22" presetClass="entr" presetSubtype="4" fill="hold" nodeType="clickEffect">
+                                  <p:stCondLst>
+                                    <p:cond delay="0"/>
+                                  </p:stCondLst>
+                                  <p:childTnLst>
+                                    <p:set>
+                                      <p:cBhvr>
+                                        <p:cTn id="32" dur="1" fill="hold">
+                                          <p:stCondLst>
+                                            <p:cond delay="0"/>
+                                          </p:stCondLst>
+                                        </p:cTn>
+                                        <p:tgtEl>
+                                          <p:spTgt spid="58"/>
+                                        </p:tgtEl>
+                                        <p:attrNameLst>
+                                          <p:attrName>style.visibility</p:attrName>
+                                        </p:attrNameLst>
+                                      </p:cBhvr>
+                                      <p:to>
+                                        <p:strVal val="visible"/>
+                                      </p:to>
+                                    </p:set>
+                                    <p:animEffect transition="in" filter="wipe(down)">
+                                      <p:cBhvr>
+                                        <p:cTn id="33" dur="500"/>
+                                        <p:tgtEl>
+                                          <p:spTgt spid="58"/>
+                                        </p:tgtEl>
+                                      </p:cBhvr>
+                                    </p:animEffect>
+                                  </p:childTnLst>
+                                </p:cTn>
+                              </p:par>
+                            </p:childTnLst>
+                          </p:cTn>
+                        </p:par>
+                      </p:childTnLst>
+                    </p:cTn>
+                  </p:par>
+                  <p:par>
+                    <p:cTn id="34" fill="hold">
+                      <p:stCondLst>
+                        <p:cond delay="indefinite"/>
+                      </p:stCondLst>
+                      <p:childTnLst>
+                        <p:par>
+                          <p:cTn id="35" fill="hold">
+                            <p:stCondLst>
+                              <p:cond delay="0"/>
+                            </p:stCondLst>
+                            <p:childTnLst>
+                              <p:par>
+                                <p:cTn id="36" presetID="6" presetClass="entr" presetSubtype="16" fill="hold" nodeType="clickEffect">
+                                  <p:stCondLst>
+                                    <p:cond delay="0"/>
+                                  </p:stCondLst>
+                                  <p:childTnLst>
+                                    <p:set>
+                                      <p:cBhvr>
+                                        <p:cTn id="37" dur="1" fill="hold">
+                                          <p:stCondLst>
+                                            <p:cond delay="0"/>
+                                          </p:stCondLst>
+                                        </p:cTn>
+                                        <p:tgtEl>
+                                          <p:spTgt spid="59"/>
+                                        </p:tgtEl>
+                                        <p:attrNameLst>
+                                          <p:attrName>style.visibility</p:attrName>
+                                        </p:attrNameLst>
+                                      </p:cBhvr>
+                                      <p:to>
+                                        <p:strVal val="visible"/>
+                                      </p:to>
+                                    </p:set>
+                                    <p:animEffect transition="in" filter="circle(in)">
+                                      <p:cBhvr>
+                                        <p:cTn id="38" dur="2000"/>
+                                        <p:tgtEl>
+                                          <p:spTgt spid="59"/>
+                                        </p:tgtEl>
+                                      </p:cBhvr>
+                                    </p:animEffect>
+                                  </p:childTnLst>
+                                </p:cTn>
+                              </p:par>
+                            </p:childTnLst>
+                          </p:cTn>
+                        </p:par>
+                      </p:childTnLst>
+                    </p:cTn>
+                  </p:par>
+                  <p:par>
+                    <p:cTn id="39" fill="hold">
+                      <p:stCondLst>
+                        <p:cond delay="indefinite"/>
+                      </p:stCondLst>
+                      <p:childTnLst>
+                        <p:par>
+                          <p:cTn id="40" fill="hold">
+                            <p:stCondLst>
+                              <p:cond delay="0"/>
+                            </p:stCondLst>
+                            <p:childTnLst>
+                              <p:par>
+                                <p:cTn id="41" presetID="10" presetClass="entr" presetSubtype="0" fill="hold" grpId="0" nodeType="clickEffect">
+                                  <p:stCondLst>
+                                    <p:cond delay="0"/>
+                                  </p:stCondLst>
+                                  <p:childTnLst>
+                                    <p:set>
+                                      <p:cBhvr>
+                                        <p:cTn id="42" dur="1" fill="hold">
+                                          <p:stCondLst>
+                                            <p:cond delay="0"/>
+                                          </p:stCondLst>
+                                        </p:cTn>
+                                        <p:tgtEl>
+                                          <p:spTgt spid="51"/>
+                                        </p:tgtEl>
+                                        <p:attrNameLst>
+                                          <p:attrName>style.visibility</p:attrName>
+                                        </p:attrNameLst>
+                                      </p:cBhvr>
+                                      <p:to>
+                                        <p:strVal val="visible"/>
+                                      </p:to>
+                                    </p:set>
+                                    <p:animEffect transition="in" filter="fade">
+                                      <p:cBhvr>
+                                        <p:cTn id="43" dur="500"/>
+                                        <p:tgtEl>
+                                          <p:spTgt spid="51"/>
+                                        </p:tgtEl>
+                                      </p:cBhvr>
+                                    </p:animEffect>
+                                  </p:childTnLst>
+                                </p:cTn>
+                              </p:par>
+                            </p:childTnLst>
+                          </p:cTn>
+                        </p:par>
+                      </p:childTnLst>
+                    </p:cTn>
+                  </p:par>
+                  <p:par>
+                    <p:cTn id="44" fill="hold">
+                      <p:stCondLst>
+                        <p:cond delay="indefinite"/>
+                      </p:stCondLst>
+                      <p:childTnLst>
+                        <p:par>
+                          <p:cTn id="45" fill="hold">
+                            <p:stCondLst>
+                              <p:cond delay="0"/>
+                            </p:stCondLst>
+                            <p:childTnLst>
+                              <p:par>
+                                <p:cTn id="46" presetID="10" presetClass="entr" presetSubtype="0" fill="hold" grpId="0" nodeType="clickEffect">
+                                  <p:stCondLst>
+                                    <p:cond delay="0"/>
+                                  </p:stCondLst>
+                                  <p:childTnLst>
+                                    <p:set>
+                                      <p:cBhvr>
+                                        <p:cTn id="47" dur="1" fill="hold">
+                                          <p:stCondLst>
+                                            <p:cond delay="0"/>
+                                          </p:stCondLst>
+                                        </p:cTn>
+                                        <p:tgtEl>
+                                          <p:spTgt spid="52"/>
+                                        </p:tgtEl>
+                                        <p:attrNameLst>
+                                          <p:attrName>style.visibility</p:attrName>
+                                        </p:attrNameLst>
+                                      </p:cBhvr>
+                                      <p:to>
+                                        <p:strVal val="visible"/>
+                                      </p:to>
+                                    </p:set>
+                                    <p:animEffect transition="in" filter="fade">
+                                      <p:cBhvr>
+                                        <p:cTn id="48" dur="500"/>
+                                        <p:tgtEl>
+                                          <p:spTgt spid="52"/>
+                                        </p:tgtEl>
+                                      </p:cBhvr>
+                                    </p:animEffect>
+                                  </p:childTnLst>
+                                </p:cTn>
+                              </p:par>
+                            </p:childTnLst>
+                          </p:cTn>
+                        </p:par>
+                      </p:childTnLst>
+                    </p:cTn>
+                  </p:par>
+                  <p:par>
+                    <p:cTn id="49" fill="hold">
+                      <p:stCondLst>
+                        <p:cond delay="indefinite"/>
+                      </p:stCondLst>
+                      <p:childTnLst>
+                        <p:par>
+                          <p:cTn id="50" fill="hold">
+                            <p:stCondLst>
+                              <p:cond delay="0"/>
+                            </p:stCondLst>
+                            <p:childTnLst>
+                              <p:par>
+                                <p:cTn id="51" presetID="10" presetClass="entr" presetSubtype="0" fill="hold" grpId="0" nodeType="clickEffect">
+                                  <p:stCondLst>
+                                    <p:cond delay="0"/>
+                                  </p:stCondLst>
+                                  <p:childTnLst>
+                                    <p:set>
+                                      <p:cBhvr>
+                                        <p:cTn id="52" dur="1" fill="hold">
+                                          <p:stCondLst>
+                                            <p:cond delay="0"/>
+                                          </p:stCondLst>
+                                        </p:cTn>
+                                        <p:tgtEl>
+                                          <p:spTgt spid="53"/>
+                                        </p:tgtEl>
+                                        <p:attrNameLst>
+                                          <p:attrName>style.visibility</p:attrName>
+                                        </p:attrNameLst>
+                                      </p:cBhvr>
+                                      <p:to>
+                                        <p:strVal val="visible"/>
+                                      </p:to>
+                                    </p:set>
+                                    <p:animEffect transition="in" filter="fade">
+                                      <p:cBhvr>
+                                        <p:cTn id="53" dur="500"/>
+                                        <p:tgtEl>
+                                          <p:spTgt spid="53"/>
+                                        </p:tgtEl>
+                                      </p:cBhvr>
+                                    </p:animEffect>
+                                  </p:childTnLst>
+                                </p:cTn>
+                              </p:par>
+                            </p:childTnLst>
+                          </p:cTn>
+                        </p:par>
+                      </p:childTnLst>
+                    </p:cTn>
+                  </p:par>
+                </p:childTnLst>
+              </p:cTn>
+              <p:prevCondLst>
+                <p:cond evt="onPrev" delay="0">
+                  <p:tgtEl>
+                    <p:sldTgt/>
+                  </p:tgtEl>
+                </p:cond>
+              </p:prevCondLst>
+              <p:nextCondLst>
+                <p:cond evt="onNext" delay="0">
+                  <p:tgtEl>
+                    <p:sldTgt/>
+                  </p:tgtEl>
+                </p:cond>
+              </p:nextCondLst>
+            </p:seq>
+          </p:childTnLst>
+        </p:cTn>
+      </p:par>
+    </p:tnLst>
+    <p:bldLst>
+      <p:bldP spid="2" grpId="0" animBg="1"/>
+      <p:bldP spid="51" grpId="0" animBg="1"/>
+      <p:bldP spid="52" grpId="0" animBg="1"/>
+      <p:bldP spid="53" grpId="0" animBg="1"/>
+    </p:bldLst>
+  </p:timing>
+</p:sld>
+</file>
+
+<file path=ppt/slides/slide34.xml><?xml version="1.0" encoding="utf-8"?>
+<p:sld xmlns:a="http://schemas.openxmlformats.org/drawingml/2006/main" xmlns:r="http://schemas.openxmlformats.org/officeDocument/2006/relationships" xmlns:p="http://schemas.openxmlformats.org/presentationml/2006/main">
+  <p:cSld>
+    <p:spTree>
+      <p:nvGrpSpPr>
+        <p:cNvPr id="1" name=""/>
+        <p:cNvGrpSpPr/>
+        <p:nvPr/>
+      </p:nvGrpSpPr>
+      <p:grpSpPr>
+        <a:xfrm>
+          <a:off x="0" y="0"/>
+          <a:ext cx="0" cy="0"/>
+          <a:chOff x="0" y="0"/>
+          <a:chExt cx="0" cy="0"/>
+        </a:xfrm>
+      </p:grpSpPr>
+      <p:sp>
+        <p:nvSpPr>
+          <p:cNvPr id="2" name="Rectangle 1">
+            <a:extLst>
+              <a:ext uri="{FF2B5EF4-FFF2-40B4-BE49-F238E27FC236}">
+                <a16:creationId xmlns:a16="http://schemas.microsoft.com/office/drawing/2014/main" id="{3F8D074E-F64C-46DA-995A-A6C28C54EF5D}"/>
+              </a:ext>
+            </a:extLst>
+          </p:cNvPr>
+          <p:cNvSpPr/>
+          <p:nvPr/>
+        </p:nvSpPr>
+        <p:spPr>
+          <a:xfrm>
+            <a:off x="276837" y="771787"/>
+            <a:ext cx="1803633" cy="360727"/>
+          </a:xfrm>
+          <a:prstGeom prst="rect">
+            <a:avLst/>
+          </a:prstGeom>
+        </p:spPr>
+        <p:style>
+          <a:lnRef idx="2">
+            <a:schemeClr val="accent5">
+              <a:shade val="50000"/>
+            </a:schemeClr>
+          </a:lnRef>
+          <a:fillRef idx="1">
+            <a:schemeClr val="accent5"/>
+          </a:fillRef>
+          <a:effectRef idx="0">
+            <a:schemeClr val="accent5"/>
+          </a:effectRef>
+          <a:fontRef idx="minor">
+            <a:schemeClr val="lt1"/>
+          </a:fontRef>
+        </p:style>
+        <p:txBody>
+          <a:bodyPr rtlCol="0" anchor="ctr"/>
+          <a:lstStyle/>
+          <a:p>
+            <a:pPr algn="ctr"/>
+            <a:r>
+              <a:rPr lang="en-US"/>
+              <a:t>products</a:t>
+            </a:r>
+          </a:p>
+        </p:txBody>
+      </p:sp>
+      <p:cxnSp>
+        <p:nvCxnSpPr>
+          <p:cNvPr id="14" name="Straight Arrow Connector 13">
+            <a:extLst>
+              <a:ext uri="{FF2B5EF4-FFF2-40B4-BE49-F238E27FC236}">
+                <a16:creationId xmlns:a16="http://schemas.microsoft.com/office/drawing/2014/main" id="{6FC8BBC4-DAEF-4D2C-9F8D-A431E318C8B8}"/>
+              </a:ext>
+            </a:extLst>
+          </p:cNvPr>
+          <p:cNvCxnSpPr>
+            <a:cxnSpLocks/>
+            <a:stCxn id="2" idx="3"/>
+          </p:cNvCxnSpPr>
+          <p:nvPr/>
+        </p:nvCxnSpPr>
+        <p:spPr>
+          <a:xfrm>
+            <a:off x="2080470" y="952151"/>
+            <a:ext cx="855677" cy="352336"/>
+          </a:xfrm>
+          <a:prstGeom prst="straightConnector1">
+            <a:avLst/>
+          </a:prstGeom>
+          <a:ln>
+            <a:tailEnd type="triangle"/>
+          </a:ln>
+        </p:spPr>
+        <p:style>
+          <a:lnRef idx="1">
+            <a:schemeClr val="accent1"/>
+          </a:lnRef>
+          <a:fillRef idx="0">
+            <a:schemeClr val="accent1"/>
+          </a:fillRef>
+          <a:effectRef idx="0">
+            <a:schemeClr val="accent1"/>
+          </a:effectRef>
+          <a:fontRef idx="minor">
+            <a:schemeClr val="tx1"/>
+          </a:fontRef>
+        </p:style>
+      </p:cxnSp>
+      <p:grpSp>
+        <p:nvGrpSpPr>
+          <p:cNvPr id="50" name="Group 49">
+            <a:extLst>
+              <a:ext uri="{FF2B5EF4-FFF2-40B4-BE49-F238E27FC236}">
+                <a16:creationId xmlns:a16="http://schemas.microsoft.com/office/drawing/2014/main" id="{7549E4C9-5A0D-4C61-B16F-EA9B95EE3489}"/>
+              </a:ext>
+            </a:extLst>
+          </p:cNvPr>
+          <p:cNvGrpSpPr/>
+          <p:nvPr/>
+        </p:nvGrpSpPr>
+        <p:grpSpPr>
+          <a:xfrm>
+            <a:off x="10111530" y="1075555"/>
+            <a:ext cx="1803639" cy="2133552"/>
+            <a:chOff x="7687103" y="996239"/>
+            <a:chExt cx="1803639" cy="2133552"/>
+          </a:xfrm>
+        </p:grpSpPr>
+        <p:sp>
+          <p:nvSpPr>
+            <p:cNvPr id="4" name="Rectangle 3">
+              <a:extLst>
+                <a:ext uri="{FF2B5EF4-FFF2-40B4-BE49-F238E27FC236}">
+                  <a16:creationId xmlns:a16="http://schemas.microsoft.com/office/drawing/2014/main" id="{1A9F41F2-53A3-4F7A-AE90-A949AB3B2362}"/>
+                </a:ext>
+              </a:extLst>
+            </p:cNvPr>
+            <p:cNvSpPr/>
+            <p:nvPr/>
+          </p:nvSpPr>
+          <p:spPr>
+            <a:xfrm>
+              <a:off x="7687103" y="996239"/>
+              <a:ext cx="1803633" cy="360727"/>
+            </a:xfrm>
+            <a:prstGeom prst="rect">
+              <a:avLst/>
+            </a:prstGeom>
+          </p:spPr>
+          <p:style>
+            <a:lnRef idx="2">
+              <a:schemeClr val="accent4">
+                <a:shade val="50000"/>
+              </a:schemeClr>
+            </a:lnRef>
+            <a:fillRef idx="1">
+              <a:schemeClr val="accent4"/>
+            </a:fillRef>
+            <a:effectRef idx="0">
+              <a:schemeClr val="accent4"/>
+            </a:effectRef>
+            <a:fontRef idx="minor">
+              <a:schemeClr val="lt1"/>
+            </a:fontRef>
+          </p:style>
+          <p:txBody>
+            <a:bodyPr rtlCol="0" anchor="ctr"/>
+            <a:lstStyle/>
+            <a:p>
+              <a:pPr algn="ctr"/>
+              <a:r>
+                <a:rPr lang="en-US"/>
+                <a:t>values</a:t>
+              </a:r>
+            </a:p>
+          </p:txBody>
+        </p:sp>
+        <p:sp>
+          <p:nvSpPr>
+            <p:cNvPr id="21" name="Rectangle 20">
+              <a:extLst>
+                <a:ext uri="{FF2B5EF4-FFF2-40B4-BE49-F238E27FC236}">
+                  <a16:creationId xmlns:a16="http://schemas.microsoft.com/office/drawing/2014/main" id="{C5485F2A-10D5-420F-80D9-84B723866910}"/>
+                </a:ext>
+              </a:extLst>
+            </p:cNvPr>
+            <p:cNvSpPr/>
+            <p:nvPr/>
+          </p:nvSpPr>
+          <p:spPr>
+            <a:xfrm>
+              <a:off x="7687104" y="1712398"/>
+              <a:ext cx="1803633" cy="360727"/>
+            </a:xfrm>
+            <a:prstGeom prst="rect">
+              <a:avLst/>
+            </a:prstGeom>
+          </p:spPr>
+          <p:style>
+            <a:lnRef idx="2">
+              <a:schemeClr val="accent4"/>
+            </a:lnRef>
+            <a:fillRef idx="1">
+              <a:schemeClr val="lt1"/>
+            </a:fillRef>
+            <a:effectRef idx="0">
+              <a:schemeClr val="accent4"/>
+            </a:effectRef>
+            <a:fontRef idx="minor">
+              <a:schemeClr val="dk1"/>
+            </a:fontRef>
+          </p:style>
+          <p:txBody>
+            <a:bodyPr rtlCol="0" anchor="ctr"/>
+            <a:lstStyle/>
+            <a:p>
+              <a:pPr algn="ctr"/>
+              <a:r>
+                <a:rPr lang="en-US"/>
+                <a:t>id_attribute</a:t>
+              </a:r>
+            </a:p>
+          </p:txBody>
+        </p:sp>
+        <p:sp>
+          <p:nvSpPr>
+            <p:cNvPr id="22" name="Rectangle 21">
+              <a:extLst>
+                <a:ext uri="{FF2B5EF4-FFF2-40B4-BE49-F238E27FC236}">
+                  <a16:creationId xmlns:a16="http://schemas.microsoft.com/office/drawing/2014/main" id="{20BC2B2F-3836-4799-A73F-58D85A084BE0}"/>
+                </a:ext>
+              </a:extLst>
+            </p:cNvPr>
+            <p:cNvSpPr/>
+            <p:nvPr/>
+          </p:nvSpPr>
+          <p:spPr>
+            <a:xfrm>
+              <a:off x="7687109" y="2075571"/>
+              <a:ext cx="1803633" cy="360727"/>
+            </a:xfrm>
+            <a:prstGeom prst="rect">
+              <a:avLst/>
+            </a:prstGeom>
+          </p:spPr>
+          <p:style>
+            <a:lnRef idx="2">
+              <a:schemeClr val="accent4"/>
+            </a:lnRef>
+            <a:fillRef idx="1">
+              <a:schemeClr val="lt1"/>
+            </a:fillRef>
+            <a:effectRef idx="0">
+              <a:schemeClr val="accent4"/>
+            </a:effectRef>
+            <a:fontRef idx="minor">
+              <a:schemeClr val="dk1"/>
+            </a:fontRef>
+          </p:style>
+          <p:txBody>
+            <a:bodyPr rtlCol="0" anchor="ctr"/>
+            <a:lstStyle/>
+            <a:p>
+              <a:pPr algn="ctr"/>
+              <a:r>
+                <a:rPr lang="en-US"/>
+                <a:t>value</a:t>
+              </a:r>
+            </a:p>
+          </p:txBody>
+        </p:sp>
+        <p:sp>
+          <p:nvSpPr>
+            <p:cNvPr id="23" name="Rectangle 22">
+              <a:extLst>
+                <a:ext uri="{FF2B5EF4-FFF2-40B4-BE49-F238E27FC236}">
+                  <a16:creationId xmlns:a16="http://schemas.microsoft.com/office/drawing/2014/main" id="{84C6AE89-94D3-42ED-AA77-B829F27A938D}"/>
+                </a:ext>
+              </a:extLst>
+            </p:cNvPr>
+            <p:cNvSpPr/>
+            <p:nvPr/>
+          </p:nvSpPr>
+          <p:spPr>
+            <a:xfrm>
+              <a:off x="7687107" y="2431406"/>
+              <a:ext cx="1803633" cy="360727"/>
+            </a:xfrm>
+            <a:prstGeom prst="rect">
+              <a:avLst/>
+            </a:prstGeom>
+          </p:spPr>
+          <p:style>
+            <a:lnRef idx="2">
+              <a:schemeClr val="accent4"/>
+            </a:lnRef>
+            <a:fillRef idx="1">
+              <a:schemeClr val="lt1"/>
+            </a:fillRef>
+            <a:effectRef idx="0">
+              <a:schemeClr val="accent4"/>
+            </a:effectRef>
+            <a:fontRef idx="minor">
+              <a:schemeClr val="dk1"/>
+            </a:fontRef>
+          </p:style>
+          <p:txBody>
+            <a:bodyPr rtlCol="0" anchor="ctr"/>
+            <a:lstStyle/>
+            <a:p>
+              <a:pPr algn="ctr"/>
+              <a:r>
+                <a:rPr lang="en-US"/>
+                <a:t>position</a:t>
+              </a:r>
+            </a:p>
+          </p:txBody>
+        </p:sp>
+        <p:sp>
+          <p:nvSpPr>
+            <p:cNvPr id="24" name="Rectangle 23">
+              <a:extLst>
+                <a:ext uri="{FF2B5EF4-FFF2-40B4-BE49-F238E27FC236}">
+                  <a16:creationId xmlns:a16="http://schemas.microsoft.com/office/drawing/2014/main" id="{537B6B53-0B19-475D-A874-BB4599CD015B}"/>
+                </a:ext>
+              </a:extLst>
+            </p:cNvPr>
+            <p:cNvSpPr/>
+            <p:nvPr/>
+          </p:nvSpPr>
+          <p:spPr>
+            <a:xfrm>
+              <a:off x="7687105" y="2769064"/>
+              <a:ext cx="1803633" cy="360727"/>
+            </a:xfrm>
+            <a:prstGeom prst="rect">
+              <a:avLst/>
+            </a:prstGeom>
+          </p:spPr>
+          <p:style>
+            <a:lnRef idx="2">
+              <a:schemeClr val="accent4"/>
+            </a:lnRef>
+            <a:fillRef idx="1">
+              <a:schemeClr val="lt1"/>
+            </a:fillRef>
+            <a:effectRef idx="0">
+              <a:schemeClr val="accent4"/>
+            </a:effectRef>
+            <a:fontRef idx="minor">
+              <a:schemeClr val="dk1"/>
+            </a:fontRef>
+          </p:style>
+          <p:txBody>
+            <a:bodyPr rtlCol="0" anchor="ctr"/>
+            <a:lstStyle/>
+            <a:p>
+              <a:pPr algn="ctr"/>
+              <a:r>
+                <a:rPr lang="en-US"/>
+                <a:t>active</a:t>
+              </a:r>
+            </a:p>
+          </p:txBody>
+        </p:sp>
+        <p:sp>
+          <p:nvSpPr>
+            <p:cNvPr id="25" name="Rectangle 24">
+              <a:extLst>
+                <a:ext uri="{FF2B5EF4-FFF2-40B4-BE49-F238E27FC236}">
+                  <a16:creationId xmlns:a16="http://schemas.microsoft.com/office/drawing/2014/main" id="{34684E87-EC54-4D4D-BBE7-81C277CCA391}"/>
+                </a:ext>
+              </a:extLst>
+            </p:cNvPr>
+            <p:cNvSpPr/>
+            <p:nvPr/>
+          </p:nvSpPr>
+          <p:spPr>
+            <a:xfrm>
+              <a:off x="7687104" y="1342935"/>
+              <a:ext cx="1803633" cy="360727"/>
+            </a:xfrm>
+            <a:prstGeom prst="rect">
+              <a:avLst/>
+            </a:prstGeom>
+          </p:spPr>
+          <p:style>
+            <a:lnRef idx="2">
+              <a:schemeClr val="accent4"/>
+            </a:lnRef>
+            <a:fillRef idx="1">
+              <a:schemeClr val="lt1"/>
+            </a:fillRef>
+            <a:effectRef idx="0">
+              <a:schemeClr val="accent4"/>
+            </a:effectRef>
+            <a:fontRef idx="minor">
+              <a:schemeClr val="dk1"/>
+            </a:fontRef>
+          </p:style>
+          <p:txBody>
+            <a:bodyPr rtlCol="0" anchor="ctr"/>
+            <a:lstStyle/>
+            <a:p>
+              <a:pPr algn="ctr"/>
+              <a:r>
+                <a:rPr lang="en-US"/>
+                <a:t>id</a:t>
+              </a:r>
+            </a:p>
+          </p:txBody>
+        </p:sp>
+      </p:grpSp>
+      <p:cxnSp>
+        <p:nvCxnSpPr>
+          <p:cNvPr id="27" name="Straight Arrow Connector 26">
+            <a:extLst>
+              <a:ext uri="{FF2B5EF4-FFF2-40B4-BE49-F238E27FC236}">
+                <a16:creationId xmlns:a16="http://schemas.microsoft.com/office/drawing/2014/main" id="{60D6B68D-CEE9-43A3-AEBD-CC74B9133325}"/>
+              </a:ext>
+            </a:extLst>
+          </p:cNvPr>
+          <p:cNvCxnSpPr>
+            <a:cxnSpLocks/>
+            <a:stCxn id="16" idx="3"/>
+            <a:endCxn id="21" idx="1"/>
+          </p:cNvCxnSpPr>
+          <p:nvPr/>
+        </p:nvCxnSpPr>
+        <p:spPr>
+          <a:xfrm>
+            <a:off x="9349418" y="1643127"/>
+            <a:ext cx="762113" cy="328951"/>
+          </a:xfrm>
+          <a:prstGeom prst="straightConnector1">
+            <a:avLst/>
+          </a:prstGeom>
+          <a:ln>
+            <a:tailEnd type="triangle"/>
+          </a:ln>
+        </p:spPr>
+        <p:style>
+          <a:lnRef idx="1">
+            <a:schemeClr val="accent1"/>
+          </a:lnRef>
+          <a:fillRef idx="0">
+            <a:schemeClr val="accent1"/>
+          </a:fillRef>
+          <a:effectRef idx="0">
+            <a:schemeClr val="accent1"/>
+          </a:effectRef>
+          <a:fontRef idx="minor">
+            <a:schemeClr val="tx1"/>
+          </a:fontRef>
+        </p:style>
+      </p:cxnSp>
+      <p:cxnSp>
+        <p:nvCxnSpPr>
+          <p:cNvPr id="34" name="Straight Arrow Connector 33">
+            <a:extLst>
+              <a:ext uri="{FF2B5EF4-FFF2-40B4-BE49-F238E27FC236}">
+                <a16:creationId xmlns:a16="http://schemas.microsoft.com/office/drawing/2014/main" id="{376B9E48-6DB2-4F97-8ADC-5291C3188975}"/>
+              </a:ext>
+            </a:extLst>
+          </p:cNvPr>
+          <p:cNvCxnSpPr>
+            <a:stCxn id="6" idx="3"/>
+            <a:endCxn id="30" idx="1"/>
+          </p:cNvCxnSpPr>
+          <p:nvPr/>
+        </p:nvCxnSpPr>
+        <p:spPr>
+          <a:xfrm>
+            <a:off x="4739779" y="1314274"/>
+            <a:ext cx="517318" cy="705717"/>
+          </a:xfrm>
+          <a:prstGeom prst="straightConnector1">
+            <a:avLst/>
+          </a:prstGeom>
+          <a:ln>
+            <a:tailEnd type="triangle"/>
+          </a:ln>
+        </p:spPr>
+        <p:style>
+          <a:lnRef idx="1">
+            <a:schemeClr val="accent1"/>
+          </a:lnRef>
+          <a:fillRef idx="0">
+            <a:schemeClr val="accent1"/>
+          </a:fillRef>
+          <a:effectRef idx="0">
+            <a:schemeClr val="accent1"/>
+          </a:effectRef>
+          <a:fontRef idx="minor">
+            <a:schemeClr val="tx1"/>
+          </a:fontRef>
+        </p:style>
+      </p:cxnSp>
+      <p:cxnSp>
+        <p:nvCxnSpPr>
+          <p:cNvPr id="36" name="Straight Arrow Connector 35">
+            <a:extLst>
+              <a:ext uri="{FF2B5EF4-FFF2-40B4-BE49-F238E27FC236}">
+                <a16:creationId xmlns:a16="http://schemas.microsoft.com/office/drawing/2014/main" id="{B6EB232F-3423-4B9D-A178-0094E1991EAF}"/>
+              </a:ext>
+            </a:extLst>
+          </p:cNvPr>
+          <p:cNvCxnSpPr>
+            <a:cxnSpLocks/>
+            <a:stCxn id="16" idx="1"/>
+            <a:endCxn id="31" idx="3"/>
+          </p:cNvCxnSpPr>
+          <p:nvPr/>
+        </p:nvCxnSpPr>
+        <p:spPr>
+          <a:xfrm flipH="1">
+            <a:off x="7060730" y="1643127"/>
+            <a:ext cx="485055" cy="714522"/>
+          </a:xfrm>
+          <a:prstGeom prst="straightConnector1">
+            <a:avLst/>
+          </a:prstGeom>
+          <a:ln>
+            <a:tailEnd type="triangle"/>
+          </a:ln>
+        </p:spPr>
+        <p:style>
+          <a:lnRef idx="1">
+            <a:schemeClr val="accent1"/>
+          </a:lnRef>
+          <a:fillRef idx="0">
+            <a:schemeClr val="accent1"/>
+          </a:fillRef>
+          <a:effectRef idx="0">
+            <a:schemeClr val="accent1"/>
+          </a:effectRef>
+          <a:fontRef idx="minor">
+            <a:schemeClr val="tx1"/>
+          </a:fontRef>
+        </p:style>
+      </p:cxnSp>
+      <p:grpSp>
+        <p:nvGrpSpPr>
+          <p:cNvPr id="13" name="Group 12">
+            <a:extLst>
+              <a:ext uri="{FF2B5EF4-FFF2-40B4-BE49-F238E27FC236}">
+                <a16:creationId xmlns:a16="http://schemas.microsoft.com/office/drawing/2014/main" id="{4D2F9BD9-5FEA-4CCD-A19B-F80D07E8F6FD}"/>
+              </a:ext>
+            </a:extLst>
+          </p:cNvPr>
+          <p:cNvGrpSpPr/>
+          <p:nvPr/>
+        </p:nvGrpSpPr>
+        <p:grpSpPr>
+          <a:xfrm>
+            <a:off x="7545782" y="1112520"/>
+            <a:ext cx="1803636" cy="1770082"/>
+            <a:chOff x="7545782" y="1112520"/>
+            <a:chExt cx="1803636" cy="1770082"/>
+          </a:xfrm>
+        </p:grpSpPr>
+        <p:sp>
+          <p:nvSpPr>
+            <p:cNvPr id="15" name="Rectangle 14">
+              <a:extLst>
+                <a:ext uri="{FF2B5EF4-FFF2-40B4-BE49-F238E27FC236}">
+                  <a16:creationId xmlns:a16="http://schemas.microsoft.com/office/drawing/2014/main" id="{4EF6BAEB-29DC-42CF-B990-C79F69CA6197}"/>
+                </a:ext>
+              </a:extLst>
+            </p:cNvPr>
+            <p:cNvSpPr/>
+            <p:nvPr/>
+          </p:nvSpPr>
+          <p:spPr>
+            <a:xfrm>
+              <a:off x="7545782" y="1112520"/>
+              <a:ext cx="1803633" cy="360727"/>
+            </a:xfrm>
+            <a:prstGeom prst="rect">
+              <a:avLst/>
+            </a:prstGeom>
+          </p:spPr>
+          <p:style>
+            <a:lnRef idx="2">
+              <a:schemeClr val="accent6">
+                <a:shade val="50000"/>
+              </a:schemeClr>
+            </a:lnRef>
+            <a:fillRef idx="1">
+              <a:schemeClr val="accent6"/>
+            </a:fillRef>
+            <a:effectRef idx="0">
+              <a:schemeClr val="accent6"/>
+            </a:effectRef>
+            <a:fontRef idx="minor">
+              <a:schemeClr val="lt1"/>
+            </a:fontRef>
+          </p:style>
+          <p:txBody>
+            <a:bodyPr rtlCol="0" anchor="ctr"/>
+            <a:lstStyle/>
+            <a:p>
+              <a:pPr algn="ctr"/>
+              <a:r>
+                <a:rPr lang="en-US"/>
+                <a:t>attributes</a:t>
+              </a:r>
+            </a:p>
+          </p:txBody>
+        </p:sp>
+        <p:sp>
+          <p:nvSpPr>
+            <p:cNvPr id="16" name="Rectangle 15">
+              <a:extLst>
+                <a:ext uri="{FF2B5EF4-FFF2-40B4-BE49-F238E27FC236}">
+                  <a16:creationId xmlns:a16="http://schemas.microsoft.com/office/drawing/2014/main" id="{4ECEE710-10D6-4A43-B885-13441EB035E7}"/>
+                </a:ext>
+              </a:extLst>
+            </p:cNvPr>
+            <p:cNvSpPr/>
+            <p:nvPr/>
+          </p:nvSpPr>
+          <p:spPr>
+            <a:xfrm>
+              <a:off x="7545785" y="1462763"/>
+              <a:ext cx="1803633" cy="360727"/>
+            </a:xfrm>
+            <a:prstGeom prst="rect">
+              <a:avLst/>
+            </a:prstGeom>
+          </p:spPr>
+          <p:style>
+            <a:lnRef idx="2">
+              <a:schemeClr val="accent6"/>
+            </a:lnRef>
+            <a:fillRef idx="1">
+              <a:schemeClr val="lt1"/>
+            </a:fillRef>
+            <a:effectRef idx="0">
+              <a:schemeClr val="accent6"/>
+            </a:effectRef>
+            <a:fontRef idx="minor">
+              <a:schemeClr val="dk1"/>
+            </a:fontRef>
+          </p:style>
+          <p:txBody>
+            <a:bodyPr rtlCol="0" anchor="ctr"/>
+            <a:lstStyle/>
+            <a:p>
+              <a:pPr algn="ctr"/>
+              <a:r>
+                <a:rPr lang="en-US"/>
+                <a:t>id</a:t>
+              </a:r>
+            </a:p>
+          </p:txBody>
+        </p:sp>
+        <p:sp>
+          <p:nvSpPr>
+            <p:cNvPr id="17" name="Rectangle 16">
+              <a:extLst>
+                <a:ext uri="{FF2B5EF4-FFF2-40B4-BE49-F238E27FC236}">
+                  <a16:creationId xmlns:a16="http://schemas.microsoft.com/office/drawing/2014/main" id="{32713577-A8B6-4BF1-B275-987F826A01BD}"/>
+                </a:ext>
+              </a:extLst>
+            </p:cNvPr>
+            <p:cNvSpPr/>
+            <p:nvPr/>
+          </p:nvSpPr>
+          <p:spPr>
+            <a:xfrm>
+              <a:off x="7545784" y="1824886"/>
+              <a:ext cx="1803633" cy="360727"/>
+            </a:xfrm>
+            <a:prstGeom prst="rect">
+              <a:avLst/>
+            </a:prstGeom>
+          </p:spPr>
+          <p:style>
+            <a:lnRef idx="2">
+              <a:schemeClr val="accent6"/>
+            </a:lnRef>
+            <a:fillRef idx="1">
+              <a:schemeClr val="lt1"/>
+            </a:fillRef>
+            <a:effectRef idx="0">
+              <a:schemeClr val="accent6"/>
+            </a:effectRef>
+            <a:fontRef idx="minor">
+              <a:schemeClr val="dk1"/>
+            </a:fontRef>
+          </p:style>
+          <p:txBody>
+            <a:bodyPr rtlCol="0" anchor="ctr"/>
+            <a:lstStyle/>
+            <a:p>
+              <a:pPr algn="ctr"/>
+              <a:r>
+                <a:rPr lang="en-US"/>
+                <a:t>name</a:t>
+              </a:r>
+            </a:p>
+          </p:txBody>
+        </p:sp>
+        <p:sp>
+          <p:nvSpPr>
+            <p:cNvPr id="18" name="Rectangle 17">
+              <a:extLst>
+                <a:ext uri="{FF2B5EF4-FFF2-40B4-BE49-F238E27FC236}">
+                  <a16:creationId xmlns:a16="http://schemas.microsoft.com/office/drawing/2014/main" id="{14DBF51A-259F-45F2-9D2F-EB43EBDD0590}"/>
+                </a:ext>
+              </a:extLst>
+            </p:cNvPr>
+            <p:cNvSpPr/>
+            <p:nvPr/>
+          </p:nvSpPr>
+          <p:spPr>
+            <a:xfrm>
+              <a:off x="7545783" y="2171632"/>
+              <a:ext cx="1803633" cy="360727"/>
+            </a:xfrm>
+            <a:prstGeom prst="rect">
+              <a:avLst/>
+            </a:prstGeom>
+          </p:spPr>
+          <p:style>
+            <a:lnRef idx="2">
+              <a:schemeClr val="accent6"/>
+            </a:lnRef>
+            <a:fillRef idx="1">
+              <a:schemeClr val="lt1"/>
+            </a:fillRef>
+            <a:effectRef idx="0">
+              <a:schemeClr val="accent6"/>
+            </a:effectRef>
+            <a:fontRef idx="minor">
+              <a:schemeClr val="dk1"/>
+            </a:fontRef>
+          </p:style>
+          <p:txBody>
+            <a:bodyPr rtlCol="0" anchor="ctr"/>
+            <a:lstStyle/>
+            <a:p>
+              <a:pPr algn="ctr"/>
+              <a:r>
+                <a:rPr lang="en-US"/>
+                <a:t>position</a:t>
+              </a:r>
+            </a:p>
+          </p:txBody>
+        </p:sp>
+        <p:sp>
+          <p:nvSpPr>
+            <p:cNvPr id="19" name="Rectangle 18">
+              <a:extLst>
+                <a:ext uri="{FF2B5EF4-FFF2-40B4-BE49-F238E27FC236}">
+                  <a16:creationId xmlns:a16="http://schemas.microsoft.com/office/drawing/2014/main" id="{8D27E82D-E34A-4EF4-AAFF-FF9E96943A55}"/>
+                </a:ext>
+              </a:extLst>
+            </p:cNvPr>
+            <p:cNvSpPr/>
+            <p:nvPr/>
+          </p:nvSpPr>
+          <p:spPr>
+            <a:xfrm>
+              <a:off x="7545783" y="2521875"/>
+              <a:ext cx="1803633" cy="360727"/>
+            </a:xfrm>
+            <a:prstGeom prst="rect">
+              <a:avLst/>
+            </a:prstGeom>
+          </p:spPr>
+          <p:style>
+            <a:lnRef idx="2">
+              <a:schemeClr val="accent6"/>
+            </a:lnRef>
+            <a:fillRef idx="1">
+              <a:schemeClr val="lt1"/>
+            </a:fillRef>
+            <a:effectRef idx="0">
+              <a:schemeClr val="accent6"/>
+            </a:effectRef>
+            <a:fontRef idx="minor">
+              <a:schemeClr val="dk1"/>
+            </a:fontRef>
+          </p:style>
+          <p:txBody>
+            <a:bodyPr rtlCol="0" anchor="ctr"/>
+            <a:lstStyle/>
+            <a:p>
+              <a:pPr algn="ctr"/>
+              <a:r>
+                <a:rPr lang="en-US"/>
+                <a:t>active</a:t>
+              </a:r>
+            </a:p>
+          </p:txBody>
+        </p:sp>
+      </p:grpSp>
+      <p:grpSp>
+        <p:nvGrpSpPr>
+          <p:cNvPr id="37" name="Group 36">
+            <a:extLst>
+              <a:ext uri="{FF2B5EF4-FFF2-40B4-BE49-F238E27FC236}">
+                <a16:creationId xmlns:a16="http://schemas.microsoft.com/office/drawing/2014/main" id="{61243E92-6C4D-4FB8-B1B8-564FEF638D3A}"/>
+              </a:ext>
+            </a:extLst>
+          </p:cNvPr>
+          <p:cNvGrpSpPr/>
+          <p:nvPr/>
+        </p:nvGrpSpPr>
+        <p:grpSpPr>
+          <a:xfrm>
+            <a:off x="5257096" y="1515598"/>
+            <a:ext cx="1803636" cy="1335766"/>
+            <a:chOff x="5257096" y="1515598"/>
+            <a:chExt cx="1803636" cy="1335766"/>
+          </a:xfrm>
+        </p:grpSpPr>
+        <p:sp>
+          <p:nvSpPr>
+            <p:cNvPr id="29" name="Rectangle 28">
+              <a:extLst>
+                <a:ext uri="{FF2B5EF4-FFF2-40B4-BE49-F238E27FC236}">
+                  <a16:creationId xmlns:a16="http://schemas.microsoft.com/office/drawing/2014/main" id="{D46EBF14-2335-480B-AEFD-B57AE16F343D}"/>
+                </a:ext>
+              </a:extLst>
+            </p:cNvPr>
+            <p:cNvSpPr/>
+            <p:nvPr/>
+          </p:nvSpPr>
+          <p:spPr>
+            <a:xfrm>
+              <a:off x="5257099" y="1515598"/>
+              <a:ext cx="1803633" cy="336262"/>
+            </a:xfrm>
+            <a:prstGeom prst="rect">
+              <a:avLst/>
+            </a:prstGeom>
+          </p:spPr>
+          <p:style>
+            <a:lnRef idx="2">
+              <a:schemeClr val="accent3">
+                <a:shade val="50000"/>
+              </a:schemeClr>
+            </a:lnRef>
+            <a:fillRef idx="1">
+              <a:schemeClr val="accent3"/>
+            </a:fillRef>
+            <a:effectRef idx="0">
+              <a:schemeClr val="accent3"/>
+            </a:effectRef>
+            <a:fontRef idx="minor">
+              <a:schemeClr val="lt1"/>
+            </a:fontRef>
+          </p:style>
+          <p:txBody>
+            <a:bodyPr rtlCol="0" anchor="ctr"/>
+            <a:lstStyle/>
+            <a:p>
+              <a:pPr algn="ctr"/>
+              <a:r>
+                <a:rPr lang="en-US"/>
+                <a:t>value_variant</a:t>
+              </a:r>
+            </a:p>
+          </p:txBody>
+        </p:sp>
+        <p:sp>
+          <p:nvSpPr>
+            <p:cNvPr id="30" name="Rectangle 29">
+              <a:extLst>
+                <a:ext uri="{FF2B5EF4-FFF2-40B4-BE49-F238E27FC236}">
+                  <a16:creationId xmlns:a16="http://schemas.microsoft.com/office/drawing/2014/main" id="{D4A41E1E-26F0-4536-BB14-1A47A224DD75}"/>
+                </a:ext>
+              </a:extLst>
+            </p:cNvPr>
+            <p:cNvSpPr/>
+            <p:nvPr/>
+          </p:nvSpPr>
+          <p:spPr>
+            <a:xfrm>
+              <a:off x="5257097" y="1851860"/>
+              <a:ext cx="1803633" cy="336262"/>
+            </a:xfrm>
+            <a:prstGeom prst="rect">
+              <a:avLst/>
+            </a:prstGeom>
+          </p:spPr>
+          <p:style>
+            <a:lnRef idx="2">
+              <a:schemeClr val="accent3"/>
+            </a:lnRef>
+            <a:fillRef idx="1">
+              <a:schemeClr val="lt1"/>
+            </a:fillRef>
+            <a:effectRef idx="0">
+              <a:schemeClr val="accent3"/>
+            </a:effectRef>
+            <a:fontRef idx="minor">
+              <a:schemeClr val="dk1"/>
+            </a:fontRef>
+          </p:style>
+          <p:txBody>
+            <a:bodyPr rtlCol="0" anchor="ctr"/>
+            <a:lstStyle/>
+            <a:p>
+              <a:pPr algn="ctr"/>
+              <a:r>
+                <a:rPr lang="en-US"/>
+                <a:t>id_variant</a:t>
+              </a:r>
+            </a:p>
+          </p:txBody>
+        </p:sp>
+        <p:sp>
+          <p:nvSpPr>
+            <p:cNvPr id="31" name="Rectangle 30">
+              <a:extLst>
+                <a:ext uri="{FF2B5EF4-FFF2-40B4-BE49-F238E27FC236}">
+                  <a16:creationId xmlns:a16="http://schemas.microsoft.com/office/drawing/2014/main" id="{5D992E0F-7F68-4D97-BF9A-6FB57B9F2F62}"/>
+                </a:ext>
+              </a:extLst>
+            </p:cNvPr>
+            <p:cNvSpPr/>
+            <p:nvPr/>
+          </p:nvSpPr>
+          <p:spPr>
+            <a:xfrm>
+              <a:off x="5257097" y="2189518"/>
+              <a:ext cx="1803633" cy="336262"/>
+            </a:xfrm>
+            <a:prstGeom prst="rect">
+              <a:avLst/>
+            </a:prstGeom>
+          </p:spPr>
+          <p:style>
+            <a:lnRef idx="2">
+              <a:schemeClr val="accent3"/>
+            </a:lnRef>
+            <a:fillRef idx="1">
+              <a:schemeClr val="lt1"/>
+            </a:fillRef>
+            <a:effectRef idx="0">
+              <a:schemeClr val="accent3"/>
+            </a:effectRef>
+            <a:fontRef idx="minor">
+              <a:schemeClr val="dk1"/>
+            </a:fontRef>
+          </p:style>
+          <p:txBody>
+            <a:bodyPr rtlCol="0" anchor="ctr"/>
+            <a:lstStyle/>
+            <a:p>
+              <a:pPr algn="ctr"/>
+              <a:r>
+                <a:rPr lang="en-US"/>
+                <a:t>id_attribute</a:t>
+              </a:r>
+            </a:p>
+          </p:txBody>
+        </p:sp>
+        <p:sp>
+          <p:nvSpPr>
+            <p:cNvPr id="42" name="Rectangle 41">
+              <a:extLst>
+                <a:ext uri="{FF2B5EF4-FFF2-40B4-BE49-F238E27FC236}">
+                  <a16:creationId xmlns:a16="http://schemas.microsoft.com/office/drawing/2014/main" id="{40CBDE12-0541-40BE-AA3A-192D15881F7B}"/>
+                </a:ext>
+              </a:extLst>
+            </p:cNvPr>
+            <p:cNvSpPr/>
+            <p:nvPr/>
+          </p:nvSpPr>
+          <p:spPr>
+            <a:xfrm>
+              <a:off x="5257096" y="2515102"/>
+              <a:ext cx="1803633" cy="336262"/>
+            </a:xfrm>
+            <a:prstGeom prst="rect">
+              <a:avLst/>
+            </a:prstGeom>
+          </p:spPr>
+          <p:style>
+            <a:lnRef idx="2">
+              <a:schemeClr val="accent3"/>
+            </a:lnRef>
+            <a:fillRef idx="1">
+              <a:schemeClr val="lt1"/>
+            </a:fillRef>
+            <a:effectRef idx="0">
+              <a:schemeClr val="accent3"/>
+            </a:effectRef>
+            <a:fontRef idx="minor">
+              <a:schemeClr val="dk1"/>
+            </a:fontRef>
+          </p:style>
+          <p:txBody>
+            <a:bodyPr rtlCol="0" anchor="ctr"/>
+            <a:lstStyle/>
+            <a:p>
+              <a:pPr algn="ctr"/>
+              <a:r>
+                <a:rPr lang="en-US"/>
+                <a:t>value</a:t>
+              </a:r>
+            </a:p>
+          </p:txBody>
+        </p:sp>
+      </p:grpSp>
+      <p:grpSp>
+        <p:nvGrpSpPr>
+          <p:cNvPr id="44" name="Group 43">
+            <a:extLst>
+              <a:ext uri="{FF2B5EF4-FFF2-40B4-BE49-F238E27FC236}">
+                <a16:creationId xmlns:a16="http://schemas.microsoft.com/office/drawing/2014/main" id="{47BF836E-0E8B-4C16-BEC1-5F1AAC83A108}"/>
+              </a:ext>
+            </a:extLst>
+          </p:cNvPr>
+          <p:cNvGrpSpPr/>
+          <p:nvPr/>
+        </p:nvGrpSpPr>
+        <p:grpSpPr>
+          <a:xfrm>
+            <a:off x="7545784" y="3209107"/>
+            <a:ext cx="1803635" cy="1010182"/>
+            <a:chOff x="5257097" y="1515598"/>
+            <a:chExt cx="1803635" cy="1010182"/>
+          </a:xfrm>
+        </p:grpSpPr>
+        <p:sp>
+          <p:nvSpPr>
+            <p:cNvPr id="45" name="Rectangle 44">
+              <a:extLst>
+                <a:ext uri="{FF2B5EF4-FFF2-40B4-BE49-F238E27FC236}">
+                  <a16:creationId xmlns:a16="http://schemas.microsoft.com/office/drawing/2014/main" id="{9BEF2A29-55E1-40BB-8B24-682B7A46FB9C}"/>
+                </a:ext>
+              </a:extLst>
+            </p:cNvPr>
+            <p:cNvSpPr/>
+            <p:nvPr/>
+          </p:nvSpPr>
+          <p:spPr>
+            <a:xfrm>
+              <a:off x="5257099" y="1515598"/>
+              <a:ext cx="1803633" cy="336262"/>
+            </a:xfrm>
+            <a:prstGeom prst="rect">
+              <a:avLst/>
+            </a:prstGeom>
+          </p:spPr>
+          <p:style>
+            <a:lnRef idx="2">
+              <a:schemeClr val="accent3">
+                <a:shade val="50000"/>
+              </a:schemeClr>
+            </a:lnRef>
+            <a:fillRef idx="1">
+              <a:schemeClr val="accent3"/>
+            </a:fillRef>
+            <a:effectRef idx="0">
+              <a:schemeClr val="accent3"/>
+            </a:effectRef>
+            <a:fontRef idx="minor">
+              <a:schemeClr val="lt1"/>
+            </a:fontRef>
+          </p:style>
+          <p:txBody>
+            <a:bodyPr rtlCol="0" anchor="ctr"/>
+            <a:lstStyle/>
+            <a:p>
+              <a:pPr algn="ctr"/>
+              <a:r>
+                <a:rPr lang="en-US" sz="1600"/>
+                <a:t>attribute_section</a:t>
+              </a:r>
+            </a:p>
+          </p:txBody>
+        </p:sp>
+        <p:sp>
+          <p:nvSpPr>
+            <p:cNvPr id="51" name="Rectangle 50">
+              <a:extLst>
+                <a:ext uri="{FF2B5EF4-FFF2-40B4-BE49-F238E27FC236}">
+                  <a16:creationId xmlns:a16="http://schemas.microsoft.com/office/drawing/2014/main" id="{1FD2E845-CD24-4B71-9219-2660139C4022}"/>
+                </a:ext>
+              </a:extLst>
+            </p:cNvPr>
+            <p:cNvSpPr/>
+            <p:nvPr/>
+          </p:nvSpPr>
+          <p:spPr>
+            <a:xfrm>
+              <a:off x="5257097" y="1851860"/>
+              <a:ext cx="1803633" cy="336262"/>
+            </a:xfrm>
+            <a:prstGeom prst="rect">
+              <a:avLst/>
+            </a:prstGeom>
+          </p:spPr>
+          <p:style>
+            <a:lnRef idx="2">
+              <a:schemeClr val="accent3"/>
+            </a:lnRef>
+            <a:fillRef idx="1">
+              <a:schemeClr val="lt1"/>
+            </a:fillRef>
+            <a:effectRef idx="0">
+              <a:schemeClr val="accent3"/>
+            </a:effectRef>
+            <a:fontRef idx="minor">
+              <a:schemeClr val="dk1"/>
+            </a:fontRef>
+          </p:style>
+          <p:txBody>
+            <a:bodyPr rtlCol="0" anchor="ctr"/>
+            <a:lstStyle/>
+            <a:p>
+              <a:pPr algn="ctr"/>
+              <a:r>
+                <a:rPr lang="en-US"/>
+                <a:t>id_section</a:t>
+              </a:r>
+            </a:p>
+          </p:txBody>
+        </p:sp>
+        <p:sp>
+          <p:nvSpPr>
+            <p:cNvPr id="52" name="Rectangle 51">
+              <a:extLst>
+                <a:ext uri="{FF2B5EF4-FFF2-40B4-BE49-F238E27FC236}">
+                  <a16:creationId xmlns:a16="http://schemas.microsoft.com/office/drawing/2014/main" id="{BCE7A29D-8F7E-4DA9-858A-E8522A148419}"/>
+                </a:ext>
+              </a:extLst>
+            </p:cNvPr>
+            <p:cNvSpPr/>
+            <p:nvPr/>
+          </p:nvSpPr>
+          <p:spPr>
+            <a:xfrm>
+              <a:off x="5257097" y="2189518"/>
+              <a:ext cx="1803633" cy="336262"/>
+            </a:xfrm>
+            <a:prstGeom prst="rect">
+              <a:avLst/>
+            </a:prstGeom>
+          </p:spPr>
+          <p:style>
+            <a:lnRef idx="2">
+              <a:schemeClr val="accent3"/>
+            </a:lnRef>
+            <a:fillRef idx="1">
+              <a:schemeClr val="lt1"/>
+            </a:fillRef>
+            <a:effectRef idx="0">
+              <a:schemeClr val="accent3"/>
+            </a:effectRef>
+            <a:fontRef idx="minor">
+              <a:schemeClr val="dk1"/>
+            </a:fontRef>
+          </p:style>
+          <p:txBody>
+            <a:bodyPr rtlCol="0" anchor="ctr"/>
+            <a:lstStyle/>
+            <a:p>
+              <a:pPr algn="ctr"/>
+              <a:r>
+                <a:rPr lang="en-US"/>
+                <a:t>id_attribute</a:t>
+              </a:r>
+            </a:p>
+          </p:txBody>
+        </p:sp>
+      </p:grpSp>
+      <p:cxnSp>
+        <p:nvCxnSpPr>
+          <p:cNvPr id="39" name="Straight Arrow Connector 38">
+            <a:extLst>
+              <a:ext uri="{FF2B5EF4-FFF2-40B4-BE49-F238E27FC236}">
+                <a16:creationId xmlns:a16="http://schemas.microsoft.com/office/drawing/2014/main" id="{9A576F66-1F57-42A4-8554-5CB4C45DD8B1}"/>
+              </a:ext>
+            </a:extLst>
+          </p:cNvPr>
+          <p:cNvCxnSpPr>
+            <a:stCxn id="19" idx="2"/>
+            <a:endCxn id="45" idx="0"/>
+          </p:cNvCxnSpPr>
+          <p:nvPr/>
+        </p:nvCxnSpPr>
+        <p:spPr>
+          <a:xfrm>
+            <a:off x="8447600" y="2882602"/>
+            <a:ext cx="3" cy="326505"/>
+          </a:xfrm>
+          <a:prstGeom prst="straightConnector1">
+            <a:avLst/>
+          </a:prstGeom>
+          <a:ln>
+            <a:tailEnd type="triangle"/>
+          </a:ln>
+        </p:spPr>
+        <p:style>
+          <a:lnRef idx="1">
+            <a:schemeClr val="accent1"/>
+          </a:lnRef>
+          <a:fillRef idx="0">
+            <a:schemeClr val="accent1"/>
+          </a:fillRef>
+          <a:effectRef idx="0">
+            <a:schemeClr val="accent1"/>
+          </a:effectRef>
+          <a:fontRef idx="minor">
+            <a:schemeClr val="tx1"/>
+          </a:fontRef>
+        </p:style>
+      </p:cxnSp>
+      <p:grpSp>
+        <p:nvGrpSpPr>
+          <p:cNvPr id="20" name="Group 19">
+            <a:extLst>
+              <a:ext uri="{FF2B5EF4-FFF2-40B4-BE49-F238E27FC236}">
+                <a16:creationId xmlns:a16="http://schemas.microsoft.com/office/drawing/2014/main" id="{B118EEFD-B3BE-45DA-A549-AED111268C88}"/>
+              </a:ext>
+            </a:extLst>
+          </p:cNvPr>
+          <p:cNvGrpSpPr/>
+          <p:nvPr/>
+        </p:nvGrpSpPr>
+        <p:grpSpPr>
+          <a:xfrm>
+            <a:off x="7545782" y="4731398"/>
+            <a:ext cx="1803634" cy="673920"/>
+            <a:chOff x="7545782" y="4731398"/>
+            <a:chExt cx="1803634" cy="673920"/>
+          </a:xfrm>
+        </p:grpSpPr>
+        <p:sp>
+          <p:nvSpPr>
+            <p:cNvPr id="40" name="Rectangle 39">
+              <a:extLst>
+                <a:ext uri="{FF2B5EF4-FFF2-40B4-BE49-F238E27FC236}">
+                  <a16:creationId xmlns:a16="http://schemas.microsoft.com/office/drawing/2014/main" id="{FF5AB335-5DBA-4A79-9584-6B5B2650C799}"/>
+                </a:ext>
+              </a:extLst>
+            </p:cNvPr>
+            <p:cNvSpPr/>
+            <p:nvPr/>
+          </p:nvSpPr>
+          <p:spPr>
+            <a:xfrm>
+              <a:off x="7545783" y="4731398"/>
+              <a:ext cx="1803633" cy="326505"/>
+            </a:xfrm>
+            <a:prstGeom prst="rect">
+              <a:avLst/>
+            </a:prstGeom>
+          </p:spPr>
+          <p:style>
+            <a:lnRef idx="2">
+              <a:schemeClr val="accent1">
+                <a:shade val="50000"/>
+              </a:schemeClr>
+            </a:lnRef>
+            <a:fillRef idx="1">
+              <a:schemeClr val="accent1"/>
+            </a:fillRef>
+            <a:effectRef idx="0">
+              <a:schemeClr val="accent1"/>
+            </a:effectRef>
+            <a:fontRef idx="minor">
+              <a:schemeClr val="lt1"/>
+            </a:fontRef>
+          </p:style>
+          <p:txBody>
+            <a:bodyPr rtlCol="0" anchor="ctr"/>
+            <a:lstStyle/>
+            <a:p>
+              <a:pPr algn="ctr"/>
+              <a:r>
+                <a:rPr lang="en-US"/>
+                <a:t>sections</a:t>
+              </a:r>
+            </a:p>
+          </p:txBody>
+        </p:sp>
+        <p:sp>
+          <p:nvSpPr>
+            <p:cNvPr id="54" name="Rectangle 53">
+              <a:extLst>
+                <a:ext uri="{FF2B5EF4-FFF2-40B4-BE49-F238E27FC236}">
+                  <a16:creationId xmlns:a16="http://schemas.microsoft.com/office/drawing/2014/main" id="{FFEAA1C0-63D4-4826-8BC8-5E6563400A3F}"/>
+                </a:ext>
+              </a:extLst>
+            </p:cNvPr>
+            <p:cNvSpPr/>
+            <p:nvPr/>
+          </p:nvSpPr>
+          <p:spPr>
+            <a:xfrm>
+              <a:off x="7545782" y="5078813"/>
+              <a:ext cx="1803633" cy="326505"/>
+            </a:xfrm>
+            <a:prstGeom prst="rect">
+              <a:avLst/>
+            </a:prstGeom>
+          </p:spPr>
+          <p:style>
+            <a:lnRef idx="2">
+              <a:schemeClr val="accent1"/>
+            </a:lnRef>
+            <a:fillRef idx="1">
+              <a:schemeClr val="lt1"/>
+            </a:fillRef>
+            <a:effectRef idx="0">
+              <a:schemeClr val="accent1"/>
+            </a:effectRef>
+            <a:fontRef idx="minor">
+              <a:schemeClr val="dk1"/>
+            </a:fontRef>
+          </p:style>
+          <p:txBody>
+            <a:bodyPr rtlCol="0" anchor="ctr"/>
+            <a:lstStyle/>
+            <a:p>
+              <a:pPr algn="ctr"/>
+              <a:r>
+                <a:rPr lang="en-US"/>
+                <a:t>id</a:t>
+              </a:r>
+            </a:p>
+          </p:txBody>
+        </p:sp>
+      </p:grpSp>
+      <p:cxnSp>
+        <p:nvCxnSpPr>
+          <p:cNvPr id="43" name="Straight Arrow Connector 42">
+            <a:extLst>
+              <a:ext uri="{FF2B5EF4-FFF2-40B4-BE49-F238E27FC236}">
+                <a16:creationId xmlns:a16="http://schemas.microsoft.com/office/drawing/2014/main" id="{A82CD247-BFFC-4D59-9B2F-5C60904E33FE}"/>
+              </a:ext>
+            </a:extLst>
+          </p:cNvPr>
+          <p:cNvCxnSpPr>
+            <a:stCxn id="40" idx="0"/>
+            <a:endCxn id="52" idx="2"/>
+          </p:cNvCxnSpPr>
+          <p:nvPr/>
+        </p:nvCxnSpPr>
+        <p:spPr>
+          <a:xfrm flipV="1">
+            <a:off x="8447600" y="4219289"/>
+            <a:ext cx="1" cy="512109"/>
+          </a:xfrm>
+          <a:prstGeom prst="straightConnector1">
+            <a:avLst/>
+          </a:prstGeom>
+          <a:ln>
+            <a:tailEnd type="triangle"/>
+          </a:ln>
+        </p:spPr>
+        <p:style>
+          <a:lnRef idx="1">
+            <a:schemeClr val="accent1"/>
+          </a:lnRef>
+          <a:fillRef idx="0">
+            <a:schemeClr val="accent1"/>
+          </a:fillRef>
+          <a:effectRef idx="0">
+            <a:schemeClr val="accent1"/>
+          </a:effectRef>
+          <a:fontRef idx="minor">
+            <a:schemeClr val="tx1"/>
+          </a:fontRef>
+        </p:style>
+      </p:cxnSp>
+      <p:grpSp>
+        <p:nvGrpSpPr>
+          <p:cNvPr id="26" name="Group 25">
+            <a:extLst>
+              <a:ext uri="{FF2B5EF4-FFF2-40B4-BE49-F238E27FC236}">
+                <a16:creationId xmlns:a16="http://schemas.microsoft.com/office/drawing/2014/main" id="{E17584BB-F373-4AA8-A618-17A27EA4CB12}"/>
+              </a:ext>
+            </a:extLst>
+          </p:cNvPr>
+          <p:cNvGrpSpPr/>
+          <p:nvPr/>
+        </p:nvGrpSpPr>
+        <p:grpSpPr>
+          <a:xfrm>
+            <a:off x="2936143" y="777378"/>
+            <a:ext cx="1803637" cy="3189537"/>
+            <a:chOff x="2936143" y="777378"/>
+            <a:chExt cx="1803637" cy="3189537"/>
+          </a:xfrm>
+        </p:grpSpPr>
+        <p:sp>
+          <p:nvSpPr>
+            <p:cNvPr id="3" name="Rectangle 2">
+              <a:extLst>
+                <a:ext uri="{FF2B5EF4-FFF2-40B4-BE49-F238E27FC236}">
+                  <a16:creationId xmlns:a16="http://schemas.microsoft.com/office/drawing/2014/main" id="{D9CDD065-C42B-4167-94FB-F7F65CCA364B}"/>
+                </a:ext>
+              </a:extLst>
+            </p:cNvPr>
+            <p:cNvSpPr/>
+            <p:nvPr/>
+          </p:nvSpPr>
+          <p:spPr>
+            <a:xfrm>
+              <a:off x="2936147" y="777378"/>
+              <a:ext cx="1803633" cy="360727"/>
+            </a:xfrm>
+            <a:prstGeom prst="rect">
+              <a:avLst/>
+            </a:prstGeom>
+          </p:spPr>
+          <p:style>
+            <a:lnRef idx="2">
+              <a:schemeClr val="accent2">
+                <a:shade val="50000"/>
+              </a:schemeClr>
+            </a:lnRef>
+            <a:fillRef idx="1">
+              <a:schemeClr val="accent2"/>
+            </a:fillRef>
+            <a:effectRef idx="0">
+              <a:schemeClr val="accent2"/>
+            </a:effectRef>
+            <a:fontRef idx="minor">
+              <a:schemeClr val="lt1"/>
+            </a:fontRef>
+          </p:style>
+          <p:txBody>
+            <a:bodyPr rtlCol="0" anchor="ctr"/>
+            <a:lstStyle/>
+            <a:p>
+              <a:pPr algn="ctr"/>
+              <a:r>
+                <a:rPr lang="en-US"/>
+                <a:t>variants</a:t>
+              </a:r>
+            </a:p>
+          </p:txBody>
+        </p:sp>
+        <p:sp>
+          <p:nvSpPr>
+            <p:cNvPr id="5" name="Rectangle 4">
+              <a:extLst>
+                <a:ext uri="{FF2B5EF4-FFF2-40B4-BE49-F238E27FC236}">
+                  <a16:creationId xmlns:a16="http://schemas.microsoft.com/office/drawing/2014/main" id="{654EA945-5AAC-441F-9D6B-36F1B6967189}"/>
+                </a:ext>
+              </a:extLst>
+            </p:cNvPr>
+            <p:cNvSpPr/>
+            <p:nvPr/>
+          </p:nvSpPr>
+          <p:spPr>
+            <a:xfrm>
+              <a:off x="2936145" y="1846974"/>
+              <a:ext cx="1803633" cy="360727"/>
+            </a:xfrm>
+            <a:prstGeom prst="rect">
+              <a:avLst/>
+            </a:prstGeom>
+          </p:spPr>
+          <p:style>
+            <a:lnRef idx="2">
+              <a:schemeClr val="accent2"/>
+            </a:lnRef>
+            <a:fillRef idx="1">
+              <a:schemeClr val="lt1"/>
+            </a:fillRef>
+            <a:effectRef idx="0">
+              <a:schemeClr val="accent2"/>
+            </a:effectRef>
+            <a:fontRef idx="minor">
+              <a:schemeClr val="dk1"/>
+            </a:fontRef>
+          </p:style>
+          <p:txBody>
+            <a:bodyPr rtlCol="0" anchor="ctr"/>
+            <a:lstStyle/>
+            <a:p>
+              <a:pPr algn="ctr"/>
+              <a:r>
+                <a:rPr lang="en-US"/>
+                <a:t>sku</a:t>
+              </a:r>
+            </a:p>
+          </p:txBody>
+        </p:sp>
+        <p:sp>
+          <p:nvSpPr>
+            <p:cNvPr id="6" name="Rectangle 5">
+              <a:extLst>
+                <a:ext uri="{FF2B5EF4-FFF2-40B4-BE49-F238E27FC236}">
+                  <a16:creationId xmlns:a16="http://schemas.microsoft.com/office/drawing/2014/main" id="{84D24934-FD76-430E-AADF-64E54EDBCFCD}"/>
+                </a:ext>
+              </a:extLst>
+            </p:cNvPr>
+            <p:cNvSpPr/>
+            <p:nvPr/>
+          </p:nvSpPr>
+          <p:spPr>
+            <a:xfrm>
+              <a:off x="2936146" y="1133910"/>
+              <a:ext cx="1803633" cy="360727"/>
+            </a:xfrm>
+            <a:prstGeom prst="rect">
+              <a:avLst/>
+            </a:prstGeom>
+          </p:spPr>
+          <p:style>
+            <a:lnRef idx="2">
+              <a:schemeClr val="accent2"/>
+            </a:lnRef>
+            <a:fillRef idx="1">
+              <a:schemeClr val="lt1"/>
+            </a:fillRef>
+            <a:effectRef idx="0">
+              <a:schemeClr val="accent2"/>
+            </a:effectRef>
+            <a:fontRef idx="minor">
+              <a:schemeClr val="dk1"/>
+            </a:fontRef>
+          </p:style>
+          <p:txBody>
+            <a:bodyPr rtlCol="0" anchor="ctr"/>
+            <a:lstStyle/>
+            <a:p>
+              <a:pPr algn="ctr"/>
+              <a:r>
+                <a:rPr lang="en-US"/>
+                <a:t>id</a:t>
+              </a:r>
+            </a:p>
+          </p:txBody>
+        </p:sp>
+        <p:sp>
+          <p:nvSpPr>
+            <p:cNvPr id="7" name="Rectangle 6">
+              <a:extLst>
+                <a:ext uri="{FF2B5EF4-FFF2-40B4-BE49-F238E27FC236}">
+                  <a16:creationId xmlns:a16="http://schemas.microsoft.com/office/drawing/2014/main" id="{BD3D5C06-6A16-4504-B25E-4B86BC5977DC}"/>
+                </a:ext>
+              </a:extLst>
+            </p:cNvPr>
+            <p:cNvSpPr/>
+            <p:nvPr/>
+          </p:nvSpPr>
+          <p:spPr>
+            <a:xfrm>
+              <a:off x="2936145" y="1490442"/>
+              <a:ext cx="1803633" cy="360727"/>
+            </a:xfrm>
+            <a:prstGeom prst="rect">
+              <a:avLst/>
+            </a:prstGeom>
+          </p:spPr>
+          <p:style>
+            <a:lnRef idx="2">
+              <a:schemeClr val="accent2"/>
+            </a:lnRef>
+            <a:fillRef idx="1">
+              <a:schemeClr val="lt1"/>
+            </a:fillRef>
+            <a:effectRef idx="0">
+              <a:schemeClr val="accent2"/>
+            </a:effectRef>
+            <a:fontRef idx="minor">
+              <a:schemeClr val="dk1"/>
+            </a:fontRef>
+          </p:style>
+          <p:txBody>
+            <a:bodyPr rtlCol="0" anchor="ctr"/>
+            <a:lstStyle/>
+            <a:p>
+              <a:pPr algn="ctr"/>
+              <a:r>
+                <a:rPr lang="en-US"/>
+                <a:t>product_id</a:t>
+              </a:r>
+            </a:p>
+          </p:txBody>
+        </p:sp>
+        <p:sp>
+          <p:nvSpPr>
+            <p:cNvPr id="8" name="Rectangle 7">
+              <a:extLst>
+                <a:ext uri="{FF2B5EF4-FFF2-40B4-BE49-F238E27FC236}">
+                  <a16:creationId xmlns:a16="http://schemas.microsoft.com/office/drawing/2014/main" id="{386D5615-131D-477D-9F23-EE6835DF89B4}"/>
+                </a:ext>
+              </a:extLst>
+            </p:cNvPr>
+            <p:cNvSpPr/>
+            <p:nvPr/>
+          </p:nvSpPr>
+          <p:spPr>
+            <a:xfrm>
+              <a:off x="2936145" y="2203506"/>
+              <a:ext cx="1803633" cy="360727"/>
+            </a:xfrm>
+            <a:prstGeom prst="rect">
+              <a:avLst/>
+            </a:prstGeom>
+          </p:spPr>
+          <p:style>
+            <a:lnRef idx="2">
+              <a:schemeClr val="accent2"/>
+            </a:lnRef>
+            <a:fillRef idx="1">
+              <a:schemeClr val="lt1"/>
+            </a:fillRef>
+            <a:effectRef idx="0">
+              <a:schemeClr val="accent2"/>
+            </a:effectRef>
+            <a:fontRef idx="minor">
+              <a:schemeClr val="dk1"/>
+            </a:fontRef>
+          </p:style>
+          <p:txBody>
+            <a:bodyPr rtlCol="0" anchor="ctr"/>
+            <a:lstStyle/>
+            <a:p>
+              <a:pPr algn="ctr"/>
+              <a:r>
+                <a:rPr lang="en-US"/>
+                <a:t>price</a:t>
+              </a:r>
+            </a:p>
+          </p:txBody>
+        </p:sp>
+        <p:sp>
+          <p:nvSpPr>
+            <p:cNvPr id="9" name="Rectangle 8">
+              <a:extLst>
+                <a:ext uri="{FF2B5EF4-FFF2-40B4-BE49-F238E27FC236}">
+                  <a16:creationId xmlns:a16="http://schemas.microsoft.com/office/drawing/2014/main" id="{DB9AF7F6-0B40-49C7-8B64-9FF7585D4D32}"/>
+                </a:ext>
+              </a:extLst>
+            </p:cNvPr>
+            <p:cNvSpPr/>
+            <p:nvPr/>
+          </p:nvSpPr>
+          <p:spPr>
+            <a:xfrm>
+              <a:off x="2936145" y="2560038"/>
+              <a:ext cx="1803633" cy="360727"/>
+            </a:xfrm>
+            <a:prstGeom prst="rect">
+              <a:avLst/>
+            </a:prstGeom>
+          </p:spPr>
+          <p:style>
+            <a:lnRef idx="2">
+              <a:schemeClr val="accent2"/>
+            </a:lnRef>
+            <a:fillRef idx="1">
+              <a:schemeClr val="lt1"/>
+            </a:fillRef>
+            <a:effectRef idx="0">
+              <a:schemeClr val="accent2"/>
+            </a:effectRef>
+            <a:fontRef idx="minor">
+              <a:schemeClr val="dk1"/>
+            </a:fontRef>
+          </p:style>
+          <p:txBody>
+            <a:bodyPr rtlCol="0" anchor="ctr"/>
+            <a:lstStyle/>
+            <a:p>
+              <a:pPr algn="ctr"/>
+              <a:r>
+                <a:rPr lang="en-US"/>
+                <a:t>stock</a:t>
+              </a:r>
+            </a:p>
+          </p:txBody>
+        </p:sp>
+        <p:sp>
+          <p:nvSpPr>
+            <p:cNvPr id="10" name="Rectangle 9">
+              <a:extLst>
+                <a:ext uri="{FF2B5EF4-FFF2-40B4-BE49-F238E27FC236}">
+                  <a16:creationId xmlns:a16="http://schemas.microsoft.com/office/drawing/2014/main" id="{4E721251-DC13-46CC-BC8F-304222CA3B44}"/>
+                </a:ext>
+              </a:extLst>
+            </p:cNvPr>
+            <p:cNvSpPr/>
+            <p:nvPr/>
+          </p:nvSpPr>
+          <p:spPr>
+            <a:xfrm>
+              <a:off x="2936144" y="2912375"/>
+              <a:ext cx="1803633" cy="360727"/>
+            </a:xfrm>
+            <a:prstGeom prst="rect">
+              <a:avLst/>
+            </a:prstGeom>
+          </p:spPr>
+          <p:style>
+            <a:lnRef idx="2">
+              <a:schemeClr val="accent2"/>
+            </a:lnRef>
+            <a:fillRef idx="1">
+              <a:schemeClr val="lt1"/>
+            </a:fillRef>
+            <a:effectRef idx="0">
+              <a:schemeClr val="accent2"/>
+            </a:effectRef>
+            <a:fontRef idx="minor">
+              <a:schemeClr val="dk1"/>
+            </a:fontRef>
+          </p:style>
+          <p:txBody>
+            <a:bodyPr rtlCol="0" anchor="ctr"/>
+            <a:lstStyle/>
+            <a:p>
+              <a:pPr algn="ctr"/>
+              <a:r>
+                <a:rPr lang="en-US"/>
+                <a:t>discount</a:t>
+              </a:r>
+            </a:p>
+          </p:txBody>
+        </p:sp>
+        <p:sp>
+          <p:nvSpPr>
+            <p:cNvPr id="11" name="Rectangle 10">
+              <a:extLst>
+                <a:ext uri="{FF2B5EF4-FFF2-40B4-BE49-F238E27FC236}">
+                  <a16:creationId xmlns:a16="http://schemas.microsoft.com/office/drawing/2014/main" id="{A24159CF-C8F9-4BA6-B3A7-620ED3D1AFAE}"/>
+                </a:ext>
+              </a:extLst>
+            </p:cNvPr>
+            <p:cNvSpPr/>
+            <p:nvPr/>
+          </p:nvSpPr>
+          <p:spPr>
+            <a:xfrm>
+              <a:off x="2936144" y="3268907"/>
+              <a:ext cx="1803633" cy="360727"/>
+            </a:xfrm>
+            <a:prstGeom prst="rect">
+              <a:avLst/>
+            </a:prstGeom>
+          </p:spPr>
+          <p:style>
+            <a:lnRef idx="2">
+              <a:schemeClr val="accent2"/>
+            </a:lnRef>
+            <a:fillRef idx="1">
+              <a:schemeClr val="lt1"/>
+            </a:fillRef>
+            <a:effectRef idx="0">
+              <a:schemeClr val="accent2"/>
+            </a:effectRef>
+            <a:fontRef idx="minor">
+              <a:schemeClr val="dk1"/>
+            </a:fontRef>
+          </p:style>
+          <p:txBody>
+            <a:bodyPr rtlCol="0" anchor="ctr"/>
+            <a:lstStyle/>
+            <a:p>
+              <a:pPr algn="ctr"/>
+              <a:r>
+                <a:rPr lang="en-US"/>
+                <a:t>position</a:t>
+              </a:r>
+            </a:p>
+          </p:txBody>
+        </p:sp>
+        <p:sp>
+          <p:nvSpPr>
+            <p:cNvPr id="46" name="Rectangle 45">
+              <a:extLst>
+                <a:ext uri="{FF2B5EF4-FFF2-40B4-BE49-F238E27FC236}">
+                  <a16:creationId xmlns:a16="http://schemas.microsoft.com/office/drawing/2014/main" id="{2DC29772-1161-4466-A81C-72619D9C5971}"/>
+                </a:ext>
+              </a:extLst>
+            </p:cNvPr>
+            <p:cNvSpPr/>
+            <p:nvPr/>
+          </p:nvSpPr>
+          <p:spPr>
+            <a:xfrm>
+              <a:off x="2936143" y="3606188"/>
+              <a:ext cx="1803633" cy="360727"/>
+            </a:xfrm>
+            <a:prstGeom prst="rect">
+              <a:avLst/>
+            </a:prstGeom>
+          </p:spPr>
+          <p:style>
+            <a:lnRef idx="2">
+              <a:schemeClr val="accent2"/>
+            </a:lnRef>
+            <a:fillRef idx="1">
+              <a:schemeClr val="lt1"/>
+            </a:fillRef>
+            <a:effectRef idx="0">
+              <a:schemeClr val="accent2"/>
+            </a:effectRef>
+            <a:fontRef idx="minor">
+              <a:schemeClr val="dk1"/>
+            </a:fontRef>
+          </p:style>
+          <p:txBody>
+            <a:bodyPr rtlCol="0" anchor="ctr"/>
+            <a:lstStyle/>
+            <a:p>
+              <a:pPr algn="ctr"/>
+              <a:r>
+                <a:rPr lang="en-US"/>
+                <a:t>active</a:t>
+              </a:r>
+            </a:p>
+          </p:txBody>
+        </p:sp>
+      </p:grpSp>
+    </p:spTree>
+    <p:extLst>
+      <p:ext uri="{BB962C8B-B14F-4D97-AF65-F5344CB8AC3E}">
+        <p14:creationId xmlns:p14="http://schemas.microsoft.com/office/powerpoint/2010/main" val="503142003"/>
+      </p:ext>
+    </p:extLst>
+  </p:cSld>
+  <p:clrMapOvr>
+    <a:masterClrMapping/>
+  </p:clrMapOvr>
+</p:sld>
+</file>
+
+<file path=ppt/slides/slide35.xml><?xml version="1.0" encoding="utf-8"?>
+<p:sld xmlns:a="http://schemas.openxmlformats.org/drawingml/2006/main" xmlns:r="http://schemas.openxmlformats.org/officeDocument/2006/relationships" xmlns:p="http://schemas.openxmlformats.org/presentationml/2006/main">
+  <p:cSld>
+    <p:bg>
+      <p:bgPr>
+        <a:pattFill prst="lgGrid">
+          <a:fgClr>
+            <a:schemeClr val="accent1">
+              <a:lumMod val="20000"/>
+              <a:lumOff val="80000"/>
+            </a:schemeClr>
+          </a:fgClr>
+          <a:bgClr>
+            <a:schemeClr val="bg1"/>
+          </a:bgClr>
+        </a:pattFill>
+        <a:effectLst/>
+      </p:bgPr>
+    </p:bg>
+    <p:spTree>
+      <p:nvGrpSpPr>
+        <p:cNvPr id="1" name=""/>
+        <p:cNvGrpSpPr/>
+        <p:nvPr/>
+      </p:nvGrpSpPr>
+      <p:grpSpPr>
+        <a:xfrm>
+          <a:off x="0" y="0"/>
+          <a:ext cx="0" cy="0"/>
+          <a:chOff x="0" y="0"/>
+          <a:chExt cx="0" cy="0"/>
+        </a:xfrm>
+      </p:grpSpPr>
+      <p:sp>
+        <p:nvSpPr>
+          <p:cNvPr id="2" name="Rectangle 1">
+            <a:extLst>
+              <a:ext uri="{FF2B5EF4-FFF2-40B4-BE49-F238E27FC236}">
+                <a16:creationId xmlns:a16="http://schemas.microsoft.com/office/drawing/2014/main" id="{852B2BDA-49AE-493B-8FBA-E17F53F18B18}"/>
+              </a:ext>
+            </a:extLst>
+          </p:cNvPr>
+          <p:cNvSpPr/>
+          <p:nvPr/>
+        </p:nvSpPr>
+        <p:spPr>
+          <a:xfrm>
+            <a:off x="4015530" y="8389"/>
+            <a:ext cx="4160940" cy="520117"/>
+          </a:xfrm>
+          <a:prstGeom prst="rect">
+            <a:avLst/>
+          </a:prstGeom>
+        </p:spPr>
+        <p:style>
+          <a:lnRef idx="2">
+            <a:schemeClr val="accent5"/>
+          </a:lnRef>
+          <a:fillRef idx="1">
+            <a:schemeClr val="lt1"/>
+          </a:fillRef>
+          <a:effectRef idx="0">
+            <a:schemeClr val="accent5"/>
+          </a:effectRef>
+          <a:fontRef idx="minor">
+            <a:schemeClr val="dk1"/>
+          </a:fontRef>
+        </p:style>
+        <p:txBody>
+          <a:bodyPr rtlCol="0" anchor="ctr"/>
+          <a:lstStyle/>
+          <a:p>
+            <a:pPr algn="ctr"/>
+            <a:r>
+              <a:rPr lang="en-US"/>
+              <a:t>Implementarea atributelor produselor</a:t>
+            </a:r>
+          </a:p>
+        </p:txBody>
+      </p:sp>
+      <p:sp>
+        <p:nvSpPr>
+          <p:cNvPr id="4" name="Rectangle 3">
+            <a:extLst>
+              <a:ext uri="{FF2B5EF4-FFF2-40B4-BE49-F238E27FC236}">
+                <a16:creationId xmlns:a16="http://schemas.microsoft.com/office/drawing/2014/main" id="{E9EC9108-BB83-437C-B2F8-55C60D0D9521}"/>
+              </a:ext>
+            </a:extLst>
+          </p:cNvPr>
+          <p:cNvSpPr/>
+          <p:nvPr/>
+        </p:nvSpPr>
+        <p:spPr>
+          <a:xfrm>
+            <a:off x="192947" y="989901"/>
+            <a:ext cx="3036814" cy="713064"/>
+          </a:xfrm>
+          <a:prstGeom prst="rect">
+            <a:avLst/>
+          </a:prstGeom>
+        </p:spPr>
+        <p:style>
+          <a:lnRef idx="2">
+            <a:schemeClr val="accent1">
+              <a:shade val="50000"/>
+            </a:schemeClr>
+          </a:lnRef>
+          <a:fillRef idx="1">
+            <a:schemeClr val="accent1"/>
+          </a:fillRef>
+          <a:effectRef idx="0">
+            <a:schemeClr val="accent1"/>
+          </a:effectRef>
+          <a:fontRef idx="minor">
+            <a:schemeClr val="lt1"/>
+          </a:fontRef>
+        </p:style>
+        <p:txBody>
+          <a:bodyPr rtlCol="0" anchor="ctr"/>
+          <a:lstStyle/>
+          <a:p>
+            <a:pPr algn="ctr"/>
+            <a:r>
+              <a:rPr lang="en-US"/>
+              <a:t>1. Crearea modelelor, migratiilor si relatiilor</a:t>
+            </a:r>
+          </a:p>
+        </p:txBody>
+      </p:sp>
+      <p:sp>
+        <p:nvSpPr>
+          <p:cNvPr id="5" name="Rectangle 4">
+            <a:extLst>
+              <a:ext uri="{FF2B5EF4-FFF2-40B4-BE49-F238E27FC236}">
+                <a16:creationId xmlns:a16="http://schemas.microsoft.com/office/drawing/2014/main" id="{9C73EE28-BBC4-4498-B02B-58B4C365F224}"/>
+              </a:ext>
+            </a:extLst>
+          </p:cNvPr>
+          <p:cNvSpPr/>
+          <p:nvPr/>
+        </p:nvSpPr>
+        <p:spPr>
+          <a:xfrm>
+            <a:off x="3858936" y="989901"/>
+            <a:ext cx="3624044" cy="876684"/>
+          </a:xfrm>
+          <a:prstGeom prst="rect">
+            <a:avLst/>
+          </a:prstGeom>
+        </p:spPr>
+        <p:style>
+          <a:lnRef idx="2">
+            <a:schemeClr val="accent6"/>
+          </a:lnRef>
+          <a:fillRef idx="1">
+            <a:schemeClr val="lt1"/>
+          </a:fillRef>
+          <a:effectRef idx="0">
+            <a:schemeClr val="accent6"/>
+          </a:effectRef>
+          <a:fontRef idx="minor">
+            <a:schemeClr val="dk1"/>
+          </a:fontRef>
+        </p:style>
+        <p:txBody>
+          <a:bodyPr rtlCol="0" anchor="ctr"/>
+          <a:lstStyle/>
+          <a:p>
+            <a:r>
+              <a:rPr lang="en-US" sz="1400" b="1"/>
+              <a:t>Modele si migratii</a:t>
+            </a:r>
+            <a:r>
+              <a:rPr lang="en-US" sz="1400"/>
+              <a:t>: </a:t>
+            </a:r>
+          </a:p>
+          <a:p>
+            <a:pPr marL="285750" indent="-285750">
+              <a:buFontTx/>
+              <a:buChar char="-"/>
+            </a:pPr>
+            <a:r>
+              <a:rPr lang="en-US" sz="1400"/>
+              <a:t>Attribute</a:t>
+            </a:r>
+          </a:p>
+          <a:p>
+            <a:pPr marL="285750" indent="-285750">
+              <a:buFontTx/>
+              <a:buChar char="-"/>
+            </a:pPr>
+            <a:r>
+              <a:rPr lang="en-US" sz="1400"/>
+              <a:t>AttributeValue</a:t>
+            </a:r>
+          </a:p>
+          <a:p>
+            <a:pPr marL="285750" indent="-285750">
+              <a:buFontTx/>
+              <a:buChar char="-"/>
+            </a:pPr>
+            <a:r>
+              <a:rPr lang="en-US" sz="1400"/>
+              <a:t>attribute_section (table intermediar)</a:t>
+            </a:r>
+          </a:p>
+        </p:txBody>
+      </p:sp>
+      <p:sp>
+        <p:nvSpPr>
+          <p:cNvPr id="6" name="Rectangle 5">
+            <a:extLst>
+              <a:ext uri="{FF2B5EF4-FFF2-40B4-BE49-F238E27FC236}">
+                <a16:creationId xmlns:a16="http://schemas.microsoft.com/office/drawing/2014/main" id="{63FBD363-6F65-4EE1-B2BA-D9C54E138477}"/>
+              </a:ext>
+            </a:extLst>
+          </p:cNvPr>
+          <p:cNvSpPr/>
+          <p:nvPr/>
+        </p:nvSpPr>
+        <p:spPr>
+          <a:xfrm>
+            <a:off x="8112155" y="989901"/>
+            <a:ext cx="3624044" cy="713064"/>
+          </a:xfrm>
+          <a:prstGeom prst="rect">
+            <a:avLst/>
+          </a:prstGeom>
+        </p:spPr>
+        <p:style>
+          <a:lnRef idx="2">
+            <a:schemeClr val="accent6"/>
+          </a:lnRef>
+          <a:fillRef idx="1">
+            <a:schemeClr val="lt1"/>
+          </a:fillRef>
+          <a:effectRef idx="0">
+            <a:schemeClr val="accent6"/>
+          </a:effectRef>
+          <a:fontRef idx="minor">
+            <a:schemeClr val="dk1"/>
+          </a:fontRef>
+        </p:style>
+        <p:txBody>
+          <a:bodyPr rtlCol="0" anchor="ctr"/>
+          <a:lstStyle/>
+          <a:p>
+            <a:r>
+              <a:rPr lang="en-US" sz="1400" b="1"/>
+              <a:t>relatii</a:t>
+            </a:r>
+            <a:r>
+              <a:rPr lang="en-US" sz="1400"/>
+              <a:t>: </a:t>
+            </a:r>
+          </a:p>
+          <a:p>
+            <a:pPr marL="285750" indent="-285750">
+              <a:buFontTx/>
+              <a:buChar char="-"/>
+            </a:pPr>
+            <a:r>
+              <a:rPr lang="en-US" sz="1400"/>
+              <a:t>Attribute 1-M AttributesValue</a:t>
+            </a:r>
+          </a:p>
+          <a:p>
+            <a:pPr marL="285750" indent="-285750">
+              <a:buFontTx/>
+              <a:buChar char="-"/>
+            </a:pPr>
+            <a:r>
+              <a:rPr lang="en-US" sz="1400"/>
+              <a:t>Attribute M-M Section</a:t>
+            </a:r>
+          </a:p>
+        </p:txBody>
+      </p:sp>
+      <p:cxnSp>
+        <p:nvCxnSpPr>
+          <p:cNvPr id="8" name="Straight Arrow Connector 7">
+            <a:extLst>
+              <a:ext uri="{FF2B5EF4-FFF2-40B4-BE49-F238E27FC236}">
+                <a16:creationId xmlns:a16="http://schemas.microsoft.com/office/drawing/2014/main" id="{E5CEB49F-88F2-46F5-BDFD-AEB55F120ADA}"/>
+              </a:ext>
+            </a:extLst>
+          </p:cNvPr>
+          <p:cNvCxnSpPr>
+            <a:cxnSpLocks/>
+            <a:stCxn id="4" idx="3"/>
+            <a:endCxn id="5" idx="1"/>
+          </p:cNvCxnSpPr>
+          <p:nvPr/>
+        </p:nvCxnSpPr>
+        <p:spPr>
+          <a:xfrm>
+            <a:off x="3229761" y="1346433"/>
+            <a:ext cx="629175" cy="81810"/>
+          </a:xfrm>
+          <a:prstGeom prst="straightConnector1">
+            <a:avLst/>
+          </a:prstGeom>
+          <a:ln>
+            <a:tailEnd type="triangle"/>
+          </a:ln>
+        </p:spPr>
+        <p:style>
+          <a:lnRef idx="1">
+            <a:schemeClr val="accent1"/>
+          </a:lnRef>
+          <a:fillRef idx="0">
+            <a:schemeClr val="accent1"/>
+          </a:fillRef>
+          <a:effectRef idx="0">
+            <a:schemeClr val="accent1"/>
+          </a:effectRef>
+          <a:fontRef idx="minor">
+            <a:schemeClr val="tx1"/>
+          </a:fontRef>
+        </p:style>
+      </p:cxnSp>
+      <p:cxnSp>
+        <p:nvCxnSpPr>
+          <p:cNvPr id="10" name="Straight Arrow Connector 9">
+            <a:extLst>
+              <a:ext uri="{FF2B5EF4-FFF2-40B4-BE49-F238E27FC236}">
+                <a16:creationId xmlns:a16="http://schemas.microsoft.com/office/drawing/2014/main" id="{B4D236A8-4192-4BA3-9FC0-4BB44C93A50A}"/>
+              </a:ext>
+            </a:extLst>
+          </p:cNvPr>
+          <p:cNvCxnSpPr>
+            <a:cxnSpLocks/>
+            <a:stCxn id="5" idx="3"/>
+            <a:endCxn id="6" idx="1"/>
+          </p:cNvCxnSpPr>
+          <p:nvPr/>
+        </p:nvCxnSpPr>
+        <p:spPr>
+          <a:xfrm flipV="1">
+            <a:off x="7482980" y="1346433"/>
+            <a:ext cx="629175" cy="81810"/>
+          </a:xfrm>
+          <a:prstGeom prst="straightConnector1">
+            <a:avLst/>
+          </a:prstGeom>
+          <a:ln>
+            <a:tailEnd type="triangle"/>
+          </a:ln>
+        </p:spPr>
+        <p:style>
+          <a:lnRef idx="1">
+            <a:schemeClr val="accent1"/>
+          </a:lnRef>
+          <a:fillRef idx="0">
+            <a:schemeClr val="accent1"/>
+          </a:fillRef>
+          <a:effectRef idx="0">
+            <a:schemeClr val="accent1"/>
+          </a:effectRef>
+          <a:fontRef idx="minor">
+            <a:schemeClr val="tx1"/>
+          </a:fontRef>
+        </p:style>
+      </p:cxnSp>
+      <p:sp>
+        <p:nvSpPr>
+          <p:cNvPr id="9" name="Rectangle 8">
+            <a:extLst>
+              <a:ext uri="{FF2B5EF4-FFF2-40B4-BE49-F238E27FC236}">
+                <a16:creationId xmlns:a16="http://schemas.microsoft.com/office/drawing/2014/main" id="{9C3BCAB3-8E65-4BA7-B1DE-38193E3D4D5B}"/>
+              </a:ext>
+            </a:extLst>
+          </p:cNvPr>
+          <p:cNvSpPr/>
+          <p:nvPr/>
+        </p:nvSpPr>
+        <p:spPr>
+          <a:xfrm>
+            <a:off x="192947" y="2464780"/>
+            <a:ext cx="3036814" cy="713064"/>
+          </a:xfrm>
+          <a:prstGeom prst="rect">
+            <a:avLst/>
+          </a:prstGeom>
+        </p:spPr>
+        <p:style>
+          <a:lnRef idx="2">
+            <a:schemeClr val="accent1">
+              <a:shade val="50000"/>
+            </a:schemeClr>
+          </a:lnRef>
+          <a:fillRef idx="1">
+            <a:schemeClr val="accent1"/>
+          </a:fillRef>
+          <a:effectRef idx="0">
+            <a:schemeClr val="accent1"/>
+          </a:effectRef>
+          <a:fontRef idx="minor">
+            <a:schemeClr val="lt1"/>
+          </a:fontRef>
+        </p:style>
+        <p:txBody>
+          <a:bodyPr rtlCol="0" anchor="ctr"/>
+          <a:lstStyle/>
+          <a:p>
+            <a:pPr algn="ctr"/>
+            <a:r>
+              <a:rPr lang="en-US" sz="1600"/>
+              <a:t>2. Interfata de administrare a atributelor si valorilor acestora</a:t>
+            </a:r>
+          </a:p>
+        </p:txBody>
+      </p:sp>
+      <p:sp>
+        <p:nvSpPr>
+          <p:cNvPr id="11" name="Rectangle 10">
+            <a:extLst>
+              <a:ext uri="{FF2B5EF4-FFF2-40B4-BE49-F238E27FC236}">
+                <a16:creationId xmlns:a16="http://schemas.microsoft.com/office/drawing/2014/main" id="{BE0E3619-B59E-4D17-AA2A-56A5D35C638C}"/>
+              </a:ext>
+            </a:extLst>
+          </p:cNvPr>
+          <p:cNvSpPr/>
+          <p:nvPr/>
+        </p:nvSpPr>
+        <p:spPr>
+          <a:xfrm>
+            <a:off x="3858936" y="2459799"/>
+            <a:ext cx="3624044" cy="876684"/>
+          </a:xfrm>
+          <a:prstGeom prst="rect">
+            <a:avLst/>
+          </a:prstGeom>
+        </p:spPr>
+        <p:style>
+          <a:lnRef idx="2">
+            <a:schemeClr val="accent6"/>
+          </a:lnRef>
+          <a:fillRef idx="1">
+            <a:schemeClr val="lt1"/>
+          </a:fillRef>
+          <a:effectRef idx="0">
+            <a:schemeClr val="accent6"/>
+          </a:effectRef>
+          <a:fontRef idx="minor">
+            <a:schemeClr val="dk1"/>
+          </a:fontRef>
+        </p:style>
+        <p:txBody>
+          <a:bodyPr rtlCol="0" anchor="ctr"/>
+          <a:lstStyle/>
+          <a:p>
+            <a:r>
+              <a:rPr lang="en-US" sz="1400" b="1"/>
+              <a:t>Operatii CRUD Attribute</a:t>
+            </a:r>
+          </a:p>
+          <a:p>
+            <a:pPr marL="285750" indent="-285750">
+              <a:buFontTx/>
+              <a:buChar char="-"/>
+            </a:pPr>
+            <a:r>
+              <a:rPr lang="en-US" sz="1400"/>
+              <a:t>Ruta din CPanel pentru atribute</a:t>
+            </a:r>
+          </a:p>
+          <a:p>
+            <a:pPr marL="285750" indent="-285750">
+              <a:buFontTx/>
+              <a:buChar char="-"/>
+            </a:pPr>
+            <a:r>
+              <a:rPr lang="en-US" sz="1400"/>
+              <a:t>Vederea principala pentru atribute</a:t>
+            </a:r>
+          </a:p>
+          <a:p>
+            <a:pPr marL="285750" indent="-285750">
+              <a:buFontTx/>
+              <a:buChar char="-"/>
+            </a:pPr>
+            <a:r>
+              <a:rPr lang="en-US" sz="1400"/>
+              <a:t>Componenta livewire pentru operatii CRUD</a:t>
+            </a:r>
+          </a:p>
+        </p:txBody>
+      </p:sp>
+      <p:sp>
+        <p:nvSpPr>
+          <p:cNvPr id="12" name="Rectangle 11">
+            <a:extLst>
+              <a:ext uri="{FF2B5EF4-FFF2-40B4-BE49-F238E27FC236}">
+                <a16:creationId xmlns:a16="http://schemas.microsoft.com/office/drawing/2014/main" id="{9B5AF4CF-1A56-42DE-8EB2-5F2B389FE0B7}"/>
+              </a:ext>
+            </a:extLst>
+          </p:cNvPr>
+          <p:cNvSpPr/>
+          <p:nvPr/>
+        </p:nvSpPr>
+        <p:spPr>
+          <a:xfrm>
+            <a:off x="8112155" y="2384905"/>
+            <a:ext cx="3624044" cy="876684"/>
+          </a:xfrm>
+          <a:prstGeom prst="rect">
+            <a:avLst/>
+          </a:prstGeom>
+        </p:spPr>
+        <p:style>
+          <a:lnRef idx="2">
+            <a:schemeClr val="accent6"/>
+          </a:lnRef>
+          <a:fillRef idx="1">
+            <a:schemeClr val="lt1"/>
+          </a:fillRef>
+          <a:effectRef idx="0">
+            <a:schemeClr val="accent6"/>
+          </a:effectRef>
+          <a:fontRef idx="minor">
+            <a:schemeClr val="dk1"/>
+          </a:fontRef>
+        </p:style>
+        <p:txBody>
+          <a:bodyPr rtlCol="0" anchor="ctr"/>
+          <a:lstStyle/>
+          <a:p>
+            <a:r>
+              <a:rPr lang="en-US" sz="1400" b="1"/>
+              <a:t>Operatii CRUD valori (AttributeValue)</a:t>
+            </a:r>
+          </a:p>
+          <a:p>
+            <a:pPr marL="285750" indent="-285750">
+              <a:buFontTx/>
+              <a:buChar char="-"/>
+            </a:pPr>
+            <a:r>
+              <a:rPr lang="en-US" sz="1400"/>
+              <a:t>Afisarea valorilor existente</a:t>
+            </a:r>
+          </a:p>
+          <a:p>
+            <a:pPr marL="285750" indent="-285750">
+              <a:buFontTx/>
+              <a:buChar char="-"/>
+            </a:pPr>
+            <a:r>
+              <a:rPr lang="en-US" sz="1400"/>
+              <a:t>Componenta livewire pentru operatii CRUD</a:t>
+            </a:r>
+          </a:p>
+        </p:txBody>
+      </p:sp>
+      <p:cxnSp>
+        <p:nvCxnSpPr>
+          <p:cNvPr id="7" name="Straight Arrow Connector 6">
+            <a:extLst>
+              <a:ext uri="{FF2B5EF4-FFF2-40B4-BE49-F238E27FC236}">
+                <a16:creationId xmlns:a16="http://schemas.microsoft.com/office/drawing/2014/main" id="{37DF9C16-DBA9-4039-B7D7-3B384F2949BA}"/>
+              </a:ext>
+            </a:extLst>
+          </p:cNvPr>
+          <p:cNvCxnSpPr>
+            <a:stCxn id="9" idx="3"/>
+            <a:endCxn id="11" idx="1"/>
+          </p:cNvCxnSpPr>
+          <p:nvPr/>
+        </p:nvCxnSpPr>
+        <p:spPr>
+          <a:xfrm>
+            <a:off x="3229761" y="2821312"/>
+            <a:ext cx="629175" cy="76829"/>
+          </a:xfrm>
+          <a:prstGeom prst="straightConnector1">
+            <a:avLst/>
+          </a:prstGeom>
+          <a:ln>
+            <a:tailEnd type="triangle"/>
+          </a:ln>
+        </p:spPr>
+        <p:style>
+          <a:lnRef idx="1">
+            <a:schemeClr val="accent1"/>
+          </a:lnRef>
+          <a:fillRef idx="0">
+            <a:schemeClr val="accent1"/>
+          </a:fillRef>
+          <a:effectRef idx="0">
+            <a:schemeClr val="accent1"/>
+          </a:effectRef>
+          <a:fontRef idx="minor">
+            <a:schemeClr val="tx1"/>
+          </a:fontRef>
+        </p:style>
+      </p:cxnSp>
+      <p:cxnSp>
+        <p:nvCxnSpPr>
+          <p:cNvPr id="14" name="Straight Arrow Connector 13">
+            <a:extLst>
+              <a:ext uri="{FF2B5EF4-FFF2-40B4-BE49-F238E27FC236}">
+                <a16:creationId xmlns:a16="http://schemas.microsoft.com/office/drawing/2014/main" id="{239BC2A3-B941-441A-82DC-F4CC2A321E17}"/>
+              </a:ext>
+            </a:extLst>
+          </p:cNvPr>
+          <p:cNvCxnSpPr>
+            <a:stCxn id="11" idx="3"/>
+            <a:endCxn id="12" idx="1"/>
+          </p:cNvCxnSpPr>
+          <p:nvPr/>
+        </p:nvCxnSpPr>
+        <p:spPr>
+          <a:xfrm flipV="1">
+            <a:off x="7482980" y="2823247"/>
+            <a:ext cx="629175" cy="74894"/>
+          </a:xfrm>
+          <a:prstGeom prst="straightConnector1">
+            <a:avLst/>
+          </a:prstGeom>
+          <a:ln>
+            <a:tailEnd type="triangle"/>
+          </a:ln>
+        </p:spPr>
+        <p:style>
+          <a:lnRef idx="1">
+            <a:schemeClr val="accent1"/>
+          </a:lnRef>
+          <a:fillRef idx="0">
+            <a:schemeClr val="accent1"/>
+          </a:fillRef>
+          <a:effectRef idx="0">
+            <a:schemeClr val="accent1"/>
+          </a:effectRef>
+          <a:fontRef idx="minor">
+            <a:schemeClr val="tx1"/>
+          </a:fontRef>
+        </p:style>
+      </p:cxnSp>
+      <p:sp>
+        <p:nvSpPr>
+          <p:cNvPr id="13" name="Rectangle 12">
+            <a:extLst>
+              <a:ext uri="{FF2B5EF4-FFF2-40B4-BE49-F238E27FC236}">
+                <a16:creationId xmlns:a16="http://schemas.microsoft.com/office/drawing/2014/main" id="{3949B1D0-B8E2-40A4-8EB9-86E074FF3752}"/>
+              </a:ext>
+            </a:extLst>
+          </p:cNvPr>
+          <p:cNvSpPr/>
+          <p:nvPr/>
+        </p:nvSpPr>
+        <p:spPr>
+          <a:xfrm>
+            <a:off x="192947" y="3857850"/>
+            <a:ext cx="3036814" cy="713064"/>
+          </a:xfrm>
+          <a:prstGeom prst="rect">
+            <a:avLst/>
+          </a:prstGeom>
+        </p:spPr>
+        <p:style>
+          <a:lnRef idx="2">
+            <a:schemeClr val="accent1">
+              <a:shade val="50000"/>
+            </a:schemeClr>
+          </a:lnRef>
+          <a:fillRef idx="1">
+            <a:schemeClr val="accent1"/>
+          </a:fillRef>
+          <a:effectRef idx="0">
+            <a:schemeClr val="accent1"/>
+          </a:effectRef>
+          <a:fontRef idx="minor">
+            <a:schemeClr val="lt1"/>
+          </a:fontRef>
+        </p:style>
+        <p:txBody>
+          <a:bodyPr rtlCol="0" anchor="ctr"/>
+          <a:lstStyle/>
+          <a:p>
+            <a:pPr algn="ctr"/>
+            <a:r>
+              <a:rPr lang="en-US" sz="1600"/>
+              <a:t>3. Atasam atributele de sectiuni</a:t>
+            </a:r>
+          </a:p>
+        </p:txBody>
+      </p:sp>
+      <p:sp>
+        <p:nvSpPr>
+          <p:cNvPr id="16" name="Rectangle 15">
+            <a:extLst>
+              <a:ext uri="{FF2B5EF4-FFF2-40B4-BE49-F238E27FC236}">
+                <a16:creationId xmlns:a16="http://schemas.microsoft.com/office/drawing/2014/main" id="{FBF03A3E-EB35-4B30-A6D7-2E7F390F63F5}"/>
+              </a:ext>
+            </a:extLst>
+          </p:cNvPr>
+          <p:cNvSpPr/>
+          <p:nvPr/>
+        </p:nvSpPr>
+        <p:spPr>
+          <a:xfrm>
+            <a:off x="3858936" y="3852868"/>
+            <a:ext cx="3624044" cy="1414378"/>
+          </a:xfrm>
+          <a:prstGeom prst="rect">
+            <a:avLst/>
+          </a:prstGeom>
+        </p:spPr>
+        <p:style>
+          <a:lnRef idx="2">
+            <a:schemeClr val="accent6"/>
+          </a:lnRef>
+          <a:fillRef idx="1">
+            <a:schemeClr val="lt1"/>
+          </a:fillRef>
+          <a:effectRef idx="0">
+            <a:schemeClr val="accent6"/>
+          </a:effectRef>
+          <a:fontRef idx="minor">
+            <a:schemeClr val="dk1"/>
+          </a:fontRef>
+        </p:style>
+        <p:txBody>
+          <a:bodyPr rtlCol="0" anchor="ctr"/>
+          <a:lstStyle/>
+          <a:p>
+            <a:pPr marL="285750" indent="-285750">
+              <a:buFontTx/>
+              <a:buChar char="-"/>
+            </a:pPr>
+            <a:r>
+              <a:rPr lang="en-US" sz="1400"/>
+              <a:t>Creem relatia in modelele Section si Attribute</a:t>
+            </a:r>
+          </a:p>
+          <a:p>
+            <a:pPr marL="285750" indent="-285750">
+              <a:buFontTx/>
+              <a:buChar char="-"/>
+            </a:pPr>
+            <a:r>
+              <a:rPr lang="en-US" sz="1400"/>
+              <a:t>Creeem ruta si vederea pentru afisarea tuturor atributelor</a:t>
+            </a:r>
+          </a:p>
+          <a:p>
+            <a:pPr marL="285750" indent="-285750">
+              <a:buFontTx/>
+              <a:buChar char="-"/>
+            </a:pPr>
+            <a:r>
+              <a:rPr lang="en-US" sz="1400"/>
+              <a:t>Atasam atributele de sectiune cu functia sync()</a:t>
+            </a:r>
+          </a:p>
+        </p:txBody>
+      </p:sp>
+      <p:cxnSp>
+        <p:nvCxnSpPr>
+          <p:cNvPr id="17" name="Straight Arrow Connector 16">
+            <a:extLst>
+              <a:ext uri="{FF2B5EF4-FFF2-40B4-BE49-F238E27FC236}">
+                <a16:creationId xmlns:a16="http://schemas.microsoft.com/office/drawing/2014/main" id="{2CA1E86A-64F3-49B0-9D61-5E87F748F21D}"/>
+              </a:ext>
+            </a:extLst>
+          </p:cNvPr>
+          <p:cNvCxnSpPr/>
+          <p:nvPr/>
+        </p:nvCxnSpPr>
+        <p:spPr>
+          <a:xfrm>
+            <a:off x="3229760" y="4214381"/>
+            <a:ext cx="629175" cy="76829"/>
+          </a:xfrm>
+          <a:prstGeom prst="straightConnector1">
+            <a:avLst/>
+          </a:prstGeom>
+          <a:ln>
+            <a:tailEnd type="triangle"/>
+          </a:ln>
+        </p:spPr>
+        <p:style>
+          <a:lnRef idx="1">
+            <a:schemeClr val="accent1"/>
+          </a:lnRef>
+          <a:fillRef idx="0">
+            <a:schemeClr val="accent1"/>
+          </a:fillRef>
+          <a:effectRef idx="0">
+            <a:schemeClr val="accent1"/>
+          </a:effectRef>
+          <a:fontRef idx="minor">
+            <a:schemeClr val="tx1"/>
+          </a:fontRef>
+        </p:style>
+      </p:cxnSp>
+      <p:sp>
+        <p:nvSpPr>
+          <p:cNvPr id="18" name="Rectangle 17">
+            <a:extLst>
+              <a:ext uri="{FF2B5EF4-FFF2-40B4-BE49-F238E27FC236}">
+                <a16:creationId xmlns:a16="http://schemas.microsoft.com/office/drawing/2014/main" id="{380A0D84-5C58-47E1-B446-F86FE5A4F1F7}"/>
+              </a:ext>
+            </a:extLst>
+          </p:cNvPr>
+          <p:cNvSpPr/>
+          <p:nvPr/>
+        </p:nvSpPr>
+        <p:spPr>
+          <a:xfrm>
+            <a:off x="192946" y="5710580"/>
+            <a:ext cx="3036814" cy="713064"/>
+          </a:xfrm>
+          <a:prstGeom prst="rect">
+            <a:avLst/>
+          </a:prstGeom>
+        </p:spPr>
+        <p:style>
+          <a:lnRef idx="2">
+            <a:schemeClr val="accent1">
+              <a:shade val="50000"/>
+            </a:schemeClr>
+          </a:lnRef>
+          <a:fillRef idx="1">
+            <a:schemeClr val="accent1"/>
+          </a:fillRef>
+          <a:effectRef idx="0">
+            <a:schemeClr val="accent1"/>
+          </a:effectRef>
+          <a:fontRef idx="minor">
+            <a:schemeClr val="lt1"/>
+          </a:fontRef>
+        </p:style>
+        <p:txBody>
+          <a:bodyPr rtlCol="0" anchor="ctr"/>
+          <a:lstStyle/>
+          <a:p>
+            <a:pPr algn="ctr"/>
+            <a:r>
+              <a:rPr lang="en-US" sz="1600"/>
+              <a:t>4. Afisarea atributelor ca filtre in vederile blade publice</a:t>
+            </a:r>
+          </a:p>
+        </p:txBody>
+      </p:sp>
+      <p:sp>
+        <p:nvSpPr>
+          <p:cNvPr id="19" name="Rectangle 18">
+            <a:extLst>
+              <a:ext uri="{FF2B5EF4-FFF2-40B4-BE49-F238E27FC236}">
+                <a16:creationId xmlns:a16="http://schemas.microsoft.com/office/drawing/2014/main" id="{180396A1-9434-41C3-B584-83DF2AD329E6}"/>
+              </a:ext>
+            </a:extLst>
+          </p:cNvPr>
+          <p:cNvSpPr/>
+          <p:nvPr/>
+        </p:nvSpPr>
+        <p:spPr>
+          <a:xfrm>
+            <a:off x="3858935" y="5630066"/>
+            <a:ext cx="3624044" cy="876684"/>
+          </a:xfrm>
+          <a:prstGeom prst="rect">
+            <a:avLst/>
+          </a:prstGeom>
+        </p:spPr>
+        <p:style>
+          <a:lnRef idx="2">
+            <a:schemeClr val="accent6"/>
+          </a:lnRef>
+          <a:fillRef idx="1">
+            <a:schemeClr val="lt1"/>
+          </a:fillRef>
+          <a:effectRef idx="0">
+            <a:schemeClr val="accent6"/>
+          </a:effectRef>
+          <a:fontRef idx="minor">
+            <a:schemeClr val="dk1"/>
+          </a:fontRef>
+        </p:style>
+        <p:txBody>
+          <a:bodyPr rtlCol="0" anchor="ctr"/>
+          <a:lstStyle/>
+          <a:p>
+            <a:pPr marL="285750" indent="-285750">
+              <a:buFontTx/>
+              <a:buChar char="-"/>
+            </a:pPr>
+            <a:r>
+              <a:rPr lang="en-US" sz="1400"/>
+              <a:t>front/content/section-products</a:t>
+            </a:r>
+          </a:p>
+          <a:p>
+            <a:pPr marL="285750" indent="-285750">
+              <a:buFontTx/>
+              <a:buChar char="-"/>
+            </a:pPr>
+            <a:r>
+              <a:rPr lang="en-US" sz="1400"/>
+              <a:t>front/content/category-products</a:t>
+            </a:r>
+          </a:p>
+        </p:txBody>
+      </p:sp>
+      <p:cxnSp>
+        <p:nvCxnSpPr>
+          <p:cNvPr id="20" name="Straight Arrow Connector 19">
+            <a:extLst>
+              <a:ext uri="{FF2B5EF4-FFF2-40B4-BE49-F238E27FC236}">
+                <a16:creationId xmlns:a16="http://schemas.microsoft.com/office/drawing/2014/main" id="{391C7CDD-B317-4B7C-A6AD-88678B877221}"/>
+              </a:ext>
+            </a:extLst>
+          </p:cNvPr>
+          <p:cNvCxnSpPr/>
+          <p:nvPr/>
+        </p:nvCxnSpPr>
+        <p:spPr>
+          <a:xfrm>
+            <a:off x="3229759" y="6068315"/>
+            <a:ext cx="629175" cy="76829"/>
+          </a:xfrm>
+          <a:prstGeom prst="straightConnector1">
+            <a:avLst/>
+          </a:prstGeom>
+          <a:ln>
+            <a:tailEnd type="triangle"/>
+          </a:ln>
+        </p:spPr>
+        <p:style>
+          <a:lnRef idx="1">
+            <a:schemeClr val="accent1"/>
+          </a:lnRef>
+          <a:fillRef idx="0">
+            <a:schemeClr val="accent1"/>
+          </a:fillRef>
+          <a:effectRef idx="0">
+            <a:schemeClr val="accent1"/>
+          </a:effectRef>
+          <a:fontRef idx="minor">
+            <a:schemeClr val="tx1"/>
+          </a:fontRef>
+        </p:style>
+      </p:cxnSp>
+    </p:spTree>
+    <p:extLst>
+      <p:ext uri="{BB962C8B-B14F-4D97-AF65-F5344CB8AC3E}">
+        <p14:creationId xmlns:p14="http://schemas.microsoft.com/office/powerpoint/2010/main" val="1205830941"/>
+      </p:ext>
+    </p:extLst>
+  </p:cSld>
+  <p:clrMapOvr>
+    <a:masterClrMapping/>
+  </p:clrMapOvr>
+  <p:timing>
+    <p:tnLst>
+      <p:par>
+        <p:cTn id="1" dur="indefinite" restart="never" nodeType="tmRoot">
+          <p:childTnLst>
+            <p:seq concurrent="1" nextAc="seek">
+              <p:cTn id="2" dur="indefinite" nodeType="mainSeq">
+                <p:childTnLst>
+                  <p:par>
+                    <p:cTn id="3" fill="hold">
+                      <p:stCondLst>
+                        <p:cond delay="indefinite"/>
+                      </p:stCondLst>
+                      <p:childTnLst>
+                        <p:par>
+                          <p:cTn id="4" fill="hold">
+                            <p:stCondLst>
+                              <p:cond delay="0"/>
+                            </p:stCondLst>
+                            <p:childTnLst>
+                              <p:par>
+                                <p:cTn id="5" presetID="1" presetClass="entr" presetSubtype="0" fill="hold" grpId="0" nodeType="clickEffect">
+                                  <p:stCondLst>
+                                    <p:cond delay="0"/>
+                                  </p:stCondLst>
+                                  <p:childTnLst>
+                                    <p:set>
+                                      <p:cBhvr>
+                                        <p:cTn id="6" dur="1" fill="hold">
+                                          <p:stCondLst>
+                                            <p:cond delay="0"/>
+                                          </p:stCondLst>
+                                        </p:cTn>
+                                        <p:tgtEl>
+                                          <p:spTgt spid="4"/>
+                                        </p:tgtEl>
+                                        <p:attrNameLst>
+                                          <p:attrName>style.visibility</p:attrName>
+                                        </p:attrNameLst>
+                                      </p:cBhvr>
+                                      <p:to>
+                                        <p:strVal val="visible"/>
+                                      </p:to>
+                                    </p:set>
+                                  </p:childTnLst>
+                                </p:cTn>
+                              </p:par>
+                            </p:childTnLst>
+                          </p:cTn>
+                        </p:par>
+                      </p:childTnLst>
+                    </p:cTn>
+                  </p:par>
+                  <p:par>
+                    <p:cTn id="7" fill="hold">
+                      <p:stCondLst>
+                        <p:cond delay="indefinite"/>
+                      </p:stCondLst>
+                      <p:childTnLst>
+                        <p:par>
+                          <p:cTn id="8" fill="hold">
+                            <p:stCondLst>
+                              <p:cond delay="0"/>
+                            </p:stCondLst>
+                            <p:childTnLst>
+                              <p:par>
+                                <p:cTn id="9" presetID="16" presetClass="entr" presetSubtype="21" fill="hold" nodeType="clickEffect">
+                                  <p:stCondLst>
+                                    <p:cond delay="0"/>
+                                  </p:stCondLst>
+                                  <p:childTnLst>
+                                    <p:set>
+                                      <p:cBhvr>
+                                        <p:cTn id="10" dur="1" fill="hold">
+                                          <p:stCondLst>
+                                            <p:cond delay="0"/>
+                                          </p:stCondLst>
+                                        </p:cTn>
+                                        <p:tgtEl>
+                                          <p:spTgt spid="8"/>
+                                        </p:tgtEl>
+                                        <p:attrNameLst>
+                                          <p:attrName>style.visibility</p:attrName>
+                                        </p:attrNameLst>
+                                      </p:cBhvr>
+                                      <p:to>
+                                        <p:strVal val="visible"/>
+                                      </p:to>
+                                    </p:set>
+                                    <p:animEffect transition="in" filter="barn(inVertical)">
+                                      <p:cBhvr>
+                                        <p:cTn id="11" dur="500"/>
+                                        <p:tgtEl>
+                                          <p:spTgt spid="8"/>
+                                        </p:tgtEl>
+                                      </p:cBhvr>
+                                    </p:animEffect>
+                                  </p:childTnLst>
+                                </p:cTn>
+                              </p:par>
+                            </p:childTnLst>
+                          </p:cTn>
+                        </p:par>
+                      </p:childTnLst>
+                    </p:cTn>
+                  </p:par>
+                  <p:par>
+                    <p:cTn id="12" fill="hold">
+                      <p:stCondLst>
+                        <p:cond delay="indefinite"/>
+                      </p:stCondLst>
+                      <p:childTnLst>
+                        <p:par>
+                          <p:cTn id="13" fill="hold">
+                            <p:stCondLst>
+                              <p:cond delay="0"/>
+                            </p:stCondLst>
+                            <p:childTnLst>
+                              <p:par>
+                                <p:cTn id="14" presetID="10" presetClass="entr" presetSubtype="0" fill="hold" grpId="0" nodeType="clickEffect">
+                                  <p:stCondLst>
+                                    <p:cond delay="0"/>
+                                  </p:stCondLst>
+                                  <p:childTnLst>
+                                    <p:set>
+                                      <p:cBhvr>
+                                        <p:cTn id="15" dur="1" fill="hold">
+                                          <p:stCondLst>
+                                            <p:cond delay="0"/>
+                                          </p:stCondLst>
+                                        </p:cTn>
+                                        <p:tgtEl>
+                                          <p:spTgt spid="5"/>
+                                        </p:tgtEl>
+                                        <p:attrNameLst>
+                                          <p:attrName>style.visibility</p:attrName>
+                                        </p:attrNameLst>
+                                      </p:cBhvr>
+                                      <p:to>
+                                        <p:strVal val="visible"/>
+                                      </p:to>
+                                    </p:set>
+                                    <p:animEffect transition="in" filter="fade">
+                                      <p:cBhvr>
+                                        <p:cTn id="16" dur="500"/>
+                                        <p:tgtEl>
+                                          <p:spTgt spid="5"/>
+                                        </p:tgtEl>
+                                      </p:cBhvr>
+                                    </p:animEffect>
+                                  </p:childTnLst>
+                                </p:cTn>
+                              </p:par>
+                            </p:childTnLst>
+                          </p:cTn>
+                        </p:par>
+                      </p:childTnLst>
+                    </p:cTn>
+                  </p:par>
+                  <p:par>
+                    <p:cTn id="17" fill="hold">
+                      <p:stCondLst>
+                        <p:cond delay="indefinite"/>
+                      </p:stCondLst>
+                      <p:childTnLst>
+                        <p:par>
+                          <p:cTn id="18" fill="hold">
+                            <p:stCondLst>
+                              <p:cond delay="0"/>
+                            </p:stCondLst>
+                            <p:childTnLst>
+                              <p:par>
+                                <p:cTn id="19" presetID="16" presetClass="entr" presetSubtype="21" fill="hold" nodeType="clickEffect">
+                                  <p:stCondLst>
+                                    <p:cond delay="0"/>
+                                  </p:stCondLst>
+                                  <p:childTnLst>
+                                    <p:set>
+                                      <p:cBhvr>
+                                        <p:cTn id="20" dur="1" fill="hold">
+                                          <p:stCondLst>
+                                            <p:cond delay="0"/>
+                                          </p:stCondLst>
+                                        </p:cTn>
+                                        <p:tgtEl>
+                                          <p:spTgt spid="10"/>
+                                        </p:tgtEl>
+                                        <p:attrNameLst>
+                                          <p:attrName>style.visibility</p:attrName>
+                                        </p:attrNameLst>
+                                      </p:cBhvr>
+                                      <p:to>
+                                        <p:strVal val="visible"/>
+                                      </p:to>
+                                    </p:set>
+                                    <p:animEffect transition="in" filter="barn(inVertical)">
+                                      <p:cBhvr>
+                                        <p:cTn id="21" dur="500"/>
+                                        <p:tgtEl>
+                                          <p:spTgt spid="10"/>
+                                        </p:tgtEl>
+                                      </p:cBhvr>
+                                    </p:animEffect>
+                                  </p:childTnLst>
+                                </p:cTn>
+                              </p:par>
+                            </p:childTnLst>
+                          </p:cTn>
+                        </p:par>
+                      </p:childTnLst>
+                    </p:cTn>
+                  </p:par>
+                  <p:par>
+                    <p:cTn id="22" fill="hold">
+                      <p:stCondLst>
+                        <p:cond delay="indefinite"/>
+                      </p:stCondLst>
+                      <p:childTnLst>
+                        <p:par>
+                          <p:cTn id="23" fill="hold">
+                            <p:stCondLst>
+                              <p:cond delay="0"/>
+                            </p:stCondLst>
+                            <p:childTnLst>
+                              <p:par>
+                                <p:cTn id="24" presetID="10" presetClass="entr" presetSubtype="0" fill="hold" grpId="0" nodeType="clickEffect">
+                                  <p:stCondLst>
+                                    <p:cond delay="0"/>
+                                  </p:stCondLst>
+                                  <p:childTnLst>
+                                    <p:set>
+                                      <p:cBhvr>
+                                        <p:cTn id="25" dur="1" fill="hold">
+                                          <p:stCondLst>
+                                            <p:cond delay="0"/>
+                                          </p:stCondLst>
+                                        </p:cTn>
+                                        <p:tgtEl>
+                                          <p:spTgt spid="6"/>
+                                        </p:tgtEl>
+                                        <p:attrNameLst>
+                                          <p:attrName>style.visibility</p:attrName>
+                                        </p:attrNameLst>
+                                      </p:cBhvr>
+                                      <p:to>
+                                        <p:strVal val="visible"/>
+                                      </p:to>
+                                    </p:set>
+                                    <p:animEffect transition="in" filter="fade">
+                                      <p:cBhvr>
+                                        <p:cTn id="26" dur="500"/>
+                                        <p:tgtEl>
+                                          <p:spTgt spid="6"/>
+                                        </p:tgtEl>
+                                      </p:cBhvr>
+                                    </p:animEffect>
+                                  </p:childTnLst>
+                                </p:cTn>
+                              </p:par>
+                            </p:childTnLst>
+                          </p:cTn>
+                        </p:par>
+                      </p:childTnLst>
+                    </p:cTn>
+                  </p:par>
+                  <p:par>
+                    <p:cTn id="27" fill="hold">
+                      <p:stCondLst>
+                        <p:cond delay="indefinite"/>
+                      </p:stCondLst>
+                      <p:childTnLst>
+                        <p:par>
+                          <p:cTn id="28" fill="hold">
+                            <p:stCondLst>
+                              <p:cond delay="0"/>
+                            </p:stCondLst>
+                            <p:childTnLst>
+                              <p:par>
+                                <p:cTn id="29" presetID="1" presetClass="entr" presetSubtype="0" fill="hold" grpId="0" nodeType="clickEffect">
+                                  <p:stCondLst>
+                                    <p:cond delay="0"/>
+                                  </p:stCondLst>
+                                  <p:childTnLst>
+                                    <p:set>
+                                      <p:cBhvr>
+                                        <p:cTn id="30" dur="1" fill="hold">
+                                          <p:stCondLst>
+                                            <p:cond delay="0"/>
+                                          </p:stCondLst>
+                                        </p:cTn>
+                                        <p:tgtEl>
+                                          <p:spTgt spid="9"/>
+                                        </p:tgtEl>
+                                        <p:attrNameLst>
+                                          <p:attrName>style.visibility</p:attrName>
+                                        </p:attrNameLst>
+                                      </p:cBhvr>
+                                      <p:to>
+                                        <p:strVal val="visible"/>
+                                      </p:to>
+                                    </p:set>
+                                  </p:childTnLst>
+                                </p:cTn>
+                              </p:par>
+                            </p:childTnLst>
+                          </p:cTn>
+                        </p:par>
+                      </p:childTnLst>
+                    </p:cTn>
+                  </p:par>
+                  <p:par>
+                    <p:cTn id="31" fill="hold">
+                      <p:stCondLst>
+                        <p:cond delay="indefinite"/>
+                      </p:stCondLst>
+                      <p:childTnLst>
+                        <p:par>
+                          <p:cTn id="32" fill="hold">
+                            <p:stCondLst>
+                              <p:cond delay="0"/>
+                            </p:stCondLst>
+                            <p:childTnLst>
+                              <p:par>
+                                <p:cTn id="33" presetID="16" presetClass="entr" presetSubtype="21" fill="hold" nodeType="clickEffect">
+                                  <p:stCondLst>
+                                    <p:cond delay="0"/>
+                                  </p:stCondLst>
+                                  <p:childTnLst>
+                                    <p:set>
+                                      <p:cBhvr>
+                                        <p:cTn id="34" dur="1" fill="hold">
+                                          <p:stCondLst>
+                                            <p:cond delay="0"/>
+                                          </p:stCondLst>
+                                        </p:cTn>
+                                        <p:tgtEl>
+                                          <p:spTgt spid="7"/>
+                                        </p:tgtEl>
+                                        <p:attrNameLst>
+                                          <p:attrName>style.visibility</p:attrName>
+                                        </p:attrNameLst>
+                                      </p:cBhvr>
+                                      <p:to>
+                                        <p:strVal val="visible"/>
+                                      </p:to>
+                                    </p:set>
+                                    <p:animEffect transition="in" filter="barn(inVertical)">
+                                      <p:cBhvr>
+                                        <p:cTn id="35" dur="500"/>
+                                        <p:tgtEl>
+                                          <p:spTgt spid="7"/>
+                                        </p:tgtEl>
+                                      </p:cBhvr>
+                                    </p:animEffect>
+                                  </p:childTnLst>
+                                </p:cTn>
+                              </p:par>
+                            </p:childTnLst>
+                          </p:cTn>
+                        </p:par>
+                      </p:childTnLst>
+                    </p:cTn>
+                  </p:par>
+                  <p:par>
+                    <p:cTn id="36" fill="hold">
+                      <p:stCondLst>
+                        <p:cond delay="indefinite"/>
+                      </p:stCondLst>
+                      <p:childTnLst>
+                        <p:par>
+                          <p:cTn id="37" fill="hold">
+                            <p:stCondLst>
+                              <p:cond delay="0"/>
+                            </p:stCondLst>
+                            <p:childTnLst>
+                              <p:par>
+                                <p:cTn id="38" presetID="10" presetClass="entr" presetSubtype="0" fill="hold" grpId="0" nodeType="clickEffect">
+                                  <p:stCondLst>
+                                    <p:cond delay="0"/>
+                                  </p:stCondLst>
+                                  <p:childTnLst>
+                                    <p:set>
+                                      <p:cBhvr>
+                                        <p:cTn id="39" dur="1" fill="hold">
+                                          <p:stCondLst>
+                                            <p:cond delay="0"/>
+                                          </p:stCondLst>
+                                        </p:cTn>
+                                        <p:tgtEl>
+                                          <p:spTgt spid="11"/>
+                                        </p:tgtEl>
+                                        <p:attrNameLst>
+                                          <p:attrName>style.visibility</p:attrName>
+                                        </p:attrNameLst>
+                                      </p:cBhvr>
+                                      <p:to>
+                                        <p:strVal val="visible"/>
+                                      </p:to>
+                                    </p:set>
+                                    <p:animEffect transition="in" filter="fade">
+                                      <p:cBhvr>
+                                        <p:cTn id="40" dur="500"/>
+                                        <p:tgtEl>
+                                          <p:spTgt spid="11"/>
+                                        </p:tgtEl>
+                                      </p:cBhvr>
+                                    </p:animEffect>
+                                  </p:childTnLst>
+                                </p:cTn>
+                              </p:par>
+                            </p:childTnLst>
+                          </p:cTn>
+                        </p:par>
+                      </p:childTnLst>
+                    </p:cTn>
+                  </p:par>
+                  <p:par>
+                    <p:cTn id="41" fill="hold">
+                      <p:stCondLst>
+                        <p:cond delay="indefinite"/>
+                      </p:stCondLst>
+                      <p:childTnLst>
+                        <p:par>
+                          <p:cTn id="42" fill="hold">
+                            <p:stCondLst>
+                              <p:cond delay="0"/>
+                            </p:stCondLst>
+                            <p:childTnLst>
+                              <p:par>
+                                <p:cTn id="43" presetID="16" presetClass="entr" presetSubtype="21" fill="hold" nodeType="clickEffect">
+                                  <p:stCondLst>
+                                    <p:cond delay="0"/>
+                                  </p:stCondLst>
+                                  <p:childTnLst>
+                                    <p:set>
+                                      <p:cBhvr>
+                                        <p:cTn id="44" dur="1" fill="hold">
+                                          <p:stCondLst>
+                                            <p:cond delay="0"/>
+                                          </p:stCondLst>
+                                        </p:cTn>
+                                        <p:tgtEl>
+                                          <p:spTgt spid="14"/>
+                                        </p:tgtEl>
+                                        <p:attrNameLst>
+                                          <p:attrName>style.visibility</p:attrName>
+                                        </p:attrNameLst>
+                                      </p:cBhvr>
+                                      <p:to>
+                                        <p:strVal val="visible"/>
+                                      </p:to>
+                                    </p:set>
+                                    <p:animEffect transition="in" filter="barn(inVertical)">
+                                      <p:cBhvr>
+                                        <p:cTn id="45" dur="500"/>
+                                        <p:tgtEl>
+                                          <p:spTgt spid="14"/>
+                                        </p:tgtEl>
+                                      </p:cBhvr>
+                                    </p:animEffect>
+                                  </p:childTnLst>
+                                </p:cTn>
+                              </p:par>
+                            </p:childTnLst>
+                          </p:cTn>
+                        </p:par>
+                      </p:childTnLst>
+                    </p:cTn>
+                  </p:par>
+                  <p:par>
+                    <p:cTn id="46" fill="hold">
+                      <p:stCondLst>
+                        <p:cond delay="indefinite"/>
+                      </p:stCondLst>
+                      <p:childTnLst>
+                        <p:par>
+                          <p:cTn id="47" fill="hold">
+                            <p:stCondLst>
+                              <p:cond delay="0"/>
+                            </p:stCondLst>
+                            <p:childTnLst>
+                              <p:par>
+                                <p:cTn id="48" presetID="10" presetClass="entr" presetSubtype="0" fill="hold" grpId="0" nodeType="clickEffect">
+                                  <p:stCondLst>
+                                    <p:cond delay="0"/>
+                                  </p:stCondLst>
+                                  <p:childTnLst>
+                                    <p:set>
+                                      <p:cBhvr>
+                                        <p:cTn id="49" dur="1" fill="hold">
+                                          <p:stCondLst>
+                                            <p:cond delay="0"/>
+                                          </p:stCondLst>
+                                        </p:cTn>
+                                        <p:tgtEl>
+                                          <p:spTgt spid="12"/>
+                                        </p:tgtEl>
+                                        <p:attrNameLst>
+                                          <p:attrName>style.visibility</p:attrName>
+                                        </p:attrNameLst>
+                                      </p:cBhvr>
+                                      <p:to>
+                                        <p:strVal val="visible"/>
+                                      </p:to>
+                                    </p:set>
+                                    <p:animEffect transition="in" filter="fade">
+                                      <p:cBhvr>
+                                        <p:cTn id="50" dur="500"/>
+                                        <p:tgtEl>
+                                          <p:spTgt spid="12"/>
+                                        </p:tgtEl>
+                                      </p:cBhvr>
+                                    </p:animEffect>
+                                  </p:childTnLst>
+                                </p:cTn>
+                              </p:par>
+                            </p:childTnLst>
+                          </p:cTn>
+                        </p:par>
+                      </p:childTnLst>
+                    </p:cTn>
+                  </p:par>
+                  <p:par>
+                    <p:cTn id="51" fill="hold">
+                      <p:stCondLst>
+                        <p:cond delay="indefinite"/>
+                      </p:stCondLst>
+                      <p:childTnLst>
+                        <p:par>
+                          <p:cTn id="52" fill="hold">
+                            <p:stCondLst>
+                              <p:cond delay="0"/>
+                            </p:stCondLst>
+                            <p:childTnLst>
+                              <p:par>
+                                <p:cTn id="53" presetID="1" presetClass="entr" presetSubtype="0" fill="hold" grpId="0" nodeType="clickEffect">
+                                  <p:stCondLst>
+                                    <p:cond delay="0"/>
+                                  </p:stCondLst>
+                                  <p:childTnLst>
+                                    <p:set>
+                                      <p:cBhvr>
+                                        <p:cTn id="54" dur="1" fill="hold">
+                                          <p:stCondLst>
+                                            <p:cond delay="0"/>
+                                          </p:stCondLst>
+                                        </p:cTn>
+                                        <p:tgtEl>
+                                          <p:spTgt spid="13"/>
+                                        </p:tgtEl>
+                                        <p:attrNameLst>
+                                          <p:attrName>style.visibility</p:attrName>
+                                        </p:attrNameLst>
+                                      </p:cBhvr>
+                                      <p:to>
+                                        <p:strVal val="visible"/>
+                                      </p:to>
+                                    </p:set>
+                                  </p:childTnLst>
+                                </p:cTn>
+                              </p:par>
+                            </p:childTnLst>
+                          </p:cTn>
+                        </p:par>
+                      </p:childTnLst>
+                    </p:cTn>
+                  </p:par>
+                  <p:par>
+                    <p:cTn id="55" fill="hold">
+                      <p:stCondLst>
+                        <p:cond delay="indefinite"/>
+                      </p:stCondLst>
+                      <p:childTnLst>
+                        <p:par>
+                          <p:cTn id="56" fill="hold">
+                            <p:stCondLst>
+                              <p:cond delay="0"/>
+                            </p:stCondLst>
+                            <p:childTnLst>
+                              <p:par>
+                                <p:cTn id="57" presetID="10" presetClass="entr" presetSubtype="0" fill="hold" grpId="0" nodeType="clickEffect">
+                                  <p:stCondLst>
+                                    <p:cond delay="0"/>
+                                  </p:stCondLst>
+                                  <p:childTnLst>
+                                    <p:set>
+                                      <p:cBhvr>
+                                        <p:cTn id="58" dur="1" fill="hold">
+                                          <p:stCondLst>
+                                            <p:cond delay="0"/>
+                                          </p:stCondLst>
+                                        </p:cTn>
+                                        <p:tgtEl>
+                                          <p:spTgt spid="16"/>
+                                        </p:tgtEl>
+                                        <p:attrNameLst>
+                                          <p:attrName>style.visibility</p:attrName>
+                                        </p:attrNameLst>
+                                      </p:cBhvr>
+                                      <p:to>
+                                        <p:strVal val="visible"/>
+                                      </p:to>
+                                    </p:set>
+                                    <p:animEffect transition="in" filter="fade">
+                                      <p:cBhvr>
+                                        <p:cTn id="59" dur="500"/>
+                                        <p:tgtEl>
+                                          <p:spTgt spid="16"/>
+                                        </p:tgtEl>
+                                      </p:cBhvr>
+                                    </p:animEffect>
+                                  </p:childTnLst>
+                                </p:cTn>
+                              </p:par>
+                            </p:childTnLst>
+                          </p:cTn>
+                        </p:par>
+                      </p:childTnLst>
+                    </p:cTn>
+                  </p:par>
+                  <p:par>
+                    <p:cTn id="60" fill="hold">
+                      <p:stCondLst>
+                        <p:cond delay="indefinite"/>
+                      </p:stCondLst>
+                      <p:childTnLst>
+                        <p:par>
+                          <p:cTn id="61" fill="hold">
+                            <p:stCondLst>
+                              <p:cond delay="0"/>
+                            </p:stCondLst>
+                            <p:childTnLst>
+                              <p:par>
+                                <p:cTn id="62" presetID="16" presetClass="entr" presetSubtype="21" fill="hold" nodeType="clickEffect">
+                                  <p:stCondLst>
+                                    <p:cond delay="0"/>
+                                  </p:stCondLst>
+                                  <p:childTnLst>
+                                    <p:set>
+                                      <p:cBhvr>
+                                        <p:cTn id="63" dur="1" fill="hold">
+                                          <p:stCondLst>
+                                            <p:cond delay="0"/>
+                                          </p:stCondLst>
+                                        </p:cTn>
+                                        <p:tgtEl>
+                                          <p:spTgt spid="17"/>
+                                        </p:tgtEl>
+                                        <p:attrNameLst>
+                                          <p:attrName>style.visibility</p:attrName>
+                                        </p:attrNameLst>
+                                      </p:cBhvr>
+                                      <p:to>
+                                        <p:strVal val="visible"/>
+                                      </p:to>
+                                    </p:set>
+                                    <p:animEffect transition="in" filter="barn(inVertical)">
+                                      <p:cBhvr>
+                                        <p:cTn id="64" dur="500"/>
+                                        <p:tgtEl>
+                                          <p:spTgt spid="17"/>
+                                        </p:tgtEl>
+                                      </p:cBhvr>
+                                    </p:animEffect>
+                                  </p:childTnLst>
+                                </p:cTn>
+                              </p:par>
+                            </p:childTnLst>
+                          </p:cTn>
+                        </p:par>
+                      </p:childTnLst>
+                    </p:cTn>
+                  </p:par>
+                  <p:par>
+                    <p:cTn id="65" fill="hold">
+                      <p:stCondLst>
+                        <p:cond delay="indefinite"/>
+                      </p:stCondLst>
+                      <p:childTnLst>
+                        <p:par>
+                          <p:cTn id="66" fill="hold">
+                            <p:stCondLst>
+                              <p:cond delay="0"/>
+                            </p:stCondLst>
+                            <p:childTnLst>
+                              <p:par>
+                                <p:cTn id="67" presetID="1" presetClass="entr" presetSubtype="0" fill="hold" grpId="0" nodeType="clickEffect">
+                                  <p:stCondLst>
+                                    <p:cond delay="0"/>
+                                  </p:stCondLst>
+                                  <p:childTnLst>
+                                    <p:set>
+                                      <p:cBhvr>
+                                        <p:cTn id="68" dur="1" fill="hold">
+                                          <p:stCondLst>
+                                            <p:cond delay="0"/>
+                                          </p:stCondLst>
+                                        </p:cTn>
+                                        <p:tgtEl>
+                                          <p:spTgt spid="18"/>
+                                        </p:tgtEl>
+                                        <p:attrNameLst>
+                                          <p:attrName>style.visibility</p:attrName>
+                                        </p:attrNameLst>
+                                      </p:cBhvr>
+                                      <p:to>
+                                        <p:strVal val="visible"/>
+                                      </p:to>
+                                    </p:set>
+                                  </p:childTnLst>
+                                </p:cTn>
+                              </p:par>
+                            </p:childTnLst>
+                          </p:cTn>
+                        </p:par>
+                      </p:childTnLst>
+                    </p:cTn>
+                  </p:par>
+                  <p:par>
+                    <p:cTn id="69" fill="hold">
+                      <p:stCondLst>
+                        <p:cond delay="indefinite"/>
+                      </p:stCondLst>
+                      <p:childTnLst>
+                        <p:par>
+                          <p:cTn id="70" fill="hold">
+                            <p:stCondLst>
+                              <p:cond delay="0"/>
+                            </p:stCondLst>
+                            <p:childTnLst>
+                              <p:par>
+                                <p:cTn id="71" presetID="10" presetClass="entr" presetSubtype="0" fill="hold" grpId="0" nodeType="clickEffect">
+                                  <p:stCondLst>
+                                    <p:cond delay="0"/>
+                                  </p:stCondLst>
+                                  <p:childTnLst>
+                                    <p:set>
+                                      <p:cBhvr>
+                                        <p:cTn id="72" dur="1" fill="hold">
+                                          <p:stCondLst>
+                                            <p:cond delay="0"/>
+                                          </p:stCondLst>
+                                        </p:cTn>
+                                        <p:tgtEl>
+                                          <p:spTgt spid="19"/>
+                                        </p:tgtEl>
+                                        <p:attrNameLst>
+                                          <p:attrName>style.visibility</p:attrName>
+                                        </p:attrNameLst>
+                                      </p:cBhvr>
+                                      <p:to>
+                                        <p:strVal val="visible"/>
+                                      </p:to>
+                                    </p:set>
+                                    <p:animEffect transition="in" filter="fade">
+                                      <p:cBhvr>
+                                        <p:cTn id="73" dur="500"/>
+                                        <p:tgtEl>
+                                          <p:spTgt spid="19"/>
+                                        </p:tgtEl>
+                                      </p:cBhvr>
+                                    </p:animEffect>
+                                  </p:childTnLst>
+                                </p:cTn>
+                              </p:par>
+                            </p:childTnLst>
+                          </p:cTn>
+                        </p:par>
+                      </p:childTnLst>
+                    </p:cTn>
+                  </p:par>
+                  <p:par>
+                    <p:cTn id="74" fill="hold">
+                      <p:stCondLst>
+                        <p:cond delay="indefinite"/>
+                      </p:stCondLst>
+                      <p:childTnLst>
+                        <p:par>
+                          <p:cTn id="75" fill="hold">
+                            <p:stCondLst>
+                              <p:cond delay="0"/>
+                            </p:stCondLst>
+                            <p:childTnLst>
+                              <p:par>
+                                <p:cTn id="76" presetID="16" presetClass="entr" presetSubtype="21" fill="hold" nodeType="clickEffect">
+                                  <p:stCondLst>
+                                    <p:cond delay="0"/>
+                                  </p:stCondLst>
+                                  <p:childTnLst>
+                                    <p:set>
+                                      <p:cBhvr>
+                                        <p:cTn id="77" dur="1" fill="hold">
+                                          <p:stCondLst>
+                                            <p:cond delay="0"/>
+                                          </p:stCondLst>
+                                        </p:cTn>
+                                        <p:tgtEl>
+                                          <p:spTgt spid="20"/>
+                                        </p:tgtEl>
+                                        <p:attrNameLst>
+                                          <p:attrName>style.visibility</p:attrName>
+                                        </p:attrNameLst>
+                                      </p:cBhvr>
+                                      <p:to>
+                                        <p:strVal val="visible"/>
+                                      </p:to>
+                                    </p:set>
+                                    <p:animEffect transition="in" filter="barn(inVertical)">
+                                      <p:cBhvr>
+                                        <p:cTn id="78" dur="500"/>
+                                        <p:tgtEl>
+                                          <p:spTgt spid="20"/>
+                                        </p:tgtEl>
+                                      </p:cBhvr>
+                                    </p:animEffect>
+                                  </p:childTnLst>
+                                </p:cTn>
+                              </p:par>
+                            </p:childTnLst>
+                          </p:cTn>
+                        </p:par>
+                      </p:childTnLst>
+                    </p:cTn>
+                  </p:par>
+                </p:childTnLst>
+              </p:cTn>
+              <p:prevCondLst>
+                <p:cond evt="onPrev" delay="0">
+                  <p:tgtEl>
+                    <p:sldTgt/>
+                  </p:tgtEl>
+                </p:cond>
+              </p:prevCondLst>
+              <p:nextCondLst>
+                <p:cond evt="onNext" delay="0">
+                  <p:tgtEl>
+                    <p:sldTgt/>
+                  </p:tgtEl>
+                </p:cond>
+              </p:nextCondLst>
+            </p:seq>
+          </p:childTnLst>
+        </p:cTn>
+      </p:par>
+    </p:tnLst>
+    <p:bldLst>
+      <p:bldP spid="4" grpId="0" animBg="1"/>
+      <p:bldP spid="5" grpId="0" animBg="1"/>
+      <p:bldP spid="6" grpId="0" animBg="1"/>
+      <p:bldP spid="9" grpId="0" animBg="1"/>
+      <p:bldP spid="11" grpId="0" animBg="1"/>
+      <p:bldP spid="12" grpId="0" animBg="1"/>
+      <p:bldP spid="13" grpId="0" animBg="1"/>
+      <p:bldP spid="16" grpId="0" animBg="1"/>
+      <p:bldP spid="18" grpId="0" animBg="1"/>
+      <p:bldP spid="19" grpId="0" animBg="1"/>
+    </p:bldLst>
+  </p:timing>
+</p:sld>
+</file>
+
 <file path=ppt/slides/slide4.xml><?xml version="1.0" encoding="utf-8"?>
 <p:sld xmlns:a="http://schemas.openxmlformats.org/drawingml/2006/main" xmlns:r="http://schemas.openxmlformats.org/officeDocument/2006/relationships" xmlns:p="http://schemas.openxmlformats.org/presentationml/2006/main">
   <p:cSld>

--- a/_presentation/prezentare_aplicatie.pptx
+++ b/_presentation/prezentare_aplicatie.pptx
@@ -40,8 +40,10 @@
     <p:sldId id="286" r:id="rId34"/>
     <p:sldId id="288" r:id="rId35"/>
     <p:sldId id="289" r:id="rId36"/>
-    <p:sldId id="287" r:id="rId37"/>
+    <p:sldId id="292" r:id="rId37"/>
     <p:sldId id="290" r:id="rId38"/>
+    <p:sldId id="291" r:id="rId39"/>
+    <p:sldId id="287" r:id="rId40"/>
   </p:sldIdLst>
   <p:sldSz cx="12192000" cy="6858000"/>
   <p:notesSz cx="6858000" cy="9144000"/>
@@ -298,7 +300,7 @@
             <a:fld id="{87DE6118-2437-4B30-8E3C-4D2BE6020583}" type="datetimeFigureOut">
               <a:rPr lang="en-US" smtClean="0"/>
               <a:pPr/>
-              <a:t>9/22/2022</a:t>
+              <a:t>10/7/2022</a:t>
             </a:fld>
             <a:endParaRPr lang="en-US"/>
           </a:p>
@@ -499,7 +501,7 @@
           <a:p>
             <a:fld id="{87DE6118-2437-4B30-8E3C-4D2BE6020583}" type="datetimeFigureOut">
               <a:rPr lang="en-US" smtClean="0"/>
-              <a:t>9/22/2022</a:t>
+              <a:t>10/7/2022</a:t>
             </a:fld>
             <a:endParaRPr lang="en-US"/>
           </a:p>
@@ -709,7 +711,7 @@
           <a:p>
             <a:fld id="{87DE6118-2437-4B30-8E3C-4D2BE6020583}" type="datetimeFigureOut">
               <a:rPr lang="en-US" smtClean="0"/>
-              <a:t>9/22/2022</a:t>
+              <a:t>10/7/2022</a:t>
             </a:fld>
             <a:endParaRPr lang="en-US"/>
           </a:p>
@@ -922,7 +924,7 @@
             <a:fld id="{87DE6118-2437-4B30-8E3C-4D2BE6020583}" type="datetimeFigureOut">
               <a:rPr lang="en-US" smtClean="0"/>
               <a:pPr/>
-              <a:t>9/22/2022</a:t>
+              <a:t>10/7/2022</a:t>
             </a:fld>
             <a:endParaRPr lang="en-US"/>
           </a:p>
@@ -1134,7 +1136,7 @@
           <a:p>
             <a:fld id="{87DE6118-2437-4B30-8E3C-4D2BE6020583}" type="datetimeFigureOut">
               <a:rPr lang="en-US" smtClean="0"/>
-              <a:t>9/22/2022</a:t>
+              <a:t>10/7/2022</a:t>
             </a:fld>
             <a:endParaRPr lang="en-US"/>
           </a:p>
@@ -1414,7 +1416,7 @@
             <a:fld id="{87DE6118-2437-4B30-8E3C-4D2BE6020583}" type="datetimeFigureOut">
               <a:rPr lang="en-US" smtClean="0"/>
               <a:pPr/>
-              <a:t>9/22/2022</a:t>
+              <a:t>10/7/2022</a:t>
             </a:fld>
             <a:endParaRPr lang="en-US"/>
           </a:p>
@@ -1683,7 +1685,7 @@
           <a:p>
             <a:fld id="{87DE6118-2437-4B30-8E3C-4D2BE6020583}" type="datetimeFigureOut">
               <a:rPr lang="en-US" smtClean="0"/>
-              <a:t>9/22/2022</a:t>
+              <a:t>10/7/2022</a:t>
             </a:fld>
             <a:endParaRPr lang="en-US"/>
           </a:p>
@@ -2099,7 +2101,7 @@
           <a:p>
             <a:fld id="{87DE6118-2437-4B30-8E3C-4D2BE6020583}" type="datetimeFigureOut">
               <a:rPr lang="en-US" smtClean="0"/>
-              <a:t>9/22/2022</a:t>
+              <a:t>10/7/2022</a:t>
             </a:fld>
             <a:endParaRPr lang="en-US"/>
           </a:p>
@@ -2248,7 +2250,7 @@
           <a:p>
             <a:fld id="{87DE6118-2437-4B30-8E3C-4D2BE6020583}" type="datetimeFigureOut">
               <a:rPr lang="en-US" smtClean="0"/>
-              <a:t>9/22/2022</a:t>
+              <a:t>10/7/2022</a:t>
             </a:fld>
             <a:endParaRPr lang="en-US"/>
           </a:p>
@@ -2374,7 +2376,7 @@
           <a:p>
             <a:fld id="{87DE6118-2437-4B30-8E3C-4D2BE6020583}" type="datetimeFigureOut">
               <a:rPr lang="en-US" smtClean="0"/>
-              <a:t>9/22/2022</a:t>
+              <a:t>10/7/2022</a:t>
             </a:fld>
             <a:endParaRPr lang="en-US"/>
           </a:p>
@@ -2626,7 +2628,7 @@
             <a:fld id="{87DE6118-2437-4B30-8E3C-4D2BE6020583}" type="datetimeFigureOut">
               <a:rPr lang="en-US" smtClean="0"/>
               <a:pPr/>
-              <a:t>9/22/2022</a:t>
+              <a:t>10/7/2022</a:t>
             </a:fld>
             <a:endParaRPr lang="en-US"/>
           </a:p>
@@ -2846,7 +2848,7 @@
           <a:p>
             <a:fld id="{87DE6118-2437-4B30-8E3C-4D2BE6020583}" type="datetimeFigureOut">
               <a:rPr lang="en-US" smtClean="0"/>
-              <a:t>9/22/2022</a:t>
+              <a:t>10/7/2022</a:t>
             </a:fld>
             <a:endParaRPr lang="en-US"/>
           </a:p>
@@ -3272,7 +3274,7 @@
             <a:fld id="{87DE6118-2437-4B30-8E3C-4D2BE6020583}" type="datetimeFigureOut">
               <a:rPr lang="en-US" smtClean="0"/>
               <a:pPr/>
-              <a:t>9/22/2022</a:t>
+              <a:t>10/7/2022</a:t>
             </a:fld>
             <a:endParaRPr lang="en-US"/>
           </a:p>
@@ -3479,7 +3481,7 @@
           <a:p>
             <a:fld id="{87DE6118-2437-4B30-8E3C-4D2BE6020583}" type="datetimeFigureOut">
               <a:rPr lang="en-US" smtClean="0"/>
-              <a:t>9/22/2022</a:t>
+              <a:t>10/7/2022</a:t>
             </a:fld>
             <a:endParaRPr lang="en-US"/>
           </a:p>
@@ -3694,7 +3696,7 @@
           <a:p>
             <a:fld id="{87DE6118-2437-4B30-8E3C-4D2BE6020583}" type="datetimeFigureOut">
               <a:rPr lang="en-US" smtClean="0"/>
-              <a:t>9/22/2022</a:t>
+              <a:t>10/7/2022</a:t>
             </a:fld>
             <a:endParaRPr lang="en-US"/>
           </a:p>
@@ -3936,7 +3938,7 @@
             <a:fld id="{87DE6118-2437-4B30-8E3C-4D2BE6020583}" type="datetimeFigureOut">
               <a:rPr lang="en-US" smtClean="0"/>
               <a:pPr/>
-              <a:t>9/22/2022</a:t>
+              <a:t>10/7/2022</a:t>
             </a:fld>
             <a:endParaRPr lang="en-US"/>
           </a:p>
@@ -4137,7 +4139,7 @@
           <a:p>
             <a:fld id="{87DE6118-2437-4B30-8E3C-4D2BE6020583}" type="datetimeFigureOut">
               <a:rPr lang="en-US" smtClean="0"/>
-              <a:t>9/22/2022</a:t>
+              <a:t>10/7/2022</a:t>
             </a:fld>
             <a:endParaRPr lang="en-US"/>
           </a:p>
@@ -4414,7 +4416,7 @@
             <a:fld id="{87DE6118-2437-4B30-8E3C-4D2BE6020583}" type="datetimeFigureOut">
               <a:rPr lang="en-US" smtClean="0"/>
               <a:pPr/>
-              <a:t>9/22/2022</a:t>
+              <a:t>10/7/2022</a:t>
             </a:fld>
             <a:endParaRPr lang="en-US"/>
           </a:p>
@@ -4683,7 +4685,7 @@
           <a:p>
             <a:fld id="{87DE6118-2437-4B30-8E3C-4D2BE6020583}" type="datetimeFigureOut">
               <a:rPr lang="en-US" smtClean="0"/>
-              <a:t>9/22/2022</a:t>
+              <a:t>10/7/2022</a:t>
             </a:fld>
             <a:endParaRPr lang="en-US"/>
           </a:p>
@@ -5098,7 +5100,7 @@
           <a:p>
             <a:fld id="{87DE6118-2437-4B30-8E3C-4D2BE6020583}" type="datetimeFigureOut">
               <a:rPr lang="en-US" smtClean="0"/>
-              <a:t>9/22/2022</a:t>
+              <a:t>10/7/2022</a:t>
             </a:fld>
             <a:endParaRPr lang="en-US"/>
           </a:p>
@@ -5240,7 +5242,7 @@
           <a:p>
             <a:fld id="{87DE6118-2437-4B30-8E3C-4D2BE6020583}" type="datetimeFigureOut">
               <a:rPr lang="en-US" smtClean="0"/>
-              <a:t>9/22/2022</a:t>
+              <a:t>10/7/2022</a:t>
             </a:fld>
             <a:endParaRPr lang="en-US"/>
           </a:p>
@@ -5353,7 +5355,7 @@
           <a:p>
             <a:fld id="{87DE6118-2437-4B30-8E3C-4D2BE6020583}" type="datetimeFigureOut">
               <a:rPr lang="en-US" smtClean="0"/>
-              <a:t>9/22/2022</a:t>
+              <a:t>10/7/2022</a:t>
             </a:fld>
             <a:endParaRPr lang="en-US"/>
           </a:p>
@@ -5630,7 +5632,7 @@
             <a:fld id="{87DE6118-2437-4B30-8E3C-4D2BE6020583}" type="datetimeFigureOut">
               <a:rPr lang="en-US" smtClean="0"/>
               <a:pPr/>
-              <a:t>9/22/2022</a:t>
+              <a:t>10/7/2022</a:t>
             </a:fld>
             <a:endParaRPr lang="en-US"/>
           </a:p>
@@ -5945,7 +5947,7 @@
             <a:fld id="{87DE6118-2437-4B30-8E3C-4D2BE6020583}" type="datetimeFigureOut">
               <a:rPr lang="en-US" smtClean="0"/>
               <a:pPr/>
-              <a:t>9/22/2022</a:t>
+              <a:t>10/7/2022</a:t>
             </a:fld>
             <a:endParaRPr lang="en-US"/>
           </a:p>
@@ -6236,7 +6238,7 @@
             <a:fld id="{87DE6118-2437-4B30-8E3C-4D2BE6020583}" type="datetimeFigureOut">
               <a:rPr lang="en-US" smtClean="0"/>
               <a:pPr/>
-              <a:t>9/22/2022</a:t>
+              <a:t>10/7/2022</a:t>
             </a:fld>
             <a:endParaRPr lang="en-US"/>
           </a:p>
@@ -6437,7 +6439,7 @@
           <a:p>
             <a:fld id="{87DE6118-2437-4B30-8E3C-4D2BE6020583}" type="datetimeFigureOut">
               <a:rPr lang="en-US" smtClean="0"/>
-              <a:t>9/22/2022</a:t>
+              <a:t>10/7/2022</a:t>
             </a:fld>
             <a:endParaRPr lang="en-US"/>
           </a:p>
@@ -6647,7 +6649,7 @@
           <a:p>
             <a:fld id="{87DE6118-2437-4B30-8E3C-4D2BE6020583}" type="datetimeFigureOut">
               <a:rPr lang="en-US" smtClean="0"/>
-              <a:t>9/22/2022</a:t>
+              <a:t>10/7/2022</a:t>
             </a:fld>
             <a:endParaRPr lang="en-US"/>
           </a:p>
@@ -6915,7 +6917,7 @@
           <a:p>
             <a:fld id="{87DE6118-2437-4B30-8E3C-4D2BE6020583}" type="datetimeFigureOut">
               <a:rPr lang="en-US" smtClean="0"/>
-              <a:t>9/22/2022</a:t>
+              <a:t>10/7/2022</a:t>
             </a:fld>
             <a:endParaRPr lang="en-US"/>
           </a:p>
@@ -7330,7 +7332,7 @@
           <a:p>
             <a:fld id="{87DE6118-2437-4B30-8E3C-4D2BE6020583}" type="datetimeFigureOut">
               <a:rPr lang="en-US" smtClean="0"/>
-              <a:t>9/22/2022</a:t>
+              <a:t>10/7/2022</a:t>
             </a:fld>
             <a:endParaRPr lang="en-US"/>
           </a:p>
@@ -7472,7 +7474,7 @@
           <a:p>
             <a:fld id="{87DE6118-2437-4B30-8E3C-4D2BE6020583}" type="datetimeFigureOut">
               <a:rPr lang="en-US" smtClean="0"/>
-              <a:t>9/22/2022</a:t>
+              <a:t>10/7/2022</a:t>
             </a:fld>
             <a:endParaRPr lang="en-US"/>
           </a:p>
@@ -7585,7 +7587,7 @@
           <a:p>
             <a:fld id="{87DE6118-2437-4B30-8E3C-4D2BE6020583}" type="datetimeFigureOut">
               <a:rPr lang="en-US" smtClean="0"/>
-              <a:t>9/22/2022</a:t>
+              <a:t>10/7/2022</a:t>
             </a:fld>
             <a:endParaRPr lang="en-US"/>
           </a:p>
@@ -7899,7 +7901,7 @@
             <a:fld id="{87DE6118-2437-4B30-8E3C-4D2BE6020583}" type="datetimeFigureOut">
               <a:rPr lang="en-US" smtClean="0"/>
               <a:pPr/>
-              <a:t>9/22/2022</a:t>
+              <a:t>10/7/2022</a:t>
             </a:fld>
             <a:endParaRPr lang="en-US"/>
           </a:p>
@@ -8190,7 +8192,7 @@
             <a:fld id="{87DE6118-2437-4B30-8E3C-4D2BE6020583}" type="datetimeFigureOut">
               <a:rPr lang="en-US" smtClean="0"/>
               <a:pPr/>
-              <a:t>9/22/2022</a:t>
+              <a:t>10/7/2022</a:t>
             </a:fld>
             <a:endParaRPr lang="en-US"/>
           </a:p>
@@ -8435,7 +8437,7 @@
             <a:fld id="{87DE6118-2437-4B30-8E3C-4D2BE6020583}" type="datetimeFigureOut">
               <a:rPr lang="en-US" smtClean="0"/>
               <a:pPr/>
-              <a:t>9/22/2022</a:t>
+              <a:t>10/7/2022</a:t>
             </a:fld>
             <a:endParaRPr lang="en-US"/>
           </a:p>
@@ -9072,7 +9074,7 @@
             <a:fld id="{87DE6118-2437-4B30-8E3C-4D2BE6020583}" type="datetimeFigureOut">
               <a:rPr lang="en-US" smtClean="0"/>
               <a:pPr/>
-              <a:t>9/22/2022</a:t>
+              <a:t>10/7/2022</a:t>
             </a:fld>
             <a:endParaRPr lang="en-US"/>
           </a:p>
@@ -9718,7 +9720,7 @@
             <a:fld id="{87DE6118-2437-4B30-8E3C-4D2BE6020583}" type="datetimeFigureOut">
               <a:rPr lang="en-US" smtClean="0"/>
               <a:pPr/>
-              <a:t>9/22/2022</a:t>
+              <a:t>10/7/2022</a:t>
             </a:fld>
             <a:endParaRPr lang="en-US"/>
           </a:p>
@@ -36358,9 +36360,38 @@
           <a:bodyPr rtlCol="0" anchor="ctr"/>
           <a:lstStyle/>
           <a:p>
-            <a:pPr algn="ctr"/>
-            <a:r>
-              <a:rPr lang="en-US"/>
+            <a:pPr marL="0" marR="0" lvl="0" indent="0" algn="ctr" defTabSz="914400" rtl="0" eaLnBrk="1" fontAlgn="auto" latinLnBrk="0" hangingPunct="1">
+              <a:lnSpc>
+                <a:spcPct val="100000"/>
+              </a:lnSpc>
+              <a:spcBef>
+                <a:spcPts val="0"/>
+              </a:spcBef>
+              <a:spcAft>
+                <a:spcPts val="0"/>
+              </a:spcAft>
+              <a:buClrTx/>
+              <a:buSzTx/>
+              <a:buFontTx/>
+              <a:buNone/>
+              <a:tabLst/>
+              <a:defRPr/>
+            </a:pPr>
+            <a:r>
+              <a:rPr kumimoji="0" lang="en-US" sz="1800" b="0" i="0" u="none" strike="noStrike" kern="1200" cap="none" spc="0" normalizeH="0" baseline="0" noProof="0">
+                <a:ln>
+                  <a:noFill/>
+                </a:ln>
+                <a:solidFill>
+                  <a:prstClr val="white"/>
+                </a:solidFill>
+                <a:effectLst/>
+                <a:uLnTx/>
+                <a:uFillTx/>
+                <a:latin typeface="Calibri" panose="020F0502020204030204"/>
+                <a:ea typeface="+mn-ea"/>
+                <a:cs typeface="+mn-cs"/>
+              </a:rPr>
               <a:t>products</a:t>
             </a:r>
           </a:p>
@@ -36469,9 +36500,38 @@
             <a:bodyPr rtlCol="0" anchor="ctr"/>
             <a:lstStyle/>
             <a:p>
-              <a:pPr algn="ctr"/>
+              <a:pPr marL="0" marR="0" lvl="0" indent="0" algn="ctr" defTabSz="914400" rtl="0" eaLnBrk="1" fontAlgn="auto" latinLnBrk="0" hangingPunct="1">
+                <a:lnSpc>
+                  <a:spcPct val="100000"/>
+                </a:lnSpc>
+                <a:spcBef>
+                  <a:spcPts val="0"/>
+                </a:spcBef>
+                <a:spcAft>
+                  <a:spcPts val="0"/>
+                </a:spcAft>
+                <a:buClrTx/>
+                <a:buSzTx/>
+                <a:buFontTx/>
+                <a:buNone/>
+                <a:tabLst/>
+                <a:defRPr/>
+              </a:pPr>
               <a:r>
-                <a:rPr lang="en-US"/>
+                <a:rPr kumimoji="0" lang="en-US" sz="1800" b="0" i="0" u="none" strike="noStrike" kern="1200" cap="none" spc="0" normalizeH="0" baseline="0" noProof="0">
+                  <a:ln>
+                    <a:noFill/>
+                  </a:ln>
+                  <a:solidFill>
+                    <a:prstClr val="white"/>
+                  </a:solidFill>
+                  <a:effectLst/>
+                  <a:uLnTx/>
+                  <a:uFillTx/>
+                  <a:latin typeface="Calibri" panose="020F0502020204030204"/>
+                  <a:ea typeface="+mn-ea"/>
+                  <a:cs typeface="+mn-cs"/>
+                </a:rPr>
                 <a:t>values</a:t>
               </a:r>
             </a:p>
@@ -36516,9 +36576,38 @@
             <a:bodyPr rtlCol="0" anchor="ctr"/>
             <a:lstStyle/>
             <a:p>
-              <a:pPr algn="ctr"/>
+              <a:pPr marL="0" marR="0" lvl="0" indent="0" algn="ctr" defTabSz="914400" rtl="0" eaLnBrk="1" fontAlgn="auto" latinLnBrk="0" hangingPunct="1">
+                <a:lnSpc>
+                  <a:spcPct val="100000"/>
+                </a:lnSpc>
+                <a:spcBef>
+                  <a:spcPts val="0"/>
+                </a:spcBef>
+                <a:spcAft>
+                  <a:spcPts val="0"/>
+                </a:spcAft>
+                <a:buClrTx/>
+                <a:buSzTx/>
+                <a:buFontTx/>
+                <a:buNone/>
+                <a:tabLst/>
+                <a:defRPr/>
+              </a:pPr>
               <a:r>
-                <a:rPr lang="en-US"/>
+                <a:rPr kumimoji="0" lang="en-US" sz="1800" b="0" i="0" u="none" strike="noStrike" kern="1200" cap="none" spc="0" normalizeH="0" baseline="0" noProof="0">
+                  <a:ln>
+                    <a:noFill/>
+                  </a:ln>
+                  <a:solidFill>
+                    <a:prstClr val="black"/>
+                  </a:solidFill>
+                  <a:effectLst/>
+                  <a:uLnTx/>
+                  <a:uFillTx/>
+                  <a:latin typeface="Calibri" panose="020F0502020204030204"/>
+                  <a:ea typeface="+mn-ea"/>
+                  <a:cs typeface="+mn-cs"/>
+                </a:rPr>
                 <a:t>id_attribute</a:t>
               </a:r>
             </a:p>
@@ -36563,9 +36652,38 @@
             <a:bodyPr rtlCol="0" anchor="ctr"/>
             <a:lstStyle/>
             <a:p>
-              <a:pPr algn="ctr"/>
+              <a:pPr marL="0" marR="0" lvl="0" indent="0" algn="ctr" defTabSz="914400" rtl="0" eaLnBrk="1" fontAlgn="auto" latinLnBrk="0" hangingPunct="1">
+                <a:lnSpc>
+                  <a:spcPct val="100000"/>
+                </a:lnSpc>
+                <a:spcBef>
+                  <a:spcPts val="0"/>
+                </a:spcBef>
+                <a:spcAft>
+                  <a:spcPts val="0"/>
+                </a:spcAft>
+                <a:buClrTx/>
+                <a:buSzTx/>
+                <a:buFontTx/>
+                <a:buNone/>
+                <a:tabLst/>
+                <a:defRPr/>
+              </a:pPr>
               <a:r>
-                <a:rPr lang="en-US"/>
+                <a:rPr kumimoji="0" lang="en-US" sz="1800" b="0" i="0" u="none" strike="noStrike" kern="1200" cap="none" spc="0" normalizeH="0" baseline="0" noProof="0">
+                  <a:ln>
+                    <a:noFill/>
+                  </a:ln>
+                  <a:solidFill>
+                    <a:prstClr val="black"/>
+                  </a:solidFill>
+                  <a:effectLst/>
+                  <a:uLnTx/>
+                  <a:uFillTx/>
+                  <a:latin typeface="Calibri" panose="020F0502020204030204"/>
+                  <a:ea typeface="+mn-ea"/>
+                  <a:cs typeface="+mn-cs"/>
+                </a:rPr>
                 <a:t>value</a:t>
               </a:r>
             </a:p>
@@ -36610,9 +36728,38 @@
             <a:bodyPr rtlCol="0" anchor="ctr"/>
             <a:lstStyle/>
             <a:p>
-              <a:pPr algn="ctr"/>
+              <a:pPr marL="0" marR="0" lvl="0" indent="0" algn="ctr" defTabSz="914400" rtl="0" eaLnBrk="1" fontAlgn="auto" latinLnBrk="0" hangingPunct="1">
+                <a:lnSpc>
+                  <a:spcPct val="100000"/>
+                </a:lnSpc>
+                <a:spcBef>
+                  <a:spcPts val="0"/>
+                </a:spcBef>
+                <a:spcAft>
+                  <a:spcPts val="0"/>
+                </a:spcAft>
+                <a:buClrTx/>
+                <a:buSzTx/>
+                <a:buFontTx/>
+                <a:buNone/>
+                <a:tabLst/>
+                <a:defRPr/>
+              </a:pPr>
               <a:r>
-                <a:rPr lang="en-US"/>
+                <a:rPr kumimoji="0" lang="en-US" sz="1800" b="0" i="0" u="none" strike="noStrike" kern="1200" cap="none" spc="0" normalizeH="0" baseline="0" noProof="0">
+                  <a:ln>
+                    <a:noFill/>
+                  </a:ln>
+                  <a:solidFill>
+                    <a:prstClr val="black"/>
+                  </a:solidFill>
+                  <a:effectLst/>
+                  <a:uLnTx/>
+                  <a:uFillTx/>
+                  <a:latin typeface="Calibri" panose="020F0502020204030204"/>
+                  <a:ea typeface="+mn-ea"/>
+                  <a:cs typeface="+mn-cs"/>
+                </a:rPr>
                 <a:t>position</a:t>
               </a:r>
             </a:p>
@@ -36657,9 +36804,38 @@
             <a:bodyPr rtlCol="0" anchor="ctr"/>
             <a:lstStyle/>
             <a:p>
-              <a:pPr algn="ctr"/>
+              <a:pPr marL="0" marR="0" lvl="0" indent="0" algn="ctr" defTabSz="914400" rtl="0" eaLnBrk="1" fontAlgn="auto" latinLnBrk="0" hangingPunct="1">
+                <a:lnSpc>
+                  <a:spcPct val="100000"/>
+                </a:lnSpc>
+                <a:spcBef>
+                  <a:spcPts val="0"/>
+                </a:spcBef>
+                <a:spcAft>
+                  <a:spcPts val="0"/>
+                </a:spcAft>
+                <a:buClrTx/>
+                <a:buSzTx/>
+                <a:buFontTx/>
+                <a:buNone/>
+                <a:tabLst/>
+                <a:defRPr/>
+              </a:pPr>
               <a:r>
-                <a:rPr lang="en-US"/>
+                <a:rPr kumimoji="0" lang="en-US" sz="1800" b="0" i="0" u="none" strike="noStrike" kern="1200" cap="none" spc="0" normalizeH="0" baseline="0" noProof="0">
+                  <a:ln>
+                    <a:noFill/>
+                  </a:ln>
+                  <a:solidFill>
+                    <a:prstClr val="black"/>
+                  </a:solidFill>
+                  <a:effectLst/>
+                  <a:uLnTx/>
+                  <a:uFillTx/>
+                  <a:latin typeface="Calibri" panose="020F0502020204030204"/>
+                  <a:ea typeface="+mn-ea"/>
+                  <a:cs typeface="+mn-cs"/>
+                </a:rPr>
                 <a:t>active</a:t>
               </a:r>
             </a:p>
@@ -36704,9 +36880,38 @@
             <a:bodyPr rtlCol="0" anchor="ctr"/>
             <a:lstStyle/>
             <a:p>
-              <a:pPr algn="ctr"/>
+              <a:pPr marL="0" marR="0" lvl="0" indent="0" algn="ctr" defTabSz="914400" rtl="0" eaLnBrk="1" fontAlgn="auto" latinLnBrk="0" hangingPunct="1">
+                <a:lnSpc>
+                  <a:spcPct val="100000"/>
+                </a:lnSpc>
+                <a:spcBef>
+                  <a:spcPts val="0"/>
+                </a:spcBef>
+                <a:spcAft>
+                  <a:spcPts val="0"/>
+                </a:spcAft>
+                <a:buClrTx/>
+                <a:buSzTx/>
+                <a:buFontTx/>
+                <a:buNone/>
+                <a:tabLst/>
+                <a:defRPr/>
+              </a:pPr>
               <a:r>
-                <a:rPr lang="en-US"/>
+                <a:rPr kumimoji="0" lang="en-US" sz="1800" b="0" i="0" u="none" strike="noStrike" kern="1200" cap="none" spc="0" normalizeH="0" baseline="0" noProof="0">
+                  <a:ln>
+                    <a:noFill/>
+                  </a:ln>
+                  <a:solidFill>
+                    <a:prstClr val="black"/>
+                  </a:solidFill>
+                  <a:effectLst/>
+                  <a:uLnTx/>
+                  <a:uFillTx/>
+                  <a:latin typeface="Calibri" panose="020F0502020204030204"/>
+                  <a:ea typeface="+mn-ea"/>
+                  <a:cs typeface="+mn-cs"/>
+                </a:rPr>
                 <a:t>id</a:t>
               </a:r>
             </a:p>
@@ -36902,9 +37107,38 @@
             <a:bodyPr rtlCol="0" anchor="ctr"/>
             <a:lstStyle/>
             <a:p>
-              <a:pPr algn="ctr"/>
+              <a:pPr marL="0" marR="0" lvl="0" indent="0" algn="ctr" defTabSz="914400" rtl="0" eaLnBrk="1" fontAlgn="auto" latinLnBrk="0" hangingPunct="1">
+                <a:lnSpc>
+                  <a:spcPct val="100000"/>
+                </a:lnSpc>
+                <a:spcBef>
+                  <a:spcPts val="0"/>
+                </a:spcBef>
+                <a:spcAft>
+                  <a:spcPts val="0"/>
+                </a:spcAft>
+                <a:buClrTx/>
+                <a:buSzTx/>
+                <a:buFontTx/>
+                <a:buNone/>
+                <a:tabLst/>
+                <a:defRPr/>
+              </a:pPr>
               <a:r>
-                <a:rPr lang="en-US"/>
+                <a:rPr kumimoji="0" lang="en-US" sz="1800" b="0" i="0" u="none" strike="noStrike" kern="1200" cap="none" spc="0" normalizeH="0" baseline="0" noProof="0">
+                  <a:ln>
+                    <a:noFill/>
+                  </a:ln>
+                  <a:solidFill>
+                    <a:prstClr val="white"/>
+                  </a:solidFill>
+                  <a:effectLst/>
+                  <a:uLnTx/>
+                  <a:uFillTx/>
+                  <a:latin typeface="Calibri" panose="020F0502020204030204"/>
+                  <a:ea typeface="+mn-ea"/>
+                  <a:cs typeface="+mn-cs"/>
+                </a:rPr>
                 <a:t>attributes</a:t>
               </a:r>
             </a:p>
@@ -36949,9 +37183,38 @@
             <a:bodyPr rtlCol="0" anchor="ctr"/>
             <a:lstStyle/>
             <a:p>
-              <a:pPr algn="ctr"/>
+              <a:pPr marL="0" marR="0" lvl="0" indent="0" algn="ctr" defTabSz="914400" rtl="0" eaLnBrk="1" fontAlgn="auto" latinLnBrk="0" hangingPunct="1">
+                <a:lnSpc>
+                  <a:spcPct val="100000"/>
+                </a:lnSpc>
+                <a:spcBef>
+                  <a:spcPts val="0"/>
+                </a:spcBef>
+                <a:spcAft>
+                  <a:spcPts val="0"/>
+                </a:spcAft>
+                <a:buClrTx/>
+                <a:buSzTx/>
+                <a:buFontTx/>
+                <a:buNone/>
+                <a:tabLst/>
+                <a:defRPr/>
+              </a:pPr>
               <a:r>
-                <a:rPr lang="en-US"/>
+                <a:rPr kumimoji="0" lang="en-US" sz="1800" b="0" i="0" u="none" strike="noStrike" kern="1200" cap="none" spc="0" normalizeH="0" baseline="0" noProof="0">
+                  <a:ln>
+                    <a:noFill/>
+                  </a:ln>
+                  <a:solidFill>
+                    <a:prstClr val="black"/>
+                  </a:solidFill>
+                  <a:effectLst/>
+                  <a:uLnTx/>
+                  <a:uFillTx/>
+                  <a:latin typeface="Calibri" panose="020F0502020204030204"/>
+                  <a:ea typeface="+mn-ea"/>
+                  <a:cs typeface="+mn-cs"/>
+                </a:rPr>
                 <a:t>id</a:t>
               </a:r>
             </a:p>
@@ -36996,9 +37259,38 @@
             <a:bodyPr rtlCol="0" anchor="ctr"/>
             <a:lstStyle/>
             <a:p>
-              <a:pPr algn="ctr"/>
+              <a:pPr marL="0" marR="0" lvl="0" indent="0" algn="ctr" defTabSz="914400" rtl="0" eaLnBrk="1" fontAlgn="auto" latinLnBrk="0" hangingPunct="1">
+                <a:lnSpc>
+                  <a:spcPct val="100000"/>
+                </a:lnSpc>
+                <a:spcBef>
+                  <a:spcPts val="0"/>
+                </a:spcBef>
+                <a:spcAft>
+                  <a:spcPts val="0"/>
+                </a:spcAft>
+                <a:buClrTx/>
+                <a:buSzTx/>
+                <a:buFontTx/>
+                <a:buNone/>
+                <a:tabLst/>
+                <a:defRPr/>
+              </a:pPr>
               <a:r>
-                <a:rPr lang="en-US"/>
+                <a:rPr kumimoji="0" lang="en-US" sz="1800" b="0" i="0" u="none" strike="noStrike" kern="1200" cap="none" spc="0" normalizeH="0" baseline="0" noProof="0">
+                  <a:ln>
+                    <a:noFill/>
+                  </a:ln>
+                  <a:solidFill>
+                    <a:prstClr val="black"/>
+                  </a:solidFill>
+                  <a:effectLst/>
+                  <a:uLnTx/>
+                  <a:uFillTx/>
+                  <a:latin typeface="Calibri" panose="020F0502020204030204"/>
+                  <a:ea typeface="+mn-ea"/>
+                  <a:cs typeface="+mn-cs"/>
+                </a:rPr>
                 <a:t>name</a:t>
               </a:r>
             </a:p>
@@ -37043,9 +37335,38 @@
             <a:bodyPr rtlCol="0" anchor="ctr"/>
             <a:lstStyle/>
             <a:p>
-              <a:pPr algn="ctr"/>
+              <a:pPr marL="0" marR="0" lvl="0" indent="0" algn="ctr" defTabSz="914400" rtl="0" eaLnBrk="1" fontAlgn="auto" latinLnBrk="0" hangingPunct="1">
+                <a:lnSpc>
+                  <a:spcPct val="100000"/>
+                </a:lnSpc>
+                <a:spcBef>
+                  <a:spcPts val="0"/>
+                </a:spcBef>
+                <a:spcAft>
+                  <a:spcPts val="0"/>
+                </a:spcAft>
+                <a:buClrTx/>
+                <a:buSzTx/>
+                <a:buFontTx/>
+                <a:buNone/>
+                <a:tabLst/>
+                <a:defRPr/>
+              </a:pPr>
               <a:r>
-                <a:rPr lang="en-US"/>
+                <a:rPr kumimoji="0" lang="en-US" sz="1800" b="0" i="0" u="none" strike="noStrike" kern="1200" cap="none" spc="0" normalizeH="0" baseline="0" noProof="0">
+                  <a:ln>
+                    <a:noFill/>
+                  </a:ln>
+                  <a:solidFill>
+                    <a:prstClr val="black"/>
+                  </a:solidFill>
+                  <a:effectLst/>
+                  <a:uLnTx/>
+                  <a:uFillTx/>
+                  <a:latin typeface="Calibri" panose="020F0502020204030204"/>
+                  <a:ea typeface="+mn-ea"/>
+                  <a:cs typeface="+mn-cs"/>
+                </a:rPr>
                 <a:t>position</a:t>
               </a:r>
             </a:p>
@@ -37090,9 +37411,38 @@
             <a:bodyPr rtlCol="0" anchor="ctr"/>
             <a:lstStyle/>
             <a:p>
-              <a:pPr algn="ctr"/>
+              <a:pPr marL="0" marR="0" lvl="0" indent="0" algn="ctr" defTabSz="914400" rtl="0" eaLnBrk="1" fontAlgn="auto" latinLnBrk="0" hangingPunct="1">
+                <a:lnSpc>
+                  <a:spcPct val="100000"/>
+                </a:lnSpc>
+                <a:spcBef>
+                  <a:spcPts val="0"/>
+                </a:spcBef>
+                <a:spcAft>
+                  <a:spcPts val="0"/>
+                </a:spcAft>
+                <a:buClrTx/>
+                <a:buSzTx/>
+                <a:buFontTx/>
+                <a:buNone/>
+                <a:tabLst/>
+                <a:defRPr/>
+              </a:pPr>
               <a:r>
-                <a:rPr lang="en-US"/>
+                <a:rPr kumimoji="0" lang="en-US" sz="1800" b="0" i="0" u="none" strike="noStrike" kern="1200" cap="none" spc="0" normalizeH="0" baseline="0" noProof="0">
+                  <a:ln>
+                    <a:noFill/>
+                  </a:ln>
+                  <a:solidFill>
+                    <a:prstClr val="black"/>
+                  </a:solidFill>
+                  <a:effectLst/>
+                  <a:uLnTx/>
+                  <a:uFillTx/>
+                  <a:latin typeface="Calibri" panose="020F0502020204030204"/>
+                  <a:ea typeface="+mn-ea"/>
+                  <a:cs typeface="+mn-cs"/>
+                </a:rPr>
                 <a:t>active</a:t>
               </a:r>
             </a:p>
@@ -37160,9 +37510,38 @@
             <a:bodyPr rtlCol="0" anchor="ctr"/>
             <a:lstStyle/>
             <a:p>
-              <a:pPr algn="ctr"/>
+              <a:pPr marL="0" marR="0" lvl="0" indent="0" algn="ctr" defTabSz="914400" rtl="0" eaLnBrk="1" fontAlgn="auto" latinLnBrk="0" hangingPunct="1">
+                <a:lnSpc>
+                  <a:spcPct val="100000"/>
+                </a:lnSpc>
+                <a:spcBef>
+                  <a:spcPts val="0"/>
+                </a:spcBef>
+                <a:spcAft>
+                  <a:spcPts val="0"/>
+                </a:spcAft>
+                <a:buClrTx/>
+                <a:buSzTx/>
+                <a:buFontTx/>
+                <a:buNone/>
+                <a:tabLst/>
+                <a:defRPr/>
+              </a:pPr>
               <a:r>
-                <a:rPr lang="en-US"/>
+                <a:rPr kumimoji="0" lang="en-US" sz="1800" b="0" i="0" u="none" strike="noStrike" kern="1200" cap="none" spc="0" normalizeH="0" baseline="0" noProof="0">
+                  <a:ln>
+                    <a:noFill/>
+                  </a:ln>
+                  <a:solidFill>
+                    <a:prstClr val="white"/>
+                  </a:solidFill>
+                  <a:effectLst/>
+                  <a:uLnTx/>
+                  <a:uFillTx/>
+                  <a:latin typeface="Calibri" panose="020F0502020204030204"/>
+                  <a:ea typeface="+mn-ea"/>
+                  <a:cs typeface="+mn-cs"/>
+                </a:rPr>
                 <a:t>value_variant</a:t>
               </a:r>
             </a:p>
@@ -37207,9 +37586,38 @@
             <a:bodyPr rtlCol="0" anchor="ctr"/>
             <a:lstStyle/>
             <a:p>
-              <a:pPr algn="ctr"/>
+              <a:pPr marL="0" marR="0" lvl="0" indent="0" algn="ctr" defTabSz="914400" rtl="0" eaLnBrk="1" fontAlgn="auto" latinLnBrk="0" hangingPunct="1">
+                <a:lnSpc>
+                  <a:spcPct val="100000"/>
+                </a:lnSpc>
+                <a:spcBef>
+                  <a:spcPts val="0"/>
+                </a:spcBef>
+                <a:spcAft>
+                  <a:spcPts val="0"/>
+                </a:spcAft>
+                <a:buClrTx/>
+                <a:buSzTx/>
+                <a:buFontTx/>
+                <a:buNone/>
+                <a:tabLst/>
+                <a:defRPr/>
+              </a:pPr>
               <a:r>
-                <a:rPr lang="en-US"/>
+                <a:rPr kumimoji="0" lang="en-US" sz="1800" b="0" i="0" u="none" strike="noStrike" kern="1200" cap="none" spc="0" normalizeH="0" baseline="0" noProof="0">
+                  <a:ln>
+                    <a:noFill/>
+                  </a:ln>
+                  <a:solidFill>
+                    <a:prstClr val="black"/>
+                  </a:solidFill>
+                  <a:effectLst/>
+                  <a:uLnTx/>
+                  <a:uFillTx/>
+                  <a:latin typeface="Calibri" panose="020F0502020204030204"/>
+                  <a:ea typeface="+mn-ea"/>
+                  <a:cs typeface="+mn-cs"/>
+                </a:rPr>
                 <a:t>id_variant</a:t>
               </a:r>
             </a:p>
@@ -37254,9 +37662,38 @@
             <a:bodyPr rtlCol="0" anchor="ctr"/>
             <a:lstStyle/>
             <a:p>
-              <a:pPr algn="ctr"/>
+              <a:pPr marL="0" marR="0" lvl="0" indent="0" algn="ctr" defTabSz="914400" rtl="0" eaLnBrk="1" fontAlgn="auto" latinLnBrk="0" hangingPunct="1">
+                <a:lnSpc>
+                  <a:spcPct val="100000"/>
+                </a:lnSpc>
+                <a:spcBef>
+                  <a:spcPts val="0"/>
+                </a:spcBef>
+                <a:spcAft>
+                  <a:spcPts val="0"/>
+                </a:spcAft>
+                <a:buClrTx/>
+                <a:buSzTx/>
+                <a:buFontTx/>
+                <a:buNone/>
+                <a:tabLst/>
+                <a:defRPr/>
+              </a:pPr>
               <a:r>
-                <a:rPr lang="en-US"/>
+                <a:rPr kumimoji="0" lang="en-US" sz="1800" b="0" i="0" u="none" strike="noStrike" kern="1200" cap="none" spc="0" normalizeH="0" baseline="0" noProof="0">
+                  <a:ln>
+                    <a:noFill/>
+                  </a:ln>
+                  <a:solidFill>
+                    <a:prstClr val="black"/>
+                  </a:solidFill>
+                  <a:effectLst/>
+                  <a:uLnTx/>
+                  <a:uFillTx/>
+                  <a:latin typeface="Calibri" panose="020F0502020204030204"/>
+                  <a:ea typeface="+mn-ea"/>
+                  <a:cs typeface="+mn-cs"/>
+                </a:rPr>
                 <a:t>id_attribute</a:t>
               </a:r>
             </a:p>
@@ -37301,9 +37738,38 @@
             <a:bodyPr rtlCol="0" anchor="ctr"/>
             <a:lstStyle/>
             <a:p>
-              <a:pPr algn="ctr"/>
+              <a:pPr marL="0" marR="0" lvl="0" indent="0" algn="ctr" defTabSz="914400" rtl="0" eaLnBrk="1" fontAlgn="auto" latinLnBrk="0" hangingPunct="1">
+                <a:lnSpc>
+                  <a:spcPct val="100000"/>
+                </a:lnSpc>
+                <a:spcBef>
+                  <a:spcPts val="0"/>
+                </a:spcBef>
+                <a:spcAft>
+                  <a:spcPts val="0"/>
+                </a:spcAft>
+                <a:buClrTx/>
+                <a:buSzTx/>
+                <a:buFontTx/>
+                <a:buNone/>
+                <a:tabLst/>
+                <a:defRPr/>
+              </a:pPr>
               <a:r>
-                <a:rPr lang="en-US"/>
+                <a:rPr kumimoji="0" lang="en-US" sz="1800" b="0" i="0" u="none" strike="noStrike" kern="1200" cap="none" spc="0" normalizeH="0" baseline="0" noProof="0">
+                  <a:ln>
+                    <a:noFill/>
+                  </a:ln>
+                  <a:solidFill>
+                    <a:prstClr val="black"/>
+                  </a:solidFill>
+                  <a:effectLst/>
+                  <a:uLnTx/>
+                  <a:uFillTx/>
+                  <a:latin typeface="Calibri" panose="020F0502020204030204"/>
+                  <a:ea typeface="+mn-ea"/>
+                  <a:cs typeface="+mn-cs"/>
+                </a:rPr>
                 <a:t>value</a:t>
               </a:r>
             </a:p>
@@ -37371,9 +37837,38 @@
             <a:bodyPr rtlCol="0" anchor="ctr"/>
             <a:lstStyle/>
             <a:p>
-              <a:pPr algn="ctr"/>
+              <a:pPr marL="0" marR="0" lvl="0" indent="0" algn="ctr" defTabSz="914400" rtl="0" eaLnBrk="1" fontAlgn="auto" latinLnBrk="0" hangingPunct="1">
+                <a:lnSpc>
+                  <a:spcPct val="100000"/>
+                </a:lnSpc>
+                <a:spcBef>
+                  <a:spcPts val="0"/>
+                </a:spcBef>
+                <a:spcAft>
+                  <a:spcPts val="0"/>
+                </a:spcAft>
+                <a:buClrTx/>
+                <a:buSzTx/>
+                <a:buFontTx/>
+                <a:buNone/>
+                <a:tabLst/>
+                <a:defRPr/>
+              </a:pPr>
               <a:r>
-                <a:rPr lang="en-US" sz="1600"/>
+                <a:rPr kumimoji="0" lang="en-US" sz="1600" b="0" i="0" u="none" strike="noStrike" kern="1200" cap="none" spc="0" normalizeH="0" baseline="0" noProof="0">
+                  <a:ln>
+                    <a:noFill/>
+                  </a:ln>
+                  <a:solidFill>
+                    <a:prstClr val="white"/>
+                  </a:solidFill>
+                  <a:effectLst/>
+                  <a:uLnTx/>
+                  <a:uFillTx/>
+                  <a:latin typeface="Calibri" panose="020F0502020204030204"/>
+                  <a:ea typeface="+mn-ea"/>
+                  <a:cs typeface="+mn-cs"/>
+                </a:rPr>
                 <a:t>attribute_section</a:t>
               </a:r>
             </a:p>
@@ -37418,9 +37913,38 @@
             <a:bodyPr rtlCol="0" anchor="ctr"/>
             <a:lstStyle/>
             <a:p>
-              <a:pPr algn="ctr"/>
+              <a:pPr marL="0" marR="0" lvl="0" indent="0" algn="ctr" defTabSz="914400" rtl="0" eaLnBrk="1" fontAlgn="auto" latinLnBrk="0" hangingPunct="1">
+                <a:lnSpc>
+                  <a:spcPct val="100000"/>
+                </a:lnSpc>
+                <a:spcBef>
+                  <a:spcPts val="0"/>
+                </a:spcBef>
+                <a:spcAft>
+                  <a:spcPts val="0"/>
+                </a:spcAft>
+                <a:buClrTx/>
+                <a:buSzTx/>
+                <a:buFontTx/>
+                <a:buNone/>
+                <a:tabLst/>
+                <a:defRPr/>
+              </a:pPr>
               <a:r>
-                <a:rPr lang="en-US"/>
+                <a:rPr kumimoji="0" lang="en-US" sz="1800" b="0" i="0" u="none" strike="noStrike" kern="1200" cap="none" spc="0" normalizeH="0" baseline="0" noProof="0">
+                  <a:ln>
+                    <a:noFill/>
+                  </a:ln>
+                  <a:solidFill>
+                    <a:prstClr val="black"/>
+                  </a:solidFill>
+                  <a:effectLst/>
+                  <a:uLnTx/>
+                  <a:uFillTx/>
+                  <a:latin typeface="Calibri" panose="020F0502020204030204"/>
+                  <a:ea typeface="+mn-ea"/>
+                  <a:cs typeface="+mn-cs"/>
+                </a:rPr>
                 <a:t>id_section</a:t>
               </a:r>
             </a:p>
@@ -37465,9 +37989,38 @@
             <a:bodyPr rtlCol="0" anchor="ctr"/>
             <a:lstStyle/>
             <a:p>
-              <a:pPr algn="ctr"/>
+              <a:pPr marL="0" marR="0" lvl="0" indent="0" algn="ctr" defTabSz="914400" rtl="0" eaLnBrk="1" fontAlgn="auto" latinLnBrk="0" hangingPunct="1">
+                <a:lnSpc>
+                  <a:spcPct val="100000"/>
+                </a:lnSpc>
+                <a:spcBef>
+                  <a:spcPts val="0"/>
+                </a:spcBef>
+                <a:spcAft>
+                  <a:spcPts val="0"/>
+                </a:spcAft>
+                <a:buClrTx/>
+                <a:buSzTx/>
+                <a:buFontTx/>
+                <a:buNone/>
+                <a:tabLst/>
+                <a:defRPr/>
+              </a:pPr>
               <a:r>
-                <a:rPr lang="en-US"/>
+                <a:rPr kumimoji="0" lang="en-US" sz="1800" b="0" i="0" u="none" strike="noStrike" kern="1200" cap="none" spc="0" normalizeH="0" baseline="0" noProof="0">
+                  <a:ln>
+                    <a:noFill/>
+                  </a:ln>
+                  <a:solidFill>
+                    <a:prstClr val="black"/>
+                  </a:solidFill>
+                  <a:effectLst/>
+                  <a:uLnTx/>
+                  <a:uFillTx/>
+                  <a:latin typeface="Calibri" panose="020F0502020204030204"/>
+                  <a:ea typeface="+mn-ea"/>
+                  <a:cs typeface="+mn-cs"/>
+                </a:rPr>
                 <a:t>id_attribute</a:t>
               </a:r>
             </a:p>
@@ -37577,9 +38130,38 @@
             <a:bodyPr rtlCol="0" anchor="ctr"/>
             <a:lstStyle/>
             <a:p>
-              <a:pPr algn="ctr"/>
+              <a:pPr marL="0" marR="0" lvl="0" indent="0" algn="ctr" defTabSz="914400" rtl="0" eaLnBrk="1" fontAlgn="auto" latinLnBrk="0" hangingPunct="1">
+                <a:lnSpc>
+                  <a:spcPct val="100000"/>
+                </a:lnSpc>
+                <a:spcBef>
+                  <a:spcPts val="0"/>
+                </a:spcBef>
+                <a:spcAft>
+                  <a:spcPts val="0"/>
+                </a:spcAft>
+                <a:buClrTx/>
+                <a:buSzTx/>
+                <a:buFontTx/>
+                <a:buNone/>
+                <a:tabLst/>
+                <a:defRPr/>
+              </a:pPr>
               <a:r>
-                <a:rPr lang="en-US"/>
+                <a:rPr kumimoji="0" lang="en-US" sz="1800" b="0" i="0" u="none" strike="noStrike" kern="1200" cap="none" spc="0" normalizeH="0" baseline="0" noProof="0">
+                  <a:ln>
+                    <a:noFill/>
+                  </a:ln>
+                  <a:solidFill>
+                    <a:prstClr val="white"/>
+                  </a:solidFill>
+                  <a:effectLst/>
+                  <a:uLnTx/>
+                  <a:uFillTx/>
+                  <a:latin typeface="Calibri" panose="020F0502020204030204"/>
+                  <a:ea typeface="+mn-ea"/>
+                  <a:cs typeface="+mn-cs"/>
+                </a:rPr>
                 <a:t>sections</a:t>
               </a:r>
             </a:p>
@@ -37624,9 +38206,38 @@
             <a:bodyPr rtlCol="0" anchor="ctr"/>
             <a:lstStyle/>
             <a:p>
-              <a:pPr algn="ctr"/>
+              <a:pPr marL="0" marR="0" lvl="0" indent="0" algn="ctr" defTabSz="914400" rtl="0" eaLnBrk="1" fontAlgn="auto" latinLnBrk="0" hangingPunct="1">
+                <a:lnSpc>
+                  <a:spcPct val="100000"/>
+                </a:lnSpc>
+                <a:spcBef>
+                  <a:spcPts val="0"/>
+                </a:spcBef>
+                <a:spcAft>
+                  <a:spcPts val="0"/>
+                </a:spcAft>
+                <a:buClrTx/>
+                <a:buSzTx/>
+                <a:buFontTx/>
+                <a:buNone/>
+                <a:tabLst/>
+                <a:defRPr/>
+              </a:pPr>
               <a:r>
-                <a:rPr lang="en-US"/>
+                <a:rPr kumimoji="0" lang="en-US" sz="1800" b="0" i="0" u="none" strike="noStrike" kern="1200" cap="none" spc="0" normalizeH="0" baseline="0" noProof="0">
+                  <a:ln>
+                    <a:noFill/>
+                  </a:ln>
+                  <a:solidFill>
+                    <a:prstClr val="black"/>
+                  </a:solidFill>
+                  <a:effectLst/>
+                  <a:uLnTx/>
+                  <a:uFillTx/>
+                  <a:latin typeface="Calibri" panose="020F0502020204030204"/>
+                  <a:ea typeface="+mn-ea"/>
+                  <a:cs typeface="+mn-cs"/>
+                </a:rPr>
                 <a:t>id</a:t>
               </a:r>
             </a:p>
@@ -37736,9 +38347,38 @@
             <a:bodyPr rtlCol="0" anchor="ctr"/>
             <a:lstStyle/>
             <a:p>
-              <a:pPr algn="ctr"/>
+              <a:pPr marL="0" marR="0" lvl="0" indent="0" algn="ctr" defTabSz="914400" rtl="0" eaLnBrk="1" fontAlgn="auto" latinLnBrk="0" hangingPunct="1">
+                <a:lnSpc>
+                  <a:spcPct val="100000"/>
+                </a:lnSpc>
+                <a:spcBef>
+                  <a:spcPts val="0"/>
+                </a:spcBef>
+                <a:spcAft>
+                  <a:spcPts val="0"/>
+                </a:spcAft>
+                <a:buClrTx/>
+                <a:buSzTx/>
+                <a:buFontTx/>
+                <a:buNone/>
+                <a:tabLst/>
+                <a:defRPr/>
+              </a:pPr>
               <a:r>
-                <a:rPr lang="en-US"/>
+                <a:rPr kumimoji="0" lang="en-US" sz="1800" b="0" i="0" u="none" strike="noStrike" kern="1200" cap="none" spc="0" normalizeH="0" baseline="0" noProof="0">
+                  <a:ln>
+                    <a:noFill/>
+                  </a:ln>
+                  <a:solidFill>
+                    <a:prstClr val="white"/>
+                  </a:solidFill>
+                  <a:effectLst/>
+                  <a:uLnTx/>
+                  <a:uFillTx/>
+                  <a:latin typeface="Calibri" panose="020F0502020204030204"/>
+                  <a:ea typeface="+mn-ea"/>
+                  <a:cs typeface="+mn-cs"/>
+                </a:rPr>
                 <a:t>variants</a:t>
               </a:r>
             </a:p>
@@ -37783,9 +38423,38 @@
             <a:bodyPr rtlCol="0" anchor="ctr"/>
             <a:lstStyle/>
             <a:p>
-              <a:pPr algn="ctr"/>
+              <a:pPr marL="0" marR="0" lvl="0" indent="0" algn="ctr" defTabSz="914400" rtl="0" eaLnBrk="1" fontAlgn="auto" latinLnBrk="0" hangingPunct="1">
+                <a:lnSpc>
+                  <a:spcPct val="100000"/>
+                </a:lnSpc>
+                <a:spcBef>
+                  <a:spcPts val="0"/>
+                </a:spcBef>
+                <a:spcAft>
+                  <a:spcPts val="0"/>
+                </a:spcAft>
+                <a:buClrTx/>
+                <a:buSzTx/>
+                <a:buFontTx/>
+                <a:buNone/>
+                <a:tabLst/>
+                <a:defRPr/>
+              </a:pPr>
               <a:r>
-                <a:rPr lang="en-US"/>
+                <a:rPr kumimoji="0" lang="en-US" sz="1800" b="0" i="0" u="none" strike="noStrike" kern="1200" cap="none" spc="0" normalizeH="0" baseline="0" noProof="0">
+                  <a:ln>
+                    <a:noFill/>
+                  </a:ln>
+                  <a:solidFill>
+                    <a:prstClr val="black"/>
+                  </a:solidFill>
+                  <a:effectLst/>
+                  <a:uLnTx/>
+                  <a:uFillTx/>
+                  <a:latin typeface="Calibri" panose="020F0502020204030204"/>
+                  <a:ea typeface="+mn-ea"/>
+                  <a:cs typeface="+mn-cs"/>
+                </a:rPr>
                 <a:t>sku</a:t>
               </a:r>
             </a:p>
@@ -37830,9 +38499,38 @@
             <a:bodyPr rtlCol="0" anchor="ctr"/>
             <a:lstStyle/>
             <a:p>
-              <a:pPr algn="ctr"/>
+              <a:pPr marL="0" marR="0" lvl="0" indent="0" algn="ctr" defTabSz="914400" rtl="0" eaLnBrk="1" fontAlgn="auto" latinLnBrk="0" hangingPunct="1">
+                <a:lnSpc>
+                  <a:spcPct val="100000"/>
+                </a:lnSpc>
+                <a:spcBef>
+                  <a:spcPts val="0"/>
+                </a:spcBef>
+                <a:spcAft>
+                  <a:spcPts val="0"/>
+                </a:spcAft>
+                <a:buClrTx/>
+                <a:buSzTx/>
+                <a:buFontTx/>
+                <a:buNone/>
+                <a:tabLst/>
+                <a:defRPr/>
+              </a:pPr>
               <a:r>
-                <a:rPr lang="en-US"/>
+                <a:rPr kumimoji="0" lang="en-US" sz="1800" b="0" i="0" u="none" strike="noStrike" kern="1200" cap="none" spc="0" normalizeH="0" baseline="0" noProof="0">
+                  <a:ln>
+                    <a:noFill/>
+                  </a:ln>
+                  <a:solidFill>
+                    <a:prstClr val="black"/>
+                  </a:solidFill>
+                  <a:effectLst/>
+                  <a:uLnTx/>
+                  <a:uFillTx/>
+                  <a:latin typeface="Calibri" panose="020F0502020204030204"/>
+                  <a:ea typeface="+mn-ea"/>
+                  <a:cs typeface="+mn-cs"/>
+                </a:rPr>
                 <a:t>id</a:t>
               </a:r>
             </a:p>
@@ -37877,9 +38575,38 @@
             <a:bodyPr rtlCol="0" anchor="ctr"/>
             <a:lstStyle/>
             <a:p>
-              <a:pPr algn="ctr"/>
+              <a:pPr marL="0" marR="0" lvl="0" indent="0" algn="ctr" defTabSz="914400" rtl="0" eaLnBrk="1" fontAlgn="auto" latinLnBrk="0" hangingPunct="1">
+                <a:lnSpc>
+                  <a:spcPct val="100000"/>
+                </a:lnSpc>
+                <a:spcBef>
+                  <a:spcPts val="0"/>
+                </a:spcBef>
+                <a:spcAft>
+                  <a:spcPts val="0"/>
+                </a:spcAft>
+                <a:buClrTx/>
+                <a:buSzTx/>
+                <a:buFontTx/>
+                <a:buNone/>
+                <a:tabLst/>
+                <a:defRPr/>
+              </a:pPr>
               <a:r>
-                <a:rPr lang="en-US"/>
+                <a:rPr kumimoji="0" lang="en-US" sz="1800" b="0" i="0" u="none" strike="noStrike" kern="1200" cap="none" spc="0" normalizeH="0" baseline="0" noProof="0">
+                  <a:ln>
+                    <a:noFill/>
+                  </a:ln>
+                  <a:solidFill>
+                    <a:prstClr val="black"/>
+                  </a:solidFill>
+                  <a:effectLst/>
+                  <a:uLnTx/>
+                  <a:uFillTx/>
+                  <a:latin typeface="Calibri" panose="020F0502020204030204"/>
+                  <a:ea typeface="+mn-ea"/>
+                  <a:cs typeface="+mn-cs"/>
+                </a:rPr>
                 <a:t>product_id</a:t>
               </a:r>
             </a:p>
@@ -37924,9 +38651,38 @@
             <a:bodyPr rtlCol="0" anchor="ctr"/>
             <a:lstStyle/>
             <a:p>
-              <a:pPr algn="ctr"/>
+              <a:pPr marL="0" marR="0" lvl="0" indent="0" algn="ctr" defTabSz="914400" rtl="0" eaLnBrk="1" fontAlgn="auto" latinLnBrk="0" hangingPunct="1">
+                <a:lnSpc>
+                  <a:spcPct val="100000"/>
+                </a:lnSpc>
+                <a:spcBef>
+                  <a:spcPts val="0"/>
+                </a:spcBef>
+                <a:spcAft>
+                  <a:spcPts val="0"/>
+                </a:spcAft>
+                <a:buClrTx/>
+                <a:buSzTx/>
+                <a:buFontTx/>
+                <a:buNone/>
+                <a:tabLst/>
+                <a:defRPr/>
+              </a:pPr>
               <a:r>
-                <a:rPr lang="en-US"/>
+                <a:rPr kumimoji="0" lang="en-US" sz="1800" b="0" i="0" u="none" strike="noStrike" kern="1200" cap="none" spc="0" normalizeH="0" baseline="0" noProof="0">
+                  <a:ln>
+                    <a:noFill/>
+                  </a:ln>
+                  <a:solidFill>
+                    <a:prstClr val="black"/>
+                  </a:solidFill>
+                  <a:effectLst/>
+                  <a:uLnTx/>
+                  <a:uFillTx/>
+                  <a:latin typeface="Calibri" panose="020F0502020204030204"/>
+                  <a:ea typeface="+mn-ea"/>
+                  <a:cs typeface="+mn-cs"/>
+                </a:rPr>
                 <a:t>price</a:t>
               </a:r>
             </a:p>
@@ -37971,9 +38727,38 @@
             <a:bodyPr rtlCol="0" anchor="ctr"/>
             <a:lstStyle/>
             <a:p>
-              <a:pPr algn="ctr"/>
+              <a:pPr marL="0" marR="0" lvl="0" indent="0" algn="ctr" defTabSz="914400" rtl="0" eaLnBrk="1" fontAlgn="auto" latinLnBrk="0" hangingPunct="1">
+                <a:lnSpc>
+                  <a:spcPct val="100000"/>
+                </a:lnSpc>
+                <a:spcBef>
+                  <a:spcPts val="0"/>
+                </a:spcBef>
+                <a:spcAft>
+                  <a:spcPts val="0"/>
+                </a:spcAft>
+                <a:buClrTx/>
+                <a:buSzTx/>
+                <a:buFontTx/>
+                <a:buNone/>
+                <a:tabLst/>
+                <a:defRPr/>
+              </a:pPr>
               <a:r>
-                <a:rPr lang="en-US"/>
+                <a:rPr kumimoji="0" lang="en-US" sz="1800" b="0" i="0" u="none" strike="noStrike" kern="1200" cap="none" spc="0" normalizeH="0" baseline="0" noProof="0">
+                  <a:ln>
+                    <a:noFill/>
+                  </a:ln>
+                  <a:solidFill>
+                    <a:prstClr val="black"/>
+                  </a:solidFill>
+                  <a:effectLst/>
+                  <a:uLnTx/>
+                  <a:uFillTx/>
+                  <a:latin typeface="Calibri" panose="020F0502020204030204"/>
+                  <a:ea typeface="+mn-ea"/>
+                  <a:cs typeface="+mn-cs"/>
+                </a:rPr>
                 <a:t>stock</a:t>
               </a:r>
             </a:p>
@@ -38018,9 +38803,38 @@
             <a:bodyPr rtlCol="0" anchor="ctr"/>
             <a:lstStyle/>
             <a:p>
-              <a:pPr algn="ctr"/>
+              <a:pPr marL="0" marR="0" lvl="0" indent="0" algn="ctr" defTabSz="914400" rtl="0" eaLnBrk="1" fontAlgn="auto" latinLnBrk="0" hangingPunct="1">
+                <a:lnSpc>
+                  <a:spcPct val="100000"/>
+                </a:lnSpc>
+                <a:spcBef>
+                  <a:spcPts val="0"/>
+                </a:spcBef>
+                <a:spcAft>
+                  <a:spcPts val="0"/>
+                </a:spcAft>
+                <a:buClrTx/>
+                <a:buSzTx/>
+                <a:buFontTx/>
+                <a:buNone/>
+                <a:tabLst/>
+                <a:defRPr/>
+              </a:pPr>
               <a:r>
-                <a:rPr lang="en-US"/>
+                <a:rPr kumimoji="0" lang="en-US" sz="1800" b="0" i="0" u="none" strike="noStrike" kern="1200" cap="none" spc="0" normalizeH="0" baseline="0" noProof="0">
+                  <a:ln>
+                    <a:noFill/>
+                  </a:ln>
+                  <a:solidFill>
+                    <a:prstClr val="black"/>
+                  </a:solidFill>
+                  <a:effectLst/>
+                  <a:uLnTx/>
+                  <a:uFillTx/>
+                  <a:latin typeface="Calibri" panose="020F0502020204030204"/>
+                  <a:ea typeface="+mn-ea"/>
+                  <a:cs typeface="+mn-cs"/>
+                </a:rPr>
                 <a:t>discount</a:t>
               </a:r>
             </a:p>
@@ -38065,9 +38879,38 @@
             <a:bodyPr rtlCol="0" anchor="ctr"/>
             <a:lstStyle/>
             <a:p>
-              <a:pPr algn="ctr"/>
+              <a:pPr marL="0" marR="0" lvl="0" indent="0" algn="ctr" defTabSz="914400" rtl="0" eaLnBrk="1" fontAlgn="auto" latinLnBrk="0" hangingPunct="1">
+                <a:lnSpc>
+                  <a:spcPct val="100000"/>
+                </a:lnSpc>
+                <a:spcBef>
+                  <a:spcPts val="0"/>
+                </a:spcBef>
+                <a:spcAft>
+                  <a:spcPts val="0"/>
+                </a:spcAft>
+                <a:buClrTx/>
+                <a:buSzTx/>
+                <a:buFontTx/>
+                <a:buNone/>
+                <a:tabLst/>
+                <a:defRPr/>
+              </a:pPr>
               <a:r>
-                <a:rPr lang="en-US"/>
+                <a:rPr kumimoji="0" lang="en-US" sz="1800" b="0" i="0" u="none" strike="noStrike" kern="1200" cap="none" spc="0" normalizeH="0" baseline="0" noProof="0">
+                  <a:ln>
+                    <a:noFill/>
+                  </a:ln>
+                  <a:solidFill>
+                    <a:prstClr val="black"/>
+                  </a:solidFill>
+                  <a:effectLst/>
+                  <a:uLnTx/>
+                  <a:uFillTx/>
+                  <a:latin typeface="Calibri" panose="020F0502020204030204"/>
+                  <a:ea typeface="+mn-ea"/>
+                  <a:cs typeface="+mn-cs"/>
+                </a:rPr>
                 <a:t>position</a:t>
               </a:r>
             </a:p>
@@ -38112,9 +38955,38 @@
             <a:bodyPr rtlCol="0" anchor="ctr"/>
             <a:lstStyle/>
             <a:p>
-              <a:pPr algn="ctr"/>
+              <a:pPr marL="0" marR="0" lvl="0" indent="0" algn="ctr" defTabSz="914400" rtl="0" eaLnBrk="1" fontAlgn="auto" latinLnBrk="0" hangingPunct="1">
+                <a:lnSpc>
+                  <a:spcPct val="100000"/>
+                </a:lnSpc>
+                <a:spcBef>
+                  <a:spcPts val="0"/>
+                </a:spcBef>
+                <a:spcAft>
+                  <a:spcPts val="0"/>
+                </a:spcAft>
+                <a:buClrTx/>
+                <a:buSzTx/>
+                <a:buFontTx/>
+                <a:buNone/>
+                <a:tabLst/>
+                <a:defRPr/>
+              </a:pPr>
               <a:r>
-                <a:rPr lang="en-US"/>
+                <a:rPr kumimoji="0" lang="en-US" sz="1800" b="0" i="0" u="none" strike="noStrike" kern="1200" cap="none" spc="0" normalizeH="0" baseline="0" noProof="0">
+                  <a:ln>
+                    <a:noFill/>
+                  </a:ln>
+                  <a:solidFill>
+                    <a:prstClr val="black"/>
+                  </a:solidFill>
+                  <a:effectLst/>
+                  <a:uLnTx/>
+                  <a:uFillTx/>
+                  <a:latin typeface="Calibri" panose="020F0502020204030204"/>
+                  <a:ea typeface="+mn-ea"/>
+                  <a:cs typeface="+mn-cs"/>
+                </a:rPr>
                 <a:t>active</a:t>
               </a:r>
             </a:p>
@@ -38124,7 +38996,7 @@
     </p:spTree>
     <p:extLst>
       <p:ext uri="{BB962C8B-B14F-4D97-AF65-F5344CB8AC3E}">
-        <p14:creationId xmlns:p14="http://schemas.microsoft.com/office/powerpoint/2010/main" val="503142003"/>
+        <p14:creationId xmlns:p14="http://schemas.microsoft.com/office/powerpoint/2010/main" val="2968133943"/>
       </p:ext>
     </p:extLst>
   </p:cSld>
@@ -39951,6 +40823,2316 @@
 </p:sld>
 </file>
 
+<file path=ppt/slides/slide36.xml><?xml version="1.0" encoding="utf-8"?>
+<p:sld xmlns:a="http://schemas.openxmlformats.org/drawingml/2006/main" xmlns:r="http://schemas.openxmlformats.org/officeDocument/2006/relationships" xmlns:p="http://schemas.openxmlformats.org/presentationml/2006/main">
+  <p:cSld>
+    <p:spTree>
+      <p:nvGrpSpPr>
+        <p:cNvPr id="1" name=""/>
+        <p:cNvGrpSpPr/>
+        <p:nvPr/>
+      </p:nvGrpSpPr>
+      <p:grpSpPr>
+        <a:xfrm>
+          <a:off x="0" y="0"/>
+          <a:ext cx="0" cy="0"/>
+          <a:chOff x="0" y="0"/>
+          <a:chExt cx="0" cy="0"/>
+        </a:xfrm>
+      </p:grpSpPr>
+    </p:spTree>
+    <p:extLst>
+      <p:ext uri="{BB962C8B-B14F-4D97-AF65-F5344CB8AC3E}">
+        <p14:creationId xmlns:p14="http://schemas.microsoft.com/office/powerpoint/2010/main" val="16994062"/>
+      </p:ext>
+    </p:extLst>
+  </p:cSld>
+  <p:clrMapOvr>
+    <a:masterClrMapping/>
+  </p:clrMapOvr>
+</p:sld>
+</file>
+
+<file path=ppt/slides/slide37.xml><?xml version="1.0" encoding="utf-8"?>
+<p:sld xmlns:a="http://schemas.openxmlformats.org/drawingml/2006/main" xmlns:r="http://schemas.openxmlformats.org/officeDocument/2006/relationships" xmlns:p="http://schemas.openxmlformats.org/presentationml/2006/main">
+  <p:cSld>
+    <p:spTree>
+      <p:nvGrpSpPr>
+        <p:cNvPr id="1" name=""/>
+        <p:cNvGrpSpPr/>
+        <p:nvPr/>
+      </p:nvGrpSpPr>
+      <p:grpSpPr>
+        <a:xfrm>
+          <a:off x="0" y="0"/>
+          <a:ext cx="0" cy="0"/>
+          <a:chOff x="0" y="0"/>
+          <a:chExt cx="0" cy="0"/>
+        </a:xfrm>
+      </p:grpSpPr>
+      <p:sp>
+        <p:nvSpPr>
+          <p:cNvPr id="2" name="Rectangle 1">
+            <a:extLst>
+              <a:ext uri="{FF2B5EF4-FFF2-40B4-BE49-F238E27FC236}">
+                <a16:creationId xmlns:a16="http://schemas.microsoft.com/office/drawing/2014/main" id="{3F8D074E-F64C-46DA-995A-A6C28C54EF5D}"/>
+              </a:ext>
+            </a:extLst>
+          </p:cNvPr>
+          <p:cNvSpPr/>
+          <p:nvPr/>
+        </p:nvSpPr>
+        <p:spPr>
+          <a:xfrm>
+            <a:off x="790983" y="3196874"/>
+            <a:ext cx="1803633" cy="360727"/>
+          </a:xfrm>
+          <a:prstGeom prst="rect">
+            <a:avLst/>
+          </a:prstGeom>
+        </p:spPr>
+        <p:style>
+          <a:lnRef idx="2">
+            <a:schemeClr val="accent5">
+              <a:shade val="50000"/>
+            </a:schemeClr>
+          </a:lnRef>
+          <a:fillRef idx="1">
+            <a:schemeClr val="accent5"/>
+          </a:fillRef>
+          <a:effectRef idx="0">
+            <a:schemeClr val="accent5"/>
+          </a:effectRef>
+          <a:fontRef idx="minor">
+            <a:schemeClr val="lt1"/>
+          </a:fontRef>
+        </p:style>
+        <p:txBody>
+          <a:bodyPr rtlCol="0" anchor="ctr"/>
+          <a:lstStyle/>
+          <a:p>
+            <a:pPr algn="ctr"/>
+            <a:r>
+              <a:rPr lang="en-US"/>
+              <a:t>products</a:t>
+            </a:r>
+          </a:p>
+        </p:txBody>
+      </p:sp>
+      <p:cxnSp>
+        <p:nvCxnSpPr>
+          <p:cNvPr id="14" name="Straight Arrow Connector 13">
+            <a:extLst>
+              <a:ext uri="{FF2B5EF4-FFF2-40B4-BE49-F238E27FC236}">
+                <a16:creationId xmlns:a16="http://schemas.microsoft.com/office/drawing/2014/main" id="{6FC8BBC4-DAEF-4D2C-9F8D-A431E318C8B8}"/>
+              </a:ext>
+            </a:extLst>
+          </p:cNvPr>
+          <p:cNvCxnSpPr>
+            <a:cxnSpLocks/>
+            <a:stCxn id="2" idx="3"/>
+            <a:endCxn id="86" idx="1"/>
+          </p:cNvCxnSpPr>
+          <p:nvPr/>
+        </p:nvCxnSpPr>
+        <p:spPr>
+          <a:xfrm flipV="1">
+            <a:off x="2594616" y="2444665"/>
+            <a:ext cx="1295206" cy="932573"/>
+          </a:xfrm>
+          <a:prstGeom prst="straightConnector1">
+            <a:avLst/>
+          </a:prstGeom>
+          <a:ln>
+            <a:tailEnd type="triangle"/>
+          </a:ln>
+        </p:spPr>
+        <p:style>
+          <a:lnRef idx="1">
+            <a:schemeClr val="accent1"/>
+          </a:lnRef>
+          <a:fillRef idx="0">
+            <a:schemeClr val="accent1"/>
+          </a:fillRef>
+          <a:effectRef idx="0">
+            <a:schemeClr val="accent1"/>
+          </a:effectRef>
+          <a:fontRef idx="minor">
+            <a:schemeClr val="tx1"/>
+          </a:fontRef>
+        </p:style>
+      </p:cxnSp>
+      <p:grpSp>
+        <p:nvGrpSpPr>
+          <p:cNvPr id="50" name="Group 49">
+            <a:extLst>
+              <a:ext uri="{FF2B5EF4-FFF2-40B4-BE49-F238E27FC236}">
+                <a16:creationId xmlns:a16="http://schemas.microsoft.com/office/drawing/2014/main" id="{7549E4C9-5A0D-4C61-B16F-EA9B95EE3489}"/>
+              </a:ext>
+            </a:extLst>
+          </p:cNvPr>
+          <p:cNvGrpSpPr/>
+          <p:nvPr/>
+        </p:nvGrpSpPr>
+        <p:grpSpPr>
+          <a:xfrm>
+            <a:off x="10111530" y="1075555"/>
+            <a:ext cx="1803639" cy="2133552"/>
+            <a:chOff x="7687103" y="996239"/>
+            <a:chExt cx="1803639" cy="2133552"/>
+          </a:xfrm>
+        </p:grpSpPr>
+        <p:sp>
+          <p:nvSpPr>
+            <p:cNvPr id="4" name="Rectangle 3">
+              <a:extLst>
+                <a:ext uri="{FF2B5EF4-FFF2-40B4-BE49-F238E27FC236}">
+                  <a16:creationId xmlns:a16="http://schemas.microsoft.com/office/drawing/2014/main" id="{1A9F41F2-53A3-4F7A-AE90-A949AB3B2362}"/>
+                </a:ext>
+              </a:extLst>
+            </p:cNvPr>
+            <p:cNvSpPr/>
+            <p:nvPr/>
+          </p:nvSpPr>
+          <p:spPr>
+            <a:xfrm>
+              <a:off x="7687103" y="996239"/>
+              <a:ext cx="1803633" cy="360727"/>
+            </a:xfrm>
+            <a:prstGeom prst="rect">
+              <a:avLst/>
+            </a:prstGeom>
+          </p:spPr>
+          <p:style>
+            <a:lnRef idx="2">
+              <a:schemeClr val="accent4">
+                <a:shade val="50000"/>
+              </a:schemeClr>
+            </a:lnRef>
+            <a:fillRef idx="1">
+              <a:schemeClr val="accent4"/>
+            </a:fillRef>
+            <a:effectRef idx="0">
+              <a:schemeClr val="accent4"/>
+            </a:effectRef>
+            <a:fontRef idx="minor">
+              <a:schemeClr val="lt1"/>
+            </a:fontRef>
+          </p:style>
+          <p:txBody>
+            <a:bodyPr rtlCol="0" anchor="ctr"/>
+            <a:lstStyle/>
+            <a:p>
+              <a:pPr algn="ctr"/>
+              <a:r>
+                <a:rPr lang="en-US"/>
+                <a:t>values</a:t>
+              </a:r>
+            </a:p>
+          </p:txBody>
+        </p:sp>
+        <p:sp>
+          <p:nvSpPr>
+            <p:cNvPr id="21" name="Rectangle 20">
+              <a:extLst>
+                <a:ext uri="{FF2B5EF4-FFF2-40B4-BE49-F238E27FC236}">
+                  <a16:creationId xmlns:a16="http://schemas.microsoft.com/office/drawing/2014/main" id="{C5485F2A-10D5-420F-80D9-84B723866910}"/>
+                </a:ext>
+              </a:extLst>
+            </p:cNvPr>
+            <p:cNvSpPr/>
+            <p:nvPr/>
+          </p:nvSpPr>
+          <p:spPr>
+            <a:xfrm>
+              <a:off x="7687104" y="1712398"/>
+              <a:ext cx="1803633" cy="360727"/>
+            </a:xfrm>
+            <a:prstGeom prst="rect">
+              <a:avLst/>
+            </a:prstGeom>
+          </p:spPr>
+          <p:style>
+            <a:lnRef idx="2">
+              <a:schemeClr val="accent4"/>
+            </a:lnRef>
+            <a:fillRef idx="1">
+              <a:schemeClr val="lt1"/>
+            </a:fillRef>
+            <a:effectRef idx="0">
+              <a:schemeClr val="accent4"/>
+            </a:effectRef>
+            <a:fontRef idx="minor">
+              <a:schemeClr val="dk1"/>
+            </a:fontRef>
+          </p:style>
+          <p:txBody>
+            <a:bodyPr rtlCol="0" anchor="ctr"/>
+            <a:lstStyle/>
+            <a:p>
+              <a:pPr algn="ctr"/>
+              <a:r>
+                <a:rPr lang="en-US"/>
+                <a:t>id_attribute</a:t>
+              </a:r>
+            </a:p>
+          </p:txBody>
+        </p:sp>
+        <p:sp>
+          <p:nvSpPr>
+            <p:cNvPr id="22" name="Rectangle 21">
+              <a:extLst>
+                <a:ext uri="{FF2B5EF4-FFF2-40B4-BE49-F238E27FC236}">
+                  <a16:creationId xmlns:a16="http://schemas.microsoft.com/office/drawing/2014/main" id="{20BC2B2F-3836-4799-A73F-58D85A084BE0}"/>
+                </a:ext>
+              </a:extLst>
+            </p:cNvPr>
+            <p:cNvSpPr/>
+            <p:nvPr/>
+          </p:nvSpPr>
+          <p:spPr>
+            <a:xfrm>
+              <a:off x="7687109" y="2075571"/>
+              <a:ext cx="1803633" cy="360727"/>
+            </a:xfrm>
+            <a:prstGeom prst="rect">
+              <a:avLst/>
+            </a:prstGeom>
+          </p:spPr>
+          <p:style>
+            <a:lnRef idx="2">
+              <a:schemeClr val="accent4"/>
+            </a:lnRef>
+            <a:fillRef idx="1">
+              <a:schemeClr val="lt1"/>
+            </a:fillRef>
+            <a:effectRef idx="0">
+              <a:schemeClr val="accent4"/>
+            </a:effectRef>
+            <a:fontRef idx="minor">
+              <a:schemeClr val="dk1"/>
+            </a:fontRef>
+          </p:style>
+          <p:txBody>
+            <a:bodyPr rtlCol="0" anchor="ctr"/>
+            <a:lstStyle/>
+            <a:p>
+              <a:pPr algn="ctr"/>
+              <a:r>
+                <a:rPr lang="en-US"/>
+                <a:t>value</a:t>
+              </a:r>
+            </a:p>
+          </p:txBody>
+        </p:sp>
+        <p:sp>
+          <p:nvSpPr>
+            <p:cNvPr id="23" name="Rectangle 22">
+              <a:extLst>
+                <a:ext uri="{FF2B5EF4-FFF2-40B4-BE49-F238E27FC236}">
+                  <a16:creationId xmlns:a16="http://schemas.microsoft.com/office/drawing/2014/main" id="{84C6AE89-94D3-42ED-AA77-B829F27A938D}"/>
+                </a:ext>
+              </a:extLst>
+            </p:cNvPr>
+            <p:cNvSpPr/>
+            <p:nvPr/>
+          </p:nvSpPr>
+          <p:spPr>
+            <a:xfrm>
+              <a:off x="7687107" y="2431406"/>
+              <a:ext cx="1803633" cy="360727"/>
+            </a:xfrm>
+            <a:prstGeom prst="rect">
+              <a:avLst/>
+            </a:prstGeom>
+          </p:spPr>
+          <p:style>
+            <a:lnRef idx="2">
+              <a:schemeClr val="accent4"/>
+            </a:lnRef>
+            <a:fillRef idx="1">
+              <a:schemeClr val="lt1"/>
+            </a:fillRef>
+            <a:effectRef idx="0">
+              <a:schemeClr val="accent4"/>
+            </a:effectRef>
+            <a:fontRef idx="minor">
+              <a:schemeClr val="dk1"/>
+            </a:fontRef>
+          </p:style>
+          <p:txBody>
+            <a:bodyPr rtlCol="0" anchor="ctr"/>
+            <a:lstStyle/>
+            <a:p>
+              <a:pPr algn="ctr"/>
+              <a:r>
+                <a:rPr lang="en-US"/>
+                <a:t>position</a:t>
+              </a:r>
+            </a:p>
+          </p:txBody>
+        </p:sp>
+        <p:sp>
+          <p:nvSpPr>
+            <p:cNvPr id="24" name="Rectangle 23">
+              <a:extLst>
+                <a:ext uri="{FF2B5EF4-FFF2-40B4-BE49-F238E27FC236}">
+                  <a16:creationId xmlns:a16="http://schemas.microsoft.com/office/drawing/2014/main" id="{537B6B53-0B19-475D-A874-BB4599CD015B}"/>
+                </a:ext>
+              </a:extLst>
+            </p:cNvPr>
+            <p:cNvSpPr/>
+            <p:nvPr/>
+          </p:nvSpPr>
+          <p:spPr>
+            <a:xfrm>
+              <a:off x="7687105" y="2769064"/>
+              <a:ext cx="1803633" cy="360727"/>
+            </a:xfrm>
+            <a:prstGeom prst="rect">
+              <a:avLst/>
+            </a:prstGeom>
+          </p:spPr>
+          <p:style>
+            <a:lnRef idx="2">
+              <a:schemeClr val="accent4"/>
+            </a:lnRef>
+            <a:fillRef idx="1">
+              <a:schemeClr val="lt1"/>
+            </a:fillRef>
+            <a:effectRef idx="0">
+              <a:schemeClr val="accent4"/>
+            </a:effectRef>
+            <a:fontRef idx="minor">
+              <a:schemeClr val="dk1"/>
+            </a:fontRef>
+          </p:style>
+          <p:txBody>
+            <a:bodyPr rtlCol="0" anchor="ctr"/>
+            <a:lstStyle/>
+            <a:p>
+              <a:pPr algn="ctr"/>
+              <a:r>
+                <a:rPr lang="en-US"/>
+                <a:t>active</a:t>
+              </a:r>
+            </a:p>
+          </p:txBody>
+        </p:sp>
+        <p:sp>
+          <p:nvSpPr>
+            <p:cNvPr id="25" name="Rectangle 24">
+              <a:extLst>
+                <a:ext uri="{FF2B5EF4-FFF2-40B4-BE49-F238E27FC236}">
+                  <a16:creationId xmlns:a16="http://schemas.microsoft.com/office/drawing/2014/main" id="{34684E87-EC54-4D4D-BBE7-81C277CCA391}"/>
+                </a:ext>
+              </a:extLst>
+            </p:cNvPr>
+            <p:cNvSpPr/>
+            <p:nvPr/>
+          </p:nvSpPr>
+          <p:spPr>
+            <a:xfrm>
+              <a:off x="7687104" y="1342935"/>
+              <a:ext cx="1803633" cy="360727"/>
+            </a:xfrm>
+            <a:prstGeom prst="rect">
+              <a:avLst/>
+            </a:prstGeom>
+          </p:spPr>
+          <p:style>
+            <a:lnRef idx="2">
+              <a:schemeClr val="accent4"/>
+            </a:lnRef>
+            <a:fillRef idx="1">
+              <a:schemeClr val="lt1"/>
+            </a:fillRef>
+            <a:effectRef idx="0">
+              <a:schemeClr val="accent4"/>
+            </a:effectRef>
+            <a:fontRef idx="minor">
+              <a:schemeClr val="dk1"/>
+            </a:fontRef>
+          </p:style>
+          <p:txBody>
+            <a:bodyPr rtlCol="0" anchor="ctr"/>
+            <a:lstStyle/>
+            <a:p>
+              <a:pPr algn="ctr"/>
+              <a:r>
+                <a:rPr lang="en-US"/>
+                <a:t>id</a:t>
+              </a:r>
+            </a:p>
+          </p:txBody>
+        </p:sp>
+      </p:grpSp>
+      <p:cxnSp>
+        <p:nvCxnSpPr>
+          <p:cNvPr id="27" name="Straight Arrow Connector 26">
+            <a:extLst>
+              <a:ext uri="{FF2B5EF4-FFF2-40B4-BE49-F238E27FC236}">
+                <a16:creationId xmlns:a16="http://schemas.microsoft.com/office/drawing/2014/main" id="{60D6B68D-CEE9-43A3-AEBD-CC74B9133325}"/>
+              </a:ext>
+            </a:extLst>
+          </p:cNvPr>
+          <p:cNvCxnSpPr>
+            <a:cxnSpLocks/>
+            <a:stCxn id="16" idx="3"/>
+            <a:endCxn id="21" idx="1"/>
+          </p:cNvCxnSpPr>
+          <p:nvPr/>
+        </p:nvCxnSpPr>
+        <p:spPr>
+          <a:xfrm>
+            <a:off x="9349418" y="1643127"/>
+            <a:ext cx="762113" cy="328951"/>
+          </a:xfrm>
+          <a:prstGeom prst="straightConnector1">
+            <a:avLst/>
+          </a:prstGeom>
+          <a:ln>
+            <a:tailEnd type="triangle"/>
+          </a:ln>
+        </p:spPr>
+        <p:style>
+          <a:lnRef idx="1">
+            <a:schemeClr val="accent1"/>
+          </a:lnRef>
+          <a:fillRef idx="0">
+            <a:schemeClr val="accent1"/>
+          </a:fillRef>
+          <a:effectRef idx="0">
+            <a:schemeClr val="accent1"/>
+          </a:effectRef>
+          <a:fontRef idx="minor">
+            <a:schemeClr val="tx1"/>
+          </a:fontRef>
+        </p:style>
+      </p:cxnSp>
+      <p:grpSp>
+        <p:nvGrpSpPr>
+          <p:cNvPr id="13" name="Group 12">
+            <a:extLst>
+              <a:ext uri="{FF2B5EF4-FFF2-40B4-BE49-F238E27FC236}">
+                <a16:creationId xmlns:a16="http://schemas.microsoft.com/office/drawing/2014/main" id="{4D2F9BD9-5FEA-4CCD-A19B-F80D07E8F6FD}"/>
+              </a:ext>
+            </a:extLst>
+          </p:cNvPr>
+          <p:cNvGrpSpPr/>
+          <p:nvPr/>
+        </p:nvGrpSpPr>
+        <p:grpSpPr>
+          <a:xfrm>
+            <a:off x="7545782" y="1112520"/>
+            <a:ext cx="1803636" cy="1770082"/>
+            <a:chOff x="7545782" y="1112520"/>
+            <a:chExt cx="1803636" cy="1770082"/>
+          </a:xfrm>
+        </p:grpSpPr>
+        <p:sp>
+          <p:nvSpPr>
+            <p:cNvPr id="15" name="Rectangle 14">
+              <a:extLst>
+                <a:ext uri="{FF2B5EF4-FFF2-40B4-BE49-F238E27FC236}">
+                  <a16:creationId xmlns:a16="http://schemas.microsoft.com/office/drawing/2014/main" id="{4EF6BAEB-29DC-42CF-B990-C79F69CA6197}"/>
+                </a:ext>
+              </a:extLst>
+            </p:cNvPr>
+            <p:cNvSpPr/>
+            <p:nvPr/>
+          </p:nvSpPr>
+          <p:spPr>
+            <a:xfrm>
+              <a:off x="7545782" y="1112520"/>
+              <a:ext cx="1803633" cy="360727"/>
+            </a:xfrm>
+            <a:prstGeom prst="rect">
+              <a:avLst/>
+            </a:prstGeom>
+          </p:spPr>
+          <p:style>
+            <a:lnRef idx="2">
+              <a:schemeClr val="accent6">
+                <a:shade val="50000"/>
+              </a:schemeClr>
+            </a:lnRef>
+            <a:fillRef idx="1">
+              <a:schemeClr val="accent6"/>
+            </a:fillRef>
+            <a:effectRef idx="0">
+              <a:schemeClr val="accent6"/>
+            </a:effectRef>
+            <a:fontRef idx="minor">
+              <a:schemeClr val="lt1"/>
+            </a:fontRef>
+          </p:style>
+          <p:txBody>
+            <a:bodyPr rtlCol="0" anchor="ctr"/>
+            <a:lstStyle/>
+            <a:p>
+              <a:pPr algn="ctr"/>
+              <a:r>
+                <a:rPr lang="en-US"/>
+                <a:t>attributes</a:t>
+              </a:r>
+            </a:p>
+          </p:txBody>
+        </p:sp>
+        <p:sp>
+          <p:nvSpPr>
+            <p:cNvPr id="16" name="Rectangle 15">
+              <a:extLst>
+                <a:ext uri="{FF2B5EF4-FFF2-40B4-BE49-F238E27FC236}">
+                  <a16:creationId xmlns:a16="http://schemas.microsoft.com/office/drawing/2014/main" id="{4ECEE710-10D6-4A43-B885-13441EB035E7}"/>
+                </a:ext>
+              </a:extLst>
+            </p:cNvPr>
+            <p:cNvSpPr/>
+            <p:nvPr/>
+          </p:nvSpPr>
+          <p:spPr>
+            <a:xfrm>
+              <a:off x="7545785" y="1462763"/>
+              <a:ext cx="1803633" cy="360727"/>
+            </a:xfrm>
+            <a:prstGeom prst="rect">
+              <a:avLst/>
+            </a:prstGeom>
+          </p:spPr>
+          <p:style>
+            <a:lnRef idx="2">
+              <a:schemeClr val="accent6"/>
+            </a:lnRef>
+            <a:fillRef idx="1">
+              <a:schemeClr val="lt1"/>
+            </a:fillRef>
+            <a:effectRef idx="0">
+              <a:schemeClr val="accent6"/>
+            </a:effectRef>
+            <a:fontRef idx="minor">
+              <a:schemeClr val="dk1"/>
+            </a:fontRef>
+          </p:style>
+          <p:txBody>
+            <a:bodyPr rtlCol="0" anchor="ctr"/>
+            <a:lstStyle/>
+            <a:p>
+              <a:pPr algn="ctr"/>
+              <a:r>
+                <a:rPr lang="en-US"/>
+                <a:t>id</a:t>
+              </a:r>
+            </a:p>
+          </p:txBody>
+        </p:sp>
+        <p:sp>
+          <p:nvSpPr>
+            <p:cNvPr id="17" name="Rectangle 16">
+              <a:extLst>
+                <a:ext uri="{FF2B5EF4-FFF2-40B4-BE49-F238E27FC236}">
+                  <a16:creationId xmlns:a16="http://schemas.microsoft.com/office/drawing/2014/main" id="{32713577-A8B6-4BF1-B275-987F826A01BD}"/>
+                </a:ext>
+              </a:extLst>
+            </p:cNvPr>
+            <p:cNvSpPr/>
+            <p:nvPr/>
+          </p:nvSpPr>
+          <p:spPr>
+            <a:xfrm>
+              <a:off x="7545784" y="1824886"/>
+              <a:ext cx="1803633" cy="360727"/>
+            </a:xfrm>
+            <a:prstGeom prst="rect">
+              <a:avLst/>
+            </a:prstGeom>
+          </p:spPr>
+          <p:style>
+            <a:lnRef idx="2">
+              <a:schemeClr val="accent6"/>
+            </a:lnRef>
+            <a:fillRef idx="1">
+              <a:schemeClr val="lt1"/>
+            </a:fillRef>
+            <a:effectRef idx="0">
+              <a:schemeClr val="accent6"/>
+            </a:effectRef>
+            <a:fontRef idx="minor">
+              <a:schemeClr val="dk1"/>
+            </a:fontRef>
+          </p:style>
+          <p:txBody>
+            <a:bodyPr rtlCol="0" anchor="ctr"/>
+            <a:lstStyle/>
+            <a:p>
+              <a:pPr algn="ctr"/>
+              <a:r>
+                <a:rPr lang="en-US"/>
+                <a:t>name</a:t>
+              </a:r>
+            </a:p>
+          </p:txBody>
+        </p:sp>
+        <p:sp>
+          <p:nvSpPr>
+            <p:cNvPr id="18" name="Rectangle 17">
+              <a:extLst>
+                <a:ext uri="{FF2B5EF4-FFF2-40B4-BE49-F238E27FC236}">
+                  <a16:creationId xmlns:a16="http://schemas.microsoft.com/office/drawing/2014/main" id="{14DBF51A-259F-45F2-9D2F-EB43EBDD0590}"/>
+                </a:ext>
+              </a:extLst>
+            </p:cNvPr>
+            <p:cNvSpPr/>
+            <p:nvPr/>
+          </p:nvSpPr>
+          <p:spPr>
+            <a:xfrm>
+              <a:off x="7545783" y="2171632"/>
+              <a:ext cx="1803633" cy="360727"/>
+            </a:xfrm>
+            <a:prstGeom prst="rect">
+              <a:avLst/>
+            </a:prstGeom>
+          </p:spPr>
+          <p:style>
+            <a:lnRef idx="2">
+              <a:schemeClr val="accent6"/>
+            </a:lnRef>
+            <a:fillRef idx="1">
+              <a:schemeClr val="lt1"/>
+            </a:fillRef>
+            <a:effectRef idx="0">
+              <a:schemeClr val="accent6"/>
+            </a:effectRef>
+            <a:fontRef idx="minor">
+              <a:schemeClr val="dk1"/>
+            </a:fontRef>
+          </p:style>
+          <p:txBody>
+            <a:bodyPr rtlCol="0" anchor="ctr"/>
+            <a:lstStyle/>
+            <a:p>
+              <a:pPr algn="ctr"/>
+              <a:r>
+                <a:rPr lang="en-US"/>
+                <a:t>position</a:t>
+              </a:r>
+            </a:p>
+          </p:txBody>
+        </p:sp>
+        <p:sp>
+          <p:nvSpPr>
+            <p:cNvPr id="19" name="Rectangle 18">
+              <a:extLst>
+                <a:ext uri="{FF2B5EF4-FFF2-40B4-BE49-F238E27FC236}">
+                  <a16:creationId xmlns:a16="http://schemas.microsoft.com/office/drawing/2014/main" id="{8D27E82D-E34A-4EF4-AAFF-FF9E96943A55}"/>
+                </a:ext>
+              </a:extLst>
+            </p:cNvPr>
+            <p:cNvSpPr/>
+            <p:nvPr/>
+          </p:nvSpPr>
+          <p:spPr>
+            <a:xfrm>
+              <a:off x="7545783" y="2521875"/>
+              <a:ext cx="1803633" cy="360727"/>
+            </a:xfrm>
+            <a:prstGeom prst="rect">
+              <a:avLst/>
+            </a:prstGeom>
+          </p:spPr>
+          <p:style>
+            <a:lnRef idx="2">
+              <a:schemeClr val="accent6"/>
+            </a:lnRef>
+            <a:fillRef idx="1">
+              <a:schemeClr val="lt1"/>
+            </a:fillRef>
+            <a:effectRef idx="0">
+              <a:schemeClr val="accent6"/>
+            </a:effectRef>
+            <a:fontRef idx="minor">
+              <a:schemeClr val="dk1"/>
+            </a:fontRef>
+          </p:style>
+          <p:txBody>
+            <a:bodyPr rtlCol="0" anchor="ctr"/>
+            <a:lstStyle/>
+            <a:p>
+              <a:pPr algn="ctr"/>
+              <a:r>
+                <a:rPr lang="en-US"/>
+                <a:t>active</a:t>
+              </a:r>
+            </a:p>
+          </p:txBody>
+        </p:sp>
+      </p:grpSp>
+      <p:grpSp>
+        <p:nvGrpSpPr>
+          <p:cNvPr id="44" name="Group 43">
+            <a:extLst>
+              <a:ext uri="{FF2B5EF4-FFF2-40B4-BE49-F238E27FC236}">
+                <a16:creationId xmlns:a16="http://schemas.microsoft.com/office/drawing/2014/main" id="{47BF836E-0E8B-4C16-BEC1-5F1AAC83A108}"/>
+              </a:ext>
+            </a:extLst>
+          </p:cNvPr>
+          <p:cNvGrpSpPr/>
+          <p:nvPr/>
+        </p:nvGrpSpPr>
+        <p:grpSpPr>
+          <a:xfrm>
+            <a:off x="7545784" y="3209107"/>
+            <a:ext cx="1803635" cy="1010182"/>
+            <a:chOff x="5257097" y="1515598"/>
+            <a:chExt cx="1803635" cy="1010182"/>
+          </a:xfrm>
+        </p:grpSpPr>
+        <p:sp>
+          <p:nvSpPr>
+            <p:cNvPr id="45" name="Rectangle 44">
+              <a:extLst>
+                <a:ext uri="{FF2B5EF4-FFF2-40B4-BE49-F238E27FC236}">
+                  <a16:creationId xmlns:a16="http://schemas.microsoft.com/office/drawing/2014/main" id="{9BEF2A29-55E1-40BB-8B24-682B7A46FB9C}"/>
+                </a:ext>
+              </a:extLst>
+            </p:cNvPr>
+            <p:cNvSpPr/>
+            <p:nvPr/>
+          </p:nvSpPr>
+          <p:spPr>
+            <a:xfrm>
+              <a:off x="5257099" y="1515598"/>
+              <a:ext cx="1803633" cy="336262"/>
+            </a:xfrm>
+            <a:prstGeom prst="rect">
+              <a:avLst/>
+            </a:prstGeom>
+          </p:spPr>
+          <p:style>
+            <a:lnRef idx="2">
+              <a:schemeClr val="accent3">
+                <a:shade val="50000"/>
+              </a:schemeClr>
+            </a:lnRef>
+            <a:fillRef idx="1">
+              <a:schemeClr val="accent3"/>
+            </a:fillRef>
+            <a:effectRef idx="0">
+              <a:schemeClr val="accent3"/>
+            </a:effectRef>
+            <a:fontRef idx="minor">
+              <a:schemeClr val="lt1"/>
+            </a:fontRef>
+          </p:style>
+          <p:txBody>
+            <a:bodyPr rtlCol="0" anchor="ctr"/>
+            <a:lstStyle/>
+            <a:p>
+              <a:pPr algn="ctr"/>
+              <a:r>
+                <a:rPr lang="en-US" sz="1600"/>
+                <a:t>attribute_section</a:t>
+              </a:r>
+            </a:p>
+          </p:txBody>
+        </p:sp>
+        <p:sp>
+          <p:nvSpPr>
+            <p:cNvPr id="51" name="Rectangle 50">
+              <a:extLst>
+                <a:ext uri="{FF2B5EF4-FFF2-40B4-BE49-F238E27FC236}">
+                  <a16:creationId xmlns:a16="http://schemas.microsoft.com/office/drawing/2014/main" id="{1FD2E845-CD24-4B71-9219-2660139C4022}"/>
+                </a:ext>
+              </a:extLst>
+            </p:cNvPr>
+            <p:cNvSpPr/>
+            <p:nvPr/>
+          </p:nvSpPr>
+          <p:spPr>
+            <a:xfrm>
+              <a:off x="5257097" y="1851860"/>
+              <a:ext cx="1803633" cy="336262"/>
+            </a:xfrm>
+            <a:prstGeom prst="rect">
+              <a:avLst/>
+            </a:prstGeom>
+          </p:spPr>
+          <p:style>
+            <a:lnRef idx="2">
+              <a:schemeClr val="accent3"/>
+            </a:lnRef>
+            <a:fillRef idx="1">
+              <a:schemeClr val="lt1"/>
+            </a:fillRef>
+            <a:effectRef idx="0">
+              <a:schemeClr val="accent3"/>
+            </a:effectRef>
+            <a:fontRef idx="minor">
+              <a:schemeClr val="dk1"/>
+            </a:fontRef>
+          </p:style>
+          <p:txBody>
+            <a:bodyPr rtlCol="0" anchor="ctr"/>
+            <a:lstStyle/>
+            <a:p>
+              <a:pPr algn="ctr"/>
+              <a:r>
+                <a:rPr lang="en-US"/>
+                <a:t>id_section</a:t>
+              </a:r>
+            </a:p>
+          </p:txBody>
+        </p:sp>
+        <p:sp>
+          <p:nvSpPr>
+            <p:cNvPr id="52" name="Rectangle 51">
+              <a:extLst>
+                <a:ext uri="{FF2B5EF4-FFF2-40B4-BE49-F238E27FC236}">
+                  <a16:creationId xmlns:a16="http://schemas.microsoft.com/office/drawing/2014/main" id="{BCE7A29D-8F7E-4DA9-858A-E8522A148419}"/>
+                </a:ext>
+              </a:extLst>
+            </p:cNvPr>
+            <p:cNvSpPr/>
+            <p:nvPr/>
+          </p:nvSpPr>
+          <p:spPr>
+            <a:xfrm>
+              <a:off x="5257097" y="2189518"/>
+              <a:ext cx="1803633" cy="336262"/>
+            </a:xfrm>
+            <a:prstGeom prst="rect">
+              <a:avLst/>
+            </a:prstGeom>
+          </p:spPr>
+          <p:style>
+            <a:lnRef idx="2">
+              <a:schemeClr val="accent3"/>
+            </a:lnRef>
+            <a:fillRef idx="1">
+              <a:schemeClr val="lt1"/>
+            </a:fillRef>
+            <a:effectRef idx="0">
+              <a:schemeClr val="accent3"/>
+            </a:effectRef>
+            <a:fontRef idx="minor">
+              <a:schemeClr val="dk1"/>
+            </a:fontRef>
+          </p:style>
+          <p:txBody>
+            <a:bodyPr rtlCol="0" anchor="ctr"/>
+            <a:lstStyle/>
+            <a:p>
+              <a:pPr algn="ctr"/>
+              <a:r>
+                <a:rPr lang="en-US"/>
+                <a:t>id_attribute</a:t>
+              </a:r>
+            </a:p>
+          </p:txBody>
+        </p:sp>
+      </p:grpSp>
+      <p:cxnSp>
+        <p:nvCxnSpPr>
+          <p:cNvPr id="39" name="Straight Arrow Connector 38">
+            <a:extLst>
+              <a:ext uri="{FF2B5EF4-FFF2-40B4-BE49-F238E27FC236}">
+                <a16:creationId xmlns:a16="http://schemas.microsoft.com/office/drawing/2014/main" id="{9A576F66-1F57-42A4-8554-5CB4C45DD8B1}"/>
+              </a:ext>
+            </a:extLst>
+          </p:cNvPr>
+          <p:cNvCxnSpPr>
+            <a:stCxn id="19" idx="2"/>
+            <a:endCxn id="45" idx="0"/>
+          </p:cNvCxnSpPr>
+          <p:nvPr/>
+        </p:nvCxnSpPr>
+        <p:spPr>
+          <a:xfrm>
+            <a:off x="8447600" y="2882602"/>
+            <a:ext cx="3" cy="326505"/>
+          </a:xfrm>
+          <a:prstGeom prst="straightConnector1">
+            <a:avLst/>
+          </a:prstGeom>
+          <a:ln>
+            <a:tailEnd type="triangle"/>
+          </a:ln>
+        </p:spPr>
+        <p:style>
+          <a:lnRef idx="1">
+            <a:schemeClr val="accent1"/>
+          </a:lnRef>
+          <a:fillRef idx="0">
+            <a:schemeClr val="accent1"/>
+          </a:fillRef>
+          <a:effectRef idx="0">
+            <a:schemeClr val="accent1"/>
+          </a:effectRef>
+          <a:fontRef idx="minor">
+            <a:schemeClr val="tx1"/>
+          </a:fontRef>
+        </p:style>
+      </p:cxnSp>
+      <p:grpSp>
+        <p:nvGrpSpPr>
+          <p:cNvPr id="20" name="Group 19">
+            <a:extLst>
+              <a:ext uri="{FF2B5EF4-FFF2-40B4-BE49-F238E27FC236}">
+                <a16:creationId xmlns:a16="http://schemas.microsoft.com/office/drawing/2014/main" id="{B118EEFD-B3BE-45DA-A549-AED111268C88}"/>
+              </a:ext>
+            </a:extLst>
+          </p:cNvPr>
+          <p:cNvGrpSpPr/>
+          <p:nvPr/>
+        </p:nvGrpSpPr>
+        <p:grpSpPr>
+          <a:xfrm>
+            <a:off x="7545782" y="4731398"/>
+            <a:ext cx="1803634" cy="673920"/>
+            <a:chOff x="7545782" y="4731398"/>
+            <a:chExt cx="1803634" cy="673920"/>
+          </a:xfrm>
+        </p:grpSpPr>
+        <p:sp>
+          <p:nvSpPr>
+            <p:cNvPr id="40" name="Rectangle 39">
+              <a:extLst>
+                <a:ext uri="{FF2B5EF4-FFF2-40B4-BE49-F238E27FC236}">
+                  <a16:creationId xmlns:a16="http://schemas.microsoft.com/office/drawing/2014/main" id="{FF5AB335-5DBA-4A79-9584-6B5B2650C799}"/>
+                </a:ext>
+              </a:extLst>
+            </p:cNvPr>
+            <p:cNvSpPr/>
+            <p:nvPr/>
+          </p:nvSpPr>
+          <p:spPr>
+            <a:xfrm>
+              <a:off x="7545783" y="4731398"/>
+              <a:ext cx="1803633" cy="326505"/>
+            </a:xfrm>
+            <a:prstGeom prst="rect">
+              <a:avLst/>
+            </a:prstGeom>
+          </p:spPr>
+          <p:style>
+            <a:lnRef idx="2">
+              <a:schemeClr val="accent1">
+                <a:shade val="50000"/>
+              </a:schemeClr>
+            </a:lnRef>
+            <a:fillRef idx="1">
+              <a:schemeClr val="accent1"/>
+            </a:fillRef>
+            <a:effectRef idx="0">
+              <a:schemeClr val="accent1"/>
+            </a:effectRef>
+            <a:fontRef idx="minor">
+              <a:schemeClr val="lt1"/>
+            </a:fontRef>
+          </p:style>
+          <p:txBody>
+            <a:bodyPr rtlCol="0" anchor="ctr"/>
+            <a:lstStyle/>
+            <a:p>
+              <a:pPr algn="ctr"/>
+              <a:r>
+                <a:rPr lang="en-US"/>
+                <a:t>sections</a:t>
+              </a:r>
+            </a:p>
+          </p:txBody>
+        </p:sp>
+        <p:sp>
+          <p:nvSpPr>
+            <p:cNvPr id="54" name="Rectangle 53">
+              <a:extLst>
+                <a:ext uri="{FF2B5EF4-FFF2-40B4-BE49-F238E27FC236}">
+                  <a16:creationId xmlns:a16="http://schemas.microsoft.com/office/drawing/2014/main" id="{FFEAA1C0-63D4-4826-8BC8-5E6563400A3F}"/>
+                </a:ext>
+              </a:extLst>
+            </p:cNvPr>
+            <p:cNvSpPr/>
+            <p:nvPr/>
+          </p:nvSpPr>
+          <p:spPr>
+            <a:xfrm>
+              <a:off x="7545782" y="5078813"/>
+              <a:ext cx="1803633" cy="326505"/>
+            </a:xfrm>
+            <a:prstGeom prst="rect">
+              <a:avLst/>
+            </a:prstGeom>
+          </p:spPr>
+          <p:style>
+            <a:lnRef idx="2">
+              <a:schemeClr val="accent1"/>
+            </a:lnRef>
+            <a:fillRef idx="1">
+              <a:schemeClr val="lt1"/>
+            </a:fillRef>
+            <a:effectRef idx="0">
+              <a:schemeClr val="accent1"/>
+            </a:effectRef>
+            <a:fontRef idx="minor">
+              <a:schemeClr val="dk1"/>
+            </a:fontRef>
+          </p:style>
+          <p:txBody>
+            <a:bodyPr rtlCol="0" anchor="ctr"/>
+            <a:lstStyle/>
+            <a:p>
+              <a:pPr algn="ctr"/>
+              <a:r>
+                <a:rPr lang="en-US"/>
+                <a:t>id</a:t>
+              </a:r>
+            </a:p>
+          </p:txBody>
+        </p:sp>
+      </p:grpSp>
+      <p:cxnSp>
+        <p:nvCxnSpPr>
+          <p:cNvPr id="43" name="Straight Arrow Connector 42">
+            <a:extLst>
+              <a:ext uri="{FF2B5EF4-FFF2-40B4-BE49-F238E27FC236}">
+                <a16:creationId xmlns:a16="http://schemas.microsoft.com/office/drawing/2014/main" id="{A82CD247-BFFC-4D59-9B2F-5C60904E33FE}"/>
+              </a:ext>
+            </a:extLst>
+          </p:cNvPr>
+          <p:cNvCxnSpPr>
+            <a:stCxn id="40" idx="0"/>
+            <a:endCxn id="52" idx="2"/>
+          </p:cNvCxnSpPr>
+          <p:nvPr/>
+        </p:nvCxnSpPr>
+        <p:spPr>
+          <a:xfrm flipV="1">
+            <a:off x="8447600" y="4219289"/>
+            <a:ext cx="1" cy="512109"/>
+          </a:xfrm>
+          <a:prstGeom prst="straightConnector1">
+            <a:avLst/>
+          </a:prstGeom>
+          <a:ln>
+            <a:tailEnd type="triangle"/>
+          </a:ln>
+        </p:spPr>
+        <p:style>
+          <a:lnRef idx="1">
+            <a:schemeClr val="accent1"/>
+          </a:lnRef>
+          <a:fillRef idx="0">
+            <a:schemeClr val="accent1"/>
+          </a:fillRef>
+          <a:effectRef idx="0">
+            <a:schemeClr val="accent1"/>
+          </a:effectRef>
+          <a:fontRef idx="minor">
+            <a:schemeClr val="tx1"/>
+          </a:fontRef>
+        </p:style>
+      </p:cxnSp>
+      <p:cxnSp>
+        <p:nvCxnSpPr>
+          <p:cNvPr id="78" name="Straight Arrow Connector 77">
+            <a:extLst>
+              <a:ext uri="{FF2B5EF4-FFF2-40B4-BE49-F238E27FC236}">
+                <a16:creationId xmlns:a16="http://schemas.microsoft.com/office/drawing/2014/main" id="{15FD8E21-281F-488B-89E6-62E93CB22CF7}"/>
+              </a:ext>
+            </a:extLst>
+          </p:cNvPr>
+          <p:cNvCxnSpPr>
+            <a:cxnSpLocks/>
+            <a:stCxn id="86" idx="3"/>
+            <a:endCxn id="15" idx="1"/>
+          </p:cNvCxnSpPr>
+          <p:nvPr/>
+        </p:nvCxnSpPr>
+        <p:spPr>
+          <a:xfrm flipV="1">
+            <a:off x="6095997" y="1292884"/>
+            <a:ext cx="1449785" cy="1151781"/>
+          </a:xfrm>
+          <a:prstGeom prst="straightConnector1">
+            <a:avLst/>
+          </a:prstGeom>
+          <a:ln>
+            <a:tailEnd type="triangle"/>
+          </a:ln>
+        </p:spPr>
+        <p:style>
+          <a:lnRef idx="1">
+            <a:schemeClr val="accent1"/>
+          </a:lnRef>
+          <a:fillRef idx="0">
+            <a:schemeClr val="accent1"/>
+          </a:fillRef>
+          <a:effectRef idx="0">
+            <a:schemeClr val="accent1"/>
+          </a:effectRef>
+          <a:fontRef idx="minor">
+            <a:schemeClr val="tx1"/>
+          </a:fontRef>
+        </p:style>
+      </p:cxnSp>
+      <p:cxnSp>
+        <p:nvCxnSpPr>
+          <p:cNvPr id="107" name="Straight Arrow Connector 106">
+            <a:extLst>
+              <a:ext uri="{FF2B5EF4-FFF2-40B4-BE49-F238E27FC236}">
+                <a16:creationId xmlns:a16="http://schemas.microsoft.com/office/drawing/2014/main" id="{8E192663-F2F6-4089-BF3F-277725CC785B}"/>
+              </a:ext>
+            </a:extLst>
+          </p:cNvPr>
+          <p:cNvCxnSpPr>
+            <a:stCxn id="2" idx="2"/>
+            <a:endCxn id="101" idx="0"/>
+          </p:cNvCxnSpPr>
+          <p:nvPr/>
+        </p:nvCxnSpPr>
+        <p:spPr>
+          <a:xfrm>
+            <a:off x="1692800" y="3557601"/>
+            <a:ext cx="4" cy="770366"/>
+          </a:xfrm>
+          <a:prstGeom prst="straightConnector1">
+            <a:avLst/>
+          </a:prstGeom>
+          <a:ln>
+            <a:tailEnd type="triangle"/>
+          </a:ln>
+        </p:spPr>
+        <p:style>
+          <a:lnRef idx="1">
+            <a:schemeClr val="accent1"/>
+          </a:lnRef>
+          <a:fillRef idx="0">
+            <a:schemeClr val="accent1"/>
+          </a:fillRef>
+          <a:effectRef idx="0">
+            <a:schemeClr val="accent1"/>
+          </a:effectRef>
+          <a:fontRef idx="minor">
+            <a:schemeClr val="tx1"/>
+          </a:fontRef>
+        </p:style>
+      </p:cxnSp>
+      <p:cxnSp>
+        <p:nvCxnSpPr>
+          <p:cNvPr id="112" name="Straight Arrow Connector 111">
+            <a:extLst>
+              <a:ext uri="{FF2B5EF4-FFF2-40B4-BE49-F238E27FC236}">
+                <a16:creationId xmlns:a16="http://schemas.microsoft.com/office/drawing/2014/main" id="{7C15C002-FFFA-4EA0-9800-0F8EE00974B2}"/>
+              </a:ext>
+            </a:extLst>
+          </p:cNvPr>
+          <p:cNvCxnSpPr>
+            <a:cxnSpLocks/>
+            <a:stCxn id="101" idx="0"/>
+            <a:endCxn id="113" idx="1"/>
+          </p:cNvCxnSpPr>
+          <p:nvPr/>
+        </p:nvCxnSpPr>
+        <p:spPr>
+          <a:xfrm flipV="1">
+            <a:off x="1692804" y="3096128"/>
+            <a:ext cx="2199131" cy="1231839"/>
+          </a:xfrm>
+          <a:prstGeom prst="straightConnector1">
+            <a:avLst/>
+          </a:prstGeom>
+          <a:ln>
+            <a:tailEnd type="triangle"/>
+          </a:ln>
+        </p:spPr>
+        <p:style>
+          <a:lnRef idx="1">
+            <a:schemeClr val="accent1"/>
+          </a:lnRef>
+          <a:fillRef idx="0">
+            <a:schemeClr val="accent1"/>
+          </a:fillRef>
+          <a:effectRef idx="0">
+            <a:schemeClr val="accent1"/>
+          </a:effectRef>
+          <a:fontRef idx="minor">
+            <a:schemeClr val="tx1"/>
+          </a:fontRef>
+        </p:style>
+      </p:cxnSp>
+      <p:grpSp>
+        <p:nvGrpSpPr>
+          <p:cNvPr id="114" name="Group 113">
+            <a:extLst>
+              <a:ext uri="{FF2B5EF4-FFF2-40B4-BE49-F238E27FC236}">
+                <a16:creationId xmlns:a16="http://schemas.microsoft.com/office/drawing/2014/main" id="{CA0EE02D-79BA-4886-A2C7-BB892289B292}"/>
+              </a:ext>
+            </a:extLst>
+          </p:cNvPr>
+          <p:cNvGrpSpPr/>
+          <p:nvPr/>
+        </p:nvGrpSpPr>
+        <p:grpSpPr>
+          <a:xfrm>
+            <a:off x="3889821" y="1602614"/>
+            <a:ext cx="2208289" cy="1661645"/>
+            <a:chOff x="3889821" y="1602614"/>
+            <a:chExt cx="2208289" cy="1661645"/>
+          </a:xfrm>
+        </p:grpSpPr>
+        <p:sp>
+          <p:nvSpPr>
+            <p:cNvPr id="84" name="Rectangle 83">
+              <a:extLst>
+                <a:ext uri="{FF2B5EF4-FFF2-40B4-BE49-F238E27FC236}">
+                  <a16:creationId xmlns:a16="http://schemas.microsoft.com/office/drawing/2014/main" id="{A6054A80-BCA3-4B6E-B751-76D0AFE58F91}"/>
+                </a:ext>
+              </a:extLst>
+            </p:cNvPr>
+            <p:cNvSpPr/>
+            <p:nvPr/>
+          </p:nvSpPr>
+          <p:spPr>
+            <a:xfrm>
+              <a:off x="3889825" y="1602614"/>
+              <a:ext cx="2206175" cy="336262"/>
+            </a:xfrm>
+            <a:prstGeom prst="rect">
+              <a:avLst/>
+            </a:prstGeom>
+          </p:spPr>
+          <p:style>
+            <a:lnRef idx="2">
+              <a:schemeClr val="accent3">
+                <a:shade val="50000"/>
+              </a:schemeClr>
+            </a:lnRef>
+            <a:fillRef idx="1">
+              <a:schemeClr val="accent3"/>
+            </a:fillRef>
+            <a:effectRef idx="0">
+              <a:schemeClr val="accent3"/>
+            </a:effectRef>
+            <a:fontRef idx="minor">
+              <a:schemeClr val="lt1"/>
+            </a:fontRef>
+          </p:style>
+          <p:txBody>
+            <a:bodyPr rtlCol="0" anchor="ctr"/>
+            <a:lstStyle/>
+            <a:p>
+              <a:pPr algn="ctr"/>
+              <a:r>
+                <a:rPr lang="en-US"/>
+                <a:t>attributables</a:t>
+              </a:r>
+            </a:p>
+          </p:txBody>
+        </p:sp>
+        <p:sp>
+          <p:nvSpPr>
+            <p:cNvPr id="85" name="Rectangle 84">
+              <a:extLst>
+                <a:ext uri="{FF2B5EF4-FFF2-40B4-BE49-F238E27FC236}">
+                  <a16:creationId xmlns:a16="http://schemas.microsoft.com/office/drawing/2014/main" id="{FDDE20D3-2FBA-44E6-9BDE-BD4F2AB21824}"/>
+                </a:ext>
+              </a:extLst>
+            </p:cNvPr>
+            <p:cNvSpPr/>
+            <p:nvPr/>
+          </p:nvSpPr>
+          <p:spPr>
+            <a:xfrm>
+              <a:off x="3889822" y="1938876"/>
+              <a:ext cx="2206175" cy="336262"/>
+            </a:xfrm>
+            <a:prstGeom prst="rect">
+              <a:avLst/>
+            </a:prstGeom>
+          </p:spPr>
+          <p:style>
+            <a:lnRef idx="2">
+              <a:schemeClr val="accent3"/>
+            </a:lnRef>
+            <a:fillRef idx="1">
+              <a:schemeClr val="lt1"/>
+            </a:fillRef>
+            <a:effectRef idx="0">
+              <a:schemeClr val="accent3"/>
+            </a:effectRef>
+            <a:fontRef idx="minor">
+              <a:schemeClr val="dk1"/>
+            </a:fontRef>
+          </p:style>
+          <p:txBody>
+            <a:bodyPr rtlCol="0" anchor="ctr"/>
+            <a:lstStyle/>
+            <a:p>
+              <a:pPr algn="ctr"/>
+              <a:r>
+                <a:rPr lang="en-US"/>
+                <a:t>attribute_id</a:t>
+              </a:r>
+            </a:p>
+          </p:txBody>
+        </p:sp>
+        <p:sp>
+          <p:nvSpPr>
+            <p:cNvPr id="86" name="Rectangle 85">
+              <a:extLst>
+                <a:ext uri="{FF2B5EF4-FFF2-40B4-BE49-F238E27FC236}">
+                  <a16:creationId xmlns:a16="http://schemas.microsoft.com/office/drawing/2014/main" id="{4F572BCD-0103-499B-8F4C-66ECE0CE183C}"/>
+                </a:ext>
+              </a:extLst>
+            </p:cNvPr>
+            <p:cNvSpPr/>
+            <p:nvPr/>
+          </p:nvSpPr>
+          <p:spPr>
+            <a:xfrm>
+              <a:off x="3889822" y="2276534"/>
+              <a:ext cx="2206175" cy="336262"/>
+            </a:xfrm>
+            <a:prstGeom prst="rect">
+              <a:avLst/>
+            </a:prstGeom>
+          </p:spPr>
+          <p:style>
+            <a:lnRef idx="2">
+              <a:schemeClr val="accent3"/>
+            </a:lnRef>
+            <a:fillRef idx="1">
+              <a:schemeClr val="lt1"/>
+            </a:fillRef>
+            <a:effectRef idx="0">
+              <a:schemeClr val="accent3"/>
+            </a:effectRef>
+            <a:fontRef idx="minor">
+              <a:schemeClr val="dk1"/>
+            </a:fontRef>
+          </p:style>
+          <p:txBody>
+            <a:bodyPr rtlCol="0" anchor="ctr"/>
+            <a:lstStyle/>
+            <a:p>
+              <a:pPr algn="ctr"/>
+              <a:r>
+                <a:rPr lang="en-US"/>
+                <a:t>attributable_id</a:t>
+              </a:r>
+            </a:p>
+          </p:txBody>
+        </p:sp>
+        <p:sp>
+          <p:nvSpPr>
+            <p:cNvPr id="87" name="Rectangle 86">
+              <a:extLst>
+                <a:ext uri="{FF2B5EF4-FFF2-40B4-BE49-F238E27FC236}">
+                  <a16:creationId xmlns:a16="http://schemas.microsoft.com/office/drawing/2014/main" id="{16BD2D49-1E46-4770-B0C9-D34597AF87CC}"/>
+                </a:ext>
+              </a:extLst>
+            </p:cNvPr>
+            <p:cNvSpPr/>
+            <p:nvPr/>
+          </p:nvSpPr>
+          <p:spPr>
+            <a:xfrm>
+              <a:off x="3889821" y="2602118"/>
+              <a:ext cx="2206175" cy="336262"/>
+            </a:xfrm>
+            <a:prstGeom prst="rect">
+              <a:avLst/>
+            </a:prstGeom>
+          </p:spPr>
+          <p:style>
+            <a:lnRef idx="2">
+              <a:schemeClr val="accent3"/>
+            </a:lnRef>
+            <a:fillRef idx="1">
+              <a:schemeClr val="lt1"/>
+            </a:fillRef>
+            <a:effectRef idx="0">
+              <a:schemeClr val="accent3"/>
+            </a:effectRef>
+            <a:fontRef idx="minor">
+              <a:schemeClr val="dk1"/>
+            </a:fontRef>
+          </p:style>
+          <p:txBody>
+            <a:bodyPr rtlCol="0" anchor="ctr"/>
+            <a:lstStyle/>
+            <a:p>
+              <a:pPr algn="ctr"/>
+              <a:r>
+                <a:rPr lang="en-US"/>
+                <a:t>attributable_type</a:t>
+              </a:r>
+            </a:p>
+          </p:txBody>
+        </p:sp>
+        <p:sp>
+          <p:nvSpPr>
+            <p:cNvPr id="113" name="Rectangle 112">
+              <a:extLst>
+                <a:ext uri="{FF2B5EF4-FFF2-40B4-BE49-F238E27FC236}">
+                  <a16:creationId xmlns:a16="http://schemas.microsoft.com/office/drawing/2014/main" id="{5417ABA6-C20C-4C55-8444-9D0F9ECEC449}"/>
+                </a:ext>
+              </a:extLst>
+            </p:cNvPr>
+            <p:cNvSpPr/>
+            <p:nvPr/>
+          </p:nvSpPr>
+          <p:spPr>
+            <a:xfrm>
+              <a:off x="3891935" y="2927997"/>
+              <a:ext cx="2206175" cy="336262"/>
+            </a:xfrm>
+            <a:prstGeom prst="rect">
+              <a:avLst/>
+            </a:prstGeom>
+          </p:spPr>
+          <p:style>
+            <a:lnRef idx="2">
+              <a:schemeClr val="accent3"/>
+            </a:lnRef>
+            <a:fillRef idx="1">
+              <a:schemeClr val="lt1"/>
+            </a:fillRef>
+            <a:effectRef idx="0">
+              <a:schemeClr val="accent3"/>
+            </a:effectRef>
+            <a:fontRef idx="minor">
+              <a:schemeClr val="dk1"/>
+            </a:fontRef>
+          </p:style>
+          <p:txBody>
+            <a:bodyPr rtlCol="0" anchor="ctr"/>
+            <a:lstStyle/>
+            <a:p>
+              <a:pPr algn="ctr"/>
+              <a:r>
+                <a:rPr lang="en-US"/>
+                <a:t>value</a:t>
+              </a:r>
+            </a:p>
+          </p:txBody>
+        </p:sp>
+      </p:grpSp>
+      <p:sp>
+        <p:nvSpPr>
+          <p:cNvPr id="120" name="TextBox 119">
+            <a:extLst>
+              <a:ext uri="{FF2B5EF4-FFF2-40B4-BE49-F238E27FC236}">
+                <a16:creationId xmlns:a16="http://schemas.microsoft.com/office/drawing/2014/main" id="{46AA1458-F8A9-463B-AFD8-2D27A5893E1A}"/>
+              </a:ext>
+            </a:extLst>
+          </p:cNvPr>
+          <p:cNvSpPr txBox="1"/>
+          <p:nvPr/>
+        </p:nvSpPr>
+        <p:spPr>
+          <a:xfrm>
+            <a:off x="4034352" y="656788"/>
+            <a:ext cx="2110706" cy="523220"/>
+          </a:xfrm>
+          <a:prstGeom prst="rect">
+            <a:avLst/>
+          </a:prstGeom>
+          <a:noFill/>
+        </p:spPr>
+        <p:txBody>
+          <a:bodyPr wrap="none" rtlCol="0">
+            <a:spAutoFit/>
+          </a:bodyPr>
+          <a:lstStyle/>
+          <a:p>
+            <a:pPr algn="ctr"/>
+            <a:r>
+              <a:rPr lang="en-US" sz="1400"/>
+              <a:t>Polymorfic many-to-many </a:t>
+            </a:r>
+          </a:p>
+          <a:p>
+            <a:pPr algn="ctr"/>
+            <a:r>
+              <a:rPr lang="en-US" sz="1400"/>
+              <a:t>with additional values</a:t>
+            </a:r>
+          </a:p>
+        </p:txBody>
+      </p:sp>
+      <p:cxnSp>
+        <p:nvCxnSpPr>
+          <p:cNvPr id="9" name="Straight Arrow Connector 8">
+            <a:extLst>
+              <a:ext uri="{FF2B5EF4-FFF2-40B4-BE49-F238E27FC236}">
+                <a16:creationId xmlns:a16="http://schemas.microsoft.com/office/drawing/2014/main" id="{22B3CE16-B450-47DA-813E-DAB88C1B8606}"/>
+              </a:ext>
+            </a:extLst>
+          </p:cNvPr>
+          <p:cNvCxnSpPr>
+            <a:stCxn id="48" idx="2"/>
+            <a:endCxn id="2" idx="0"/>
+          </p:cNvCxnSpPr>
+          <p:nvPr/>
+        </p:nvCxnSpPr>
+        <p:spPr>
+          <a:xfrm>
+            <a:off x="1690686" y="1314593"/>
+            <a:ext cx="2114" cy="1882281"/>
+          </a:xfrm>
+          <a:prstGeom prst="straightConnector1">
+            <a:avLst/>
+          </a:prstGeom>
+          <a:ln>
+            <a:tailEnd type="triangle"/>
+          </a:ln>
+        </p:spPr>
+        <p:style>
+          <a:lnRef idx="1">
+            <a:schemeClr val="accent1"/>
+          </a:lnRef>
+          <a:fillRef idx="0">
+            <a:schemeClr val="accent1"/>
+          </a:fillRef>
+          <a:effectRef idx="0">
+            <a:schemeClr val="accent1"/>
+          </a:effectRef>
+          <a:fontRef idx="minor">
+            <a:schemeClr val="tx1"/>
+          </a:fontRef>
+        </p:style>
+      </p:cxnSp>
+      <p:grpSp>
+        <p:nvGrpSpPr>
+          <p:cNvPr id="11" name="Group 10">
+            <a:extLst>
+              <a:ext uri="{FF2B5EF4-FFF2-40B4-BE49-F238E27FC236}">
+                <a16:creationId xmlns:a16="http://schemas.microsoft.com/office/drawing/2014/main" id="{9C2D86A3-71F7-4DE3-AA0E-E5526BBFC96B}"/>
+              </a:ext>
+            </a:extLst>
+          </p:cNvPr>
+          <p:cNvGrpSpPr/>
+          <p:nvPr/>
+        </p:nvGrpSpPr>
+        <p:grpSpPr>
+          <a:xfrm>
+            <a:off x="790983" y="4327967"/>
+            <a:ext cx="1803637" cy="2045001"/>
+            <a:chOff x="800133" y="3713500"/>
+            <a:chExt cx="1803637" cy="2045001"/>
+          </a:xfrm>
+        </p:grpSpPr>
+        <p:sp>
+          <p:nvSpPr>
+            <p:cNvPr id="101" name="Rectangle 100">
+              <a:extLst>
+                <a:ext uri="{FF2B5EF4-FFF2-40B4-BE49-F238E27FC236}">
+                  <a16:creationId xmlns:a16="http://schemas.microsoft.com/office/drawing/2014/main" id="{6A4D6922-36EB-498A-84F2-9D9E79721CBD}"/>
+                </a:ext>
+              </a:extLst>
+            </p:cNvPr>
+            <p:cNvSpPr/>
+            <p:nvPr/>
+          </p:nvSpPr>
+          <p:spPr>
+            <a:xfrm>
+              <a:off x="800137" y="3713500"/>
+              <a:ext cx="1803633" cy="336262"/>
+            </a:xfrm>
+            <a:prstGeom prst="rect">
+              <a:avLst/>
+            </a:prstGeom>
+          </p:spPr>
+          <p:style>
+            <a:lnRef idx="2">
+              <a:schemeClr val="accent2">
+                <a:shade val="50000"/>
+              </a:schemeClr>
+            </a:lnRef>
+            <a:fillRef idx="1">
+              <a:schemeClr val="accent2"/>
+            </a:fillRef>
+            <a:effectRef idx="0">
+              <a:schemeClr val="accent2"/>
+            </a:effectRef>
+            <a:fontRef idx="minor">
+              <a:schemeClr val="lt1"/>
+            </a:fontRef>
+          </p:style>
+          <p:txBody>
+            <a:bodyPr rtlCol="0" anchor="ctr"/>
+            <a:lstStyle/>
+            <a:p>
+              <a:pPr algn="ctr"/>
+              <a:r>
+                <a:rPr lang="en-US"/>
+                <a:t>skus</a:t>
+              </a:r>
+            </a:p>
+          </p:txBody>
+        </p:sp>
+        <p:sp>
+          <p:nvSpPr>
+            <p:cNvPr id="102" name="Rectangle 101">
+              <a:extLst>
+                <a:ext uri="{FF2B5EF4-FFF2-40B4-BE49-F238E27FC236}">
+                  <a16:creationId xmlns:a16="http://schemas.microsoft.com/office/drawing/2014/main" id="{BF5A6FE0-CD83-4892-B8BA-F657BC4AC89D}"/>
+                </a:ext>
+              </a:extLst>
+            </p:cNvPr>
+            <p:cNvSpPr/>
+            <p:nvPr/>
+          </p:nvSpPr>
+          <p:spPr>
+            <a:xfrm>
+              <a:off x="800134" y="4039284"/>
+              <a:ext cx="1803633" cy="336262"/>
+            </a:xfrm>
+            <a:prstGeom prst="rect">
+              <a:avLst/>
+            </a:prstGeom>
+          </p:spPr>
+          <p:style>
+            <a:lnRef idx="2">
+              <a:schemeClr val="accent2"/>
+            </a:lnRef>
+            <a:fillRef idx="1">
+              <a:schemeClr val="lt1"/>
+            </a:fillRef>
+            <a:effectRef idx="0">
+              <a:schemeClr val="accent2"/>
+            </a:effectRef>
+            <a:fontRef idx="minor">
+              <a:schemeClr val="dk1"/>
+            </a:fontRef>
+          </p:style>
+          <p:txBody>
+            <a:bodyPr rtlCol="0" anchor="ctr"/>
+            <a:lstStyle/>
+            <a:p>
+              <a:pPr algn="ctr"/>
+              <a:r>
+                <a:rPr lang="en-US"/>
+                <a:t>sku_id</a:t>
+              </a:r>
+            </a:p>
+          </p:txBody>
+        </p:sp>
+        <p:sp>
+          <p:nvSpPr>
+            <p:cNvPr id="103" name="Rectangle 102">
+              <a:extLst>
+                <a:ext uri="{FF2B5EF4-FFF2-40B4-BE49-F238E27FC236}">
+                  <a16:creationId xmlns:a16="http://schemas.microsoft.com/office/drawing/2014/main" id="{D154C388-D364-467A-8205-FA0600B23E8F}"/>
+                </a:ext>
+              </a:extLst>
+            </p:cNvPr>
+            <p:cNvSpPr/>
+            <p:nvPr/>
+          </p:nvSpPr>
+          <p:spPr>
+            <a:xfrm>
+              <a:off x="800134" y="4727402"/>
+              <a:ext cx="1803633" cy="336262"/>
+            </a:xfrm>
+            <a:prstGeom prst="rect">
+              <a:avLst/>
+            </a:prstGeom>
+          </p:spPr>
+          <p:style>
+            <a:lnRef idx="2">
+              <a:schemeClr val="accent2"/>
+            </a:lnRef>
+            <a:fillRef idx="1">
+              <a:schemeClr val="lt1"/>
+            </a:fillRef>
+            <a:effectRef idx="0">
+              <a:schemeClr val="accent2"/>
+            </a:effectRef>
+            <a:fontRef idx="minor">
+              <a:schemeClr val="dk1"/>
+            </a:fontRef>
+          </p:style>
+          <p:txBody>
+            <a:bodyPr rtlCol="0" anchor="ctr"/>
+            <a:lstStyle/>
+            <a:p>
+              <a:pPr algn="ctr"/>
+              <a:r>
+                <a:rPr lang="en-US"/>
+                <a:t>stock</a:t>
+              </a:r>
+            </a:p>
+          </p:txBody>
+        </p:sp>
+        <p:sp>
+          <p:nvSpPr>
+            <p:cNvPr id="104" name="Rectangle 103">
+              <a:extLst>
+                <a:ext uri="{FF2B5EF4-FFF2-40B4-BE49-F238E27FC236}">
+                  <a16:creationId xmlns:a16="http://schemas.microsoft.com/office/drawing/2014/main" id="{627E4C09-008E-40A5-8E26-0544033365EF}"/>
+                </a:ext>
+              </a:extLst>
+            </p:cNvPr>
+            <p:cNvSpPr/>
+            <p:nvPr/>
+          </p:nvSpPr>
+          <p:spPr>
+            <a:xfrm>
+              <a:off x="800134" y="5078246"/>
+              <a:ext cx="1803633" cy="336262"/>
+            </a:xfrm>
+            <a:prstGeom prst="rect">
+              <a:avLst/>
+            </a:prstGeom>
+          </p:spPr>
+          <p:style>
+            <a:lnRef idx="2">
+              <a:schemeClr val="accent2"/>
+            </a:lnRef>
+            <a:fillRef idx="1">
+              <a:schemeClr val="lt1"/>
+            </a:fillRef>
+            <a:effectRef idx="0">
+              <a:schemeClr val="accent2"/>
+            </a:effectRef>
+            <a:fontRef idx="minor">
+              <a:schemeClr val="dk1"/>
+            </a:fontRef>
+          </p:style>
+          <p:txBody>
+            <a:bodyPr rtlCol="0" anchor="ctr"/>
+            <a:lstStyle/>
+            <a:p>
+              <a:pPr algn="ctr"/>
+              <a:r>
+                <a:rPr lang="en-US"/>
+                <a:t>position</a:t>
+              </a:r>
+            </a:p>
+          </p:txBody>
+        </p:sp>
+        <p:sp>
+          <p:nvSpPr>
+            <p:cNvPr id="105" name="Rectangle 104">
+              <a:extLst>
+                <a:ext uri="{FF2B5EF4-FFF2-40B4-BE49-F238E27FC236}">
+                  <a16:creationId xmlns:a16="http://schemas.microsoft.com/office/drawing/2014/main" id="{FA9E266E-4209-4121-8953-C932137D265D}"/>
+                </a:ext>
+              </a:extLst>
+            </p:cNvPr>
+            <p:cNvSpPr/>
+            <p:nvPr/>
+          </p:nvSpPr>
+          <p:spPr>
+            <a:xfrm>
+              <a:off x="800133" y="5422239"/>
+              <a:ext cx="1803633" cy="336262"/>
+            </a:xfrm>
+            <a:prstGeom prst="rect">
+              <a:avLst/>
+            </a:prstGeom>
+          </p:spPr>
+          <p:style>
+            <a:lnRef idx="2">
+              <a:schemeClr val="accent2"/>
+            </a:lnRef>
+            <a:fillRef idx="1">
+              <a:schemeClr val="lt1"/>
+            </a:fillRef>
+            <a:effectRef idx="0">
+              <a:schemeClr val="accent2"/>
+            </a:effectRef>
+            <a:fontRef idx="minor">
+              <a:schemeClr val="dk1"/>
+            </a:fontRef>
+          </p:style>
+          <p:txBody>
+            <a:bodyPr rtlCol="0" anchor="ctr"/>
+            <a:lstStyle/>
+            <a:p>
+              <a:pPr algn="ctr"/>
+              <a:r>
+                <a:rPr lang="en-US"/>
+                <a:t>active</a:t>
+              </a:r>
+            </a:p>
+          </p:txBody>
+        </p:sp>
+        <p:sp>
+          <p:nvSpPr>
+            <p:cNvPr id="53" name="Rectangle 52">
+              <a:extLst>
+                <a:ext uri="{FF2B5EF4-FFF2-40B4-BE49-F238E27FC236}">
+                  <a16:creationId xmlns:a16="http://schemas.microsoft.com/office/drawing/2014/main" id="{BB38DA7B-DDE7-40CF-AE45-B995CA4E26F5}"/>
+                </a:ext>
+              </a:extLst>
+            </p:cNvPr>
+            <p:cNvSpPr/>
+            <p:nvPr/>
+          </p:nvSpPr>
+          <p:spPr>
+            <a:xfrm>
+              <a:off x="800133" y="4390128"/>
+              <a:ext cx="1803633" cy="336262"/>
+            </a:xfrm>
+            <a:prstGeom prst="rect">
+              <a:avLst/>
+            </a:prstGeom>
+          </p:spPr>
+          <p:style>
+            <a:lnRef idx="2">
+              <a:schemeClr val="accent2"/>
+            </a:lnRef>
+            <a:fillRef idx="1">
+              <a:schemeClr val="lt1"/>
+            </a:fillRef>
+            <a:effectRef idx="0">
+              <a:schemeClr val="accent2"/>
+            </a:effectRef>
+            <a:fontRef idx="minor">
+              <a:schemeClr val="dk1"/>
+            </a:fontRef>
+          </p:style>
+          <p:txBody>
+            <a:bodyPr rtlCol="0" anchor="ctr"/>
+            <a:lstStyle/>
+            <a:p>
+              <a:pPr algn="ctr"/>
+              <a:r>
+                <a:rPr lang="en-US"/>
+                <a:t>product_id</a:t>
+              </a:r>
+            </a:p>
+          </p:txBody>
+        </p:sp>
+      </p:grpSp>
+      <p:grpSp>
+        <p:nvGrpSpPr>
+          <p:cNvPr id="29" name="Group 28">
+            <a:extLst>
+              <a:ext uri="{FF2B5EF4-FFF2-40B4-BE49-F238E27FC236}">
+                <a16:creationId xmlns:a16="http://schemas.microsoft.com/office/drawing/2014/main" id="{2EF9C71B-472C-4FBE-B1E9-DCCB77EEAAE1}"/>
+              </a:ext>
+            </a:extLst>
+          </p:cNvPr>
+          <p:cNvGrpSpPr/>
+          <p:nvPr/>
+        </p:nvGrpSpPr>
+        <p:grpSpPr>
+          <a:xfrm>
+            <a:off x="788869" y="224073"/>
+            <a:ext cx="1803633" cy="2539726"/>
+            <a:chOff x="790983" y="67895"/>
+            <a:chExt cx="1803633" cy="2539726"/>
+          </a:xfrm>
+        </p:grpSpPr>
+        <p:sp>
+          <p:nvSpPr>
+            <p:cNvPr id="121" name="TextBox 120">
+              <a:extLst>
+                <a:ext uri="{FF2B5EF4-FFF2-40B4-BE49-F238E27FC236}">
+                  <a16:creationId xmlns:a16="http://schemas.microsoft.com/office/drawing/2014/main" id="{926C258D-6EA1-47BC-B09E-4FE22EB6927F}"/>
+                </a:ext>
+              </a:extLst>
+            </p:cNvPr>
+            <p:cNvSpPr txBox="1"/>
+            <p:nvPr/>
+          </p:nvSpPr>
+          <p:spPr>
+            <a:xfrm>
+              <a:off x="790983" y="67895"/>
+              <a:ext cx="1803633" cy="369332"/>
+            </a:xfrm>
+            <a:prstGeom prst="rect">
+              <a:avLst/>
+            </a:prstGeom>
+            <a:solidFill>
+              <a:schemeClr val="accent1"/>
+            </a:solidFill>
+            <a:ln>
+              <a:noFill/>
+            </a:ln>
+          </p:spPr>
+          <p:style>
+            <a:lnRef idx="0">
+              <a:scrgbClr r="0" g="0" b="0"/>
+            </a:lnRef>
+            <a:fillRef idx="0">
+              <a:scrgbClr r="0" g="0" b="0"/>
+            </a:fillRef>
+            <a:effectRef idx="0">
+              <a:scrgbClr r="0" g="0" b="0"/>
+            </a:effectRef>
+            <a:fontRef idx="minor">
+              <a:schemeClr val="lt1"/>
+            </a:fontRef>
+          </p:style>
+          <p:txBody>
+            <a:bodyPr wrap="square" rtlCol="0">
+              <a:spAutoFit/>
+            </a:bodyPr>
+            <a:lstStyle/>
+            <a:p>
+              <a:pPr algn="ctr"/>
+              <a:r>
+                <a:rPr lang="en-US"/>
+                <a:t>suites</a:t>
+              </a:r>
+            </a:p>
+          </p:txBody>
+        </p:sp>
+        <p:sp>
+          <p:nvSpPr>
+            <p:cNvPr id="47" name="TextBox 46">
+              <a:extLst>
+                <a:ext uri="{FF2B5EF4-FFF2-40B4-BE49-F238E27FC236}">
+                  <a16:creationId xmlns:a16="http://schemas.microsoft.com/office/drawing/2014/main" id="{95FB8264-346F-4079-B127-E516CDC11542}"/>
+                </a:ext>
+              </a:extLst>
+            </p:cNvPr>
+            <p:cNvSpPr txBox="1"/>
+            <p:nvPr/>
+          </p:nvSpPr>
+          <p:spPr>
+            <a:xfrm>
+              <a:off x="790983" y="427747"/>
+              <a:ext cx="1803633" cy="369332"/>
+            </a:xfrm>
+            <a:prstGeom prst="rect">
+              <a:avLst/>
+            </a:prstGeom>
+            <a:ln/>
+          </p:spPr>
+          <p:style>
+            <a:lnRef idx="2">
+              <a:schemeClr val="accent1"/>
+            </a:lnRef>
+            <a:fillRef idx="1">
+              <a:schemeClr val="lt1"/>
+            </a:fillRef>
+            <a:effectRef idx="0">
+              <a:schemeClr val="accent1"/>
+            </a:effectRef>
+            <a:fontRef idx="minor">
+              <a:schemeClr val="dk1"/>
+            </a:fontRef>
+          </p:style>
+          <p:txBody>
+            <a:bodyPr wrap="square" rtlCol="0">
+              <a:spAutoFit/>
+            </a:bodyPr>
+            <a:lstStyle/>
+            <a:p>
+              <a:pPr algn="ctr"/>
+              <a:r>
+                <a:rPr lang="en-US"/>
+                <a:t>id</a:t>
+              </a:r>
+            </a:p>
+          </p:txBody>
+        </p:sp>
+        <p:sp>
+          <p:nvSpPr>
+            <p:cNvPr id="48" name="TextBox 47">
+              <a:extLst>
+                <a:ext uri="{FF2B5EF4-FFF2-40B4-BE49-F238E27FC236}">
+                  <a16:creationId xmlns:a16="http://schemas.microsoft.com/office/drawing/2014/main" id="{CF3AEAA4-C75A-4E3E-B0E9-135CC299A9ED}"/>
+                </a:ext>
+              </a:extLst>
+            </p:cNvPr>
+            <p:cNvSpPr txBox="1"/>
+            <p:nvPr/>
+          </p:nvSpPr>
+          <p:spPr>
+            <a:xfrm>
+              <a:off x="790983" y="789083"/>
+              <a:ext cx="1803633" cy="369332"/>
+            </a:xfrm>
+            <a:prstGeom prst="rect">
+              <a:avLst/>
+            </a:prstGeom>
+            <a:ln/>
+          </p:spPr>
+          <p:style>
+            <a:lnRef idx="2">
+              <a:schemeClr val="accent1"/>
+            </a:lnRef>
+            <a:fillRef idx="1">
+              <a:schemeClr val="lt1"/>
+            </a:fillRef>
+            <a:effectRef idx="0">
+              <a:schemeClr val="accent1"/>
+            </a:effectRef>
+            <a:fontRef idx="minor">
+              <a:schemeClr val="dk1"/>
+            </a:fontRef>
+          </p:style>
+          <p:txBody>
+            <a:bodyPr wrap="square" rtlCol="0">
+              <a:spAutoFit/>
+            </a:bodyPr>
+            <a:lstStyle/>
+            <a:p>
+              <a:pPr algn="ctr"/>
+              <a:r>
+                <a:rPr lang="en-US"/>
+                <a:t>id_brand</a:t>
+              </a:r>
+            </a:p>
+          </p:txBody>
+        </p:sp>
+        <p:sp>
+          <p:nvSpPr>
+            <p:cNvPr id="10" name="TextBox 9">
+              <a:extLst>
+                <a:ext uri="{FF2B5EF4-FFF2-40B4-BE49-F238E27FC236}">
+                  <a16:creationId xmlns:a16="http://schemas.microsoft.com/office/drawing/2014/main" id="{098A3DBA-82DE-499E-966F-4B9469555117}"/>
+                </a:ext>
+              </a:extLst>
+            </p:cNvPr>
+            <p:cNvSpPr txBox="1"/>
+            <p:nvPr/>
+          </p:nvSpPr>
+          <p:spPr>
+            <a:xfrm>
+              <a:off x="790983" y="1697958"/>
+              <a:ext cx="873957" cy="307777"/>
+            </a:xfrm>
+            <a:prstGeom prst="rect">
+              <a:avLst/>
+            </a:prstGeom>
+            <a:noFill/>
+          </p:spPr>
+          <p:txBody>
+            <a:bodyPr wrap="none" rtlCol="0">
+              <a:spAutoFit/>
+            </a:bodyPr>
+            <a:lstStyle/>
+            <a:p>
+              <a:r>
+                <a:rPr lang="en-US" sz="1400"/>
+                <a:t>id_model</a:t>
+              </a:r>
+            </a:p>
+          </p:txBody>
+        </p:sp>
+        <p:sp>
+          <p:nvSpPr>
+            <p:cNvPr id="55" name="TextBox 54">
+              <a:extLst>
+                <a:ext uri="{FF2B5EF4-FFF2-40B4-BE49-F238E27FC236}">
+                  <a16:creationId xmlns:a16="http://schemas.microsoft.com/office/drawing/2014/main" id="{EBAD111F-E394-4450-8C0E-7AEDFE6627F0}"/>
+                </a:ext>
+              </a:extLst>
+            </p:cNvPr>
+            <p:cNvSpPr txBox="1"/>
+            <p:nvPr/>
+          </p:nvSpPr>
+          <p:spPr>
+            <a:xfrm>
+              <a:off x="790983" y="1507532"/>
+              <a:ext cx="1803633" cy="369332"/>
+            </a:xfrm>
+            <a:prstGeom prst="rect">
+              <a:avLst/>
+            </a:prstGeom>
+            <a:ln/>
+          </p:spPr>
+          <p:style>
+            <a:lnRef idx="2">
+              <a:schemeClr val="accent1"/>
+            </a:lnRef>
+            <a:fillRef idx="1">
+              <a:schemeClr val="lt1"/>
+            </a:fillRef>
+            <a:effectRef idx="0">
+              <a:schemeClr val="accent1"/>
+            </a:effectRef>
+            <a:fontRef idx="minor">
+              <a:schemeClr val="dk1"/>
+            </a:fontRef>
+          </p:style>
+          <p:txBody>
+            <a:bodyPr wrap="square" rtlCol="0">
+              <a:spAutoFit/>
+            </a:bodyPr>
+            <a:lstStyle/>
+            <a:p>
+              <a:pPr algn="ctr"/>
+              <a:r>
+                <a:rPr lang="en-US"/>
+                <a:t>name</a:t>
+              </a:r>
+            </a:p>
+          </p:txBody>
+        </p:sp>
+        <p:sp>
+          <p:nvSpPr>
+            <p:cNvPr id="56" name="TextBox 55">
+              <a:extLst>
+                <a:ext uri="{FF2B5EF4-FFF2-40B4-BE49-F238E27FC236}">
+                  <a16:creationId xmlns:a16="http://schemas.microsoft.com/office/drawing/2014/main" id="{5F91C321-0072-4A73-BB3F-B949F0EC1CE1}"/>
+                </a:ext>
+              </a:extLst>
+            </p:cNvPr>
+            <p:cNvSpPr txBox="1"/>
+            <p:nvPr/>
+          </p:nvSpPr>
+          <p:spPr>
+            <a:xfrm>
+              <a:off x="790983" y="1139808"/>
+              <a:ext cx="1803633" cy="369332"/>
+            </a:xfrm>
+            <a:prstGeom prst="rect">
+              <a:avLst/>
+            </a:prstGeom>
+            <a:ln/>
+          </p:spPr>
+          <p:style>
+            <a:lnRef idx="2">
+              <a:schemeClr val="accent1"/>
+            </a:lnRef>
+            <a:fillRef idx="1">
+              <a:schemeClr val="lt1"/>
+            </a:fillRef>
+            <a:effectRef idx="0">
+              <a:schemeClr val="accent1"/>
+            </a:effectRef>
+            <a:fontRef idx="minor">
+              <a:schemeClr val="dk1"/>
+            </a:fontRef>
+          </p:style>
+          <p:txBody>
+            <a:bodyPr wrap="square" rtlCol="0">
+              <a:spAutoFit/>
+            </a:bodyPr>
+            <a:lstStyle/>
+            <a:p>
+              <a:pPr algn="ctr"/>
+              <a:r>
+                <a:rPr lang="en-US"/>
+                <a:t>id_section</a:t>
+              </a:r>
+            </a:p>
+          </p:txBody>
+        </p:sp>
+        <p:sp>
+          <p:nvSpPr>
+            <p:cNvPr id="58" name="TextBox 57">
+              <a:extLst>
+                <a:ext uri="{FF2B5EF4-FFF2-40B4-BE49-F238E27FC236}">
+                  <a16:creationId xmlns:a16="http://schemas.microsoft.com/office/drawing/2014/main" id="{639545CB-45ED-460A-98A4-69D6AF28A647}"/>
+                </a:ext>
+              </a:extLst>
+            </p:cNvPr>
+            <p:cNvSpPr txBox="1"/>
+            <p:nvPr/>
+          </p:nvSpPr>
+          <p:spPr>
+            <a:xfrm>
+              <a:off x="790983" y="1872640"/>
+              <a:ext cx="1803633" cy="369332"/>
+            </a:xfrm>
+            <a:prstGeom prst="rect">
+              <a:avLst/>
+            </a:prstGeom>
+            <a:ln/>
+          </p:spPr>
+          <p:style>
+            <a:lnRef idx="2">
+              <a:schemeClr val="accent1"/>
+            </a:lnRef>
+            <a:fillRef idx="1">
+              <a:schemeClr val="lt1"/>
+            </a:fillRef>
+            <a:effectRef idx="0">
+              <a:schemeClr val="accent1"/>
+            </a:effectRef>
+            <a:fontRef idx="minor">
+              <a:schemeClr val="dk1"/>
+            </a:fontRef>
+          </p:style>
+          <p:txBody>
+            <a:bodyPr wrap="square" rtlCol="0">
+              <a:spAutoFit/>
+            </a:bodyPr>
+            <a:lstStyle/>
+            <a:p>
+              <a:pPr algn="ctr"/>
+              <a:r>
+                <a:rPr lang="en-US"/>
+                <a:t>position</a:t>
+              </a:r>
+            </a:p>
+          </p:txBody>
+        </p:sp>
+        <p:sp>
+          <p:nvSpPr>
+            <p:cNvPr id="59" name="TextBox 58">
+              <a:extLst>
+                <a:ext uri="{FF2B5EF4-FFF2-40B4-BE49-F238E27FC236}">
+                  <a16:creationId xmlns:a16="http://schemas.microsoft.com/office/drawing/2014/main" id="{93345768-ED77-4DFC-8BEF-7D3E808C57F5}"/>
+                </a:ext>
+              </a:extLst>
+            </p:cNvPr>
+            <p:cNvSpPr txBox="1"/>
+            <p:nvPr/>
+          </p:nvSpPr>
+          <p:spPr>
+            <a:xfrm>
+              <a:off x="790983" y="2238289"/>
+              <a:ext cx="1803633" cy="369332"/>
+            </a:xfrm>
+            <a:prstGeom prst="rect">
+              <a:avLst/>
+            </a:prstGeom>
+            <a:ln/>
+          </p:spPr>
+          <p:style>
+            <a:lnRef idx="2">
+              <a:schemeClr val="accent1"/>
+            </a:lnRef>
+            <a:fillRef idx="1">
+              <a:schemeClr val="lt1"/>
+            </a:fillRef>
+            <a:effectRef idx="0">
+              <a:schemeClr val="accent1"/>
+            </a:effectRef>
+            <a:fontRef idx="minor">
+              <a:schemeClr val="dk1"/>
+            </a:fontRef>
+          </p:style>
+          <p:txBody>
+            <a:bodyPr wrap="square" rtlCol="0">
+              <a:spAutoFit/>
+            </a:bodyPr>
+            <a:lstStyle/>
+            <a:p>
+              <a:pPr algn="ctr"/>
+              <a:r>
+                <a:rPr lang="en-US"/>
+                <a:t>active</a:t>
+              </a:r>
+            </a:p>
+          </p:txBody>
+        </p:sp>
+      </p:grpSp>
+    </p:spTree>
+    <p:extLst>
+      <p:ext uri="{BB962C8B-B14F-4D97-AF65-F5344CB8AC3E}">
+        <p14:creationId xmlns:p14="http://schemas.microsoft.com/office/powerpoint/2010/main" val="503142003"/>
+      </p:ext>
+    </p:extLst>
+  </p:cSld>
+  <p:clrMapOvr>
+    <a:masterClrMapping/>
+  </p:clrMapOvr>
+</p:sld>
+</file>
+
 <file path=ppt/slides/slide4.xml><?xml version="1.0" encoding="utf-8"?>
 <p:sld xmlns:a="http://schemas.openxmlformats.org/drawingml/2006/main" xmlns:r="http://schemas.openxmlformats.org/officeDocument/2006/relationships" xmlns:p="http://schemas.openxmlformats.org/presentationml/2006/main">
   <p:cSld>

--- a/_presentation/prezentare_aplicatie.pptx
+++ b/_presentation/prezentare_aplicatie.pptx
@@ -44,6 +44,8 @@
     <p:sldId id="290" r:id="rId38"/>
     <p:sldId id="291" r:id="rId39"/>
     <p:sldId id="287" r:id="rId40"/>
+    <p:sldId id="293" r:id="rId41"/>
+    <p:sldId id="294" r:id="rId42"/>
   </p:sldIdLst>
   <p:sldSz cx="12192000" cy="6858000"/>
   <p:notesSz cx="6858000" cy="9144000"/>
@@ -300,7 +302,7 @@
             <a:fld id="{87DE6118-2437-4B30-8E3C-4D2BE6020583}" type="datetimeFigureOut">
               <a:rPr lang="en-US" smtClean="0"/>
               <a:pPr/>
-              <a:t>10/7/2022</a:t>
+              <a:t>10/25/2022</a:t>
             </a:fld>
             <a:endParaRPr lang="en-US"/>
           </a:p>
@@ -501,7 +503,7 @@
           <a:p>
             <a:fld id="{87DE6118-2437-4B30-8E3C-4D2BE6020583}" type="datetimeFigureOut">
               <a:rPr lang="en-US" smtClean="0"/>
-              <a:t>10/7/2022</a:t>
+              <a:t>10/25/2022</a:t>
             </a:fld>
             <a:endParaRPr lang="en-US"/>
           </a:p>
@@ -711,7 +713,7 @@
           <a:p>
             <a:fld id="{87DE6118-2437-4B30-8E3C-4D2BE6020583}" type="datetimeFigureOut">
               <a:rPr lang="en-US" smtClean="0"/>
-              <a:t>10/7/2022</a:t>
+              <a:t>10/25/2022</a:t>
             </a:fld>
             <a:endParaRPr lang="en-US"/>
           </a:p>
@@ -924,7 +926,7 @@
             <a:fld id="{87DE6118-2437-4B30-8E3C-4D2BE6020583}" type="datetimeFigureOut">
               <a:rPr lang="en-US" smtClean="0"/>
               <a:pPr/>
-              <a:t>10/7/2022</a:t>
+              <a:t>10/25/2022</a:t>
             </a:fld>
             <a:endParaRPr lang="en-US"/>
           </a:p>
@@ -1136,7 +1138,7 @@
           <a:p>
             <a:fld id="{87DE6118-2437-4B30-8E3C-4D2BE6020583}" type="datetimeFigureOut">
               <a:rPr lang="en-US" smtClean="0"/>
-              <a:t>10/7/2022</a:t>
+              <a:t>10/25/2022</a:t>
             </a:fld>
             <a:endParaRPr lang="en-US"/>
           </a:p>
@@ -1416,7 +1418,7 @@
             <a:fld id="{87DE6118-2437-4B30-8E3C-4D2BE6020583}" type="datetimeFigureOut">
               <a:rPr lang="en-US" smtClean="0"/>
               <a:pPr/>
-              <a:t>10/7/2022</a:t>
+              <a:t>10/25/2022</a:t>
             </a:fld>
             <a:endParaRPr lang="en-US"/>
           </a:p>
@@ -1685,7 +1687,7 @@
           <a:p>
             <a:fld id="{87DE6118-2437-4B30-8E3C-4D2BE6020583}" type="datetimeFigureOut">
               <a:rPr lang="en-US" smtClean="0"/>
-              <a:t>10/7/2022</a:t>
+              <a:t>10/25/2022</a:t>
             </a:fld>
             <a:endParaRPr lang="en-US"/>
           </a:p>
@@ -2101,7 +2103,7 @@
           <a:p>
             <a:fld id="{87DE6118-2437-4B30-8E3C-4D2BE6020583}" type="datetimeFigureOut">
               <a:rPr lang="en-US" smtClean="0"/>
-              <a:t>10/7/2022</a:t>
+              <a:t>10/25/2022</a:t>
             </a:fld>
             <a:endParaRPr lang="en-US"/>
           </a:p>
@@ -2250,7 +2252,7 @@
           <a:p>
             <a:fld id="{87DE6118-2437-4B30-8E3C-4D2BE6020583}" type="datetimeFigureOut">
               <a:rPr lang="en-US" smtClean="0"/>
-              <a:t>10/7/2022</a:t>
+              <a:t>10/25/2022</a:t>
             </a:fld>
             <a:endParaRPr lang="en-US"/>
           </a:p>
@@ -2376,7 +2378,7 @@
           <a:p>
             <a:fld id="{87DE6118-2437-4B30-8E3C-4D2BE6020583}" type="datetimeFigureOut">
               <a:rPr lang="en-US" smtClean="0"/>
-              <a:t>10/7/2022</a:t>
+              <a:t>10/25/2022</a:t>
             </a:fld>
             <a:endParaRPr lang="en-US"/>
           </a:p>
@@ -2628,7 +2630,7 @@
             <a:fld id="{87DE6118-2437-4B30-8E3C-4D2BE6020583}" type="datetimeFigureOut">
               <a:rPr lang="en-US" smtClean="0"/>
               <a:pPr/>
-              <a:t>10/7/2022</a:t>
+              <a:t>10/25/2022</a:t>
             </a:fld>
             <a:endParaRPr lang="en-US"/>
           </a:p>
@@ -2848,7 +2850,7 @@
           <a:p>
             <a:fld id="{87DE6118-2437-4B30-8E3C-4D2BE6020583}" type="datetimeFigureOut">
               <a:rPr lang="en-US" smtClean="0"/>
-              <a:t>10/7/2022</a:t>
+              <a:t>10/25/2022</a:t>
             </a:fld>
             <a:endParaRPr lang="en-US"/>
           </a:p>
@@ -3274,7 +3276,7 @@
             <a:fld id="{87DE6118-2437-4B30-8E3C-4D2BE6020583}" type="datetimeFigureOut">
               <a:rPr lang="en-US" smtClean="0"/>
               <a:pPr/>
-              <a:t>10/7/2022</a:t>
+              <a:t>10/25/2022</a:t>
             </a:fld>
             <a:endParaRPr lang="en-US"/>
           </a:p>
@@ -3481,7 +3483,7 @@
           <a:p>
             <a:fld id="{87DE6118-2437-4B30-8E3C-4D2BE6020583}" type="datetimeFigureOut">
               <a:rPr lang="en-US" smtClean="0"/>
-              <a:t>10/7/2022</a:t>
+              <a:t>10/25/2022</a:t>
             </a:fld>
             <a:endParaRPr lang="en-US"/>
           </a:p>
@@ -3696,7 +3698,7 @@
           <a:p>
             <a:fld id="{87DE6118-2437-4B30-8E3C-4D2BE6020583}" type="datetimeFigureOut">
               <a:rPr lang="en-US" smtClean="0"/>
-              <a:t>10/7/2022</a:t>
+              <a:t>10/25/2022</a:t>
             </a:fld>
             <a:endParaRPr lang="en-US"/>
           </a:p>
@@ -3938,7 +3940,7 @@
             <a:fld id="{87DE6118-2437-4B30-8E3C-4D2BE6020583}" type="datetimeFigureOut">
               <a:rPr lang="en-US" smtClean="0"/>
               <a:pPr/>
-              <a:t>10/7/2022</a:t>
+              <a:t>10/25/2022</a:t>
             </a:fld>
             <a:endParaRPr lang="en-US"/>
           </a:p>
@@ -4139,7 +4141,7 @@
           <a:p>
             <a:fld id="{87DE6118-2437-4B30-8E3C-4D2BE6020583}" type="datetimeFigureOut">
               <a:rPr lang="en-US" smtClean="0"/>
-              <a:t>10/7/2022</a:t>
+              <a:t>10/25/2022</a:t>
             </a:fld>
             <a:endParaRPr lang="en-US"/>
           </a:p>
@@ -4416,7 +4418,7 @@
             <a:fld id="{87DE6118-2437-4B30-8E3C-4D2BE6020583}" type="datetimeFigureOut">
               <a:rPr lang="en-US" smtClean="0"/>
               <a:pPr/>
-              <a:t>10/7/2022</a:t>
+              <a:t>10/25/2022</a:t>
             </a:fld>
             <a:endParaRPr lang="en-US"/>
           </a:p>
@@ -4685,7 +4687,7 @@
           <a:p>
             <a:fld id="{87DE6118-2437-4B30-8E3C-4D2BE6020583}" type="datetimeFigureOut">
               <a:rPr lang="en-US" smtClean="0"/>
-              <a:t>10/7/2022</a:t>
+              <a:t>10/25/2022</a:t>
             </a:fld>
             <a:endParaRPr lang="en-US"/>
           </a:p>
@@ -5100,7 +5102,7 @@
           <a:p>
             <a:fld id="{87DE6118-2437-4B30-8E3C-4D2BE6020583}" type="datetimeFigureOut">
               <a:rPr lang="en-US" smtClean="0"/>
-              <a:t>10/7/2022</a:t>
+              <a:t>10/25/2022</a:t>
             </a:fld>
             <a:endParaRPr lang="en-US"/>
           </a:p>
@@ -5242,7 +5244,7 @@
           <a:p>
             <a:fld id="{87DE6118-2437-4B30-8E3C-4D2BE6020583}" type="datetimeFigureOut">
               <a:rPr lang="en-US" smtClean="0"/>
-              <a:t>10/7/2022</a:t>
+              <a:t>10/25/2022</a:t>
             </a:fld>
             <a:endParaRPr lang="en-US"/>
           </a:p>
@@ -5355,7 +5357,7 @@
           <a:p>
             <a:fld id="{87DE6118-2437-4B30-8E3C-4D2BE6020583}" type="datetimeFigureOut">
               <a:rPr lang="en-US" smtClean="0"/>
-              <a:t>10/7/2022</a:t>
+              <a:t>10/25/2022</a:t>
             </a:fld>
             <a:endParaRPr lang="en-US"/>
           </a:p>
@@ -5632,7 +5634,7 @@
             <a:fld id="{87DE6118-2437-4B30-8E3C-4D2BE6020583}" type="datetimeFigureOut">
               <a:rPr lang="en-US" smtClean="0"/>
               <a:pPr/>
-              <a:t>10/7/2022</a:t>
+              <a:t>10/25/2022</a:t>
             </a:fld>
             <a:endParaRPr lang="en-US"/>
           </a:p>
@@ -5947,7 +5949,7 @@
             <a:fld id="{87DE6118-2437-4B30-8E3C-4D2BE6020583}" type="datetimeFigureOut">
               <a:rPr lang="en-US" smtClean="0"/>
               <a:pPr/>
-              <a:t>10/7/2022</a:t>
+              <a:t>10/25/2022</a:t>
             </a:fld>
             <a:endParaRPr lang="en-US"/>
           </a:p>
@@ -6238,7 +6240,7 @@
             <a:fld id="{87DE6118-2437-4B30-8E3C-4D2BE6020583}" type="datetimeFigureOut">
               <a:rPr lang="en-US" smtClean="0"/>
               <a:pPr/>
-              <a:t>10/7/2022</a:t>
+              <a:t>10/25/2022</a:t>
             </a:fld>
             <a:endParaRPr lang="en-US"/>
           </a:p>
@@ -6439,7 +6441,7 @@
           <a:p>
             <a:fld id="{87DE6118-2437-4B30-8E3C-4D2BE6020583}" type="datetimeFigureOut">
               <a:rPr lang="en-US" smtClean="0"/>
-              <a:t>10/7/2022</a:t>
+              <a:t>10/25/2022</a:t>
             </a:fld>
             <a:endParaRPr lang="en-US"/>
           </a:p>
@@ -6649,7 +6651,7 @@
           <a:p>
             <a:fld id="{87DE6118-2437-4B30-8E3C-4D2BE6020583}" type="datetimeFigureOut">
               <a:rPr lang="en-US" smtClean="0"/>
-              <a:t>10/7/2022</a:t>
+              <a:t>10/25/2022</a:t>
             </a:fld>
             <a:endParaRPr lang="en-US"/>
           </a:p>
@@ -6917,7 +6919,7 @@
           <a:p>
             <a:fld id="{87DE6118-2437-4B30-8E3C-4D2BE6020583}" type="datetimeFigureOut">
               <a:rPr lang="en-US" smtClean="0"/>
-              <a:t>10/7/2022</a:t>
+              <a:t>10/25/2022</a:t>
             </a:fld>
             <a:endParaRPr lang="en-US"/>
           </a:p>
@@ -7332,7 +7334,7 @@
           <a:p>
             <a:fld id="{87DE6118-2437-4B30-8E3C-4D2BE6020583}" type="datetimeFigureOut">
               <a:rPr lang="en-US" smtClean="0"/>
-              <a:t>10/7/2022</a:t>
+              <a:t>10/25/2022</a:t>
             </a:fld>
             <a:endParaRPr lang="en-US"/>
           </a:p>
@@ -7474,7 +7476,7 @@
           <a:p>
             <a:fld id="{87DE6118-2437-4B30-8E3C-4D2BE6020583}" type="datetimeFigureOut">
               <a:rPr lang="en-US" smtClean="0"/>
-              <a:t>10/7/2022</a:t>
+              <a:t>10/25/2022</a:t>
             </a:fld>
             <a:endParaRPr lang="en-US"/>
           </a:p>
@@ -7587,7 +7589,7 @@
           <a:p>
             <a:fld id="{87DE6118-2437-4B30-8E3C-4D2BE6020583}" type="datetimeFigureOut">
               <a:rPr lang="en-US" smtClean="0"/>
-              <a:t>10/7/2022</a:t>
+              <a:t>10/25/2022</a:t>
             </a:fld>
             <a:endParaRPr lang="en-US"/>
           </a:p>
@@ -7901,7 +7903,7 @@
             <a:fld id="{87DE6118-2437-4B30-8E3C-4D2BE6020583}" type="datetimeFigureOut">
               <a:rPr lang="en-US" smtClean="0"/>
               <a:pPr/>
-              <a:t>10/7/2022</a:t>
+              <a:t>10/25/2022</a:t>
             </a:fld>
             <a:endParaRPr lang="en-US"/>
           </a:p>
@@ -8192,7 +8194,7 @@
             <a:fld id="{87DE6118-2437-4B30-8E3C-4D2BE6020583}" type="datetimeFigureOut">
               <a:rPr lang="en-US" smtClean="0"/>
               <a:pPr/>
-              <a:t>10/7/2022</a:t>
+              <a:t>10/25/2022</a:t>
             </a:fld>
             <a:endParaRPr lang="en-US"/>
           </a:p>
@@ -8437,7 +8439,7 @@
             <a:fld id="{87DE6118-2437-4B30-8E3C-4D2BE6020583}" type="datetimeFigureOut">
               <a:rPr lang="en-US" smtClean="0"/>
               <a:pPr/>
-              <a:t>10/7/2022</a:t>
+              <a:t>10/25/2022</a:t>
             </a:fld>
             <a:endParaRPr lang="en-US"/>
           </a:p>
@@ -9074,7 +9076,7 @@
             <a:fld id="{87DE6118-2437-4B30-8E3C-4D2BE6020583}" type="datetimeFigureOut">
               <a:rPr lang="en-US" smtClean="0"/>
               <a:pPr/>
-              <a:t>10/7/2022</a:t>
+              <a:t>10/25/2022</a:t>
             </a:fld>
             <a:endParaRPr lang="en-US"/>
           </a:p>
@@ -9720,7 +9722,7 @@
             <a:fld id="{87DE6118-2437-4B30-8E3C-4D2BE6020583}" type="datetimeFigureOut">
               <a:rPr lang="en-US" smtClean="0"/>
               <a:pPr/>
-              <a:t>10/7/2022</a:t>
+              <a:t>10/25/2022</a:t>
             </a:fld>
             <a:endParaRPr lang="en-US"/>
           </a:p>
@@ -43133,6 +43135,1992 @@
 </p:sld>
 </file>
 
+<file path=ppt/slides/slide38.xml><?xml version="1.0" encoding="utf-8"?>
+<p:sld xmlns:a="http://schemas.openxmlformats.org/drawingml/2006/main" xmlns:r="http://schemas.openxmlformats.org/officeDocument/2006/relationships" xmlns:p="http://schemas.openxmlformats.org/presentationml/2006/main">
+  <p:cSld>
+    <p:bg>
+      <p:bgPr>
+        <a:pattFill prst="lgGrid">
+          <a:fgClr>
+            <a:schemeClr val="accent1">
+              <a:lumMod val="20000"/>
+              <a:lumOff val="80000"/>
+            </a:schemeClr>
+          </a:fgClr>
+          <a:bgClr>
+            <a:schemeClr val="bg1"/>
+          </a:bgClr>
+        </a:pattFill>
+        <a:effectLst/>
+      </p:bgPr>
+    </p:bg>
+    <p:spTree>
+      <p:nvGrpSpPr>
+        <p:cNvPr id="1" name=""/>
+        <p:cNvGrpSpPr/>
+        <p:nvPr/>
+      </p:nvGrpSpPr>
+      <p:grpSpPr>
+        <a:xfrm>
+          <a:off x="0" y="0"/>
+          <a:ext cx="0" cy="0"/>
+          <a:chOff x="0" y="0"/>
+          <a:chExt cx="0" cy="0"/>
+        </a:xfrm>
+      </p:grpSpPr>
+      <p:sp>
+        <p:nvSpPr>
+          <p:cNvPr id="2" name="TextBox 1">
+            <a:extLst>
+              <a:ext uri="{FF2B5EF4-FFF2-40B4-BE49-F238E27FC236}">
+                <a16:creationId xmlns:a16="http://schemas.microsoft.com/office/drawing/2014/main" id="{86C9AFD7-88BD-4B51-8EFB-AB701BE3009C}"/>
+              </a:ext>
+            </a:extLst>
+          </p:cNvPr>
+          <p:cNvSpPr txBox="1"/>
+          <p:nvPr/>
+        </p:nvSpPr>
+        <p:spPr>
+          <a:xfrm>
+            <a:off x="4036237" y="302003"/>
+            <a:ext cx="4119526" cy="369332"/>
+          </a:xfrm>
+          <a:prstGeom prst="rect">
+            <a:avLst/>
+          </a:prstGeom>
+        </p:spPr>
+        <p:style>
+          <a:lnRef idx="2">
+            <a:schemeClr val="accent1">
+              <a:shade val="50000"/>
+            </a:schemeClr>
+          </a:lnRef>
+          <a:fillRef idx="1">
+            <a:schemeClr val="accent1"/>
+          </a:fillRef>
+          <a:effectRef idx="0">
+            <a:schemeClr val="accent1"/>
+          </a:effectRef>
+          <a:fontRef idx="minor">
+            <a:schemeClr val="lt1"/>
+          </a:fontRef>
+        </p:style>
+        <p:txBody>
+          <a:bodyPr wrap="none" rtlCol="0">
+            <a:spAutoFit/>
+          </a:bodyPr>
+          <a:lstStyle/>
+          <a:p>
+            <a:r>
+              <a:rPr lang="en-US"/>
+              <a:t>Componenta livewire pentru lista suitelor </a:t>
+            </a:r>
+          </a:p>
+        </p:txBody>
+      </p:sp>
+      <p:sp>
+        <p:nvSpPr>
+          <p:cNvPr id="3" name="TextBox 2">
+            <a:extLst>
+              <a:ext uri="{FF2B5EF4-FFF2-40B4-BE49-F238E27FC236}">
+                <a16:creationId xmlns:a16="http://schemas.microsoft.com/office/drawing/2014/main" id="{D26BA522-D5B0-45B1-A5A6-331C7B4C283F}"/>
+              </a:ext>
+            </a:extLst>
+          </p:cNvPr>
+          <p:cNvSpPr txBox="1"/>
+          <p:nvPr/>
+        </p:nvSpPr>
+        <p:spPr>
+          <a:xfrm>
+            <a:off x="373599" y="914400"/>
+            <a:ext cx="10112640" cy="1200329"/>
+          </a:xfrm>
+          <a:prstGeom prst="rect">
+            <a:avLst/>
+          </a:prstGeom>
+        </p:spPr>
+        <p:style>
+          <a:lnRef idx="2">
+            <a:schemeClr val="dk1"/>
+          </a:lnRef>
+          <a:fillRef idx="1">
+            <a:schemeClr val="lt1"/>
+          </a:fillRef>
+          <a:effectRef idx="0">
+            <a:schemeClr val="dk1"/>
+          </a:effectRef>
+          <a:fontRef idx="minor">
+            <a:schemeClr val="dk1"/>
+          </a:fontRef>
+        </p:style>
+        <p:txBody>
+          <a:bodyPr wrap="square" rtlCol="0">
+            <a:spAutoFit/>
+          </a:bodyPr>
+          <a:lstStyle/>
+          <a:p>
+            <a:pPr marL="342900" indent="-342900">
+              <a:buAutoNum type="arabicPeriod"/>
+            </a:pPr>
+            <a:r>
+              <a:rPr lang="en-US"/>
+              <a:t>Seeder pentru generarea de date test – vom crea pentur fiecare sectiune intre 20 si 30 de suite</a:t>
+            </a:r>
+          </a:p>
+          <a:p>
+            <a:pPr marL="342900" indent="-342900">
+              <a:buAutoNum type="arabicPeriod"/>
+            </a:pPr>
+            <a:r>
+              <a:rPr lang="en-US"/>
+              <a:t>Posibilitatea de a filtra dupa Brand (brand_id)</a:t>
+            </a:r>
+          </a:p>
+          <a:p>
+            <a:pPr marL="342900" indent="-342900">
+              <a:buAutoNum type="arabicPeriod"/>
+            </a:pPr>
+            <a:r>
+              <a:rPr lang="en-US"/>
+              <a:t>Posibilitatea de a filtra dupa Sectiune (section_id)</a:t>
+            </a:r>
+          </a:p>
+          <a:p>
+            <a:pPr marL="342900" indent="-342900">
+              <a:buAutoNum type="arabicPeriod"/>
+            </a:pPr>
+            <a:r>
+              <a:rPr lang="en-US"/>
+              <a:t>Posibilitatea de a cauta dupa nume</a:t>
+            </a:r>
+          </a:p>
+        </p:txBody>
+      </p:sp>
+      <p:sp>
+        <p:nvSpPr>
+          <p:cNvPr id="4" name="TextBox 3">
+            <a:extLst>
+              <a:ext uri="{FF2B5EF4-FFF2-40B4-BE49-F238E27FC236}">
+                <a16:creationId xmlns:a16="http://schemas.microsoft.com/office/drawing/2014/main" id="{AB8E8ED0-566A-4939-907D-498195C3651F}"/>
+              </a:ext>
+            </a:extLst>
+          </p:cNvPr>
+          <p:cNvSpPr txBox="1"/>
+          <p:nvPr/>
+        </p:nvSpPr>
+        <p:spPr>
+          <a:xfrm>
+            <a:off x="654342" y="2835479"/>
+            <a:ext cx="9831898" cy="1754326"/>
+          </a:xfrm>
+          <a:prstGeom prst="rect">
+            <a:avLst/>
+          </a:prstGeom>
+          <a:noFill/>
+        </p:spPr>
+        <p:txBody>
+          <a:bodyPr wrap="square" rtlCol="0">
+            <a:spAutoFit/>
+          </a:bodyPr>
+          <a:lstStyle/>
+          <a:p>
+            <a:pPr marL="342900" indent="-342900">
+              <a:buAutoNum type="arabicPeriod"/>
+            </a:pPr>
+            <a:r>
+              <a:rPr lang="en-US"/>
+              <a:t>Seeder</a:t>
+            </a:r>
+          </a:p>
+          <a:p>
+            <a:pPr marL="800100" lvl="1" indent="-342900">
+              <a:buFont typeface="+mj-lt"/>
+              <a:buAutoNum type="alphaLcParenR"/>
+            </a:pPr>
+            <a:r>
+              <a:rPr lang="en-US"/>
+              <a:t>Factory pentru suite de produse: vom crea cu factory produse cu </a:t>
+            </a:r>
+            <a:r>
+              <a:rPr lang="en-US">
+                <a:solidFill>
+                  <a:srgbClr val="C00000"/>
+                </a:solidFill>
+              </a:rPr>
+              <a:t>brand_id </a:t>
+            </a:r>
+            <a:r>
+              <a:rPr lang="en-US"/>
+              <a:t>random</a:t>
+            </a:r>
+          </a:p>
+          <a:p>
+            <a:pPr lvl="1"/>
+            <a:r>
+              <a:rPr lang="en-US"/>
+              <a:t>	</a:t>
+            </a:r>
+            <a:r>
+              <a:rPr lang="en-US" b="0">
+                <a:solidFill>
+                  <a:srgbClr val="F9E7C4"/>
+                </a:solidFill>
+                <a:effectLst/>
+                <a:latin typeface="Consolas" panose="020B0609020204030204" pitchFamily="49" charset="0"/>
+              </a:rPr>
+              <a:t> </a:t>
+            </a:r>
+            <a:r>
+              <a:rPr lang="en-US" b="0">
+                <a:solidFill>
+                  <a:srgbClr val="81755D"/>
+                </a:solidFill>
+                <a:effectLst/>
+                <a:latin typeface="Consolas" panose="020B0609020204030204" pitchFamily="49" charset="0"/>
+              </a:rPr>
+              <a:t>$</a:t>
+            </a:r>
+            <a:r>
+              <a:rPr lang="en-US" b="0">
+                <a:solidFill>
+                  <a:schemeClr val="accent5">
+                    <a:lumMod val="50000"/>
+                  </a:schemeClr>
+                </a:solidFill>
+                <a:effectLst/>
+                <a:latin typeface="Consolas" panose="020B0609020204030204" pitchFamily="49" charset="0"/>
+              </a:rPr>
+              <a:t>brand</a:t>
+            </a:r>
+            <a:r>
+              <a:rPr lang="en-US" b="0">
+                <a:solidFill>
+                  <a:srgbClr val="F9E7C4"/>
+                </a:solidFill>
+                <a:effectLst/>
+                <a:latin typeface="Consolas" panose="020B0609020204030204" pitchFamily="49" charset="0"/>
+              </a:rPr>
+              <a:t> </a:t>
+            </a:r>
+            <a:r>
+              <a:rPr lang="en-US" b="0">
+                <a:solidFill>
+                  <a:srgbClr val="B294BB"/>
+                </a:solidFill>
+                <a:effectLst/>
+                <a:latin typeface="Consolas" panose="020B0609020204030204" pitchFamily="49" charset="0"/>
+              </a:rPr>
+              <a:t>=</a:t>
+            </a:r>
+            <a:r>
+              <a:rPr lang="en-US" b="0">
+                <a:solidFill>
+                  <a:srgbClr val="F9E7C4"/>
+                </a:solidFill>
+                <a:effectLst/>
+                <a:latin typeface="Consolas" panose="020B0609020204030204" pitchFamily="49" charset="0"/>
+              </a:rPr>
+              <a:t> </a:t>
+            </a:r>
+            <a:r>
+              <a:rPr lang="en-US" b="0">
+                <a:solidFill>
+                  <a:schemeClr val="accent1">
+                    <a:lumMod val="60000"/>
+                    <a:lumOff val="40000"/>
+                  </a:schemeClr>
+                </a:solidFill>
+                <a:effectLst/>
+                <a:latin typeface="Consolas" panose="020B0609020204030204" pitchFamily="49" charset="0"/>
+              </a:rPr>
+              <a:t>Brand</a:t>
+            </a:r>
+            <a:r>
+              <a:rPr lang="en-US" b="0">
+                <a:solidFill>
+                  <a:srgbClr val="B294BB"/>
+                </a:solidFill>
+                <a:effectLst/>
+                <a:latin typeface="Consolas" panose="020B0609020204030204" pitchFamily="49" charset="0"/>
+              </a:rPr>
+              <a:t>::</a:t>
+            </a:r>
+            <a:r>
+              <a:rPr lang="en-US" b="0">
+                <a:solidFill>
+                  <a:srgbClr val="81A2BE"/>
+                </a:solidFill>
+                <a:effectLst/>
+                <a:latin typeface="Consolas" panose="020B0609020204030204" pitchFamily="49" charset="0"/>
+              </a:rPr>
+              <a:t>select</a:t>
+            </a:r>
+            <a:r>
+              <a:rPr lang="en-US" b="0">
+                <a:solidFill>
+                  <a:srgbClr val="81755D"/>
+                </a:solidFill>
+                <a:effectLst/>
+                <a:latin typeface="Consolas" panose="020B0609020204030204" pitchFamily="49" charset="0"/>
+              </a:rPr>
+              <a:t>('</a:t>
+            </a:r>
+            <a:r>
+              <a:rPr lang="en-US" b="0">
+                <a:solidFill>
+                  <a:srgbClr val="B5BD68"/>
+                </a:solidFill>
+                <a:effectLst/>
+                <a:latin typeface="Consolas" panose="020B0609020204030204" pitchFamily="49" charset="0"/>
+              </a:rPr>
+              <a:t>id</a:t>
+            </a:r>
+            <a:r>
+              <a:rPr lang="en-US" b="0">
+                <a:solidFill>
+                  <a:srgbClr val="81755D"/>
+                </a:solidFill>
+                <a:effectLst/>
+                <a:latin typeface="Consolas" panose="020B0609020204030204" pitchFamily="49" charset="0"/>
+              </a:rPr>
+              <a:t>')</a:t>
+            </a:r>
+            <a:r>
+              <a:rPr lang="en-US" b="0">
+                <a:solidFill>
+                  <a:srgbClr val="B294BB"/>
+                </a:solidFill>
+                <a:effectLst/>
+                <a:latin typeface="Consolas" panose="020B0609020204030204" pitchFamily="49" charset="0"/>
+              </a:rPr>
+              <a:t>-&gt;</a:t>
+            </a:r>
+            <a:r>
+              <a:rPr lang="en-US" b="0">
+                <a:solidFill>
+                  <a:srgbClr val="81A2BE"/>
+                </a:solidFill>
+                <a:effectLst/>
+                <a:latin typeface="Consolas" panose="020B0609020204030204" pitchFamily="49" charset="0"/>
+              </a:rPr>
+              <a:t>get</a:t>
+            </a:r>
+            <a:r>
+              <a:rPr lang="en-US" b="0">
+                <a:solidFill>
+                  <a:srgbClr val="81755D"/>
+                </a:solidFill>
+                <a:effectLst/>
+                <a:latin typeface="Consolas" panose="020B0609020204030204" pitchFamily="49" charset="0"/>
+              </a:rPr>
+              <a:t>()</a:t>
+            </a:r>
+            <a:r>
+              <a:rPr lang="en-US" b="0">
+                <a:solidFill>
+                  <a:srgbClr val="B294BB"/>
+                </a:solidFill>
+                <a:effectLst/>
+                <a:latin typeface="Consolas" panose="020B0609020204030204" pitchFamily="49" charset="0"/>
+              </a:rPr>
+              <a:t>-&gt;</a:t>
+            </a:r>
+            <a:r>
+              <a:rPr lang="en-US" b="0">
+                <a:solidFill>
+                  <a:srgbClr val="81A2BE"/>
+                </a:solidFill>
+                <a:effectLst/>
+                <a:latin typeface="Consolas" panose="020B0609020204030204" pitchFamily="49" charset="0"/>
+              </a:rPr>
+              <a:t>random</a:t>
+            </a:r>
+            <a:r>
+              <a:rPr lang="en-US" b="0">
+                <a:solidFill>
+                  <a:srgbClr val="81755D"/>
+                </a:solidFill>
+                <a:effectLst/>
+                <a:latin typeface="Consolas" panose="020B0609020204030204" pitchFamily="49" charset="0"/>
+              </a:rPr>
+              <a:t>();</a:t>
+            </a:r>
+          </a:p>
+          <a:p>
+            <a:pPr lvl="1"/>
+            <a:r>
+              <a:rPr lang="en-US" b="0">
+                <a:effectLst/>
+                <a:latin typeface="Consolas" panose="020B0609020204030204" pitchFamily="49" charset="0"/>
+              </a:rPr>
+              <a:t>b) In seeder vom itera printre sectiuni si pentru fiecare sectiune vom salva mai multe suite cu functia </a:t>
+            </a:r>
+            <a:r>
+              <a:rPr lang="en-US" b="0">
+                <a:solidFill>
+                  <a:srgbClr val="C00000"/>
+                </a:solidFill>
+                <a:effectLst/>
+                <a:latin typeface="Consolas" panose="020B0609020204030204" pitchFamily="49" charset="0"/>
+              </a:rPr>
+              <a:t>saveMany()</a:t>
+            </a:r>
+          </a:p>
+          <a:p>
+            <a:pPr lvl="1"/>
+            <a:endParaRPr lang="en-US"/>
+          </a:p>
+        </p:txBody>
+      </p:sp>
+    </p:spTree>
+    <p:extLst>
+      <p:ext uri="{BB962C8B-B14F-4D97-AF65-F5344CB8AC3E}">
+        <p14:creationId xmlns:p14="http://schemas.microsoft.com/office/powerpoint/2010/main" val="3605805035"/>
+      </p:ext>
+    </p:extLst>
+  </p:cSld>
+  <p:clrMapOvr>
+    <a:masterClrMapping/>
+  </p:clrMapOvr>
+</p:sld>
+</file>
+
+<file path=ppt/slides/slide39.xml><?xml version="1.0" encoding="utf-8"?>
+<p:sld xmlns:a="http://schemas.openxmlformats.org/drawingml/2006/main" xmlns:r="http://schemas.openxmlformats.org/officeDocument/2006/relationships" xmlns:p="http://schemas.openxmlformats.org/presentationml/2006/main">
+  <p:cSld>
+    <p:spTree>
+      <p:nvGrpSpPr>
+        <p:cNvPr id="1" name=""/>
+        <p:cNvGrpSpPr/>
+        <p:nvPr/>
+      </p:nvGrpSpPr>
+      <p:grpSpPr>
+        <a:xfrm>
+          <a:off x="0" y="0"/>
+          <a:ext cx="0" cy="0"/>
+          <a:chOff x="0" y="0"/>
+          <a:chExt cx="0" cy="0"/>
+        </a:xfrm>
+      </p:grpSpPr>
+      <p:sp>
+        <p:nvSpPr>
+          <p:cNvPr id="2" name="TextBox 1">
+            <a:extLst>
+              <a:ext uri="{FF2B5EF4-FFF2-40B4-BE49-F238E27FC236}">
+                <a16:creationId xmlns:a16="http://schemas.microsoft.com/office/drawing/2014/main" id="{67443184-627F-46A3-8215-2C56210F4BE5}"/>
+              </a:ext>
+            </a:extLst>
+          </p:cNvPr>
+          <p:cNvSpPr txBox="1"/>
+          <p:nvPr/>
+        </p:nvSpPr>
+        <p:spPr>
+          <a:xfrm>
+            <a:off x="1400961" y="1107347"/>
+            <a:ext cx="1047082" cy="369332"/>
+          </a:xfrm>
+          <a:prstGeom prst="rect">
+            <a:avLst/>
+          </a:prstGeom>
+        </p:spPr>
+        <p:style>
+          <a:lnRef idx="2">
+            <a:schemeClr val="accent1">
+              <a:shade val="50000"/>
+            </a:schemeClr>
+          </a:lnRef>
+          <a:fillRef idx="1">
+            <a:schemeClr val="accent1"/>
+          </a:fillRef>
+          <a:effectRef idx="0">
+            <a:schemeClr val="accent1"/>
+          </a:effectRef>
+          <a:fontRef idx="minor">
+            <a:schemeClr val="lt1"/>
+          </a:fontRef>
+        </p:style>
+        <p:txBody>
+          <a:bodyPr wrap="none" rtlCol="0">
+            <a:spAutoFit/>
+          </a:bodyPr>
+          <a:lstStyle/>
+          <a:p>
+            <a:r>
+              <a:rPr lang="en-US"/>
+              <a:t>Section 1</a:t>
+            </a:r>
+          </a:p>
+        </p:txBody>
+      </p:sp>
+      <p:sp>
+        <p:nvSpPr>
+          <p:cNvPr id="3" name="TextBox 2">
+            <a:extLst>
+              <a:ext uri="{FF2B5EF4-FFF2-40B4-BE49-F238E27FC236}">
+                <a16:creationId xmlns:a16="http://schemas.microsoft.com/office/drawing/2014/main" id="{BD8546A8-B927-4341-A553-F7A27A83973F}"/>
+              </a:ext>
+            </a:extLst>
+          </p:cNvPr>
+          <p:cNvSpPr txBox="1"/>
+          <p:nvPr/>
+        </p:nvSpPr>
+        <p:spPr>
+          <a:xfrm>
+            <a:off x="5722689" y="1107347"/>
+            <a:ext cx="1047082" cy="369332"/>
+          </a:xfrm>
+          <a:prstGeom prst="rect">
+            <a:avLst/>
+          </a:prstGeom>
+        </p:spPr>
+        <p:style>
+          <a:lnRef idx="2">
+            <a:schemeClr val="accent1">
+              <a:shade val="50000"/>
+            </a:schemeClr>
+          </a:lnRef>
+          <a:fillRef idx="1">
+            <a:schemeClr val="accent1"/>
+          </a:fillRef>
+          <a:effectRef idx="0">
+            <a:schemeClr val="accent1"/>
+          </a:effectRef>
+          <a:fontRef idx="minor">
+            <a:schemeClr val="lt1"/>
+          </a:fontRef>
+        </p:style>
+        <p:txBody>
+          <a:bodyPr wrap="none" rtlCol="0">
+            <a:spAutoFit/>
+          </a:bodyPr>
+          <a:lstStyle/>
+          <a:p>
+            <a:r>
+              <a:rPr lang="en-US"/>
+              <a:t>Section 2</a:t>
+            </a:r>
+          </a:p>
+        </p:txBody>
+      </p:sp>
+      <p:sp>
+        <p:nvSpPr>
+          <p:cNvPr id="4" name="TextBox 3">
+            <a:extLst>
+              <a:ext uri="{FF2B5EF4-FFF2-40B4-BE49-F238E27FC236}">
+                <a16:creationId xmlns:a16="http://schemas.microsoft.com/office/drawing/2014/main" id="{4B6300BE-7AD7-41FA-BD1C-7CEAAA4A3CE3}"/>
+              </a:ext>
+            </a:extLst>
+          </p:cNvPr>
+          <p:cNvSpPr txBox="1"/>
+          <p:nvPr/>
+        </p:nvSpPr>
+        <p:spPr>
+          <a:xfrm>
+            <a:off x="10044417" y="1107347"/>
+            <a:ext cx="1051891" cy="369332"/>
+          </a:xfrm>
+          <a:prstGeom prst="rect">
+            <a:avLst/>
+          </a:prstGeom>
+        </p:spPr>
+        <p:style>
+          <a:lnRef idx="2">
+            <a:schemeClr val="accent1">
+              <a:shade val="50000"/>
+            </a:schemeClr>
+          </a:lnRef>
+          <a:fillRef idx="1">
+            <a:schemeClr val="accent1"/>
+          </a:fillRef>
+          <a:effectRef idx="0">
+            <a:schemeClr val="accent1"/>
+          </a:effectRef>
+          <a:fontRef idx="minor">
+            <a:schemeClr val="lt1"/>
+          </a:fontRef>
+        </p:style>
+        <p:txBody>
+          <a:bodyPr wrap="none" rtlCol="0">
+            <a:spAutoFit/>
+          </a:bodyPr>
+          <a:lstStyle/>
+          <a:p>
+            <a:r>
+              <a:rPr lang="en-US"/>
+              <a:t>Section n</a:t>
+            </a:r>
+          </a:p>
+        </p:txBody>
+      </p:sp>
+      <p:grpSp>
+        <p:nvGrpSpPr>
+          <p:cNvPr id="9" name="Group 8">
+            <a:extLst>
+              <a:ext uri="{FF2B5EF4-FFF2-40B4-BE49-F238E27FC236}">
+                <a16:creationId xmlns:a16="http://schemas.microsoft.com/office/drawing/2014/main" id="{F6EC1F10-C737-46C5-87E1-B8EA3AAD6E54}"/>
+              </a:ext>
+            </a:extLst>
+          </p:cNvPr>
+          <p:cNvGrpSpPr/>
+          <p:nvPr/>
+        </p:nvGrpSpPr>
+        <p:grpSpPr>
+          <a:xfrm>
+            <a:off x="713065" y="2164278"/>
+            <a:ext cx="2777582" cy="281357"/>
+            <a:chOff x="713065" y="1870663"/>
+            <a:chExt cx="2777582" cy="281357"/>
+          </a:xfrm>
+        </p:grpSpPr>
+        <p:sp>
+          <p:nvSpPr>
+            <p:cNvPr id="5" name="TextBox 4">
+              <a:extLst>
+                <a:ext uri="{FF2B5EF4-FFF2-40B4-BE49-F238E27FC236}">
+                  <a16:creationId xmlns:a16="http://schemas.microsoft.com/office/drawing/2014/main" id="{0DE5F7D9-2850-424B-9621-D20952534513}"/>
+                </a:ext>
+              </a:extLst>
+            </p:cNvPr>
+            <p:cNvSpPr txBox="1"/>
+            <p:nvPr/>
+          </p:nvSpPr>
+          <p:spPr>
+            <a:xfrm>
+              <a:off x="713065" y="1870663"/>
+              <a:ext cx="796949" cy="276999"/>
+            </a:xfrm>
+            <a:prstGeom prst="rect">
+              <a:avLst/>
+            </a:prstGeom>
+          </p:spPr>
+          <p:style>
+            <a:lnRef idx="2">
+              <a:schemeClr val="accent2">
+                <a:shade val="50000"/>
+              </a:schemeClr>
+            </a:lnRef>
+            <a:fillRef idx="1">
+              <a:schemeClr val="accent2"/>
+            </a:fillRef>
+            <a:effectRef idx="0">
+              <a:schemeClr val="accent2"/>
+            </a:effectRef>
+            <a:fontRef idx="minor">
+              <a:schemeClr val="lt1"/>
+            </a:fontRef>
+          </p:style>
+          <p:txBody>
+            <a:bodyPr wrap="none" rtlCol="0">
+              <a:spAutoFit/>
+            </a:bodyPr>
+            <a:lstStyle/>
+            <a:p>
+              <a:r>
+                <a:rPr lang="en-US" sz="1200"/>
+                <a:t>Suite s1-1</a:t>
+              </a:r>
+            </a:p>
+          </p:txBody>
+        </p:sp>
+        <p:sp>
+          <p:nvSpPr>
+            <p:cNvPr id="6" name="TextBox 5">
+              <a:extLst>
+                <a:ext uri="{FF2B5EF4-FFF2-40B4-BE49-F238E27FC236}">
+                  <a16:creationId xmlns:a16="http://schemas.microsoft.com/office/drawing/2014/main" id="{AFB552B0-DED2-4B67-A787-72CBF5C0E1D7}"/>
+                </a:ext>
+              </a:extLst>
+            </p:cNvPr>
+            <p:cNvSpPr txBox="1"/>
+            <p:nvPr/>
+          </p:nvSpPr>
+          <p:spPr>
+            <a:xfrm>
+              <a:off x="1702580" y="1875021"/>
+              <a:ext cx="796949" cy="276999"/>
+            </a:xfrm>
+            <a:prstGeom prst="rect">
+              <a:avLst/>
+            </a:prstGeom>
+          </p:spPr>
+          <p:style>
+            <a:lnRef idx="2">
+              <a:schemeClr val="accent2">
+                <a:shade val="50000"/>
+              </a:schemeClr>
+            </a:lnRef>
+            <a:fillRef idx="1">
+              <a:schemeClr val="accent2"/>
+            </a:fillRef>
+            <a:effectRef idx="0">
+              <a:schemeClr val="accent2"/>
+            </a:effectRef>
+            <a:fontRef idx="minor">
+              <a:schemeClr val="lt1"/>
+            </a:fontRef>
+          </p:style>
+          <p:txBody>
+            <a:bodyPr wrap="none" rtlCol="0">
+              <a:spAutoFit/>
+            </a:bodyPr>
+            <a:lstStyle/>
+            <a:p>
+              <a:r>
+                <a:rPr lang="en-US" sz="1200"/>
+                <a:t>Suite s1-2</a:t>
+              </a:r>
+            </a:p>
+          </p:txBody>
+        </p:sp>
+        <p:sp>
+          <p:nvSpPr>
+            <p:cNvPr id="8" name="TextBox 7">
+              <a:extLst>
+                <a:ext uri="{FF2B5EF4-FFF2-40B4-BE49-F238E27FC236}">
+                  <a16:creationId xmlns:a16="http://schemas.microsoft.com/office/drawing/2014/main" id="{2ACE5B48-15DB-4B45-AF82-5C2454394357}"/>
+                </a:ext>
+              </a:extLst>
+            </p:cNvPr>
+            <p:cNvSpPr txBox="1"/>
+            <p:nvPr/>
+          </p:nvSpPr>
+          <p:spPr>
+            <a:xfrm>
+              <a:off x="2692095" y="1870664"/>
+              <a:ext cx="798552" cy="276999"/>
+            </a:xfrm>
+            <a:prstGeom prst="rect">
+              <a:avLst/>
+            </a:prstGeom>
+          </p:spPr>
+          <p:style>
+            <a:lnRef idx="2">
+              <a:schemeClr val="accent2">
+                <a:shade val="50000"/>
+              </a:schemeClr>
+            </a:lnRef>
+            <a:fillRef idx="1">
+              <a:schemeClr val="accent2"/>
+            </a:fillRef>
+            <a:effectRef idx="0">
+              <a:schemeClr val="accent2"/>
+            </a:effectRef>
+            <a:fontRef idx="minor">
+              <a:schemeClr val="lt1"/>
+            </a:fontRef>
+          </p:style>
+          <p:txBody>
+            <a:bodyPr wrap="none" rtlCol="0">
+              <a:spAutoFit/>
+            </a:bodyPr>
+            <a:lstStyle/>
+            <a:p>
+              <a:r>
+                <a:rPr lang="en-US" sz="1200"/>
+                <a:t>Suite s1-n</a:t>
+              </a:r>
+            </a:p>
+          </p:txBody>
+        </p:sp>
+      </p:grpSp>
+      <p:grpSp>
+        <p:nvGrpSpPr>
+          <p:cNvPr id="10" name="Group 9">
+            <a:extLst>
+              <a:ext uri="{FF2B5EF4-FFF2-40B4-BE49-F238E27FC236}">
+                <a16:creationId xmlns:a16="http://schemas.microsoft.com/office/drawing/2014/main" id="{2E71054F-BB22-4E2C-ABA8-6098D8801649}"/>
+              </a:ext>
+            </a:extLst>
+          </p:cNvPr>
+          <p:cNvGrpSpPr/>
+          <p:nvPr/>
+        </p:nvGrpSpPr>
+        <p:grpSpPr>
+          <a:xfrm>
+            <a:off x="4951731" y="2159920"/>
+            <a:ext cx="2777582" cy="281357"/>
+            <a:chOff x="713065" y="1870663"/>
+            <a:chExt cx="2777582" cy="281357"/>
+          </a:xfrm>
+        </p:grpSpPr>
+        <p:sp>
+          <p:nvSpPr>
+            <p:cNvPr id="11" name="TextBox 10">
+              <a:extLst>
+                <a:ext uri="{FF2B5EF4-FFF2-40B4-BE49-F238E27FC236}">
+                  <a16:creationId xmlns:a16="http://schemas.microsoft.com/office/drawing/2014/main" id="{2B3D7805-2180-4177-B1A2-C88C929BC826}"/>
+                </a:ext>
+              </a:extLst>
+            </p:cNvPr>
+            <p:cNvSpPr txBox="1"/>
+            <p:nvPr/>
+          </p:nvSpPr>
+          <p:spPr>
+            <a:xfrm>
+              <a:off x="713065" y="1870663"/>
+              <a:ext cx="796949" cy="276999"/>
+            </a:xfrm>
+            <a:prstGeom prst="rect">
+              <a:avLst/>
+            </a:prstGeom>
+          </p:spPr>
+          <p:style>
+            <a:lnRef idx="2">
+              <a:schemeClr val="accent2">
+                <a:shade val="50000"/>
+              </a:schemeClr>
+            </a:lnRef>
+            <a:fillRef idx="1">
+              <a:schemeClr val="accent2"/>
+            </a:fillRef>
+            <a:effectRef idx="0">
+              <a:schemeClr val="accent2"/>
+            </a:effectRef>
+            <a:fontRef idx="minor">
+              <a:schemeClr val="lt1"/>
+            </a:fontRef>
+          </p:style>
+          <p:txBody>
+            <a:bodyPr wrap="none" rtlCol="0">
+              <a:spAutoFit/>
+            </a:bodyPr>
+            <a:lstStyle/>
+            <a:p>
+              <a:r>
+                <a:rPr lang="en-US" sz="1200"/>
+                <a:t>Suite s2-1</a:t>
+              </a:r>
+            </a:p>
+          </p:txBody>
+        </p:sp>
+        <p:sp>
+          <p:nvSpPr>
+            <p:cNvPr id="12" name="TextBox 11">
+              <a:extLst>
+                <a:ext uri="{FF2B5EF4-FFF2-40B4-BE49-F238E27FC236}">
+                  <a16:creationId xmlns:a16="http://schemas.microsoft.com/office/drawing/2014/main" id="{FC59E7DB-2907-4587-BCF1-BCC6CE767AA7}"/>
+                </a:ext>
+              </a:extLst>
+            </p:cNvPr>
+            <p:cNvSpPr txBox="1"/>
+            <p:nvPr/>
+          </p:nvSpPr>
+          <p:spPr>
+            <a:xfrm>
+              <a:off x="1702580" y="1875021"/>
+              <a:ext cx="796949" cy="276999"/>
+            </a:xfrm>
+            <a:prstGeom prst="rect">
+              <a:avLst/>
+            </a:prstGeom>
+          </p:spPr>
+          <p:style>
+            <a:lnRef idx="2">
+              <a:schemeClr val="accent2">
+                <a:shade val="50000"/>
+              </a:schemeClr>
+            </a:lnRef>
+            <a:fillRef idx="1">
+              <a:schemeClr val="accent2"/>
+            </a:fillRef>
+            <a:effectRef idx="0">
+              <a:schemeClr val="accent2"/>
+            </a:effectRef>
+            <a:fontRef idx="minor">
+              <a:schemeClr val="lt1"/>
+            </a:fontRef>
+          </p:style>
+          <p:txBody>
+            <a:bodyPr wrap="none" rtlCol="0">
+              <a:spAutoFit/>
+            </a:bodyPr>
+            <a:lstStyle/>
+            <a:p>
+              <a:r>
+                <a:rPr lang="en-US" sz="1200"/>
+                <a:t>Suite s2-2</a:t>
+              </a:r>
+            </a:p>
+          </p:txBody>
+        </p:sp>
+        <p:sp>
+          <p:nvSpPr>
+            <p:cNvPr id="13" name="TextBox 12">
+              <a:extLst>
+                <a:ext uri="{FF2B5EF4-FFF2-40B4-BE49-F238E27FC236}">
+                  <a16:creationId xmlns:a16="http://schemas.microsoft.com/office/drawing/2014/main" id="{C87FCDCD-C818-4118-86C1-1E97CA5B5015}"/>
+                </a:ext>
+              </a:extLst>
+            </p:cNvPr>
+            <p:cNvSpPr txBox="1"/>
+            <p:nvPr/>
+          </p:nvSpPr>
+          <p:spPr>
+            <a:xfrm>
+              <a:off x="2692095" y="1870664"/>
+              <a:ext cx="798552" cy="276999"/>
+            </a:xfrm>
+            <a:prstGeom prst="rect">
+              <a:avLst/>
+            </a:prstGeom>
+          </p:spPr>
+          <p:style>
+            <a:lnRef idx="2">
+              <a:schemeClr val="accent2">
+                <a:shade val="50000"/>
+              </a:schemeClr>
+            </a:lnRef>
+            <a:fillRef idx="1">
+              <a:schemeClr val="accent2"/>
+            </a:fillRef>
+            <a:effectRef idx="0">
+              <a:schemeClr val="accent2"/>
+            </a:effectRef>
+            <a:fontRef idx="minor">
+              <a:schemeClr val="lt1"/>
+            </a:fontRef>
+          </p:style>
+          <p:txBody>
+            <a:bodyPr wrap="none" rtlCol="0">
+              <a:spAutoFit/>
+            </a:bodyPr>
+            <a:lstStyle/>
+            <a:p>
+              <a:r>
+                <a:rPr lang="en-US" sz="1200"/>
+                <a:t>Suites2- n</a:t>
+              </a:r>
+            </a:p>
+          </p:txBody>
+        </p:sp>
+      </p:grpSp>
+      <p:grpSp>
+        <p:nvGrpSpPr>
+          <p:cNvPr id="14" name="Group 13">
+            <a:extLst>
+              <a:ext uri="{FF2B5EF4-FFF2-40B4-BE49-F238E27FC236}">
+                <a16:creationId xmlns:a16="http://schemas.microsoft.com/office/drawing/2014/main" id="{E119FEDE-D28B-4D78-B2D9-81BFCCB573BE}"/>
+              </a:ext>
+            </a:extLst>
+          </p:cNvPr>
+          <p:cNvGrpSpPr/>
+          <p:nvPr/>
+        </p:nvGrpSpPr>
+        <p:grpSpPr>
+          <a:xfrm>
+            <a:off x="9274545" y="2155562"/>
+            <a:ext cx="2779185" cy="281357"/>
+            <a:chOff x="713065" y="1870663"/>
+            <a:chExt cx="2779185" cy="281357"/>
+          </a:xfrm>
+        </p:grpSpPr>
+        <p:sp>
+          <p:nvSpPr>
+            <p:cNvPr id="15" name="TextBox 14">
+              <a:extLst>
+                <a:ext uri="{FF2B5EF4-FFF2-40B4-BE49-F238E27FC236}">
+                  <a16:creationId xmlns:a16="http://schemas.microsoft.com/office/drawing/2014/main" id="{1414F355-C60A-468D-921F-5C6EA565EBE8}"/>
+                </a:ext>
+              </a:extLst>
+            </p:cNvPr>
+            <p:cNvSpPr txBox="1"/>
+            <p:nvPr/>
+          </p:nvSpPr>
+          <p:spPr>
+            <a:xfrm>
+              <a:off x="713065" y="1870663"/>
+              <a:ext cx="798552" cy="276999"/>
+            </a:xfrm>
+            <a:prstGeom prst="rect">
+              <a:avLst/>
+            </a:prstGeom>
+          </p:spPr>
+          <p:style>
+            <a:lnRef idx="2">
+              <a:schemeClr val="accent2">
+                <a:shade val="50000"/>
+              </a:schemeClr>
+            </a:lnRef>
+            <a:fillRef idx="1">
+              <a:schemeClr val="accent2"/>
+            </a:fillRef>
+            <a:effectRef idx="0">
+              <a:schemeClr val="accent2"/>
+            </a:effectRef>
+            <a:fontRef idx="minor">
+              <a:schemeClr val="lt1"/>
+            </a:fontRef>
+          </p:style>
+          <p:txBody>
+            <a:bodyPr wrap="none" rtlCol="0">
+              <a:spAutoFit/>
+            </a:bodyPr>
+            <a:lstStyle/>
+            <a:p>
+              <a:r>
+                <a:rPr lang="en-US" sz="1200"/>
+                <a:t>Suite sn-1</a:t>
+              </a:r>
+            </a:p>
+          </p:txBody>
+        </p:sp>
+        <p:sp>
+          <p:nvSpPr>
+            <p:cNvPr id="16" name="TextBox 15">
+              <a:extLst>
+                <a:ext uri="{FF2B5EF4-FFF2-40B4-BE49-F238E27FC236}">
+                  <a16:creationId xmlns:a16="http://schemas.microsoft.com/office/drawing/2014/main" id="{4034F28D-DEC0-44FB-A925-4C472BD02242}"/>
+                </a:ext>
+              </a:extLst>
+            </p:cNvPr>
+            <p:cNvSpPr txBox="1"/>
+            <p:nvPr/>
+          </p:nvSpPr>
+          <p:spPr>
+            <a:xfrm>
+              <a:off x="1702580" y="1875021"/>
+              <a:ext cx="798552" cy="276999"/>
+            </a:xfrm>
+            <a:prstGeom prst="rect">
+              <a:avLst/>
+            </a:prstGeom>
+          </p:spPr>
+          <p:style>
+            <a:lnRef idx="2">
+              <a:schemeClr val="accent2">
+                <a:shade val="50000"/>
+              </a:schemeClr>
+            </a:lnRef>
+            <a:fillRef idx="1">
+              <a:schemeClr val="accent2"/>
+            </a:fillRef>
+            <a:effectRef idx="0">
+              <a:schemeClr val="accent2"/>
+            </a:effectRef>
+            <a:fontRef idx="minor">
+              <a:schemeClr val="lt1"/>
+            </a:fontRef>
+          </p:style>
+          <p:txBody>
+            <a:bodyPr wrap="none" rtlCol="0">
+              <a:spAutoFit/>
+            </a:bodyPr>
+            <a:lstStyle/>
+            <a:p>
+              <a:r>
+                <a:rPr lang="en-US" sz="1200"/>
+                <a:t>Suite sn-2</a:t>
+              </a:r>
+            </a:p>
+          </p:txBody>
+        </p:sp>
+        <p:sp>
+          <p:nvSpPr>
+            <p:cNvPr id="17" name="TextBox 16">
+              <a:extLst>
+                <a:ext uri="{FF2B5EF4-FFF2-40B4-BE49-F238E27FC236}">
+                  <a16:creationId xmlns:a16="http://schemas.microsoft.com/office/drawing/2014/main" id="{F201E561-3A58-4074-9B9D-9D2CC8A6FB5D}"/>
+                </a:ext>
+              </a:extLst>
+            </p:cNvPr>
+            <p:cNvSpPr txBox="1"/>
+            <p:nvPr/>
+          </p:nvSpPr>
+          <p:spPr>
+            <a:xfrm>
+              <a:off x="2692095" y="1870664"/>
+              <a:ext cx="800155" cy="276999"/>
+            </a:xfrm>
+            <a:prstGeom prst="rect">
+              <a:avLst/>
+            </a:prstGeom>
+          </p:spPr>
+          <p:style>
+            <a:lnRef idx="2">
+              <a:schemeClr val="accent2">
+                <a:shade val="50000"/>
+              </a:schemeClr>
+            </a:lnRef>
+            <a:fillRef idx="1">
+              <a:schemeClr val="accent2"/>
+            </a:fillRef>
+            <a:effectRef idx="0">
+              <a:schemeClr val="accent2"/>
+            </a:effectRef>
+            <a:fontRef idx="minor">
+              <a:schemeClr val="lt1"/>
+            </a:fontRef>
+          </p:style>
+          <p:txBody>
+            <a:bodyPr wrap="none" rtlCol="0">
+              <a:spAutoFit/>
+            </a:bodyPr>
+            <a:lstStyle/>
+            <a:p>
+              <a:r>
+                <a:rPr lang="en-US" sz="1200"/>
+                <a:t>Suite sn-n</a:t>
+              </a:r>
+            </a:p>
+          </p:txBody>
+        </p:sp>
+      </p:grpSp>
+      <p:cxnSp>
+        <p:nvCxnSpPr>
+          <p:cNvPr id="19" name="Straight Arrow Connector 18">
+            <a:extLst>
+              <a:ext uri="{FF2B5EF4-FFF2-40B4-BE49-F238E27FC236}">
+                <a16:creationId xmlns:a16="http://schemas.microsoft.com/office/drawing/2014/main" id="{D1BDADA6-D65C-4AB3-AC98-564A7536E477}"/>
+              </a:ext>
+            </a:extLst>
+          </p:cNvPr>
+          <p:cNvCxnSpPr>
+            <a:stCxn id="2" idx="2"/>
+            <a:endCxn id="5" idx="0"/>
+          </p:cNvCxnSpPr>
+          <p:nvPr/>
+        </p:nvCxnSpPr>
+        <p:spPr>
+          <a:xfrm flipH="1">
+            <a:off x="1111540" y="1476679"/>
+            <a:ext cx="812962" cy="687599"/>
+          </a:xfrm>
+          <a:prstGeom prst="straightConnector1">
+            <a:avLst/>
+          </a:prstGeom>
+          <a:ln>
+            <a:tailEnd type="triangle"/>
+          </a:ln>
+        </p:spPr>
+        <p:style>
+          <a:lnRef idx="1">
+            <a:schemeClr val="accent1"/>
+          </a:lnRef>
+          <a:fillRef idx="0">
+            <a:schemeClr val="accent1"/>
+          </a:fillRef>
+          <a:effectRef idx="0">
+            <a:schemeClr val="accent1"/>
+          </a:effectRef>
+          <a:fontRef idx="minor">
+            <a:schemeClr val="tx1"/>
+          </a:fontRef>
+        </p:style>
+      </p:cxnSp>
+      <p:cxnSp>
+        <p:nvCxnSpPr>
+          <p:cNvPr id="21" name="Straight Arrow Connector 20">
+            <a:extLst>
+              <a:ext uri="{FF2B5EF4-FFF2-40B4-BE49-F238E27FC236}">
+                <a16:creationId xmlns:a16="http://schemas.microsoft.com/office/drawing/2014/main" id="{34E4212D-C265-41B3-BBDA-F3CAE03810CC}"/>
+              </a:ext>
+            </a:extLst>
+          </p:cNvPr>
+          <p:cNvCxnSpPr>
+            <a:stCxn id="2" idx="2"/>
+            <a:endCxn id="6" idx="0"/>
+          </p:cNvCxnSpPr>
+          <p:nvPr/>
+        </p:nvCxnSpPr>
+        <p:spPr>
+          <a:xfrm>
+            <a:off x="1924502" y="1476679"/>
+            <a:ext cx="176553" cy="691957"/>
+          </a:xfrm>
+          <a:prstGeom prst="straightConnector1">
+            <a:avLst/>
+          </a:prstGeom>
+          <a:ln>
+            <a:tailEnd type="triangle"/>
+          </a:ln>
+        </p:spPr>
+        <p:style>
+          <a:lnRef idx="1">
+            <a:schemeClr val="accent1"/>
+          </a:lnRef>
+          <a:fillRef idx="0">
+            <a:schemeClr val="accent1"/>
+          </a:fillRef>
+          <a:effectRef idx="0">
+            <a:schemeClr val="accent1"/>
+          </a:effectRef>
+          <a:fontRef idx="minor">
+            <a:schemeClr val="tx1"/>
+          </a:fontRef>
+        </p:style>
+      </p:cxnSp>
+      <p:cxnSp>
+        <p:nvCxnSpPr>
+          <p:cNvPr id="27" name="Straight Arrow Connector 26">
+            <a:extLst>
+              <a:ext uri="{FF2B5EF4-FFF2-40B4-BE49-F238E27FC236}">
+                <a16:creationId xmlns:a16="http://schemas.microsoft.com/office/drawing/2014/main" id="{2381FB2B-6215-49CA-919F-E9A6AEF52845}"/>
+              </a:ext>
+            </a:extLst>
+          </p:cNvPr>
+          <p:cNvCxnSpPr>
+            <a:stCxn id="3" idx="2"/>
+            <a:endCxn id="12" idx="0"/>
+          </p:cNvCxnSpPr>
+          <p:nvPr/>
+        </p:nvCxnSpPr>
+        <p:spPr>
+          <a:xfrm>
+            <a:off x="6246230" y="1476679"/>
+            <a:ext cx="93491" cy="687599"/>
+          </a:xfrm>
+          <a:prstGeom prst="straightConnector1">
+            <a:avLst/>
+          </a:prstGeom>
+          <a:ln>
+            <a:tailEnd type="triangle"/>
+          </a:ln>
+        </p:spPr>
+        <p:style>
+          <a:lnRef idx="1">
+            <a:schemeClr val="accent1"/>
+          </a:lnRef>
+          <a:fillRef idx="0">
+            <a:schemeClr val="accent1"/>
+          </a:fillRef>
+          <a:effectRef idx="0">
+            <a:schemeClr val="accent1"/>
+          </a:effectRef>
+          <a:fontRef idx="minor">
+            <a:schemeClr val="tx1"/>
+          </a:fontRef>
+        </p:style>
+      </p:cxnSp>
+      <p:cxnSp>
+        <p:nvCxnSpPr>
+          <p:cNvPr id="29" name="Straight Arrow Connector 28">
+            <a:extLst>
+              <a:ext uri="{FF2B5EF4-FFF2-40B4-BE49-F238E27FC236}">
+                <a16:creationId xmlns:a16="http://schemas.microsoft.com/office/drawing/2014/main" id="{D8968F25-41A8-40F1-8930-411624351FD8}"/>
+              </a:ext>
+            </a:extLst>
+          </p:cNvPr>
+          <p:cNvCxnSpPr>
+            <a:stCxn id="3" idx="2"/>
+            <a:endCxn id="13" idx="0"/>
+          </p:cNvCxnSpPr>
+          <p:nvPr/>
+        </p:nvCxnSpPr>
+        <p:spPr>
+          <a:xfrm>
+            <a:off x="6246230" y="1476679"/>
+            <a:ext cx="1083807" cy="683242"/>
+          </a:xfrm>
+          <a:prstGeom prst="straightConnector1">
+            <a:avLst/>
+          </a:prstGeom>
+          <a:ln>
+            <a:tailEnd type="triangle"/>
+          </a:ln>
+        </p:spPr>
+        <p:style>
+          <a:lnRef idx="1">
+            <a:schemeClr val="accent1"/>
+          </a:lnRef>
+          <a:fillRef idx="0">
+            <a:schemeClr val="accent1"/>
+          </a:fillRef>
+          <a:effectRef idx="0">
+            <a:schemeClr val="accent1"/>
+          </a:effectRef>
+          <a:fontRef idx="minor">
+            <a:schemeClr val="tx1"/>
+          </a:fontRef>
+        </p:style>
+      </p:cxnSp>
+      <p:cxnSp>
+        <p:nvCxnSpPr>
+          <p:cNvPr id="31" name="Straight Arrow Connector 30">
+            <a:extLst>
+              <a:ext uri="{FF2B5EF4-FFF2-40B4-BE49-F238E27FC236}">
+                <a16:creationId xmlns:a16="http://schemas.microsoft.com/office/drawing/2014/main" id="{1BE5A51F-01E2-4D6E-9703-41F5A0C852A3}"/>
+              </a:ext>
+            </a:extLst>
+          </p:cNvPr>
+          <p:cNvCxnSpPr>
+            <a:stCxn id="4" idx="2"/>
+            <a:endCxn id="15" idx="0"/>
+          </p:cNvCxnSpPr>
+          <p:nvPr/>
+        </p:nvCxnSpPr>
+        <p:spPr>
+          <a:xfrm flipH="1">
+            <a:off x="9673821" y="1476679"/>
+            <a:ext cx="896542" cy="678883"/>
+          </a:xfrm>
+          <a:prstGeom prst="straightConnector1">
+            <a:avLst/>
+          </a:prstGeom>
+          <a:ln>
+            <a:tailEnd type="triangle"/>
+          </a:ln>
+        </p:spPr>
+        <p:style>
+          <a:lnRef idx="1">
+            <a:schemeClr val="accent1"/>
+          </a:lnRef>
+          <a:fillRef idx="0">
+            <a:schemeClr val="accent1"/>
+          </a:fillRef>
+          <a:effectRef idx="0">
+            <a:schemeClr val="accent1"/>
+          </a:effectRef>
+          <a:fontRef idx="minor">
+            <a:schemeClr val="tx1"/>
+          </a:fontRef>
+        </p:style>
+      </p:cxnSp>
+      <p:cxnSp>
+        <p:nvCxnSpPr>
+          <p:cNvPr id="33" name="Straight Arrow Connector 32">
+            <a:extLst>
+              <a:ext uri="{FF2B5EF4-FFF2-40B4-BE49-F238E27FC236}">
+                <a16:creationId xmlns:a16="http://schemas.microsoft.com/office/drawing/2014/main" id="{11CEF992-95C4-4C9C-9128-78537495A006}"/>
+              </a:ext>
+            </a:extLst>
+          </p:cNvPr>
+          <p:cNvCxnSpPr>
+            <a:stCxn id="4" idx="2"/>
+            <a:endCxn id="16" idx="0"/>
+          </p:cNvCxnSpPr>
+          <p:nvPr/>
+        </p:nvCxnSpPr>
+        <p:spPr>
+          <a:xfrm>
+            <a:off x="10570363" y="1476679"/>
+            <a:ext cx="92973" cy="683241"/>
+          </a:xfrm>
+          <a:prstGeom prst="straightConnector1">
+            <a:avLst/>
+          </a:prstGeom>
+          <a:ln>
+            <a:tailEnd type="triangle"/>
+          </a:ln>
+        </p:spPr>
+        <p:style>
+          <a:lnRef idx="1">
+            <a:schemeClr val="accent1"/>
+          </a:lnRef>
+          <a:fillRef idx="0">
+            <a:schemeClr val="accent1"/>
+          </a:fillRef>
+          <a:effectRef idx="0">
+            <a:schemeClr val="accent1"/>
+          </a:effectRef>
+          <a:fontRef idx="minor">
+            <a:schemeClr val="tx1"/>
+          </a:fontRef>
+        </p:style>
+      </p:cxnSp>
+      <p:cxnSp>
+        <p:nvCxnSpPr>
+          <p:cNvPr id="35" name="Straight Arrow Connector 34">
+            <a:extLst>
+              <a:ext uri="{FF2B5EF4-FFF2-40B4-BE49-F238E27FC236}">
+                <a16:creationId xmlns:a16="http://schemas.microsoft.com/office/drawing/2014/main" id="{414A5824-F8DF-45A1-9383-C7EB6291FCE4}"/>
+              </a:ext>
+            </a:extLst>
+          </p:cNvPr>
+          <p:cNvCxnSpPr>
+            <a:stCxn id="4" idx="2"/>
+            <a:endCxn id="17" idx="0"/>
+          </p:cNvCxnSpPr>
+          <p:nvPr/>
+        </p:nvCxnSpPr>
+        <p:spPr>
+          <a:xfrm>
+            <a:off x="10570363" y="1476679"/>
+            <a:ext cx="1083290" cy="678884"/>
+          </a:xfrm>
+          <a:prstGeom prst="straightConnector1">
+            <a:avLst/>
+          </a:prstGeom>
+          <a:ln>
+            <a:tailEnd type="triangle"/>
+          </a:ln>
+        </p:spPr>
+        <p:style>
+          <a:lnRef idx="1">
+            <a:schemeClr val="accent1"/>
+          </a:lnRef>
+          <a:fillRef idx="0">
+            <a:schemeClr val="accent1"/>
+          </a:fillRef>
+          <a:effectRef idx="0">
+            <a:schemeClr val="accent1"/>
+          </a:effectRef>
+          <a:fontRef idx="minor">
+            <a:schemeClr val="tx1"/>
+          </a:fontRef>
+        </p:style>
+      </p:cxnSp>
+      <p:grpSp>
+        <p:nvGrpSpPr>
+          <p:cNvPr id="42" name="Group 41">
+            <a:extLst>
+              <a:ext uri="{FF2B5EF4-FFF2-40B4-BE49-F238E27FC236}">
+                <a16:creationId xmlns:a16="http://schemas.microsoft.com/office/drawing/2014/main" id="{F442E2BF-F202-43B9-B2C0-A8BE1BF0802B}"/>
+              </a:ext>
+            </a:extLst>
+          </p:cNvPr>
+          <p:cNvGrpSpPr/>
+          <p:nvPr/>
+        </p:nvGrpSpPr>
+        <p:grpSpPr>
+          <a:xfrm>
+            <a:off x="4748972" y="3580001"/>
+            <a:ext cx="3088006" cy="277000"/>
+            <a:chOff x="964734" y="3428999"/>
+            <a:chExt cx="3088006" cy="277000"/>
+          </a:xfrm>
+        </p:grpSpPr>
+        <p:sp>
+          <p:nvSpPr>
+            <p:cNvPr id="37" name="TextBox 36">
+              <a:extLst>
+                <a:ext uri="{FF2B5EF4-FFF2-40B4-BE49-F238E27FC236}">
+                  <a16:creationId xmlns:a16="http://schemas.microsoft.com/office/drawing/2014/main" id="{72F0F373-092F-4C21-9FDF-958F15C64AA1}"/>
+                </a:ext>
+              </a:extLst>
+            </p:cNvPr>
+            <p:cNvSpPr txBox="1"/>
+            <p:nvPr/>
+          </p:nvSpPr>
+          <p:spPr>
+            <a:xfrm>
+              <a:off x="964734" y="3429000"/>
+              <a:ext cx="665631" cy="276999"/>
+            </a:xfrm>
+            <a:prstGeom prst="rect">
+              <a:avLst/>
+            </a:prstGeom>
+          </p:spPr>
+          <p:style>
+            <a:lnRef idx="2">
+              <a:schemeClr val="accent6">
+                <a:shade val="50000"/>
+              </a:schemeClr>
+            </a:lnRef>
+            <a:fillRef idx="1">
+              <a:schemeClr val="accent6"/>
+            </a:fillRef>
+            <a:effectRef idx="0">
+              <a:schemeClr val="accent6"/>
+            </a:effectRef>
+            <a:fontRef idx="minor">
+              <a:schemeClr val="lt1"/>
+            </a:fontRef>
+          </p:style>
+          <p:txBody>
+            <a:bodyPr wrap="none" rtlCol="0">
+              <a:spAutoFit/>
+            </a:bodyPr>
+            <a:lstStyle/>
+            <a:p>
+              <a:r>
+                <a:rPr lang="en-US" sz="1200"/>
+                <a:t>Brand 1</a:t>
+              </a:r>
+            </a:p>
+          </p:txBody>
+        </p:sp>
+        <p:sp>
+          <p:nvSpPr>
+            <p:cNvPr id="38" name="TextBox 37">
+              <a:extLst>
+                <a:ext uri="{FF2B5EF4-FFF2-40B4-BE49-F238E27FC236}">
+                  <a16:creationId xmlns:a16="http://schemas.microsoft.com/office/drawing/2014/main" id="{D002DC54-7808-4D4A-ACF0-33DE10D14497}"/>
+                </a:ext>
+              </a:extLst>
+            </p:cNvPr>
+            <p:cNvSpPr txBox="1"/>
+            <p:nvPr/>
+          </p:nvSpPr>
+          <p:spPr>
+            <a:xfrm>
+              <a:off x="3385506" y="3428999"/>
+              <a:ext cx="667234" cy="276999"/>
+            </a:xfrm>
+            <a:prstGeom prst="rect">
+              <a:avLst/>
+            </a:prstGeom>
+          </p:spPr>
+          <p:style>
+            <a:lnRef idx="2">
+              <a:schemeClr val="accent6">
+                <a:shade val="50000"/>
+              </a:schemeClr>
+            </a:lnRef>
+            <a:fillRef idx="1">
+              <a:schemeClr val="accent6"/>
+            </a:fillRef>
+            <a:effectRef idx="0">
+              <a:schemeClr val="accent6"/>
+            </a:effectRef>
+            <a:fontRef idx="minor">
+              <a:schemeClr val="lt1"/>
+            </a:fontRef>
+          </p:style>
+          <p:txBody>
+            <a:bodyPr wrap="none" rtlCol="0">
+              <a:spAutoFit/>
+            </a:bodyPr>
+            <a:lstStyle/>
+            <a:p>
+              <a:r>
+                <a:rPr lang="en-US" sz="1200"/>
+                <a:t>Brand n</a:t>
+              </a:r>
+            </a:p>
+          </p:txBody>
+        </p:sp>
+        <p:sp>
+          <p:nvSpPr>
+            <p:cNvPr id="39" name="TextBox 38">
+              <a:extLst>
+                <a:ext uri="{FF2B5EF4-FFF2-40B4-BE49-F238E27FC236}">
+                  <a16:creationId xmlns:a16="http://schemas.microsoft.com/office/drawing/2014/main" id="{9F52882B-80DF-40B5-9582-D52DBFA93927}"/>
+                </a:ext>
+              </a:extLst>
+            </p:cNvPr>
+            <p:cNvSpPr txBox="1"/>
+            <p:nvPr/>
+          </p:nvSpPr>
+          <p:spPr>
+            <a:xfrm>
+              <a:off x="2175120" y="3428999"/>
+              <a:ext cx="665631" cy="276999"/>
+            </a:xfrm>
+            <a:prstGeom prst="rect">
+              <a:avLst/>
+            </a:prstGeom>
+          </p:spPr>
+          <p:style>
+            <a:lnRef idx="2">
+              <a:schemeClr val="accent6">
+                <a:shade val="50000"/>
+              </a:schemeClr>
+            </a:lnRef>
+            <a:fillRef idx="1">
+              <a:schemeClr val="accent6"/>
+            </a:fillRef>
+            <a:effectRef idx="0">
+              <a:schemeClr val="accent6"/>
+            </a:effectRef>
+            <a:fontRef idx="minor">
+              <a:schemeClr val="lt1"/>
+            </a:fontRef>
+          </p:style>
+          <p:txBody>
+            <a:bodyPr wrap="none" rtlCol="0">
+              <a:spAutoFit/>
+            </a:bodyPr>
+            <a:lstStyle/>
+            <a:p>
+              <a:r>
+                <a:rPr lang="en-US" sz="1200"/>
+                <a:t>Brand 2</a:t>
+              </a:r>
+            </a:p>
+          </p:txBody>
+        </p:sp>
+      </p:grpSp>
+      <p:cxnSp>
+        <p:nvCxnSpPr>
+          <p:cNvPr id="44" name="Straight Arrow Connector 43">
+            <a:extLst>
+              <a:ext uri="{FF2B5EF4-FFF2-40B4-BE49-F238E27FC236}">
+                <a16:creationId xmlns:a16="http://schemas.microsoft.com/office/drawing/2014/main" id="{01FF1BE9-7975-425A-8AB1-26D434B03AED}"/>
+              </a:ext>
+            </a:extLst>
+          </p:cNvPr>
+          <p:cNvCxnSpPr>
+            <a:stCxn id="37" idx="0"/>
+            <a:endCxn id="5" idx="2"/>
+          </p:cNvCxnSpPr>
+          <p:nvPr/>
+        </p:nvCxnSpPr>
+        <p:spPr>
+          <a:xfrm flipH="1" flipV="1">
+            <a:off x="1111540" y="2441277"/>
+            <a:ext cx="3970248" cy="1138725"/>
+          </a:xfrm>
+          <a:prstGeom prst="straightConnector1">
+            <a:avLst/>
+          </a:prstGeom>
+          <a:ln>
+            <a:tailEnd type="triangle"/>
+          </a:ln>
+        </p:spPr>
+        <p:style>
+          <a:lnRef idx="1">
+            <a:schemeClr val="accent1"/>
+          </a:lnRef>
+          <a:fillRef idx="0">
+            <a:schemeClr val="accent1"/>
+          </a:fillRef>
+          <a:effectRef idx="0">
+            <a:schemeClr val="accent1"/>
+          </a:effectRef>
+          <a:fontRef idx="minor">
+            <a:schemeClr val="tx1"/>
+          </a:fontRef>
+        </p:style>
+      </p:cxnSp>
+      <p:cxnSp>
+        <p:nvCxnSpPr>
+          <p:cNvPr id="46" name="Straight Arrow Connector 45">
+            <a:extLst>
+              <a:ext uri="{FF2B5EF4-FFF2-40B4-BE49-F238E27FC236}">
+                <a16:creationId xmlns:a16="http://schemas.microsoft.com/office/drawing/2014/main" id="{CAA4EDD3-7D79-4261-9247-1199A170212B}"/>
+              </a:ext>
+            </a:extLst>
+          </p:cNvPr>
+          <p:cNvCxnSpPr>
+            <a:stCxn id="37" idx="0"/>
+            <a:endCxn id="13" idx="2"/>
+          </p:cNvCxnSpPr>
+          <p:nvPr/>
+        </p:nvCxnSpPr>
+        <p:spPr>
+          <a:xfrm flipV="1">
+            <a:off x="5081788" y="2436920"/>
+            <a:ext cx="2248249" cy="1143082"/>
+          </a:xfrm>
+          <a:prstGeom prst="straightConnector1">
+            <a:avLst/>
+          </a:prstGeom>
+          <a:ln>
+            <a:tailEnd type="triangle"/>
+          </a:ln>
+        </p:spPr>
+        <p:style>
+          <a:lnRef idx="1">
+            <a:schemeClr val="accent1"/>
+          </a:lnRef>
+          <a:fillRef idx="0">
+            <a:schemeClr val="accent1"/>
+          </a:fillRef>
+          <a:effectRef idx="0">
+            <a:schemeClr val="accent1"/>
+          </a:effectRef>
+          <a:fontRef idx="minor">
+            <a:schemeClr val="tx1"/>
+          </a:fontRef>
+        </p:style>
+      </p:cxnSp>
+      <p:cxnSp>
+        <p:nvCxnSpPr>
+          <p:cNvPr id="48" name="Straight Arrow Connector 47">
+            <a:extLst>
+              <a:ext uri="{FF2B5EF4-FFF2-40B4-BE49-F238E27FC236}">
+                <a16:creationId xmlns:a16="http://schemas.microsoft.com/office/drawing/2014/main" id="{BDF27718-BC93-4CB9-8202-671CE904551A}"/>
+              </a:ext>
+            </a:extLst>
+          </p:cNvPr>
+          <p:cNvCxnSpPr>
+            <a:stCxn id="39" idx="0"/>
+            <a:endCxn id="5" idx="2"/>
+          </p:cNvCxnSpPr>
+          <p:nvPr/>
+        </p:nvCxnSpPr>
+        <p:spPr>
+          <a:xfrm flipH="1" flipV="1">
+            <a:off x="1111540" y="2441277"/>
+            <a:ext cx="5180634" cy="1138724"/>
+          </a:xfrm>
+          <a:prstGeom prst="straightConnector1">
+            <a:avLst/>
+          </a:prstGeom>
+          <a:ln>
+            <a:tailEnd type="triangle"/>
+          </a:ln>
+        </p:spPr>
+        <p:style>
+          <a:lnRef idx="1">
+            <a:schemeClr val="accent1"/>
+          </a:lnRef>
+          <a:fillRef idx="0">
+            <a:schemeClr val="accent1"/>
+          </a:fillRef>
+          <a:effectRef idx="0">
+            <a:schemeClr val="accent1"/>
+          </a:effectRef>
+          <a:fontRef idx="minor">
+            <a:schemeClr val="tx1"/>
+          </a:fontRef>
+        </p:style>
+      </p:cxnSp>
+      <p:cxnSp>
+        <p:nvCxnSpPr>
+          <p:cNvPr id="50" name="Straight Arrow Connector 49">
+            <a:extLst>
+              <a:ext uri="{FF2B5EF4-FFF2-40B4-BE49-F238E27FC236}">
+                <a16:creationId xmlns:a16="http://schemas.microsoft.com/office/drawing/2014/main" id="{B79E8B52-50AC-4989-BF93-AF1A15312310}"/>
+              </a:ext>
+            </a:extLst>
+          </p:cNvPr>
+          <p:cNvCxnSpPr>
+            <a:stCxn id="39" idx="0"/>
+            <a:endCxn id="12" idx="2"/>
+          </p:cNvCxnSpPr>
+          <p:nvPr/>
+        </p:nvCxnSpPr>
+        <p:spPr>
+          <a:xfrm flipV="1">
+            <a:off x="6292174" y="2441277"/>
+            <a:ext cx="47547" cy="1138724"/>
+          </a:xfrm>
+          <a:prstGeom prst="straightConnector1">
+            <a:avLst/>
+          </a:prstGeom>
+          <a:ln>
+            <a:tailEnd type="triangle"/>
+          </a:ln>
+        </p:spPr>
+        <p:style>
+          <a:lnRef idx="1">
+            <a:schemeClr val="accent4"/>
+          </a:lnRef>
+          <a:fillRef idx="0">
+            <a:schemeClr val="accent4"/>
+          </a:fillRef>
+          <a:effectRef idx="0">
+            <a:schemeClr val="accent4"/>
+          </a:effectRef>
+          <a:fontRef idx="minor">
+            <a:schemeClr val="tx1"/>
+          </a:fontRef>
+        </p:style>
+      </p:cxnSp>
+      <p:cxnSp>
+        <p:nvCxnSpPr>
+          <p:cNvPr id="52" name="Straight Arrow Connector 51">
+            <a:extLst>
+              <a:ext uri="{FF2B5EF4-FFF2-40B4-BE49-F238E27FC236}">
+                <a16:creationId xmlns:a16="http://schemas.microsoft.com/office/drawing/2014/main" id="{0DE1CD53-DB2C-4C51-9A16-0ADAE48524EA}"/>
+              </a:ext>
+            </a:extLst>
+          </p:cNvPr>
+          <p:cNvCxnSpPr>
+            <a:stCxn id="39" idx="0"/>
+            <a:endCxn id="11" idx="2"/>
+          </p:cNvCxnSpPr>
+          <p:nvPr/>
+        </p:nvCxnSpPr>
+        <p:spPr>
+          <a:xfrm flipH="1" flipV="1">
+            <a:off x="5350206" y="2436919"/>
+            <a:ext cx="941968" cy="1143082"/>
+          </a:xfrm>
+          <a:prstGeom prst="straightConnector1">
+            <a:avLst/>
+          </a:prstGeom>
+          <a:ln>
+            <a:tailEnd type="triangle"/>
+          </a:ln>
+        </p:spPr>
+        <p:style>
+          <a:lnRef idx="1">
+            <a:schemeClr val="accent4"/>
+          </a:lnRef>
+          <a:fillRef idx="0">
+            <a:schemeClr val="accent4"/>
+          </a:fillRef>
+          <a:effectRef idx="0">
+            <a:schemeClr val="accent4"/>
+          </a:effectRef>
+          <a:fontRef idx="minor">
+            <a:schemeClr val="tx1"/>
+          </a:fontRef>
+        </p:style>
+      </p:cxnSp>
+      <p:cxnSp>
+        <p:nvCxnSpPr>
+          <p:cNvPr id="54" name="Straight Arrow Connector 53">
+            <a:extLst>
+              <a:ext uri="{FF2B5EF4-FFF2-40B4-BE49-F238E27FC236}">
+                <a16:creationId xmlns:a16="http://schemas.microsoft.com/office/drawing/2014/main" id="{496B7A3A-2F16-492F-84FF-F8A083AF1C41}"/>
+              </a:ext>
+            </a:extLst>
+          </p:cNvPr>
+          <p:cNvCxnSpPr>
+            <a:stCxn id="39" idx="0"/>
+            <a:endCxn id="15" idx="2"/>
+          </p:cNvCxnSpPr>
+          <p:nvPr/>
+        </p:nvCxnSpPr>
+        <p:spPr>
+          <a:xfrm flipV="1">
+            <a:off x="6292174" y="2432561"/>
+            <a:ext cx="3381647" cy="1147440"/>
+          </a:xfrm>
+          <a:prstGeom prst="straightConnector1">
+            <a:avLst/>
+          </a:prstGeom>
+          <a:ln>
+            <a:tailEnd type="triangle"/>
+          </a:ln>
+        </p:spPr>
+        <p:style>
+          <a:lnRef idx="1">
+            <a:schemeClr val="accent3"/>
+          </a:lnRef>
+          <a:fillRef idx="0">
+            <a:schemeClr val="accent3"/>
+          </a:fillRef>
+          <a:effectRef idx="0">
+            <a:schemeClr val="accent3"/>
+          </a:effectRef>
+          <a:fontRef idx="minor">
+            <a:schemeClr val="tx1"/>
+          </a:fontRef>
+        </p:style>
+      </p:cxnSp>
+      <p:cxnSp>
+        <p:nvCxnSpPr>
+          <p:cNvPr id="56" name="Straight Arrow Connector 55">
+            <a:extLst>
+              <a:ext uri="{FF2B5EF4-FFF2-40B4-BE49-F238E27FC236}">
+                <a16:creationId xmlns:a16="http://schemas.microsoft.com/office/drawing/2014/main" id="{67D3FA52-66B3-49BC-9D2C-5670C711A289}"/>
+              </a:ext>
+            </a:extLst>
+          </p:cNvPr>
+          <p:cNvCxnSpPr>
+            <a:stCxn id="38" idx="0"/>
+            <a:endCxn id="15" idx="2"/>
+          </p:cNvCxnSpPr>
+          <p:nvPr/>
+        </p:nvCxnSpPr>
+        <p:spPr>
+          <a:xfrm flipV="1">
+            <a:off x="7503361" y="2432561"/>
+            <a:ext cx="2170460" cy="1147440"/>
+          </a:xfrm>
+          <a:prstGeom prst="straightConnector1">
+            <a:avLst/>
+          </a:prstGeom>
+          <a:ln>
+            <a:tailEnd type="triangle"/>
+          </a:ln>
+        </p:spPr>
+        <p:style>
+          <a:lnRef idx="1">
+            <a:schemeClr val="accent6"/>
+          </a:lnRef>
+          <a:fillRef idx="0">
+            <a:schemeClr val="accent6"/>
+          </a:fillRef>
+          <a:effectRef idx="0">
+            <a:schemeClr val="accent6"/>
+          </a:effectRef>
+          <a:fontRef idx="minor">
+            <a:schemeClr val="tx1"/>
+          </a:fontRef>
+        </p:style>
+      </p:cxnSp>
+      <p:cxnSp>
+        <p:nvCxnSpPr>
+          <p:cNvPr id="58" name="Straight Arrow Connector 57">
+            <a:extLst>
+              <a:ext uri="{FF2B5EF4-FFF2-40B4-BE49-F238E27FC236}">
+                <a16:creationId xmlns:a16="http://schemas.microsoft.com/office/drawing/2014/main" id="{0ACD6333-24CD-45CC-A914-BE09FCC666EB}"/>
+              </a:ext>
+            </a:extLst>
+          </p:cNvPr>
+          <p:cNvCxnSpPr>
+            <a:stCxn id="38" idx="0"/>
+            <a:endCxn id="16" idx="2"/>
+          </p:cNvCxnSpPr>
+          <p:nvPr/>
+        </p:nvCxnSpPr>
+        <p:spPr>
+          <a:xfrm flipV="1">
+            <a:off x="7503361" y="2436919"/>
+            <a:ext cx="3159975" cy="1143082"/>
+          </a:xfrm>
+          <a:prstGeom prst="straightConnector1">
+            <a:avLst/>
+          </a:prstGeom>
+          <a:ln>
+            <a:tailEnd type="triangle"/>
+          </a:ln>
+        </p:spPr>
+        <p:style>
+          <a:lnRef idx="1">
+            <a:schemeClr val="accent6"/>
+          </a:lnRef>
+          <a:fillRef idx="0">
+            <a:schemeClr val="accent6"/>
+          </a:fillRef>
+          <a:effectRef idx="0">
+            <a:schemeClr val="accent6"/>
+          </a:effectRef>
+          <a:fontRef idx="minor">
+            <a:schemeClr val="tx1"/>
+          </a:fontRef>
+        </p:style>
+      </p:cxnSp>
+      <p:cxnSp>
+        <p:nvCxnSpPr>
+          <p:cNvPr id="60" name="Straight Arrow Connector 59">
+            <a:extLst>
+              <a:ext uri="{FF2B5EF4-FFF2-40B4-BE49-F238E27FC236}">
+                <a16:creationId xmlns:a16="http://schemas.microsoft.com/office/drawing/2014/main" id="{7E1D120A-AD91-4CE5-8AF9-A9A061659486}"/>
+              </a:ext>
+            </a:extLst>
+          </p:cNvPr>
+          <p:cNvCxnSpPr>
+            <a:stCxn id="38" idx="0"/>
+            <a:endCxn id="17" idx="2"/>
+          </p:cNvCxnSpPr>
+          <p:nvPr/>
+        </p:nvCxnSpPr>
+        <p:spPr>
+          <a:xfrm flipV="1">
+            <a:off x="7503361" y="2432562"/>
+            <a:ext cx="4150292" cy="1147439"/>
+          </a:xfrm>
+          <a:prstGeom prst="straightConnector1">
+            <a:avLst/>
+          </a:prstGeom>
+          <a:ln>
+            <a:tailEnd type="triangle"/>
+          </a:ln>
+        </p:spPr>
+        <p:style>
+          <a:lnRef idx="1">
+            <a:schemeClr val="accent6"/>
+          </a:lnRef>
+          <a:fillRef idx="0">
+            <a:schemeClr val="accent6"/>
+          </a:fillRef>
+          <a:effectRef idx="0">
+            <a:schemeClr val="accent6"/>
+          </a:effectRef>
+          <a:fontRef idx="minor">
+            <a:schemeClr val="tx1"/>
+          </a:fontRef>
+        </p:style>
+      </p:cxnSp>
+    </p:spTree>
+    <p:extLst>
+      <p:ext uri="{BB962C8B-B14F-4D97-AF65-F5344CB8AC3E}">
+        <p14:creationId xmlns:p14="http://schemas.microsoft.com/office/powerpoint/2010/main" val="1467784003"/>
+      </p:ext>
+    </p:extLst>
+  </p:cSld>
+  <p:clrMapOvr>
+    <a:masterClrMapping/>
+  </p:clrMapOvr>
+</p:sld>
+</file>
+
 <file path=ppt/slides/slide4.xml><?xml version="1.0" encoding="utf-8"?>
 <p:sld xmlns:a="http://schemas.openxmlformats.org/drawingml/2006/main" xmlns:r="http://schemas.openxmlformats.org/officeDocument/2006/relationships" xmlns:p="http://schemas.openxmlformats.org/presentationml/2006/main">
   <p:cSld>

--- a/_presentation/prezentare_aplicatie.pptx
+++ b/_presentation/prezentare_aplicatie.pptx
@@ -46,6 +46,7 @@
     <p:sldId id="287" r:id="rId40"/>
     <p:sldId id="293" r:id="rId41"/>
     <p:sldId id="294" r:id="rId42"/>
+    <p:sldId id="295" r:id="rId43"/>
   </p:sldIdLst>
   <p:sldSz cx="12192000" cy="6858000"/>
   <p:notesSz cx="6858000" cy="9144000"/>
@@ -302,7 +303,7 @@
             <a:fld id="{87DE6118-2437-4B30-8E3C-4D2BE6020583}" type="datetimeFigureOut">
               <a:rPr lang="en-US" smtClean="0"/>
               <a:pPr/>
-              <a:t>10/25/2022</a:t>
+              <a:t>12/25/2022</a:t>
             </a:fld>
             <a:endParaRPr lang="en-US"/>
           </a:p>
@@ -503,7 +504,7 @@
           <a:p>
             <a:fld id="{87DE6118-2437-4B30-8E3C-4D2BE6020583}" type="datetimeFigureOut">
               <a:rPr lang="en-US" smtClean="0"/>
-              <a:t>10/25/2022</a:t>
+              <a:t>12/25/2022</a:t>
             </a:fld>
             <a:endParaRPr lang="en-US"/>
           </a:p>
@@ -713,7 +714,7 @@
           <a:p>
             <a:fld id="{87DE6118-2437-4B30-8E3C-4D2BE6020583}" type="datetimeFigureOut">
               <a:rPr lang="en-US" smtClean="0"/>
-              <a:t>10/25/2022</a:t>
+              <a:t>12/25/2022</a:t>
             </a:fld>
             <a:endParaRPr lang="en-US"/>
           </a:p>
@@ -926,7 +927,7 @@
             <a:fld id="{87DE6118-2437-4B30-8E3C-4D2BE6020583}" type="datetimeFigureOut">
               <a:rPr lang="en-US" smtClean="0"/>
               <a:pPr/>
-              <a:t>10/25/2022</a:t>
+              <a:t>12/25/2022</a:t>
             </a:fld>
             <a:endParaRPr lang="en-US"/>
           </a:p>
@@ -1138,7 +1139,7 @@
           <a:p>
             <a:fld id="{87DE6118-2437-4B30-8E3C-4D2BE6020583}" type="datetimeFigureOut">
               <a:rPr lang="en-US" smtClean="0"/>
-              <a:t>10/25/2022</a:t>
+              <a:t>12/25/2022</a:t>
             </a:fld>
             <a:endParaRPr lang="en-US"/>
           </a:p>
@@ -1418,7 +1419,7 @@
             <a:fld id="{87DE6118-2437-4B30-8E3C-4D2BE6020583}" type="datetimeFigureOut">
               <a:rPr lang="en-US" smtClean="0"/>
               <a:pPr/>
-              <a:t>10/25/2022</a:t>
+              <a:t>12/25/2022</a:t>
             </a:fld>
             <a:endParaRPr lang="en-US"/>
           </a:p>
@@ -1687,7 +1688,7 @@
           <a:p>
             <a:fld id="{87DE6118-2437-4B30-8E3C-4D2BE6020583}" type="datetimeFigureOut">
               <a:rPr lang="en-US" smtClean="0"/>
-              <a:t>10/25/2022</a:t>
+              <a:t>12/25/2022</a:t>
             </a:fld>
             <a:endParaRPr lang="en-US"/>
           </a:p>
@@ -2103,7 +2104,7 @@
           <a:p>
             <a:fld id="{87DE6118-2437-4B30-8E3C-4D2BE6020583}" type="datetimeFigureOut">
               <a:rPr lang="en-US" smtClean="0"/>
-              <a:t>10/25/2022</a:t>
+              <a:t>12/25/2022</a:t>
             </a:fld>
             <a:endParaRPr lang="en-US"/>
           </a:p>
@@ -2252,7 +2253,7 @@
           <a:p>
             <a:fld id="{87DE6118-2437-4B30-8E3C-4D2BE6020583}" type="datetimeFigureOut">
               <a:rPr lang="en-US" smtClean="0"/>
-              <a:t>10/25/2022</a:t>
+              <a:t>12/25/2022</a:t>
             </a:fld>
             <a:endParaRPr lang="en-US"/>
           </a:p>
@@ -2378,7 +2379,7 @@
           <a:p>
             <a:fld id="{87DE6118-2437-4B30-8E3C-4D2BE6020583}" type="datetimeFigureOut">
               <a:rPr lang="en-US" smtClean="0"/>
-              <a:t>10/25/2022</a:t>
+              <a:t>12/25/2022</a:t>
             </a:fld>
             <a:endParaRPr lang="en-US"/>
           </a:p>
@@ -2630,7 +2631,7 @@
             <a:fld id="{87DE6118-2437-4B30-8E3C-4D2BE6020583}" type="datetimeFigureOut">
               <a:rPr lang="en-US" smtClean="0"/>
               <a:pPr/>
-              <a:t>10/25/2022</a:t>
+              <a:t>12/25/2022</a:t>
             </a:fld>
             <a:endParaRPr lang="en-US"/>
           </a:p>
@@ -2850,7 +2851,7 @@
           <a:p>
             <a:fld id="{87DE6118-2437-4B30-8E3C-4D2BE6020583}" type="datetimeFigureOut">
               <a:rPr lang="en-US" smtClean="0"/>
-              <a:t>10/25/2022</a:t>
+              <a:t>12/25/2022</a:t>
             </a:fld>
             <a:endParaRPr lang="en-US"/>
           </a:p>
@@ -3276,7 +3277,7 @@
             <a:fld id="{87DE6118-2437-4B30-8E3C-4D2BE6020583}" type="datetimeFigureOut">
               <a:rPr lang="en-US" smtClean="0"/>
               <a:pPr/>
-              <a:t>10/25/2022</a:t>
+              <a:t>12/25/2022</a:t>
             </a:fld>
             <a:endParaRPr lang="en-US"/>
           </a:p>
@@ -3483,7 +3484,7 @@
           <a:p>
             <a:fld id="{87DE6118-2437-4B30-8E3C-4D2BE6020583}" type="datetimeFigureOut">
               <a:rPr lang="en-US" smtClean="0"/>
-              <a:t>10/25/2022</a:t>
+              <a:t>12/25/2022</a:t>
             </a:fld>
             <a:endParaRPr lang="en-US"/>
           </a:p>
@@ -3698,7 +3699,7 @@
           <a:p>
             <a:fld id="{87DE6118-2437-4B30-8E3C-4D2BE6020583}" type="datetimeFigureOut">
               <a:rPr lang="en-US" smtClean="0"/>
-              <a:t>10/25/2022</a:t>
+              <a:t>12/25/2022</a:t>
             </a:fld>
             <a:endParaRPr lang="en-US"/>
           </a:p>
@@ -3940,7 +3941,7 @@
             <a:fld id="{87DE6118-2437-4B30-8E3C-4D2BE6020583}" type="datetimeFigureOut">
               <a:rPr lang="en-US" smtClean="0"/>
               <a:pPr/>
-              <a:t>10/25/2022</a:t>
+              <a:t>12/25/2022</a:t>
             </a:fld>
             <a:endParaRPr lang="en-US"/>
           </a:p>
@@ -4141,7 +4142,7 @@
           <a:p>
             <a:fld id="{87DE6118-2437-4B30-8E3C-4D2BE6020583}" type="datetimeFigureOut">
               <a:rPr lang="en-US" smtClean="0"/>
-              <a:t>10/25/2022</a:t>
+              <a:t>12/25/2022</a:t>
             </a:fld>
             <a:endParaRPr lang="en-US"/>
           </a:p>
@@ -4418,7 +4419,7 @@
             <a:fld id="{87DE6118-2437-4B30-8E3C-4D2BE6020583}" type="datetimeFigureOut">
               <a:rPr lang="en-US" smtClean="0"/>
               <a:pPr/>
-              <a:t>10/25/2022</a:t>
+              <a:t>12/25/2022</a:t>
             </a:fld>
             <a:endParaRPr lang="en-US"/>
           </a:p>
@@ -4687,7 +4688,7 @@
           <a:p>
             <a:fld id="{87DE6118-2437-4B30-8E3C-4D2BE6020583}" type="datetimeFigureOut">
               <a:rPr lang="en-US" smtClean="0"/>
-              <a:t>10/25/2022</a:t>
+              <a:t>12/25/2022</a:t>
             </a:fld>
             <a:endParaRPr lang="en-US"/>
           </a:p>
@@ -5102,7 +5103,7 @@
           <a:p>
             <a:fld id="{87DE6118-2437-4B30-8E3C-4D2BE6020583}" type="datetimeFigureOut">
               <a:rPr lang="en-US" smtClean="0"/>
-              <a:t>10/25/2022</a:t>
+              <a:t>12/25/2022</a:t>
             </a:fld>
             <a:endParaRPr lang="en-US"/>
           </a:p>
@@ -5244,7 +5245,7 @@
           <a:p>
             <a:fld id="{87DE6118-2437-4B30-8E3C-4D2BE6020583}" type="datetimeFigureOut">
               <a:rPr lang="en-US" smtClean="0"/>
-              <a:t>10/25/2022</a:t>
+              <a:t>12/25/2022</a:t>
             </a:fld>
             <a:endParaRPr lang="en-US"/>
           </a:p>
@@ -5357,7 +5358,7 @@
           <a:p>
             <a:fld id="{87DE6118-2437-4B30-8E3C-4D2BE6020583}" type="datetimeFigureOut">
               <a:rPr lang="en-US" smtClean="0"/>
-              <a:t>10/25/2022</a:t>
+              <a:t>12/25/2022</a:t>
             </a:fld>
             <a:endParaRPr lang="en-US"/>
           </a:p>
@@ -5634,7 +5635,7 @@
             <a:fld id="{87DE6118-2437-4B30-8E3C-4D2BE6020583}" type="datetimeFigureOut">
               <a:rPr lang="en-US" smtClean="0"/>
               <a:pPr/>
-              <a:t>10/25/2022</a:t>
+              <a:t>12/25/2022</a:t>
             </a:fld>
             <a:endParaRPr lang="en-US"/>
           </a:p>
@@ -5949,7 +5950,7 @@
             <a:fld id="{87DE6118-2437-4B30-8E3C-4D2BE6020583}" type="datetimeFigureOut">
               <a:rPr lang="en-US" smtClean="0"/>
               <a:pPr/>
-              <a:t>10/25/2022</a:t>
+              <a:t>12/25/2022</a:t>
             </a:fld>
             <a:endParaRPr lang="en-US"/>
           </a:p>
@@ -6240,7 +6241,7 @@
             <a:fld id="{87DE6118-2437-4B30-8E3C-4D2BE6020583}" type="datetimeFigureOut">
               <a:rPr lang="en-US" smtClean="0"/>
               <a:pPr/>
-              <a:t>10/25/2022</a:t>
+              <a:t>12/25/2022</a:t>
             </a:fld>
             <a:endParaRPr lang="en-US"/>
           </a:p>
@@ -6441,7 +6442,7 @@
           <a:p>
             <a:fld id="{87DE6118-2437-4B30-8E3C-4D2BE6020583}" type="datetimeFigureOut">
               <a:rPr lang="en-US" smtClean="0"/>
-              <a:t>10/25/2022</a:t>
+              <a:t>12/25/2022</a:t>
             </a:fld>
             <a:endParaRPr lang="en-US"/>
           </a:p>
@@ -6651,7 +6652,7 @@
           <a:p>
             <a:fld id="{87DE6118-2437-4B30-8E3C-4D2BE6020583}" type="datetimeFigureOut">
               <a:rPr lang="en-US" smtClean="0"/>
-              <a:t>10/25/2022</a:t>
+              <a:t>12/25/2022</a:t>
             </a:fld>
             <a:endParaRPr lang="en-US"/>
           </a:p>
@@ -6919,7 +6920,7 @@
           <a:p>
             <a:fld id="{87DE6118-2437-4B30-8E3C-4D2BE6020583}" type="datetimeFigureOut">
               <a:rPr lang="en-US" smtClean="0"/>
-              <a:t>10/25/2022</a:t>
+              <a:t>12/25/2022</a:t>
             </a:fld>
             <a:endParaRPr lang="en-US"/>
           </a:p>
@@ -7334,7 +7335,7 @@
           <a:p>
             <a:fld id="{87DE6118-2437-4B30-8E3C-4D2BE6020583}" type="datetimeFigureOut">
               <a:rPr lang="en-US" smtClean="0"/>
-              <a:t>10/25/2022</a:t>
+              <a:t>12/25/2022</a:t>
             </a:fld>
             <a:endParaRPr lang="en-US"/>
           </a:p>
@@ -7476,7 +7477,7 @@
           <a:p>
             <a:fld id="{87DE6118-2437-4B30-8E3C-4D2BE6020583}" type="datetimeFigureOut">
               <a:rPr lang="en-US" smtClean="0"/>
-              <a:t>10/25/2022</a:t>
+              <a:t>12/25/2022</a:t>
             </a:fld>
             <a:endParaRPr lang="en-US"/>
           </a:p>
@@ -7589,7 +7590,7 @@
           <a:p>
             <a:fld id="{87DE6118-2437-4B30-8E3C-4D2BE6020583}" type="datetimeFigureOut">
               <a:rPr lang="en-US" smtClean="0"/>
-              <a:t>10/25/2022</a:t>
+              <a:t>12/25/2022</a:t>
             </a:fld>
             <a:endParaRPr lang="en-US"/>
           </a:p>
@@ -7903,7 +7904,7 @@
             <a:fld id="{87DE6118-2437-4B30-8E3C-4D2BE6020583}" type="datetimeFigureOut">
               <a:rPr lang="en-US" smtClean="0"/>
               <a:pPr/>
-              <a:t>10/25/2022</a:t>
+              <a:t>12/25/2022</a:t>
             </a:fld>
             <a:endParaRPr lang="en-US"/>
           </a:p>
@@ -8194,7 +8195,7 @@
             <a:fld id="{87DE6118-2437-4B30-8E3C-4D2BE6020583}" type="datetimeFigureOut">
               <a:rPr lang="en-US" smtClean="0"/>
               <a:pPr/>
-              <a:t>10/25/2022</a:t>
+              <a:t>12/25/2022</a:t>
             </a:fld>
             <a:endParaRPr lang="en-US"/>
           </a:p>
@@ -8439,7 +8440,7 @@
             <a:fld id="{87DE6118-2437-4B30-8E3C-4D2BE6020583}" type="datetimeFigureOut">
               <a:rPr lang="en-US" smtClean="0"/>
               <a:pPr/>
-              <a:t>10/25/2022</a:t>
+              <a:t>12/25/2022</a:t>
             </a:fld>
             <a:endParaRPr lang="en-US"/>
           </a:p>
@@ -9076,7 +9077,7 @@
             <a:fld id="{87DE6118-2437-4B30-8E3C-4D2BE6020583}" type="datetimeFigureOut">
               <a:rPr lang="en-US" smtClean="0"/>
               <a:pPr/>
-              <a:t>10/25/2022</a:t>
+              <a:t>12/25/2022</a:t>
             </a:fld>
             <a:endParaRPr lang="en-US"/>
           </a:p>
@@ -9722,7 +9723,7 @@
             <a:fld id="{87DE6118-2437-4B30-8E3C-4D2BE6020583}" type="datetimeFigureOut">
               <a:rPr lang="en-US" smtClean="0"/>
               <a:pPr/>
-              <a:t>10/25/2022</a:t>
+              <a:t>12/25/2022</a:t>
             </a:fld>
             <a:endParaRPr lang="en-US"/>
           </a:p>
@@ -45402,6 +45403,36 @@
 </p:sld>
 </file>
 
+<file path=ppt/slides/slide40.xml><?xml version="1.0" encoding="utf-8"?>
+<p:sld xmlns:a="http://schemas.openxmlformats.org/drawingml/2006/main" xmlns:r="http://schemas.openxmlformats.org/officeDocument/2006/relationships" xmlns:p="http://schemas.openxmlformats.org/presentationml/2006/main">
+  <p:cSld>
+    <p:spTree>
+      <p:nvGrpSpPr>
+        <p:cNvPr id="1" name=""/>
+        <p:cNvGrpSpPr/>
+        <p:nvPr/>
+      </p:nvGrpSpPr>
+      <p:grpSpPr>
+        <a:xfrm>
+          <a:off x="0" y="0"/>
+          <a:ext cx="0" cy="0"/>
+          <a:chOff x="0" y="0"/>
+          <a:chExt cx="0" cy="0"/>
+        </a:xfrm>
+      </p:grpSpPr>
+    </p:spTree>
+    <p:extLst>
+      <p:ext uri="{BB962C8B-B14F-4D97-AF65-F5344CB8AC3E}">
+        <p14:creationId xmlns:p14="http://schemas.microsoft.com/office/powerpoint/2010/main" val="2100581466"/>
+      </p:ext>
+    </p:extLst>
+  </p:cSld>
+  <p:clrMapOvr>
+    <a:masterClrMapping/>
+  </p:clrMapOvr>
+</p:sld>
+</file>
+
 <file path=ppt/slides/slide5.xml><?xml version="1.0" encoding="utf-8"?>
 <p:sld xmlns:a="http://schemas.openxmlformats.org/drawingml/2006/main" xmlns:r="http://schemas.openxmlformats.org/officeDocument/2006/relationships" xmlns:p="http://schemas.openxmlformats.org/presentationml/2006/main">
   <p:cSld>
